--- a/youyun/优云项目讲解内容-最终正式版.pptx
+++ b/youyun/优云项目讲解内容-最终正式版.pptx
@@ -5,7 +5,7 @@
     <p:sldMasterId id="2147483656" r:id="rId1"/>
   </p:sldMasterIdLst>
   <p:notesMasterIdLst>
-    <p:notesMasterId r:id="rId48"/>
+    <p:notesMasterId r:id="rId57"/>
   </p:notesMasterIdLst>
   <p:sldIdLst>
     <p:sldId id="262" r:id="rId2"/>
@@ -54,6 +54,15 @@
     <p:sldId id="315" r:id="rId45"/>
     <p:sldId id="316" r:id="rId46"/>
     <p:sldId id="317" r:id="rId47"/>
+    <p:sldId id="318" r:id="rId48"/>
+    <p:sldId id="319" r:id="rId49"/>
+    <p:sldId id="320" r:id="rId50"/>
+    <p:sldId id="321" r:id="rId51"/>
+    <p:sldId id="322" r:id="rId52"/>
+    <p:sldId id="323" r:id="rId53"/>
+    <p:sldId id="325" r:id="rId54"/>
+    <p:sldId id="329" r:id="rId55"/>
+    <p:sldId id="330" r:id="rId56"/>
   </p:sldIdLst>
   <p:sldSz cx="9144000" cy="6858000" type="screen4x3"/>
   <p:notesSz cx="6858000" cy="9144000"/>
@@ -283,7 +292,7 @@
           <a:p>
             <a:fld id="{5BFF4305-770F-442F-BA60-E4E1520A6947}" type="datetimeFigureOut">
               <a:rPr lang="zh-CN" altLang="en-US" smtClean="0"/>
-              <a:t>2017/4/16</a:t>
+              <a:t>2017/4/17</a:t>
             </a:fld>
             <a:endParaRPr lang="zh-CN" altLang="en-US"/>
           </a:p>
@@ -9635,6 +9644,96 @@
               <a:t>.</a:t>
             </a:r>
           </a:p>
+          <a:p>
+            <a:r>
+              <a:rPr lang="zh-CN" altLang="en-US" sz="1200" kern="1200">
+                <a:solidFill>
+                  <a:schemeClr val="tx1"/>
+                </a:solidFill>
+                <a:latin typeface="+mn-lt"/>
+                <a:ea typeface="+mn-ea"/>
+                <a:cs typeface="+mn-cs"/>
+              </a:rPr>
+              <a:t>海外业务包含了</a:t>
+            </a:r>
+            <a:r>
+              <a:rPr lang="en-US" altLang="zh-CN" sz="1200" kern="1200">
+                <a:solidFill>
+                  <a:schemeClr val="tx1"/>
+                </a:solidFill>
+                <a:latin typeface="+mn-lt"/>
+                <a:ea typeface="+mn-ea"/>
+                <a:cs typeface="+mn-cs"/>
+              </a:rPr>
+              <a:t>android</a:t>
+            </a:r>
+            <a:r>
+              <a:rPr lang="zh-CN" altLang="en-US" sz="1200" kern="1200">
+                <a:solidFill>
+                  <a:schemeClr val="tx1"/>
+                </a:solidFill>
+                <a:latin typeface="+mn-lt"/>
+                <a:ea typeface="+mn-ea"/>
+                <a:cs typeface="+mn-cs"/>
+              </a:rPr>
+              <a:t>和</a:t>
+            </a:r>
+            <a:r>
+              <a:rPr lang="en-US" altLang="zh-CN" sz="1200" kern="1200">
+                <a:solidFill>
+                  <a:schemeClr val="tx1"/>
+                </a:solidFill>
+                <a:latin typeface="+mn-lt"/>
+                <a:ea typeface="+mn-ea"/>
+                <a:cs typeface="+mn-cs"/>
+              </a:rPr>
+              <a:t>ios</a:t>
+            </a:r>
+            <a:r>
+              <a:rPr lang="zh-CN" altLang="en-US" sz="1200" kern="1200">
+                <a:solidFill>
+                  <a:schemeClr val="tx1"/>
+                </a:solidFill>
+                <a:latin typeface="+mn-lt"/>
+                <a:ea typeface="+mn-ea"/>
+                <a:cs typeface="+mn-cs"/>
+              </a:rPr>
+              <a:t>总体的数据</a:t>
+            </a:r>
+            <a:r>
+              <a:rPr lang="en-US" altLang="zh-CN" sz="1200" kern="1200">
+                <a:solidFill>
+                  <a:schemeClr val="tx1"/>
+                </a:solidFill>
+                <a:latin typeface="+mn-lt"/>
+                <a:ea typeface="+mn-ea"/>
+                <a:cs typeface="+mn-cs"/>
+              </a:rPr>
+              <a:t>,</a:t>
+            </a:r>
+            <a:r>
+              <a:rPr lang="zh-CN" altLang="en-US" sz="1200" kern="1200">
+                <a:solidFill>
+                  <a:schemeClr val="tx1"/>
+                </a:solidFill>
+                <a:latin typeface="+mn-lt"/>
+                <a:ea typeface="+mn-ea"/>
+                <a:cs typeface="+mn-cs"/>
+              </a:rPr>
+              <a:t>没有像上面那样分开来进行统计和展示</a:t>
+            </a:r>
+            <a:r>
+              <a:rPr lang="en-US" altLang="zh-CN" sz="1200" kern="1200">
+                <a:solidFill>
+                  <a:schemeClr val="tx1"/>
+                </a:solidFill>
+                <a:latin typeface="+mn-lt"/>
+                <a:ea typeface="+mn-ea"/>
+                <a:cs typeface="+mn-cs"/>
+              </a:rPr>
+              <a:t>.</a:t>
+            </a:r>
+          </a:p>
         </p:txBody>
       </p:sp>
       <p:sp>
@@ -10752,6 +10851,39 @@
           <a:bodyPr/>
           <a:lstStyle/>
           <a:p>
+            <a:r>
+              <a:rPr lang="zh-CN" altLang="en-US" sz="1200" kern="1200">
+                <a:solidFill>
+                  <a:schemeClr val="tx1"/>
+                </a:solidFill>
+                <a:latin typeface="+mn-lt"/>
+                <a:ea typeface="+mn-ea"/>
+                <a:cs typeface="+mn-cs"/>
+              </a:rPr>
+              <a:t>与</a:t>
+            </a:r>
+            <a:r>
+              <a:rPr lang="en-US" altLang="zh-CN" sz="1200" kern="1200">
+                <a:solidFill>
+                  <a:schemeClr val="tx1"/>
+                </a:solidFill>
+                <a:latin typeface="+mn-lt"/>
+                <a:ea typeface="+mn-ea"/>
+                <a:cs typeface="+mn-cs"/>
+              </a:rPr>
+              <a:t>android</a:t>
+            </a:r>
+            <a:r>
+              <a:rPr lang="zh-CN" altLang="en-US" sz="1200" kern="1200">
+                <a:solidFill>
+                  <a:schemeClr val="tx1"/>
+                </a:solidFill>
+                <a:latin typeface="+mn-lt"/>
+                <a:ea typeface="+mn-ea"/>
+                <a:cs typeface="+mn-cs"/>
+              </a:rPr>
+              <a:t>不同是表格中增加了激活和注册的展示</a:t>
+            </a:r>
             <a:endParaRPr lang="en-US" altLang="zh-CN" sz="1200" kern="1200">
               <a:solidFill>
                 <a:schemeClr val="tx1"/>
@@ -10843,14 +10975,138 @@
           <a:bodyPr/>
           <a:lstStyle/>
           <a:p>
-            <a:endParaRPr lang="en-US" altLang="zh-CN" sz="1200" kern="1200">
-              <a:solidFill>
-                <a:schemeClr val="tx1"/>
-              </a:solidFill>
-              <a:latin typeface="+mn-lt"/>
-              <a:ea typeface="+mn-ea"/>
-              <a:cs typeface="+mn-cs"/>
-            </a:endParaRPr>
+            <a:r>
+              <a:rPr lang="zh-CN" altLang="en-US" sz="1200" kern="1200">
+                <a:solidFill>
+                  <a:schemeClr val="tx1"/>
+                </a:solidFill>
+                <a:latin typeface="+mn-lt"/>
+                <a:ea typeface="+mn-ea"/>
+                <a:cs typeface="+mn-cs"/>
+              </a:rPr>
+              <a:t>同样的</a:t>
+            </a:r>
+            <a:r>
+              <a:rPr lang="en-US" altLang="zh-CN" sz="1200" kern="1200">
+                <a:solidFill>
+                  <a:schemeClr val="tx1"/>
+                </a:solidFill>
+                <a:latin typeface="+mn-lt"/>
+                <a:ea typeface="+mn-ea"/>
+                <a:cs typeface="+mn-cs"/>
+              </a:rPr>
+              <a:t>,</a:t>
+            </a:r>
+            <a:r>
+              <a:rPr lang="zh-CN" altLang="en-US" sz="1200" kern="1200">
+                <a:solidFill>
+                  <a:schemeClr val="tx1"/>
+                </a:solidFill>
+                <a:latin typeface="+mn-lt"/>
+                <a:ea typeface="+mn-ea"/>
+                <a:cs typeface="+mn-cs"/>
+              </a:rPr>
+              <a:t>与</a:t>
+            </a:r>
+            <a:r>
+              <a:rPr lang="en-US" altLang="zh-CN" sz="1200" kern="1200">
+                <a:solidFill>
+                  <a:schemeClr val="tx1"/>
+                </a:solidFill>
+                <a:latin typeface="+mn-lt"/>
+                <a:ea typeface="+mn-ea"/>
+                <a:cs typeface="+mn-cs"/>
+              </a:rPr>
+              <a:t>android</a:t>
+            </a:r>
+            <a:r>
+              <a:rPr lang="zh-CN" altLang="en-US" sz="1200" kern="1200">
+                <a:solidFill>
+                  <a:schemeClr val="tx1"/>
+                </a:solidFill>
+                <a:latin typeface="+mn-lt"/>
+                <a:ea typeface="+mn-ea"/>
+                <a:cs typeface="+mn-cs"/>
+              </a:rPr>
+              <a:t>展示的维度相同</a:t>
+            </a:r>
+            <a:r>
+              <a:rPr lang="en-US" altLang="zh-CN" sz="1200" kern="1200">
+                <a:solidFill>
+                  <a:schemeClr val="tx1"/>
+                </a:solidFill>
+                <a:latin typeface="+mn-lt"/>
+                <a:ea typeface="+mn-ea"/>
+                <a:cs typeface="+mn-cs"/>
+              </a:rPr>
+              <a:t>,</a:t>
+            </a:r>
+            <a:r>
+              <a:rPr lang="zh-CN" altLang="en-US" sz="1200" kern="1200">
+                <a:solidFill>
+                  <a:schemeClr val="tx1"/>
+                </a:solidFill>
+                <a:latin typeface="+mn-lt"/>
+                <a:ea typeface="+mn-ea"/>
+                <a:cs typeface="+mn-cs"/>
+              </a:rPr>
+              <a:t>从用户质量</a:t>
+            </a:r>
+            <a:r>
+              <a:rPr lang="en-US" altLang="zh-CN" sz="1200" kern="1200">
+                <a:solidFill>
+                  <a:schemeClr val="tx1"/>
+                </a:solidFill>
+                <a:latin typeface="+mn-lt"/>
+                <a:ea typeface="+mn-ea"/>
+                <a:cs typeface="+mn-cs"/>
+              </a:rPr>
+              <a:t>,</a:t>
+            </a:r>
+            <a:r>
+              <a:rPr lang="zh-CN" altLang="en-US" sz="1200" kern="1200">
+                <a:solidFill>
+                  <a:schemeClr val="tx1"/>
+                </a:solidFill>
+                <a:latin typeface="+mn-lt"/>
+                <a:ea typeface="+mn-ea"/>
+                <a:cs typeface="+mn-cs"/>
+              </a:rPr>
+              <a:t>期内用户期内投产效果</a:t>
+            </a:r>
+            <a:r>
+              <a:rPr lang="en-US" altLang="zh-CN" sz="1200" kern="1200">
+                <a:solidFill>
+                  <a:schemeClr val="tx1"/>
+                </a:solidFill>
+                <a:latin typeface="+mn-lt"/>
+                <a:ea typeface="+mn-ea"/>
+                <a:cs typeface="+mn-cs"/>
+              </a:rPr>
+              <a:t>,</a:t>
+            </a:r>
+            <a:r>
+              <a:rPr lang="zh-CN" altLang="en-US" sz="1200" kern="1200">
+                <a:solidFill>
+                  <a:schemeClr val="tx1"/>
+                </a:solidFill>
+                <a:latin typeface="+mn-lt"/>
+                <a:ea typeface="+mn-ea"/>
+                <a:cs typeface="+mn-cs"/>
+              </a:rPr>
+              <a:t>历史累计用户期内投产效果来展示数据</a:t>
+            </a:r>
+            <a:r>
+              <a:rPr lang="en-US" altLang="zh-CN" sz="1200" kern="1200">
+                <a:solidFill>
+                  <a:schemeClr val="tx1"/>
+                </a:solidFill>
+                <a:latin typeface="+mn-lt"/>
+                <a:ea typeface="+mn-ea"/>
+                <a:cs typeface="+mn-cs"/>
+              </a:rPr>
+              <a:t>.</a:t>
+            </a:r>
           </a:p>
         </p:txBody>
       </p:sp>
@@ -10934,6 +11190,63 @@
           <a:bodyPr/>
           <a:lstStyle/>
           <a:p>
+            <a:r>
+              <a:rPr lang="zh-CN" altLang="en-US" sz="1200" kern="1200">
+                <a:solidFill>
+                  <a:schemeClr val="tx1"/>
+                </a:solidFill>
+                <a:latin typeface="+mn-lt"/>
+                <a:ea typeface="+mn-ea"/>
+                <a:cs typeface="+mn-cs"/>
+              </a:rPr>
+              <a:t>回本率</a:t>
+            </a:r>
+            <a:r>
+              <a:rPr lang="en-US" altLang="zh-CN" sz="1200" kern="1200">
+                <a:solidFill>
+                  <a:schemeClr val="tx1"/>
+                </a:solidFill>
+                <a:latin typeface="+mn-lt"/>
+                <a:ea typeface="+mn-ea"/>
+                <a:cs typeface="+mn-cs"/>
+              </a:rPr>
+              <a:t>:</a:t>
+            </a:r>
+          </a:p>
+          <a:p>
+            <a:r>
+              <a:rPr lang="zh-CN" altLang="en-US" sz="1200" kern="1200">
+                <a:solidFill>
+                  <a:schemeClr val="tx1"/>
+                </a:solidFill>
+                <a:latin typeface="+mn-lt"/>
+                <a:ea typeface="+mn-ea"/>
+                <a:cs typeface="+mn-cs"/>
+              </a:rPr>
+              <a:t>获得的分成</a:t>
+            </a:r>
+            <a:r>
+              <a:rPr lang="en-US" altLang="zh-CN" sz="1200" kern="1200">
+                <a:solidFill>
+                  <a:schemeClr val="tx1"/>
+                </a:solidFill>
+                <a:latin typeface="+mn-lt"/>
+                <a:ea typeface="+mn-ea"/>
+                <a:cs typeface="+mn-cs"/>
+              </a:rPr>
+              <a:t>/</a:t>
+            </a:r>
+            <a:r>
+              <a:rPr lang="zh-CN" altLang="en-US" sz="1200" kern="1200">
+                <a:solidFill>
+                  <a:schemeClr val="tx1"/>
+                </a:solidFill>
+                <a:latin typeface="+mn-lt"/>
+                <a:ea typeface="+mn-ea"/>
+                <a:cs typeface="+mn-cs"/>
+              </a:rPr>
+              <a:t>广告投入成本</a:t>
+            </a:r>
             <a:endParaRPr lang="en-US" altLang="zh-CN" sz="1200" kern="1200">
               <a:solidFill>
                 <a:schemeClr val="tx1"/>
@@ -10942,6 +11255,280 @@
               <a:ea typeface="+mn-ea"/>
               <a:cs typeface="+mn-cs"/>
             </a:endParaRPr>
+          </a:p>
+          <a:p>
+            <a:r>
+              <a:rPr lang="en-US" altLang="zh-CN" sz="1200" kern="1200">
+                <a:solidFill>
+                  <a:schemeClr val="tx1"/>
+                </a:solidFill>
+                <a:latin typeface="+mn-lt"/>
+                <a:ea typeface="+mn-ea"/>
+                <a:cs typeface="+mn-cs"/>
+              </a:rPr>
+              <a:t>LTV:</a:t>
+            </a:r>
+          </a:p>
+          <a:p>
+            <a:r>
+              <a:rPr lang="en-US" altLang="zh-CN" sz="1200" kern="1200">
+                <a:solidFill>
+                  <a:schemeClr val="tx1"/>
+                </a:solidFill>
+                <a:latin typeface="+mn-lt"/>
+                <a:ea typeface="+mn-ea"/>
+                <a:cs typeface="+mn-cs"/>
+              </a:rPr>
+              <a:t>LTV </a:t>
+            </a:r>
+            <a:r>
+              <a:rPr lang="zh-CN" altLang="en-US" sz="1200" kern="1200">
+                <a:solidFill>
+                  <a:schemeClr val="tx1"/>
+                </a:solidFill>
+                <a:latin typeface="+mn-lt"/>
+                <a:ea typeface="+mn-ea"/>
+                <a:cs typeface="+mn-cs"/>
+              </a:rPr>
+              <a:t>用户终身价值 </a:t>
+            </a:r>
+            <a:r>
+              <a:rPr lang="en-US" altLang="zh-CN" sz="1200" kern="1200">
+                <a:solidFill>
+                  <a:schemeClr val="tx1"/>
+                </a:solidFill>
+                <a:latin typeface="+mn-lt"/>
+                <a:ea typeface="+mn-ea"/>
+                <a:cs typeface="+mn-cs"/>
+              </a:rPr>
+              <a:t>(10</a:t>
+            </a:r>
+            <a:r>
+              <a:rPr lang="zh-CN" altLang="en-US" sz="1200" kern="1200">
+                <a:solidFill>
+                  <a:schemeClr val="tx1"/>
+                </a:solidFill>
+                <a:latin typeface="+mn-lt"/>
+                <a:ea typeface="+mn-ea"/>
+                <a:cs typeface="+mn-cs"/>
+              </a:rPr>
+              <a:t>日</a:t>
+            </a:r>
+            <a:r>
+              <a:rPr lang="en-US" altLang="zh-CN" sz="1200" kern="1200">
+                <a:solidFill>
+                  <a:schemeClr val="tx1"/>
+                </a:solidFill>
+                <a:latin typeface="+mn-lt"/>
+                <a:ea typeface="+mn-ea"/>
+                <a:cs typeface="+mn-cs"/>
+              </a:rPr>
+              <a:t>LTV</a:t>
+            </a:r>
+            <a:r>
+              <a:rPr lang="zh-CN" altLang="en-US" sz="1200" kern="1200">
+                <a:solidFill>
+                  <a:schemeClr val="tx1"/>
+                </a:solidFill>
+                <a:latin typeface="+mn-lt"/>
+                <a:ea typeface="+mn-ea"/>
+                <a:cs typeface="+mn-cs"/>
+              </a:rPr>
+              <a:t>就是今天注册的新用户在</a:t>
+            </a:r>
+            <a:r>
+              <a:rPr lang="en-US" altLang="zh-CN" sz="1200" kern="1200">
+                <a:solidFill>
+                  <a:schemeClr val="tx1"/>
+                </a:solidFill>
+                <a:latin typeface="+mn-lt"/>
+                <a:ea typeface="+mn-ea"/>
+                <a:cs typeface="+mn-cs"/>
+              </a:rPr>
+              <a:t>10</a:t>
+            </a:r>
+            <a:r>
+              <a:rPr lang="zh-CN" altLang="en-US" sz="1200" kern="1200">
+                <a:solidFill>
+                  <a:schemeClr val="tx1"/>
+                </a:solidFill>
+                <a:latin typeface="+mn-lt"/>
+                <a:ea typeface="+mn-ea"/>
+                <a:cs typeface="+mn-cs"/>
+              </a:rPr>
+              <a:t>天内的充值总额</a:t>
+            </a:r>
+            <a:r>
+              <a:rPr lang="en-US" altLang="zh-CN" sz="1200" kern="1200">
+                <a:solidFill>
+                  <a:schemeClr val="tx1"/>
+                </a:solidFill>
+                <a:latin typeface="+mn-lt"/>
+                <a:ea typeface="+mn-ea"/>
+                <a:cs typeface="+mn-cs"/>
+              </a:rPr>
+              <a:t>/</a:t>
+            </a:r>
+            <a:r>
+              <a:rPr lang="zh-CN" altLang="en-US" sz="1200" kern="1200">
+                <a:solidFill>
+                  <a:schemeClr val="tx1"/>
+                </a:solidFill>
+                <a:latin typeface="+mn-lt"/>
+                <a:ea typeface="+mn-ea"/>
+                <a:cs typeface="+mn-cs"/>
+              </a:rPr>
+              <a:t>今天的内注册人数</a:t>
+            </a:r>
+            <a:r>
+              <a:rPr lang="en-US" altLang="zh-CN" sz="1200" kern="1200">
+                <a:solidFill>
+                  <a:schemeClr val="tx1"/>
+                </a:solidFill>
+                <a:latin typeface="+mn-lt"/>
+                <a:ea typeface="+mn-ea"/>
+                <a:cs typeface="+mn-cs"/>
+              </a:rPr>
+              <a:t>)</a:t>
+            </a:r>
+          </a:p>
+          <a:p>
+            <a:r>
+              <a:rPr lang="zh-CN" altLang="en-US" sz="1200" kern="1200">
+                <a:solidFill>
+                  <a:schemeClr val="tx1"/>
+                </a:solidFill>
+                <a:latin typeface="+mn-lt"/>
+                <a:ea typeface="+mn-ea"/>
+                <a:cs typeface="+mn-cs"/>
+              </a:rPr>
+              <a:t>留存</a:t>
+            </a:r>
+            <a:r>
+              <a:rPr lang="en-US" altLang="zh-CN" sz="1200" kern="1200">
+                <a:solidFill>
+                  <a:schemeClr val="tx1"/>
+                </a:solidFill>
+                <a:latin typeface="+mn-lt"/>
+                <a:ea typeface="+mn-ea"/>
+                <a:cs typeface="+mn-cs"/>
+              </a:rPr>
+              <a:t>:</a:t>
+            </a:r>
+          </a:p>
+          <a:p>
+            <a:r>
+              <a:rPr lang="zh-CN" altLang="en-US" sz="1200" kern="1200">
+                <a:solidFill>
+                  <a:schemeClr val="tx1"/>
+                </a:solidFill>
+                <a:latin typeface="+mn-lt"/>
+                <a:ea typeface="+mn-ea"/>
+                <a:cs typeface="+mn-cs"/>
+              </a:rPr>
+              <a:t>次日留存</a:t>
+            </a:r>
+            <a:r>
+              <a:rPr lang="en-US" altLang="zh-CN" sz="1200" kern="1200">
+                <a:solidFill>
+                  <a:schemeClr val="tx1"/>
+                </a:solidFill>
+                <a:latin typeface="+mn-lt"/>
+                <a:ea typeface="+mn-ea"/>
+                <a:cs typeface="+mn-cs"/>
+              </a:rPr>
+              <a:t>:</a:t>
+            </a:r>
+            <a:r>
+              <a:rPr lang="zh-CN" altLang="en-US" sz="1200" kern="1200">
+                <a:solidFill>
+                  <a:schemeClr val="tx1"/>
+                </a:solidFill>
+                <a:latin typeface="+mn-lt"/>
+                <a:ea typeface="+mn-ea"/>
+                <a:cs typeface="+mn-cs"/>
+              </a:rPr>
+              <a:t>当日注册的玩家第二日登录的数量</a:t>
+            </a:r>
+            <a:r>
+              <a:rPr lang="en-US" altLang="zh-CN" sz="1200" kern="1200">
+                <a:solidFill>
+                  <a:schemeClr val="tx1"/>
+                </a:solidFill>
+                <a:latin typeface="+mn-lt"/>
+                <a:ea typeface="+mn-ea"/>
+                <a:cs typeface="+mn-cs"/>
+              </a:rPr>
+              <a:t>.</a:t>
+            </a:r>
+          </a:p>
+          <a:p>
+            <a:r>
+              <a:rPr lang="zh-CN" altLang="en-US" sz="1200" kern="1200">
+                <a:solidFill>
+                  <a:schemeClr val="tx1"/>
+                </a:solidFill>
+                <a:latin typeface="+mn-lt"/>
+                <a:ea typeface="+mn-ea"/>
+                <a:cs typeface="+mn-cs"/>
+              </a:rPr>
+              <a:t>次日留存率</a:t>
+            </a:r>
+            <a:r>
+              <a:rPr lang="en-US" altLang="zh-CN" sz="1200" kern="1200">
+                <a:solidFill>
+                  <a:schemeClr val="tx1"/>
+                </a:solidFill>
+                <a:latin typeface="+mn-lt"/>
+                <a:ea typeface="+mn-ea"/>
+                <a:cs typeface="+mn-cs"/>
+              </a:rPr>
+              <a:t>:</a:t>
+            </a:r>
+            <a:r>
+              <a:rPr lang="zh-CN" altLang="en-US" sz="1200" kern="1200">
+                <a:solidFill>
+                  <a:schemeClr val="tx1"/>
+                </a:solidFill>
+                <a:latin typeface="+mn-lt"/>
+                <a:ea typeface="+mn-ea"/>
+                <a:cs typeface="+mn-cs"/>
+              </a:rPr>
+              <a:t>第二日登录的玩家数量</a:t>
+            </a:r>
+            <a:r>
+              <a:rPr lang="en-US" altLang="zh-CN" sz="1200" kern="1200">
+                <a:solidFill>
+                  <a:schemeClr val="tx1"/>
+                </a:solidFill>
+                <a:latin typeface="+mn-lt"/>
+                <a:ea typeface="+mn-ea"/>
+                <a:cs typeface="+mn-cs"/>
+              </a:rPr>
+              <a:t>/</a:t>
+            </a:r>
+            <a:r>
+              <a:rPr lang="zh-CN" altLang="en-US" sz="1200" kern="1200">
+                <a:solidFill>
+                  <a:schemeClr val="tx1"/>
+                </a:solidFill>
+                <a:latin typeface="+mn-lt"/>
+                <a:ea typeface="+mn-ea"/>
+                <a:cs typeface="+mn-cs"/>
+              </a:rPr>
+              <a:t>第一日玩家注册数量</a:t>
+            </a:r>
+            <a:r>
+              <a:rPr lang="en-US" altLang="zh-CN" sz="1200" kern="1200">
+                <a:solidFill>
+                  <a:schemeClr val="tx1"/>
+                </a:solidFill>
+                <a:latin typeface="+mn-lt"/>
+                <a:ea typeface="+mn-ea"/>
+                <a:cs typeface="+mn-cs"/>
+              </a:rPr>
+              <a:t>.</a:t>
+            </a:r>
           </a:p>
         </p:txBody>
       </p:sp>
@@ -11774,6 +12361,274 @@
           <a:bodyPr/>
           <a:lstStyle/>
           <a:p>
+            <a:r>
+              <a:rPr lang="zh-CN" altLang="en-US" sz="1200" kern="1200">
+                <a:solidFill>
+                  <a:schemeClr val="tx1"/>
+                </a:solidFill>
+                <a:latin typeface="+mn-lt"/>
+                <a:ea typeface="+mn-ea"/>
+                <a:cs typeface="+mn-cs"/>
+              </a:rPr>
+              <a:t>结算包括支付和提供发票两个内容</a:t>
+            </a:r>
+            <a:r>
+              <a:rPr lang="en-US" altLang="zh-CN" sz="1200" kern="1200">
+                <a:solidFill>
+                  <a:schemeClr val="tx1"/>
+                </a:solidFill>
+                <a:latin typeface="+mn-lt"/>
+                <a:ea typeface="+mn-ea"/>
+                <a:cs typeface="+mn-cs"/>
+              </a:rPr>
+              <a:t>.</a:t>
+            </a:r>
+          </a:p>
+          <a:p>
+            <a:r>
+              <a:rPr lang="zh-CN" altLang="en-US" sz="1200" kern="1200">
+                <a:solidFill>
+                  <a:schemeClr val="tx1"/>
+                </a:solidFill>
+                <a:latin typeface="+mn-lt"/>
+                <a:ea typeface="+mn-ea"/>
+                <a:cs typeface="+mn-cs"/>
+              </a:rPr>
+              <a:t>该功能不仅提供展示</a:t>
+            </a:r>
+            <a:r>
+              <a:rPr lang="en-US" altLang="zh-CN" sz="1200" kern="1200">
+                <a:solidFill>
+                  <a:schemeClr val="tx1"/>
+                </a:solidFill>
+                <a:latin typeface="+mn-lt"/>
+                <a:ea typeface="+mn-ea"/>
+                <a:cs typeface="+mn-cs"/>
+              </a:rPr>
+              <a:t>,</a:t>
+            </a:r>
+            <a:r>
+              <a:rPr lang="zh-CN" altLang="en-US" sz="1200" kern="1200">
+                <a:solidFill>
+                  <a:schemeClr val="tx1"/>
+                </a:solidFill>
+                <a:latin typeface="+mn-lt"/>
+                <a:ea typeface="+mn-ea"/>
+                <a:cs typeface="+mn-cs"/>
+              </a:rPr>
+              <a:t>也可以进行结算和记录发票</a:t>
+            </a:r>
+            <a:r>
+              <a:rPr lang="en-US" altLang="zh-CN" sz="1200" kern="1200">
+                <a:solidFill>
+                  <a:schemeClr val="tx1"/>
+                </a:solidFill>
+                <a:latin typeface="+mn-lt"/>
+                <a:ea typeface="+mn-ea"/>
+                <a:cs typeface="+mn-cs"/>
+              </a:rPr>
+              <a:t>.</a:t>
+            </a:r>
+            <a:r>
+              <a:rPr lang="zh-CN" altLang="en-US" sz="1200" kern="1200">
+                <a:solidFill>
+                  <a:schemeClr val="tx1"/>
+                </a:solidFill>
+                <a:latin typeface="+mn-lt"/>
+                <a:ea typeface="+mn-ea"/>
+                <a:cs typeface="+mn-cs"/>
+              </a:rPr>
+              <a:t>在下方的这个输入框中写入开始和结算时间</a:t>
+            </a:r>
+            <a:r>
+              <a:rPr lang="en-US" altLang="zh-CN" sz="1200" kern="1200">
+                <a:solidFill>
+                  <a:schemeClr val="tx1"/>
+                </a:solidFill>
+                <a:latin typeface="+mn-lt"/>
+                <a:ea typeface="+mn-ea"/>
+                <a:cs typeface="+mn-cs"/>
+              </a:rPr>
+              <a:t>,</a:t>
+            </a:r>
+            <a:r>
+              <a:rPr lang="zh-CN" altLang="en-US" sz="1200" kern="1200">
+                <a:solidFill>
+                  <a:schemeClr val="tx1"/>
+                </a:solidFill>
+                <a:latin typeface="+mn-lt"/>
+                <a:ea typeface="+mn-ea"/>
+                <a:cs typeface="+mn-cs"/>
+              </a:rPr>
+              <a:t>就可以给数据记录开始和结算时间时间</a:t>
+            </a:r>
+            <a:r>
+              <a:rPr lang="en-US" altLang="zh-CN" sz="1200" kern="1200">
+                <a:solidFill>
+                  <a:schemeClr val="tx1"/>
+                </a:solidFill>
+                <a:latin typeface="+mn-lt"/>
+                <a:ea typeface="+mn-ea"/>
+                <a:cs typeface="+mn-cs"/>
+              </a:rPr>
+              <a:t>(</a:t>
+            </a:r>
+            <a:r>
+              <a:rPr lang="zh-CN" altLang="en-US" sz="1200" kern="1200">
+                <a:solidFill>
+                  <a:schemeClr val="tx1"/>
+                </a:solidFill>
+                <a:latin typeface="+mn-lt"/>
+                <a:ea typeface="+mn-ea"/>
+                <a:cs typeface="+mn-cs"/>
+              </a:rPr>
+              <a:t>更新数据表</a:t>
+            </a:r>
+            <a:r>
+              <a:rPr lang="en-US" altLang="zh-CN" sz="1200" kern="1200">
+                <a:solidFill>
+                  <a:schemeClr val="tx1"/>
+                </a:solidFill>
+                <a:latin typeface="+mn-lt"/>
+                <a:ea typeface="+mn-ea"/>
+                <a:cs typeface="+mn-cs"/>
+              </a:rPr>
+              <a:t>),</a:t>
+            </a:r>
+            <a:r>
+              <a:rPr lang="zh-CN" altLang="en-US" sz="1200" kern="1200">
+                <a:solidFill>
+                  <a:schemeClr val="tx1"/>
+                </a:solidFill>
+                <a:latin typeface="+mn-lt"/>
+                <a:ea typeface="+mn-ea"/>
+                <a:cs typeface="+mn-cs"/>
+              </a:rPr>
+              <a:t>还可以选择记录后面的操作</a:t>
+            </a:r>
+            <a:r>
+              <a:rPr lang="en-US" altLang="zh-CN" sz="1200" kern="1200">
+                <a:solidFill>
+                  <a:schemeClr val="tx1"/>
+                </a:solidFill>
+                <a:latin typeface="+mn-lt"/>
+                <a:ea typeface="+mn-ea"/>
+                <a:cs typeface="+mn-cs"/>
+              </a:rPr>
+              <a:t>,</a:t>
+            </a:r>
+            <a:r>
+              <a:rPr lang="zh-CN" altLang="en-US" sz="1200" kern="1200">
+                <a:solidFill>
+                  <a:schemeClr val="tx1"/>
+                </a:solidFill>
+                <a:latin typeface="+mn-lt"/>
+                <a:ea typeface="+mn-ea"/>
+                <a:cs typeface="+mn-cs"/>
+              </a:rPr>
+              <a:t>选择支付</a:t>
+            </a:r>
+            <a:r>
+              <a:rPr lang="en-US" altLang="zh-CN" sz="1200" kern="1200">
+                <a:solidFill>
+                  <a:schemeClr val="tx1"/>
+                </a:solidFill>
+                <a:latin typeface="+mn-lt"/>
+                <a:ea typeface="+mn-ea"/>
+                <a:cs typeface="+mn-cs"/>
+              </a:rPr>
+              <a:t>(</a:t>
+            </a:r>
+            <a:r>
+              <a:rPr lang="zh-CN" altLang="en-US" sz="1200" kern="1200">
+                <a:solidFill>
+                  <a:schemeClr val="tx1"/>
+                </a:solidFill>
+                <a:latin typeface="+mn-lt"/>
+                <a:ea typeface="+mn-ea"/>
+                <a:cs typeface="+mn-cs"/>
+              </a:rPr>
+              <a:t>更新该渠道商的支付状态为已支付</a:t>
+            </a:r>
+            <a:r>
+              <a:rPr lang="en-US" altLang="zh-CN" sz="1200" kern="1200">
+                <a:solidFill>
+                  <a:schemeClr val="tx1"/>
+                </a:solidFill>
+                <a:latin typeface="+mn-lt"/>
+                <a:ea typeface="+mn-ea"/>
+                <a:cs typeface="+mn-cs"/>
+              </a:rPr>
+              <a:t>),</a:t>
+            </a:r>
+            <a:r>
+              <a:rPr lang="zh-CN" altLang="en-US" sz="1200" kern="1200">
+                <a:solidFill>
+                  <a:schemeClr val="tx1"/>
+                </a:solidFill>
+                <a:latin typeface="+mn-lt"/>
+                <a:ea typeface="+mn-ea"/>
+                <a:cs typeface="+mn-cs"/>
+              </a:rPr>
+              <a:t>发票</a:t>
+            </a:r>
+            <a:r>
+              <a:rPr lang="en-US" altLang="zh-CN" sz="1200" kern="1200">
+                <a:solidFill>
+                  <a:schemeClr val="tx1"/>
+                </a:solidFill>
+                <a:latin typeface="+mn-lt"/>
+                <a:ea typeface="+mn-ea"/>
+                <a:cs typeface="+mn-cs"/>
+              </a:rPr>
+              <a:t>(</a:t>
+            </a:r>
+            <a:r>
+              <a:rPr lang="zh-CN" altLang="en-US" sz="1200" kern="1200">
+                <a:solidFill>
+                  <a:schemeClr val="tx1"/>
+                </a:solidFill>
+                <a:latin typeface="+mn-lt"/>
+                <a:ea typeface="+mn-ea"/>
+                <a:cs typeface="+mn-cs"/>
+              </a:rPr>
+              <a:t>更新该渠道商发票状态为已收到</a:t>
+            </a:r>
+            <a:r>
+              <a:rPr lang="en-US" altLang="zh-CN" sz="1200" kern="1200">
+                <a:solidFill>
+                  <a:schemeClr val="tx1"/>
+                </a:solidFill>
+                <a:latin typeface="+mn-lt"/>
+                <a:ea typeface="+mn-ea"/>
+                <a:cs typeface="+mn-cs"/>
+              </a:rPr>
+              <a:t>)</a:t>
+            </a:r>
+            <a:r>
+              <a:rPr lang="zh-CN" altLang="en-US" sz="1200" kern="1200">
+                <a:solidFill>
+                  <a:schemeClr val="tx1"/>
+                </a:solidFill>
+                <a:latin typeface="+mn-lt"/>
+                <a:ea typeface="+mn-ea"/>
+                <a:cs typeface="+mn-cs"/>
+              </a:rPr>
+              <a:t>操作</a:t>
+            </a:r>
+            <a:r>
+              <a:rPr lang="en-US" altLang="zh-CN" sz="1200" kern="1200">
+                <a:solidFill>
+                  <a:schemeClr val="tx1"/>
+                </a:solidFill>
+                <a:latin typeface="+mn-lt"/>
+                <a:ea typeface="+mn-ea"/>
+                <a:cs typeface="+mn-cs"/>
+              </a:rPr>
+              <a:t>.</a:t>
+            </a:r>
+          </a:p>
+          <a:p>
             <a:endParaRPr lang="en-US" altLang="zh-CN" sz="1200" kern="1200">
               <a:solidFill>
                 <a:schemeClr val="tx1"/>
@@ -11865,7 +12720,407 @@
           <a:bodyPr/>
           <a:lstStyle/>
           <a:p>
-            <a:endParaRPr lang="en-US" altLang="zh-CN" sz="1200" kern="1200">
+            <a:r>
+              <a:rPr lang="zh-CN" altLang="en-US" sz="1200" kern="1200">
+                <a:solidFill>
+                  <a:schemeClr val="tx1"/>
+                </a:solidFill>
+                <a:latin typeface="+mn-lt"/>
+                <a:ea typeface="+mn-ea"/>
+                <a:cs typeface="+mn-cs"/>
+              </a:rPr>
+              <a:t>从代码角度看就是将</a:t>
+            </a:r>
+            <a:r>
+              <a:rPr lang="en-US" altLang="zh-CN" sz="1200" kern="1200">
+                <a:solidFill>
+                  <a:schemeClr val="tx1"/>
+                </a:solidFill>
+                <a:latin typeface="+mn-lt"/>
+                <a:ea typeface="+mn-ea"/>
+                <a:cs typeface="+mn-cs"/>
+              </a:rPr>
+              <a:t>settle_data</a:t>
+            </a:r>
+            <a:r>
+              <a:rPr lang="zh-CN" altLang="en-US" sz="1200" kern="1200">
+                <a:solidFill>
+                  <a:schemeClr val="tx1"/>
+                </a:solidFill>
+                <a:latin typeface="+mn-lt"/>
+                <a:ea typeface="+mn-ea"/>
+                <a:cs typeface="+mn-cs"/>
+              </a:rPr>
+              <a:t>表中</a:t>
+            </a:r>
+            <a:r>
+              <a:rPr lang="en-US" altLang="zh-CN" sz="1200" kern="1200">
+                <a:solidFill>
+                  <a:schemeClr val="tx1"/>
+                </a:solidFill>
+                <a:latin typeface="+mn-lt"/>
+                <a:ea typeface="+mn-ea"/>
+                <a:cs typeface="+mn-cs"/>
+              </a:rPr>
+              <a:t>,</a:t>
+            </a:r>
+            <a:r>
+              <a:rPr lang="zh-CN" altLang="en-US" sz="1200" kern="1200">
+                <a:solidFill>
+                  <a:schemeClr val="tx1"/>
+                </a:solidFill>
+                <a:latin typeface="+mn-lt"/>
+                <a:ea typeface="+mn-ea"/>
+                <a:cs typeface="+mn-cs"/>
+              </a:rPr>
+              <a:t>对一个时间段</a:t>
+            </a:r>
+            <a:r>
+              <a:rPr lang="en-US" altLang="zh-CN" sz="1200" kern="1200">
+                <a:solidFill>
+                  <a:schemeClr val="tx1"/>
+                </a:solidFill>
+                <a:latin typeface="+mn-lt"/>
+                <a:ea typeface="+mn-ea"/>
+                <a:cs typeface="+mn-cs"/>
+              </a:rPr>
+              <a:t>(</a:t>
+            </a:r>
+            <a:r>
+              <a:rPr lang="zh-CN" altLang="en-US" sz="1200" kern="1200">
+                <a:solidFill>
+                  <a:schemeClr val="tx1"/>
+                </a:solidFill>
+                <a:latin typeface="+mn-lt"/>
+                <a:ea typeface="+mn-ea"/>
+                <a:cs typeface="+mn-cs"/>
+              </a:rPr>
+              <a:t>开始日到结算日</a:t>
+            </a:r>
+            <a:r>
+              <a:rPr lang="en-US" altLang="zh-CN" sz="1200" kern="1200">
+                <a:solidFill>
+                  <a:schemeClr val="tx1"/>
+                </a:solidFill>
+                <a:latin typeface="+mn-lt"/>
+                <a:ea typeface="+mn-ea"/>
+                <a:cs typeface="+mn-cs"/>
+              </a:rPr>
+              <a:t>),</a:t>
+            </a:r>
+            <a:r>
+              <a:rPr lang="zh-CN" altLang="en-US" sz="1200" kern="1200">
+                <a:solidFill>
+                  <a:schemeClr val="tx1"/>
+                </a:solidFill>
+                <a:latin typeface="+mn-lt"/>
+                <a:ea typeface="+mn-ea"/>
+                <a:cs typeface="+mn-cs"/>
+              </a:rPr>
+              <a:t>这个时间段内的一个结算情况进行展示</a:t>
+            </a:r>
+            <a:r>
+              <a:rPr lang="en-US" altLang="zh-CN" sz="1200" kern="1200">
+                <a:solidFill>
+                  <a:schemeClr val="tx1"/>
+                </a:solidFill>
+                <a:latin typeface="+mn-lt"/>
+                <a:ea typeface="+mn-ea"/>
+                <a:cs typeface="+mn-cs"/>
+              </a:rPr>
+              <a:t>(</a:t>
+            </a:r>
+            <a:r>
+              <a:rPr lang="zh-CN" altLang="en-US" sz="1200" kern="1200">
+                <a:solidFill>
+                  <a:schemeClr val="tx1"/>
+                </a:solidFill>
+                <a:latin typeface="+mn-lt"/>
+                <a:ea typeface="+mn-ea"/>
+                <a:cs typeface="+mn-cs"/>
+              </a:rPr>
+              <a:t>比如该时间段内结算注册多少个</a:t>
+            </a:r>
+            <a:r>
+              <a:rPr lang="en-US" altLang="zh-CN" sz="1200" kern="1200">
+                <a:solidFill>
+                  <a:schemeClr val="tx1"/>
+                </a:solidFill>
+                <a:latin typeface="+mn-lt"/>
+                <a:ea typeface="+mn-ea"/>
+                <a:cs typeface="+mn-cs"/>
+              </a:rPr>
+              <a:t>,</a:t>
+            </a:r>
+            <a:r>
+              <a:rPr lang="zh-CN" altLang="en-US" sz="1200" kern="1200">
+                <a:solidFill>
+                  <a:schemeClr val="tx1"/>
+                </a:solidFill>
+                <a:latin typeface="+mn-lt"/>
+                <a:ea typeface="+mn-ea"/>
+                <a:cs typeface="+mn-cs"/>
+              </a:rPr>
+              <a:t>结算分成</a:t>
+            </a:r>
+            <a:r>
+              <a:rPr lang="en-US" altLang="zh-CN" sz="1200" kern="1200">
+                <a:solidFill>
+                  <a:schemeClr val="tx1"/>
+                </a:solidFill>
+                <a:latin typeface="+mn-lt"/>
+                <a:ea typeface="+mn-ea"/>
+                <a:cs typeface="+mn-cs"/>
+              </a:rPr>
+              <a:t>(cps</a:t>
+            </a:r>
+            <a:r>
+              <a:rPr lang="zh-CN" altLang="en-US" sz="1200" kern="1200">
+                <a:solidFill>
+                  <a:schemeClr val="tx1"/>
+                </a:solidFill>
+                <a:latin typeface="+mn-lt"/>
+                <a:ea typeface="+mn-ea"/>
+                <a:cs typeface="+mn-cs"/>
+              </a:rPr>
+              <a:t>分成给渠道</a:t>
+            </a:r>
+            <a:r>
+              <a:rPr lang="en-US" altLang="zh-CN" sz="1200" kern="1200">
+                <a:solidFill>
+                  <a:schemeClr val="tx1"/>
+                </a:solidFill>
+                <a:latin typeface="+mn-lt"/>
+                <a:ea typeface="+mn-ea"/>
+                <a:cs typeface="+mn-cs"/>
+              </a:rPr>
+              <a:t>)</a:t>
+            </a:r>
+            <a:r>
+              <a:rPr lang="zh-CN" altLang="en-US" sz="1200" kern="1200">
+                <a:solidFill>
+                  <a:schemeClr val="tx1"/>
+                </a:solidFill>
+                <a:latin typeface="+mn-lt"/>
+                <a:ea typeface="+mn-ea"/>
+                <a:cs typeface="+mn-cs"/>
+              </a:rPr>
+              <a:t>多少</a:t>
+            </a:r>
+            <a:r>
+              <a:rPr lang="en-US" altLang="zh-CN" sz="1200" kern="1200">
+                <a:solidFill>
+                  <a:schemeClr val="tx1"/>
+                </a:solidFill>
+                <a:latin typeface="+mn-lt"/>
+                <a:ea typeface="+mn-ea"/>
+                <a:cs typeface="+mn-cs"/>
+              </a:rPr>
+              <a:t>,</a:t>
+            </a:r>
+            <a:r>
+              <a:rPr lang="zh-CN" altLang="en-US" sz="1200" kern="1200">
+                <a:solidFill>
+                  <a:schemeClr val="tx1"/>
+                </a:solidFill>
+                <a:latin typeface="+mn-lt"/>
+                <a:ea typeface="+mn-ea"/>
+                <a:cs typeface="+mn-cs"/>
+              </a:rPr>
+              <a:t>往期累计合计金额等</a:t>
+            </a:r>
+            <a:r>
+              <a:rPr lang="en-US" altLang="zh-CN" sz="1200" kern="1200">
+                <a:solidFill>
+                  <a:schemeClr val="tx1"/>
+                </a:solidFill>
+                <a:latin typeface="+mn-lt"/>
+                <a:ea typeface="+mn-ea"/>
+                <a:cs typeface="+mn-cs"/>
+              </a:rPr>
+              <a:t>)</a:t>
+            </a:r>
+          </a:p>
+          <a:p>
+            <a:r>
+              <a:rPr lang="zh-CN" altLang="en-US" sz="1200" kern="1200">
+                <a:solidFill>
+                  <a:schemeClr val="tx1"/>
+                </a:solidFill>
+                <a:latin typeface="+mn-lt"/>
+                <a:ea typeface="+mn-ea"/>
+                <a:cs typeface="+mn-cs"/>
+              </a:rPr>
+              <a:t>点击详细按钮</a:t>
+            </a:r>
+            <a:r>
+              <a:rPr lang="en-US" altLang="zh-CN" sz="1200" kern="1200">
+                <a:solidFill>
+                  <a:schemeClr val="tx1"/>
+                </a:solidFill>
+                <a:latin typeface="+mn-lt"/>
+                <a:ea typeface="+mn-ea"/>
+                <a:cs typeface="+mn-cs"/>
+              </a:rPr>
+              <a:t>:</a:t>
+            </a:r>
+          </a:p>
+          <a:p>
+            <a:r>
+              <a:rPr lang="zh-CN" altLang="en-US" sz="1200" kern="1200">
+                <a:solidFill>
+                  <a:schemeClr val="tx1"/>
+                </a:solidFill>
+                <a:latin typeface="+mn-lt"/>
+                <a:ea typeface="+mn-ea"/>
+                <a:cs typeface="+mn-cs"/>
+              </a:rPr>
+              <a:t>可以对结算信息进行操作</a:t>
+            </a:r>
+            <a:r>
+              <a:rPr lang="en-US" altLang="zh-CN" sz="1200" kern="1200">
+                <a:solidFill>
+                  <a:schemeClr val="tx1"/>
+                </a:solidFill>
+                <a:latin typeface="+mn-lt"/>
+                <a:ea typeface="+mn-ea"/>
+                <a:cs typeface="+mn-cs"/>
+              </a:rPr>
+              <a:t>,</a:t>
+            </a:r>
+            <a:r>
+              <a:rPr lang="zh-CN" altLang="en-US" sz="1200" kern="1200">
+                <a:solidFill>
+                  <a:schemeClr val="tx1"/>
+                </a:solidFill>
+                <a:latin typeface="+mn-lt"/>
+                <a:ea typeface="+mn-ea"/>
+                <a:cs typeface="+mn-cs"/>
+              </a:rPr>
+              <a:t>比如添加开始和结算日期</a:t>
+            </a:r>
+            <a:r>
+              <a:rPr lang="en-US" altLang="zh-CN" sz="1200" kern="1200">
+                <a:solidFill>
+                  <a:schemeClr val="tx1"/>
+                </a:solidFill>
+                <a:latin typeface="+mn-lt"/>
+                <a:ea typeface="+mn-ea"/>
+                <a:cs typeface="+mn-cs"/>
+              </a:rPr>
+              <a:t>(</a:t>
+            </a:r>
+            <a:r>
+              <a:rPr lang="zh-CN" altLang="en-US" sz="1200" kern="1200">
+                <a:solidFill>
+                  <a:schemeClr val="tx1"/>
+                </a:solidFill>
+                <a:latin typeface="+mn-lt"/>
+                <a:ea typeface="+mn-ea"/>
+                <a:cs typeface="+mn-cs"/>
+              </a:rPr>
+              <a:t>但是已经有结算日期的不允许结算</a:t>
+            </a:r>
+            <a:r>
+              <a:rPr lang="en-US" altLang="zh-CN" sz="1200" kern="1200">
+                <a:solidFill>
+                  <a:schemeClr val="tx1"/>
+                </a:solidFill>
+                <a:latin typeface="+mn-lt"/>
+                <a:ea typeface="+mn-ea"/>
+                <a:cs typeface="+mn-cs"/>
+              </a:rPr>
+              <a:t>,</a:t>
+            </a:r>
+            <a:r>
+              <a:rPr lang="zh-CN" altLang="en-US" sz="1200" kern="1200">
+                <a:solidFill>
+                  <a:schemeClr val="tx1"/>
+                </a:solidFill>
+                <a:latin typeface="+mn-lt"/>
+                <a:ea typeface="+mn-ea"/>
+                <a:cs typeface="+mn-cs"/>
+              </a:rPr>
+              <a:t>可以对在</a:t>
+            </a:r>
+            <a:r>
+              <a:rPr lang="en-US" altLang="zh-CN" sz="1200" kern="1200">
+                <a:solidFill>
+                  <a:schemeClr val="tx1"/>
+                </a:solidFill>
+                <a:latin typeface="+mn-lt"/>
+                <a:ea typeface="+mn-ea"/>
+                <a:cs typeface="+mn-cs"/>
+              </a:rPr>
+              <a:t>android</a:t>
+            </a:r>
+            <a:r>
+              <a:rPr lang="zh-CN" altLang="en-US" sz="1200" kern="1200">
+                <a:solidFill>
+                  <a:schemeClr val="tx1"/>
+                </a:solidFill>
+                <a:latin typeface="+mn-lt"/>
+                <a:ea typeface="+mn-ea"/>
+                <a:cs typeface="+mn-cs"/>
+              </a:rPr>
+              <a:t>业务</a:t>
+            </a:r>
+            <a:r>
+              <a:rPr lang="en-US" altLang="zh-CN" sz="1200" kern="1200">
+                <a:solidFill>
+                  <a:schemeClr val="tx1"/>
+                </a:solidFill>
+                <a:latin typeface="+mn-lt"/>
+                <a:ea typeface="+mn-ea"/>
+                <a:cs typeface="+mn-cs"/>
+              </a:rPr>
+              <a:t>-</a:t>
+            </a:r>
+            <a:r>
+              <a:rPr lang="zh-CN" altLang="en-US" sz="1200" kern="1200">
+                <a:solidFill>
+                  <a:schemeClr val="tx1"/>
+                </a:solidFill>
+                <a:latin typeface="+mn-lt"/>
+                <a:ea typeface="+mn-ea"/>
+                <a:cs typeface="+mn-cs"/>
+              </a:rPr>
+              <a:t>渠道列表那里点击结算按钮的数据进行结算</a:t>
+            </a:r>
+            <a:r>
+              <a:rPr lang="en-US" altLang="zh-CN" sz="1200" kern="1200">
+                <a:solidFill>
+                  <a:schemeClr val="tx1"/>
+                </a:solidFill>
+                <a:latin typeface="+mn-lt"/>
+                <a:ea typeface="+mn-ea"/>
+                <a:cs typeface="+mn-cs"/>
+              </a:rPr>
+              <a:t>,</a:t>
+            </a:r>
+            <a:r>
+              <a:rPr lang="zh-CN" altLang="en-US" sz="1200" kern="1200">
+                <a:solidFill>
+                  <a:schemeClr val="tx1"/>
+                </a:solidFill>
+                <a:latin typeface="+mn-lt"/>
+                <a:ea typeface="+mn-ea"/>
+                <a:cs typeface="+mn-cs"/>
+              </a:rPr>
+              <a:t>不过此功能在我手上这份代码里还没实现</a:t>
+            </a:r>
+            <a:r>
+              <a:rPr lang="en-US" altLang="zh-CN" sz="1200" kern="1200">
+                <a:solidFill>
+                  <a:schemeClr val="tx1"/>
+                </a:solidFill>
+                <a:latin typeface="+mn-lt"/>
+                <a:ea typeface="+mn-ea"/>
+                <a:cs typeface="+mn-cs"/>
+              </a:rPr>
+              <a:t>),</a:t>
+            </a:r>
+            <a:endParaRPr lang="zh-CN" altLang="en-US" sz="1200" kern="1200">
               <a:solidFill>
                 <a:schemeClr val="tx1"/>
               </a:solidFill>
@@ -11873,6 +13128,384 @@
               <a:ea typeface="+mn-ea"/>
               <a:cs typeface="+mn-cs"/>
             </a:endParaRPr>
+          </a:p>
+          <a:p>
+            <a:r>
+              <a:rPr lang="zh-CN" altLang="en-US" sz="1200" kern="1200">
+                <a:solidFill>
+                  <a:schemeClr val="tx1"/>
+                </a:solidFill>
+                <a:latin typeface="+mn-lt"/>
+                <a:ea typeface="+mn-ea"/>
+                <a:cs typeface="+mn-cs"/>
+              </a:rPr>
+              <a:t>上面选择的开始日期到结算日期内</a:t>
+            </a:r>
+            <a:r>
+              <a:rPr lang="en-US" altLang="zh-CN" sz="1200" kern="1200">
+                <a:solidFill>
+                  <a:schemeClr val="tx1"/>
+                </a:solidFill>
+                <a:latin typeface="+mn-lt"/>
+                <a:ea typeface="+mn-ea"/>
+                <a:cs typeface="+mn-cs"/>
+              </a:rPr>
+              <a:t>,</a:t>
+            </a:r>
+            <a:r>
+              <a:rPr lang="zh-CN" altLang="en-US" sz="1200" kern="1200">
+                <a:solidFill>
+                  <a:schemeClr val="tx1"/>
+                </a:solidFill>
+                <a:latin typeface="+mn-lt"/>
+                <a:ea typeface="+mn-ea"/>
+                <a:cs typeface="+mn-cs"/>
+              </a:rPr>
+              <a:t>每一日的结算数据</a:t>
+            </a:r>
+            <a:r>
+              <a:rPr lang="en-US" altLang="zh-CN" sz="1200" kern="1200">
+                <a:solidFill>
+                  <a:schemeClr val="tx1"/>
+                </a:solidFill>
+                <a:latin typeface="+mn-lt"/>
+                <a:ea typeface="+mn-ea"/>
+                <a:cs typeface="+mn-cs"/>
+              </a:rPr>
+              <a:t>(</a:t>
+            </a:r>
+            <a:r>
+              <a:rPr lang="zh-CN" altLang="en-US" sz="1200" kern="1200">
+                <a:solidFill>
+                  <a:schemeClr val="tx1"/>
+                </a:solidFill>
+                <a:latin typeface="+mn-lt"/>
+                <a:ea typeface="+mn-ea"/>
+                <a:cs typeface="+mn-cs"/>
+              </a:rPr>
+              <a:t>如每一日的单价</a:t>
+            </a:r>
+            <a:r>
+              <a:rPr lang="en-US" altLang="zh-CN" sz="1200" kern="1200">
+                <a:solidFill>
+                  <a:schemeClr val="tx1"/>
+                </a:solidFill>
+                <a:latin typeface="+mn-lt"/>
+                <a:ea typeface="+mn-ea"/>
+                <a:cs typeface="+mn-cs"/>
+              </a:rPr>
+              <a:t>,</a:t>
+            </a:r>
+            <a:r>
+              <a:rPr lang="zh-CN" altLang="en-US" sz="1200" kern="1200">
+                <a:solidFill>
+                  <a:schemeClr val="tx1"/>
+                </a:solidFill>
+                <a:latin typeface="+mn-lt"/>
+                <a:ea typeface="+mn-ea"/>
+                <a:cs typeface="+mn-cs"/>
+              </a:rPr>
+              <a:t>结算激活</a:t>
+            </a:r>
+            <a:r>
+              <a:rPr lang="en-US" altLang="zh-CN" sz="1200" kern="1200">
+                <a:solidFill>
+                  <a:schemeClr val="tx1"/>
+                </a:solidFill>
+                <a:latin typeface="+mn-lt"/>
+                <a:ea typeface="+mn-ea"/>
+                <a:cs typeface="+mn-cs"/>
+              </a:rPr>
+              <a:t>,</a:t>
+            </a:r>
+            <a:r>
+              <a:rPr lang="zh-CN" altLang="en-US" sz="1200" kern="1200">
+                <a:solidFill>
+                  <a:schemeClr val="tx1"/>
+                </a:solidFill>
+                <a:latin typeface="+mn-lt"/>
+                <a:ea typeface="+mn-ea"/>
+                <a:cs typeface="+mn-cs"/>
+              </a:rPr>
+              <a:t>结算注册</a:t>
+            </a:r>
+            <a:r>
+              <a:rPr lang="en-US" altLang="zh-CN" sz="1200" kern="1200">
+                <a:solidFill>
+                  <a:schemeClr val="tx1"/>
+                </a:solidFill>
+                <a:latin typeface="+mn-lt"/>
+                <a:ea typeface="+mn-ea"/>
+                <a:cs typeface="+mn-cs"/>
+              </a:rPr>
+              <a:t>,</a:t>
+            </a:r>
+            <a:r>
+              <a:rPr lang="zh-CN" altLang="en-US" sz="1200" kern="1200">
+                <a:solidFill>
+                  <a:schemeClr val="tx1"/>
+                </a:solidFill>
+                <a:latin typeface="+mn-lt"/>
+                <a:ea typeface="+mn-ea"/>
+                <a:cs typeface="+mn-cs"/>
+              </a:rPr>
+              <a:t>分成金额</a:t>
+            </a:r>
+            <a:r>
+              <a:rPr lang="en-US" altLang="zh-CN" sz="1200" kern="1200">
+                <a:solidFill>
+                  <a:schemeClr val="tx1"/>
+                </a:solidFill>
+                <a:latin typeface="+mn-lt"/>
+                <a:ea typeface="+mn-ea"/>
+                <a:cs typeface="+mn-cs"/>
+              </a:rPr>
+              <a:t>,</a:t>
+            </a:r>
+            <a:r>
+              <a:rPr lang="zh-CN" altLang="en-US" sz="1200" kern="1200">
+                <a:solidFill>
+                  <a:schemeClr val="tx1"/>
+                </a:solidFill>
+                <a:latin typeface="+mn-lt"/>
+                <a:ea typeface="+mn-ea"/>
+                <a:cs typeface="+mn-cs"/>
+              </a:rPr>
+              <a:t>投入金额等详细信息</a:t>
+            </a:r>
+            <a:r>
+              <a:rPr lang="en-US" altLang="zh-CN" sz="1200" kern="1200">
+                <a:solidFill>
+                  <a:schemeClr val="tx1"/>
+                </a:solidFill>
+                <a:latin typeface="+mn-lt"/>
+                <a:ea typeface="+mn-ea"/>
+                <a:cs typeface="+mn-cs"/>
+              </a:rPr>
+              <a:t>),</a:t>
+            </a:r>
+            <a:r>
+              <a:rPr lang="zh-CN" altLang="en-US" sz="1200" kern="1200">
+                <a:solidFill>
+                  <a:schemeClr val="tx1"/>
+                </a:solidFill>
+                <a:latin typeface="+mn-lt"/>
+                <a:ea typeface="+mn-ea"/>
+                <a:cs typeface="+mn-cs"/>
+              </a:rPr>
+              <a:t>这样就看到整个结算的全部时间节点上的全部结算信息</a:t>
+            </a:r>
+            <a:r>
+              <a:rPr lang="en-US" altLang="zh-CN" sz="1200" kern="1200">
+                <a:solidFill>
+                  <a:schemeClr val="tx1"/>
+                </a:solidFill>
+                <a:latin typeface="+mn-lt"/>
+                <a:ea typeface="+mn-ea"/>
+                <a:cs typeface="+mn-cs"/>
+              </a:rPr>
+              <a:t>.</a:t>
+            </a:r>
+          </a:p>
+          <a:p>
+            <a:r>
+              <a:rPr lang="zh-CN" altLang="en-US" sz="1200" kern="1200">
+                <a:solidFill>
+                  <a:schemeClr val="tx1"/>
+                </a:solidFill>
+                <a:latin typeface="+mn-lt"/>
+                <a:ea typeface="+mn-ea"/>
+                <a:cs typeface="+mn-cs"/>
+              </a:rPr>
+              <a:t>这里可以点击右边单选框</a:t>
+            </a:r>
+            <a:r>
+              <a:rPr lang="en-US" altLang="zh-CN" sz="1200" kern="1200">
+                <a:solidFill>
+                  <a:schemeClr val="tx1"/>
+                </a:solidFill>
+                <a:latin typeface="+mn-lt"/>
+                <a:ea typeface="+mn-ea"/>
+                <a:cs typeface="+mn-cs"/>
+              </a:rPr>
+              <a:t>,</a:t>
+            </a:r>
+            <a:r>
+              <a:rPr lang="zh-CN" altLang="en-US" sz="1200" kern="1200">
+                <a:solidFill>
+                  <a:schemeClr val="tx1"/>
+                </a:solidFill>
+                <a:latin typeface="+mn-lt"/>
+                <a:ea typeface="+mn-ea"/>
+                <a:cs typeface="+mn-cs"/>
+              </a:rPr>
+              <a:t>选择修改支付状态为已支付</a:t>
+            </a:r>
+            <a:r>
+              <a:rPr lang="en-US" altLang="zh-CN" sz="1200" kern="1200">
+                <a:solidFill>
+                  <a:schemeClr val="tx1"/>
+                </a:solidFill>
+                <a:latin typeface="+mn-lt"/>
+                <a:ea typeface="+mn-ea"/>
+                <a:cs typeface="+mn-cs"/>
+              </a:rPr>
+              <a:t>,</a:t>
+            </a:r>
+            <a:r>
+              <a:rPr lang="zh-CN" altLang="en-US" sz="1200" kern="1200">
+                <a:solidFill>
+                  <a:schemeClr val="tx1"/>
+                </a:solidFill>
+                <a:latin typeface="+mn-lt"/>
+                <a:ea typeface="+mn-ea"/>
+                <a:cs typeface="+mn-cs"/>
+              </a:rPr>
+              <a:t>或者修改发票状态为已收到</a:t>
+            </a:r>
+            <a:r>
+              <a:rPr lang="en-US" altLang="zh-CN" sz="1200" kern="1200">
+                <a:solidFill>
+                  <a:schemeClr val="tx1"/>
+                </a:solidFill>
+                <a:latin typeface="+mn-lt"/>
+                <a:ea typeface="+mn-ea"/>
+                <a:cs typeface="+mn-cs"/>
+              </a:rPr>
+              <a:t>.</a:t>
+            </a:r>
+            <a:r>
+              <a:rPr lang="zh-CN" altLang="en-US" sz="1200" kern="1200">
+                <a:solidFill>
+                  <a:schemeClr val="tx1"/>
+                </a:solidFill>
+                <a:latin typeface="+mn-lt"/>
+                <a:ea typeface="+mn-ea"/>
+                <a:cs typeface="+mn-cs"/>
+              </a:rPr>
+              <a:t>在弹出的页面还可以再点击详细按钮</a:t>
+            </a:r>
+            <a:r>
+              <a:rPr lang="en-US" altLang="zh-CN" sz="1200" kern="1200">
+                <a:solidFill>
+                  <a:schemeClr val="tx1"/>
+                </a:solidFill>
+                <a:latin typeface="+mn-lt"/>
+                <a:ea typeface="+mn-ea"/>
+                <a:cs typeface="+mn-cs"/>
+              </a:rPr>
+              <a:t>,</a:t>
+            </a:r>
+            <a:r>
+              <a:rPr lang="zh-CN" altLang="en-US" sz="1200" kern="1200">
+                <a:solidFill>
+                  <a:schemeClr val="tx1"/>
+                </a:solidFill>
+                <a:latin typeface="+mn-lt"/>
+                <a:ea typeface="+mn-ea"/>
+                <a:cs typeface="+mn-cs"/>
+              </a:rPr>
+              <a:t>将显示更具体的信息</a:t>
+            </a:r>
+            <a:r>
+              <a:rPr lang="en-US" altLang="zh-CN" sz="1200" kern="1200">
+                <a:solidFill>
+                  <a:schemeClr val="tx1"/>
+                </a:solidFill>
+                <a:latin typeface="+mn-lt"/>
+                <a:ea typeface="+mn-ea"/>
+                <a:cs typeface="+mn-cs"/>
+              </a:rPr>
+              <a:t>.(</a:t>
+            </a:r>
+            <a:r>
+              <a:rPr lang="zh-CN" altLang="en-US" sz="1200" kern="1200">
+                <a:solidFill>
+                  <a:schemeClr val="tx1"/>
+                </a:solidFill>
+                <a:latin typeface="+mn-lt"/>
+                <a:ea typeface="+mn-ea"/>
+                <a:cs typeface="+mn-cs"/>
+              </a:rPr>
+              <a:t>展示的维度就是选定时间段内所有的佣金是如何支出的</a:t>
+            </a:r>
+            <a:r>
+              <a:rPr lang="en-US" altLang="zh-CN" sz="1200" kern="1200">
+                <a:solidFill>
+                  <a:schemeClr val="tx1"/>
+                </a:solidFill>
+                <a:latin typeface="+mn-lt"/>
+                <a:ea typeface="+mn-ea"/>
+                <a:cs typeface="+mn-cs"/>
+              </a:rPr>
+              <a:t>,</a:t>
+            </a:r>
+            <a:r>
+              <a:rPr lang="zh-CN" altLang="en-US" sz="1200" kern="1200">
+                <a:solidFill>
+                  <a:schemeClr val="tx1"/>
+                </a:solidFill>
+                <a:latin typeface="+mn-lt"/>
+                <a:ea typeface="+mn-ea"/>
+                <a:cs typeface="+mn-cs"/>
+              </a:rPr>
+              <a:t>结算注册</a:t>
+            </a:r>
+            <a:r>
+              <a:rPr lang="en-US" altLang="zh-CN" sz="1200" kern="1200">
+                <a:solidFill>
+                  <a:schemeClr val="tx1"/>
+                </a:solidFill>
+                <a:latin typeface="+mn-lt"/>
+                <a:ea typeface="+mn-ea"/>
+                <a:cs typeface="+mn-cs"/>
+              </a:rPr>
+              <a:t>,</a:t>
+            </a:r>
+            <a:r>
+              <a:rPr lang="zh-CN" altLang="en-US" sz="1200" kern="1200">
+                <a:solidFill>
+                  <a:schemeClr val="tx1"/>
+                </a:solidFill>
+                <a:latin typeface="+mn-lt"/>
+                <a:ea typeface="+mn-ea"/>
+                <a:cs typeface="+mn-cs"/>
+              </a:rPr>
+              <a:t>分成金额</a:t>
+            </a:r>
+            <a:r>
+              <a:rPr lang="en-US" altLang="zh-CN" sz="1200" kern="1200">
+                <a:solidFill>
+                  <a:schemeClr val="tx1"/>
+                </a:solidFill>
+                <a:latin typeface="+mn-lt"/>
+                <a:ea typeface="+mn-ea"/>
+                <a:cs typeface="+mn-cs"/>
+              </a:rPr>
+              <a:t>,</a:t>
+            </a:r>
+            <a:r>
+              <a:rPr lang="zh-CN" altLang="en-US" sz="1200" kern="1200">
+                <a:solidFill>
+                  <a:schemeClr val="tx1"/>
+                </a:solidFill>
+                <a:latin typeface="+mn-lt"/>
+                <a:ea typeface="+mn-ea"/>
+                <a:cs typeface="+mn-cs"/>
+              </a:rPr>
+              <a:t>分成人数等更具体的信息</a:t>
+            </a:r>
+            <a:r>
+              <a:rPr lang="en-US" altLang="zh-CN" sz="1200" kern="1200">
+                <a:solidFill>
+                  <a:schemeClr val="tx1"/>
+                </a:solidFill>
+                <a:latin typeface="+mn-lt"/>
+                <a:ea typeface="+mn-ea"/>
+                <a:cs typeface="+mn-cs"/>
+              </a:rPr>
+              <a:t>)</a:t>
+            </a:r>
           </a:p>
         </p:txBody>
       </p:sp>
@@ -11903,6 +13536,1261 @@
     <p:extLst>
       <p:ext uri="{BB962C8B-B14F-4D97-AF65-F5344CB8AC3E}">
         <p14:creationId xmlns:p14="http://schemas.microsoft.com/office/powerpoint/2010/main" val="2008101609"/>
+      </p:ext>
+    </p:extLst>
+  </p:cSld>
+  <p:clrMapOvr>
+    <a:masterClrMapping/>
+  </p:clrMapOvr>
+</p:notes>
+</file>
+
+<file path=ppt/notesSlides/notesSlide43.xml><?xml version="1.0" encoding="utf-8"?>
+<p:notes xmlns:a="http://schemas.openxmlformats.org/drawingml/2006/main" xmlns:r="http://schemas.openxmlformats.org/officeDocument/2006/relationships" xmlns:p="http://schemas.openxmlformats.org/presentationml/2006/main">
+  <p:cSld>
+    <p:spTree>
+      <p:nvGrpSpPr>
+        <p:cNvPr id="1" name=""/>
+        <p:cNvGrpSpPr/>
+        <p:nvPr/>
+      </p:nvGrpSpPr>
+      <p:grpSpPr>
+        <a:xfrm>
+          <a:off x="0" y="0"/>
+          <a:ext cx="0" cy="0"/>
+          <a:chOff x="0" y="0"/>
+          <a:chExt cx="0" cy="0"/>
+        </a:xfrm>
+      </p:grpSpPr>
+      <p:sp>
+        <p:nvSpPr>
+          <p:cNvPr id="2" name="幻灯片图像占位符 1"/>
+          <p:cNvSpPr>
+            <a:spLocks noGrp="1" noRot="1" noChangeAspect="1"/>
+          </p:cNvSpPr>
+          <p:nvPr>
+            <p:ph type="sldImg"/>
+          </p:nvPr>
+        </p:nvSpPr>
+        <p:spPr/>
+      </p:sp>
+      <p:sp>
+        <p:nvSpPr>
+          <p:cNvPr id="3" name="备注占位符 2"/>
+          <p:cNvSpPr>
+            <a:spLocks noGrp="1"/>
+          </p:cNvSpPr>
+          <p:nvPr>
+            <p:ph type="body" idx="1"/>
+          </p:nvPr>
+        </p:nvSpPr>
+        <p:spPr/>
+        <p:txBody>
+          <a:bodyPr/>
+          <a:lstStyle/>
+          <a:p>
+            <a:r>
+              <a:rPr lang="zh-CN" altLang="en-US" sz="1200" kern="1200">
+                <a:solidFill>
+                  <a:schemeClr val="tx1"/>
+                </a:solidFill>
+                <a:latin typeface="+mn-lt"/>
+                <a:ea typeface="+mn-ea"/>
+                <a:cs typeface="+mn-cs"/>
+              </a:rPr>
+              <a:t>同一个游戏可能有不同渠道</a:t>
+            </a:r>
+            <a:r>
+              <a:rPr lang="en-US" altLang="zh-CN" sz="1200" kern="1200">
+                <a:solidFill>
+                  <a:schemeClr val="tx1"/>
+                </a:solidFill>
+                <a:latin typeface="+mn-lt"/>
+                <a:ea typeface="+mn-ea"/>
+                <a:cs typeface="+mn-cs"/>
+              </a:rPr>
+              <a:t>.</a:t>
+            </a:r>
+            <a:r>
+              <a:rPr lang="zh-CN" altLang="en-US" sz="1200" kern="1200">
+                <a:solidFill>
+                  <a:schemeClr val="tx1"/>
+                </a:solidFill>
+                <a:latin typeface="+mn-lt"/>
+                <a:ea typeface="+mn-ea"/>
+                <a:cs typeface="+mn-cs"/>
+              </a:rPr>
+              <a:t>展示每个渠道下的</a:t>
+            </a:r>
+            <a:r>
+              <a:rPr lang="en-US" altLang="zh-CN" sz="1200" kern="1200">
+                <a:solidFill>
+                  <a:schemeClr val="tx1"/>
+                </a:solidFill>
+                <a:latin typeface="+mn-lt"/>
+                <a:ea typeface="+mn-ea"/>
+                <a:cs typeface="+mn-cs"/>
+              </a:rPr>
+              <a:t>android</a:t>
+            </a:r>
+            <a:r>
+              <a:rPr lang="zh-CN" altLang="en-US" sz="1200" kern="1200">
+                <a:solidFill>
+                  <a:schemeClr val="tx1"/>
+                </a:solidFill>
+                <a:latin typeface="+mn-lt"/>
+                <a:ea typeface="+mn-ea"/>
+                <a:cs typeface="+mn-cs"/>
+              </a:rPr>
+              <a:t>游戏的投入充值</a:t>
+            </a:r>
+            <a:r>
+              <a:rPr lang="en-US" altLang="zh-CN" sz="1200" kern="1200">
+                <a:solidFill>
+                  <a:schemeClr val="tx1"/>
+                </a:solidFill>
+                <a:latin typeface="+mn-lt"/>
+                <a:ea typeface="+mn-ea"/>
+                <a:cs typeface="+mn-cs"/>
+              </a:rPr>
+              <a:t>,</a:t>
+            </a:r>
+            <a:r>
+              <a:rPr lang="zh-CN" altLang="en-US" sz="1200" kern="1200">
+                <a:solidFill>
+                  <a:schemeClr val="tx1"/>
+                </a:solidFill>
+                <a:latin typeface="+mn-lt"/>
+                <a:ea typeface="+mn-ea"/>
+                <a:cs typeface="+mn-cs"/>
+              </a:rPr>
+              <a:t>回本数据</a:t>
+            </a:r>
+            <a:r>
+              <a:rPr lang="en-US" altLang="zh-CN" sz="1200" kern="1200">
+                <a:solidFill>
+                  <a:schemeClr val="tx1"/>
+                </a:solidFill>
+                <a:latin typeface="+mn-lt"/>
+                <a:ea typeface="+mn-ea"/>
+                <a:cs typeface="+mn-cs"/>
+              </a:rPr>
+              <a:t>.</a:t>
+            </a:r>
+          </a:p>
+          <a:p>
+            <a:r>
+              <a:rPr lang="zh-CN" altLang="en-US" sz="1200" kern="1200">
+                <a:solidFill>
+                  <a:schemeClr val="tx1"/>
+                </a:solidFill>
+                <a:latin typeface="+mn-lt"/>
+                <a:ea typeface="+mn-ea"/>
+                <a:cs typeface="+mn-cs"/>
+              </a:rPr>
+              <a:t>查询的是</a:t>
+            </a:r>
+            <a:r>
+              <a:rPr lang="en-US" altLang="zh-CN" sz="1200" kern="1200">
+                <a:solidFill>
+                  <a:schemeClr val="tx1"/>
+                </a:solidFill>
+                <a:latin typeface="+mn-lt"/>
+                <a:ea typeface="+mn-ea"/>
+                <a:cs typeface="+mn-cs"/>
+              </a:rPr>
+              <a:t>think_game</a:t>
+            </a:r>
+            <a:r>
+              <a:rPr lang="zh-CN" altLang="en-US" sz="1200" kern="1200">
+                <a:solidFill>
+                  <a:schemeClr val="tx1"/>
+                </a:solidFill>
+                <a:latin typeface="+mn-lt"/>
+                <a:ea typeface="+mn-ea"/>
+                <a:cs typeface="+mn-cs"/>
+              </a:rPr>
+              <a:t>表</a:t>
+            </a:r>
+            <a:r>
+              <a:rPr lang="en-US" altLang="zh-CN" sz="1200" kern="1200">
+                <a:solidFill>
+                  <a:schemeClr val="tx1"/>
+                </a:solidFill>
+                <a:latin typeface="+mn-lt"/>
+                <a:ea typeface="+mn-ea"/>
+                <a:cs typeface="+mn-cs"/>
+              </a:rPr>
+              <a:t>,thnik_channel</a:t>
+            </a:r>
+            <a:r>
+              <a:rPr lang="zh-CN" altLang="en-US" sz="1200" kern="1200">
+                <a:solidFill>
+                  <a:schemeClr val="tx1"/>
+                </a:solidFill>
+                <a:latin typeface="+mn-lt"/>
+                <a:ea typeface="+mn-ea"/>
+                <a:cs typeface="+mn-cs"/>
+              </a:rPr>
+              <a:t>表</a:t>
+            </a:r>
+            <a:r>
+              <a:rPr lang="en-US" altLang="zh-CN" sz="1200" kern="1200">
+                <a:solidFill>
+                  <a:schemeClr val="tx1"/>
+                </a:solidFill>
+                <a:latin typeface="+mn-lt"/>
+                <a:ea typeface="+mn-ea"/>
+                <a:cs typeface="+mn-cs"/>
+              </a:rPr>
+              <a:t>,thik_publisher,think_game_adv,think__adv_position,adv_position_data.</a:t>
+            </a:r>
+          </a:p>
+          <a:p>
+            <a:r>
+              <a:rPr lang="zh-CN" altLang="en-US" sz="1200" kern="1200">
+                <a:solidFill>
+                  <a:schemeClr val="tx1"/>
+                </a:solidFill>
+                <a:latin typeface="+mn-lt"/>
+                <a:ea typeface="+mn-ea"/>
+                <a:cs typeface="+mn-cs"/>
+              </a:rPr>
+              <a:t>可以选择时间和公司</a:t>
+            </a:r>
+            <a:r>
+              <a:rPr lang="en-US" altLang="zh-CN" sz="1200" kern="1200">
+                <a:solidFill>
+                  <a:schemeClr val="tx1"/>
+                </a:solidFill>
+                <a:latin typeface="+mn-lt"/>
+                <a:ea typeface="+mn-ea"/>
+                <a:cs typeface="+mn-cs"/>
+              </a:rPr>
+              <a:t>,</a:t>
+            </a:r>
+            <a:r>
+              <a:rPr lang="zh-CN" altLang="en-US" sz="1200" kern="1200">
+                <a:solidFill>
+                  <a:schemeClr val="tx1"/>
+                </a:solidFill>
+                <a:latin typeface="+mn-lt"/>
+                <a:ea typeface="+mn-ea"/>
+                <a:cs typeface="+mn-cs"/>
+              </a:rPr>
+              <a:t>游戏区分这里的推广名指游戏名称</a:t>
+            </a:r>
+            <a:r>
+              <a:rPr lang="en-US" altLang="zh-CN" sz="1200" kern="1200">
+                <a:solidFill>
+                  <a:schemeClr val="tx1"/>
+                </a:solidFill>
+                <a:latin typeface="+mn-lt"/>
+                <a:ea typeface="+mn-ea"/>
+                <a:cs typeface="+mn-cs"/>
+              </a:rPr>
+              <a:t>,</a:t>
+            </a:r>
+            <a:r>
+              <a:rPr lang="zh-CN" altLang="en-US" sz="1200" kern="1200">
+                <a:solidFill>
+                  <a:schemeClr val="tx1"/>
+                </a:solidFill>
+                <a:latin typeface="+mn-lt"/>
+                <a:ea typeface="+mn-ea"/>
+                <a:cs typeface="+mn-cs"/>
+              </a:rPr>
+              <a:t>还可以选择游戏原名</a:t>
+            </a:r>
+            <a:r>
+              <a:rPr lang="en-US" altLang="zh-CN" sz="1200" kern="1200">
+                <a:solidFill>
+                  <a:schemeClr val="tx1"/>
+                </a:solidFill>
+                <a:latin typeface="+mn-lt"/>
+                <a:ea typeface="+mn-ea"/>
+                <a:cs typeface="+mn-cs"/>
+              </a:rPr>
+              <a:t>.</a:t>
+            </a:r>
+            <a:r>
+              <a:rPr lang="zh-CN" altLang="en-US" sz="1200" kern="1200">
+                <a:solidFill>
+                  <a:schemeClr val="tx1"/>
+                </a:solidFill>
+                <a:latin typeface="+mn-lt"/>
+                <a:ea typeface="+mn-ea"/>
+                <a:cs typeface="+mn-cs"/>
+              </a:rPr>
+              <a:t>并且可以下载一份</a:t>
+            </a:r>
+            <a:r>
+              <a:rPr lang="en-US" altLang="zh-CN" sz="1200" kern="1200">
+                <a:solidFill>
+                  <a:schemeClr val="tx1"/>
+                </a:solidFill>
+                <a:latin typeface="+mn-lt"/>
+                <a:ea typeface="+mn-ea"/>
+                <a:cs typeface="+mn-cs"/>
+              </a:rPr>
+              <a:t>excel</a:t>
+            </a:r>
+            <a:r>
+              <a:rPr lang="zh-CN" altLang="en-US" sz="1200" kern="1200">
+                <a:solidFill>
+                  <a:schemeClr val="tx1"/>
+                </a:solidFill>
+                <a:latin typeface="+mn-lt"/>
+                <a:ea typeface="+mn-ea"/>
+                <a:cs typeface="+mn-cs"/>
+              </a:rPr>
+              <a:t>表格来方便执行查找</a:t>
+            </a:r>
+            <a:r>
+              <a:rPr lang="en-US" altLang="zh-CN" sz="1200" kern="1200">
+                <a:solidFill>
+                  <a:schemeClr val="tx1"/>
+                </a:solidFill>
+                <a:latin typeface="+mn-lt"/>
+                <a:ea typeface="+mn-ea"/>
+                <a:cs typeface="+mn-cs"/>
+              </a:rPr>
+              <a:t>.</a:t>
+            </a:r>
+          </a:p>
+        </p:txBody>
+      </p:sp>
+      <p:sp>
+        <p:nvSpPr>
+          <p:cNvPr id="4" name="灯片编号占位符 3"/>
+          <p:cNvSpPr>
+            <a:spLocks noGrp="1"/>
+          </p:cNvSpPr>
+          <p:nvPr>
+            <p:ph type="sldNum" sz="quarter" idx="10"/>
+          </p:nvPr>
+        </p:nvSpPr>
+        <p:spPr/>
+        <p:txBody>
+          <a:bodyPr/>
+          <a:lstStyle/>
+          <a:p>
+            <a:fld id="{F68E6534-E84D-4F2F-9D61-B34A338AA173}" type="slidenum">
+              <a:rPr lang="zh-CN" altLang="en-US" smtClean="0"/>
+              <a:t>47</a:t>
+            </a:fld>
+            <a:endParaRPr lang="zh-CN" altLang="en-US"/>
+          </a:p>
+        </p:txBody>
+      </p:sp>
+    </p:spTree>
+    <p:extLst>
+      <p:ext uri="{BB962C8B-B14F-4D97-AF65-F5344CB8AC3E}">
+        <p14:creationId xmlns:p14="http://schemas.microsoft.com/office/powerpoint/2010/main" val="4109783935"/>
+      </p:ext>
+    </p:extLst>
+  </p:cSld>
+  <p:clrMapOvr>
+    <a:masterClrMapping/>
+  </p:clrMapOvr>
+</p:notes>
+</file>
+
+<file path=ppt/notesSlides/notesSlide44.xml><?xml version="1.0" encoding="utf-8"?>
+<p:notes xmlns:a="http://schemas.openxmlformats.org/drawingml/2006/main" xmlns:r="http://schemas.openxmlformats.org/officeDocument/2006/relationships" xmlns:p="http://schemas.openxmlformats.org/presentationml/2006/main">
+  <p:cSld>
+    <p:spTree>
+      <p:nvGrpSpPr>
+        <p:cNvPr id="1" name=""/>
+        <p:cNvGrpSpPr/>
+        <p:nvPr/>
+      </p:nvGrpSpPr>
+      <p:grpSpPr>
+        <a:xfrm>
+          <a:off x="0" y="0"/>
+          <a:ext cx="0" cy="0"/>
+          <a:chOff x="0" y="0"/>
+          <a:chExt cx="0" cy="0"/>
+        </a:xfrm>
+      </p:grpSpPr>
+      <p:sp>
+        <p:nvSpPr>
+          <p:cNvPr id="2" name="幻灯片图像占位符 1"/>
+          <p:cNvSpPr>
+            <a:spLocks noGrp="1" noRot="1" noChangeAspect="1"/>
+          </p:cNvSpPr>
+          <p:nvPr>
+            <p:ph type="sldImg"/>
+          </p:nvPr>
+        </p:nvSpPr>
+        <p:spPr/>
+      </p:sp>
+      <p:sp>
+        <p:nvSpPr>
+          <p:cNvPr id="3" name="备注占位符 2"/>
+          <p:cNvSpPr>
+            <a:spLocks noGrp="1"/>
+          </p:cNvSpPr>
+          <p:nvPr>
+            <p:ph type="body" idx="1"/>
+          </p:nvPr>
+        </p:nvSpPr>
+        <p:spPr/>
+        <p:txBody>
+          <a:bodyPr/>
+          <a:lstStyle/>
+          <a:p>
+            <a:endParaRPr lang="en-US" altLang="zh-CN" sz="1200" kern="1200">
+              <a:solidFill>
+                <a:schemeClr val="tx1"/>
+              </a:solidFill>
+              <a:latin typeface="+mn-lt"/>
+              <a:ea typeface="+mn-ea"/>
+              <a:cs typeface="+mn-cs"/>
+            </a:endParaRPr>
+          </a:p>
+        </p:txBody>
+      </p:sp>
+      <p:sp>
+        <p:nvSpPr>
+          <p:cNvPr id="4" name="灯片编号占位符 3"/>
+          <p:cNvSpPr>
+            <a:spLocks noGrp="1"/>
+          </p:cNvSpPr>
+          <p:nvPr>
+            <p:ph type="sldNum" sz="quarter" idx="10"/>
+          </p:nvPr>
+        </p:nvSpPr>
+        <p:spPr/>
+        <p:txBody>
+          <a:bodyPr/>
+          <a:lstStyle/>
+          <a:p>
+            <a:fld id="{F68E6534-E84D-4F2F-9D61-B34A338AA173}" type="slidenum">
+              <a:rPr lang="zh-CN" altLang="en-US" smtClean="0"/>
+              <a:t>48</a:t>
+            </a:fld>
+            <a:endParaRPr lang="zh-CN" altLang="en-US"/>
+          </a:p>
+        </p:txBody>
+      </p:sp>
+    </p:spTree>
+    <p:extLst>
+      <p:ext uri="{BB962C8B-B14F-4D97-AF65-F5344CB8AC3E}">
+        <p14:creationId xmlns:p14="http://schemas.microsoft.com/office/powerpoint/2010/main" val="2362128535"/>
+      </p:ext>
+    </p:extLst>
+  </p:cSld>
+  <p:clrMapOvr>
+    <a:masterClrMapping/>
+  </p:clrMapOvr>
+</p:notes>
+</file>
+
+<file path=ppt/notesSlides/notesSlide45.xml><?xml version="1.0" encoding="utf-8"?>
+<p:notes xmlns:a="http://schemas.openxmlformats.org/drawingml/2006/main" xmlns:r="http://schemas.openxmlformats.org/officeDocument/2006/relationships" xmlns:p="http://schemas.openxmlformats.org/presentationml/2006/main">
+  <p:cSld>
+    <p:spTree>
+      <p:nvGrpSpPr>
+        <p:cNvPr id="1" name=""/>
+        <p:cNvGrpSpPr/>
+        <p:nvPr/>
+      </p:nvGrpSpPr>
+      <p:grpSpPr>
+        <a:xfrm>
+          <a:off x="0" y="0"/>
+          <a:ext cx="0" cy="0"/>
+          <a:chOff x="0" y="0"/>
+          <a:chExt cx="0" cy="0"/>
+        </a:xfrm>
+      </p:grpSpPr>
+      <p:sp>
+        <p:nvSpPr>
+          <p:cNvPr id="2" name="幻灯片图像占位符 1"/>
+          <p:cNvSpPr>
+            <a:spLocks noGrp="1" noRot="1" noChangeAspect="1"/>
+          </p:cNvSpPr>
+          <p:nvPr>
+            <p:ph type="sldImg"/>
+          </p:nvPr>
+        </p:nvSpPr>
+        <p:spPr/>
+      </p:sp>
+      <p:sp>
+        <p:nvSpPr>
+          <p:cNvPr id="3" name="备注占位符 2"/>
+          <p:cNvSpPr>
+            <a:spLocks noGrp="1"/>
+          </p:cNvSpPr>
+          <p:nvPr>
+            <p:ph type="body" idx="1"/>
+          </p:nvPr>
+        </p:nvSpPr>
+        <p:spPr/>
+        <p:txBody>
+          <a:bodyPr/>
+          <a:lstStyle/>
+          <a:p>
+            <a:endParaRPr lang="en-US" altLang="zh-CN" sz="1200" kern="1200">
+              <a:solidFill>
+                <a:schemeClr val="tx1"/>
+              </a:solidFill>
+              <a:latin typeface="+mn-lt"/>
+              <a:ea typeface="+mn-ea"/>
+              <a:cs typeface="+mn-cs"/>
+            </a:endParaRPr>
+          </a:p>
+        </p:txBody>
+      </p:sp>
+      <p:sp>
+        <p:nvSpPr>
+          <p:cNvPr id="4" name="灯片编号占位符 3"/>
+          <p:cNvSpPr>
+            <a:spLocks noGrp="1"/>
+          </p:cNvSpPr>
+          <p:nvPr>
+            <p:ph type="sldNum" sz="quarter" idx="10"/>
+          </p:nvPr>
+        </p:nvSpPr>
+        <p:spPr/>
+        <p:txBody>
+          <a:bodyPr/>
+          <a:lstStyle/>
+          <a:p>
+            <a:fld id="{F68E6534-E84D-4F2F-9D61-B34A338AA173}" type="slidenum">
+              <a:rPr lang="zh-CN" altLang="en-US" smtClean="0"/>
+              <a:t>49</a:t>
+            </a:fld>
+            <a:endParaRPr lang="zh-CN" altLang="en-US"/>
+          </a:p>
+        </p:txBody>
+      </p:sp>
+    </p:spTree>
+    <p:extLst>
+      <p:ext uri="{BB962C8B-B14F-4D97-AF65-F5344CB8AC3E}">
+        <p14:creationId xmlns:p14="http://schemas.microsoft.com/office/powerpoint/2010/main" val="2490961811"/>
+      </p:ext>
+    </p:extLst>
+  </p:cSld>
+  <p:clrMapOvr>
+    <a:masterClrMapping/>
+  </p:clrMapOvr>
+</p:notes>
+</file>
+
+<file path=ppt/notesSlides/notesSlide46.xml><?xml version="1.0" encoding="utf-8"?>
+<p:notes xmlns:a="http://schemas.openxmlformats.org/drawingml/2006/main" xmlns:r="http://schemas.openxmlformats.org/officeDocument/2006/relationships" xmlns:p="http://schemas.openxmlformats.org/presentationml/2006/main">
+  <p:cSld>
+    <p:spTree>
+      <p:nvGrpSpPr>
+        <p:cNvPr id="1" name=""/>
+        <p:cNvGrpSpPr/>
+        <p:nvPr/>
+      </p:nvGrpSpPr>
+      <p:grpSpPr>
+        <a:xfrm>
+          <a:off x="0" y="0"/>
+          <a:ext cx="0" cy="0"/>
+          <a:chOff x="0" y="0"/>
+          <a:chExt cx="0" cy="0"/>
+        </a:xfrm>
+      </p:grpSpPr>
+      <p:sp>
+        <p:nvSpPr>
+          <p:cNvPr id="2" name="幻灯片图像占位符 1"/>
+          <p:cNvSpPr>
+            <a:spLocks noGrp="1" noRot="1" noChangeAspect="1"/>
+          </p:cNvSpPr>
+          <p:nvPr>
+            <p:ph type="sldImg"/>
+          </p:nvPr>
+        </p:nvSpPr>
+        <p:spPr/>
+      </p:sp>
+      <p:sp>
+        <p:nvSpPr>
+          <p:cNvPr id="3" name="备注占位符 2"/>
+          <p:cNvSpPr>
+            <a:spLocks noGrp="1"/>
+          </p:cNvSpPr>
+          <p:nvPr>
+            <p:ph type="body" idx="1"/>
+          </p:nvPr>
+        </p:nvSpPr>
+        <p:spPr/>
+        <p:txBody>
+          <a:bodyPr/>
+          <a:lstStyle/>
+          <a:p>
+            <a:endParaRPr lang="en-US" altLang="zh-CN" sz="1200" kern="1200">
+              <a:solidFill>
+                <a:schemeClr val="tx1"/>
+              </a:solidFill>
+              <a:latin typeface="+mn-lt"/>
+              <a:ea typeface="+mn-ea"/>
+              <a:cs typeface="+mn-cs"/>
+            </a:endParaRPr>
+          </a:p>
+        </p:txBody>
+      </p:sp>
+      <p:sp>
+        <p:nvSpPr>
+          <p:cNvPr id="4" name="灯片编号占位符 3"/>
+          <p:cNvSpPr>
+            <a:spLocks noGrp="1"/>
+          </p:cNvSpPr>
+          <p:nvPr>
+            <p:ph type="sldNum" sz="quarter" idx="10"/>
+          </p:nvPr>
+        </p:nvSpPr>
+        <p:spPr/>
+        <p:txBody>
+          <a:bodyPr/>
+          <a:lstStyle/>
+          <a:p>
+            <a:fld id="{F68E6534-E84D-4F2F-9D61-B34A338AA173}" type="slidenum">
+              <a:rPr lang="zh-CN" altLang="en-US" smtClean="0"/>
+              <a:t>50</a:t>
+            </a:fld>
+            <a:endParaRPr lang="zh-CN" altLang="en-US"/>
+          </a:p>
+        </p:txBody>
+      </p:sp>
+    </p:spTree>
+    <p:extLst>
+      <p:ext uri="{BB962C8B-B14F-4D97-AF65-F5344CB8AC3E}">
+        <p14:creationId xmlns:p14="http://schemas.microsoft.com/office/powerpoint/2010/main" val="3965117614"/>
+      </p:ext>
+    </p:extLst>
+  </p:cSld>
+  <p:clrMapOvr>
+    <a:masterClrMapping/>
+  </p:clrMapOvr>
+</p:notes>
+</file>
+
+<file path=ppt/notesSlides/notesSlide47.xml><?xml version="1.0" encoding="utf-8"?>
+<p:notes xmlns:a="http://schemas.openxmlformats.org/drawingml/2006/main" xmlns:r="http://schemas.openxmlformats.org/officeDocument/2006/relationships" xmlns:p="http://schemas.openxmlformats.org/presentationml/2006/main">
+  <p:cSld>
+    <p:spTree>
+      <p:nvGrpSpPr>
+        <p:cNvPr id="1" name=""/>
+        <p:cNvGrpSpPr/>
+        <p:nvPr/>
+      </p:nvGrpSpPr>
+      <p:grpSpPr>
+        <a:xfrm>
+          <a:off x="0" y="0"/>
+          <a:ext cx="0" cy="0"/>
+          <a:chOff x="0" y="0"/>
+          <a:chExt cx="0" cy="0"/>
+        </a:xfrm>
+      </p:grpSpPr>
+      <p:sp>
+        <p:nvSpPr>
+          <p:cNvPr id="2" name="幻灯片图像占位符 1"/>
+          <p:cNvSpPr>
+            <a:spLocks noGrp="1" noRot="1" noChangeAspect="1"/>
+          </p:cNvSpPr>
+          <p:nvPr>
+            <p:ph type="sldImg"/>
+          </p:nvPr>
+        </p:nvSpPr>
+        <p:spPr/>
+      </p:sp>
+      <p:sp>
+        <p:nvSpPr>
+          <p:cNvPr id="3" name="备注占位符 2"/>
+          <p:cNvSpPr>
+            <a:spLocks noGrp="1"/>
+          </p:cNvSpPr>
+          <p:nvPr>
+            <p:ph type="body" idx="1"/>
+          </p:nvPr>
+        </p:nvSpPr>
+        <p:spPr/>
+        <p:txBody>
+          <a:bodyPr/>
+          <a:lstStyle/>
+          <a:p>
+            <a:r>
+              <a:rPr lang="zh-CN" altLang="en-US"/>
+              <a:t>使用的是</a:t>
+            </a:r>
+            <a:r>
+              <a:rPr lang="en-US" altLang="zh-CN"/>
+              <a:t>think_account_data</a:t>
+            </a:r>
+            <a:r>
+              <a:rPr lang="zh-CN" altLang="en-US"/>
+              <a:t>表中现有的数据</a:t>
+            </a:r>
+            <a:r>
+              <a:rPr lang="en-US" altLang="zh-CN"/>
+              <a:t>,</a:t>
+            </a:r>
+            <a:r>
+              <a:rPr lang="zh-CN" altLang="en-US"/>
+              <a:t>账号种类</a:t>
+            </a:r>
+            <a:r>
+              <a:rPr lang="en-US" altLang="zh-CN"/>
+              <a:t>,</a:t>
+            </a:r>
+            <a:r>
+              <a:rPr lang="zh-CN" altLang="en-US"/>
+              <a:t>开户公司</a:t>
+            </a:r>
+            <a:r>
+              <a:rPr lang="en-US" altLang="zh-CN"/>
+              <a:t>,</a:t>
+            </a:r>
+            <a:r>
+              <a:rPr lang="zh-CN" altLang="en-US"/>
+              <a:t>代理商名称都为表中数据字段</a:t>
+            </a:r>
+            <a:r>
+              <a:rPr lang="en-US" altLang="zh-CN"/>
+              <a:t>.</a:t>
+            </a:r>
+          </a:p>
+          <a:p>
+            <a:r>
+              <a:rPr lang="zh-CN" altLang="en-US"/>
+              <a:t>点击右边的编辑按钮可以对渠道商账号进行编辑</a:t>
+            </a:r>
+            <a:r>
+              <a:rPr lang="en-US" altLang="zh-CN"/>
+              <a:t>.</a:t>
+            </a:r>
+          </a:p>
+          <a:p>
+            <a:r>
+              <a:rPr lang="zh-CN" altLang="en-US"/>
+              <a:t>删除将删除该条数据</a:t>
+            </a:r>
+            <a:r>
+              <a:rPr lang="en-US" altLang="zh-CN"/>
+              <a:t>.</a:t>
+            </a:r>
+          </a:p>
+          <a:p>
+            <a:endParaRPr lang="en-US" altLang="zh-CN" sz="1200" kern="1200">
+              <a:solidFill>
+                <a:schemeClr val="tx1"/>
+              </a:solidFill>
+              <a:latin typeface="+mn-lt"/>
+              <a:ea typeface="+mn-ea"/>
+              <a:cs typeface="+mn-cs"/>
+            </a:endParaRPr>
+          </a:p>
+        </p:txBody>
+      </p:sp>
+      <p:sp>
+        <p:nvSpPr>
+          <p:cNvPr id="4" name="灯片编号占位符 3"/>
+          <p:cNvSpPr>
+            <a:spLocks noGrp="1"/>
+          </p:cNvSpPr>
+          <p:nvPr>
+            <p:ph type="sldNum" sz="quarter" idx="10"/>
+          </p:nvPr>
+        </p:nvSpPr>
+        <p:spPr/>
+        <p:txBody>
+          <a:bodyPr/>
+          <a:lstStyle/>
+          <a:p>
+            <a:fld id="{F68E6534-E84D-4F2F-9D61-B34A338AA173}" type="slidenum">
+              <a:rPr lang="zh-CN" altLang="en-US" smtClean="0"/>
+              <a:t>51</a:t>
+            </a:fld>
+            <a:endParaRPr lang="zh-CN" altLang="en-US"/>
+          </a:p>
+        </p:txBody>
+      </p:sp>
+    </p:spTree>
+    <p:extLst>
+      <p:ext uri="{BB962C8B-B14F-4D97-AF65-F5344CB8AC3E}">
+        <p14:creationId xmlns:p14="http://schemas.microsoft.com/office/powerpoint/2010/main" val="754531969"/>
+      </p:ext>
+    </p:extLst>
+  </p:cSld>
+  <p:clrMapOvr>
+    <a:masterClrMapping/>
+  </p:clrMapOvr>
+</p:notes>
+</file>
+
+<file path=ppt/notesSlides/notesSlide48.xml><?xml version="1.0" encoding="utf-8"?>
+<p:notes xmlns:a="http://schemas.openxmlformats.org/drawingml/2006/main" xmlns:r="http://schemas.openxmlformats.org/officeDocument/2006/relationships" xmlns:p="http://schemas.openxmlformats.org/presentationml/2006/main">
+  <p:cSld>
+    <p:spTree>
+      <p:nvGrpSpPr>
+        <p:cNvPr id="1" name=""/>
+        <p:cNvGrpSpPr/>
+        <p:nvPr/>
+      </p:nvGrpSpPr>
+      <p:grpSpPr>
+        <a:xfrm>
+          <a:off x="0" y="0"/>
+          <a:ext cx="0" cy="0"/>
+          <a:chOff x="0" y="0"/>
+          <a:chExt cx="0" cy="0"/>
+        </a:xfrm>
+      </p:grpSpPr>
+      <p:sp>
+        <p:nvSpPr>
+          <p:cNvPr id="2" name="幻灯片图像占位符 1"/>
+          <p:cNvSpPr>
+            <a:spLocks noGrp="1" noRot="1" noChangeAspect="1"/>
+          </p:cNvSpPr>
+          <p:nvPr>
+            <p:ph type="sldImg"/>
+          </p:nvPr>
+        </p:nvSpPr>
+        <p:spPr/>
+      </p:sp>
+      <p:sp>
+        <p:nvSpPr>
+          <p:cNvPr id="3" name="备注占位符 2"/>
+          <p:cNvSpPr>
+            <a:spLocks noGrp="1"/>
+          </p:cNvSpPr>
+          <p:nvPr>
+            <p:ph type="body" idx="1"/>
+          </p:nvPr>
+        </p:nvSpPr>
+        <p:spPr/>
+        <p:txBody>
+          <a:bodyPr/>
+          <a:lstStyle/>
+          <a:p>
+            <a:r>
+              <a:rPr lang="zh-CN" altLang="en-US" sz="1200" kern="1200">
+                <a:solidFill>
+                  <a:schemeClr val="tx1"/>
+                </a:solidFill>
+                <a:latin typeface="+mn-lt"/>
+                <a:ea typeface="+mn-ea"/>
+                <a:cs typeface="+mn-cs"/>
+              </a:rPr>
+              <a:t>点击分析按钮</a:t>
+            </a:r>
+            <a:r>
+              <a:rPr lang="en-US" altLang="zh-CN" sz="1200" kern="1200">
+                <a:solidFill>
+                  <a:schemeClr val="tx1"/>
+                </a:solidFill>
+                <a:latin typeface="+mn-lt"/>
+                <a:ea typeface="+mn-ea"/>
+                <a:cs typeface="+mn-cs"/>
+              </a:rPr>
+              <a:t>,</a:t>
+            </a:r>
+            <a:r>
+              <a:rPr lang="zh-CN" altLang="en-US" sz="1200" kern="1200">
+                <a:solidFill>
+                  <a:schemeClr val="tx1"/>
+                </a:solidFill>
+                <a:latin typeface="+mn-lt"/>
+                <a:ea typeface="+mn-ea"/>
+                <a:cs typeface="+mn-cs"/>
+              </a:rPr>
+              <a:t>将得到该账号更为详细的信息</a:t>
+            </a:r>
+            <a:r>
+              <a:rPr lang="en-US" altLang="zh-CN" sz="1200" kern="1200">
+                <a:solidFill>
+                  <a:schemeClr val="tx1"/>
+                </a:solidFill>
+                <a:latin typeface="+mn-lt"/>
+                <a:ea typeface="+mn-ea"/>
+                <a:cs typeface="+mn-cs"/>
+              </a:rPr>
+              <a:t>,</a:t>
+            </a:r>
+            <a:r>
+              <a:rPr lang="zh-CN" altLang="en-US" sz="1200" kern="1200">
+                <a:solidFill>
+                  <a:schemeClr val="tx1"/>
+                </a:solidFill>
+                <a:latin typeface="+mn-lt"/>
+                <a:ea typeface="+mn-ea"/>
+                <a:cs typeface="+mn-cs"/>
+              </a:rPr>
+              <a:t>以消耗日期为维度</a:t>
+            </a:r>
+            <a:r>
+              <a:rPr lang="en-US" altLang="zh-CN" sz="1200" kern="1200">
+                <a:solidFill>
+                  <a:schemeClr val="tx1"/>
+                </a:solidFill>
+                <a:latin typeface="+mn-lt"/>
+                <a:ea typeface="+mn-ea"/>
+                <a:cs typeface="+mn-cs"/>
+              </a:rPr>
+              <a:t>,</a:t>
+            </a:r>
+            <a:r>
+              <a:rPr lang="zh-CN" altLang="en-US" sz="1200" kern="1200">
+                <a:solidFill>
+                  <a:schemeClr val="tx1"/>
+                </a:solidFill>
+                <a:latin typeface="+mn-lt"/>
+                <a:ea typeface="+mn-ea"/>
+                <a:cs typeface="+mn-cs"/>
+              </a:rPr>
+              <a:t>每一次消耗都将记录下日期和金额</a:t>
+            </a:r>
+            <a:r>
+              <a:rPr lang="en-US" altLang="zh-CN" sz="1200" kern="1200">
+                <a:solidFill>
+                  <a:schemeClr val="tx1"/>
+                </a:solidFill>
+                <a:latin typeface="+mn-lt"/>
+                <a:ea typeface="+mn-ea"/>
+                <a:cs typeface="+mn-cs"/>
+              </a:rPr>
+              <a:t>.</a:t>
+            </a:r>
+          </a:p>
+          <a:p>
+            <a:r>
+              <a:rPr lang="zh-CN" altLang="en-US" sz="1200" kern="1200">
+                <a:solidFill>
+                  <a:schemeClr val="tx1"/>
+                </a:solidFill>
+                <a:latin typeface="+mn-lt"/>
+                <a:ea typeface="+mn-ea"/>
+                <a:cs typeface="+mn-cs"/>
+              </a:rPr>
+              <a:t>另外一个账号成本</a:t>
+            </a:r>
+            <a:r>
+              <a:rPr lang="en-US" altLang="zh-CN" sz="1200" kern="1200">
+                <a:solidFill>
+                  <a:schemeClr val="tx1"/>
+                </a:solidFill>
+                <a:latin typeface="+mn-lt"/>
+                <a:ea typeface="+mn-ea"/>
+                <a:cs typeface="+mn-cs"/>
+              </a:rPr>
+              <a:t>-</a:t>
+            </a:r>
+            <a:r>
+              <a:rPr lang="zh-CN" altLang="en-US" sz="1200" kern="1200">
+                <a:solidFill>
+                  <a:schemeClr val="tx1"/>
+                </a:solidFill>
+                <a:latin typeface="+mn-lt"/>
+                <a:ea typeface="+mn-ea"/>
+                <a:cs typeface="+mn-cs"/>
+              </a:rPr>
+              <a:t>时间统计表</a:t>
+            </a:r>
+            <a:r>
+              <a:rPr lang="en-US" altLang="zh-CN" sz="1200" kern="1200">
+                <a:solidFill>
+                  <a:schemeClr val="tx1"/>
+                </a:solidFill>
+                <a:latin typeface="+mn-lt"/>
+                <a:ea typeface="+mn-ea"/>
+                <a:cs typeface="+mn-cs"/>
+              </a:rPr>
+              <a:t>,</a:t>
+            </a:r>
+            <a:r>
+              <a:rPr lang="zh-CN" altLang="en-US" sz="1200" kern="1200">
+                <a:solidFill>
+                  <a:schemeClr val="tx1"/>
+                </a:solidFill>
+                <a:latin typeface="+mn-lt"/>
+                <a:ea typeface="+mn-ea"/>
+                <a:cs typeface="+mn-cs"/>
+              </a:rPr>
+              <a:t>则是将每一日和实际消耗对应起来进行展示</a:t>
+            </a:r>
+            <a:r>
+              <a:rPr lang="en-US" altLang="zh-CN" sz="1200" kern="1200">
+                <a:solidFill>
+                  <a:schemeClr val="tx1"/>
+                </a:solidFill>
+                <a:latin typeface="+mn-lt"/>
+                <a:ea typeface="+mn-ea"/>
+                <a:cs typeface="+mn-cs"/>
+              </a:rPr>
+              <a:t>.</a:t>
+            </a:r>
+          </a:p>
+        </p:txBody>
+      </p:sp>
+      <p:sp>
+        <p:nvSpPr>
+          <p:cNvPr id="4" name="灯片编号占位符 3"/>
+          <p:cNvSpPr>
+            <a:spLocks noGrp="1"/>
+          </p:cNvSpPr>
+          <p:nvPr>
+            <p:ph type="sldNum" sz="quarter" idx="10"/>
+          </p:nvPr>
+        </p:nvSpPr>
+        <p:spPr/>
+        <p:txBody>
+          <a:bodyPr/>
+          <a:lstStyle/>
+          <a:p>
+            <a:fld id="{F68E6534-E84D-4F2F-9D61-B34A338AA173}" type="slidenum">
+              <a:rPr lang="zh-CN" altLang="en-US" smtClean="0"/>
+              <a:t>52</a:t>
+            </a:fld>
+            <a:endParaRPr lang="zh-CN" altLang="en-US"/>
+          </a:p>
+        </p:txBody>
+      </p:sp>
+    </p:spTree>
+    <p:extLst>
+      <p:ext uri="{BB962C8B-B14F-4D97-AF65-F5344CB8AC3E}">
+        <p14:creationId xmlns:p14="http://schemas.microsoft.com/office/powerpoint/2010/main" val="2870264427"/>
+      </p:ext>
+    </p:extLst>
+  </p:cSld>
+  <p:clrMapOvr>
+    <a:masterClrMapping/>
+  </p:clrMapOvr>
+</p:notes>
+</file>
+
+<file path=ppt/notesSlides/notesSlide49.xml><?xml version="1.0" encoding="utf-8"?>
+<p:notes xmlns:a="http://schemas.openxmlformats.org/drawingml/2006/main" xmlns:r="http://schemas.openxmlformats.org/officeDocument/2006/relationships" xmlns:p="http://schemas.openxmlformats.org/presentationml/2006/main">
+  <p:cSld>
+    <p:spTree>
+      <p:nvGrpSpPr>
+        <p:cNvPr id="1" name=""/>
+        <p:cNvGrpSpPr/>
+        <p:nvPr/>
+      </p:nvGrpSpPr>
+      <p:grpSpPr>
+        <a:xfrm>
+          <a:off x="0" y="0"/>
+          <a:ext cx="0" cy="0"/>
+          <a:chOff x="0" y="0"/>
+          <a:chExt cx="0" cy="0"/>
+        </a:xfrm>
+      </p:grpSpPr>
+      <p:sp>
+        <p:nvSpPr>
+          <p:cNvPr id="2" name="幻灯片图像占位符 1"/>
+          <p:cNvSpPr>
+            <a:spLocks noGrp="1" noRot="1" noChangeAspect="1"/>
+          </p:cNvSpPr>
+          <p:nvPr>
+            <p:ph type="sldImg"/>
+          </p:nvPr>
+        </p:nvSpPr>
+        <p:spPr/>
+      </p:sp>
+      <p:sp>
+        <p:nvSpPr>
+          <p:cNvPr id="3" name="备注占位符 2"/>
+          <p:cNvSpPr>
+            <a:spLocks noGrp="1"/>
+          </p:cNvSpPr>
+          <p:nvPr>
+            <p:ph type="body" idx="1"/>
+          </p:nvPr>
+        </p:nvSpPr>
+        <p:spPr/>
+        <p:txBody>
+          <a:bodyPr/>
+          <a:lstStyle/>
+          <a:p>
+            <a:r>
+              <a:rPr lang="zh-CN" altLang="en-US" sz="1200" kern="1200">
+                <a:solidFill>
+                  <a:schemeClr val="tx1"/>
+                </a:solidFill>
+                <a:latin typeface="+mn-lt"/>
+                <a:ea typeface="+mn-ea"/>
+                <a:cs typeface="+mn-cs"/>
+              </a:rPr>
+              <a:t>点击分析按钮</a:t>
+            </a:r>
+            <a:r>
+              <a:rPr lang="en-US" altLang="zh-CN" sz="1200" kern="1200">
+                <a:solidFill>
+                  <a:schemeClr val="tx1"/>
+                </a:solidFill>
+                <a:latin typeface="+mn-lt"/>
+                <a:ea typeface="+mn-ea"/>
+                <a:cs typeface="+mn-cs"/>
+              </a:rPr>
+              <a:t>,</a:t>
+            </a:r>
+            <a:r>
+              <a:rPr lang="zh-CN" altLang="en-US" sz="1200" kern="1200">
+                <a:solidFill>
+                  <a:schemeClr val="tx1"/>
+                </a:solidFill>
+                <a:latin typeface="+mn-lt"/>
+                <a:ea typeface="+mn-ea"/>
+                <a:cs typeface="+mn-cs"/>
+              </a:rPr>
+              <a:t>将得到该账号更为详细的信息</a:t>
+            </a:r>
+            <a:r>
+              <a:rPr lang="en-US" altLang="zh-CN" sz="1200" kern="1200">
+                <a:solidFill>
+                  <a:schemeClr val="tx1"/>
+                </a:solidFill>
+                <a:latin typeface="+mn-lt"/>
+                <a:ea typeface="+mn-ea"/>
+                <a:cs typeface="+mn-cs"/>
+              </a:rPr>
+              <a:t>,</a:t>
+            </a:r>
+            <a:r>
+              <a:rPr lang="zh-CN" altLang="en-US" sz="1200" kern="1200">
+                <a:solidFill>
+                  <a:schemeClr val="tx1"/>
+                </a:solidFill>
+                <a:latin typeface="+mn-lt"/>
+                <a:ea typeface="+mn-ea"/>
+                <a:cs typeface="+mn-cs"/>
+              </a:rPr>
+              <a:t>以消耗日期为维度</a:t>
+            </a:r>
+            <a:r>
+              <a:rPr lang="en-US" altLang="zh-CN" sz="1200" kern="1200">
+                <a:solidFill>
+                  <a:schemeClr val="tx1"/>
+                </a:solidFill>
+                <a:latin typeface="+mn-lt"/>
+                <a:ea typeface="+mn-ea"/>
+                <a:cs typeface="+mn-cs"/>
+              </a:rPr>
+              <a:t>,</a:t>
+            </a:r>
+            <a:r>
+              <a:rPr lang="zh-CN" altLang="en-US" sz="1200" kern="1200">
+                <a:solidFill>
+                  <a:schemeClr val="tx1"/>
+                </a:solidFill>
+                <a:latin typeface="+mn-lt"/>
+                <a:ea typeface="+mn-ea"/>
+                <a:cs typeface="+mn-cs"/>
+              </a:rPr>
+              <a:t>每一次消耗都将记录下日期和金额</a:t>
+            </a:r>
+            <a:r>
+              <a:rPr lang="en-US" altLang="zh-CN" sz="1200" kern="1200">
+                <a:solidFill>
+                  <a:schemeClr val="tx1"/>
+                </a:solidFill>
+                <a:latin typeface="+mn-lt"/>
+                <a:ea typeface="+mn-ea"/>
+                <a:cs typeface="+mn-cs"/>
+              </a:rPr>
+              <a:t>.</a:t>
+            </a:r>
+          </a:p>
+          <a:p>
+            <a:r>
+              <a:rPr lang="zh-CN" altLang="en-US" sz="1200" kern="1200">
+                <a:solidFill>
+                  <a:schemeClr val="tx1"/>
+                </a:solidFill>
+                <a:latin typeface="+mn-lt"/>
+                <a:ea typeface="+mn-ea"/>
+                <a:cs typeface="+mn-cs"/>
+              </a:rPr>
+              <a:t>另外一个账号成本</a:t>
+            </a:r>
+            <a:r>
+              <a:rPr lang="en-US" altLang="zh-CN" sz="1200" kern="1200">
+                <a:solidFill>
+                  <a:schemeClr val="tx1"/>
+                </a:solidFill>
+                <a:latin typeface="+mn-lt"/>
+                <a:ea typeface="+mn-ea"/>
+                <a:cs typeface="+mn-cs"/>
+              </a:rPr>
+              <a:t>-</a:t>
+            </a:r>
+            <a:r>
+              <a:rPr lang="zh-CN" altLang="en-US" sz="1200" kern="1200">
+                <a:solidFill>
+                  <a:schemeClr val="tx1"/>
+                </a:solidFill>
+                <a:latin typeface="+mn-lt"/>
+                <a:ea typeface="+mn-ea"/>
+                <a:cs typeface="+mn-cs"/>
+              </a:rPr>
+              <a:t>时间统计表</a:t>
+            </a:r>
+            <a:r>
+              <a:rPr lang="en-US" altLang="zh-CN" sz="1200" kern="1200">
+                <a:solidFill>
+                  <a:schemeClr val="tx1"/>
+                </a:solidFill>
+                <a:latin typeface="+mn-lt"/>
+                <a:ea typeface="+mn-ea"/>
+                <a:cs typeface="+mn-cs"/>
+              </a:rPr>
+              <a:t>,</a:t>
+            </a:r>
+            <a:r>
+              <a:rPr lang="zh-CN" altLang="en-US" sz="1200" kern="1200">
+                <a:solidFill>
+                  <a:schemeClr val="tx1"/>
+                </a:solidFill>
+                <a:latin typeface="+mn-lt"/>
+                <a:ea typeface="+mn-ea"/>
+                <a:cs typeface="+mn-cs"/>
+              </a:rPr>
+              <a:t>则是将每一日和实际消耗对应起来进行展示</a:t>
+            </a:r>
+            <a:r>
+              <a:rPr lang="en-US" altLang="zh-CN" sz="1200" kern="1200">
+                <a:solidFill>
+                  <a:schemeClr val="tx1"/>
+                </a:solidFill>
+                <a:latin typeface="+mn-lt"/>
+                <a:ea typeface="+mn-ea"/>
+                <a:cs typeface="+mn-cs"/>
+              </a:rPr>
+              <a:t>.</a:t>
+            </a:r>
+          </a:p>
+        </p:txBody>
+      </p:sp>
+      <p:sp>
+        <p:nvSpPr>
+          <p:cNvPr id="4" name="灯片编号占位符 3"/>
+          <p:cNvSpPr>
+            <a:spLocks noGrp="1"/>
+          </p:cNvSpPr>
+          <p:nvPr>
+            <p:ph type="sldNum" sz="quarter" idx="10"/>
+          </p:nvPr>
+        </p:nvSpPr>
+        <p:spPr/>
+        <p:txBody>
+          <a:bodyPr/>
+          <a:lstStyle/>
+          <a:p>
+            <a:fld id="{F68E6534-E84D-4F2F-9D61-B34A338AA173}" type="slidenum">
+              <a:rPr lang="zh-CN" altLang="en-US" smtClean="0"/>
+              <a:t>53</a:t>
+            </a:fld>
+            <a:endParaRPr lang="zh-CN" altLang="en-US"/>
+          </a:p>
+        </p:txBody>
+      </p:sp>
+    </p:spTree>
+    <p:extLst>
+      <p:ext uri="{BB962C8B-B14F-4D97-AF65-F5344CB8AC3E}">
+        <p14:creationId xmlns:p14="http://schemas.microsoft.com/office/powerpoint/2010/main" val="1893630480"/>
       </p:ext>
     </p:extLst>
   </p:cSld>
@@ -12989,6 +15877,844 @@
     <p:extLst>
       <p:ext uri="{BB962C8B-B14F-4D97-AF65-F5344CB8AC3E}">
         <p14:creationId xmlns:p14="http://schemas.microsoft.com/office/powerpoint/2010/main" val="1024847590"/>
+      </p:ext>
+    </p:extLst>
+  </p:cSld>
+  <p:clrMapOvr>
+    <a:masterClrMapping/>
+  </p:clrMapOvr>
+</p:notes>
+</file>
+
+<file path=ppt/notesSlides/notesSlide50.xml><?xml version="1.0" encoding="utf-8"?>
+<p:notes xmlns:a="http://schemas.openxmlformats.org/drawingml/2006/main" xmlns:r="http://schemas.openxmlformats.org/officeDocument/2006/relationships" xmlns:p="http://schemas.openxmlformats.org/presentationml/2006/main">
+  <p:cSld>
+    <p:spTree>
+      <p:nvGrpSpPr>
+        <p:cNvPr id="1" name=""/>
+        <p:cNvGrpSpPr/>
+        <p:nvPr/>
+      </p:nvGrpSpPr>
+      <p:grpSpPr>
+        <a:xfrm>
+          <a:off x="0" y="0"/>
+          <a:ext cx="0" cy="0"/>
+          <a:chOff x="0" y="0"/>
+          <a:chExt cx="0" cy="0"/>
+        </a:xfrm>
+      </p:grpSpPr>
+      <p:sp>
+        <p:nvSpPr>
+          <p:cNvPr id="2" name="幻灯片图像占位符 1"/>
+          <p:cNvSpPr>
+            <a:spLocks noGrp="1" noRot="1" noChangeAspect="1"/>
+          </p:cNvSpPr>
+          <p:nvPr>
+            <p:ph type="sldImg"/>
+          </p:nvPr>
+        </p:nvSpPr>
+        <p:spPr/>
+      </p:sp>
+      <p:sp>
+        <p:nvSpPr>
+          <p:cNvPr id="3" name="备注占位符 2"/>
+          <p:cNvSpPr>
+            <a:spLocks noGrp="1"/>
+          </p:cNvSpPr>
+          <p:nvPr>
+            <p:ph type="body" idx="1"/>
+          </p:nvPr>
+        </p:nvSpPr>
+        <p:spPr/>
+        <p:txBody>
+          <a:bodyPr/>
+          <a:lstStyle/>
+          <a:p>
+            <a:r>
+              <a:rPr lang="zh-CN" altLang="en-US" sz="1200" kern="1200">
+                <a:solidFill>
+                  <a:schemeClr val="tx1"/>
+                </a:solidFill>
+                <a:latin typeface="+mn-lt"/>
+                <a:ea typeface="+mn-ea"/>
+                <a:cs typeface="+mn-cs"/>
+              </a:rPr>
+              <a:t>角色列表</a:t>
+            </a:r>
+            <a:r>
+              <a:rPr lang="en-US" altLang="zh-CN" sz="1200" kern="1200">
+                <a:solidFill>
+                  <a:schemeClr val="tx1"/>
+                </a:solidFill>
+                <a:latin typeface="+mn-lt"/>
+                <a:ea typeface="+mn-ea"/>
+                <a:cs typeface="+mn-cs"/>
+              </a:rPr>
+              <a:t>:</a:t>
+            </a:r>
+          </a:p>
+          <a:p>
+            <a:r>
+              <a:rPr lang="zh-CN" altLang="en-US" sz="1200" kern="1200">
+                <a:solidFill>
+                  <a:schemeClr val="tx1"/>
+                </a:solidFill>
+                <a:latin typeface="+mn-lt"/>
+                <a:ea typeface="+mn-ea"/>
+                <a:cs typeface="+mn-cs"/>
+              </a:rPr>
+              <a:t>网站角色和权限的添加</a:t>
+            </a:r>
+          </a:p>
+          <a:p>
+            <a:r>
+              <a:rPr lang="zh-CN" altLang="en-US" sz="1200" kern="1200">
+                <a:solidFill>
+                  <a:schemeClr val="tx1"/>
+                </a:solidFill>
+                <a:latin typeface="+mn-lt"/>
+                <a:ea typeface="+mn-ea"/>
+                <a:cs typeface="+mn-cs"/>
+              </a:rPr>
+              <a:t>通过设置用户组</a:t>
+            </a:r>
+            <a:r>
+              <a:rPr lang="en-US" altLang="zh-CN" sz="1200" kern="1200">
+                <a:solidFill>
+                  <a:schemeClr val="tx1"/>
+                </a:solidFill>
+                <a:latin typeface="+mn-lt"/>
+                <a:ea typeface="+mn-ea"/>
+                <a:cs typeface="+mn-cs"/>
+              </a:rPr>
+              <a:t>,</a:t>
+            </a:r>
+            <a:r>
+              <a:rPr lang="zh-CN" altLang="en-US" sz="1200" kern="1200">
+                <a:solidFill>
+                  <a:schemeClr val="tx1"/>
+                </a:solidFill>
+                <a:latin typeface="+mn-lt"/>
+                <a:ea typeface="+mn-ea"/>
+                <a:cs typeface="+mn-cs"/>
+              </a:rPr>
+              <a:t>然后给网站成员分配用户组来达到实现权限管理的目的</a:t>
+            </a:r>
+          </a:p>
+          <a:p>
+            <a:r>
+              <a:rPr lang="zh-CN" altLang="en-US" sz="1200" kern="1200">
+                <a:solidFill>
+                  <a:schemeClr val="tx1"/>
+                </a:solidFill>
+                <a:latin typeface="+mn-lt"/>
+                <a:ea typeface="+mn-ea"/>
+                <a:cs typeface="+mn-cs"/>
+              </a:rPr>
+              <a:t>通过</a:t>
+            </a:r>
+            <a:r>
+              <a:rPr lang="en-US" altLang="zh-CN" sz="1200" kern="1200">
+                <a:solidFill>
+                  <a:schemeClr val="tx1"/>
+                </a:solidFill>
+                <a:latin typeface="+mn-lt"/>
+                <a:ea typeface="+mn-ea"/>
+                <a:cs typeface="+mn-cs"/>
+              </a:rPr>
+              <a:t>admin</a:t>
+            </a:r>
+            <a:r>
+              <a:rPr lang="zh-CN" altLang="en-US" sz="1200" kern="1200">
+                <a:solidFill>
+                  <a:schemeClr val="tx1"/>
+                </a:solidFill>
+                <a:latin typeface="+mn-lt"/>
+                <a:ea typeface="+mn-ea"/>
+                <a:cs typeface="+mn-cs"/>
+              </a:rPr>
+              <a:t>表查到</a:t>
+            </a:r>
+            <a:r>
+              <a:rPr lang="en-US" altLang="zh-CN" sz="1200" kern="1200">
+                <a:solidFill>
+                  <a:schemeClr val="tx1"/>
+                </a:solidFill>
+                <a:latin typeface="+mn-lt"/>
+                <a:ea typeface="+mn-ea"/>
+                <a:cs typeface="+mn-cs"/>
+              </a:rPr>
+              <a:t>role_id,</a:t>
+            </a:r>
+            <a:r>
+              <a:rPr lang="zh-CN" altLang="en-US" sz="1200" kern="1200">
+                <a:solidFill>
+                  <a:schemeClr val="tx1"/>
+                </a:solidFill>
+                <a:latin typeface="+mn-lt"/>
+                <a:ea typeface="+mn-ea"/>
+                <a:cs typeface="+mn-cs"/>
+              </a:rPr>
+              <a:t>通过</a:t>
+            </a:r>
+            <a:r>
+              <a:rPr lang="en-US" altLang="zh-CN" sz="1200" kern="1200">
+                <a:solidFill>
+                  <a:schemeClr val="tx1"/>
+                </a:solidFill>
+                <a:latin typeface="+mn-lt"/>
+                <a:ea typeface="+mn-ea"/>
+                <a:cs typeface="+mn-cs"/>
+              </a:rPr>
+              <a:t>role_id</a:t>
+            </a:r>
+            <a:r>
+              <a:rPr lang="zh-CN" altLang="en-US" sz="1200" kern="1200">
+                <a:solidFill>
+                  <a:schemeClr val="tx1"/>
+                </a:solidFill>
+                <a:latin typeface="+mn-lt"/>
+                <a:ea typeface="+mn-ea"/>
+                <a:cs typeface="+mn-cs"/>
+              </a:rPr>
+              <a:t>在</a:t>
+            </a:r>
+            <a:r>
+              <a:rPr lang="en-US" altLang="zh-CN" sz="1200" kern="1200">
+                <a:solidFill>
+                  <a:schemeClr val="tx1"/>
+                </a:solidFill>
+                <a:latin typeface="+mn-lt"/>
+                <a:ea typeface="+mn-ea"/>
+                <a:cs typeface="+mn-cs"/>
+              </a:rPr>
+              <a:t>role</a:t>
+            </a:r>
+            <a:r>
+              <a:rPr lang="zh-CN" altLang="en-US" sz="1200" kern="1200">
+                <a:solidFill>
+                  <a:schemeClr val="tx1"/>
+                </a:solidFill>
+                <a:latin typeface="+mn-lt"/>
+                <a:ea typeface="+mn-ea"/>
+                <a:cs typeface="+mn-cs"/>
+              </a:rPr>
+              <a:t>表中查询到角色</a:t>
+            </a:r>
+            <a:r>
+              <a:rPr lang="en-US" altLang="zh-CN" sz="1200" kern="1200">
+                <a:solidFill>
+                  <a:schemeClr val="tx1"/>
+                </a:solidFill>
+                <a:latin typeface="+mn-lt"/>
+                <a:ea typeface="+mn-ea"/>
+                <a:cs typeface="+mn-cs"/>
+              </a:rPr>
+              <a:t>id,</a:t>
+            </a:r>
+            <a:r>
+              <a:rPr lang="zh-CN" altLang="en-US" sz="1200" kern="1200">
+                <a:solidFill>
+                  <a:schemeClr val="tx1"/>
+                </a:solidFill>
+                <a:latin typeface="+mn-lt"/>
+                <a:ea typeface="+mn-ea"/>
+                <a:cs typeface="+mn-cs"/>
+              </a:rPr>
+              <a:t>通过角色</a:t>
+            </a:r>
+            <a:r>
+              <a:rPr lang="en-US" altLang="zh-CN" sz="1200" kern="1200">
+                <a:solidFill>
+                  <a:schemeClr val="tx1"/>
+                </a:solidFill>
+                <a:latin typeface="+mn-lt"/>
+                <a:ea typeface="+mn-ea"/>
+                <a:cs typeface="+mn-cs"/>
+              </a:rPr>
+              <a:t>id</a:t>
+            </a:r>
+            <a:r>
+              <a:rPr lang="zh-CN" altLang="en-US" sz="1200" kern="1200">
+                <a:solidFill>
+                  <a:schemeClr val="tx1"/>
+                </a:solidFill>
+                <a:latin typeface="+mn-lt"/>
+                <a:ea typeface="+mn-ea"/>
+                <a:cs typeface="+mn-cs"/>
+              </a:rPr>
+              <a:t>在</a:t>
+            </a:r>
+            <a:r>
+              <a:rPr lang="en-US" altLang="zh-CN" sz="1200" kern="1200">
+                <a:solidFill>
+                  <a:schemeClr val="tx1"/>
+                </a:solidFill>
+                <a:latin typeface="+mn-lt"/>
+                <a:ea typeface="+mn-ea"/>
+                <a:cs typeface="+mn-cs"/>
+              </a:rPr>
+              <a:t>access</a:t>
+            </a:r>
+            <a:r>
+              <a:rPr lang="zh-CN" altLang="en-US" sz="1200" kern="1200">
+                <a:solidFill>
+                  <a:schemeClr val="tx1"/>
+                </a:solidFill>
+                <a:latin typeface="+mn-lt"/>
+                <a:ea typeface="+mn-ea"/>
+                <a:cs typeface="+mn-cs"/>
+              </a:rPr>
+              <a:t>表中查询到</a:t>
+            </a:r>
+            <a:r>
+              <a:rPr lang="en-US" altLang="zh-CN" sz="1200" kern="1200">
+                <a:solidFill>
+                  <a:schemeClr val="tx1"/>
+                </a:solidFill>
+                <a:latin typeface="+mn-lt"/>
+                <a:ea typeface="+mn-ea"/>
+                <a:cs typeface="+mn-cs"/>
+              </a:rPr>
+              <a:t>node_id,</a:t>
+            </a:r>
+            <a:r>
+              <a:rPr lang="zh-CN" altLang="en-US" sz="1200" kern="1200">
+                <a:solidFill>
+                  <a:schemeClr val="tx1"/>
+                </a:solidFill>
+                <a:latin typeface="+mn-lt"/>
+                <a:ea typeface="+mn-ea"/>
+                <a:cs typeface="+mn-cs"/>
+              </a:rPr>
+              <a:t>节点</a:t>
+            </a:r>
+            <a:r>
+              <a:rPr lang="en-US" altLang="zh-CN" sz="1200" kern="1200">
+                <a:solidFill>
+                  <a:schemeClr val="tx1"/>
+                </a:solidFill>
+                <a:latin typeface="+mn-lt"/>
+                <a:ea typeface="+mn-ea"/>
+                <a:cs typeface="+mn-cs"/>
+              </a:rPr>
+              <a:t>id,</a:t>
+            </a:r>
+            <a:r>
+              <a:rPr lang="zh-CN" altLang="en-US" sz="1200" kern="1200">
+                <a:solidFill>
+                  <a:schemeClr val="tx1"/>
+                </a:solidFill>
+                <a:latin typeface="+mn-lt"/>
+                <a:ea typeface="+mn-ea"/>
+                <a:cs typeface="+mn-cs"/>
+              </a:rPr>
+              <a:t>在节点表</a:t>
+            </a:r>
+            <a:r>
+              <a:rPr lang="en-US" altLang="zh-CN" sz="1200" kern="1200">
+                <a:solidFill>
+                  <a:schemeClr val="tx1"/>
+                </a:solidFill>
+                <a:latin typeface="+mn-lt"/>
+                <a:ea typeface="+mn-ea"/>
+                <a:cs typeface="+mn-cs"/>
+              </a:rPr>
+              <a:t>think_node</a:t>
+            </a:r>
+            <a:r>
+              <a:rPr lang="zh-CN" altLang="en-US" sz="1200" kern="1200">
+                <a:solidFill>
+                  <a:schemeClr val="tx1"/>
+                </a:solidFill>
+                <a:latin typeface="+mn-lt"/>
+                <a:ea typeface="+mn-ea"/>
+                <a:cs typeface="+mn-cs"/>
+              </a:rPr>
+              <a:t>中查询到操作名</a:t>
+            </a:r>
+            <a:r>
+              <a:rPr lang="en-US" altLang="zh-CN" sz="1200" kern="1200">
+                <a:solidFill>
+                  <a:schemeClr val="tx1"/>
+                </a:solidFill>
+                <a:latin typeface="+mn-lt"/>
+                <a:ea typeface="+mn-ea"/>
+                <a:cs typeface="+mn-cs"/>
+              </a:rPr>
+              <a:t>,</a:t>
+            </a:r>
+            <a:r>
+              <a:rPr lang="zh-CN" altLang="en-US" sz="1200" kern="1200">
+                <a:solidFill>
+                  <a:schemeClr val="tx1"/>
+                </a:solidFill>
+                <a:latin typeface="+mn-lt"/>
+                <a:ea typeface="+mn-ea"/>
+                <a:cs typeface="+mn-cs"/>
+              </a:rPr>
+              <a:t>依次来控制权限管理</a:t>
+            </a:r>
+            <a:r>
+              <a:rPr lang="en-US" altLang="zh-CN" sz="1200" kern="1200">
+                <a:solidFill>
+                  <a:schemeClr val="tx1"/>
+                </a:solidFill>
+                <a:latin typeface="+mn-lt"/>
+                <a:ea typeface="+mn-ea"/>
+                <a:cs typeface="+mn-cs"/>
+              </a:rPr>
+              <a:t>.</a:t>
+            </a:r>
+          </a:p>
+        </p:txBody>
+      </p:sp>
+      <p:sp>
+        <p:nvSpPr>
+          <p:cNvPr id="4" name="灯片编号占位符 3"/>
+          <p:cNvSpPr>
+            <a:spLocks noGrp="1"/>
+          </p:cNvSpPr>
+          <p:nvPr>
+            <p:ph type="sldNum" sz="quarter" idx="10"/>
+          </p:nvPr>
+        </p:nvSpPr>
+        <p:spPr/>
+        <p:txBody>
+          <a:bodyPr/>
+          <a:lstStyle/>
+          <a:p>
+            <a:fld id="{F68E6534-E84D-4F2F-9D61-B34A338AA173}" type="slidenum">
+              <a:rPr lang="zh-CN" altLang="en-US" smtClean="0"/>
+              <a:t>54</a:t>
+            </a:fld>
+            <a:endParaRPr lang="zh-CN" altLang="en-US"/>
+          </a:p>
+        </p:txBody>
+      </p:sp>
+    </p:spTree>
+    <p:extLst>
+      <p:ext uri="{BB962C8B-B14F-4D97-AF65-F5344CB8AC3E}">
+        <p14:creationId xmlns:p14="http://schemas.microsoft.com/office/powerpoint/2010/main" val="2669761786"/>
+      </p:ext>
+    </p:extLst>
+  </p:cSld>
+  <p:clrMapOvr>
+    <a:masterClrMapping/>
+  </p:clrMapOvr>
+</p:notes>
+</file>
+
+<file path=ppt/notesSlides/notesSlide51.xml><?xml version="1.0" encoding="utf-8"?>
+<p:notes xmlns:a="http://schemas.openxmlformats.org/drawingml/2006/main" xmlns:r="http://schemas.openxmlformats.org/officeDocument/2006/relationships" xmlns:p="http://schemas.openxmlformats.org/presentationml/2006/main">
+  <p:cSld>
+    <p:spTree>
+      <p:nvGrpSpPr>
+        <p:cNvPr id="1" name=""/>
+        <p:cNvGrpSpPr/>
+        <p:nvPr/>
+      </p:nvGrpSpPr>
+      <p:grpSpPr>
+        <a:xfrm>
+          <a:off x="0" y="0"/>
+          <a:ext cx="0" cy="0"/>
+          <a:chOff x="0" y="0"/>
+          <a:chExt cx="0" cy="0"/>
+        </a:xfrm>
+      </p:grpSpPr>
+      <p:sp>
+        <p:nvSpPr>
+          <p:cNvPr id="2" name="幻灯片图像占位符 1"/>
+          <p:cNvSpPr>
+            <a:spLocks noGrp="1" noRot="1" noChangeAspect="1"/>
+          </p:cNvSpPr>
+          <p:nvPr>
+            <p:ph type="sldImg"/>
+          </p:nvPr>
+        </p:nvSpPr>
+        <p:spPr/>
+      </p:sp>
+      <p:sp>
+        <p:nvSpPr>
+          <p:cNvPr id="3" name="备注占位符 2"/>
+          <p:cNvSpPr>
+            <a:spLocks noGrp="1"/>
+          </p:cNvSpPr>
+          <p:nvPr>
+            <p:ph type="body" idx="1"/>
+          </p:nvPr>
+        </p:nvSpPr>
+        <p:spPr/>
+        <p:txBody>
+          <a:bodyPr/>
+          <a:lstStyle/>
+          <a:p>
+            <a:r>
+              <a:rPr lang="zh-CN" altLang="en-US" sz="1200" kern="1200">
+                <a:solidFill>
+                  <a:schemeClr val="tx1"/>
+                </a:solidFill>
+                <a:latin typeface="+mn-lt"/>
+                <a:ea typeface="+mn-ea"/>
+                <a:cs typeface="+mn-cs"/>
+              </a:rPr>
+              <a:t>角色列表</a:t>
+            </a:r>
+            <a:r>
+              <a:rPr lang="en-US" altLang="zh-CN" sz="1200" kern="1200">
+                <a:solidFill>
+                  <a:schemeClr val="tx1"/>
+                </a:solidFill>
+                <a:latin typeface="+mn-lt"/>
+                <a:ea typeface="+mn-ea"/>
+                <a:cs typeface="+mn-cs"/>
+              </a:rPr>
+              <a:t>:</a:t>
+            </a:r>
+          </a:p>
+          <a:p>
+            <a:r>
+              <a:rPr lang="zh-CN" altLang="en-US" sz="1200" kern="1200">
+                <a:solidFill>
+                  <a:schemeClr val="tx1"/>
+                </a:solidFill>
+                <a:latin typeface="+mn-lt"/>
+                <a:ea typeface="+mn-ea"/>
+                <a:cs typeface="+mn-cs"/>
+              </a:rPr>
+              <a:t>网站角色和权限的添加</a:t>
+            </a:r>
+          </a:p>
+          <a:p>
+            <a:r>
+              <a:rPr lang="zh-CN" altLang="en-US" sz="1200" kern="1200">
+                <a:solidFill>
+                  <a:schemeClr val="tx1"/>
+                </a:solidFill>
+                <a:latin typeface="+mn-lt"/>
+                <a:ea typeface="+mn-ea"/>
+                <a:cs typeface="+mn-cs"/>
+              </a:rPr>
+              <a:t>通过设置用户组</a:t>
+            </a:r>
+            <a:r>
+              <a:rPr lang="en-US" altLang="zh-CN" sz="1200" kern="1200">
+                <a:solidFill>
+                  <a:schemeClr val="tx1"/>
+                </a:solidFill>
+                <a:latin typeface="+mn-lt"/>
+                <a:ea typeface="+mn-ea"/>
+                <a:cs typeface="+mn-cs"/>
+              </a:rPr>
+              <a:t>,</a:t>
+            </a:r>
+            <a:r>
+              <a:rPr lang="zh-CN" altLang="en-US" sz="1200" kern="1200">
+                <a:solidFill>
+                  <a:schemeClr val="tx1"/>
+                </a:solidFill>
+                <a:latin typeface="+mn-lt"/>
+                <a:ea typeface="+mn-ea"/>
+                <a:cs typeface="+mn-cs"/>
+              </a:rPr>
+              <a:t>然后给网站成员分配用户组来达到实现权限管理的目的</a:t>
+            </a:r>
+          </a:p>
+          <a:p>
+            <a:r>
+              <a:rPr lang="zh-CN" altLang="en-US" sz="1200" kern="1200">
+                <a:solidFill>
+                  <a:schemeClr val="tx1"/>
+                </a:solidFill>
+                <a:latin typeface="+mn-lt"/>
+                <a:ea typeface="+mn-ea"/>
+                <a:cs typeface="+mn-cs"/>
+              </a:rPr>
+              <a:t>通过</a:t>
+            </a:r>
+            <a:r>
+              <a:rPr lang="en-US" altLang="zh-CN" sz="1200" kern="1200">
+                <a:solidFill>
+                  <a:schemeClr val="tx1"/>
+                </a:solidFill>
+                <a:latin typeface="+mn-lt"/>
+                <a:ea typeface="+mn-ea"/>
+                <a:cs typeface="+mn-cs"/>
+              </a:rPr>
+              <a:t>admin</a:t>
+            </a:r>
+            <a:r>
+              <a:rPr lang="zh-CN" altLang="en-US" sz="1200" kern="1200">
+                <a:solidFill>
+                  <a:schemeClr val="tx1"/>
+                </a:solidFill>
+                <a:latin typeface="+mn-lt"/>
+                <a:ea typeface="+mn-ea"/>
+                <a:cs typeface="+mn-cs"/>
+              </a:rPr>
+              <a:t>表查到</a:t>
+            </a:r>
+            <a:r>
+              <a:rPr lang="en-US" altLang="zh-CN" sz="1200" kern="1200">
+                <a:solidFill>
+                  <a:schemeClr val="tx1"/>
+                </a:solidFill>
+                <a:latin typeface="+mn-lt"/>
+                <a:ea typeface="+mn-ea"/>
+                <a:cs typeface="+mn-cs"/>
+              </a:rPr>
+              <a:t>role_id,</a:t>
+            </a:r>
+            <a:r>
+              <a:rPr lang="zh-CN" altLang="en-US" sz="1200" kern="1200">
+                <a:solidFill>
+                  <a:schemeClr val="tx1"/>
+                </a:solidFill>
+                <a:latin typeface="+mn-lt"/>
+                <a:ea typeface="+mn-ea"/>
+                <a:cs typeface="+mn-cs"/>
+              </a:rPr>
+              <a:t>通过</a:t>
+            </a:r>
+            <a:r>
+              <a:rPr lang="en-US" altLang="zh-CN" sz="1200" kern="1200">
+                <a:solidFill>
+                  <a:schemeClr val="tx1"/>
+                </a:solidFill>
+                <a:latin typeface="+mn-lt"/>
+                <a:ea typeface="+mn-ea"/>
+                <a:cs typeface="+mn-cs"/>
+              </a:rPr>
+              <a:t>role_id</a:t>
+            </a:r>
+            <a:r>
+              <a:rPr lang="zh-CN" altLang="en-US" sz="1200" kern="1200">
+                <a:solidFill>
+                  <a:schemeClr val="tx1"/>
+                </a:solidFill>
+                <a:latin typeface="+mn-lt"/>
+                <a:ea typeface="+mn-ea"/>
+                <a:cs typeface="+mn-cs"/>
+              </a:rPr>
+              <a:t>在</a:t>
+            </a:r>
+            <a:r>
+              <a:rPr lang="en-US" altLang="zh-CN" sz="1200" kern="1200">
+                <a:solidFill>
+                  <a:schemeClr val="tx1"/>
+                </a:solidFill>
+                <a:latin typeface="+mn-lt"/>
+                <a:ea typeface="+mn-ea"/>
+                <a:cs typeface="+mn-cs"/>
+              </a:rPr>
+              <a:t>role</a:t>
+            </a:r>
+            <a:r>
+              <a:rPr lang="zh-CN" altLang="en-US" sz="1200" kern="1200">
+                <a:solidFill>
+                  <a:schemeClr val="tx1"/>
+                </a:solidFill>
+                <a:latin typeface="+mn-lt"/>
+                <a:ea typeface="+mn-ea"/>
+                <a:cs typeface="+mn-cs"/>
+              </a:rPr>
+              <a:t>表中查询到角色</a:t>
+            </a:r>
+            <a:r>
+              <a:rPr lang="en-US" altLang="zh-CN" sz="1200" kern="1200">
+                <a:solidFill>
+                  <a:schemeClr val="tx1"/>
+                </a:solidFill>
+                <a:latin typeface="+mn-lt"/>
+                <a:ea typeface="+mn-ea"/>
+                <a:cs typeface="+mn-cs"/>
+              </a:rPr>
+              <a:t>id,</a:t>
+            </a:r>
+            <a:r>
+              <a:rPr lang="zh-CN" altLang="en-US" sz="1200" kern="1200">
+                <a:solidFill>
+                  <a:schemeClr val="tx1"/>
+                </a:solidFill>
+                <a:latin typeface="+mn-lt"/>
+                <a:ea typeface="+mn-ea"/>
+                <a:cs typeface="+mn-cs"/>
+              </a:rPr>
+              <a:t>通过角色</a:t>
+            </a:r>
+            <a:r>
+              <a:rPr lang="en-US" altLang="zh-CN" sz="1200" kern="1200">
+                <a:solidFill>
+                  <a:schemeClr val="tx1"/>
+                </a:solidFill>
+                <a:latin typeface="+mn-lt"/>
+                <a:ea typeface="+mn-ea"/>
+                <a:cs typeface="+mn-cs"/>
+              </a:rPr>
+              <a:t>id</a:t>
+            </a:r>
+            <a:r>
+              <a:rPr lang="zh-CN" altLang="en-US" sz="1200" kern="1200">
+                <a:solidFill>
+                  <a:schemeClr val="tx1"/>
+                </a:solidFill>
+                <a:latin typeface="+mn-lt"/>
+                <a:ea typeface="+mn-ea"/>
+                <a:cs typeface="+mn-cs"/>
+              </a:rPr>
+              <a:t>在</a:t>
+            </a:r>
+            <a:r>
+              <a:rPr lang="en-US" altLang="zh-CN" sz="1200" kern="1200">
+                <a:solidFill>
+                  <a:schemeClr val="tx1"/>
+                </a:solidFill>
+                <a:latin typeface="+mn-lt"/>
+                <a:ea typeface="+mn-ea"/>
+                <a:cs typeface="+mn-cs"/>
+              </a:rPr>
+              <a:t>access</a:t>
+            </a:r>
+            <a:r>
+              <a:rPr lang="zh-CN" altLang="en-US" sz="1200" kern="1200">
+                <a:solidFill>
+                  <a:schemeClr val="tx1"/>
+                </a:solidFill>
+                <a:latin typeface="+mn-lt"/>
+                <a:ea typeface="+mn-ea"/>
+                <a:cs typeface="+mn-cs"/>
+              </a:rPr>
+              <a:t>表中查询到</a:t>
+            </a:r>
+            <a:r>
+              <a:rPr lang="en-US" altLang="zh-CN" sz="1200" kern="1200">
+                <a:solidFill>
+                  <a:schemeClr val="tx1"/>
+                </a:solidFill>
+                <a:latin typeface="+mn-lt"/>
+                <a:ea typeface="+mn-ea"/>
+                <a:cs typeface="+mn-cs"/>
+              </a:rPr>
+              <a:t>node_id,</a:t>
+            </a:r>
+            <a:r>
+              <a:rPr lang="zh-CN" altLang="en-US" sz="1200" kern="1200">
+                <a:solidFill>
+                  <a:schemeClr val="tx1"/>
+                </a:solidFill>
+                <a:latin typeface="+mn-lt"/>
+                <a:ea typeface="+mn-ea"/>
+                <a:cs typeface="+mn-cs"/>
+              </a:rPr>
+              <a:t>节点</a:t>
+            </a:r>
+            <a:r>
+              <a:rPr lang="en-US" altLang="zh-CN" sz="1200" kern="1200">
+                <a:solidFill>
+                  <a:schemeClr val="tx1"/>
+                </a:solidFill>
+                <a:latin typeface="+mn-lt"/>
+                <a:ea typeface="+mn-ea"/>
+                <a:cs typeface="+mn-cs"/>
+              </a:rPr>
+              <a:t>id,</a:t>
+            </a:r>
+            <a:r>
+              <a:rPr lang="zh-CN" altLang="en-US" sz="1200" kern="1200">
+                <a:solidFill>
+                  <a:schemeClr val="tx1"/>
+                </a:solidFill>
+                <a:latin typeface="+mn-lt"/>
+                <a:ea typeface="+mn-ea"/>
+                <a:cs typeface="+mn-cs"/>
+              </a:rPr>
+              <a:t>在节点表</a:t>
+            </a:r>
+            <a:r>
+              <a:rPr lang="en-US" altLang="zh-CN" sz="1200" kern="1200">
+                <a:solidFill>
+                  <a:schemeClr val="tx1"/>
+                </a:solidFill>
+                <a:latin typeface="+mn-lt"/>
+                <a:ea typeface="+mn-ea"/>
+                <a:cs typeface="+mn-cs"/>
+              </a:rPr>
+              <a:t>think_node</a:t>
+            </a:r>
+            <a:r>
+              <a:rPr lang="zh-CN" altLang="en-US" sz="1200" kern="1200">
+                <a:solidFill>
+                  <a:schemeClr val="tx1"/>
+                </a:solidFill>
+                <a:latin typeface="+mn-lt"/>
+                <a:ea typeface="+mn-ea"/>
+                <a:cs typeface="+mn-cs"/>
+              </a:rPr>
+              <a:t>中查询到操作名</a:t>
+            </a:r>
+            <a:r>
+              <a:rPr lang="en-US" altLang="zh-CN" sz="1200" kern="1200">
+                <a:solidFill>
+                  <a:schemeClr val="tx1"/>
+                </a:solidFill>
+                <a:latin typeface="+mn-lt"/>
+                <a:ea typeface="+mn-ea"/>
+                <a:cs typeface="+mn-cs"/>
+              </a:rPr>
+              <a:t>,</a:t>
+            </a:r>
+            <a:r>
+              <a:rPr lang="zh-CN" altLang="en-US" sz="1200" kern="1200">
+                <a:solidFill>
+                  <a:schemeClr val="tx1"/>
+                </a:solidFill>
+                <a:latin typeface="+mn-lt"/>
+                <a:ea typeface="+mn-ea"/>
+                <a:cs typeface="+mn-cs"/>
+              </a:rPr>
+              <a:t>依次来控制权限管理</a:t>
+            </a:r>
+            <a:r>
+              <a:rPr lang="en-US" altLang="zh-CN" sz="1200" kern="1200">
+                <a:solidFill>
+                  <a:schemeClr val="tx1"/>
+                </a:solidFill>
+                <a:latin typeface="+mn-lt"/>
+                <a:ea typeface="+mn-ea"/>
+                <a:cs typeface="+mn-cs"/>
+              </a:rPr>
+              <a:t>.</a:t>
+            </a:r>
+          </a:p>
+        </p:txBody>
+      </p:sp>
+      <p:sp>
+        <p:nvSpPr>
+          <p:cNvPr id="4" name="灯片编号占位符 3"/>
+          <p:cNvSpPr>
+            <a:spLocks noGrp="1"/>
+          </p:cNvSpPr>
+          <p:nvPr>
+            <p:ph type="sldNum" sz="quarter" idx="10"/>
+          </p:nvPr>
+        </p:nvSpPr>
+        <p:spPr/>
+        <p:txBody>
+          <a:bodyPr/>
+          <a:lstStyle/>
+          <a:p>
+            <a:fld id="{F68E6534-E84D-4F2F-9D61-B34A338AA173}" type="slidenum">
+              <a:rPr lang="zh-CN" altLang="en-US" smtClean="0"/>
+              <a:t>55</a:t>
+            </a:fld>
+            <a:endParaRPr lang="zh-CN" altLang="en-US"/>
+          </a:p>
+        </p:txBody>
+      </p:sp>
+    </p:spTree>
+    <p:extLst>
+      <p:ext uri="{BB962C8B-B14F-4D97-AF65-F5344CB8AC3E}">
+        <p14:creationId xmlns:p14="http://schemas.microsoft.com/office/powerpoint/2010/main" val="2303248473"/>
       </p:ext>
     </p:extLst>
   </p:cSld>
@@ -22025,7 +25751,9 @@
           </a:p>
           <a:p>
             <a:r>
-              <a:rPr lang="zh-CN" altLang="en-US"/>
+              <a:rPr lang="zh-CN" altLang="en-US">
+                <a:hlinkClick r:id="rId6" action="ppaction://hlinksldjump"/>
+              </a:rPr>
               <a:t>海外业务</a:t>
             </a:r>
             <a:endParaRPr lang="en-US" altLang="zh-CN"/>
@@ -22035,7 +25763,9 @@
           </a:p>
           <a:p>
             <a:r>
-              <a:rPr lang="zh-CN" altLang="en-US"/>
+              <a:rPr lang="zh-CN" altLang="en-US">
+                <a:hlinkClick r:id="rId7" action="ppaction://hlinksldjump"/>
+              </a:rPr>
               <a:t>海外数据</a:t>
             </a:r>
             <a:endParaRPr lang="en-US" altLang="zh-CN"/>
@@ -22045,7 +25775,9 @@
           </a:p>
           <a:p>
             <a:r>
-              <a:rPr lang="zh-CN" altLang="en-US"/>
+              <a:rPr lang="zh-CN" altLang="en-US">
+                <a:hlinkClick r:id="rId8" action="ppaction://hlinksldjump"/>
+              </a:rPr>
               <a:t>财务结算</a:t>
             </a:r>
             <a:endParaRPr lang="en-US" altLang="zh-CN"/>
@@ -22055,7 +25787,9 @@
           </a:p>
           <a:p>
             <a:r>
-              <a:rPr lang="zh-CN" altLang="en-US"/>
+              <a:rPr lang="zh-CN" altLang="en-US">
+                <a:hlinkClick r:id="rId9" action="ppaction://hlinksldjump"/>
+              </a:rPr>
               <a:t>对账</a:t>
             </a:r>
             <a:endParaRPr lang="en-US" altLang="zh-CN"/>
@@ -22065,9 +25799,12 @@
           </a:p>
           <a:p>
             <a:r>
-              <a:rPr lang="zh-CN" altLang="en-US"/>
+              <a:rPr lang="zh-CN" altLang="en-US">
+                <a:hlinkClick r:id="rId10" action="ppaction://hlinksldjump"/>
+              </a:rPr>
               <a:t>杂项管理</a:t>
             </a:r>
+            <a:endParaRPr lang="zh-CN" altLang="en-US"/>
           </a:p>
         </p:txBody>
       </p:sp>
@@ -24009,7 +27746,7 @@
           <a:p>
             <a:r>
               <a:rPr lang="zh-CN" altLang="en-US"/>
-              <a:t>海外 </a:t>
+              <a:t>海外数据 渠道时表 </a:t>
             </a:r>
             <a:br>
               <a:rPr lang="en-US" altLang="zh-CN"/>
@@ -24038,10 +27775,109 @@
           <a:bodyPr/>
           <a:lstStyle/>
           <a:p>
+            <a:endParaRPr lang="en-US" altLang="zh-CN"/>
+          </a:p>
+          <a:p>
+            <a:r>
+              <a:rPr lang="zh-CN" altLang="en-US"/>
+              <a:t>渠道时表</a:t>
+            </a:r>
+            <a:r>
+              <a:rPr lang="en-US" altLang="zh-CN"/>
+              <a:t>:</a:t>
+            </a:r>
+          </a:p>
+          <a:p>
+            <a:r>
+              <a:rPr lang="zh-CN" altLang="en-US"/>
+              <a:t>展示海外业务的渠道信息</a:t>
+            </a:r>
+            <a:r>
+              <a:rPr lang="en-US" altLang="zh-CN"/>
+              <a:t>,</a:t>
+            </a:r>
+            <a:r>
+              <a:rPr lang="zh-CN" altLang="en-US"/>
+              <a:t>按小时划分</a:t>
+            </a:r>
+            <a:r>
+              <a:rPr lang="en-US" altLang="zh-CN"/>
+              <a:t>,</a:t>
+            </a:r>
+            <a:r>
+              <a:rPr lang="zh-CN" altLang="en-US"/>
+              <a:t>可以查看渠道每小时的付费</a:t>
+            </a:r>
+            <a:r>
+              <a:rPr lang="en-US" altLang="zh-CN"/>
+              <a:t>,</a:t>
+            </a:r>
+            <a:r>
+              <a:rPr lang="zh-CN" altLang="en-US"/>
+              <a:t>激活</a:t>
+            </a:r>
+            <a:r>
+              <a:rPr lang="en-US" altLang="zh-CN"/>
+              <a:t>,</a:t>
+            </a:r>
+            <a:r>
+              <a:rPr lang="zh-CN" altLang="en-US"/>
+              <a:t>注册人数</a:t>
+            </a:r>
+            <a:r>
+              <a:rPr lang="en-US" altLang="zh-CN"/>
+              <a:t>.</a:t>
+            </a:r>
+          </a:p>
+          <a:p>
+            <a:r>
+              <a:rPr lang="en-US" altLang="zh-CN"/>
+              <a:t>(</a:t>
+            </a:r>
+            <a:r>
+              <a:rPr lang="zh-CN" altLang="en-US"/>
+              <a:t>上方空白部分为折线图</a:t>
+            </a:r>
+            <a:r>
+              <a:rPr lang="en-US" altLang="zh-CN"/>
+              <a:t>,</a:t>
+            </a:r>
+            <a:r>
+              <a:rPr lang="zh-CN" altLang="en-US"/>
+              <a:t>展示最近三天的数据信息</a:t>
+            </a:r>
+            <a:r>
+              <a:rPr lang="en-US" altLang="zh-CN"/>
+              <a:t>.)</a:t>
+            </a:r>
             <a:endParaRPr lang="zh-CN" altLang="en-US"/>
           </a:p>
         </p:txBody>
       </p:sp>
+      <p:pic>
+        <p:nvPicPr>
+          <p:cNvPr id="2" name="图片 1"/>
+          <p:cNvPicPr>
+            <a:picLocks noChangeAspect="1"/>
+          </p:cNvPicPr>
+          <p:nvPr/>
+        </p:nvPicPr>
+        <p:blipFill>
+          <a:blip r:embed="rId3"/>
+          <a:stretch>
+            <a:fillRect/>
+          </a:stretch>
+        </p:blipFill>
+        <p:spPr>
+          <a:xfrm>
+            <a:off x="0" y="3124984"/>
+            <a:ext cx="9144000" cy="3400360"/>
+          </a:xfrm>
+          <a:prstGeom prst="rect">
+            <a:avLst/>
+          </a:prstGeom>
+        </p:spPr>
+      </p:pic>
     </p:spTree>
     <p:extLst>
       <p:ext uri="{BB962C8B-B14F-4D97-AF65-F5344CB8AC3E}">
@@ -24094,7 +27930,7 @@
           <a:p>
             <a:r>
               <a:rPr lang="zh-CN" altLang="en-US"/>
-              <a:t>海外 </a:t>
+              <a:t>海外数据 渠道效果 </a:t>
             </a:r>
             <a:br>
               <a:rPr lang="en-US" altLang="zh-CN"/>
@@ -24123,10 +27959,139 @@
           <a:bodyPr/>
           <a:lstStyle/>
           <a:p>
+            <a:endParaRPr lang="en-US" altLang="zh-CN"/>
+          </a:p>
+          <a:p>
+            <a:r>
+              <a:rPr lang="zh-CN" altLang="en-US"/>
+              <a:t>渠道效果</a:t>
+            </a:r>
+            <a:r>
+              <a:rPr lang="en-US" altLang="zh-CN"/>
+              <a:t>:</a:t>
+            </a:r>
+          </a:p>
+          <a:p>
+            <a:r>
+              <a:rPr lang="zh-CN" altLang="en-US"/>
+              <a:t>将上面海外渠道时表的数据按照自定义的时间来进行查询和展示</a:t>
+            </a:r>
+            <a:r>
+              <a:rPr lang="en-US" altLang="zh-CN"/>
+              <a:t>(</a:t>
+            </a:r>
+            <a:r>
+              <a:rPr lang="zh-CN" altLang="en-US"/>
+              <a:t>以日为单位</a:t>
+            </a:r>
+            <a:r>
+              <a:rPr lang="en-US" altLang="zh-CN"/>
+              <a:t>),</a:t>
+            </a:r>
+            <a:r>
+              <a:rPr lang="zh-CN" altLang="en-US"/>
+              <a:t>展示的内容包括</a:t>
+            </a:r>
+            <a:r>
+              <a:rPr lang="en-US" altLang="zh-CN"/>
+              <a:t>:</a:t>
+            </a:r>
+          </a:p>
+          <a:p>
+            <a:r>
+              <a:rPr lang="zh-CN" altLang="en-US"/>
+              <a:t>用户激活</a:t>
+            </a:r>
+            <a:r>
+              <a:rPr lang="en-US" altLang="zh-CN"/>
+              <a:t>(</a:t>
+            </a:r>
+            <a:r>
+              <a:rPr lang="zh-CN" altLang="en-US"/>
+              <a:t>安装</a:t>
+            </a:r>
+            <a:r>
+              <a:rPr lang="en-US" altLang="zh-CN"/>
+              <a:t>),</a:t>
+            </a:r>
+            <a:r>
+              <a:rPr lang="zh-CN" altLang="en-US"/>
+              <a:t>注册</a:t>
+            </a:r>
+            <a:r>
+              <a:rPr lang="en-US" altLang="zh-CN"/>
+              <a:t>,</a:t>
+            </a:r>
+            <a:r>
+              <a:rPr lang="zh-CN" altLang="en-US"/>
+              <a:t>单价</a:t>
+            </a:r>
+            <a:r>
+              <a:rPr lang="en-US" altLang="zh-CN"/>
+              <a:t>,</a:t>
+            </a:r>
+            <a:r>
+              <a:rPr lang="zh-CN" altLang="en-US"/>
+              <a:t>次留率</a:t>
+            </a:r>
+            <a:r>
+              <a:rPr lang="en-US" altLang="zh-CN"/>
+              <a:t>(</a:t>
+            </a:r>
+            <a:r>
+              <a:rPr lang="zh-CN" altLang="en-US"/>
+              <a:t>第二日登录数</a:t>
+            </a:r>
+            <a:r>
+              <a:rPr lang="en-US" altLang="zh-CN"/>
+              <a:t>/</a:t>
+            </a:r>
+            <a:r>
+              <a:rPr lang="zh-CN" altLang="en-US"/>
+              <a:t>第一日注册数</a:t>
+            </a:r>
+            <a:r>
+              <a:rPr lang="en-US" altLang="zh-CN"/>
+              <a:t>*100%)</a:t>
+            </a:r>
+            <a:r>
+              <a:rPr lang="zh-CN" altLang="en-US"/>
+              <a:t>等信息</a:t>
+            </a:r>
+            <a:r>
+              <a:rPr lang="en-US" altLang="zh-CN"/>
+              <a:t>.</a:t>
+            </a:r>
+          </a:p>
+          <a:p>
             <a:endParaRPr lang="zh-CN" altLang="en-US"/>
           </a:p>
         </p:txBody>
       </p:sp>
+      <p:pic>
+        <p:nvPicPr>
+          <p:cNvPr id="3" name="图片 2"/>
+          <p:cNvPicPr>
+            <a:picLocks noChangeAspect="1"/>
+          </p:cNvPicPr>
+          <p:nvPr/>
+        </p:nvPicPr>
+        <p:blipFill>
+          <a:blip r:embed="rId3"/>
+          <a:stretch>
+            <a:fillRect/>
+          </a:stretch>
+        </p:blipFill>
+        <p:spPr>
+          <a:xfrm>
+            <a:off x="0" y="3429000"/>
+            <a:ext cx="9144000" cy="1368152"/>
+          </a:xfrm>
+          <a:prstGeom prst="rect">
+            <a:avLst/>
+          </a:prstGeom>
+        </p:spPr>
+      </p:pic>
     </p:spTree>
     <p:extLst>
       <p:ext uri="{BB962C8B-B14F-4D97-AF65-F5344CB8AC3E}">
@@ -24179,7 +28144,7 @@
           <a:p>
             <a:r>
               <a:rPr lang="zh-CN" altLang="en-US"/>
-              <a:t>海外 </a:t>
+              <a:t>海外数据 渠道日表 </a:t>
             </a:r>
             <a:br>
               <a:rPr lang="en-US" altLang="zh-CN"/>
@@ -24208,10 +28173,103 @@
           <a:bodyPr/>
           <a:lstStyle/>
           <a:p>
+            <a:endParaRPr lang="en-US" altLang="zh-CN"/>
+          </a:p>
+          <a:p>
+            <a:r>
+              <a:rPr lang="zh-CN" altLang="en-US"/>
+              <a:t>渠道日表</a:t>
+            </a:r>
+            <a:r>
+              <a:rPr lang="en-US" altLang="zh-CN"/>
+              <a:t>:</a:t>
+            </a:r>
+          </a:p>
+          <a:p>
+            <a:r>
+              <a:rPr lang="zh-CN" altLang="en-US"/>
+              <a:t>按照日期来展示渠道信息</a:t>
+            </a:r>
+            <a:r>
+              <a:rPr lang="en-US" altLang="zh-CN"/>
+              <a:t>,</a:t>
+            </a:r>
+            <a:r>
+              <a:rPr lang="zh-CN" altLang="en-US"/>
+              <a:t>可以选择</a:t>
+            </a:r>
+            <a:r>
+              <a:rPr lang="en-US" altLang="zh-CN"/>
+              <a:t>android</a:t>
+            </a:r>
+            <a:r>
+              <a:rPr lang="zh-CN" altLang="en-US"/>
+              <a:t>和</a:t>
+            </a:r>
+            <a:r>
+              <a:rPr lang="en-US" altLang="zh-CN"/>
+              <a:t>ios</a:t>
+            </a:r>
+            <a:r>
+              <a:rPr lang="zh-CN" altLang="en-US"/>
+              <a:t>业务</a:t>
+            </a:r>
+            <a:r>
+              <a:rPr lang="en-US" altLang="zh-CN"/>
+              <a:t>,</a:t>
+            </a:r>
+            <a:r>
+              <a:rPr lang="zh-CN" altLang="en-US"/>
+              <a:t>以渠道和游戏来划分</a:t>
+            </a:r>
+            <a:r>
+              <a:rPr lang="en-US" altLang="zh-CN"/>
+              <a:t>,</a:t>
+            </a:r>
+            <a:r>
+              <a:rPr lang="zh-CN" altLang="en-US"/>
+              <a:t>可以选择回本率</a:t>
+            </a:r>
+            <a:r>
+              <a:rPr lang="en-US" altLang="zh-CN"/>
+              <a:t>,LTV,</a:t>
+            </a:r>
+            <a:r>
+              <a:rPr lang="zh-CN" altLang="en-US"/>
+              <a:t>留存等指标显示数据</a:t>
+            </a:r>
+            <a:r>
+              <a:rPr lang="en-US" altLang="zh-CN"/>
+              <a:t>.</a:t>
+            </a:r>
             <a:endParaRPr lang="zh-CN" altLang="en-US"/>
           </a:p>
         </p:txBody>
       </p:sp>
+      <p:pic>
+        <p:nvPicPr>
+          <p:cNvPr id="2" name="图片 1"/>
+          <p:cNvPicPr>
+            <a:picLocks noChangeAspect="1"/>
+          </p:cNvPicPr>
+          <p:nvPr/>
+        </p:nvPicPr>
+        <p:blipFill>
+          <a:blip r:embed="rId3"/>
+          <a:stretch>
+            <a:fillRect/>
+          </a:stretch>
+        </p:blipFill>
+        <p:spPr>
+          <a:xfrm>
+            <a:off x="0" y="3702776"/>
+            <a:ext cx="9144000" cy="1094376"/>
+          </a:xfrm>
+          <a:prstGeom prst="rect">
+            <a:avLst/>
+          </a:prstGeom>
+        </p:spPr>
+      </p:pic>
     </p:spTree>
     <p:extLst>
       <p:ext uri="{BB962C8B-B14F-4D97-AF65-F5344CB8AC3E}">
@@ -24264,7 +28322,17 @@
           <a:p>
             <a:r>
               <a:rPr lang="zh-CN" altLang="en-US"/>
-              <a:t>海外 </a:t>
+              <a:t>海外数据 游戏效果</a:t>
+            </a:r>
+            <a:r>
+              <a:rPr lang="en-US" altLang="zh-CN"/>
+              <a:t>			</a:t>
+            </a:r>
+            <a:r>
+              <a:rPr lang="zh-CN" altLang="en-US">
+                <a:hlinkClick r:id="rId3" action="ppaction://hlinksldjump"/>
+              </a:rPr>
+              <a:t>返回项目模块 </a:t>
             </a:r>
             <a:br>
               <a:rPr lang="en-US" altLang="zh-CN"/>
@@ -24293,10 +28361,155 @@
           <a:bodyPr/>
           <a:lstStyle/>
           <a:p>
+            <a:endParaRPr lang="en-US" altLang="zh-CN"/>
+          </a:p>
+          <a:p>
+            <a:r>
+              <a:rPr lang="zh-CN" altLang="en-US"/>
+              <a:t>游戏效果</a:t>
+            </a:r>
+            <a:r>
+              <a:rPr lang="en-US" altLang="zh-CN"/>
+              <a:t>:</a:t>
+            </a:r>
+          </a:p>
+          <a:p>
+            <a:r>
+              <a:rPr lang="zh-CN" altLang="en-US"/>
+              <a:t>以游戏类型</a:t>
+            </a:r>
+            <a:r>
+              <a:rPr lang="en-US" altLang="zh-CN"/>
+              <a:t>(android</a:t>
+            </a:r>
+            <a:r>
+              <a:rPr lang="zh-CN" altLang="en-US"/>
+              <a:t>和</a:t>
+            </a:r>
+            <a:r>
+              <a:rPr lang="en-US" altLang="zh-CN"/>
+              <a:t>ios)</a:t>
+            </a:r>
+            <a:r>
+              <a:rPr lang="zh-CN" altLang="en-US"/>
+              <a:t>进行游戏效果的统计</a:t>
+            </a:r>
+            <a:r>
+              <a:rPr lang="en-US" altLang="zh-CN"/>
+              <a:t>.</a:t>
+            </a:r>
+            <a:r>
+              <a:rPr lang="zh-CN" altLang="en-US"/>
+              <a:t>也可以选择两个游戏的整体进行展示</a:t>
+            </a:r>
+            <a:r>
+              <a:rPr lang="en-US" altLang="zh-CN"/>
+              <a:t>.</a:t>
+            </a:r>
+          </a:p>
+          <a:p>
+            <a:r>
+              <a:rPr lang="zh-CN" altLang="en-US"/>
+              <a:t>展示内容包括游戏注册</a:t>
+            </a:r>
+            <a:r>
+              <a:rPr lang="en-US" altLang="zh-CN"/>
+              <a:t>,</a:t>
+            </a:r>
+            <a:r>
+              <a:rPr lang="zh-CN" altLang="en-US"/>
+              <a:t>激活</a:t>
+            </a:r>
+            <a:r>
+              <a:rPr lang="en-US" altLang="zh-CN"/>
+              <a:t>(</a:t>
+            </a:r>
+            <a:r>
+              <a:rPr lang="zh-CN" altLang="en-US"/>
+              <a:t>安装</a:t>
+            </a:r>
+            <a:r>
+              <a:rPr lang="en-US" altLang="zh-CN"/>
+              <a:t>),</a:t>
+            </a:r>
+            <a:r>
+              <a:rPr lang="zh-CN" altLang="en-US"/>
+              <a:t>次留率</a:t>
+            </a:r>
+            <a:r>
+              <a:rPr lang="en-US" altLang="zh-CN"/>
+              <a:t>,</a:t>
+            </a:r>
+            <a:r>
+              <a:rPr lang="zh-CN" altLang="en-US"/>
+              <a:t>付费率</a:t>
+            </a:r>
+            <a:r>
+              <a:rPr lang="en-US" altLang="zh-CN"/>
+              <a:t>(</a:t>
+            </a:r>
+            <a:r>
+              <a:rPr lang="zh-CN" altLang="en-US"/>
+              <a:t>期内注册玩家数</a:t>
+            </a:r>
+            <a:r>
+              <a:rPr lang="en-US" altLang="zh-CN"/>
+              <a:t>/</a:t>
+            </a:r>
+            <a:r>
+              <a:rPr lang="zh-CN" altLang="en-US"/>
+              <a:t>期内该注册玩家中付费玩家数</a:t>
+            </a:r>
+            <a:r>
+              <a:rPr lang="en-US" altLang="zh-CN"/>
+              <a:t>),</a:t>
+            </a:r>
+            <a:r>
+              <a:rPr lang="zh-CN" altLang="en-US"/>
+              <a:t>充值</a:t>
+            </a:r>
+            <a:r>
+              <a:rPr lang="en-US" altLang="zh-CN"/>
+              <a:t>,</a:t>
+            </a:r>
+            <a:r>
+              <a:rPr lang="zh-CN" altLang="en-US"/>
+              <a:t>分成等信息</a:t>
+            </a:r>
+            <a:r>
+              <a:rPr lang="en-US" altLang="zh-CN"/>
+              <a:t>.</a:t>
+            </a:r>
+          </a:p>
+          <a:p>
             <a:endParaRPr lang="zh-CN" altLang="en-US"/>
           </a:p>
         </p:txBody>
       </p:sp>
+      <p:pic>
+        <p:nvPicPr>
+          <p:cNvPr id="2" name="图片 1"/>
+          <p:cNvPicPr>
+            <a:picLocks noChangeAspect="1"/>
+          </p:cNvPicPr>
+          <p:nvPr/>
+        </p:nvPicPr>
+        <p:blipFill>
+          <a:blip r:embed="rId4"/>
+          <a:stretch>
+            <a:fillRect/>
+          </a:stretch>
+        </p:blipFill>
+        <p:spPr>
+          <a:xfrm>
+            <a:off x="0" y="3429001"/>
+            <a:ext cx="9144000" cy="1440160"/>
+          </a:xfrm>
+          <a:prstGeom prst="rect">
+            <a:avLst/>
+          </a:prstGeom>
+        </p:spPr>
+      </p:pic>
     </p:spTree>
     <p:extLst>
       <p:ext uri="{BB962C8B-B14F-4D97-AF65-F5344CB8AC3E}">
@@ -24349,7 +28562,7 @@
           <a:p>
             <a:r>
               <a:rPr lang="zh-CN" altLang="en-US"/>
-              <a:t>海外 </a:t>
+              <a:t>财务结算</a:t>
             </a:r>
             <a:br>
               <a:rPr lang="en-US" altLang="zh-CN"/>
@@ -24377,6 +28590,54 @@
         <p:txBody>
           <a:bodyPr/>
           <a:lstStyle/>
+          <a:p>
+            <a:endParaRPr lang="en-US" altLang="zh-CN"/>
+          </a:p>
+          <a:p>
+            <a:r>
+              <a:rPr lang="zh-CN" altLang="en-US"/>
+              <a:t>佣金结算</a:t>
+            </a:r>
+            <a:endParaRPr lang="en-US" altLang="zh-CN"/>
+          </a:p>
+          <a:p>
+            <a:endParaRPr lang="en-US" altLang="zh-CN"/>
+          </a:p>
+          <a:p>
+            <a:r>
+              <a:rPr lang="zh-CN" altLang="en-US"/>
+              <a:t>分期佣金</a:t>
+            </a:r>
+            <a:endParaRPr lang="en-US" altLang="zh-CN"/>
+          </a:p>
+          <a:p>
+            <a:endParaRPr lang="en-US" altLang="zh-CN"/>
+          </a:p>
+          <a:p>
+            <a:r>
+              <a:rPr lang="en-US" altLang="zh-CN"/>
+              <a:t>Android</a:t>
+            </a:r>
+            <a:r>
+              <a:rPr lang="zh-CN" altLang="en-US"/>
+              <a:t>渠道效果</a:t>
+            </a:r>
+            <a:endParaRPr lang="en-US" altLang="zh-CN"/>
+          </a:p>
+          <a:p>
+            <a:endParaRPr lang="en-US" altLang="zh-CN"/>
+          </a:p>
+          <a:p>
+            <a:r>
+              <a:rPr lang="en-US" altLang="zh-CN"/>
+              <a:t>Ios</a:t>
+            </a:r>
+            <a:r>
+              <a:rPr lang="zh-CN" altLang="en-US"/>
+              <a:t>效果</a:t>
+            </a:r>
+            <a:endParaRPr lang="en-US" altLang="zh-CN"/>
+          </a:p>
           <a:p>
             <a:endParaRPr lang="zh-CN" altLang="en-US"/>
           </a:p>
@@ -24434,7 +28695,7 @@
           <a:p>
             <a:r>
               <a:rPr lang="zh-CN" altLang="en-US"/>
-              <a:t>海外 </a:t>
+              <a:t>财务结算 佣金结算 </a:t>
             </a:r>
             <a:br>
               <a:rPr lang="en-US" altLang="zh-CN"/>
@@ -24463,10 +28724,117 @@
           <a:bodyPr/>
           <a:lstStyle/>
           <a:p>
+            <a:endParaRPr lang="en-US" altLang="zh-CN"/>
+          </a:p>
+          <a:p>
+            <a:r>
+              <a:rPr lang="zh-CN" altLang="en-US"/>
+              <a:t>佣金结算</a:t>
+            </a:r>
+            <a:r>
+              <a:rPr lang="en-US" altLang="zh-CN"/>
+              <a:t>:</a:t>
+            </a:r>
+          </a:p>
+          <a:p>
+            <a:r>
+              <a:rPr lang="zh-CN" altLang="en-US"/>
+              <a:t>可以输入时间</a:t>
+            </a:r>
+            <a:r>
+              <a:rPr lang="en-US" altLang="zh-CN"/>
+              <a:t>,</a:t>
+            </a:r>
+            <a:r>
+              <a:rPr lang="zh-CN" altLang="en-US"/>
+              <a:t>用户名</a:t>
+            </a:r>
+            <a:r>
+              <a:rPr lang="en-US" altLang="zh-CN"/>
+              <a:t>(</a:t>
+            </a:r>
+            <a:r>
+              <a:rPr lang="zh-CN" altLang="en-US"/>
+              <a:t>用户名指渠道商名称</a:t>
+            </a:r>
+            <a:r>
+              <a:rPr lang="en-US" altLang="zh-CN"/>
+              <a:t>)</a:t>
+            </a:r>
+            <a:r>
+              <a:rPr lang="zh-CN" altLang="en-US"/>
+              <a:t>进行查询</a:t>
+            </a:r>
+          </a:p>
+          <a:p>
+            <a:r>
+              <a:rPr lang="zh-CN" altLang="en-US"/>
+              <a:t>将在</a:t>
+            </a:r>
+            <a:r>
+              <a:rPr lang="en-US" altLang="zh-CN"/>
+              <a:t>settledata</a:t>
+            </a:r>
+            <a:r>
+              <a:rPr lang="zh-CN" altLang="en-US"/>
+              <a:t>表中进行查询</a:t>
+            </a:r>
+            <a:r>
+              <a:rPr lang="en-US" altLang="zh-CN"/>
+              <a:t>.</a:t>
+            </a:r>
+            <a:r>
+              <a:rPr lang="zh-CN" altLang="en-US"/>
+              <a:t>该表中与渠道商的一次结算即产生一条记录</a:t>
+            </a:r>
+            <a:r>
+              <a:rPr lang="en-US" altLang="zh-CN"/>
+              <a:t>,</a:t>
+            </a:r>
+            <a:r>
+              <a:rPr lang="zh-CN" altLang="en-US"/>
+              <a:t>表示的是字段中开始日期和结算日期相减得到的时间段</a:t>
+            </a:r>
+            <a:r>
+              <a:rPr lang="en-US" altLang="zh-CN"/>
+              <a:t>,</a:t>
+            </a:r>
+            <a:r>
+              <a:rPr lang="zh-CN" altLang="en-US"/>
+              <a:t>这个时间段的结算费用和数据信息</a:t>
+            </a:r>
+            <a:r>
+              <a:rPr lang="en-US" altLang="zh-CN"/>
+              <a:t>.</a:t>
+            </a:r>
             <a:endParaRPr lang="zh-CN" altLang="en-US"/>
           </a:p>
         </p:txBody>
       </p:sp>
+      <p:pic>
+        <p:nvPicPr>
+          <p:cNvPr id="2" name="图片 1"/>
+          <p:cNvPicPr>
+            <a:picLocks noChangeAspect="1"/>
+          </p:cNvPicPr>
+          <p:nvPr/>
+        </p:nvPicPr>
+        <p:blipFill>
+          <a:blip r:embed="rId3"/>
+          <a:stretch>
+            <a:fillRect/>
+          </a:stretch>
+        </p:blipFill>
+        <p:spPr>
+          <a:xfrm>
+            <a:off x="0" y="3429000"/>
+            <a:ext cx="9144000" cy="1440160"/>
+          </a:xfrm>
+          <a:prstGeom prst="rect">
+            <a:avLst/>
+          </a:prstGeom>
+        </p:spPr>
+      </p:pic>
     </p:spTree>
     <p:extLst>
       <p:ext uri="{BB962C8B-B14F-4D97-AF65-F5344CB8AC3E}">
@@ -24519,7 +28887,167 @@
           <a:p>
             <a:r>
               <a:rPr lang="zh-CN" altLang="en-US"/>
-              <a:t>海外 </a:t>
+              <a:t>财务结算   分期佣金</a:t>
+            </a:r>
+            <a:br>
+              <a:rPr lang="en-US" altLang="zh-CN"/>
+            </a:br>
+            <a:endParaRPr lang="zh-CN" altLang="en-US"/>
+          </a:p>
+        </p:txBody>
+      </p:sp>
+      <p:pic>
+        <p:nvPicPr>
+          <p:cNvPr id="2" name="图片 1"/>
+          <p:cNvPicPr>
+            <a:picLocks noChangeAspect="1"/>
+          </p:cNvPicPr>
+          <p:nvPr/>
+        </p:nvPicPr>
+        <p:blipFill>
+          <a:blip r:embed="rId3"/>
+          <a:stretch>
+            <a:fillRect/>
+          </a:stretch>
+        </p:blipFill>
+        <p:spPr>
+          <a:xfrm>
+            <a:off x="0" y="2420888"/>
+            <a:ext cx="9144000" cy="1800200"/>
+          </a:xfrm>
+          <a:prstGeom prst="rect">
+            <a:avLst/>
+          </a:prstGeom>
+        </p:spPr>
+      </p:pic>
+      <p:sp>
+        <p:nvSpPr>
+          <p:cNvPr id="8" name="文本占位符 7"/>
+          <p:cNvSpPr>
+            <a:spLocks noGrp="1"/>
+          </p:cNvSpPr>
+          <p:nvPr>
+            <p:ph type="body" sz="half" idx="2"/>
+          </p:nvPr>
+        </p:nvSpPr>
+        <p:spPr>
+          <a:xfrm>
+            <a:off x="457200" y="1435100"/>
+            <a:ext cx="7715200" cy="4691063"/>
+          </a:xfrm>
+        </p:spPr>
+        <p:txBody>
+          <a:bodyPr/>
+          <a:lstStyle/>
+          <a:p>
+            <a:endParaRPr lang="en-US" altLang="zh-CN"/>
+          </a:p>
+          <a:p>
+            <a:r>
+              <a:rPr lang="zh-CN" altLang="en-US"/>
+              <a:t>分期佣金</a:t>
+            </a:r>
+            <a:r>
+              <a:rPr lang="en-US" altLang="zh-CN"/>
+              <a:t>:</a:t>
+            </a:r>
+          </a:p>
+          <a:p>
+            <a:endParaRPr lang="en-US" altLang="zh-CN"/>
+          </a:p>
+          <a:p>
+            <a:endParaRPr lang="en-US" altLang="zh-CN"/>
+          </a:p>
+          <a:p>
+            <a:endParaRPr lang="zh-CN" altLang="en-US"/>
+          </a:p>
+        </p:txBody>
+      </p:sp>
+      <p:pic>
+        <p:nvPicPr>
+          <p:cNvPr id="3" name="图片 2"/>
+          <p:cNvPicPr>
+            <a:picLocks noChangeAspect="1"/>
+          </p:cNvPicPr>
+          <p:nvPr/>
+        </p:nvPicPr>
+        <p:blipFill>
+          <a:blip r:embed="rId4"/>
+          <a:stretch>
+            <a:fillRect/>
+          </a:stretch>
+        </p:blipFill>
+        <p:spPr>
+          <a:xfrm>
+            <a:off x="0" y="4221088"/>
+            <a:ext cx="9144000" cy="2370863"/>
+          </a:xfrm>
+          <a:prstGeom prst="rect">
+            <a:avLst/>
+          </a:prstGeom>
+        </p:spPr>
+      </p:pic>
+    </p:spTree>
+    <p:extLst>
+      <p:ext uri="{BB962C8B-B14F-4D97-AF65-F5344CB8AC3E}">
+        <p14:creationId xmlns:p14="http://schemas.microsoft.com/office/powerpoint/2010/main" val="3438111916"/>
+      </p:ext>
+    </p:extLst>
+  </p:cSld>
+  <p:clrMapOvr>
+    <a:masterClrMapping/>
+  </p:clrMapOvr>
+</p:sld>
+</file>
+
+<file path=ppt/slides/slide47.xml><?xml version="1.0" encoding="utf-8"?>
+<p:sld xmlns:a="http://schemas.openxmlformats.org/drawingml/2006/main" xmlns:r="http://schemas.openxmlformats.org/officeDocument/2006/relationships" xmlns:p="http://schemas.openxmlformats.org/presentationml/2006/main">
+  <p:cSld>
+    <p:spTree>
+      <p:nvGrpSpPr>
+        <p:cNvPr id="1" name=""/>
+        <p:cNvGrpSpPr/>
+        <p:nvPr/>
+      </p:nvGrpSpPr>
+      <p:grpSpPr>
+        <a:xfrm>
+          <a:off x="0" y="0"/>
+          <a:ext cx="0" cy="0"/>
+          <a:chOff x="0" y="0"/>
+          <a:chExt cx="0" cy="0"/>
+        </a:xfrm>
+      </p:grpSpPr>
+      <p:sp>
+        <p:nvSpPr>
+          <p:cNvPr id="5" name="标题 4"/>
+          <p:cNvSpPr>
+            <a:spLocks noGrp="1"/>
+          </p:cNvSpPr>
+          <p:nvPr>
+            <p:ph type="title"/>
+          </p:nvPr>
+        </p:nvSpPr>
+        <p:spPr>
+          <a:xfrm>
+            <a:off x="1331640" y="273050"/>
+            <a:ext cx="6840760" cy="851694"/>
+          </a:xfrm>
+        </p:spPr>
+        <p:txBody>
+          <a:bodyPr/>
+          <a:lstStyle/>
+          <a:p>
+            <a:r>
+              <a:rPr lang="zh-CN" altLang="en-US"/>
+              <a:t>财务管理 </a:t>
+            </a:r>
+            <a:r>
+              <a:rPr lang="en-US" altLang="zh-CN"/>
+              <a:t>android</a:t>
+            </a:r>
+            <a:r>
+              <a:rPr lang="zh-CN" altLang="en-US"/>
+              <a:t>渠道效果</a:t>
             </a:r>
             <a:br>
               <a:rPr lang="en-US" altLang="zh-CN"/>
@@ -24548,14 +29076,453 @@
           <a:bodyPr/>
           <a:lstStyle/>
           <a:p>
+            <a:endParaRPr lang="en-US" altLang="zh-CN"/>
+          </a:p>
+          <a:p>
+            <a:r>
+              <a:rPr lang="en-US" altLang="zh-CN"/>
+              <a:t>Android</a:t>
+            </a:r>
+            <a:r>
+              <a:rPr lang="zh-CN" altLang="en-US"/>
+              <a:t>渠道效果</a:t>
+            </a:r>
+            <a:r>
+              <a:rPr lang="en-US" altLang="zh-CN"/>
+              <a:t>:</a:t>
+            </a:r>
+          </a:p>
+          <a:p>
+            <a:r>
+              <a:rPr lang="zh-CN" altLang="en-US"/>
+              <a:t>展示</a:t>
+            </a:r>
+            <a:r>
+              <a:rPr lang="en-US" altLang="zh-CN"/>
+              <a:t>android</a:t>
+            </a:r>
+            <a:r>
+              <a:rPr lang="zh-CN" altLang="en-US"/>
+              <a:t>渠道的效果</a:t>
+            </a:r>
+            <a:r>
+              <a:rPr lang="en-US" altLang="zh-CN"/>
+              <a:t>,</a:t>
+            </a:r>
+            <a:r>
+              <a:rPr lang="zh-CN" altLang="en-US"/>
+              <a:t> 显示维度为单个游戏的投入</a:t>
+            </a:r>
+            <a:r>
+              <a:rPr lang="en-US" altLang="zh-CN"/>
+              <a:t>,</a:t>
+            </a:r>
+            <a:r>
+              <a:rPr lang="zh-CN" altLang="en-US"/>
+              <a:t>充值和回本</a:t>
+            </a:r>
+            <a:r>
+              <a:rPr lang="en-US" altLang="zh-CN"/>
+              <a:t>.</a:t>
+            </a:r>
+            <a:r>
+              <a:rPr lang="zh-CN" altLang="en-US"/>
+              <a:t>不会展示内部游戏和海外数据部分</a:t>
+            </a:r>
+            <a:r>
+              <a:rPr lang="en-US" altLang="zh-CN"/>
+              <a:t>.</a:t>
+            </a:r>
+          </a:p>
+          <a:p>
             <a:endParaRPr lang="zh-CN" altLang="en-US"/>
+          </a:p>
+        </p:txBody>
+      </p:sp>
+      <p:pic>
+        <p:nvPicPr>
+          <p:cNvPr id="3" name="图片 2"/>
+          <p:cNvPicPr>
+            <a:picLocks noChangeAspect="1"/>
+          </p:cNvPicPr>
+          <p:nvPr/>
+        </p:nvPicPr>
+        <p:blipFill>
+          <a:blip r:embed="rId3"/>
+          <a:stretch>
+            <a:fillRect/>
+          </a:stretch>
+        </p:blipFill>
+        <p:spPr>
+          <a:xfrm>
+            <a:off x="0" y="3503773"/>
+            <a:ext cx="9144000" cy="2661531"/>
+          </a:xfrm>
+          <a:prstGeom prst="rect">
+            <a:avLst/>
+          </a:prstGeom>
+        </p:spPr>
+      </p:pic>
+    </p:spTree>
+    <p:extLst>
+      <p:ext uri="{BB962C8B-B14F-4D97-AF65-F5344CB8AC3E}">
+        <p14:creationId xmlns:p14="http://schemas.microsoft.com/office/powerpoint/2010/main" val="2744074636"/>
+      </p:ext>
+    </p:extLst>
+  </p:cSld>
+  <p:clrMapOvr>
+    <a:masterClrMapping/>
+  </p:clrMapOvr>
+</p:sld>
+</file>
+
+<file path=ppt/slides/slide48.xml><?xml version="1.0" encoding="utf-8"?>
+<p:sld xmlns:a="http://schemas.openxmlformats.org/drawingml/2006/main" xmlns:r="http://schemas.openxmlformats.org/officeDocument/2006/relationships" xmlns:p="http://schemas.openxmlformats.org/presentationml/2006/main">
+  <p:cSld>
+    <p:spTree>
+      <p:nvGrpSpPr>
+        <p:cNvPr id="1" name=""/>
+        <p:cNvGrpSpPr/>
+        <p:nvPr/>
+      </p:nvGrpSpPr>
+      <p:grpSpPr>
+        <a:xfrm>
+          <a:off x="0" y="0"/>
+          <a:ext cx="0" cy="0"/>
+          <a:chOff x="0" y="0"/>
+          <a:chExt cx="0" cy="0"/>
+        </a:xfrm>
+      </p:grpSpPr>
+      <p:sp>
+        <p:nvSpPr>
+          <p:cNvPr id="5" name="标题 4"/>
+          <p:cNvSpPr>
+            <a:spLocks noGrp="1"/>
+          </p:cNvSpPr>
+          <p:nvPr>
+            <p:ph type="title"/>
+          </p:nvPr>
+        </p:nvSpPr>
+        <p:spPr>
+          <a:xfrm>
+            <a:off x="1331640" y="273050"/>
+            <a:ext cx="6840760" cy="851694"/>
+          </a:xfrm>
+        </p:spPr>
+        <p:txBody>
+          <a:bodyPr/>
+          <a:lstStyle/>
+          <a:p>
+            <a:r>
+              <a:rPr lang="zh-CN" altLang="en-US"/>
+              <a:t>财务管理 </a:t>
+            </a:r>
+            <a:r>
+              <a:rPr lang="en-US" altLang="zh-CN"/>
+              <a:t>ios</a:t>
+            </a:r>
+            <a:r>
+              <a:rPr lang="zh-CN" altLang="en-US"/>
+              <a:t>渠道效果</a:t>
+            </a:r>
+            <a:r>
+              <a:rPr lang="en-US" altLang="zh-CN"/>
+              <a:t>			</a:t>
+            </a:r>
+            <a:r>
+              <a:rPr lang="zh-CN" altLang="en-US">
+                <a:hlinkClick r:id="rId3" action="ppaction://hlinksldjump"/>
+              </a:rPr>
+              <a:t>返回项目模块</a:t>
+            </a:r>
+            <a:br>
+              <a:rPr lang="en-US" altLang="zh-CN"/>
+            </a:br>
+            <a:endParaRPr lang="zh-CN" altLang="en-US"/>
+          </a:p>
+        </p:txBody>
+      </p:sp>
+      <p:sp>
+        <p:nvSpPr>
+          <p:cNvPr id="8" name="文本占位符 7"/>
+          <p:cNvSpPr>
+            <a:spLocks noGrp="1"/>
+          </p:cNvSpPr>
+          <p:nvPr>
+            <p:ph type="body" sz="half" idx="2"/>
+          </p:nvPr>
+        </p:nvSpPr>
+        <p:spPr>
+          <a:xfrm>
+            <a:off x="457200" y="1435100"/>
+            <a:ext cx="7715200" cy="4691063"/>
+          </a:xfrm>
+        </p:spPr>
+        <p:txBody>
+          <a:bodyPr/>
+          <a:lstStyle/>
+          <a:p>
+            <a:endParaRPr lang="en-US" altLang="zh-CN"/>
+          </a:p>
+          <a:p>
+            <a:r>
+              <a:rPr lang="en-US" altLang="zh-CN"/>
+              <a:t>Ios</a:t>
+            </a:r>
+            <a:r>
+              <a:rPr lang="zh-CN" altLang="en-US"/>
+              <a:t>渠道效果</a:t>
+            </a:r>
+            <a:r>
+              <a:rPr lang="en-US" altLang="zh-CN"/>
+              <a:t>:</a:t>
+            </a:r>
+          </a:p>
+          <a:p>
+            <a:r>
+              <a:rPr lang="zh-CN" altLang="en-US"/>
+              <a:t>展示</a:t>
+            </a:r>
+            <a:r>
+              <a:rPr lang="en-US" altLang="zh-CN"/>
+              <a:t>ios</a:t>
+            </a:r>
+            <a:r>
+              <a:rPr lang="zh-CN" altLang="en-US"/>
+              <a:t>渠道的效果</a:t>
+            </a:r>
+            <a:r>
+              <a:rPr lang="en-US" altLang="zh-CN"/>
+              <a:t>,</a:t>
+            </a:r>
+            <a:r>
+              <a:rPr lang="zh-CN" altLang="en-US"/>
+              <a:t>选中时间内的维度</a:t>
+            </a:r>
+            <a:r>
+              <a:rPr lang="en-US" altLang="zh-CN"/>
+              <a:t>.</a:t>
+            </a:r>
+            <a:r>
+              <a:rPr lang="zh-CN" altLang="en-US"/>
+              <a:t>显示游戏的投入</a:t>
+            </a:r>
+            <a:r>
+              <a:rPr lang="en-US" altLang="zh-CN"/>
+              <a:t>,</a:t>
+            </a:r>
+            <a:r>
+              <a:rPr lang="zh-CN" altLang="en-US"/>
+              <a:t>充值和回本</a:t>
+            </a:r>
+            <a:r>
+              <a:rPr lang="en-US" altLang="zh-CN"/>
+              <a:t>.</a:t>
+            </a:r>
+            <a:r>
+              <a:rPr lang="zh-CN" altLang="en-US"/>
+              <a:t>不会展示内部游戏和海外数据</a:t>
+            </a:r>
+            <a:r>
+              <a:rPr lang="en-US" altLang="zh-CN"/>
+              <a:t>.</a:t>
+            </a:r>
+          </a:p>
+          <a:p>
+            <a:r>
+              <a:rPr lang="en-US" altLang="zh-CN"/>
+              <a:t>(</a:t>
+            </a:r>
+            <a:r>
+              <a:rPr lang="zh-CN" altLang="en-US"/>
+              <a:t>同</a:t>
+            </a:r>
+            <a:r>
+              <a:rPr lang="en-US" altLang="zh-CN"/>
+              <a:t>android</a:t>
+            </a:r>
+            <a:r>
+              <a:rPr lang="zh-CN" altLang="en-US"/>
+              <a:t>的</a:t>
+            </a:r>
+            <a:r>
+              <a:rPr lang="en-US" altLang="zh-CN"/>
+              <a:t>ios</a:t>
+            </a:r>
+            <a:r>
+              <a:rPr lang="zh-CN" altLang="en-US"/>
+              <a:t>类似</a:t>
+            </a:r>
+            <a:r>
+              <a:rPr lang="en-US" altLang="zh-CN"/>
+              <a:t>,</a:t>
+            </a:r>
+            <a:r>
+              <a:rPr lang="zh-CN" altLang="en-US"/>
+              <a:t>使用的表换成了</a:t>
+            </a:r>
+            <a:r>
+              <a:rPr lang="en-US" altLang="zh-CN"/>
+              <a:t>ios_game</a:t>
+            </a:r>
+            <a:r>
+              <a:rPr lang="zh-CN" altLang="en-US"/>
+              <a:t>和</a:t>
+            </a:r>
+            <a:r>
+              <a:rPr lang="en-US" altLang="zh-CN"/>
+              <a:t>ios_adv_position_data)</a:t>
+            </a:r>
+          </a:p>
+          <a:p>
+            <a:endParaRPr lang="zh-CN" altLang="en-US"/>
+          </a:p>
+        </p:txBody>
+      </p:sp>
+      <p:pic>
+        <p:nvPicPr>
+          <p:cNvPr id="2" name="图片 1"/>
+          <p:cNvPicPr>
+            <a:picLocks noChangeAspect="1"/>
+          </p:cNvPicPr>
+          <p:nvPr/>
+        </p:nvPicPr>
+        <p:blipFill>
+          <a:blip r:embed="rId4"/>
+          <a:stretch>
+            <a:fillRect/>
+          </a:stretch>
+        </p:blipFill>
+        <p:spPr>
+          <a:xfrm>
+            <a:off x="310095" y="3199217"/>
+            <a:ext cx="8523809" cy="3038095"/>
+          </a:xfrm>
+          <a:prstGeom prst="rect">
+            <a:avLst/>
+          </a:prstGeom>
+        </p:spPr>
+      </p:pic>
+    </p:spTree>
+    <p:extLst>
+      <p:ext uri="{BB962C8B-B14F-4D97-AF65-F5344CB8AC3E}">
+        <p14:creationId xmlns:p14="http://schemas.microsoft.com/office/powerpoint/2010/main" val="669876910"/>
+      </p:ext>
+    </p:extLst>
+  </p:cSld>
+  <p:clrMapOvr>
+    <a:masterClrMapping/>
+  </p:clrMapOvr>
+</p:sld>
+</file>
+
+<file path=ppt/slides/slide49.xml><?xml version="1.0" encoding="utf-8"?>
+<p:sld xmlns:a="http://schemas.openxmlformats.org/drawingml/2006/main" xmlns:r="http://schemas.openxmlformats.org/officeDocument/2006/relationships" xmlns:p="http://schemas.openxmlformats.org/presentationml/2006/main">
+  <p:cSld>
+    <p:spTree>
+      <p:nvGrpSpPr>
+        <p:cNvPr id="1" name=""/>
+        <p:cNvGrpSpPr/>
+        <p:nvPr/>
+      </p:nvGrpSpPr>
+      <p:grpSpPr>
+        <a:xfrm>
+          <a:off x="0" y="0"/>
+          <a:ext cx="0" cy="0"/>
+          <a:chOff x="0" y="0"/>
+          <a:chExt cx="0" cy="0"/>
+        </a:xfrm>
+      </p:grpSpPr>
+      <p:sp>
+        <p:nvSpPr>
+          <p:cNvPr id="5" name="标题 4"/>
+          <p:cNvSpPr>
+            <a:spLocks noGrp="1"/>
+          </p:cNvSpPr>
+          <p:nvPr>
+            <p:ph type="title"/>
+          </p:nvPr>
+        </p:nvSpPr>
+        <p:spPr>
+          <a:xfrm>
+            <a:off x="1331640" y="273050"/>
+            <a:ext cx="6840760" cy="851694"/>
+          </a:xfrm>
+        </p:spPr>
+        <p:txBody>
+          <a:bodyPr/>
+          <a:lstStyle/>
+          <a:p>
+            <a:r>
+              <a:rPr lang="zh-CN" altLang="en-US"/>
+              <a:t> 对账</a:t>
+            </a:r>
+            <a:br>
+              <a:rPr lang="en-US" altLang="zh-CN"/>
+            </a:br>
+            <a:r>
+              <a:rPr lang="en-US" altLang="zh-CN"/>
+              <a:t>		</a:t>
+            </a:r>
+            <a:endParaRPr lang="zh-CN" altLang="en-US"/>
+          </a:p>
+        </p:txBody>
+      </p:sp>
+      <p:sp>
+        <p:nvSpPr>
+          <p:cNvPr id="8" name="文本占位符 7"/>
+          <p:cNvSpPr>
+            <a:spLocks noGrp="1"/>
+          </p:cNvSpPr>
+          <p:nvPr>
+            <p:ph type="body" sz="half" idx="2"/>
+          </p:nvPr>
+        </p:nvSpPr>
+        <p:spPr>
+          <a:xfrm>
+            <a:off x="457200" y="1435100"/>
+            <a:ext cx="7715200" cy="4691063"/>
+          </a:xfrm>
+        </p:spPr>
+        <p:txBody>
+          <a:bodyPr/>
+          <a:lstStyle/>
+          <a:p>
+            <a:endParaRPr lang="en-US" altLang="zh-CN"/>
+          </a:p>
+          <a:p>
+            <a:r>
+              <a:rPr lang="zh-CN" altLang="en-US"/>
+              <a:t>账号列表</a:t>
+            </a:r>
+            <a:endParaRPr lang="en-US" altLang="zh-CN"/>
+          </a:p>
+          <a:p>
+            <a:endParaRPr lang="en-US" altLang="zh-CN"/>
+          </a:p>
+          <a:p>
+            <a:r>
+              <a:rPr lang="zh-CN" altLang="en-US"/>
+              <a:t>账号成本信息</a:t>
+            </a:r>
+            <a:endParaRPr lang="en-US" altLang="zh-CN"/>
+          </a:p>
+          <a:p>
+            <a:endParaRPr lang="en-US" altLang="zh-CN"/>
+          </a:p>
+          <a:p>
+            <a:r>
+              <a:rPr lang="zh-CN" altLang="en-US"/>
+              <a:t>账号成本统计</a:t>
+            </a:r>
+            <a:endParaRPr lang="en-US" altLang="zh-CN"/>
           </a:p>
         </p:txBody>
       </p:sp>
     </p:spTree>
     <p:extLst>
       <p:ext uri="{BB962C8B-B14F-4D97-AF65-F5344CB8AC3E}">
-        <p14:creationId xmlns:p14="http://schemas.microsoft.com/office/powerpoint/2010/main" val="3438111916"/>
+        <p14:creationId xmlns:p14="http://schemas.microsoft.com/office/powerpoint/2010/main" val="810463233"/>
       </p:ext>
     </p:extLst>
   </p:cSld>
@@ -24751,6 +29718,1125 @@
     <p:extLst>
       <p:ext uri="{BB962C8B-B14F-4D97-AF65-F5344CB8AC3E}">
         <p14:creationId xmlns:p14="http://schemas.microsoft.com/office/powerpoint/2010/main" val="2198992306"/>
+      </p:ext>
+    </p:extLst>
+  </p:cSld>
+  <p:clrMapOvr>
+    <a:masterClrMapping/>
+  </p:clrMapOvr>
+</p:sld>
+</file>
+
+<file path=ppt/slides/slide50.xml><?xml version="1.0" encoding="utf-8"?>
+<p:sld xmlns:a="http://schemas.openxmlformats.org/drawingml/2006/main" xmlns:r="http://schemas.openxmlformats.org/officeDocument/2006/relationships" xmlns:p="http://schemas.openxmlformats.org/presentationml/2006/main">
+  <p:cSld>
+    <p:spTree>
+      <p:nvGrpSpPr>
+        <p:cNvPr id="1" name=""/>
+        <p:cNvGrpSpPr/>
+        <p:nvPr/>
+      </p:nvGrpSpPr>
+      <p:grpSpPr>
+        <a:xfrm>
+          <a:off x="0" y="0"/>
+          <a:ext cx="0" cy="0"/>
+          <a:chOff x="0" y="0"/>
+          <a:chExt cx="0" cy="0"/>
+        </a:xfrm>
+      </p:grpSpPr>
+      <p:sp>
+        <p:nvSpPr>
+          <p:cNvPr id="5" name="标题 4"/>
+          <p:cNvSpPr>
+            <a:spLocks noGrp="1"/>
+          </p:cNvSpPr>
+          <p:nvPr>
+            <p:ph type="title"/>
+          </p:nvPr>
+        </p:nvSpPr>
+        <p:spPr>
+          <a:xfrm>
+            <a:off x="1331640" y="273050"/>
+            <a:ext cx="6840760" cy="851694"/>
+          </a:xfrm>
+        </p:spPr>
+        <p:txBody>
+          <a:bodyPr/>
+          <a:lstStyle/>
+          <a:p>
+            <a:r>
+              <a:rPr lang="zh-CN" altLang="en-US"/>
+              <a:t> 对账 账号列表</a:t>
+            </a:r>
+            <a:br>
+              <a:rPr lang="en-US" altLang="zh-CN"/>
+            </a:br>
+            <a:r>
+              <a:rPr lang="en-US" altLang="zh-CN"/>
+              <a:t>		</a:t>
+            </a:r>
+            <a:endParaRPr lang="zh-CN" altLang="en-US"/>
+          </a:p>
+        </p:txBody>
+      </p:sp>
+      <p:sp>
+        <p:nvSpPr>
+          <p:cNvPr id="8" name="文本占位符 7"/>
+          <p:cNvSpPr>
+            <a:spLocks noGrp="1"/>
+          </p:cNvSpPr>
+          <p:nvPr>
+            <p:ph type="body" sz="half" idx="2"/>
+          </p:nvPr>
+        </p:nvSpPr>
+        <p:spPr>
+          <a:xfrm>
+            <a:off x="457200" y="1435100"/>
+            <a:ext cx="7715200" cy="4691063"/>
+          </a:xfrm>
+        </p:spPr>
+        <p:txBody>
+          <a:bodyPr/>
+          <a:lstStyle/>
+          <a:p>
+            <a:endParaRPr lang="en-US" altLang="zh-CN"/>
+          </a:p>
+          <a:p>
+            <a:r>
+              <a:rPr lang="zh-CN" altLang="en-US"/>
+              <a:t>账号列表</a:t>
+            </a:r>
+            <a:r>
+              <a:rPr lang="en-US" altLang="zh-CN"/>
+              <a:t>:</a:t>
+            </a:r>
+          </a:p>
+          <a:p>
+            <a:r>
+              <a:rPr lang="en-US" altLang="zh-CN"/>
+              <a:t>think_account </a:t>
+            </a:r>
+            <a:r>
+              <a:rPr lang="zh-CN" altLang="en-US"/>
+              <a:t>对账账号表查询出开户公司</a:t>
+            </a:r>
+            <a:r>
+              <a:rPr lang="en-US" altLang="zh-CN"/>
+              <a:t>,</a:t>
+            </a:r>
+            <a:r>
+              <a:rPr lang="zh-CN" altLang="en-US"/>
+              <a:t>代理商</a:t>
+            </a:r>
+            <a:r>
+              <a:rPr lang="en-US" altLang="zh-CN"/>
+              <a:t>,</a:t>
+            </a:r>
+            <a:r>
+              <a:rPr lang="zh-CN" altLang="en-US"/>
+              <a:t>张璐账号</a:t>
+            </a:r>
+            <a:r>
+              <a:rPr lang="en-US" altLang="zh-CN"/>
+              <a:t>,</a:t>
+            </a:r>
+            <a:r>
+              <a:rPr lang="zh-CN" altLang="en-US"/>
+              <a:t>返点等信息</a:t>
+            </a:r>
+            <a:r>
+              <a:rPr lang="en-US" altLang="zh-CN"/>
+              <a:t>.(</a:t>
+            </a:r>
+            <a:r>
+              <a:rPr lang="zh-CN" altLang="en-US"/>
+              <a:t>负责人从</a:t>
+            </a:r>
+            <a:r>
+              <a:rPr lang="en-US" altLang="zh-CN"/>
+              <a:t>admin</a:t>
+            </a:r>
+            <a:r>
+              <a:rPr lang="zh-CN" altLang="en-US"/>
+              <a:t>表中查询</a:t>
+            </a:r>
+            <a:r>
+              <a:rPr lang="en-US" altLang="zh-CN"/>
+              <a:t>.)</a:t>
+            </a:r>
+          </a:p>
+          <a:p>
+            <a:r>
+              <a:rPr lang="zh-CN" altLang="en-US"/>
+              <a:t>点击审核编辑按钮</a:t>
+            </a:r>
+            <a:r>
+              <a:rPr lang="en-US" altLang="zh-CN"/>
+              <a:t>:</a:t>
+            </a:r>
+          </a:p>
+          <a:p>
+            <a:r>
+              <a:rPr lang="zh-CN" altLang="en-US"/>
+              <a:t>可以设置对账账户数据</a:t>
+            </a:r>
+            <a:r>
+              <a:rPr lang="en-US" altLang="zh-CN"/>
+              <a:t>.</a:t>
+            </a:r>
+            <a:r>
+              <a:rPr lang="zh-CN" altLang="en-US"/>
+              <a:t>直接保存进</a:t>
+            </a:r>
+            <a:r>
+              <a:rPr lang="en-US" altLang="zh-CN"/>
+              <a:t>think_account </a:t>
+            </a:r>
+            <a:r>
+              <a:rPr lang="zh-CN" altLang="en-US"/>
+              <a:t>账户对账表中</a:t>
+            </a:r>
+            <a:r>
+              <a:rPr lang="en-US" altLang="zh-CN"/>
+              <a:t>.</a:t>
+            </a:r>
+          </a:p>
+        </p:txBody>
+      </p:sp>
+      <p:pic>
+        <p:nvPicPr>
+          <p:cNvPr id="2" name="图片 1"/>
+          <p:cNvPicPr>
+            <a:picLocks noChangeAspect="1"/>
+          </p:cNvPicPr>
+          <p:nvPr/>
+        </p:nvPicPr>
+        <p:blipFill>
+          <a:blip r:embed="rId3"/>
+          <a:stretch>
+            <a:fillRect/>
+          </a:stretch>
+        </p:blipFill>
+        <p:spPr>
+          <a:xfrm>
+            <a:off x="0" y="3136964"/>
+            <a:ext cx="9144000" cy="2884324"/>
+          </a:xfrm>
+          <a:prstGeom prst="rect">
+            <a:avLst/>
+          </a:prstGeom>
+        </p:spPr>
+      </p:pic>
+    </p:spTree>
+    <p:extLst>
+      <p:ext uri="{BB962C8B-B14F-4D97-AF65-F5344CB8AC3E}">
+        <p14:creationId xmlns:p14="http://schemas.microsoft.com/office/powerpoint/2010/main" val="3588415955"/>
+      </p:ext>
+    </p:extLst>
+  </p:cSld>
+  <p:clrMapOvr>
+    <a:masterClrMapping/>
+  </p:clrMapOvr>
+</p:sld>
+</file>
+
+<file path=ppt/slides/slide51.xml><?xml version="1.0" encoding="utf-8"?>
+<p:sld xmlns:a="http://schemas.openxmlformats.org/drawingml/2006/main" xmlns:r="http://schemas.openxmlformats.org/officeDocument/2006/relationships" xmlns:p="http://schemas.openxmlformats.org/presentationml/2006/main">
+  <p:cSld>
+    <p:spTree>
+      <p:nvGrpSpPr>
+        <p:cNvPr id="1" name=""/>
+        <p:cNvGrpSpPr/>
+        <p:nvPr/>
+      </p:nvGrpSpPr>
+      <p:grpSpPr>
+        <a:xfrm>
+          <a:off x="0" y="0"/>
+          <a:ext cx="0" cy="0"/>
+          <a:chOff x="0" y="0"/>
+          <a:chExt cx="0" cy="0"/>
+        </a:xfrm>
+      </p:grpSpPr>
+      <p:sp>
+        <p:nvSpPr>
+          <p:cNvPr id="5" name="标题 4"/>
+          <p:cNvSpPr>
+            <a:spLocks noGrp="1"/>
+          </p:cNvSpPr>
+          <p:nvPr>
+            <p:ph type="title"/>
+          </p:nvPr>
+        </p:nvSpPr>
+        <p:spPr>
+          <a:xfrm>
+            <a:off x="1331640" y="273050"/>
+            <a:ext cx="6840760" cy="851694"/>
+          </a:xfrm>
+        </p:spPr>
+        <p:txBody>
+          <a:bodyPr/>
+          <a:lstStyle/>
+          <a:p>
+            <a:r>
+              <a:rPr lang="zh-CN" altLang="en-US"/>
+              <a:t> 对账 账号成本结算</a:t>
+            </a:r>
+            <a:br>
+              <a:rPr lang="en-US" altLang="zh-CN"/>
+            </a:br>
+            <a:r>
+              <a:rPr lang="en-US" altLang="zh-CN"/>
+              <a:t>		</a:t>
+            </a:r>
+            <a:endParaRPr lang="zh-CN" altLang="en-US"/>
+          </a:p>
+        </p:txBody>
+      </p:sp>
+      <p:sp>
+        <p:nvSpPr>
+          <p:cNvPr id="8" name="文本占位符 7"/>
+          <p:cNvSpPr>
+            <a:spLocks noGrp="1"/>
+          </p:cNvSpPr>
+          <p:nvPr>
+            <p:ph type="body" sz="half" idx="2"/>
+          </p:nvPr>
+        </p:nvSpPr>
+        <p:spPr>
+          <a:xfrm>
+            <a:off x="457200" y="1435100"/>
+            <a:ext cx="7715200" cy="4691063"/>
+          </a:xfrm>
+        </p:spPr>
+        <p:txBody>
+          <a:bodyPr/>
+          <a:lstStyle/>
+          <a:p>
+            <a:endParaRPr lang="en-US" altLang="zh-CN"/>
+          </a:p>
+          <a:p>
+            <a:r>
+              <a:rPr lang="zh-CN" altLang="en-US"/>
+              <a:t>账号成本结算</a:t>
+            </a:r>
+            <a:r>
+              <a:rPr lang="en-US" altLang="zh-CN"/>
+              <a:t>:</a:t>
+            </a:r>
+          </a:p>
+          <a:p>
+            <a:r>
+              <a:rPr lang="zh-CN" altLang="en-US"/>
+              <a:t>展示渠道商账号的财务消费信息和基本信息</a:t>
+            </a:r>
+            <a:r>
+              <a:rPr lang="en-US" altLang="zh-CN"/>
+              <a:t>,</a:t>
+            </a:r>
+            <a:r>
+              <a:rPr lang="zh-CN" altLang="en-US"/>
+              <a:t>包括后台消耗</a:t>
+            </a:r>
+            <a:r>
+              <a:rPr lang="en-US" altLang="zh-CN"/>
+              <a:t>,</a:t>
+            </a:r>
+            <a:r>
+              <a:rPr lang="zh-CN" altLang="en-US"/>
+              <a:t>返点</a:t>
+            </a:r>
+            <a:r>
+              <a:rPr lang="en-US" altLang="zh-CN"/>
+              <a:t>,</a:t>
+            </a:r>
+            <a:r>
+              <a:rPr lang="zh-CN" altLang="en-US"/>
+              <a:t>实际消耗等信息展示</a:t>
+            </a:r>
+            <a:r>
+              <a:rPr lang="en-US" altLang="zh-CN"/>
+              <a:t>.</a:t>
+            </a:r>
+          </a:p>
+          <a:p>
+            <a:r>
+              <a:rPr lang="zh-CN" altLang="en-US"/>
+              <a:t>点击添加账号成本</a:t>
+            </a:r>
+            <a:r>
+              <a:rPr lang="en-US" altLang="zh-CN"/>
+              <a:t>,</a:t>
+            </a:r>
+            <a:r>
+              <a:rPr lang="zh-CN" altLang="en-US"/>
+              <a:t>将为指定的账号添加相关消费记录和成本数据</a:t>
+            </a:r>
+            <a:r>
+              <a:rPr lang="en-US" altLang="zh-CN"/>
+              <a:t>.</a:t>
+            </a:r>
+          </a:p>
+          <a:p>
+            <a:endParaRPr lang="en-US" altLang="zh-CN"/>
+          </a:p>
+        </p:txBody>
+      </p:sp>
+      <p:pic>
+        <p:nvPicPr>
+          <p:cNvPr id="2" name="图片 1"/>
+          <p:cNvPicPr>
+            <a:picLocks noChangeAspect="1"/>
+          </p:cNvPicPr>
+          <p:nvPr/>
+        </p:nvPicPr>
+        <p:blipFill>
+          <a:blip r:embed="rId3"/>
+          <a:stretch>
+            <a:fillRect/>
+          </a:stretch>
+        </p:blipFill>
+        <p:spPr>
+          <a:xfrm>
+            <a:off x="0" y="3270930"/>
+            <a:ext cx="9144000" cy="2030278"/>
+          </a:xfrm>
+          <a:prstGeom prst="rect">
+            <a:avLst/>
+          </a:prstGeom>
+        </p:spPr>
+      </p:pic>
+    </p:spTree>
+    <p:extLst>
+      <p:ext uri="{BB962C8B-B14F-4D97-AF65-F5344CB8AC3E}">
+        <p14:creationId xmlns:p14="http://schemas.microsoft.com/office/powerpoint/2010/main" val="3621702593"/>
+      </p:ext>
+    </p:extLst>
+  </p:cSld>
+  <p:clrMapOvr>
+    <a:masterClrMapping/>
+  </p:clrMapOvr>
+</p:sld>
+</file>
+
+<file path=ppt/slides/slide52.xml><?xml version="1.0" encoding="utf-8"?>
+<p:sld xmlns:a="http://schemas.openxmlformats.org/drawingml/2006/main" xmlns:r="http://schemas.openxmlformats.org/officeDocument/2006/relationships" xmlns:p="http://schemas.openxmlformats.org/presentationml/2006/main">
+  <p:cSld>
+    <p:spTree>
+      <p:nvGrpSpPr>
+        <p:cNvPr id="1" name=""/>
+        <p:cNvGrpSpPr/>
+        <p:nvPr/>
+      </p:nvGrpSpPr>
+      <p:grpSpPr>
+        <a:xfrm>
+          <a:off x="0" y="0"/>
+          <a:ext cx="0" cy="0"/>
+          <a:chOff x="0" y="0"/>
+          <a:chExt cx="0" cy="0"/>
+        </a:xfrm>
+      </p:grpSpPr>
+      <p:sp>
+        <p:nvSpPr>
+          <p:cNvPr id="5" name="标题 4"/>
+          <p:cNvSpPr>
+            <a:spLocks noGrp="1"/>
+          </p:cNvSpPr>
+          <p:nvPr>
+            <p:ph type="title"/>
+          </p:nvPr>
+        </p:nvSpPr>
+        <p:spPr>
+          <a:xfrm>
+            <a:off x="1331640" y="273050"/>
+            <a:ext cx="6840760" cy="851694"/>
+          </a:xfrm>
+        </p:spPr>
+        <p:txBody>
+          <a:bodyPr/>
+          <a:lstStyle/>
+          <a:p>
+            <a:r>
+              <a:rPr lang="zh-CN" altLang="en-US"/>
+              <a:t> 对账账号成本统计</a:t>
+            </a:r>
+            <a:r>
+              <a:rPr lang="en-US" altLang="zh-CN"/>
+              <a:t>			</a:t>
+            </a:r>
+            <a:r>
+              <a:rPr lang="zh-CN" altLang="en-US">
+                <a:hlinkClick r:id="rId3" action="ppaction://hlinksldjump"/>
+              </a:rPr>
+              <a:t>返回项目模块</a:t>
+            </a:r>
+            <a:br>
+              <a:rPr lang="en-US" altLang="zh-CN"/>
+            </a:br>
+            <a:r>
+              <a:rPr lang="en-US" altLang="zh-CN"/>
+              <a:t>		</a:t>
+            </a:r>
+            <a:endParaRPr lang="zh-CN" altLang="en-US"/>
+          </a:p>
+        </p:txBody>
+      </p:sp>
+      <p:sp>
+        <p:nvSpPr>
+          <p:cNvPr id="8" name="文本占位符 7"/>
+          <p:cNvSpPr>
+            <a:spLocks noGrp="1"/>
+          </p:cNvSpPr>
+          <p:nvPr>
+            <p:ph type="body" sz="half" idx="2"/>
+          </p:nvPr>
+        </p:nvSpPr>
+        <p:spPr>
+          <a:xfrm>
+            <a:off x="457200" y="1435100"/>
+            <a:ext cx="7715200" cy="4691063"/>
+          </a:xfrm>
+        </p:spPr>
+        <p:txBody>
+          <a:bodyPr/>
+          <a:lstStyle/>
+          <a:p>
+            <a:endParaRPr lang="en-US" altLang="zh-CN"/>
+          </a:p>
+          <a:p>
+            <a:r>
+              <a:rPr lang="zh-CN" altLang="en-US"/>
+              <a:t>账号成本统计</a:t>
+            </a:r>
+            <a:r>
+              <a:rPr lang="en-US" altLang="zh-CN"/>
+              <a:t>:</a:t>
+            </a:r>
+          </a:p>
+          <a:p>
+            <a:r>
+              <a:rPr lang="zh-CN" altLang="en-US"/>
+              <a:t>将</a:t>
+            </a:r>
+            <a:r>
+              <a:rPr lang="en-US" altLang="zh-CN"/>
+              <a:t>think_account</a:t>
+            </a:r>
+            <a:r>
+              <a:rPr lang="zh-CN" altLang="en-US"/>
+              <a:t>表按照账号的维度进行统计</a:t>
+            </a:r>
+            <a:r>
+              <a:rPr lang="en-US" altLang="zh-CN"/>
+              <a:t>.</a:t>
+            </a:r>
+          </a:p>
+          <a:p>
+            <a:r>
+              <a:rPr lang="zh-CN" altLang="en-US"/>
+              <a:t>可以查看单账号分时间段的成本和总成本</a:t>
+            </a:r>
+            <a:r>
+              <a:rPr lang="en-US" altLang="zh-CN"/>
+              <a:t>,</a:t>
+            </a:r>
+            <a:r>
+              <a:rPr lang="zh-CN" altLang="en-US"/>
+              <a:t>以及全部账号分时间段成本和总成本</a:t>
+            </a:r>
+            <a:endParaRPr lang="en-US" altLang="zh-CN"/>
+          </a:p>
+          <a:p>
+            <a:endParaRPr lang="en-US" altLang="zh-CN"/>
+          </a:p>
+        </p:txBody>
+      </p:sp>
+      <p:pic>
+        <p:nvPicPr>
+          <p:cNvPr id="2" name="图片 1"/>
+          <p:cNvPicPr>
+            <a:picLocks noChangeAspect="1"/>
+          </p:cNvPicPr>
+          <p:nvPr/>
+        </p:nvPicPr>
+        <p:blipFill>
+          <a:blip r:embed="rId4"/>
+          <a:stretch>
+            <a:fillRect/>
+          </a:stretch>
+        </p:blipFill>
+        <p:spPr>
+          <a:xfrm>
+            <a:off x="0" y="3140969"/>
+            <a:ext cx="9144000" cy="1944216"/>
+          </a:xfrm>
+          <a:prstGeom prst="rect">
+            <a:avLst/>
+          </a:prstGeom>
+        </p:spPr>
+      </p:pic>
+    </p:spTree>
+    <p:extLst>
+      <p:ext uri="{BB962C8B-B14F-4D97-AF65-F5344CB8AC3E}">
+        <p14:creationId xmlns:p14="http://schemas.microsoft.com/office/powerpoint/2010/main" val="2938371085"/>
+      </p:ext>
+    </p:extLst>
+  </p:cSld>
+  <p:clrMapOvr>
+    <a:masterClrMapping/>
+  </p:clrMapOvr>
+</p:sld>
+</file>
+
+<file path=ppt/slides/slide53.xml><?xml version="1.0" encoding="utf-8"?>
+<p:sld xmlns:a="http://schemas.openxmlformats.org/drawingml/2006/main" xmlns:r="http://schemas.openxmlformats.org/officeDocument/2006/relationships" xmlns:p="http://schemas.openxmlformats.org/presentationml/2006/main">
+  <p:cSld>
+    <p:spTree>
+      <p:nvGrpSpPr>
+        <p:cNvPr id="1" name=""/>
+        <p:cNvGrpSpPr/>
+        <p:nvPr/>
+      </p:nvGrpSpPr>
+      <p:grpSpPr>
+        <a:xfrm>
+          <a:off x="0" y="0"/>
+          <a:ext cx="0" cy="0"/>
+          <a:chOff x="0" y="0"/>
+          <a:chExt cx="0" cy="0"/>
+        </a:xfrm>
+      </p:grpSpPr>
+      <p:sp>
+        <p:nvSpPr>
+          <p:cNvPr id="5" name="标题 4"/>
+          <p:cNvSpPr>
+            <a:spLocks noGrp="1"/>
+          </p:cNvSpPr>
+          <p:nvPr>
+            <p:ph type="title"/>
+          </p:nvPr>
+        </p:nvSpPr>
+        <p:spPr>
+          <a:xfrm>
+            <a:off x="1331640" y="273050"/>
+            <a:ext cx="6840760" cy="851694"/>
+          </a:xfrm>
+        </p:spPr>
+        <p:txBody>
+          <a:bodyPr/>
+          <a:lstStyle/>
+          <a:p>
+            <a:r>
+              <a:rPr lang="zh-CN" altLang="en-US"/>
+              <a:t> 杂项管理</a:t>
+            </a:r>
+            <a:r>
+              <a:rPr lang="en-US" altLang="zh-CN"/>
+              <a:t>			</a:t>
+            </a:r>
+            <a:br>
+              <a:rPr lang="en-US" altLang="zh-CN"/>
+            </a:br>
+            <a:r>
+              <a:rPr lang="en-US" altLang="zh-CN"/>
+              <a:t>		</a:t>
+            </a:r>
+            <a:endParaRPr lang="zh-CN" altLang="en-US"/>
+          </a:p>
+        </p:txBody>
+      </p:sp>
+      <p:sp>
+        <p:nvSpPr>
+          <p:cNvPr id="8" name="文本占位符 7"/>
+          <p:cNvSpPr>
+            <a:spLocks noGrp="1"/>
+          </p:cNvSpPr>
+          <p:nvPr>
+            <p:ph type="body" sz="half" idx="2"/>
+          </p:nvPr>
+        </p:nvSpPr>
+        <p:spPr>
+          <a:xfrm>
+            <a:off x="457200" y="1435100"/>
+            <a:ext cx="7715200" cy="4691063"/>
+          </a:xfrm>
+        </p:spPr>
+        <p:txBody>
+          <a:bodyPr/>
+          <a:lstStyle/>
+          <a:p>
+            <a:endParaRPr lang="en-US" altLang="zh-CN"/>
+          </a:p>
+          <a:p>
+            <a:r>
+              <a:rPr lang="zh-CN" altLang="en-US"/>
+              <a:t>修改密码</a:t>
+            </a:r>
+            <a:endParaRPr lang="en-US" altLang="zh-CN"/>
+          </a:p>
+          <a:p>
+            <a:endParaRPr lang="en-US" altLang="zh-CN"/>
+          </a:p>
+          <a:p>
+            <a:r>
+              <a:rPr lang="zh-CN" altLang="en-US"/>
+              <a:t>管理员列表</a:t>
+            </a:r>
+            <a:endParaRPr lang="en-US" altLang="zh-CN"/>
+          </a:p>
+          <a:p>
+            <a:endParaRPr lang="en-US" altLang="zh-CN"/>
+          </a:p>
+          <a:p>
+            <a:r>
+              <a:rPr lang="zh-CN" altLang="en-US"/>
+              <a:t>角色列表</a:t>
+            </a:r>
+            <a:endParaRPr lang="en-US" altLang="zh-CN"/>
+          </a:p>
+          <a:p>
+            <a:endParaRPr lang="en-US" altLang="zh-CN"/>
+          </a:p>
+          <a:p>
+            <a:r>
+              <a:rPr lang="zh-CN" altLang="en-US"/>
+              <a:t>节点列表</a:t>
+            </a:r>
+            <a:endParaRPr lang="en-US" altLang="zh-CN"/>
+          </a:p>
+          <a:p>
+            <a:endParaRPr lang="en-US" altLang="zh-CN"/>
+          </a:p>
+          <a:p>
+            <a:r>
+              <a:rPr lang="zh-CN" altLang="en-US"/>
+              <a:t>杂项种类</a:t>
+            </a:r>
+            <a:endParaRPr lang="en-US" altLang="zh-CN"/>
+          </a:p>
+          <a:p>
+            <a:endParaRPr lang="en-US" altLang="zh-CN"/>
+          </a:p>
+          <a:p>
+            <a:r>
+              <a:rPr lang="zh-CN" altLang="en-US"/>
+              <a:t>操作日志</a:t>
+            </a:r>
+            <a:endParaRPr lang="en-US" altLang="zh-CN"/>
+          </a:p>
+          <a:p>
+            <a:endParaRPr lang="en-US" altLang="zh-CN"/>
+          </a:p>
+          <a:p>
+            <a:r>
+              <a:rPr lang="zh-CN" altLang="en-US"/>
+              <a:t>海外包名映射列表</a:t>
+            </a:r>
+            <a:endParaRPr lang="en-US" altLang="zh-CN"/>
+          </a:p>
+          <a:p>
+            <a:endParaRPr lang="en-US" altLang="zh-CN"/>
+          </a:p>
+          <a:p>
+            <a:r>
+              <a:rPr lang="en-US" altLang="zh-CN"/>
+              <a:t>TD</a:t>
+            </a:r>
+            <a:r>
+              <a:rPr lang="zh-CN" altLang="en-US"/>
+              <a:t>包名映射列表</a:t>
+            </a:r>
+            <a:endParaRPr lang="en-US" altLang="zh-CN"/>
+          </a:p>
+          <a:p>
+            <a:endParaRPr lang="en-US" altLang="zh-CN"/>
+          </a:p>
+          <a:p>
+            <a:r>
+              <a:rPr lang="zh-CN" altLang="en-US"/>
+              <a:t>广告回调参数</a:t>
+            </a:r>
+            <a:endParaRPr lang="en-US" altLang="zh-CN"/>
+          </a:p>
+        </p:txBody>
+      </p:sp>
+    </p:spTree>
+    <p:extLst>
+      <p:ext uri="{BB962C8B-B14F-4D97-AF65-F5344CB8AC3E}">
+        <p14:creationId xmlns:p14="http://schemas.microsoft.com/office/powerpoint/2010/main" val="4183432510"/>
+      </p:ext>
+    </p:extLst>
+  </p:cSld>
+  <p:clrMapOvr>
+    <a:masterClrMapping/>
+  </p:clrMapOvr>
+</p:sld>
+</file>
+
+<file path=ppt/slides/slide54.xml><?xml version="1.0" encoding="utf-8"?>
+<p:sld xmlns:a="http://schemas.openxmlformats.org/drawingml/2006/main" xmlns:r="http://schemas.openxmlformats.org/officeDocument/2006/relationships" xmlns:p="http://schemas.openxmlformats.org/presentationml/2006/main">
+  <p:cSld>
+    <p:spTree>
+      <p:nvGrpSpPr>
+        <p:cNvPr id="1" name=""/>
+        <p:cNvGrpSpPr/>
+        <p:nvPr/>
+      </p:nvGrpSpPr>
+      <p:grpSpPr>
+        <a:xfrm>
+          <a:off x="0" y="0"/>
+          <a:ext cx="0" cy="0"/>
+          <a:chOff x="0" y="0"/>
+          <a:chExt cx="0" cy="0"/>
+        </a:xfrm>
+      </p:grpSpPr>
+      <p:sp>
+        <p:nvSpPr>
+          <p:cNvPr id="5" name="标题 4"/>
+          <p:cNvSpPr>
+            <a:spLocks noGrp="1"/>
+          </p:cNvSpPr>
+          <p:nvPr>
+            <p:ph type="title"/>
+          </p:nvPr>
+        </p:nvSpPr>
+        <p:spPr>
+          <a:xfrm>
+            <a:off x="1331640" y="273050"/>
+            <a:ext cx="6840760" cy="851694"/>
+          </a:xfrm>
+        </p:spPr>
+        <p:txBody>
+          <a:bodyPr/>
+          <a:lstStyle/>
+          <a:p>
+            <a:r>
+              <a:rPr lang="zh-CN" altLang="en-US"/>
+              <a:t>杂项管理</a:t>
+            </a:r>
+            <a:r>
+              <a:rPr lang="en-US" altLang="zh-CN"/>
+              <a:t>				</a:t>
+            </a:r>
+            <a:r>
+              <a:rPr lang="zh-CN" altLang="en-US">
+                <a:hlinkClick r:id="rId3" action="ppaction://hlinksldjump"/>
+              </a:rPr>
+              <a:t>返回项目模块</a:t>
+            </a:r>
+            <a:br>
+              <a:rPr lang="en-US" altLang="zh-CN"/>
+            </a:br>
+            <a:endParaRPr lang="zh-CN" altLang="en-US"/>
+          </a:p>
+        </p:txBody>
+      </p:sp>
+      <p:sp>
+        <p:nvSpPr>
+          <p:cNvPr id="8" name="文本占位符 7"/>
+          <p:cNvSpPr>
+            <a:spLocks noGrp="1"/>
+          </p:cNvSpPr>
+          <p:nvPr>
+            <p:ph type="body" sz="half" idx="2"/>
+          </p:nvPr>
+        </p:nvSpPr>
+        <p:spPr>
+          <a:xfrm>
+            <a:off x="457200" y="1435100"/>
+            <a:ext cx="7715200" cy="4691063"/>
+          </a:xfrm>
+        </p:spPr>
+        <p:txBody>
+          <a:bodyPr/>
+          <a:lstStyle/>
+          <a:p>
+            <a:endParaRPr lang="en-US" altLang="zh-CN"/>
+          </a:p>
+          <a:p>
+            <a:r>
+              <a:rPr lang="zh-CN" altLang="en-US"/>
+              <a:t>修改密码 </a:t>
+            </a:r>
+            <a:r>
+              <a:rPr lang="en-US" altLang="zh-CN"/>
+              <a:t>:</a:t>
+            </a:r>
+            <a:r>
+              <a:rPr lang="zh-CN" altLang="en-US"/>
+              <a:t>修改当前登录用户密码</a:t>
+            </a:r>
+            <a:endParaRPr lang="en-US" altLang="zh-CN"/>
+          </a:p>
+          <a:p>
+            <a:endParaRPr lang="en-US" altLang="zh-CN"/>
+          </a:p>
+          <a:p>
+            <a:r>
+              <a:rPr lang="zh-CN" altLang="en-US"/>
+              <a:t>管理员列表 </a:t>
+            </a:r>
+            <a:r>
+              <a:rPr lang="en-US" altLang="zh-CN"/>
+              <a:t>:</a:t>
+            </a:r>
+            <a:r>
+              <a:rPr lang="zh-CN" altLang="en-US"/>
+              <a:t>本项目网站后台管理员列表</a:t>
+            </a:r>
+            <a:endParaRPr lang="en-US" altLang="zh-CN"/>
+          </a:p>
+          <a:p>
+            <a:endParaRPr lang="en-US" altLang="zh-CN"/>
+          </a:p>
+          <a:p>
+            <a:r>
+              <a:rPr lang="zh-CN" altLang="en-US"/>
+              <a:t>角色列表 </a:t>
+            </a:r>
+            <a:r>
+              <a:rPr lang="en-US" altLang="zh-CN"/>
+              <a:t>: </a:t>
+            </a:r>
+            <a:r>
+              <a:rPr lang="zh-CN" altLang="en-US"/>
+              <a:t>网站操作的权限控制</a:t>
+            </a:r>
+            <a:endParaRPr lang="en-US" altLang="zh-CN"/>
+          </a:p>
+          <a:p>
+            <a:endParaRPr lang="en-US" altLang="zh-CN"/>
+          </a:p>
+          <a:p>
+            <a:r>
+              <a:rPr lang="zh-CN" altLang="en-US"/>
+              <a:t>节点列表 </a:t>
+            </a:r>
+            <a:r>
+              <a:rPr lang="en-US" altLang="zh-CN"/>
+              <a:t>: </a:t>
+            </a:r>
+            <a:r>
+              <a:rPr lang="zh-CN" altLang="en-US"/>
+              <a:t>设置节点</a:t>
+            </a:r>
+            <a:r>
+              <a:rPr lang="en-US" altLang="zh-CN"/>
+              <a:t>,</a:t>
+            </a:r>
+            <a:r>
+              <a:rPr lang="zh-CN" altLang="en-US"/>
+              <a:t>用于网站权限控制</a:t>
+            </a:r>
+            <a:endParaRPr lang="en-US" altLang="zh-CN"/>
+          </a:p>
+          <a:p>
+            <a:endParaRPr lang="en-US" altLang="zh-CN"/>
+          </a:p>
+          <a:p>
+            <a:r>
+              <a:rPr lang="zh-CN" altLang="en-US"/>
+              <a:t>杂项种类 </a:t>
+            </a:r>
+            <a:r>
+              <a:rPr lang="en-US" altLang="zh-CN"/>
+              <a:t>: </a:t>
+            </a:r>
+            <a:r>
+              <a:rPr lang="zh-CN" altLang="en-US"/>
+              <a:t>展示本项目部分数据表和字段名</a:t>
+            </a:r>
+            <a:endParaRPr lang="en-US" altLang="zh-CN"/>
+          </a:p>
+          <a:p>
+            <a:endParaRPr lang="en-US" altLang="zh-CN"/>
+          </a:p>
+          <a:p>
+            <a:r>
+              <a:rPr lang="zh-CN" altLang="en-US"/>
+              <a:t>操作日志 </a:t>
+            </a:r>
+            <a:r>
+              <a:rPr lang="en-US" altLang="zh-CN"/>
+              <a:t>:</a:t>
+            </a:r>
+            <a:r>
+              <a:rPr lang="zh-CN" altLang="en-US"/>
+              <a:t>将登陆用户的敏感操作记录下来</a:t>
+            </a:r>
+            <a:r>
+              <a:rPr lang="en-US" altLang="zh-CN"/>
+              <a:t>,</a:t>
+            </a:r>
+            <a:r>
+              <a:rPr lang="zh-CN" altLang="en-US"/>
+              <a:t>可以按照时间和账号进行查询</a:t>
+            </a:r>
+            <a:endParaRPr lang="en-US" altLang="zh-CN"/>
+          </a:p>
+          <a:p>
+            <a:endParaRPr lang="en-US" altLang="zh-CN"/>
+          </a:p>
+          <a:p>
+            <a:r>
+              <a:rPr lang="zh-CN" altLang="en-US"/>
+              <a:t>海外包名映射列表 </a:t>
+            </a:r>
+            <a:r>
+              <a:rPr lang="en-US" altLang="zh-CN"/>
+              <a:t>: </a:t>
+            </a:r>
+            <a:r>
+              <a:rPr lang="zh-CN" altLang="en-US"/>
+              <a:t>海外业务中游戏包名的映射表</a:t>
+            </a:r>
+            <a:endParaRPr lang="en-US" altLang="zh-CN"/>
+          </a:p>
+          <a:p>
+            <a:endParaRPr lang="en-US" altLang="zh-CN"/>
+          </a:p>
+          <a:p>
+            <a:r>
+              <a:rPr lang="en-US" altLang="zh-CN"/>
+              <a:t>TD</a:t>
+            </a:r>
+            <a:r>
+              <a:rPr lang="zh-CN" altLang="en-US"/>
+              <a:t>包名映射列表 </a:t>
+            </a:r>
+            <a:r>
+              <a:rPr lang="en-US" altLang="zh-CN"/>
+              <a:t>:T D</a:t>
+            </a:r>
+            <a:r>
+              <a:rPr lang="zh-CN" altLang="en-US"/>
+              <a:t>包名的映射表</a:t>
+            </a:r>
+            <a:endParaRPr lang="en-US" altLang="zh-CN"/>
+          </a:p>
+          <a:p>
+            <a:endParaRPr lang="en-US" altLang="zh-CN"/>
+          </a:p>
+          <a:p>
+            <a:r>
+              <a:rPr lang="zh-CN" altLang="en-US"/>
+              <a:t>广告回调参数</a:t>
+            </a:r>
+            <a:endParaRPr lang="en-US" altLang="zh-CN"/>
+          </a:p>
+        </p:txBody>
+      </p:sp>
+    </p:spTree>
+    <p:extLst>
+      <p:ext uri="{BB962C8B-B14F-4D97-AF65-F5344CB8AC3E}">
+        <p14:creationId xmlns:p14="http://schemas.microsoft.com/office/powerpoint/2010/main" val="2628501334"/>
+      </p:ext>
+    </p:extLst>
+  </p:cSld>
+  <p:clrMapOvr>
+    <a:masterClrMapping/>
+  </p:clrMapOvr>
+</p:sld>
+</file>
+
+<file path=ppt/slides/slide55.xml><?xml version="1.0" encoding="utf-8"?>
+<p:sld xmlns:a="http://schemas.openxmlformats.org/drawingml/2006/main" xmlns:r="http://schemas.openxmlformats.org/officeDocument/2006/relationships" xmlns:p="http://schemas.openxmlformats.org/presentationml/2006/main">
+  <p:cSld>
+    <p:spTree>
+      <p:nvGrpSpPr>
+        <p:cNvPr id="1" name=""/>
+        <p:cNvGrpSpPr/>
+        <p:nvPr/>
+      </p:nvGrpSpPr>
+      <p:grpSpPr>
+        <a:xfrm>
+          <a:off x="0" y="0"/>
+          <a:ext cx="0" cy="0"/>
+          <a:chOff x="0" y="0"/>
+          <a:chExt cx="0" cy="0"/>
+        </a:xfrm>
+      </p:grpSpPr>
+      <p:sp>
+        <p:nvSpPr>
+          <p:cNvPr id="5" name="标题 4"/>
+          <p:cNvSpPr>
+            <a:spLocks noGrp="1"/>
+          </p:cNvSpPr>
+          <p:nvPr>
+            <p:ph type="title"/>
+          </p:nvPr>
+        </p:nvSpPr>
+        <p:spPr>
+          <a:xfrm>
+            <a:off x="1331640" y="273050"/>
+            <a:ext cx="6840760" cy="851694"/>
+          </a:xfrm>
+        </p:spPr>
+        <p:txBody>
+          <a:bodyPr/>
+          <a:lstStyle/>
+          <a:p>
+            <a:r>
+              <a:rPr lang="zh-CN" altLang="en-US"/>
+              <a:t>优云项目讲解</a:t>
+            </a:r>
+            <a:r>
+              <a:rPr lang="en-US" altLang="zh-CN"/>
+              <a:t>			</a:t>
+            </a:r>
+            <a:br>
+              <a:rPr lang="en-US" altLang="zh-CN"/>
+            </a:br>
+            <a:endParaRPr lang="zh-CN" altLang="en-US"/>
+          </a:p>
+        </p:txBody>
+      </p:sp>
+      <p:sp>
+        <p:nvSpPr>
+          <p:cNvPr id="8" name="文本占位符 7"/>
+          <p:cNvSpPr>
+            <a:spLocks noGrp="1"/>
+          </p:cNvSpPr>
+          <p:nvPr>
+            <p:ph type="body" sz="half" idx="2"/>
+          </p:nvPr>
+        </p:nvSpPr>
+        <p:spPr>
+          <a:xfrm>
+            <a:off x="457200" y="1435100"/>
+            <a:ext cx="7715200" cy="4691063"/>
+          </a:xfrm>
+        </p:spPr>
+        <p:txBody>
+          <a:bodyPr/>
+          <a:lstStyle/>
+          <a:p>
+            <a:endParaRPr lang="en-US" altLang="zh-CN"/>
+          </a:p>
+          <a:p>
+            <a:endParaRPr lang="en-US" altLang="zh-CN"/>
+          </a:p>
+          <a:p>
+            <a:endParaRPr lang="en-US" altLang="zh-CN"/>
+          </a:p>
+          <a:p>
+            <a:endParaRPr lang="en-US" altLang="zh-CN"/>
+          </a:p>
+          <a:p>
+            <a:pPr algn="ctr"/>
+            <a:endParaRPr lang="en-US" altLang="zh-CN"/>
+          </a:p>
+          <a:p>
+            <a:pPr algn="ctr"/>
+            <a:r>
+              <a:rPr lang="en-US" altLang="zh-CN" sz="6000"/>
+              <a:t>thanks ~!!</a:t>
+            </a:r>
+          </a:p>
+        </p:txBody>
+      </p:sp>
+    </p:spTree>
+    <p:extLst>
+      <p:ext uri="{BB962C8B-B14F-4D97-AF65-F5344CB8AC3E}">
+        <p14:creationId xmlns:p14="http://schemas.microsoft.com/office/powerpoint/2010/main" val="4231435487"/>
       </p:ext>
     </p:extLst>
   </p:cSld>

--- a/youyun/优云项目讲解内容-最终正式版.pptx
+++ b/youyun/优云项目讲解内容-最终正式版.pptx
@@ -610,7 +610,7 @@
           <a:lstStyle/>
           <a:p>
             <a:r>
-              <a:rPr lang="zh-CN" altLang="en-US" sz="1200" kern="1200" smtClean="0">
+              <a:rPr lang="zh-CN" altLang="en-US" sz="1200" kern="1200">
                 <a:solidFill>
                   <a:schemeClr val="tx1"/>
                 </a:solidFill>
@@ -621,18 +621,18 @@
               <a:t>优云项目主要分为这么几个模块</a:t>
             </a:r>
             <a:r>
-              <a:rPr lang="en-US" altLang="zh-CN" sz="1200" kern="1200" smtClean="0">
-                <a:solidFill>
-                  <a:schemeClr val="tx1"/>
-                </a:solidFill>
-                <a:latin typeface="+mn-lt"/>
-                <a:ea typeface="+mn-ea"/>
-                <a:cs typeface="+mn-cs"/>
-              </a:rPr>
-              <a:t>,</a:t>
-            </a:r>
-            <a:r>
-              <a:rPr lang="zh-CN" altLang="en-US" sz="1200" kern="1200" smtClean="0">
+              <a:rPr lang="en-US" altLang="zh-CN" sz="1200" kern="1200">
+                <a:solidFill>
+                  <a:schemeClr val="tx1"/>
+                </a:solidFill>
+                <a:latin typeface="+mn-lt"/>
+                <a:ea typeface="+mn-ea"/>
+                <a:cs typeface="+mn-cs"/>
+              </a:rPr>
+              <a:t>,</a:t>
+            </a:r>
+            <a:r>
+              <a:rPr lang="zh-CN" altLang="en-US" sz="1200" kern="1200">
                 <a:solidFill>
                   <a:schemeClr val="tx1"/>
                 </a:solidFill>
@@ -643,7 +643,7 @@
               <a:t>其中</a:t>
             </a:r>
             <a:r>
-              <a:rPr lang="en-US" altLang="zh-CN" sz="1200" kern="1200" smtClean="0">
+              <a:rPr lang="en-US" altLang="zh-CN" sz="1200" kern="1200">
                 <a:solidFill>
                   <a:schemeClr val="tx1"/>
                 </a:solidFill>
@@ -654,7 +654,7 @@
               <a:t>Android,ios</a:t>
             </a:r>
             <a:r>
-              <a:rPr lang="zh-CN" altLang="en-US" sz="1200" kern="1200" smtClean="0">
+              <a:rPr lang="zh-CN" altLang="en-US" sz="1200" kern="1200">
                 <a:solidFill>
                   <a:schemeClr val="tx1"/>
                 </a:solidFill>
@@ -665,18 +665,18 @@
               <a:t>和海外的业务类型类似</a:t>
             </a:r>
             <a:r>
-              <a:rPr lang="en-US" altLang="zh-CN" sz="1200" kern="1200" smtClean="0">
-                <a:solidFill>
-                  <a:schemeClr val="tx1"/>
-                </a:solidFill>
-                <a:latin typeface="+mn-lt"/>
-                <a:ea typeface="+mn-ea"/>
-                <a:cs typeface="+mn-cs"/>
-              </a:rPr>
-              <a:t>,</a:t>
-            </a:r>
-            <a:r>
-              <a:rPr lang="zh-CN" altLang="en-US" sz="1200" kern="1200" smtClean="0">
+              <a:rPr lang="en-US" altLang="zh-CN" sz="1200" kern="1200">
+                <a:solidFill>
+                  <a:schemeClr val="tx1"/>
+                </a:solidFill>
+                <a:latin typeface="+mn-lt"/>
+                <a:ea typeface="+mn-ea"/>
+                <a:cs typeface="+mn-cs"/>
+              </a:rPr>
+              <a:t>,</a:t>
+            </a:r>
+            <a:r>
+              <a:rPr lang="zh-CN" altLang="en-US" sz="1200" kern="1200">
                 <a:solidFill>
                   <a:schemeClr val="tx1"/>
                 </a:solidFill>
@@ -687,7 +687,7 @@
               <a:t>不过</a:t>
             </a:r>
             <a:r>
-              <a:rPr lang="en-US" altLang="zh-CN" sz="1200" kern="1200" smtClean="0">
+              <a:rPr lang="en-US" altLang="zh-CN" sz="1200" kern="1200">
                 <a:solidFill>
                   <a:schemeClr val="tx1"/>
                 </a:solidFill>
@@ -698,7 +698,7 @@
               <a:t>Android</a:t>
             </a:r>
             <a:r>
-              <a:rPr lang="zh-CN" altLang="en-US" sz="1200" kern="1200" smtClean="0">
+              <a:rPr lang="zh-CN" altLang="en-US" sz="1200" kern="1200">
                 <a:solidFill>
                   <a:schemeClr val="tx1"/>
                 </a:solidFill>
@@ -709,7 +709,7 @@
               <a:t>是最复杂的</a:t>
             </a:r>
             <a:r>
-              <a:rPr lang="en-US" altLang="zh-CN" sz="1200" kern="1200" smtClean="0">
+              <a:rPr lang="en-US" altLang="zh-CN" sz="1200" kern="1200">
                 <a:solidFill>
                   <a:schemeClr val="tx1"/>
                 </a:solidFill>
@@ -720,7 +720,7 @@
               <a:t>,ios</a:t>
             </a:r>
             <a:r>
-              <a:rPr lang="zh-CN" altLang="en-US" sz="1200" kern="1200" smtClean="0">
+              <a:rPr lang="zh-CN" altLang="en-US" sz="1200" kern="1200">
                 <a:solidFill>
                   <a:schemeClr val="tx1"/>
                 </a:solidFill>
@@ -731,18 +731,18 @@
               <a:t>业务比较简单</a:t>
             </a:r>
             <a:r>
-              <a:rPr lang="en-US" altLang="zh-CN" sz="1200" kern="1200" smtClean="0">
-                <a:solidFill>
-                  <a:schemeClr val="tx1"/>
-                </a:solidFill>
-                <a:latin typeface="+mn-lt"/>
-                <a:ea typeface="+mn-ea"/>
-                <a:cs typeface="+mn-cs"/>
-              </a:rPr>
-              <a:t>,</a:t>
-            </a:r>
-            <a:r>
-              <a:rPr lang="zh-CN" altLang="en-US" sz="1200" kern="1200" smtClean="0">
+              <a:rPr lang="en-US" altLang="zh-CN" sz="1200" kern="1200">
+                <a:solidFill>
+                  <a:schemeClr val="tx1"/>
+                </a:solidFill>
+                <a:latin typeface="+mn-lt"/>
+                <a:ea typeface="+mn-ea"/>
+                <a:cs typeface="+mn-cs"/>
+              </a:rPr>
+              <a:t>,</a:t>
+            </a:r>
+            <a:r>
+              <a:rPr lang="zh-CN" altLang="en-US" sz="1200" kern="1200">
                 <a:solidFill>
                   <a:schemeClr val="tx1"/>
                 </a:solidFill>
@@ -753,7 +753,7 @@
               <a:t>海外业务的内容也会更少一些</a:t>
             </a:r>
             <a:r>
-              <a:rPr lang="en-US" altLang="zh-CN" sz="1200" kern="1200" smtClean="0">
+              <a:rPr lang="en-US" altLang="zh-CN" sz="1200" kern="1200">
                 <a:solidFill>
                   <a:schemeClr val="tx1"/>
                 </a:solidFill>
@@ -766,7 +766,7 @@
           </a:p>
           <a:p>
             <a:r>
-              <a:rPr lang="zh-CN" altLang="en-US" sz="1200" kern="1200" smtClean="0">
+              <a:rPr lang="zh-CN" altLang="en-US" sz="1200" kern="1200">
                 <a:solidFill>
                   <a:schemeClr val="tx1"/>
                 </a:solidFill>
@@ -777,18 +777,18 @@
               <a:t>财务管理主要是后台财务数据的展示和提供一些修改功能</a:t>
             </a:r>
             <a:r>
-              <a:rPr lang="en-US" altLang="zh-CN" sz="1200" kern="1200" smtClean="0">
-                <a:solidFill>
-                  <a:schemeClr val="tx1"/>
-                </a:solidFill>
-                <a:latin typeface="+mn-lt"/>
-                <a:ea typeface="+mn-ea"/>
-                <a:cs typeface="+mn-cs"/>
-              </a:rPr>
-              <a:t>,</a:t>
-            </a:r>
-            <a:r>
-              <a:rPr lang="zh-CN" altLang="en-US" sz="1200" kern="1200" smtClean="0">
+              <a:rPr lang="en-US" altLang="zh-CN" sz="1200" kern="1200">
+                <a:solidFill>
+                  <a:schemeClr val="tx1"/>
+                </a:solidFill>
+                <a:latin typeface="+mn-lt"/>
+                <a:ea typeface="+mn-ea"/>
+                <a:cs typeface="+mn-cs"/>
+              </a:rPr>
+              <a:t>,</a:t>
+            </a:r>
+            <a:r>
+              <a:rPr lang="zh-CN" altLang="en-US" sz="1200" kern="1200">
                 <a:solidFill>
                   <a:schemeClr val="tx1"/>
                 </a:solidFill>
@@ -799,18 +799,18 @@
               <a:t>这里会使用权限控制</a:t>
             </a:r>
             <a:r>
-              <a:rPr lang="en-US" altLang="zh-CN" sz="1200" kern="1200" smtClean="0">
-                <a:solidFill>
-                  <a:schemeClr val="tx1"/>
-                </a:solidFill>
-                <a:latin typeface="+mn-lt"/>
-                <a:ea typeface="+mn-ea"/>
-                <a:cs typeface="+mn-cs"/>
-              </a:rPr>
-              <a:t>,</a:t>
-            </a:r>
-            <a:r>
-              <a:rPr lang="zh-CN" altLang="en-US" sz="1200" kern="1200" smtClean="0">
+              <a:rPr lang="en-US" altLang="zh-CN" sz="1200" kern="1200">
+                <a:solidFill>
+                  <a:schemeClr val="tx1"/>
+                </a:solidFill>
+                <a:latin typeface="+mn-lt"/>
+                <a:ea typeface="+mn-ea"/>
+                <a:cs typeface="+mn-cs"/>
+              </a:rPr>
+              <a:t>,</a:t>
+            </a:r>
+            <a:r>
+              <a:rPr lang="zh-CN" altLang="en-US" sz="1200" kern="1200">
                 <a:solidFill>
                   <a:schemeClr val="tx1"/>
                 </a:solidFill>
@@ -821,7 +821,7 @@
               <a:t>只有超级管理员可以管理所有的模块内容</a:t>
             </a:r>
             <a:r>
-              <a:rPr lang="en-US" altLang="zh-CN" sz="1200" kern="1200" smtClean="0">
+              <a:rPr lang="en-US" altLang="zh-CN" sz="1200" kern="1200">
                 <a:solidFill>
                   <a:schemeClr val="tx1"/>
                 </a:solidFill>
@@ -834,7 +834,7 @@
           </a:p>
           <a:p>
             <a:r>
-              <a:rPr lang="zh-CN" altLang="en-US" sz="1200" kern="1200" smtClean="0">
+              <a:rPr lang="zh-CN" altLang="en-US" sz="1200" kern="1200">
                 <a:solidFill>
                   <a:schemeClr val="tx1"/>
                 </a:solidFill>
@@ -845,7 +845,7 @@
               <a:t>对账部分主要是提供一个账户</a:t>
             </a:r>
             <a:r>
-              <a:rPr lang="en-US" altLang="zh-CN" sz="1200" kern="1200" smtClean="0">
+              <a:rPr lang="en-US" altLang="zh-CN" sz="1200" kern="1200">
                 <a:solidFill>
                   <a:schemeClr val="tx1"/>
                 </a:solidFill>
@@ -856,7 +856,7 @@
               <a:t>(</a:t>
             </a:r>
             <a:r>
-              <a:rPr lang="zh-CN" altLang="en-US" sz="1200" kern="1200" smtClean="0">
+              <a:rPr lang="zh-CN" altLang="en-US" sz="1200" kern="1200">
                 <a:solidFill>
                   <a:schemeClr val="tx1"/>
                 </a:solidFill>
@@ -867,7 +867,7 @@
               <a:t>也就是渠道商账号</a:t>
             </a:r>
             <a:r>
-              <a:rPr lang="en-US" altLang="zh-CN" sz="1200" kern="1200" smtClean="0">
+              <a:rPr lang="en-US" altLang="zh-CN" sz="1200" kern="1200">
                 <a:solidFill>
                   <a:schemeClr val="tx1"/>
                 </a:solidFill>
@@ -878,7 +878,7 @@
               <a:t>)</a:t>
             </a:r>
             <a:r>
-              <a:rPr lang="zh-CN" altLang="en-US" sz="1200" kern="1200" smtClean="0">
+              <a:rPr lang="zh-CN" altLang="en-US" sz="1200" kern="1200">
                 <a:solidFill>
                   <a:schemeClr val="tx1"/>
                 </a:solidFill>
@@ -889,18 +889,18 @@
               <a:t>的消费等信息</a:t>
             </a:r>
             <a:r>
-              <a:rPr lang="en-US" altLang="zh-CN" sz="1200" kern="1200" smtClean="0">
-                <a:solidFill>
-                  <a:schemeClr val="tx1"/>
-                </a:solidFill>
-                <a:latin typeface="+mn-lt"/>
-                <a:ea typeface="+mn-ea"/>
-                <a:cs typeface="+mn-cs"/>
-              </a:rPr>
-              <a:t>,</a:t>
-            </a:r>
-            <a:r>
-              <a:rPr lang="zh-CN" altLang="en-US" sz="1200" kern="1200" smtClean="0">
+              <a:rPr lang="en-US" altLang="zh-CN" sz="1200" kern="1200">
+                <a:solidFill>
+                  <a:schemeClr val="tx1"/>
+                </a:solidFill>
+                <a:latin typeface="+mn-lt"/>
+                <a:ea typeface="+mn-ea"/>
+                <a:cs typeface="+mn-cs"/>
+              </a:rPr>
+              <a:t>,</a:t>
+            </a:r>
+            <a:r>
+              <a:rPr lang="zh-CN" altLang="en-US" sz="1200" kern="1200">
                 <a:solidFill>
                   <a:schemeClr val="tx1"/>
                 </a:solidFill>
@@ -911,18 +911,18 @@
               <a:t>成本</a:t>
             </a:r>
             <a:r>
-              <a:rPr lang="en-US" altLang="zh-CN" sz="1200" kern="1200" smtClean="0">
-                <a:solidFill>
-                  <a:schemeClr val="tx1"/>
-                </a:solidFill>
-                <a:latin typeface="+mn-lt"/>
-                <a:ea typeface="+mn-ea"/>
-                <a:cs typeface="+mn-cs"/>
-              </a:rPr>
-              <a:t>,</a:t>
-            </a:r>
-            <a:r>
-              <a:rPr lang="zh-CN" altLang="en-US" sz="1200" kern="1200" smtClean="0">
+              <a:rPr lang="en-US" altLang="zh-CN" sz="1200" kern="1200">
+                <a:solidFill>
+                  <a:schemeClr val="tx1"/>
+                </a:solidFill>
+                <a:latin typeface="+mn-lt"/>
+                <a:ea typeface="+mn-ea"/>
+                <a:cs typeface="+mn-cs"/>
+              </a:rPr>
+              <a:t>,</a:t>
+            </a:r>
+            <a:r>
+              <a:rPr lang="zh-CN" altLang="en-US" sz="1200" kern="1200">
                 <a:solidFill>
                   <a:schemeClr val="tx1"/>
                 </a:solidFill>
@@ -933,7 +933,7 @@
               <a:t>结算信息等</a:t>
             </a:r>
             <a:r>
-              <a:rPr lang="en-US" altLang="zh-CN" sz="1200" kern="1200" smtClean="0">
+              <a:rPr lang="en-US" altLang="zh-CN" sz="1200" kern="1200">
                 <a:solidFill>
                   <a:schemeClr val="tx1"/>
                 </a:solidFill>
@@ -946,7 +946,7 @@
           </a:p>
           <a:p>
             <a:r>
-              <a:rPr lang="zh-CN" altLang="en-US" sz="1200" kern="1200" smtClean="0">
+              <a:rPr lang="zh-CN" altLang="en-US" sz="1200" kern="1200">
                 <a:solidFill>
                   <a:schemeClr val="tx1"/>
                 </a:solidFill>
@@ -957,18 +957,18 @@
               <a:t>杂项管理主要是网站后台的管理</a:t>
             </a:r>
             <a:r>
-              <a:rPr lang="en-US" altLang="zh-CN" sz="1200" kern="1200" smtClean="0">
-                <a:solidFill>
-                  <a:schemeClr val="tx1"/>
-                </a:solidFill>
-                <a:latin typeface="+mn-lt"/>
-                <a:ea typeface="+mn-ea"/>
-                <a:cs typeface="+mn-cs"/>
-              </a:rPr>
-              <a:t>,</a:t>
-            </a:r>
-            <a:r>
-              <a:rPr lang="zh-CN" altLang="en-US" sz="1200" kern="1200" smtClean="0">
+              <a:rPr lang="en-US" altLang="zh-CN" sz="1200" kern="1200">
+                <a:solidFill>
+                  <a:schemeClr val="tx1"/>
+                </a:solidFill>
+                <a:latin typeface="+mn-lt"/>
+                <a:ea typeface="+mn-ea"/>
+                <a:cs typeface="+mn-cs"/>
+              </a:rPr>
+              <a:t>,</a:t>
+            </a:r>
+            <a:r>
+              <a:rPr lang="zh-CN" altLang="en-US" sz="1200" kern="1200">
                 <a:solidFill>
                   <a:schemeClr val="tx1"/>
                 </a:solidFill>
@@ -979,18 +979,18 @@
               <a:t>比如修改密码</a:t>
             </a:r>
             <a:r>
-              <a:rPr lang="en-US" altLang="zh-CN" sz="1200" kern="1200" smtClean="0">
-                <a:solidFill>
-                  <a:schemeClr val="tx1"/>
-                </a:solidFill>
-                <a:latin typeface="+mn-lt"/>
-                <a:ea typeface="+mn-ea"/>
-                <a:cs typeface="+mn-cs"/>
-              </a:rPr>
-              <a:t>,</a:t>
-            </a:r>
-            <a:r>
-              <a:rPr lang="zh-CN" altLang="en-US" sz="1200" kern="1200" smtClean="0">
+              <a:rPr lang="en-US" altLang="zh-CN" sz="1200" kern="1200">
+                <a:solidFill>
+                  <a:schemeClr val="tx1"/>
+                </a:solidFill>
+                <a:latin typeface="+mn-lt"/>
+                <a:ea typeface="+mn-ea"/>
+                <a:cs typeface="+mn-cs"/>
+              </a:rPr>
+              <a:t>,</a:t>
+            </a:r>
+            <a:r>
+              <a:rPr lang="zh-CN" altLang="en-US" sz="1200" kern="1200">
                 <a:solidFill>
                   <a:schemeClr val="tx1"/>
                 </a:solidFill>
@@ -1001,7 +1001,7 @@
               <a:t>展示管理员列表等</a:t>
             </a:r>
             <a:r>
-              <a:rPr lang="en-US" altLang="zh-CN" sz="1200" kern="1200" smtClean="0">
+              <a:rPr lang="en-US" altLang="zh-CN" sz="1200" kern="1200">
                 <a:solidFill>
                   <a:schemeClr val="tx1"/>
                 </a:solidFill>
@@ -1095,7 +1095,7 @@
           <a:lstStyle/>
           <a:p>
             <a:r>
-              <a:rPr lang="en-US" altLang="zh-CN" sz="1200" kern="1200" smtClean="0">
+              <a:rPr lang="en-US" altLang="zh-CN" sz="1200" kern="1200">
                 <a:solidFill>
                   <a:schemeClr val="tx1"/>
                 </a:solidFill>
@@ -1106,7 +1106,7 @@
               <a:t>Android</a:t>
             </a:r>
             <a:r>
-              <a:rPr lang="zh-CN" altLang="en-US" sz="1200" kern="1200" smtClean="0">
+              <a:rPr lang="zh-CN" altLang="en-US" sz="1200" kern="1200">
                 <a:solidFill>
                   <a:schemeClr val="tx1"/>
                 </a:solidFill>
@@ -1117,7 +1117,7 @@
               <a:t>数据模块分为这七个部分</a:t>
             </a:r>
             <a:r>
-              <a:rPr lang="en-US" altLang="zh-CN" sz="1200" kern="1200" smtClean="0">
+              <a:rPr lang="en-US" altLang="zh-CN" sz="1200" kern="1200">
                 <a:solidFill>
                   <a:schemeClr val="tx1"/>
                 </a:solidFill>
@@ -1127,14 +1127,6 @@
               </a:rPr>
               <a:t>.</a:t>
             </a:r>
-            <a:endParaRPr lang="en-US" altLang="zh-CN" sz="1200" kern="1200">
-              <a:solidFill>
-                <a:schemeClr val="tx1"/>
-              </a:solidFill>
-              <a:latin typeface="+mn-lt"/>
-              <a:ea typeface="+mn-ea"/>
-              <a:cs typeface="+mn-cs"/>
-            </a:endParaRPr>
           </a:p>
         </p:txBody>
       </p:sp>
@@ -2356,7 +2348,7 @@
           <a:lstStyle/>
           <a:p>
             <a:r>
-              <a:rPr lang="zh-CN" altLang="en-US" sz="1200" kern="1200" smtClean="0">
+              <a:rPr lang="zh-CN" altLang="en-US" sz="1200" kern="1200">
                 <a:solidFill>
                   <a:schemeClr val="tx1"/>
                 </a:solidFill>
@@ -2367,18 +2359,18 @@
               <a:t>从上方选定时间段</a:t>
             </a:r>
             <a:r>
-              <a:rPr lang="en-US" altLang="zh-CN" sz="1200" kern="1200" smtClean="0">
-                <a:solidFill>
-                  <a:schemeClr val="tx1"/>
-                </a:solidFill>
-                <a:latin typeface="+mn-lt"/>
-                <a:ea typeface="+mn-ea"/>
-                <a:cs typeface="+mn-cs"/>
-              </a:rPr>
-              <a:t>,</a:t>
-            </a:r>
-            <a:r>
-              <a:rPr lang="zh-CN" altLang="en-US" sz="1200" kern="1200" smtClean="0">
+              <a:rPr lang="en-US" altLang="zh-CN" sz="1200" kern="1200">
+                <a:solidFill>
+                  <a:schemeClr val="tx1"/>
+                </a:solidFill>
+                <a:latin typeface="+mn-lt"/>
+                <a:ea typeface="+mn-ea"/>
+                <a:cs typeface="+mn-cs"/>
+              </a:rPr>
+              <a:t>,</a:t>
+            </a:r>
+            <a:r>
+              <a:rPr lang="zh-CN" altLang="en-US" sz="1200" kern="1200">
                 <a:solidFill>
                   <a:schemeClr val="tx1"/>
                 </a:solidFill>
@@ -2389,18 +2381,18 @@
               <a:t>输入游戏名和负责人名称等点击进行搜索</a:t>
             </a:r>
             <a:r>
-              <a:rPr lang="en-US" altLang="zh-CN" sz="1200" kern="1200" smtClean="0">
-                <a:solidFill>
-                  <a:schemeClr val="tx1"/>
-                </a:solidFill>
-                <a:latin typeface="+mn-lt"/>
-                <a:ea typeface="+mn-ea"/>
-                <a:cs typeface="+mn-cs"/>
-              </a:rPr>
-              <a:t>,</a:t>
-            </a:r>
-            <a:r>
-              <a:rPr lang="zh-CN" altLang="en-US" sz="1200" kern="1200" smtClean="0">
+              <a:rPr lang="en-US" altLang="zh-CN" sz="1200" kern="1200">
+                <a:solidFill>
+                  <a:schemeClr val="tx1"/>
+                </a:solidFill>
+                <a:latin typeface="+mn-lt"/>
+                <a:ea typeface="+mn-ea"/>
+                <a:cs typeface="+mn-cs"/>
+              </a:rPr>
+              <a:t>,</a:t>
+            </a:r>
+            <a:r>
+              <a:rPr lang="zh-CN" altLang="en-US" sz="1200" kern="1200">
                 <a:solidFill>
                   <a:schemeClr val="tx1"/>
                 </a:solidFill>
@@ -2411,18 +2403,18 @@
               <a:t>也可以点击下方的渠道名称</a:t>
             </a:r>
             <a:r>
-              <a:rPr lang="en-US" altLang="zh-CN" sz="1200" kern="1200" smtClean="0">
-                <a:solidFill>
-                  <a:schemeClr val="tx1"/>
-                </a:solidFill>
-                <a:latin typeface="+mn-lt"/>
-                <a:ea typeface="+mn-ea"/>
-                <a:cs typeface="+mn-cs"/>
-              </a:rPr>
-              <a:t>,</a:t>
-            </a:r>
-            <a:r>
-              <a:rPr lang="zh-CN" altLang="en-US" sz="1200" kern="1200" smtClean="0">
+              <a:rPr lang="en-US" altLang="zh-CN" sz="1200" kern="1200">
+                <a:solidFill>
+                  <a:schemeClr val="tx1"/>
+                </a:solidFill>
+                <a:latin typeface="+mn-lt"/>
+                <a:ea typeface="+mn-ea"/>
+                <a:cs typeface="+mn-cs"/>
+              </a:rPr>
+              <a:t>,</a:t>
+            </a:r>
+            <a:r>
+              <a:rPr lang="zh-CN" altLang="en-US" sz="1200" kern="1200">
                 <a:solidFill>
                   <a:schemeClr val="tx1"/>
                 </a:solidFill>
@@ -2433,7 +2425,7 @@
               <a:t>渠道</a:t>
             </a:r>
             <a:r>
-              <a:rPr lang="en-US" altLang="zh-CN" sz="1200" kern="1200" smtClean="0">
+              <a:rPr lang="en-US" altLang="zh-CN" sz="1200" kern="1200">
                 <a:solidFill>
                   <a:schemeClr val="tx1"/>
                 </a:solidFill>
@@ -2444,7 +2436,7 @@
               <a:t>id</a:t>
             </a:r>
             <a:r>
-              <a:rPr lang="zh-CN" altLang="en-US" sz="1200" kern="1200" smtClean="0">
+              <a:rPr lang="zh-CN" altLang="en-US" sz="1200" kern="1200">
                 <a:solidFill>
                   <a:schemeClr val="tx1"/>
                 </a:solidFill>
@@ -2455,20 +2447,20 @@
               <a:t>或者渠道商用户名来进行搜索</a:t>
             </a:r>
             <a:r>
-              <a:rPr lang="en-US" altLang="zh-CN" sz="1200" kern="1200" smtClean="0">
-                <a:solidFill>
-                  <a:schemeClr val="tx1"/>
-                </a:solidFill>
-                <a:latin typeface="+mn-lt"/>
-                <a:ea typeface="+mn-ea"/>
-                <a:cs typeface="+mn-cs"/>
-              </a:rPr>
-              <a:t>,</a:t>
-            </a:r>
-          </a:p>
-          <a:p>
-            <a:r>
-              <a:rPr lang="zh-CN" altLang="en-US" sz="1200" kern="1200" smtClean="0">
+              <a:rPr lang="en-US" altLang="zh-CN" sz="1200" kern="1200">
+                <a:solidFill>
+                  <a:schemeClr val="tx1"/>
+                </a:solidFill>
+                <a:latin typeface="+mn-lt"/>
+                <a:ea typeface="+mn-ea"/>
+                <a:cs typeface="+mn-cs"/>
+              </a:rPr>
+              <a:t>,</a:t>
+            </a:r>
+          </a:p>
+          <a:p>
+            <a:r>
+              <a:rPr lang="zh-CN" altLang="en-US" sz="1200" kern="1200">
                 <a:solidFill>
                   <a:schemeClr val="tx1"/>
                 </a:solidFill>
@@ -2479,18 +2471,18 @@
               <a:t>搜索的维度提供的比较多</a:t>
             </a:r>
             <a:r>
-              <a:rPr lang="en-US" altLang="zh-CN" sz="1200" kern="1200" smtClean="0">
-                <a:solidFill>
-                  <a:schemeClr val="tx1"/>
-                </a:solidFill>
-                <a:latin typeface="+mn-lt"/>
-                <a:ea typeface="+mn-ea"/>
-                <a:cs typeface="+mn-cs"/>
-              </a:rPr>
-              <a:t>,</a:t>
-            </a:r>
-            <a:r>
-              <a:rPr lang="zh-CN" altLang="en-US" sz="1200" kern="1200" smtClean="0">
+              <a:rPr lang="en-US" altLang="zh-CN" sz="1200" kern="1200">
+                <a:solidFill>
+                  <a:schemeClr val="tx1"/>
+                </a:solidFill>
+                <a:latin typeface="+mn-lt"/>
+                <a:ea typeface="+mn-ea"/>
+                <a:cs typeface="+mn-cs"/>
+              </a:rPr>
+              <a:t>,</a:t>
+            </a:r>
+            <a:r>
+              <a:rPr lang="zh-CN" altLang="en-US" sz="1200" kern="1200">
                 <a:solidFill>
                   <a:schemeClr val="tx1"/>
                 </a:solidFill>
@@ -2501,7 +2493,7 @@
               <a:t>但都是以查询渠道数据为目的</a:t>
             </a:r>
             <a:r>
-              <a:rPr lang="en-US" altLang="zh-CN" sz="1200" kern="1200" smtClean="0">
+              <a:rPr lang="en-US" altLang="zh-CN" sz="1200" kern="1200">
                 <a:solidFill>
                   <a:schemeClr val="tx1"/>
                 </a:solidFill>
@@ -2514,7 +2506,7 @@
           </a:p>
           <a:p>
             <a:r>
-              <a:rPr lang="zh-CN" altLang="en-US" sz="1200" kern="1200" smtClean="0">
+              <a:rPr lang="zh-CN" altLang="en-US" sz="1200" kern="1200">
                 <a:solidFill>
                   <a:schemeClr val="tx1"/>
                 </a:solidFill>
@@ -2525,18 +2517,18 @@
               <a:t>最后搜索以后能得到一个以渠道为维度进行展示的数据信息</a:t>
             </a:r>
             <a:r>
-              <a:rPr lang="en-US" altLang="zh-CN" sz="1200" kern="1200" smtClean="0">
-                <a:solidFill>
-                  <a:schemeClr val="tx1"/>
-                </a:solidFill>
-                <a:latin typeface="+mn-lt"/>
-                <a:ea typeface="+mn-ea"/>
-                <a:cs typeface="+mn-cs"/>
-              </a:rPr>
-              <a:t>,</a:t>
-            </a:r>
-            <a:r>
-              <a:rPr lang="zh-CN" altLang="en-US" sz="1200" kern="1200" smtClean="0">
+              <a:rPr lang="en-US" altLang="zh-CN" sz="1200" kern="1200">
+                <a:solidFill>
+                  <a:schemeClr val="tx1"/>
+                </a:solidFill>
+                <a:latin typeface="+mn-lt"/>
+                <a:ea typeface="+mn-ea"/>
+                <a:cs typeface="+mn-cs"/>
+              </a:rPr>
+              <a:t>,</a:t>
+            </a:r>
+            <a:r>
+              <a:rPr lang="zh-CN" altLang="en-US" sz="1200" kern="1200">
                 <a:solidFill>
                   <a:schemeClr val="tx1"/>
                 </a:solidFill>
@@ -2547,18 +2539,18 @@
               <a:t>包括了用户</a:t>
             </a:r>
             <a:r>
-              <a:rPr lang="en-US" altLang="zh-CN" sz="1200" kern="1200" smtClean="0">
-                <a:solidFill>
-                  <a:schemeClr val="tx1"/>
-                </a:solidFill>
-                <a:latin typeface="+mn-lt"/>
-                <a:ea typeface="+mn-ea"/>
-                <a:cs typeface="+mn-cs"/>
-              </a:rPr>
-              <a:t>,</a:t>
-            </a:r>
-            <a:r>
-              <a:rPr lang="zh-CN" altLang="en-US" sz="1200" kern="1200" smtClean="0">
+              <a:rPr lang="en-US" altLang="zh-CN" sz="1200" kern="1200">
+                <a:solidFill>
+                  <a:schemeClr val="tx1"/>
+                </a:solidFill>
+                <a:latin typeface="+mn-lt"/>
+                <a:ea typeface="+mn-ea"/>
+                <a:cs typeface="+mn-cs"/>
+              </a:rPr>
+              <a:t>,</a:t>
+            </a:r>
+            <a:r>
+              <a:rPr lang="zh-CN" altLang="en-US" sz="1200" kern="1200">
                 <a:solidFill>
                   <a:schemeClr val="tx1"/>
                 </a:solidFill>
@@ -2569,7 +2561,7 @@
               <a:t>投产效果和累计投产效果等信息</a:t>
             </a:r>
             <a:r>
-              <a:rPr lang="en-US" altLang="zh-CN" sz="1200" kern="1200" smtClean="0">
+              <a:rPr lang="en-US" altLang="zh-CN" sz="1200" kern="1200">
                 <a:solidFill>
                   <a:schemeClr val="tx1"/>
                 </a:solidFill>
@@ -2580,7 +2572,7 @@
               <a:t>.</a:t>
             </a:r>
             <a:r>
-              <a:rPr lang="zh-CN" altLang="en-US" sz="1200" kern="1200" smtClean="0">
+              <a:rPr lang="zh-CN" altLang="en-US" sz="1200" kern="1200">
                 <a:solidFill>
                   <a:schemeClr val="tx1"/>
                 </a:solidFill>
@@ -2591,18 +2583,18 @@
               <a:t>用户信息包括注册</a:t>
             </a:r>
             <a:r>
-              <a:rPr lang="en-US" altLang="zh-CN" sz="1200" kern="1200" smtClean="0">
-                <a:solidFill>
-                  <a:schemeClr val="tx1"/>
-                </a:solidFill>
-                <a:latin typeface="+mn-lt"/>
-                <a:ea typeface="+mn-ea"/>
-                <a:cs typeface="+mn-cs"/>
-              </a:rPr>
-              <a:t>,</a:t>
-            </a:r>
-            <a:r>
-              <a:rPr lang="zh-CN" altLang="en-US" sz="1200" kern="1200" smtClean="0">
+              <a:rPr lang="en-US" altLang="zh-CN" sz="1200" kern="1200">
+                <a:solidFill>
+                  <a:schemeClr val="tx1"/>
+                </a:solidFill>
+                <a:latin typeface="+mn-lt"/>
+                <a:ea typeface="+mn-ea"/>
+                <a:cs typeface="+mn-cs"/>
+              </a:rPr>
+              <a:t>,</a:t>
+            </a:r>
+            <a:r>
+              <a:rPr lang="zh-CN" altLang="en-US" sz="1200" kern="1200">
                 <a:solidFill>
                   <a:schemeClr val="tx1"/>
                 </a:solidFill>
@@ -2613,18 +2605,18 @@
               <a:t>单价</a:t>
             </a:r>
             <a:r>
-              <a:rPr lang="en-US" altLang="zh-CN" sz="1200" kern="1200" smtClean="0">
-                <a:solidFill>
-                  <a:schemeClr val="tx1"/>
-                </a:solidFill>
-                <a:latin typeface="+mn-lt"/>
-                <a:ea typeface="+mn-ea"/>
-                <a:cs typeface="+mn-cs"/>
-              </a:rPr>
-              <a:t>,</a:t>
-            </a:r>
-            <a:r>
-              <a:rPr lang="zh-CN" altLang="en-US" sz="1200" kern="1200" smtClean="0">
+              <a:rPr lang="en-US" altLang="zh-CN" sz="1200" kern="1200">
+                <a:solidFill>
+                  <a:schemeClr val="tx1"/>
+                </a:solidFill>
+                <a:latin typeface="+mn-lt"/>
+                <a:ea typeface="+mn-ea"/>
+                <a:cs typeface="+mn-cs"/>
+              </a:rPr>
+              <a:t>,</a:t>
+            </a:r>
+            <a:r>
+              <a:rPr lang="zh-CN" altLang="en-US" sz="1200" kern="1200">
                 <a:solidFill>
                   <a:schemeClr val="tx1"/>
                 </a:solidFill>
@@ -2635,18 +2627,18 @@
               <a:t>次留等</a:t>
             </a:r>
             <a:r>
-              <a:rPr lang="en-US" altLang="zh-CN" sz="1200" kern="1200" smtClean="0">
-                <a:solidFill>
-                  <a:schemeClr val="tx1"/>
-                </a:solidFill>
-                <a:latin typeface="+mn-lt"/>
-                <a:ea typeface="+mn-ea"/>
-                <a:cs typeface="+mn-cs"/>
-              </a:rPr>
-              <a:t>,</a:t>
-            </a:r>
-            <a:r>
-              <a:rPr lang="zh-CN" altLang="en-US" sz="1200" kern="1200" smtClean="0">
+              <a:rPr lang="en-US" altLang="zh-CN" sz="1200" kern="1200">
+                <a:solidFill>
+                  <a:schemeClr val="tx1"/>
+                </a:solidFill>
+                <a:latin typeface="+mn-lt"/>
+                <a:ea typeface="+mn-ea"/>
+                <a:cs typeface="+mn-cs"/>
+              </a:rPr>
+              <a:t>,</a:t>
+            </a:r>
+            <a:r>
+              <a:rPr lang="zh-CN" altLang="en-US" sz="1200" kern="1200">
                 <a:solidFill>
                   <a:schemeClr val="tx1"/>
                 </a:solidFill>
@@ -2657,18 +2649,18 @@
               <a:t>投产效果包括充值金额</a:t>
             </a:r>
             <a:r>
-              <a:rPr lang="en-US" altLang="zh-CN" sz="1200" kern="1200" smtClean="0">
-                <a:solidFill>
-                  <a:schemeClr val="tx1"/>
-                </a:solidFill>
-                <a:latin typeface="+mn-lt"/>
-                <a:ea typeface="+mn-ea"/>
-                <a:cs typeface="+mn-cs"/>
-              </a:rPr>
-              <a:t>,</a:t>
-            </a:r>
-            <a:r>
-              <a:rPr lang="zh-CN" altLang="en-US" sz="1200" kern="1200" smtClean="0">
+              <a:rPr lang="en-US" altLang="zh-CN" sz="1200" kern="1200">
+                <a:solidFill>
+                  <a:schemeClr val="tx1"/>
+                </a:solidFill>
+                <a:latin typeface="+mn-lt"/>
+                <a:ea typeface="+mn-ea"/>
+                <a:cs typeface="+mn-cs"/>
+              </a:rPr>
+              <a:t>,</a:t>
+            </a:r>
+            <a:r>
+              <a:rPr lang="zh-CN" altLang="en-US" sz="1200" kern="1200">
                 <a:solidFill>
                   <a:schemeClr val="tx1"/>
                 </a:solidFill>
@@ -2679,18 +2671,18 @@
               <a:t>分成</a:t>
             </a:r>
             <a:r>
-              <a:rPr lang="en-US" altLang="zh-CN" sz="1200" kern="1200" smtClean="0">
-                <a:solidFill>
-                  <a:schemeClr val="tx1"/>
-                </a:solidFill>
-                <a:latin typeface="+mn-lt"/>
-                <a:ea typeface="+mn-ea"/>
-                <a:cs typeface="+mn-cs"/>
-              </a:rPr>
-              <a:t>,</a:t>
-            </a:r>
-            <a:r>
-              <a:rPr lang="zh-CN" altLang="en-US" sz="1200" kern="1200" smtClean="0">
+              <a:rPr lang="en-US" altLang="zh-CN" sz="1200" kern="1200">
+                <a:solidFill>
+                  <a:schemeClr val="tx1"/>
+                </a:solidFill>
+                <a:latin typeface="+mn-lt"/>
+                <a:ea typeface="+mn-ea"/>
+                <a:cs typeface="+mn-cs"/>
+              </a:rPr>
+              <a:t>,</a:t>
+            </a:r>
+            <a:r>
+              <a:rPr lang="zh-CN" altLang="en-US" sz="1200" kern="1200">
                 <a:solidFill>
                   <a:schemeClr val="tx1"/>
                 </a:solidFill>
@@ -2701,7 +2693,7 @@
               <a:t>回本等信息</a:t>
             </a:r>
             <a:r>
-              <a:rPr lang="en-US" altLang="zh-CN" sz="1200" kern="1200" smtClean="0">
+              <a:rPr lang="en-US" altLang="zh-CN" sz="1200" kern="1200">
                 <a:solidFill>
                   <a:schemeClr val="tx1"/>
                 </a:solidFill>
@@ -2711,6 +2703,3483 @@
               </a:rPr>
               <a:t>.</a:t>
             </a:r>
+          </a:p>
+          <a:p>
+            <a:r>
+              <a:rPr lang="en-US" altLang="zh-CN" sz="1200" kern="1200">
+                <a:solidFill>
+                  <a:schemeClr val="tx1"/>
+                </a:solidFill>
+                <a:latin typeface="+mn-lt"/>
+                <a:ea typeface="+mn-ea"/>
+                <a:cs typeface="+mn-cs"/>
+              </a:rPr>
+              <a:t>//</a:t>
+            </a:r>
+            <a:r>
+              <a:rPr lang="zh-CN" altLang="en-US" sz="1200" kern="1200">
+                <a:solidFill>
+                  <a:schemeClr val="tx1"/>
+                </a:solidFill>
+                <a:latin typeface="+mn-lt"/>
+                <a:ea typeface="+mn-ea"/>
+                <a:cs typeface="+mn-cs"/>
+              </a:rPr>
+              <a:t>修改后</a:t>
+            </a:r>
+            <a:endParaRPr lang="en-US" altLang="zh-CN" sz="1200" kern="1200">
+              <a:solidFill>
+                <a:schemeClr val="tx1"/>
+              </a:solidFill>
+              <a:latin typeface="+mn-lt"/>
+              <a:ea typeface="+mn-ea"/>
+              <a:cs typeface="+mn-cs"/>
+            </a:endParaRPr>
+          </a:p>
+          <a:p>
+            <a:r>
+              <a:rPr lang="zh-CN" altLang="en-US" sz="1200" kern="1200">
+                <a:solidFill>
+                  <a:schemeClr val="tx1"/>
+                </a:solidFill>
+                <a:latin typeface="+mn-lt"/>
+                <a:ea typeface="+mn-ea"/>
+                <a:cs typeface="+mn-cs"/>
+              </a:rPr>
+              <a:t>最上方的搜索条件</a:t>
+            </a:r>
+            <a:r>
+              <a:rPr lang="en-US" altLang="zh-CN" sz="1200" kern="1200">
+                <a:solidFill>
+                  <a:schemeClr val="tx1"/>
+                </a:solidFill>
+                <a:latin typeface="+mn-lt"/>
+                <a:ea typeface="+mn-ea"/>
+                <a:cs typeface="+mn-cs"/>
+              </a:rPr>
+              <a:t>:</a:t>
+            </a:r>
+          </a:p>
+          <a:p>
+            <a:r>
+              <a:rPr lang="zh-CN" altLang="en-US" sz="1200" kern="1200">
+                <a:solidFill>
+                  <a:schemeClr val="tx1"/>
+                </a:solidFill>
+                <a:latin typeface="+mn-lt"/>
+                <a:ea typeface="+mn-ea"/>
+                <a:cs typeface="+mn-cs"/>
+              </a:rPr>
+              <a:t>游戏</a:t>
+            </a:r>
+            <a:r>
+              <a:rPr lang="en-US" altLang="zh-CN" sz="1200" kern="1200">
+                <a:solidFill>
+                  <a:schemeClr val="tx1"/>
+                </a:solidFill>
+                <a:latin typeface="+mn-lt"/>
+                <a:ea typeface="+mn-ea"/>
+                <a:cs typeface="+mn-cs"/>
+              </a:rPr>
+              <a:t>:</a:t>
+            </a:r>
+            <a:r>
+              <a:rPr lang="zh-CN" altLang="en-US" sz="1200" kern="1200">
+                <a:solidFill>
+                  <a:schemeClr val="tx1"/>
+                </a:solidFill>
+                <a:latin typeface="+mn-lt"/>
+                <a:ea typeface="+mn-ea"/>
+                <a:cs typeface="+mn-cs"/>
+              </a:rPr>
+              <a:t>来源于</a:t>
+            </a:r>
+            <a:r>
+              <a:rPr lang="en-US" altLang="zh-CN" sz="1200" kern="1200">
+                <a:solidFill>
+                  <a:schemeClr val="tx1"/>
+                </a:solidFill>
+                <a:latin typeface="+mn-lt"/>
+                <a:ea typeface="+mn-ea"/>
+                <a:cs typeface="+mn-cs"/>
+              </a:rPr>
+              <a:t>think_game</a:t>
+            </a:r>
+            <a:r>
+              <a:rPr lang="zh-CN" altLang="en-US" sz="1200" kern="1200">
+                <a:solidFill>
+                  <a:schemeClr val="tx1"/>
+                </a:solidFill>
+                <a:latin typeface="+mn-lt"/>
+                <a:ea typeface="+mn-ea"/>
+                <a:cs typeface="+mn-cs"/>
+              </a:rPr>
+              <a:t>表 查询游戏原名和游戏名</a:t>
+            </a:r>
+            <a:r>
+              <a:rPr lang="en-US" altLang="zh-CN" sz="1200" kern="1200">
+                <a:solidFill>
+                  <a:schemeClr val="tx1"/>
+                </a:solidFill>
+                <a:latin typeface="+mn-lt"/>
+                <a:ea typeface="+mn-ea"/>
+                <a:cs typeface="+mn-cs"/>
+              </a:rPr>
+              <a:t>,</a:t>
+            </a:r>
+            <a:r>
+              <a:rPr lang="zh-CN" altLang="en-US" sz="1200" kern="1200">
+                <a:solidFill>
+                  <a:schemeClr val="tx1"/>
+                </a:solidFill>
+                <a:latin typeface="+mn-lt"/>
+                <a:ea typeface="+mn-ea"/>
+                <a:cs typeface="+mn-cs"/>
+              </a:rPr>
+              <a:t>以原名</a:t>
+            </a:r>
+            <a:r>
+              <a:rPr lang="en-US" altLang="zh-CN" sz="1200" kern="1200">
+                <a:solidFill>
+                  <a:schemeClr val="tx1"/>
+                </a:solidFill>
+                <a:latin typeface="+mn-lt"/>
+                <a:ea typeface="+mn-ea"/>
+                <a:cs typeface="+mn-cs"/>
+              </a:rPr>
+              <a:t>=&gt;</a:t>
+            </a:r>
+            <a:r>
+              <a:rPr lang="zh-CN" altLang="en-US" sz="1200" kern="1200">
+                <a:solidFill>
+                  <a:schemeClr val="tx1"/>
+                </a:solidFill>
+                <a:latin typeface="+mn-lt"/>
+                <a:ea typeface="+mn-ea"/>
+                <a:cs typeface="+mn-cs"/>
+              </a:rPr>
+              <a:t>游戏名作为展示</a:t>
+            </a:r>
+            <a:endParaRPr lang="en-US" altLang="zh-CN" sz="1200" kern="1200">
+              <a:solidFill>
+                <a:schemeClr val="tx1"/>
+              </a:solidFill>
+              <a:latin typeface="+mn-lt"/>
+              <a:ea typeface="+mn-ea"/>
+              <a:cs typeface="+mn-cs"/>
+            </a:endParaRPr>
+          </a:p>
+          <a:p>
+            <a:r>
+              <a:rPr lang="zh-CN" altLang="en-US" sz="1200" kern="1200">
+                <a:solidFill>
+                  <a:schemeClr val="tx1"/>
+                </a:solidFill>
+                <a:latin typeface="+mn-lt"/>
+                <a:ea typeface="+mn-ea"/>
+                <a:cs typeface="+mn-cs"/>
+              </a:rPr>
+              <a:t>负责人</a:t>
+            </a:r>
+            <a:r>
+              <a:rPr lang="en-US" altLang="zh-CN" sz="1200" kern="1200">
+                <a:solidFill>
+                  <a:schemeClr val="tx1"/>
+                </a:solidFill>
+                <a:latin typeface="+mn-lt"/>
+                <a:ea typeface="+mn-ea"/>
+                <a:cs typeface="+mn-cs"/>
+              </a:rPr>
+              <a:t>:</a:t>
+            </a:r>
+            <a:r>
+              <a:rPr lang="zh-CN" altLang="en-US" sz="1200" kern="1200">
+                <a:solidFill>
+                  <a:schemeClr val="tx1"/>
+                </a:solidFill>
+                <a:latin typeface="+mn-lt"/>
+                <a:ea typeface="+mn-ea"/>
+                <a:cs typeface="+mn-cs"/>
+              </a:rPr>
+              <a:t>通过</a:t>
+            </a:r>
+            <a:r>
+              <a:rPr lang="en-US" altLang="zh-CN" sz="1200" kern="1200">
+                <a:solidFill>
+                  <a:schemeClr val="tx1"/>
+                </a:solidFill>
+                <a:latin typeface="+mn-lt"/>
+                <a:ea typeface="+mn-ea"/>
+                <a:cs typeface="+mn-cs"/>
+              </a:rPr>
+              <a:t>think_admin</a:t>
+            </a:r>
+            <a:r>
+              <a:rPr lang="zh-CN" altLang="en-US" sz="1200" kern="1200">
+                <a:solidFill>
+                  <a:schemeClr val="tx1"/>
+                </a:solidFill>
+                <a:latin typeface="+mn-lt"/>
+                <a:ea typeface="+mn-ea"/>
+                <a:cs typeface="+mn-cs"/>
+              </a:rPr>
+              <a:t>表查询出仍在职的管理员列表来遍历展示</a:t>
+            </a:r>
+            <a:endParaRPr lang="en-US" altLang="zh-CN" sz="1200" kern="1200">
+              <a:solidFill>
+                <a:schemeClr val="tx1"/>
+              </a:solidFill>
+              <a:latin typeface="+mn-lt"/>
+              <a:ea typeface="+mn-ea"/>
+              <a:cs typeface="+mn-cs"/>
+            </a:endParaRPr>
+          </a:p>
+          <a:p>
+            <a:r>
+              <a:rPr lang="zh-CN" altLang="en-US" sz="1200" kern="1200">
+                <a:solidFill>
+                  <a:schemeClr val="tx1"/>
+                </a:solidFill>
+                <a:latin typeface="+mn-lt"/>
+                <a:ea typeface="+mn-ea"/>
+                <a:cs typeface="+mn-cs"/>
+              </a:rPr>
+              <a:t>业务类型</a:t>
+            </a:r>
+            <a:r>
+              <a:rPr lang="en-US" altLang="zh-CN" sz="1200" kern="1200">
+                <a:solidFill>
+                  <a:schemeClr val="tx1"/>
+                </a:solidFill>
+                <a:latin typeface="+mn-lt"/>
+                <a:ea typeface="+mn-ea"/>
+                <a:cs typeface="+mn-cs"/>
+              </a:rPr>
+              <a:t>:</a:t>
+            </a:r>
+            <a:r>
+              <a:rPr lang="zh-CN" altLang="en-US" sz="1200" kern="1200">
+                <a:solidFill>
+                  <a:schemeClr val="tx1"/>
+                </a:solidFill>
+                <a:latin typeface="+mn-lt"/>
+                <a:ea typeface="+mn-ea"/>
+                <a:cs typeface="+mn-cs"/>
+              </a:rPr>
+              <a:t>查询</a:t>
+            </a:r>
+            <a:r>
+              <a:rPr lang="en-US" altLang="zh-CN"/>
+              <a:t>register_type</a:t>
+            </a:r>
+            <a:r>
+              <a:rPr lang="zh-CN" altLang="en-US"/>
+              <a:t>表获取</a:t>
+            </a:r>
+            <a:r>
+              <a:rPr lang="en-US" altLang="zh-CN"/>
+              <a:t>name</a:t>
+            </a:r>
+            <a:r>
+              <a:rPr lang="zh-CN" altLang="en-US"/>
+              <a:t>字段信息遍历显示</a:t>
+            </a:r>
+            <a:endParaRPr lang="en-US" altLang="zh-CN"/>
+          </a:p>
+          <a:p>
+            <a:r>
+              <a:rPr lang="zh-CN" altLang="en-US" sz="1200" kern="1200">
+                <a:solidFill>
+                  <a:schemeClr val="tx1"/>
+                </a:solidFill>
+                <a:latin typeface="+mn-lt"/>
+                <a:ea typeface="+mn-ea"/>
+                <a:cs typeface="+mn-cs"/>
+              </a:rPr>
+              <a:t>公司</a:t>
+            </a:r>
+            <a:r>
+              <a:rPr lang="en-US" altLang="zh-CN" sz="1200" kern="1200">
+                <a:solidFill>
+                  <a:schemeClr val="tx1"/>
+                </a:solidFill>
+                <a:latin typeface="+mn-lt"/>
+                <a:ea typeface="+mn-ea"/>
+                <a:cs typeface="+mn-cs"/>
+              </a:rPr>
+              <a:t>:companys_config.php</a:t>
+            </a:r>
+            <a:r>
+              <a:rPr lang="zh-CN" altLang="en-US" sz="1200" kern="1200">
+                <a:solidFill>
+                  <a:schemeClr val="tx1"/>
+                </a:solidFill>
+                <a:latin typeface="+mn-lt"/>
+                <a:ea typeface="+mn-ea"/>
+                <a:cs typeface="+mn-cs"/>
+              </a:rPr>
+              <a:t>文件中配置内容</a:t>
+            </a:r>
+            <a:r>
+              <a:rPr lang="en-US" altLang="zh-CN" sz="1200" kern="1200">
+                <a:solidFill>
+                  <a:schemeClr val="tx1"/>
+                </a:solidFill>
+                <a:latin typeface="+mn-lt"/>
+                <a:ea typeface="+mn-ea"/>
+                <a:cs typeface="+mn-cs"/>
+              </a:rPr>
+              <a:t>,</a:t>
+            </a:r>
+            <a:r>
+              <a:rPr lang="zh-CN" altLang="en-US" sz="1200" kern="1200">
+                <a:solidFill>
+                  <a:schemeClr val="tx1"/>
+                </a:solidFill>
+                <a:latin typeface="+mn-lt"/>
+                <a:ea typeface="+mn-ea"/>
+                <a:cs typeface="+mn-cs"/>
+              </a:rPr>
+              <a:t>有大蓝</a:t>
+            </a:r>
+            <a:r>
+              <a:rPr lang="en-US" altLang="zh-CN" sz="1200" kern="1200">
+                <a:solidFill>
+                  <a:schemeClr val="tx1"/>
+                </a:solidFill>
+                <a:latin typeface="+mn-lt"/>
+                <a:ea typeface="+mn-ea"/>
+                <a:cs typeface="+mn-cs"/>
+              </a:rPr>
+              <a:t>,</a:t>
+            </a:r>
+            <a:r>
+              <a:rPr lang="zh-CN" altLang="en-US" sz="1200" kern="1200">
+                <a:solidFill>
+                  <a:schemeClr val="tx1"/>
+                </a:solidFill>
+                <a:latin typeface="+mn-lt"/>
+                <a:ea typeface="+mn-ea"/>
+                <a:cs typeface="+mn-cs"/>
+              </a:rPr>
+              <a:t>君海</a:t>
+            </a:r>
+            <a:r>
+              <a:rPr lang="en-US" altLang="zh-CN" sz="1200" kern="1200">
+                <a:solidFill>
+                  <a:schemeClr val="tx1"/>
+                </a:solidFill>
+                <a:latin typeface="+mn-lt"/>
+                <a:ea typeface="+mn-ea"/>
+                <a:cs typeface="+mn-cs"/>
+              </a:rPr>
+              <a:t>,</a:t>
+            </a:r>
+            <a:r>
+              <a:rPr lang="zh-CN" altLang="en-US" sz="1200" kern="1200">
+                <a:solidFill>
+                  <a:schemeClr val="tx1"/>
+                </a:solidFill>
+                <a:latin typeface="+mn-lt"/>
+                <a:ea typeface="+mn-ea"/>
+                <a:cs typeface="+mn-cs"/>
+              </a:rPr>
+              <a:t>冰鸟</a:t>
+            </a:r>
+            <a:r>
+              <a:rPr lang="en-US" altLang="zh-CN" sz="1200" kern="1200">
+                <a:solidFill>
+                  <a:schemeClr val="tx1"/>
+                </a:solidFill>
+                <a:latin typeface="+mn-lt"/>
+                <a:ea typeface="+mn-ea"/>
+                <a:cs typeface="+mn-cs"/>
+              </a:rPr>
+              <a:t>,</a:t>
+            </a:r>
+            <a:r>
+              <a:rPr lang="zh-CN" altLang="en-US" sz="1200" kern="1200">
+                <a:solidFill>
+                  <a:schemeClr val="tx1"/>
+                </a:solidFill>
+                <a:latin typeface="+mn-lt"/>
+                <a:ea typeface="+mn-ea"/>
+                <a:cs typeface="+mn-cs"/>
+              </a:rPr>
+              <a:t>英兰</a:t>
+            </a:r>
+            <a:endParaRPr lang="en-US" altLang="zh-CN" sz="1200" kern="1200">
+              <a:solidFill>
+                <a:schemeClr val="tx1"/>
+              </a:solidFill>
+              <a:latin typeface="+mn-lt"/>
+              <a:ea typeface="+mn-ea"/>
+              <a:cs typeface="+mn-cs"/>
+            </a:endParaRPr>
+          </a:p>
+          <a:p>
+            <a:r>
+              <a:rPr lang="zh-CN" altLang="en-US" sz="1200" kern="1200">
+                <a:solidFill>
+                  <a:schemeClr val="tx1"/>
+                </a:solidFill>
+                <a:latin typeface="+mn-lt"/>
+                <a:ea typeface="+mn-ea"/>
+                <a:cs typeface="+mn-cs"/>
+              </a:rPr>
+              <a:t>操作</a:t>
+            </a:r>
+            <a:r>
+              <a:rPr lang="en-US" altLang="zh-CN" sz="1200" kern="1200">
+                <a:solidFill>
+                  <a:schemeClr val="tx1"/>
+                </a:solidFill>
+                <a:latin typeface="+mn-lt"/>
+                <a:ea typeface="+mn-ea"/>
+                <a:cs typeface="+mn-cs"/>
+              </a:rPr>
+              <a:t>:</a:t>
+            </a:r>
+          </a:p>
+          <a:p>
+            <a:r>
+              <a:rPr lang="zh-CN" altLang="en-US" sz="1200" kern="1200">
+                <a:solidFill>
+                  <a:schemeClr val="tx1"/>
+                </a:solidFill>
+                <a:latin typeface="+mn-lt"/>
+                <a:ea typeface="+mn-ea"/>
+                <a:cs typeface="+mn-cs"/>
+              </a:rPr>
+              <a:t>选择时间段和游戏名称</a:t>
+            </a:r>
+            <a:r>
+              <a:rPr lang="en-US" altLang="zh-CN" sz="1200" kern="1200">
+                <a:solidFill>
+                  <a:schemeClr val="tx1"/>
+                </a:solidFill>
+                <a:latin typeface="+mn-lt"/>
+                <a:ea typeface="+mn-ea"/>
+                <a:cs typeface="+mn-cs"/>
+              </a:rPr>
+              <a:t>,</a:t>
+            </a:r>
+            <a:r>
+              <a:rPr lang="zh-CN" altLang="en-US" sz="1200" kern="1200">
+                <a:solidFill>
+                  <a:schemeClr val="tx1"/>
+                </a:solidFill>
+                <a:latin typeface="+mn-lt"/>
+                <a:ea typeface="+mn-ea"/>
+                <a:cs typeface="+mn-cs"/>
+              </a:rPr>
+              <a:t>渠道负责人</a:t>
+            </a:r>
+            <a:r>
+              <a:rPr lang="en-US" altLang="zh-CN" sz="1200" kern="1200">
+                <a:solidFill>
+                  <a:schemeClr val="tx1"/>
+                </a:solidFill>
+                <a:latin typeface="+mn-lt"/>
+                <a:ea typeface="+mn-ea"/>
+                <a:cs typeface="+mn-cs"/>
+              </a:rPr>
+              <a:t>,</a:t>
+            </a:r>
+            <a:r>
+              <a:rPr lang="zh-CN" altLang="en-US" sz="1200" kern="1200">
+                <a:solidFill>
+                  <a:schemeClr val="tx1"/>
+                </a:solidFill>
+                <a:latin typeface="+mn-lt"/>
+                <a:ea typeface="+mn-ea"/>
+                <a:cs typeface="+mn-cs"/>
+              </a:rPr>
+              <a:t>业务类型</a:t>
+            </a:r>
+            <a:r>
+              <a:rPr lang="en-US" altLang="zh-CN" sz="1200" kern="1200">
+                <a:solidFill>
+                  <a:schemeClr val="tx1"/>
+                </a:solidFill>
+                <a:latin typeface="+mn-lt"/>
+                <a:ea typeface="+mn-ea"/>
+                <a:cs typeface="+mn-cs"/>
+              </a:rPr>
+              <a:t>,</a:t>
+            </a:r>
+            <a:r>
+              <a:rPr lang="zh-CN" altLang="en-US" sz="1200" kern="1200">
+                <a:solidFill>
+                  <a:schemeClr val="tx1"/>
+                </a:solidFill>
+                <a:latin typeface="+mn-lt"/>
+                <a:ea typeface="+mn-ea"/>
+                <a:cs typeface="+mn-cs"/>
+              </a:rPr>
+              <a:t>公司</a:t>
+            </a:r>
+            <a:r>
+              <a:rPr lang="en-US" altLang="zh-CN" sz="1200" kern="1200">
+                <a:solidFill>
+                  <a:schemeClr val="tx1"/>
+                </a:solidFill>
+                <a:latin typeface="+mn-lt"/>
+                <a:ea typeface="+mn-ea"/>
+                <a:cs typeface="+mn-cs"/>
+              </a:rPr>
+              <a:t>,</a:t>
+            </a:r>
+            <a:r>
+              <a:rPr lang="zh-CN" altLang="en-US" sz="1200" kern="1200">
+                <a:solidFill>
+                  <a:schemeClr val="tx1"/>
+                </a:solidFill>
+                <a:latin typeface="+mn-lt"/>
+                <a:ea typeface="+mn-ea"/>
+                <a:cs typeface="+mn-cs"/>
+              </a:rPr>
+              <a:t>渠道类型作为约束条件</a:t>
+            </a:r>
+            <a:r>
+              <a:rPr lang="en-US" altLang="zh-CN" sz="1200" kern="1200">
+                <a:solidFill>
+                  <a:schemeClr val="tx1"/>
+                </a:solidFill>
+                <a:latin typeface="+mn-lt"/>
+                <a:ea typeface="+mn-ea"/>
+                <a:cs typeface="+mn-cs"/>
+              </a:rPr>
+              <a:t>,</a:t>
+            </a:r>
+            <a:r>
+              <a:rPr lang="zh-CN" altLang="en-US" sz="1200" kern="1200">
+                <a:solidFill>
+                  <a:schemeClr val="tx1"/>
+                </a:solidFill>
+                <a:latin typeface="+mn-lt"/>
+                <a:ea typeface="+mn-ea"/>
+                <a:cs typeface="+mn-cs"/>
+              </a:rPr>
+              <a:t>点击搜索</a:t>
+            </a:r>
+            <a:r>
+              <a:rPr lang="en-US" altLang="zh-CN" sz="1200" kern="1200">
+                <a:solidFill>
+                  <a:schemeClr val="tx1"/>
+                </a:solidFill>
+                <a:latin typeface="+mn-lt"/>
+                <a:ea typeface="+mn-ea"/>
+                <a:cs typeface="+mn-cs"/>
+              </a:rPr>
+              <a:t>,</a:t>
+            </a:r>
+            <a:r>
+              <a:rPr lang="zh-CN" altLang="en-US" sz="1200" kern="1200">
+                <a:solidFill>
+                  <a:schemeClr val="tx1"/>
+                </a:solidFill>
+                <a:latin typeface="+mn-lt"/>
+                <a:ea typeface="+mn-ea"/>
+                <a:cs typeface="+mn-cs"/>
+              </a:rPr>
+              <a:t>查询出数据表字段信息</a:t>
+            </a:r>
+            <a:r>
+              <a:rPr lang="en-US" altLang="zh-CN" sz="1200" kern="1200">
+                <a:solidFill>
+                  <a:schemeClr val="tx1"/>
+                </a:solidFill>
+                <a:latin typeface="+mn-lt"/>
+                <a:ea typeface="+mn-ea"/>
+                <a:cs typeface="+mn-cs"/>
+              </a:rPr>
+              <a:t>:</a:t>
+            </a:r>
+          </a:p>
+          <a:p>
+            <a:r>
+              <a:rPr lang="zh-CN" altLang="en-US" sz="1200" kern="1200">
+                <a:solidFill>
+                  <a:schemeClr val="tx1"/>
+                </a:solidFill>
+                <a:latin typeface="+mn-lt"/>
+                <a:ea typeface="+mn-ea"/>
+                <a:cs typeface="+mn-cs"/>
+              </a:rPr>
+              <a:t>引入名词</a:t>
+            </a:r>
+            <a:r>
+              <a:rPr lang="en-US" altLang="zh-CN" sz="1200" kern="1200">
+                <a:solidFill>
+                  <a:schemeClr val="tx1"/>
+                </a:solidFill>
+                <a:latin typeface="+mn-lt"/>
+                <a:ea typeface="+mn-ea"/>
+                <a:cs typeface="+mn-cs"/>
+              </a:rPr>
+              <a:t>:</a:t>
+            </a:r>
+            <a:r>
+              <a:rPr lang="zh-CN" altLang="en-US" sz="1200" kern="1200">
+                <a:solidFill>
+                  <a:schemeClr val="tx1"/>
+                </a:solidFill>
+                <a:latin typeface="+mn-lt"/>
+                <a:ea typeface="+mn-ea"/>
+                <a:cs typeface="+mn-cs"/>
+              </a:rPr>
+              <a:t>元数据</a:t>
+            </a:r>
+            <a:r>
+              <a:rPr lang="en-US" altLang="zh-CN" sz="1200" kern="1200">
+                <a:solidFill>
+                  <a:schemeClr val="tx1"/>
+                </a:solidFill>
+                <a:latin typeface="+mn-lt"/>
+                <a:ea typeface="+mn-ea"/>
+                <a:cs typeface="+mn-cs"/>
+              </a:rPr>
+              <a:t>,</a:t>
+            </a:r>
+            <a:r>
+              <a:rPr lang="zh-CN" altLang="en-US" sz="1200" kern="1200">
+                <a:solidFill>
+                  <a:schemeClr val="tx1"/>
+                </a:solidFill>
+                <a:latin typeface="+mn-lt"/>
+                <a:ea typeface="+mn-ea"/>
+                <a:cs typeface="+mn-cs"/>
+              </a:rPr>
+              <a:t>即指标组成在数据表里最小的数据</a:t>
+            </a:r>
+            <a:r>
+              <a:rPr lang="en-US" altLang="zh-CN" sz="1200" kern="1200">
+                <a:solidFill>
+                  <a:schemeClr val="tx1"/>
+                </a:solidFill>
+                <a:latin typeface="+mn-lt"/>
+                <a:ea typeface="+mn-ea"/>
+                <a:cs typeface="+mn-cs"/>
+              </a:rPr>
+              <a:t>,</a:t>
+            </a:r>
+            <a:r>
+              <a:rPr lang="zh-CN" altLang="en-US" sz="1200" kern="1200">
+                <a:solidFill>
+                  <a:schemeClr val="tx1"/>
+                </a:solidFill>
+                <a:latin typeface="+mn-lt"/>
+                <a:ea typeface="+mn-ea"/>
+                <a:cs typeface="+mn-cs"/>
+              </a:rPr>
+              <a:t>前台展示的所有数据指标都是由元数据计算得到</a:t>
+            </a:r>
+            <a:r>
+              <a:rPr lang="en-US" altLang="zh-CN" sz="1200" kern="1200">
+                <a:solidFill>
+                  <a:schemeClr val="tx1"/>
+                </a:solidFill>
+                <a:latin typeface="+mn-lt"/>
+                <a:ea typeface="+mn-ea"/>
+                <a:cs typeface="+mn-cs"/>
+              </a:rPr>
+              <a:t>.</a:t>
+            </a:r>
+          </a:p>
+          <a:p>
+            <a:r>
+              <a:rPr lang="zh-CN" altLang="en-US" sz="1200" kern="1200">
+                <a:solidFill>
+                  <a:schemeClr val="tx1"/>
+                </a:solidFill>
+                <a:latin typeface="+mn-lt"/>
+                <a:ea typeface="+mn-ea"/>
+                <a:cs typeface="+mn-cs"/>
+              </a:rPr>
+              <a:t>执行</a:t>
+            </a:r>
+            <a:r>
+              <a:rPr lang="en-US" altLang="zh-CN" sz="1200" kern="1200">
+                <a:solidFill>
+                  <a:schemeClr val="tx1"/>
+                </a:solidFill>
+                <a:latin typeface="+mn-lt"/>
+                <a:ea typeface="+mn-ea"/>
+                <a:cs typeface="+mn-cs"/>
+              </a:rPr>
+              <a:t>sql</a:t>
+            </a:r>
+            <a:r>
+              <a:rPr lang="zh-CN" altLang="en-US" sz="1200" kern="1200">
+                <a:solidFill>
+                  <a:schemeClr val="tx1"/>
+                </a:solidFill>
+                <a:latin typeface="+mn-lt"/>
+                <a:ea typeface="+mn-ea"/>
+                <a:cs typeface="+mn-cs"/>
+              </a:rPr>
+              <a:t>语句查询出元数据</a:t>
+            </a:r>
+            <a:r>
+              <a:rPr lang="en-US" altLang="zh-CN" sz="1200" kern="1200">
+                <a:solidFill>
+                  <a:schemeClr val="tx1"/>
+                </a:solidFill>
+                <a:latin typeface="+mn-lt"/>
+                <a:ea typeface="+mn-ea"/>
+                <a:cs typeface="+mn-cs"/>
+              </a:rPr>
+              <a:t>:</a:t>
+            </a:r>
+            <a:r>
+              <a:rPr lang="zh-CN" altLang="en-US" sz="1200" kern="1200">
+                <a:solidFill>
+                  <a:schemeClr val="tx1"/>
+                </a:solidFill>
+                <a:latin typeface="+mn-lt"/>
+                <a:ea typeface="+mn-ea"/>
+                <a:cs typeface="+mn-cs"/>
+              </a:rPr>
+              <a:t>注册</a:t>
+            </a:r>
+            <a:r>
+              <a:rPr lang="en-US" altLang="zh-CN" sz="1200" kern="1200">
+                <a:solidFill>
+                  <a:schemeClr val="tx1"/>
+                </a:solidFill>
+                <a:latin typeface="+mn-lt"/>
+                <a:ea typeface="+mn-ea"/>
+                <a:cs typeface="+mn-cs"/>
+              </a:rPr>
+              <a:t>,</a:t>
+            </a:r>
+            <a:r>
+              <a:rPr lang="zh-CN" altLang="en-US" sz="1200" kern="1200">
+                <a:solidFill>
+                  <a:schemeClr val="tx1"/>
+                </a:solidFill>
+                <a:latin typeface="+mn-lt"/>
+                <a:ea typeface="+mn-ea"/>
+                <a:cs typeface="+mn-cs"/>
+              </a:rPr>
+              <a:t>安装</a:t>
+            </a:r>
+            <a:r>
+              <a:rPr lang="en-US" altLang="zh-CN" sz="1200" kern="1200">
+                <a:solidFill>
+                  <a:schemeClr val="tx1"/>
+                </a:solidFill>
+                <a:latin typeface="+mn-lt"/>
+                <a:ea typeface="+mn-ea"/>
+                <a:cs typeface="+mn-cs"/>
+              </a:rPr>
+              <a:t>,</a:t>
+            </a:r>
+            <a:r>
+              <a:rPr lang="zh-CN" altLang="en-US" sz="1200" kern="1200">
+                <a:solidFill>
+                  <a:schemeClr val="tx1"/>
+                </a:solidFill>
+                <a:latin typeface="+mn-lt"/>
+                <a:ea typeface="+mn-ea"/>
+                <a:cs typeface="+mn-cs"/>
+              </a:rPr>
+              <a:t>玩家付费金额</a:t>
+            </a:r>
+            <a:r>
+              <a:rPr lang="en-US" altLang="zh-CN" sz="1200" kern="1200">
+                <a:solidFill>
+                  <a:schemeClr val="tx1"/>
+                </a:solidFill>
+                <a:latin typeface="+mn-lt"/>
+                <a:ea typeface="+mn-ea"/>
+                <a:cs typeface="+mn-cs"/>
+              </a:rPr>
+              <a:t>,</a:t>
+            </a:r>
+            <a:r>
+              <a:rPr lang="zh-CN" altLang="en-US" sz="1200" kern="1200">
+                <a:solidFill>
+                  <a:schemeClr val="tx1"/>
+                </a:solidFill>
+                <a:latin typeface="+mn-lt"/>
+                <a:ea typeface="+mn-ea"/>
+                <a:cs typeface="+mn-cs"/>
+              </a:rPr>
+              <a:t>老玩家登陆数</a:t>
+            </a:r>
+            <a:r>
+              <a:rPr lang="en-US" altLang="zh-CN" sz="1200" kern="1200">
+                <a:solidFill>
+                  <a:schemeClr val="tx1"/>
+                </a:solidFill>
+                <a:latin typeface="+mn-lt"/>
+                <a:ea typeface="+mn-ea"/>
+                <a:cs typeface="+mn-cs"/>
+              </a:rPr>
+              <a:t>(sum(adv_position_data</a:t>
+            </a:r>
+            <a:r>
+              <a:rPr lang="zh-CN" altLang="en-US" sz="1200" kern="1200">
+                <a:solidFill>
+                  <a:schemeClr val="tx1"/>
+                </a:solidFill>
+                <a:latin typeface="+mn-lt"/>
+                <a:ea typeface="+mn-ea"/>
+                <a:cs typeface="+mn-cs"/>
+              </a:rPr>
+              <a:t>表的</a:t>
+            </a:r>
+            <a:r>
+              <a:rPr lang="en-US" altLang="zh-CN" sz="1200" kern="1200">
+                <a:solidFill>
+                  <a:schemeClr val="tx1"/>
+                </a:solidFill>
+                <a:latin typeface="+mn-lt"/>
+                <a:ea typeface="+mn-ea"/>
+                <a:cs typeface="+mn-cs"/>
+              </a:rPr>
+              <a:t>old_login</a:t>
+            </a:r>
+            <a:r>
+              <a:rPr lang="zh-CN" altLang="en-US" sz="1200" kern="1200">
+                <a:solidFill>
+                  <a:schemeClr val="tx1"/>
+                </a:solidFill>
+                <a:latin typeface="+mn-lt"/>
+                <a:ea typeface="+mn-ea"/>
+                <a:cs typeface="+mn-cs"/>
+              </a:rPr>
+              <a:t>得到</a:t>
+            </a:r>
+            <a:r>
+              <a:rPr lang="en-US" altLang="zh-CN" sz="1200" kern="1200">
+                <a:solidFill>
+                  <a:schemeClr val="tx1"/>
+                </a:solidFill>
+                <a:latin typeface="+mn-lt"/>
+                <a:ea typeface="+mn-ea"/>
+                <a:cs typeface="+mn-cs"/>
+              </a:rPr>
+              <a:t>)),</a:t>
+            </a:r>
+            <a:r>
+              <a:rPr lang="zh-CN" altLang="en-US" sz="1200" kern="1200">
+                <a:solidFill>
+                  <a:schemeClr val="tx1"/>
+                </a:solidFill>
+                <a:latin typeface="+mn-lt"/>
+                <a:ea typeface="+mn-ea"/>
+                <a:cs typeface="+mn-cs"/>
+              </a:rPr>
+              <a:t>期内投入金额</a:t>
+            </a:r>
+            <a:r>
+              <a:rPr lang="en-US" altLang="zh-CN" sz="1200" kern="1200">
+                <a:solidFill>
+                  <a:schemeClr val="tx1"/>
+                </a:solidFill>
+                <a:latin typeface="+mn-lt"/>
+                <a:ea typeface="+mn-ea"/>
+                <a:cs typeface="+mn-cs"/>
+              </a:rPr>
+              <a:t>(sum(adv_position_data. divide_money)),</a:t>
+            </a:r>
+            <a:r>
+              <a:rPr lang="zh-CN" altLang="en-US" sz="1200" kern="1200">
+                <a:solidFill>
+                  <a:schemeClr val="tx1"/>
+                </a:solidFill>
+                <a:latin typeface="+mn-lt"/>
+                <a:ea typeface="+mn-ea"/>
+                <a:cs typeface="+mn-cs"/>
+              </a:rPr>
+              <a:t>期内次日留存</a:t>
+            </a:r>
+            <a:r>
+              <a:rPr lang="en-US" altLang="zh-CN" sz="1200" kern="1200">
+                <a:solidFill>
+                  <a:schemeClr val="tx1"/>
+                </a:solidFill>
+                <a:latin typeface="+mn-lt"/>
+                <a:ea typeface="+mn-ea"/>
+                <a:cs typeface="+mn-cs"/>
+              </a:rPr>
+              <a:t>(sum(adv_position_data.remain_2))</a:t>
+            </a:r>
+          </a:p>
+          <a:p>
+            <a:r>
+              <a:rPr lang="zh-CN" altLang="en-US" sz="1200" kern="1200">
+                <a:solidFill>
+                  <a:schemeClr val="tx1"/>
+                </a:solidFill>
+                <a:latin typeface="+mn-lt"/>
+                <a:ea typeface="+mn-ea"/>
+                <a:cs typeface="+mn-cs"/>
+              </a:rPr>
+              <a:t>期内用户期内充值 </a:t>
+            </a:r>
+            <a:r>
+              <a:rPr lang="en-US" altLang="zh-CN" sz="1200" kern="1200">
+                <a:solidFill>
+                  <a:schemeClr val="tx1"/>
+                </a:solidFill>
+                <a:latin typeface="+mn-lt"/>
+                <a:ea typeface="+mn-ea"/>
+                <a:cs typeface="+mn-cs"/>
+              </a:rPr>
+              <a:t>SUM(order_log.money)</a:t>
+            </a:r>
+          </a:p>
+          <a:p>
+            <a:r>
+              <a:rPr lang="zh-CN" altLang="en-US" sz="1200" kern="1200">
+                <a:solidFill>
+                  <a:schemeClr val="tx1"/>
+                </a:solidFill>
+                <a:latin typeface="+mn-lt"/>
+                <a:ea typeface="+mn-ea"/>
+                <a:cs typeface="+mn-cs"/>
+              </a:rPr>
+              <a:t>需要元数据组合的数据解释</a:t>
+            </a:r>
+            <a:r>
+              <a:rPr lang="en-US" altLang="zh-CN" sz="1200" kern="1200">
+                <a:solidFill>
+                  <a:schemeClr val="tx1"/>
+                </a:solidFill>
+                <a:latin typeface="+mn-lt"/>
+                <a:ea typeface="+mn-ea"/>
+                <a:cs typeface="+mn-cs"/>
+              </a:rPr>
+              <a:t>:</a:t>
+            </a:r>
+          </a:p>
+          <a:p>
+            <a:r>
+              <a:rPr lang="en-US" altLang="zh-CN" sz="1200" kern="1200">
+                <a:solidFill>
+                  <a:schemeClr val="tx1"/>
+                </a:solidFill>
+                <a:latin typeface="+mn-lt"/>
+                <a:ea typeface="+mn-ea"/>
+                <a:cs typeface="+mn-cs"/>
+              </a:rPr>
+              <a:t>total_back_rate</a:t>
+            </a:r>
+          </a:p>
+          <a:p>
+            <a:r>
+              <a:rPr lang="en-US" altLang="zh-CN" sz="1200" kern="1200">
+                <a:solidFill>
+                  <a:schemeClr val="tx1"/>
+                </a:solidFill>
+                <a:latin typeface="+mn-lt"/>
+                <a:ea typeface="+mn-ea"/>
+                <a:cs typeface="+mn-cs"/>
+              </a:rPr>
+              <a:t>total_user_period_game_divide_money</a:t>
+            </a:r>
+          </a:p>
+          <a:p>
+            <a:r>
+              <a:rPr lang="en-US" altLang="zh-CN" sz="1200" kern="1200">
+                <a:solidFill>
+                  <a:schemeClr val="tx1"/>
+                </a:solidFill>
+                <a:latin typeface="+mn-lt"/>
+                <a:ea typeface="+mn-ea"/>
+                <a:cs typeface="+mn-cs"/>
+              </a:rPr>
+              <a:t>all_game_divide_money</a:t>
+            </a:r>
+          </a:p>
+          <a:p>
+            <a:endParaRPr lang="en-US" altLang="zh-CN" sz="1200" kern="1200">
+              <a:solidFill>
+                <a:schemeClr val="tx1"/>
+              </a:solidFill>
+              <a:latin typeface="+mn-lt"/>
+              <a:ea typeface="+mn-ea"/>
+              <a:cs typeface="+mn-cs"/>
+            </a:endParaRPr>
+          </a:p>
+          <a:p>
+            <a:pPr marL="0" marR="0" lvl="0" indent="0" algn="l" defTabSz="914400" rtl="0" eaLnBrk="1" fontAlgn="auto" latinLnBrk="0" hangingPunct="1">
+              <a:lnSpc>
+                <a:spcPct val="100000"/>
+              </a:lnSpc>
+              <a:spcBef>
+                <a:spcPts val="0"/>
+              </a:spcBef>
+              <a:spcAft>
+                <a:spcPts val="0"/>
+              </a:spcAft>
+              <a:buClrTx/>
+              <a:buSzTx/>
+              <a:buFontTx/>
+              <a:buNone/>
+              <a:tabLst/>
+              <a:defRPr/>
+            </a:pPr>
+            <a:r>
+              <a:rPr lang="zh-CN" altLang="en-US" sz="1200" kern="1200">
+                <a:solidFill>
+                  <a:schemeClr val="tx1"/>
+                </a:solidFill>
+                <a:latin typeface="+mn-lt"/>
+                <a:ea typeface="+mn-ea"/>
+                <a:cs typeface="+mn-cs"/>
+              </a:rPr>
+              <a:t>安装、注册、次留数、累计充值、累计分成、期内成本、累计回本率</a:t>
+            </a:r>
+            <a:endParaRPr lang="en-US" altLang="zh-CN" sz="1200" kern="1200">
+              <a:solidFill>
+                <a:schemeClr val="tx1"/>
+              </a:solidFill>
+              <a:latin typeface="+mn-lt"/>
+              <a:ea typeface="+mn-ea"/>
+              <a:cs typeface="+mn-cs"/>
+            </a:endParaRPr>
+          </a:p>
+          <a:p>
+            <a:r>
+              <a:rPr lang="zh-CN" altLang="en-US" sz="1200" kern="1200">
+                <a:solidFill>
+                  <a:schemeClr val="tx1"/>
+                </a:solidFill>
+                <a:latin typeface="+mn-lt"/>
+                <a:ea typeface="+mn-ea"/>
+                <a:cs typeface="+mn-cs"/>
+              </a:rPr>
+              <a:t>注册率</a:t>
+            </a:r>
+            <a:r>
+              <a:rPr lang="en-US" altLang="zh-CN" sz="1200" kern="1200">
+                <a:solidFill>
+                  <a:schemeClr val="tx1"/>
+                </a:solidFill>
+                <a:latin typeface="+mn-lt"/>
+                <a:ea typeface="+mn-ea"/>
+                <a:cs typeface="+mn-cs"/>
+              </a:rPr>
+              <a:t>(</a:t>
+            </a:r>
+            <a:r>
+              <a:rPr lang="zh-CN" altLang="en-US" sz="1200" kern="1200">
+                <a:solidFill>
+                  <a:schemeClr val="tx1"/>
+                </a:solidFill>
+                <a:latin typeface="+mn-lt"/>
+                <a:ea typeface="+mn-ea"/>
+                <a:cs typeface="+mn-cs"/>
+              </a:rPr>
+              <a:t>安装</a:t>
+            </a:r>
+            <a:r>
+              <a:rPr lang="en-US" altLang="zh-CN" sz="1200" kern="1200">
+                <a:solidFill>
+                  <a:schemeClr val="tx1"/>
+                </a:solidFill>
+                <a:latin typeface="+mn-lt"/>
+                <a:ea typeface="+mn-ea"/>
+                <a:cs typeface="+mn-cs"/>
+              </a:rPr>
+              <a:t>/</a:t>
+            </a:r>
+            <a:r>
+              <a:rPr lang="zh-CN" altLang="en-US" sz="1200" kern="1200">
+                <a:solidFill>
+                  <a:schemeClr val="tx1"/>
+                </a:solidFill>
+                <a:latin typeface="+mn-lt"/>
+                <a:ea typeface="+mn-ea"/>
+                <a:cs typeface="+mn-cs"/>
+              </a:rPr>
+              <a:t>注册</a:t>
+            </a:r>
+            <a:r>
+              <a:rPr lang="en-US" altLang="zh-CN" sz="1200" kern="1200">
+                <a:solidFill>
+                  <a:schemeClr val="tx1"/>
+                </a:solidFill>
+                <a:latin typeface="+mn-lt"/>
+                <a:ea typeface="+mn-ea"/>
+                <a:cs typeface="+mn-cs"/>
+              </a:rPr>
+              <a:t>)*100%</a:t>
+            </a:r>
+            <a:r>
+              <a:rPr lang="zh-CN" altLang="en-US" sz="1200" kern="1200">
+                <a:solidFill>
+                  <a:schemeClr val="tx1"/>
+                </a:solidFill>
+                <a:latin typeface="+mn-lt"/>
+                <a:ea typeface="+mn-ea"/>
+                <a:cs typeface="+mn-cs"/>
+              </a:rPr>
+              <a:t>取一位小数四舍五入</a:t>
+            </a:r>
+            <a:r>
+              <a:rPr lang="en-US" altLang="zh-CN" sz="1200" kern="1200">
+                <a:solidFill>
+                  <a:schemeClr val="tx1"/>
+                </a:solidFill>
+                <a:latin typeface="+mn-lt"/>
+                <a:ea typeface="+mn-ea"/>
+                <a:cs typeface="+mn-cs"/>
+              </a:rPr>
+              <a:t>,</a:t>
+            </a:r>
+          </a:p>
+          <a:p>
+            <a:r>
+              <a:rPr lang="zh-CN" altLang="en-US" sz="1200" kern="1200">
+                <a:solidFill>
+                  <a:schemeClr val="tx1"/>
+                </a:solidFill>
+                <a:latin typeface="+mn-lt"/>
+                <a:ea typeface="+mn-ea"/>
+                <a:cs typeface="+mn-cs"/>
+              </a:rPr>
+              <a:t>注册单价（投入</a:t>
+            </a:r>
+            <a:r>
+              <a:rPr lang="en-US" altLang="zh-CN" sz="1200" kern="1200">
+                <a:solidFill>
+                  <a:schemeClr val="tx1"/>
+                </a:solidFill>
+                <a:latin typeface="+mn-lt"/>
+                <a:ea typeface="+mn-ea"/>
+                <a:cs typeface="+mn-cs"/>
+              </a:rPr>
+              <a:t>/</a:t>
+            </a:r>
+            <a:r>
+              <a:rPr lang="zh-CN" altLang="en-US" sz="1200" kern="1200">
+                <a:solidFill>
+                  <a:schemeClr val="tx1"/>
+                </a:solidFill>
+                <a:latin typeface="+mn-lt"/>
+                <a:ea typeface="+mn-ea"/>
+                <a:cs typeface="+mn-cs"/>
+              </a:rPr>
+              <a:t>注册量）  期内投入金额总和</a:t>
+            </a:r>
+            <a:r>
+              <a:rPr lang="en-US" altLang="zh-CN" sz="1200" kern="1200">
+                <a:solidFill>
+                  <a:schemeClr val="tx1"/>
+                </a:solidFill>
+                <a:latin typeface="+mn-lt"/>
+                <a:ea typeface="+mn-ea"/>
+                <a:cs typeface="+mn-cs"/>
+              </a:rPr>
+              <a:t>(sum(adv_position_data.divide_money))/</a:t>
+            </a:r>
+            <a:r>
+              <a:rPr lang="zh-CN" altLang="en-US" sz="1200" kern="1200">
+                <a:solidFill>
+                  <a:schemeClr val="tx1"/>
+                </a:solidFill>
+                <a:latin typeface="+mn-lt"/>
+                <a:ea typeface="+mn-ea"/>
+                <a:cs typeface="+mn-cs"/>
+              </a:rPr>
+              <a:t>注册数</a:t>
+            </a:r>
+            <a:r>
+              <a:rPr lang="en-US" altLang="zh-CN" sz="1200" kern="1200">
+                <a:solidFill>
+                  <a:schemeClr val="tx1"/>
+                </a:solidFill>
+                <a:latin typeface="+mn-lt"/>
+                <a:ea typeface="+mn-ea"/>
+                <a:cs typeface="+mn-cs"/>
+              </a:rPr>
+              <a:t>,</a:t>
+            </a:r>
+            <a:r>
+              <a:rPr lang="zh-CN" altLang="en-US" sz="1200" kern="1200">
+                <a:solidFill>
+                  <a:schemeClr val="tx1"/>
+                </a:solidFill>
+                <a:latin typeface="+mn-lt"/>
+                <a:ea typeface="+mn-ea"/>
+                <a:cs typeface="+mn-cs"/>
+              </a:rPr>
+              <a:t>四舍五入</a:t>
+            </a:r>
+            <a:r>
+              <a:rPr lang="en-US" altLang="zh-CN" sz="1200" kern="1200">
+                <a:solidFill>
+                  <a:schemeClr val="tx1"/>
+                </a:solidFill>
+                <a:latin typeface="+mn-lt"/>
+                <a:ea typeface="+mn-ea"/>
+                <a:cs typeface="+mn-cs"/>
+              </a:rPr>
+              <a:t>,</a:t>
+            </a:r>
+            <a:r>
+              <a:rPr lang="zh-CN" altLang="en-US" sz="1200" kern="1200">
+                <a:solidFill>
+                  <a:schemeClr val="tx1"/>
+                </a:solidFill>
+                <a:latin typeface="+mn-lt"/>
+                <a:ea typeface="+mn-ea"/>
+                <a:cs typeface="+mn-cs"/>
+              </a:rPr>
+              <a:t>保留一位小数</a:t>
+            </a:r>
+            <a:endParaRPr lang="en-US" altLang="zh-CN" sz="1200" kern="1200">
+              <a:solidFill>
+                <a:schemeClr val="tx1"/>
+              </a:solidFill>
+              <a:latin typeface="+mn-lt"/>
+              <a:ea typeface="+mn-ea"/>
+              <a:cs typeface="+mn-cs"/>
+            </a:endParaRPr>
+          </a:p>
+          <a:p>
+            <a:r>
+              <a:rPr lang="zh-CN" altLang="en-US" sz="1200" kern="1200">
+                <a:solidFill>
+                  <a:schemeClr val="tx1"/>
+                </a:solidFill>
+                <a:latin typeface="+mn-lt"/>
+                <a:ea typeface="+mn-ea"/>
+                <a:cs typeface="+mn-cs"/>
+              </a:rPr>
+              <a:t>次留率 期内次日留存人数总和</a:t>
+            </a:r>
+            <a:r>
+              <a:rPr lang="en-US" altLang="zh-CN" sz="1200" kern="1200">
+                <a:solidFill>
+                  <a:schemeClr val="tx1"/>
+                </a:solidFill>
+                <a:latin typeface="+mn-lt"/>
+                <a:ea typeface="+mn-ea"/>
+                <a:cs typeface="+mn-cs"/>
+              </a:rPr>
+              <a:t>/</a:t>
+            </a:r>
+            <a:r>
+              <a:rPr lang="zh-CN" altLang="en-US" sz="1200" kern="1200">
+                <a:solidFill>
+                  <a:schemeClr val="tx1"/>
+                </a:solidFill>
+                <a:latin typeface="+mn-lt"/>
+                <a:ea typeface="+mn-ea"/>
+                <a:cs typeface="+mn-cs"/>
+              </a:rPr>
+              <a:t>期内注册人数 </a:t>
+            </a:r>
+            <a:r>
+              <a:rPr lang="en-US" altLang="zh-CN" sz="1200" kern="1200">
+                <a:solidFill>
+                  <a:schemeClr val="tx1"/>
+                </a:solidFill>
+                <a:latin typeface="+mn-lt"/>
+                <a:ea typeface="+mn-ea"/>
+                <a:cs typeface="+mn-cs"/>
+              </a:rPr>
+              <a:t>*100% </a:t>
+            </a:r>
+            <a:r>
+              <a:rPr lang="zh-CN" altLang="en-US" sz="1200" kern="1200">
+                <a:solidFill>
+                  <a:schemeClr val="tx1"/>
+                </a:solidFill>
+                <a:latin typeface="+mn-lt"/>
+                <a:ea typeface="+mn-ea"/>
+                <a:cs typeface="+mn-cs"/>
+              </a:rPr>
+              <a:t>四舍五入保留一位小数</a:t>
+            </a:r>
+            <a:endParaRPr lang="en-US" altLang="zh-CN" sz="1200" kern="1200">
+              <a:solidFill>
+                <a:schemeClr val="tx1"/>
+              </a:solidFill>
+              <a:latin typeface="+mn-lt"/>
+              <a:ea typeface="+mn-ea"/>
+              <a:cs typeface="+mn-cs"/>
+            </a:endParaRPr>
+          </a:p>
+          <a:p>
+            <a:pPr marL="0" marR="0" lvl="0" indent="0" algn="l" defTabSz="914400" rtl="0" eaLnBrk="1" fontAlgn="auto" latinLnBrk="0" hangingPunct="1">
+              <a:lnSpc>
+                <a:spcPct val="100000"/>
+              </a:lnSpc>
+              <a:spcBef>
+                <a:spcPts val="0"/>
+              </a:spcBef>
+              <a:spcAft>
+                <a:spcPts val="0"/>
+              </a:spcAft>
+              <a:buClrTx/>
+              <a:buSzTx/>
+              <a:buFontTx/>
+              <a:buNone/>
+              <a:tabLst/>
+              <a:defRPr/>
+            </a:pPr>
+            <a:r>
+              <a:rPr lang="zh-CN" altLang="en-US" sz="1200" kern="1200">
+                <a:solidFill>
+                  <a:schemeClr val="tx1"/>
+                </a:solidFill>
+                <a:latin typeface="+mn-lt"/>
+                <a:ea typeface="+mn-ea"/>
+                <a:cs typeface="+mn-cs"/>
+              </a:rPr>
+              <a:t>期内用户期内充值 通过</a:t>
+            </a:r>
+            <a:r>
+              <a:rPr lang="en-US" altLang="zh-CN" sz="1200" kern="1200">
+                <a:solidFill>
+                  <a:schemeClr val="tx1"/>
+                </a:solidFill>
+                <a:latin typeface="+mn-lt"/>
+                <a:ea typeface="+mn-ea"/>
+                <a:cs typeface="+mn-cs"/>
+              </a:rPr>
+              <a:t>SUM(order_log.money)</a:t>
+            </a:r>
+            <a:r>
+              <a:rPr lang="zh-CN" altLang="en-US" sz="1200" kern="1200">
+                <a:solidFill>
+                  <a:schemeClr val="tx1"/>
+                </a:solidFill>
+                <a:latin typeface="+mn-lt"/>
+                <a:ea typeface="+mn-ea"/>
+                <a:cs typeface="+mn-cs"/>
+              </a:rPr>
+              <a:t>直接得到</a:t>
+            </a:r>
+            <a:endParaRPr lang="en-US" altLang="zh-CN" sz="1200" kern="1200">
+              <a:solidFill>
+                <a:schemeClr val="tx1"/>
+              </a:solidFill>
+              <a:latin typeface="+mn-lt"/>
+              <a:ea typeface="+mn-ea"/>
+              <a:cs typeface="+mn-cs"/>
+            </a:endParaRPr>
+          </a:p>
+          <a:p>
+            <a:pPr marL="0" marR="0" lvl="0" indent="0" algn="l" defTabSz="914400" rtl="0" eaLnBrk="1" fontAlgn="auto" latinLnBrk="0" hangingPunct="1">
+              <a:lnSpc>
+                <a:spcPct val="100000"/>
+              </a:lnSpc>
+              <a:spcBef>
+                <a:spcPts val="0"/>
+              </a:spcBef>
+              <a:spcAft>
+                <a:spcPts val="0"/>
+              </a:spcAft>
+              <a:buClrTx/>
+              <a:buSzTx/>
+              <a:buFontTx/>
+              <a:buNone/>
+              <a:tabLst/>
+              <a:defRPr/>
+            </a:pPr>
+            <a:r>
+              <a:rPr lang="zh-CN" altLang="en-US" sz="1200" kern="1200">
+                <a:solidFill>
+                  <a:schemeClr val="tx1"/>
+                </a:solidFill>
+                <a:latin typeface="+mn-lt"/>
+                <a:ea typeface="+mn-ea"/>
+                <a:cs typeface="+mn-cs"/>
+              </a:rPr>
+              <a:t>累计充值</a:t>
+            </a:r>
+            <a:r>
+              <a:rPr lang="en-US" altLang="zh-CN" sz="1200" kern="1200">
+                <a:solidFill>
+                  <a:schemeClr val="tx1"/>
+                </a:solidFill>
+                <a:latin typeface="+mn-lt"/>
+                <a:ea typeface="+mn-ea"/>
+                <a:cs typeface="+mn-cs"/>
+              </a:rPr>
+              <a:t>:</a:t>
+            </a:r>
+            <a:r>
+              <a:rPr lang="zh-CN" altLang="en-US" sz="1200" kern="1200">
+                <a:solidFill>
+                  <a:schemeClr val="tx1"/>
+                </a:solidFill>
+                <a:latin typeface="+mn-lt"/>
+                <a:ea typeface="+mn-ea"/>
+                <a:cs typeface="+mn-cs"/>
+              </a:rPr>
+              <a:t>用户期内累计充值</a:t>
+            </a:r>
+            <a:r>
+              <a:rPr lang="en-US" altLang="zh-CN" sz="1200" kern="1200">
+                <a:solidFill>
+                  <a:schemeClr val="tx1"/>
+                </a:solidFill>
+                <a:latin typeface="+mn-lt"/>
+                <a:ea typeface="+mn-ea"/>
+                <a:cs typeface="+mn-cs"/>
+              </a:rPr>
+              <a:t>(sum()order_log.money))</a:t>
+            </a:r>
+          </a:p>
+          <a:p>
+            <a:pPr marL="0" marR="0" lvl="0" indent="0" algn="l" defTabSz="914400" rtl="0" eaLnBrk="1" fontAlgn="auto" latinLnBrk="0" hangingPunct="1">
+              <a:lnSpc>
+                <a:spcPct val="100000"/>
+              </a:lnSpc>
+              <a:spcBef>
+                <a:spcPts val="0"/>
+              </a:spcBef>
+              <a:spcAft>
+                <a:spcPts val="0"/>
+              </a:spcAft>
+              <a:buClrTx/>
+              <a:buSzTx/>
+              <a:buFontTx/>
+              <a:buNone/>
+              <a:tabLst/>
+              <a:defRPr/>
+            </a:pPr>
+            <a:r>
+              <a:rPr lang="zh-CN" altLang="en-US" sz="1200" kern="1200">
+                <a:solidFill>
+                  <a:schemeClr val="tx1"/>
+                </a:solidFill>
+                <a:latin typeface="+mn-lt"/>
+                <a:ea typeface="+mn-ea"/>
+                <a:cs typeface="+mn-cs"/>
+              </a:rPr>
+              <a:t>期内用户期内分成</a:t>
+            </a:r>
+            <a:r>
+              <a:rPr lang="en-US" altLang="zh-CN" sz="1200" kern="1200">
+                <a:solidFill>
+                  <a:schemeClr val="tx1"/>
+                </a:solidFill>
+                <a:latin typeface="+mn-lt"/>
+                <a:ea typeface="+mn-ea"/>
+                <a:cs typeface="+mn-cs"/>
+              </a:rPr>
+              <a:t>:</a:t>
+            </a:r>
+          </a:p>
+          <a:p>
+            <a:pPr marL="0" marR="0" lvl="0" indent="0" algn="l" defTabSz="914400" rtl="0" eaLnBrk="1" fontAlgn="auto" latinLnBrk="0" hangingPunct="1">
+              <a:lnSpc>
+                <a:spcPct val="100000"/>
+              </a:lnSpc>
+              <a:spcBef>
+                <a:spcPts val="0"/>
+              </a:spcBef>
+              <a:spcAft>
+                <a:spcPts val="0"/>
+              </a:spcAft>
+              <a:buClrTx/>
+              <a:buSzTx/>
+              <a:buFontTx/>
+              <a:buNone/>
+              <a:tabLst/>
+              <a:defRPr/>
+            </a:pPr>
+            <a:r>
+              <a:rPr lang="zh-CN" altLang="en-US" sz="1200" kern="1200">
+                <a:solidFill>
+                  <a:schemeClr val="tx1"/>
+                </a:solidFill>
+                <a:latin typeface="+mn-lt"/>
+                <a:ea typeface="+mn-ea"/>
+                <a:cs typeface="+mn-cs"/>
+              </a:rPr>
+              <a:t>比较复杂</a:t>
+            </a:r>
+            <a:r>
+              <a:rPr lang="en-US" altLang="zh-CN" sz="1200" kern="1200">
+                <a:solidFill>
+                  <a:schemeClr val="tx1"/>
+                </a:solidFill>
+                <a:latin typeface="+mn-lt"/>
+                <a:ea typeface="+mn-ea"/>
+                <a:cs typeface="+mn-cs"/>
+              </a:rPr>
+              <a:t>:</a:t>
+            </a:r>
+          </a:p>
+          <a:p>
+            <a:pPr marL="0" marR="0" lvl="0" indent="0" algn="l" defTabSz="914400" rtl="0" eaLnBrk="1" fontAlgn="auto" latinLnBrk="0" hangingPunct="1">
+              <a:lnSpc>
+                <a:spcPct val="100000"/>
+              </a:lnSpc>
+              <a:spcBef>
+                <a:spcPts val="0"/>
+              </a:spcBef>
+              <a:spcAft>
+                <a:spcPts val="0"/>
+              </a:spcAft>
+              <a:buClrTx/>
+              <a:buSzTx/>
+              <a:buFontTx/>
+              <a:buNone/>
+              <a:tabLst/>
+              <a:defRPr/>
+            </a:pPr>
+            <a:r>
+              <a:rPr lang="zh-CN" altLang="en-US" sz="1200" kern="1200">
+                <a:solidFill>
+                  <a:schemeClr val="tx1"/>
+                </a:solidFill>
+                <a:latin typeface="+mn-lt"/>
+                <a:ea typeface="+mn-ea"/>
+                <a:cs typeface="+mn-cs"/>
+              </a:rPr>
+              <a:t>如果渠道商名称为</a:t>
+            </a:r>
+            <a:r>
+              <a:rPr lang="en-US" altLang="zh-CN" sz="1200" kern="1200">
+                <a:solidFill>
+                  <a:schemeClr val="tx1"/>
+                </a:solidFill>
+                <a:latin typeface="+mn-lt"/>
+                <a:ea typeface="+mn-ea"/>
+                <a:cs typeface="+mn-cs"/>
+              </a:rPr>
+              <a:t>yingyongbaoyishi:</a:t>
+            </a:r>
+          </a:p>
+          <a:p>
+            <a:pPr marL="0" marR="0" lvl="0" indent="0" algn="l" defTabSz="914400" rtl="0" eaLnBrk="1" fontAlgn="auto" latinLnBrk="0" hangingPunct="1">
+              <a:lnSpc>
+                <a:spcPct val="100000"/>
+              </a:lnSpc>
+              <a:spcBef>
+                <a:spcPts val="0"/>
+              </a:spcBef>
+              <a:spcAft>
+                <a:spcPts val="0"/>
+              </a:spcAft>
+              <a:buClrTx/>
+              <a:buSzTx/>
+              <a:buFontTx/>
+              <a:buNone/>
+              <a:tabLst/>
+              <a:defRPr/>
+            </a:pPr>
+            <a:r>
+              <a:rPr lang="en-US" altLang="zh-CN" sz="1200" kern="1200">
+                <a:solidFill>
+                  <a:schemeClr val="tx1"/>
+                </a:solidFill>
+                <a:latin typeface="+mn-lt"/>
+                <a:ea typeface="+mn-ea"/>
+                <a:cs typeface="+mn-cs"/>
+              </a:rPr>
+              <a:t>    Game</a:t>
+            </a:r>
+            <a:r>
+              <a:rPr lang="zh-CN" altLang="en-US" sz="1200" kern="1200">
+                <a:solidFill>
+                  <a:schemeClr val="tx1"/>
+                </a:solidFill>
+                <a:latin typeface="+mn-lt"/>
+                <a:ea typeface="+mn-ea"/>
+                <a:cs typeface="+mn-cs"/>
+              </a:rPr>
+              <a:t>表中是否在广点通分成前</a:t>
+            </a:r>
+            <a:r>
+              <a:rPr lang="en-US" altLang="zh-CN" sz="1200" kern="1200">
+                <a:solidFill>
+                  <a:schemeClr val="tx1"/>
+                </a:solidFill>
+                <a:latin typeface="+mn-lt"/>
+                <a:ea typeface="+mn-ea"/>
+                <a:cs typeface="+mn-cs"/>
+              </a:rPr>
+              <a:t>(is_before_gdt_divide)</a:t>
+            </a:r>
+            <a:r>
+              <a:rPr lang="zh-CN" altLang="en-US" sz="1200" kern="1200">
+                <a:solidFill>
+                  <a:schemeClr val="tx1"/>
+                </a:solidFill>
+                <a:latin typeface="+mn-lt"/>
+                <a:ea typeface="+mn-ea"/>
+                <a:cs typeface="+mn-cs"/>
+              </a:rPr>
+              <a:t>为否时</a:t>
+            </a:r>
+            <a:r>
+              <a:rPr lang="en-US" altLang="zh-CN" sz="1200" kern="1200">
+                <a:solidFill>
+                  <a:schemeClr val="tx1"/>
+                </a:solidFill>
+                <a:latin typeface="+mn-lt"/>
+                <a:ea typeface="+mn-ea"/>
+                <a:cs typeface="+mn-cs"/>
+              </a:rPr>
+              <a:t>,</a:t>
+            </a:r>
+          </a:p>
+          <a:p>
+            <a:pPr marL="0" marR="0" lvl="0" indent="0" algn="l" defTabSz="914400" rtl="0" eaLnBrk="1" fontAlgn="auto" latinLnBrk="0" hangingPunct="1">
+              <a:lnSpc>
+                <a:spcPct val="100000"/>
+              </a:lnSpc>
+              <a:spcBef>
+                <a:spcPts val="0"/>
+              </a:spcBef>
+              <a:spcAft>
+                <a:spcPts val="0"/>
+              </a:spcAft>
+              <a:buClrTx/>
+              <a:buSzTx/>
+              <a:buFontTx/>
+              <a:buNone/>
+              <a:tabLst/>
+              <a:defRPr/>
+            </a:pPr>
+            <a:r>
+              <a:rPr lang="en-US" altLang="zh-CN" sz="1200" kern="1200">
+                <a:solidFill>
+                  <a:schemeClr val="tx1"/>
+                </a:solidFill>
+                <a:latin typeface="+mn-lt"/>
+                <a:ea typeface="+mn-ea"/>
+                <a:cs typeface="+mn-cs"/>
+              </a:rPr>
+              <a:t>        Order_log</a:t>
+            </a:r>
+            <a:r>
+              <a:rPr lang="zh-CN" altLang="en-US" sz="1200" kern="1200">
+                <a:solidFill>
+                  <a:schemeClr val="tx1"/>
+                </a:solidFill>
+                <a:latin typeface="+mn-lt"/>
+                <a:ea typeface="+mn-ea"/>
+                <a:cs typeface="+mn-cs"/>
+              </a:rPr>
+              <a:t>表</a:t>
+            </a:r>
+            <a:r>
+              <a:rPr lang="en-US" altLang="zh-CN" sz="1200" kern="1200">
+                <a:solidFill>
+                  <a:schemeClr val="tx1"/>
+                </a:solidFill>
+                <a:latin typeface="+mn-lt"/>
+                <a:ea typeface="+mn-ea"/>
+                <a:cs typeface="+mn-cs"/>
+              </a:rPr>
+              <a:t>(</a:t>
+            </a:r>
+            <a:r>
+              <a:rPr lang="zh-CN" altLang="en-US" sz="1200" kern="1200">
+                <a:solidFill>
+                  <a:schemeClr val="tx1"/>
+                </a:solidFill>
+                <a:latin typeface="+mn-lt"/>
+                <a:ea typeface="+mn-ea"/>
+                <a:cs typeface="+mn-cs"/>
+              </a:rPr>
+              <a:t>订单记录表</a:t>
+            </a:r>
+            <a:r>
+              <a:rPr lang="en-US" altLang="zh-CN" sz="1200" kern="1200">
+                <a:solidFill>
+                  <a:schemeClr val="tx1"/>
+                </a:solidFill>
+                <a:latin typeface="+mn-lt"/>
+                <a:ea typeface="+mn-ea"/>
+                <a:cs typeface="+mn-cs"/>
+              </a:rPr>
+              <a:t>)</a:t>
+            </a:r>
+            <a:r>
+              <a:rPr lang="zh-CN" altLang="en-US" sz="1200" kern="1200">
+                <a:solidFill>
+                  <a:schemeClr val="tx1"/>
+                </a:solidFill>
+                <a:latin typeface="+mn-lt"/>
+                <a:ea typeface="+mn-ea"/>
+                <a:cs typeface="+mn-cs"/>
+              </a:rPr>
+              <a:t>中</a:t>
+            </a:r>
+            <a:r>
+              <a:rPr lang="en-US" altLang="zh-CN" sz="1200" kern="1200">
+                <a:solidFill>
+                  <a:schemeClr val="tx1"/>
+                </a:solidFill>
+                <a:latin typeface="+mn-lt"/>
+                <a:ea typeface="+mn-ea"/>
+                <a:cs typeface="+mn-cs"/>
+              </a:rPr>
+              <a:t>,</a:t>
+            </a:r>
+            <a:r>
+              <a:rPr lang="zh-CN" altLang="en-US" sz="1200" kern="1200">
+                <a:solidFill>
+                  <a:schemeClr val="tx1"/>
+                </a:solidFill>
+                <a:latin typeface="+mn-lt"/>
+                <a:ea typeface="+mn-ea"/>
+                <a:cs typeface="+mn-cs"/>
+              </a:rPr>
+              <a:t>将</a:t>
+            </a:r>
+            <a:r>
+              <a:rPr lang="en-US" altLang="zh-CN" sz="1200" kern="1200">
+                <a:solidFill>
+                  <a:schemeClr val="tx1"/>
+                </a:solidFill>
+                <a:latin typeface="+mn-lt"/>
+                <a:ea typeface="+mn-ea"/>
+                <a:cs typeface="+mn-cs"/>
+              </a:rPr>
+              <a:t>sum(</a:t>
+            </a:r>
+            <a:r>
+              <a:rPr lang="zh-CN" altLang="en-US" sz="1200" kern="1200">
+                <a:solidFill>
+                  <a:schemeClr val="tx1"/>
+                </a:solidFill>
+                <a:latin typeface="+mn-lt"/>
+                <a:ea typeface="+mn-ea"/>
+                <a:cs typeface="+mn-cs"/>
+              </a:rPr>
+              <a:t>用户充值金额总和</a:t>
+            </a:r>
+            <a:r>
+              <a:rPr lang="en-US" altLang="zh-CN" sz="1200" kern="1200">
+                <a:solidFill>
+                  <a:schemeClr val="tx1"/>
+                </a:solidFill>
+                <a:latin typeface="+mn-lt"/>
+                <a:ea typeface="+mn-ea"/>
+                <a:cs typeface="+mn-cs"/>
+              </a:rPr>
+              <a:t>(</a:t>
+            </a:r>
+            <a:r>
+              <a:rPr lang="zh-CN" altLang="en-US" sz="1200" kern="1200">
+                <a:solidFill>
+                  <a:schemeClr val="tx1"/>
+                </a:solidFill>
+                <a:latin typeface="+mn-lt"/>
+                <a:ea typeface="+mn-ea"/>
+                <a:cs typeface="+mn-cs"/>
+              </a:rPr>
+              <a:t>期内累计充值</a:t>
+            </a:r>
+            <a:r>
+              <a:rPr lang="en-US" altLang="zh-CN" sz="1200" kern="1200">
+                <a:solidFill>
+                  <a:schemeClr val="tx1"/>
+                </a:solidFill>
+                <a:latin typeface="+mn-lt"/>
+                <a:ea typeface="+mn-ea"/>
+                <a:cs typeface="+mn-cs"/>
+              </a:rPr>
+              <a:t>) - </a:t>
+            </a:r>
+            <a:r>
+              <a:rPr lang="zh-CN" altLang="en-US" sz="1200" kern="1200">
+                <a:solidFill>
+                  <a:schemeClr val="tx1"/>
+                </a:solidFill>
+                <a:latin typeface="+mn-lt"/>
+                <a:ea typeface="+mn-ea"/>
+                <a:cs typeface="+mn-cs"/>
+              </a:rPr>
+              <a:t>邑世分得金额</a:t>
+            </a:r>
+            <a:r>
+              <a:rPr lang="en-US" altLang="zh-CN" sz="1200" kern="1200">
+                <a:solidFill>
+                  <a:schemeClr val="tx1"/>
+                </a:solidFill>
+                <a:latin typeface="+mn-lt"/>
+                <a:ea typeface="+mn-ea"/>
+                <a:cs typeface="+mn-cs"/>
+              </a:rPr>
+              <a:t>),</a:t>
+            </a:r>
+            <a:r>
+              <a:rPr lang="zh-CN" altLang="en-US" sz="1200" kern="1200">
+                <a:solidFill>
+                  <a:schemeClr val="tx1"/>
+                </a:solidFill>
+                <a:latin typeface="+mn-lt"/>
+                <a:ea typeface="+mn-ea"/>
+                <a:cs typeface="+mn-cs"/>
+              </a:rPr>
+              <a:t>所得的值</a:t>
+            </a:r>
+            <a:r>
+              <a:rPr lang="en-US" altLang="zh-CN" sz="1200" kern="1200">
+                <a:solidFill>
+                  <a:schemeClr val="tx1"/>
+                </a:solidFill>
+                <a:latin typeface="+mn-lt"/>
+                <a:ea typeface="+mn-ea"/>
+                <a:cs typeface="+mn-cs"/>
+              </a:rPr>
+              <a:t>,</a:t>
+            </a:r>
+            <a:r>
+              <a:rPr lang="zh-CN" altLang="en-US" sz="1200" kern="1200">
+                <a:solidFill>
+                  <a:schemeClr val="tx1"/>
+                </a:solidFill>
+                <a:latin typeface="+mn-lt"/>
+                <a:ea typeface="+mn-ea"/>
+                <a:cs typeface="+mn-cs"/>
+              </a:rPr>
+              <a:t>在与</a:t>
+            </a:r>
+            <a:r>
+              <a:rPr lang="en-US" altLang="zh-CN" sz="1200" kern="1200">
+                <a:solidFill>
+                  <a:schemeClr val="tx1"/>
+                </a:solidFill>
+                <a:latin typeface="+mn-lt"/>
+                <a:ea typeface="+mn-ea"/>
+                <a:cs typeface="+mn-cs"/>
+              </a:rPr>
+              <a:t>game</a:t>
+            </a:r>
+            <a:r>
+              <a:rPr lang="zh-CN" altLang="en-US" sz="1200" kern="1200">
+                <a:solidFill>
+                  <a:schemeClr val="tx1"/>
+                </a:solidFill>
+                <a:latin typeface="+mn-lt"/>
+                <a:ea typeface="+mn-ea"/>
+                <a:cs typeface="+mn-cs"/>
+              </a:rPr>
+              <a:t>表中记录的</a:t>
+            </a:r>
+            <a:r>
+              <a:rPr lang="en-US" altLang="zh-CN" sz="1200" kern="1200">
+                <a:solidFill>
+                  <a:schemeClr val="tx1"/>
+                </a:solidFill>
+                <a:latin typeface="+mn-lt"/>
+                <a:ea typeface="+mn-ea"/>
+                <a:cs typeface="+mn-cs"/>
+              </a:rPr>
+              <a:t>(</a:t>
+            </a:r>
+            <a:r>
+              <a:rPr lang="zh-CN" altLang="en-US" sz="1200" kern="1200">
+                <a:solidFill>
+                  <a:schemeClr val="tx1"/>
+                </a:solidFill>
+                <a:latin typeface="+mn-lt"/>
+                <a:ea typeface="+mn-ea"/>
+                <a:cs typeface="+mn-cs"/>
+              </a:rPr>
+              <a:t>通过广告游戏</a:t>
+            </a:r>
+            <a:r>
+              <a:rPr lang="en-US" altLang="zh-CN" sz="1200" kern="1200">
+                <a:solidFill>
+                  <a:schemeClr val="tx1"/>
+                </a:solidFill>
+                <a:latin typeface="+mn-lt"/>
+                <a:ea typeface="+mn-ea"/>
+                <a:cs typeface="+mn-cs"/>
+              </a:rPr>
+              <a:t>id)</a:t>
+            </a:r>
+            <a:r>
+              <a:rPr lang="zh-CN" altLang="en-US" sz="1200" kern="1200">
+                <a:solidFill>
+                  <a:schemeClr val="tx1"/>
+                </a:solidFill>
+                <a:latin typeface="+mn-lt"/>
+                <a:ea typeface="+mn-ea"/>
+                <a:cs typeface="+mn-cs"/>
+              </a:rPr>
+              <a:t>广点通分成比例</a:t>
+            </a:r>
+            <a:r>
+              <a:rPr lang="en-US" altLang="zh-CN" sz="1200" kern="1200">
+                <a:solidFill>
+                  <a:schemeClr val="tx1"/>
+                </a:solidFill>
+                <a:latin typeface="+mn-lt"/>
+                <a:ea typeface="+mn-ea"/>
+                <a:cs typeface="+mn-cs"/>
+              </a:rPr>
+              <a:t>(gdt_game_divide_rate)</a:t>
+            </a:r>
+            <a:r>
+              <a:rPr lang="zh-CN" altLang="en-US" sz="1200" kern="1200">
+                <a:solidFill>
+                  <a:schemeClr val="tx1"/>
+                </a:solidFill>
+                <a:latin typeface="+mn-lt"/>
+                <a:ea typeface="+mn-ea"/>
+                <a:cs typeface="+mn-cs"/>
+              </a:rPr>
+              <a:t>相乘 </a:t>
+            </a:r>
+            <a:endParaRPr lang="en-US" altLang="zh-CN" sz="1200" kern="1200">
+              <a:solidFill>
+                <a:schemeClr val="tx1"/>
+              </a:solidFill>
+              <a:latin typeface="+mn-lt"/>
+              <a:ea typeface="+mn-ea"/>
+              <a:cs typeface="+mn-cs"/>
+            </a:endParaRPr>
+          </a:p>
+          <a:p>
+            <a:pPr marL="0" marR="0" lvl="0" indent="0" algn="l" defTabSz="914400" rtl="0" eaLnBrk="1" fontAlgn="auto" latinLnBrk="0" hangingPunct="1">
+              <a:lnSpc>
+                <a:spcPct val="100000"/>
+              </a:lnSpc>
+              <a:spcBef>
+                <a:spcPts val="0"/>
+              </a:spcBef>
+              <a:spcAft>
+                <a:spcPts val="0"/>
+              </a:spcAft>
+              <a:buClrTx/>
+              <a:buSzTx/>
+              <a:buFontTx/>
+              <a:buNone/>
+              <a:tabLst/>
+              <a:defRPr/>
+            </a:pPr>
+            <a:r>
+              <a:rPr lang="en-US" altLang="zh-CN" sz="1200" kern="1200">
+                <a:solidFill>
+                  <a:schemeClr val="tx1"/>
+                </a:solidFill>
+                <a:latin typeface="+mn-lt"/>
+                <a:ea typeface="+mn-ea"/>
+                <a:cs typeface="+mn-cs"/>
+              </a:rPr>
+              <a:t>    Game</a:t>
+            </a:r>
+            <a:r>
+              <a:rPr lang="zh-CN" altLang="en-US" sz="1200" kern="1200">
+                <a:solidFill>
+                  <a:schemeClr val="tx1"/>
+                </a:solidFill>
+                <a:latin typeface="+mn-lt"/>
+                <a:ea typeface="+mn-ea"/>
+                <a:cs typeface="+mn-cs"/>
+              </a:rPr>
+              <a:t>表中是否在广点通分成前</a:t>
+            </a:r>
+            <a:r>
+              <a:rPr lang="en-US" altLang="zh-CN" sz="1200" kern="1200">
+                <a:solidFill>
+                  <a:schemeClr val="tx1"/>
+                </a:solidFill>
+                <a:latin typeface="+mn-lt"/>
+                <a:ea typeface="+mn-ea"/>
+                <a:cs typeface="+mn-cs"/>
+              </a:rPr>
+              <a:t>(is_before_gdt_divide)</a:t>
+            </a:r>
+            <a:r>
+              <a:rPr lang="zh-CN" altLang="en-US" sz="1200" kern="1200">
+                <a:solidFill>
+                  <a:schemeClr val="tx1"/>
+                </a:solidFill>
+                <a:latin typeface="+mn-lt"/>
+                <a:ea typeface="+mn-ea"/>
+                <a:cs typeface="+mn-cs"/>
+              </a:rPr>
+              <a:t>为是时</a:t>
+            </a:r>
+            <a:r>
+              <a:rPr lang="en-US" altLang="zh-CN" sz="1200" kern="1200">
+                <a:solidFill>
+                  <a:schemeClr val="tx1"/>
+                </a:solidFill>
+                <a:latin typeface="+mn-lt"/>
+                <a:ea typeface="+mn-ea"/>
+                <a:cs typeface="+mn-cs"/>
+              </a:rPr>
+              <a:t>,</a:t>
+            </a:r>
+          </a:p>
+          <a:p>
+            <a:pPr marL="0" marR="0" lvl="0" indent="0" algn="l" defTabSz="914400" rtl="0" eaLnBrk="1" fontAlgn="auto" latinLnBrk="0" hangingPunct="1">
+              <a:lnSpc>
+                <a:spcPct val="100000"/>
+              </a:lnSpc>
+              <a:spcBef>
+                <a:spcPts val="0"/>
+              </a:spcBef>
+              <a:spcAft>
+                <a:spcPts val="0"/>
+              </a:spcAft>
+              <a:buClrTx/>
+              <a:buSzTx/>
+              <a:buFontTx/>
+              <a:buNone/>
+              <a:tabLst/>
+              <a:defRPr/>
+            </a:pPr>
+            <a:r>
+              <a:rPr lang="en-US" altLang="zh-CN" sz="1200" kern="1200">
+                <a:solidFill>
+                  <a:schemeClr val="tx1"/>
+                </a:solidFill>
+                <a:latin typeface="+mn-lt"/>
+                <a:ea typeface="+mn-ea"/>
+                <a:cs typeface="+mn-cs"/>
+              </a:rPr>
+              <a:t>        </a:t>
+            </a:r>
+            <a:r>
+              <a:rPr lang="zh-CN" altLang="en-US" sz="1200" kern="1200">
+                <a:solidFill>
+                  <a:schemeClr val="tx1"/>
+                </a:solidFill>
+                <a:latin typeface="+mn-lt"/>
+                <a:ea typeface="+mn-ea"/>
+                <a:cs typeface="+mn-cs"/>
+              </a:rPr>
+              <a:t>用户充值金额</a:t>
+            </a:r>
+            <a:r>
+              <a:rPr lang="en-US" altLang="zh-CN" sz="1200" kern="1200">
+                <a:solidFill>
+                  <a:schemeClr val="tx1"/>
+                </a:solidFill>
+                <a:latin typeface="+mn-lt"/>
+                <a:ea typeface="+mn-ea"/>
+                <a:cs typeface="+mn-cs"/>
+              </a:rPr>
+              <a:t>(</a:t>
+            </a:r>
+            <a:r>
+              <a:rPr lang="zh-CN" altLang="en-US" sz="1200" kern="1200">
+                <a:solidFill>
+                  <a:schemeClr val="tx1"/>
+                </a:solidFill>
+                <a:latin typeface="+mn-lt"/>
+                <a:ea typeface="+mn-ea"/>
+                <a:cs typeface="+mn-cs"/>
+              </a:rPr>
+              <a:t>期内累计充值</a:t>
+            </a:r>
+            <a:r>
+              <a:rPr lang="en-US" altLang="zh-CN" sz="1200" kern="1200">
+                <a:solidFill>
+                  <a:schemeClr val="tx1"/>
+                </a:solidFill>
+                <a:latin typeface="+mn-lt"/>
+                <a:ea typeface="+mn-ea"/>
+                <a:cs typeface="+mn-cs"/>
+              </a:rPr>
+              <a:t>)*</a:t>
+            </a:r>
+            <a:r>
+              <a:rPr lang="zh-CN" altLang="en-US" sz="1200" kern="1200">
+                <a:solidFill>
+                  <a:schemeClr val="tx1"/>
+                </a:solidFill>
+                <a:latin typeface="+mn-lt"/>
+                <a:ea typeface="+mn-ea"/>
+                <a:cs typeface="+mn-cs"/>
+              </a:rPr>
+              <a:t>广点通分成比例</a:t>
+            </a:r>
+            <a:r>
+              <a:rPr lang="en-US" altLang="zh-CN" sz="1200" kern="1200">
+                <a:solidFill>
+                  <a:schemeClr val="tx1"/>
+                </a:solidFill>
+                <a:latin typeface="+mn-lt"/>
+                <a:ea typeface="+mn-ea"/>
+                <a:cs typeface="+mn-cs"/>
+              </a:rPr>
+              <a:t>(gdt_game_divide_rate) - </a:t>
+            </a:r>
+            <a:r>
+              <a:rPr lang="zh-CN" altLang="en-US" sz="1200" kern="1200">
+                <a:solidFill>
+                  <a:schemeClr val="tx1"/>
+                </a:solidFill>
+                <a:latin typeface="+mn-lt"/>
+                <a:ea typeface="+mn-ea"/>
+                <a:cs typeface="+mn-cs"/>
+              </a:rPr>
+              <a:t>邑世分得金额</a:t>
+            </a:r>
+            <a:r>
+              <a:rPr lang="en-US" altLang="zh-CN" sz="1200" kern="1200">
+                <a:solidFill>
+                  <a:schemeClr val="tx1"/>
+                </a:solidFill>
+                <a:latin typeface="+mn-lt"/>
+                <a:ea typeface="+mn-ea"/>
+                <a:cs typeface="+mn-cs"/>
+              </a:rPr>
+              <a:t>(yishi_divide_money)</a:t>
+            </a:r>
+          </a:p>
+          <a:p>
+            <a:pPr marL="0" marR="0" lvl="0" indent="0" algn="l" defTabSz="914400" rtl="0" eaLnBrk="1" fontAlgn="auto" latinLnBrk="0" hangingPunct="1">
+              <a:lnSpc>
+                <a:spcPct val="100000"/>
+              </a:lnSpc>
+              <a:spcBef>
+                <a:spcPts val="0"/>
+              </a:spcBef>
+              <a:spcAft>
+                <a:spcPts val="0"/>
+              </a:spcAft>
+              <a:buClrTx/>
+              <a:buSzTx/>
+              <a:buFontTx/>
+              <a:buNone/>
+              <a:tabLst/>
+              <a:defRPr/>
+            </a:pPr>
+            <a:r>
+              <a:rPr lang="zh-CN" altLang="en-US" sz="1200" kern="1200">
+                <a:solidFill>
+                  <a:schemeClr val="tx1"/>
+                </a:solidFill>
+                <a:latin typeface="+mn-lt"/>
+                <a:ea typeface="+mn-ea"/>
+                <a:cs typeface="+mn-cs"/>
+              </a:rPr>
+              <a:t>如果渠道商表中</a:t>
+            </a:r>
+            <a:r>
+              <a:rPr lang="en-US" altLang="zh-CN" sz="1200" kern="1200">
+                <a:solidFill>
+                  <a:schemeClr val="tx1"/>
+                </a:solidFill>
+                <a:latin typeface="+mn-lt"/>
+                <a:ea typeface="+mn-ea"/>
+                <a:cs typeface="+mn-cs"/>
+              </a:rPr>
+              <a:t>,</a:t>
+            </a:r>
+            <a:r>
+              <a:rPr lang="zh-CN" altLang="en-US" sz="1200" kern="1200">
+                <a:solidFill>
+                  <a:schemeClr val="tx1"/>
+                </a:solidFill>
+                <a:latin typeface="+mn-lt"/>
+                <a:ea typeface="+mn-ea"/>
+                <a:cs typeface="+mn-cs"/>
+              </a:rPr>
+              <a:t>标识为广点通</a:t>
+            </a:r>
+            <a:r>
+              <a:rPr lang="en-US" altLang="zh-CN" sz="1200" kern="1200">
+                <a:solidFill>
+                  <a:schemeClr val="tx1"/>
+                </a:solidFill>
+                <a:latin typeface="+mn-lt"/>
+                <a:ea typeface="+mn-ea"/>
+                <a:cs typeface="+mn-cs"/>
+              </a:rPr>
+              <a:t>,(publisher. is_gdt=1):</a:t>
+            </a:r>
+          </a:p>
+          <a:p>
+            <a:pPr marL="0" marR="0" lvl="0" indent="0" algn="l" defTabSz="914400" rtl="0" eaLnBrk="1" fontAlgn="auto" latinLnBrk="0" hangingPunct="1">
+              <a:lnSpc>
+                <a:spcPct val="100000"/>
+              </a:lnSpc>
+              <a:spcBef>
+                <a:spcPts val="0"/>
+              </a:spcBef>
+              <a:spcAft>
+                <a:spcPts val="0"/>
+              </a:spcAft>
+              <a:buClrTx/>
+              <a:buSzTx/>
+              <a:buFontTx/>
+              <a:buNone/>
+              <a:tabLst/>
+              <a:defRPr/>
+            </a:pPr>
+            <a:r>
+              <a:rPr lang="zh-CN" altLang="en-US" sz="1200" kern="1200">
+                <a:solidFill>
+                  <a:schemeClr val="tx1"/>
+                </a:solidFill>
+                <a:latin typeface="+mn-lt"/>
+                <a:ea typeface="+mn-ea"/>
+                <a:cs typeface="+mn-cs"/>
+              </a:rPr>
+              <a:t>     如果</a:t>
+            </a:r>
+            <a:r>
+              <a:rPr lang="en-US" altLang="zh-CN" sz="1200" kern="1200">
+                <a:solidFill>
+                  <a:schemeClr val="tx1"/>
+                </a:solidFill>
+                <a:latin typeface="+mn-lt"/>
+                <a:ea typeface="+mn-ea"/>
+                <a:cs typeface="+mn-cs"/>
+              </a:rPr>
+              <a:t>game</a:t>
+            </a:r>
+            <a:r>
+              <a:rPr lang="zh-CN" altLang="en-US" sz="1200" kern="1200">
+                <a:solidFill>
+                  <a:schemeClr val="tx1"/>
+                </a:solidFill>
+                <a:latin typeface="+mn-lt"/>
+                <a:ea typeface="+mn-ea"/>
+                <a:cs typeface="+mn-cs"/>
+              </a:rPr>
+              <a:t>表中标识为广点通分成后</a:t>
+            </a:r>
+            <a:r>
+              <a:rPr lang="en-US" altLang="zh-CN" sz="1200" kern="1200">
+                <a:solidFill>
+                  <a:schemeClr val="tx1"/>
+                </a:solidFill>
+                <a:latin typeface="+mn-lt"/>
+                <a:ea typeface="+mn-ea"/>
+                <a:cs typeface="+mn-cs"/>
+              </a:rPr>
+              <a:t>(is_before_gdt_divide=0)</a:t>
+            </a:r>
+          </a:p>
+          <a:p>
+            <a:pPr marL="0" marR="0" lvl="0" indent="0" algn="l" defTabSz="914400" rtl="0" eaLnBrk="1" fontAlgn="auto" latinLnBrk="0" hangingPunct="1">
+              <a:lnSpc>
+                <a:spcPct val="100000"/>
+              </a:lnSpc>
+              <a:spcBef>
+                <a:spcPts val="0"/>
+              </a:spcBef>
+              <a:spcAft>
+                <a:spcPts val="0"/>
+              </a:spcAft>
+              <a:buClrTx/>
+              <a:buSzTx/>
+              <a:buFontTx/>
+              <a:buNone/>
+              <a:tabLst/>
+              <a:defRPr/>
+            </a:pPr>
+            <a:r>
+              <a:rPr lang="zh-CN" altLang="en-US" sz="1200" kern="1200">
+                <a:solidFill>
+                  <a:schemeClr val="tx1"/>
+                </a:solidFill>
+                <a:latin typeface="+mn-lt"/>
+                <a:ea typeface="+mn-ea"/>
+                <a:cs typeface="+mn-cs"/>
+              </a:rPr>
+              <a:t>         将</a:t>
+            </a:r>
+            <a:r>
+              <a:rPr lang="en-US" altLang="zh-CN" sz="1200" kern="1200">
+                <a:solidFill>
+                  <a:schemeClr val="tx1"/>
+                </a:solidFill>
+                <a:latin typeface="+mn-lt"/>
+                <a:ea typeface="+mn-ea"/>
+                <a:cs typeface="+mn-cs"/>
+              </a:rPr>
+              <a:t>order_log</a:t>
+            </a:r>
+            <a:r>
+              <a:rPr lang="zh-CN" altLang="en-US" sz="1200" kern="1200">
+                <a:solidFill>
+                  <a:schemeClr val="tx1"/>
+                </a:solidFill>
+                <a:latin typeface="+mn-lt"/>
+                <a:ea typeface="+mn-ea"/>
+                <a:cs typeface="+mn-cs"/>
+              </a:rPr>
+              <a:t>表中玩家充值金额</a:t>
+            </a:r>
+            <a:r>
+              <a:rPr lang="en-US" altLang="zh-CN" sz="1200" kern="1200">
+                <a:solidFill>
+                  <a:schemeClr val="tx1"/>
+                </a:solidFill>
+                <a:latin typeface="+mn-lt"/>
+                <a:ea typeface="+mn-ea"/>
+                <a:cs typeface="+mn-cs"/>
+              </a:rPr>
+              <a:t>money(</a:t>
+            </a:r>
+            <a:r>
+              <a:rPr lang="zh-CN" altLang="en-US" sz="1200" kern="1200">
+                <a:solidFill>
+                  <a:schemeClr val="tx1"/>
+                </a:solidFill>
+                <a:latin typeface="+mn-lt"/>
+                <a:ea typeface="+mn-ea"/>
+                <a:cs typeface="+mn-cs"/>
+              </a:rPr>
+              <a:t>期内累计充值</a:t>
+            </a:r>
+            <a:r>
+              <a:rPr lang="en-US" altLang="zh-CN" sz="1200" kern="1200">
+                <a:solidFill>
+                  <a:schemeClr val="tx1"/>
+                </a:solidFill>
+                <a:latin typeface="+mn-lt"/>
+                <a:ea typeface="+mn-ea"/>
+                <a:cs typeface="+mn-cs"/>
+              </a:rPr>
+              <a:t>)-</a:t>
+            </a:r>
+            <a:r>
+              <a:rPr lang="zh-CN" altLang="en-US" sz="1200" kern="1200">
+                <a:solidFill>
+                  <a:schemeClr val="tx1"/>
+                </a:solidFill>
+                <a:latin typeface="+mn-lt"/>
+                <a:ea typeface="+mn-ea"/>
+                <a:cs typeface="+mn-cs"/>
+              </a:rPr>
+              <a:t>广点通通道费</a:t>
+            </a:r>
+            <a:r>
+              <a:rPr lang="en-US" altLang="zh-CN" sz="1200" kern="1200">
+                <a:solidFill>
+                  <a:schemeClr val="tx1"/>
+                </a:solidFill>
+                <a:latin typeface="+mn-lt"/>
+                <a:ea typeface="+mn-ea"/>
+                <a:cs typeface="+mn-cs"/>
+              </a:rPr>
+              <a:t>(gdt_channel_divide_money)-</a:t>
+            </a:r>
+            <a:r>
+              <a:rPr lang="zh-CN" altLang="en-US" sz="1200" kern="1200">
+                <a:solidFill>
+                  <a:schemeClr val="tx1"/>
+                </a:solidFill>
+                <a:latin typeface="+mn-lt"/>
+                <a:ea typeface="+mn-ea"/>
+                <a:cs typeface="+mn-cs"/>
+              </a:rPr>
+              <a:t>广点通收费</a:t>
+            </a:r>
+            <a:r>
+              <a:rPr lang="en-US" altLang="zh-CN" sz="1200" kern="1200">
+                <a:solidFill>
+                  <a:schemeClr val="tx1"/>
+                </a:solidFill>
+                <a:latin typeface="+mn-lt"/>
+                <a:ea typeface="+mn-ea"/>
+                <a:cs typeface="+mn-cs"/>
+              </a:rPr>
+              <a:t>(gdt_divide_money)</a:t>
+            </a:r>
+            <a:r>
+              <a:rPr lang="zh-CN" altLang="en-US" sz="1200" kern="1200">
+                <a:solidFill>
+                  <a:schemeClr val="tx1"/>
+                </a:solidFill>
+                <a:latin typeface="+mn-lt"/>
+                <a:ea typeface="+mn-ea"/>
+                <a:cs typeface="+mn-cs"/>
+              </a:rPr>
+              <a:t>的值累加</a:t>
+            </a:r>
+            <a:r>
+              <a:rPr lang="en-US" altLang="zh-CN" sz="1200" kern="1200">
+                <a:solidFill>
+                  <a:schemeClr val="tx1"/>
+                </a:solidFill>
+                <a:latin typeface="+mn-lt"/>
+                <a:ea typeface="+mn-ea"/>
+                <a:cs typeface="+mn-cs"/>
+              </a:rPr>
+              <a:t>,</a:t>
+            </a:r>
+            <a:r>
+              <a:rPr lang="zh-CN" altLang="en-US" sz="1200" kern="1200">
+                <a:solidFill>
+                  <a:schemeClr val="tx1"/>
+                </a:solidFill>
+                <a:latin typeface="+mn-lt"/>
+                <a:ea typeface="+mn-ea"/>
+                <a:cs typeface="+mn-cs"/>
+              </a:rPr>
+              <a:t>在乘以</a:t>
+            </a:r>
+            <a:r>
+              <a:rPr lang="en-US" altLang="zh-CN" sz="1200" kern="1200">
+                <a:solidFill>
+                  <a:schemeClr val="tx1"/>
+                </a:solidFill>
+                <a:latin typeface="+mn-lt"/>
+                <a:ea typeface="+mn-ea"/>
+                <a:cs typeface="+mn-cs"/>
+              </a:rPr>
+              <a:t>* </a:t>
+            </a:r>
+            <a:r>
+              <a:rPr lang="zh-CN" altLang="en-US" sz="1200" kern="1200">
+                <a:solidFill>
+                  <a:schemeClr val="tx1"/>
+                </a:solidFill>
+                <a:latin typeface="+mn-lt"/>
+                <a:ea typeface="+mn-ea"/>
+                <a:cs typeface="+mn-cs"/>
+              </a:rPr>
+              <a:t>广点通推广游戏分成</a:t>
+            </a:r>
+            <a:r>
+              <a:rPr lang="en-US" altLang="zh-CN" sz="1200" kern="1200">
+                <a:solidFill>
+                  <a:schemeClr val="tx1"/>
+                </a:solidFill>
+                <a:latin typeface="+mn-lt"/>
+                <a:ea typeface="+mn-ea"/>
+                <a:cs typeface="+mn-cs"/>
+              </a:rPr>
+              <a:t>(gdt_game_divide_rate)</a:t>
+            </a:r>
+          </a:p>
+          <a:p>
+            <a:pPr marL="0" marR="0" lvl="0" indent="0" algn="l" defTabSz="914400" rtl="0" eaLnBrk="1" fontAlgn="auto" latinLnBrk="0" hangingPunct="1">
+              <a:lnSpc>
+                <a:spcPct val="100000"/>
+              </a:lnSpc>
+              <a:spcBef>
+                <a:spcPts val="0"/>
+              </a:spcBef>
+              <a:spcAft>
+                <a:spcPts val="0"/>
+              </a:spcAft>
+              <a:buClrTx/>
+              <a:buSzTx/>
+              <a:buFontTx/>
+              <a:buNone/>
+              <a:tabLst/>
+              <a:defRPr/>
+            </a:pPr>
+            <a:r>
+              <a:rPr lang="en-US" altLang="zh-CN" sz="1200" kern="1200">
+                <a:solidFill>
+                  <a:schemeClr val="tx1"/>
+                </a:solidFill>
+                <a:latin typeface="+mn-lt"/>
+                <a:ea typeface="+mn-ea"/>
+                <a:cs typeface="+mn-cs"/>
+              </a:rPr>
+              <a:t>      </a:t>
+            </a:r>
+            <a:r>
+              <a:rPr lang="zh-CN" altLang="en-US" sz="1200" kern="1200">
+                <a:solidFill>
+                  <a:schemeClr val="tx1"/>
+                </a:solidFill>
+                <a:latin typeface="+mn-lt"/>
+                <a:ea typeface="+mn-ea"/>
+                <a:cs typeface="+mn-cs"/>
+              </a:rPr>
+              <a:t>如果</a:t>
+            </a:r>
+            <a:r>
+              <a:rPr lang="en-US" altLang="zh-CN" sz="1200" kern="1200">
+                <a:solidFill>
+                  <a:schemeClr val="tx1"/>
+                </a:solidFill>
+                <a:latin typeface="+mn-lt"/>
+                <a:ea typeface="+mn-ea"/>
+                <a:cs typeface="+mn-cs"/>
+              </a:rPr>
+              <a:t>game</a:t>
+            </a:r>
+            <a:r>
+              <a:rPr lang="zh-CN" altLang="en-US" sz="1200" kern="1200">
+                <a:solidFill>
+                  <a:schemeClr val="tx1"/>
+                </a:solidFill>
+                <a:latin typeface="+mn-lt"/>
+                <a:ea typeface="+mn-ea"/>
+                <a:cs typeface="+mn-cs"/>
+              </a:rPr>
+              <a:t>表中标识为广点通分成前</a:t>
+            </a:r>
+            <a:r>
+              <a:rPr lang="en-US" altLang="zh-CN" sz="1200" kern="1200">
+                <a:solidFill>
+                  <a:schemeClr val="tx1"/>
+                </a:solidFill>
+                <a:latin typeface="+mn-lt"/>
+                <a:ea typeface="+mn-ea"/>
+                <a:cs typeface="+mn-cs"/>
+              </a:rPr>
+              <a:t>(is_before_gdt_divide=1)</a:t>
+            </a:r>
+          </a:p>
+          <a:p>
+            <a:pPr marL="0" marR="0" lvl="0" indent="0" algn="l" defTabSz="914400" rtl="0" eaLnBrk="1" fontAlgn="auto" latinLnBrk="0" hangingPunct="1">
+              <a:lnSpc>
+                <a:spcPct val="100000"/>
+              </a:lnSpc>
+              <a:spcBef>
+                <a:spcPts val="0"/>
+              </a:spcBef>
+              <a:spcAft>
+                <a:spcPts val="0"/>
+              </a:spcAft>
+              <a:buClrTx/>
+              <a:buSzTx/>
+              <a:buFontTx/>
+              <a:buNone/>
+              <a:tabLst/>
+              <a:defRPr/>
+            </a:pPr>
+            <a:r>
+              <a:rPr lang="en-US" altLang="zh-CN" sz="1200" kern="1200">
+                <a:solidFill>
+                  <a:schemeClr val="tx1"/>
+                </a:solidFill>
+                <a:latin typeface="+mn-lt"/>
+                <a:ea typeface="+mn-ea"/>
+                <a:cs typeface="+mn-cs"/>
+              </a:rPr>
+              <a:t>          </a:t>
+            </a:r>
+            <a:r>
+              <a:rPr lang="zh-CN" altLang="en-US" sz="1200" kern="1200">
+                <a:solidFill>
+                  <a:schemeClr val="tx1"/>
+                </a:solidFill>
+                <a:latin typeface="+mn-lt"/>
+                <a:ea typeface="+mn-ea"/>
+                <a:cs typeface="+mn-cs"/>
+              </a:rPr>
+              <a:t>玩家充值金额</a:t>
+            </a:r>
+            <a:r>
+              <a:rPr lang="en-US" altLang="zh-CN" sz="1200" kern="1200">
+                <a:solidFill>
+                  <a:schemeClr val="tx1"/>
+                </a:solidFill>
+                <a:latin typeface="+mn-lt"/>
+                <a:ea typeface="+mn-ea"/>
+                <a:cs typeface="+mn-cs"/>
+              </a:rPr>
+              <a:t>(</a:t>
+            </a:r>
+            <a:r>
+              <a:rPr lang="zh-CN" altLang="en-US" sz="1200" kern="1200">
+                <a:solidFill>
+                  <a:schemeClr val="tx1"/>
+                </a:solidFill>
+                <a:latin typeface="+mn-lt"/>
+                <a:ea typeface="+mn-ea"/>
+                <a:cs typeface="+mn-cs"/>
+              </a:rPr>
+              <a:t>期内累计充值</a:t>
+            </a:r>
+            <a:r>
+              <a:rPr lang="en-US" altLang="zh-CN" sz="1200" kern="1200">
+                <a:solidFill>
+                  <a:schemeClr val="tx1"/>
+                </a:solidFill>
+                <a:latin typeface="+mn-lt"/>
+                <a:ea typeface="+mn-ea"/>
+                <a:cs typeface="+mn-cs"/>
+              </a:rPr>
+              <a:t>) * </a:t>
+            </a:r>
+            <a:r>
+              <a:rPr lang="zh-CN" altLang="en-US" sz="1200" kern="1200">
+                <a:solidFill>
+                  <a:schemeClr val="tx1"/>
+                </a:solidFill>
+                <a:latin typeface="+mn-lt"/>
+                <a:ea typeface="+mn-ea"/>
+                <a:cs typeface="+mn-cs"/>
+              </a:rPr>
+              <a:t>广点通推广游戏分成</a:t>
+            </a:r>
+            <a:r>
+              <a:rPr lang="en-US" altLang="zh-CN" sz="1200" kern="1200">
+                <a:solidFill>
+                  <a:schemeClr val="tx1"/>
+                </a:solidFill>
+                <a:latin typeface="+mn-lt"/>
+                <a:ea typeface="+mn-ea"/>
+                <a:cs typeface="+mn-cs"/>
+              </a:rPr>
+              <a:t>(gdt_game_divide_rate) – </a:t>
+            </a:r>
+            <a:r>
+              <a:rPr lang="zh-CN" altLang="en-US" sz="1200" kern="1200">
+                <a:solidFill>
+                  <a:schemeClr val="tx1"/>
+                </a:solidFill>
+                <a:latin typeface="+mn-lt"/>
+                <a:ea typeface="+mn-ea"/>
+                <a:cs typeface="+mn-cs"/>
+              </a:rPr>
+              <a:t>广点通渠道费</a:t>
+            </a:r>
+            <a:r>
+              <a:rPr lang="en-US" altLang="zh-CN" sz="1200" kern="1200">
+                <a:solidFill>
+                  <a:schemeClr val="tx1"/>
+                </a:solidFill>
+                <a:latin typeface="+mn-lt"/>
+                <a:ea typeface="+mn-ea"/>
+                <a:cs typeface="+mn-cs"/>
+              </a:rPr>
+              <a:t>(gdt_channel_divide_money) – </a:t>
+            </a:r>
+            <a:r>
+              <a:rPr lang="zh-CN" altLang="en-US" sz="1200" kern="1200">
+                <a:solidFill>
+                  <a:schemeClr val="tx1"/>
+                </a:solidFill>
+                <a:latin typeface="+mn-lt"/>
+                <a:ea typeface="+mn-ea"/>
+                <a:cs typeface="+mn-cs"/>
+              </a:rPr>
+              <a:t>广点通收费</a:t>
+            </a:r>
+            <a:r>
+              <a:rPr lang="en-US" altLang="zh-CN" sz="1200" kern="1200">
+                <a:solidFill>
+                  <a:schemeClr val="tx1"/>
+                </a:solidFill>
+                <a:latin typeface="+mn-lt"/>
+                <a:ea typeface="+mn-ea"/>
+                <a:cs typeface="+mn-cs"/>
+              </a:rPr>
+              <a:t>(gdt_divide_money) </a:t>
+            </a:r>
+            <a:r>
+              <a:rPr lang="zh-CN" altLang="en-US" sz="1200" kern="1200">
+                <a:solidFill>
+                  <a:schemeClr val="tx1"/>
+                </a:solidFill>
+                <a:latin typeface="+mn-lt"/>
+                <a:ea typeface="+mn-ea"/>
+                <a:cs typeface="+mn-cs"/>
+              </a:rPr>
+              <a:t>这是一天的</a:t>
+            </a:r>
+            <a:r>
+              <a:rPr lang="en-US" altLang="zh-CN" sz="1200" kern="1200">
+                <a:solidFill>
+                  <a:schemeClr val="tx1"/>
+                </a:solidFill>
+                <a:latin typeface="+mn-lt"/>
+                <a:ea typeface="+mn-ea"/>
+                <a:cs typeface="+mn-cs"/>
+              </a:rPr>
+              <a:t>,,</a:t>
+            </a:r>
+            <a:r>
+              <a:rPr lang="zh-CN" altLang="en-US" sz="1200" kern="1200">
+                <a:solidFill>
+                  <a:schemeClr val="tx1"/>
+                </a:solidFill>
+                <a:latin typeface="+mn-lt"/>
+                <a:ea typeface="+mn-ea"/>
+                <a:cs typeface="+mn-cs"/>
+              </a:rPr>
+              <a:t>然后在累加</a:t>
+            </a:r>
+            <a:r>
+              <a:rPr lang="en-US" altLang="zh-CN" sz="1200" kern="1200">
+                <a:solidFill>
+                  <a:schemeClr val="tx1"/>
+                </a:solidFill>
+                <a:latin typeface="+mn-lt"/>
+                <a:ea typeface="+mn-ea"/>
+                <a:cs typeface="+mn-cs"/>
+              </a:rPr>
+              <a:t>,</a:t>
+            </a:r>
+            <a:r>
+              <a:rPr lang="zh-CN" altLang="en-US" sz="1200" kern="1200">
+                <a:solidFill>
+                  <a:schemeClr val="tx1"/>
+                </a:solidFill>
+                <a:latin typeface="+mn-lt"/>
+                <a:ea typeface="+mn-ea"/>
+                <a:cs typeface="+mn-cs"/>
+              </a:rPr>
+              <a:t>得到期内分成</a:t>
+            </a:r>
+            <a:endParaRPr lang="en-US" altLang="zh-CN" sz="1200" kern="1200">
+              <a:solidFill>
+                <a:schemeClr val="tx1"/>
+              </a:solidFill>
+              <a:latin typeface="+mn-lt"/>
+              <a:ea typeface="+mn-ea"/>
+              <a:cs typeface="+mn-cs"/>
+            </a:endParaRPr>
+          </a:p>
+          <a:p>
+            <a:pPr marL="0" marR="0" lvl="0" indent="0" algn="l" defTabSz="914400" rtl="0" eaLnBrk="1" fontAlgn="auto" latinLnBrk="0" hangingPunct="1">
+              <a:lnSpc>
+                <a:spcPct val="100000"/>
+              </a:lnSpc>
+              <a:spcBef>
+                <a:spcPts val="0"/>
+              </a:spcBef>
+              <a:spcAft>
+                <a:spcPts val="0"/>
+              </a:spcAft>
+              <a:buClrTx/>
+              <a:buSzTx/>
+              <a:buFontTx/>
+              <a:buNone/>
+              <a:tabLst/>
+              <a:defRPr/>
+            </a:pPr>
+            <a:r>
+              <a:rPr lang="zh-CN" altLang="en-US" sz="1200" kern="1200">
+                <a:solidFill>
+                  <a:schemeClr val="tx1"/>
+                </a:solidFill>
+                <a:latin typeface="+mn-lt"/>
+                <a:ea typeface="+mn-ea"/>
+                <a:cs typeface="+mn-cs"/>
+              </a:rPr>
+              <a:t>简单来说就是</a:t>
+            </a:r>
+            <a:r>
+              <a:rPr lang="en-US" altLang="zh-CN" sz="1200" kern="1200">
+                <a:solidFill>
+                  <a:schemeClr val="tx1"/>
+                </a:solidFill>
+                <a:latin typeface="+mn-lt"/>
+                <a:ea typeface="+mn-ea"/>
+                <a:cs typeface="+mn-cs"/>
+              </a:rPr>
+              <a:t>:</a:t>
+            </a:r>
+          </a:p>
+          <a:p>
+            <a:pPr marL="0" marR="0" lvl="0" indent="0" algn="l" defTabSz="914400" rtl="0" eaLnBrk="1" fontAlgn="auto" latinLnBrk="0" hangingPunct="1">
+              <a:lnSpc>
+                <a:spcPct val="100000"/>
+              </a:lnSpc>
+              <a:spcBef>
+                <a:spcPts val="0"/>
+              </a:spcBef>
+              <a:spcAft>
+                <a:spcPts val="0"/>
+              </a:spcAft>
+              <a:buClrTx/>
+              <a:buSzTx/>
+              <a:buFontTx/>
+              <a:buNone/>
+              <a:tabLst/>
+              <a:defRPr/>
+            </a:pPr>
+            <a:r>
+              <a:rPr lang="zh-CN" altLang="en-US" sz="1200" kern="1200">
+                <a:solidFill>
+                  <a:schemeClr val="tx1"/>
+                </a:solidFill>
+                <a:latin typeface="+mn-lt"/>
+                <a:ea typeface="+mn-ea"/>
+                <a:cs typeface="+mn-cs"/>
+              </a:rPr>
+              <a:t>如果渠道商是广点通邑世</a:t>
+            </a:r>
+            <a:r>
+              <a:rPr lang="en-US" altLang="zh-CN" sz="1200" kern="1200">
+                <a:solidFill>
+                  <a:schemeClr val="tx1"/>
+                </a:solidFill>
+                <a:latin typeface="+mn-lt"/>
+                <a:ea typeface="+mn-ea"/>
+                <a:cs typeface="+mn-cs"/>
+              </a:rPr>
+              <a:t>,</a:t>
+            </a:r>
+            <a:r>
+              <a:rPr lang="zh-CN" altLang="en-US" sz="1200" kern="1200">
+                <a:solidFill>
+                  <a:schemeClr val="tx1"/>
+                </a:solidFill>
+                <a:latin typeface="+mn-lt"/>
+                <a:ea typeface="+mn-ea"/>
+                <a:cs typeface="+mn-cs"/>
+              </a:rPr>
+              <a:t>那么如果该渠道游戏位标记为广点通分成后</a:t>
+            </a:r>
+            <a:r>
+              <a:rPr lang="en-US" altLang="zh-CN" sz="1200" kern="1200">
+                <a:solidFill>
+                  <a:schemeClr val="tx1"/>
+                </a:solidFill>
+                <a:latin typeface="+mn-lt"/>
+                <a:ea typeface="+mn-ea"/>
+                <a:cs typeface="+mn-cs"/>
+              </a:rPr>
+              <a:t>,</a:t>
+            </a:r>
+            <a:r>
+              <a:rPr lang="zh-CN" altLang="en-US" sz="1200" kern="1200">
+                <a:solidFill>
+                  <a:schemeClr val="tx1"/>
+                </a:solidFill>
+                <a:latin typeface="+mn-lt"/>
+                <a:ea typeface="+mn-ea"/>
+                <a:cs typeface="+mn-cs"/>
+              </a:rPr>
+              <a:t>则充值金额</a:t>
+            </a:r>
+            <a:r>
+              <a:rPr lang="en-US" altLang="zh-CN" sz="1200" kern="1200">
+                <a:solidFill>
+                  <a:schemeClr val="tx1"/>
+                </a:solidFill>
+                <a:latin typeface="+mn-lt"/>
+                <a:ea typeface="+mn-ea"/>
+                <a:cs typeface="+mn-cs"/>
+              </a:rPr>
+              <a:t>-</a:t>
+            </a:r>
+            <a:r>
+              <a:rPr lang="zh-CN" altLang="en-US" sz="1200" kern="1200">
+                <a:solidFill>
+                  <a:schemeClr val="tx1"/>
+                </a:solidFill>
+                <a:latin typeface="+mn-lt"/>
+                <a:ea typeface="+mn-ea"/>
+                <a:cs typeface="+mn-cs"/>
+              </a:rPr>
+              <a:t>邑世分的金额</a:t>
+            </a:r>
+            <a:r>
+              <a:rPr lang="en-US" altLang="zh-CN" sz="1200" kern="1200">
+                <a:solidFill>
+                  <a:schemeClr val="tx1"/>
+                </a:solidFill>
+                <a:latin typeface="+mn-lt"/>
+                <a:ea typeface="+mn-ea"/>
+                <a:cs typeface="+mn-cs"/>
+              </a:rPr>
+              <a:t>,</a:t>
+            </a:r>
+            <a:r>
+              <a:rPr lang="zh-CN" altLang="en-US" sz="1200" kern="1200">
+                <a:solidFill>
+                  <a:schemeClr val="tx1"/>
+                </a:solidFill>
+                <a:latin typeface="+mn-lt"/>
+                <a:ea typeface="+mn-ea"/>
+                <a:cs typeface="+mn-cs"/>
+              </a:rPr>
+              <a:t>所得值再乘以广点通分成比例</a:t>
+            </a:r>
+            <a:r>
+              <a:rPr lang="en-US" altLang="zh-CN" sz="1200" kern="1200">
+                <a:solidFill>
+                  <a:schemeClr val="tx1"/>
+                </a:solidFill>
+                <a:latin typeface="+mn-lt"/>
+                <a:ea typeface="+mn-ea"/>
+                <a:cs typeface="+mn-cs"/>
+              </a:rPr>
+              <a:t>,</a:t>
+            </a:r>
+            <a:r>
+              <a:rPr lang="zh-CN" altLang="en-US" sz="1200" kern="1200">
+                <a:solidFill>
+                  <a:schemeClr val="tx1"/>
+                </a:solidFill>
+                <a:latin typeface="+mn-lt"/>
+                <a:ea typeface="+mn-ea"/>
+                <a:cs typeface="+mn-cs"/>
+              </a:rPr>
+              <a:t>如果是广点通分成前</a:t>
+            </a:r>
+            <a:r>
+              <a:rPr lang="en-US" altLang="zh-CN" sz="1200" kern="1200">
+                <a:solidFill>
+                  <a:schemeClr val="tx1"/>
+                </a:solidFill>
+                <a:latin typeface="+mn-lt"/>
+                <a:ea typeface="+mn-ea"/>
+                <a:cs typeface="+mn-cs"/>
+              </a:rPr>
+              <a:t>,</a:t>
+            </a:r>
+            <a:r>
+              <a:rPr lang="zh-CN" altLang="en-US" sz="1200" kern="1200">
+                <a:solidFill>
+                  <a:schemeClr val="tx1"/>
+                </a:solidFill>
+                <a:latin typeface="+mn-lt"/>
+                <a:ea typeface="+mn-ea"/>
+                <a:cs typeface="+mn-cs"/>
+              </a:rPr>
+              <a:t>则是充值金额</a:t>
+            </a:r>
+            <a:r>
+              <a:rPr lang="en-US" altLang="zh-CN" sz="1200" kern="1200">
+                <a:solidFill>
+                  <a:schemeClr val="tx1"/>
+                </a:solidFill>
+                <a:latin typeface="+mn-lt"/>
+                <a:ea typeface="+mn-ea"/>
+                <a:cs typeface="+mn-cs"/>
+              </a:rPr>
+              <a:t>*</a:t>
+            </a:r>
+            <a:r>
+              <a:rPr lang="zh-CN" altLang="en-US" sz="1200" kern="1200">
+                <a:solidFill>
+                  <a:schemeClr val="tx1"/>
+                </a:solidFill>
+                <a:latin typeface="+mn-lt"/>
+                <a:ea typeface="+mn-ea"/>
+                <a:cs typeface="+mn-cs"/>
+              </a:rPr>
+              <a:t>广点通分成比例</a:t>
+            </a:r>
+            <a:r>
+              <a:rPr lang="en-US" altLang="zh-CN" sz="1200" kern="1200">
+                <a:solidFill>
+                  <a:schemeClr val="tx1"/>
+                </a:solidFill>
+                <a:latin typeface="+mn-lt"/>
+                <a:ea typeface="+mn-ea"/>
+                <a:cs typeface="+mn-cs"/>
+              </a:rPr>
+              <a:t>-</a:t>
+            </a:r>
+            <a:r>
+              <a:rPr lang="zh-CN" altLang="en-US" sz="1200" kern="1200">
+                <a:solidFill>
+                  <a:schemeClr val="tx1"/>
+                </a:solidFill>
+                <a:latin typeface="+mn-lt"/>
+                <a:ea typeface="+mn-ea"/>
+                <a:cs typeface="+mn-cs"/>
+              </a:rPr>
+              <a:t>邑世分得金额</a:t>
+            </a:r>
+            <a:endParaRPr lang="en-US" altLang="zh-CN" sz="1200" kern="1200">
+              <a:solidFill>
+                <a:schemeClr val="tx1"/>
+              </a:solidFill>
+              <a:latin typeface="+mn-lt"/>
+              <a:ea typeface="+mn-ea"/>
+              <a:cs typeface="+mn-cs"/>
+            </a:endParaRPr>
+          </a:p>
+          <a:p>
+            <a:pPr marL="0" marR="0" lvl="0" indent="0" algn="l" defTabSz="914400" rtl="0" eaLnBrk="1" fontAlgn="auto" latinLnBrk="0" hangingPunct="1">
+              <a:lnSpc>
+                <a:spcPct val="100000"/>
+              </a:lnSpc>
+              <a:spcBef>
+                <a:spcPts val="0"/>
+              </a:spcBef>
+              <a:spcAft>
+                <a:spcPts val="0"/>
+              </a:spcAft>
+              <a:buClrTx/>
+              <a:buSzTx/>
+              <a:buFontTx/>
+              <a:buNone/>
+              <a:tabLst/>
+              <a:defRPr/>
+            </a:pPr>
+            <a:r>
+              <a:rPr lang="zh-CN" altLang="en-US" sz="1200" kern="1200">
+                <a:solidFill>
+                  <a:schemeClr val="tx1"/>
+                </a:solidFill>
+                <a:latin typeface="+mn-lt"/>
+                <a:ea typeface="+mn-ea"/>
+                <a:cs typeface="+mn-cs"/>
+              </a:rPr>
+              <a:t>这个广点通分成前后</a:t>
+            </a:r>
+            <a:r>
+              <a:rPr lang="en-US" altLang="zh-CN" sz="1200" kern="1200">
+                <a:solidFill>
+                  <a:schemeClr val="tx1"/>
+                </a:solidFill>
+                <a:latin typeface="+mn-lt"/>
+                <a:ea typeface="+mn-ea"/>
+                <a:cs typeface="+mn-cs"/>
+              </a:rPr>
+              <a:t>,</a:t>
+            </a:r>
+            <a:r>
+              <a:rPr lang="zh-CN" altLang="en-US" sz="1200" kern="1200">
+                <a:solidFill>
+                  <a:schemeClr val="tx1"/>
+                </a:solidFill>
+                <a:latin typeface="+mn-lt"/>
+                <a:ea typeface="+mn-ea"/>
+                <a:cs typeface="+mn-cs"/>
+              </a:rPr>
+              <a:t>是说广点通的分成比例先与邑世计算还是在邑世之后计算</a:t>
+            </a:r>
+            <a:r>
+              <a:rPr lang="en-US" altLang="zh-CN" sz="1200" kern="1200">
+                <a:solidFill>
+                  <a:schemeClr val="tx1"/>
+                </a:solidFill>
+                <a:latin typeface="+mn-lt"/>
+                <a:ea typeface="+mn-ea"/>
+                <a:cs typeface="+mn-cs"/>
+              </a:rPr>
+              <a:t>.</a:t>
+            </a:r>
+          </a:p>
+          <a:p>
+            <a:pPr marL="0" marR="0" lvl="0" indent="0" algn="l" defTabSz="914400" rtl="0" eaLnBrk="1" fontAlgn="auto" latinLnBrk="0" hangingPunct="1">
+              <a:lnSpc>
+                <a:spcPct val="100000"/>
+              </a:lnSpc>
+              <a:spcBef>
+                <a:spcPts val="0"/>
+              </a:spcBef>
+              <a:spcAft>
+                <a:spcPts val="0"/>
+              </a:spcAft>
+              <a:buClrTx/>
+              <a:buSzTx/>
+              <a:buFontTx/>
+              <a:buNone/>
+              <a:tabLst/>
+              <a:defRPr/>
+            </a:pPr>
+            <a:r>
+              <a:rPr lang="zh-CN" altLang="en-US" sz="1200" kern="1200">
+                <a:solidFill>
+                  <a:schemeClr val="tx1"/>
+                </a:solidFill>
+                <a:latin typeface="+mn-lt"/>
+                <a:ea typeface="+mn-ea"/>
+                <a:cs typeface="+mn-cs"/>
+              </a:rPr>
+              <a:t>如果是渠道商是广点通</a:t>
+            </a:r>
+            <a:r>
+              <a:rPr lang="en-US" altLang="zh-CN" sz="1200" kern="1200">
+                <a:solidFill>
+                  <a:schemeClr val="tx1"/>
+                </a:solidFill>
+                <a:latin typeface="+mn-lt"/>
+                <a:ea typeface="+mn-ea"/>
+                <a:cs typeface="+mn-cs"/>
+              </a:rPr>
+              <a:t>,</a:t>
+            </a:r>
+            <a:r>
+              <a:rPr lang="zh-CN" altLang="en-US" sz="1200" kern="1200">
+                <a:solidFill>
+                  <a:schemeClr val="tx1"/>
+                </a:solidFill>
+                <a:latin typeface="+mn-lt"/>
+                <a:ea typeface="+mn-ea"/>
+                <a:cs typeface="+mn-cs"/>
+              </a:rPr>
+              <a:t>那么根据广点通分成前后</a:t>
+            </a:r>
+            <a:r>
+              <a:rPr lang="en-US" altLang="zh-CN" sz="1200" kern="1200">
+                <a:solidFill>
+                  <a:schemeClr val="tx1"/>
+                </a:solidFill>
+                <a:latin typeface="+mn-lt"/>
+                <a:ea typeface="+mn-ea"/>
+                <a:cs typeface="+mn-cs"/>
+              </a:rPr>
+              <a:t>,</a:t>
+            </a:r>
+            <a:r>
+              <a:rPr lang="zh-CN" altLang="en-US" sz="1200" kern="1200">
+                <a:solidFill>
+                  <a:schemeClr val="tx1"/>
+                </a:solidFill>
+                <a:latin typeface="+mn-lt"/>
+                <a:ea typeface="+mn-ea"/>
+                <a:cs typeface="+mn-cs"/>
+              </a:rPr>
+              <a:t>判断与广点通通道费和广点通收费的计费顺序</a:t>
+            </a:r>
+            <a:r>
+              <a:rPr lang="en-US" altLang="zh-CN" sz="1200" kern="1200">
+                <a:solidFill>
+                  <a:schemeClr val="tx1"/>
+                </a:solidFill>
+                <a:latin typeface="+mn-lt"/>
+                <a:ea typeface="+mn-ea"/>
+                <a:cs typeface="+mn-cs"/>
+              </a:rPr>
+              <a:t>.</a:t>
+            </a:r>
+            <a:r>
+              <a:rPr lang="zh-CN" altLang="en-US" sz="1200" kern="1200">
+                <a:solidFill>
+                  <a:schemeClr val="tx1"/>
+                </a:solidFill>
+                <a:latin typeface="+mn-lt"/>
+                <a:ea typeface="+mn-ea"/>
+                <a:cs typeface="+mn-cs"/>
+              </a:rPr>
+              <a:t>如果是分成前</a:t>
+            </a:r>
+            <a:r>
+              <a:rPr lang="en-US" altLang="zh-CN" sz="1200" kern="1200">
+                <a:solidFill>
+                  <a:schemeClr val="tx1"/>
+                </a:solidFill>
+                <a:latin typeface="+mn-lt"/>
+                <a:ea typeface="+mn-ea"/>
+                <a:cs typeface="+mn-cs"/>
+              </a:rPr>
+              <a:t>,</a:t>
+            </a:r>
+            <a:r>
+              <a:rPr lang="zh-CN" altLang="en-US" sz="1200" kern="1200">
+                <a:solidFill>
+                  <a:schemeClr val="tx1"/>
+                </a:solidFill>
+                <a:latin typeface="+mn-lt"/>
+                <a:ea typeface="+mn-ea"/>
+                <a:cs typeface="+mn-cs"/>
+              </a:rPr>
+              <a:t>则是充值金额先与广点通推广游戏分成比例相乘</a:t>
+            </a:r>
+            <a:r>
+              <a:rPr lang="en-US" altLang="zh-CN" sz="1200" kern="1200">
+                <a:solidFill>
+                  <a:schemeClr val="tx1"/>
+                </a:solidFill>
+                <a:latin typeface="+mn-lt"/>
+                <a:ea typeface="+mn-ea"/>
+                <a:cs typeface="+mn-cs"/>
+              </a:rPr>
+              <a:t>,</a:t>
+            </a:r>
+            <a:r>
+              <a:rPr lang="zh-CN" altLang="en-US" sz="1200" kern="1200">
+                <a:solidFill>
+                  <a:schemeClr val="tx1"/>
+                </a:solidFill>
+                <a:latin typeface="+mn-lt"/>
+                <a:ea typeface="+mn-ea"/>
+                <a:cs typeface="+mn-cs"/>
+              </a:rPr>
+              <a:t>在减去通道费和广点通收费</a:t>
+            </a:r>
+            <a:r>
+              <a:rPr lang="en-US" altLang="zh-CN" sz="1200" kern="1200">
+                <a:solidFill>
+                  <a:schemeClr val="tx1"/>
+                </a:solidFill>
+                <a:latin typeface="+mn-lt"/>
+                <a:ea typeface="+mn-ea"/>
+                <a:cs typeface="+mn-cs"/>
+              </a:rPr>
+              <a:t>.</a:t>
+            </a:r>
+          </a:p>
+          <a:p>
+            <a:pPr marL="0" marR="0" lvl="0" indent="0" algn="l" defTabSz="914400" rtl="0" eaLnBrk="1" fontAlgn="auto" latinLnBrk="0" hangingPunct="1">
+              <a:lnSpc>
+                <a:spcPct val="100000"/>
+              </a:lnSpc>
+              <a:spcBef>
+                <a:spcPts val="0"/>
+              </a:spcBef>
+              <a:spcAft>
+                <a:spcPts val="0"/>
+              </a:spcAft>
+              <a:buClrTx/>
+              <a:buSzTx/>
+              <a:buFontTx/>
+              <a:buNone/>
+              <a:tabLst/>
+              <a:defRPr/>
+            </a:pPr>
+            <a:endParaRPr lang="en-US" altLang="zh-CN" sz="1200" kern="1200">
+              <a:solidFill>
+                <a:schemeClr val="tx1"/>
+              </a:solidFill>
+              <a:latin typeface="+mn-lt"/>
+              <a:ea typeface="+mn-ea"/>
+              <a:cs typeface="+mn-cs"/>
+            </a:endParaRPr>
+          </a:p>
+          <a:p>
+            <a:pPr marL="0" marR="0" lvl="0" indent="0" algn="l" defTabSz="914400" rtl="0" eaLnBrk="1" fontAlgn="auto" latinLnBrk="0" hangingPunct="1">
+              <a:lnSpc>
+                <a:spcPct val="100000"/>
+              </a:lnSpc>
+              <a:spcBef>
+                <a:spcPts val="0"/>
+              </a:spcBef>
+              <a:spcAft>
+                <a:spcPts val="0"/>
+              </a:spcAft>
+              <a:buClrTx/>
+              <a:buSzTx/>
+              <a:buFontTx/>
+              <a:buNone/>
+              <a:tabLst/>
+              <a:defRPr/>
+            </a:pPr>
+            <a:r>
+              <a:rPr lang="zh-CN" altLang="en-US" sz="1200" kern="1200">
+                <a:solidFill>
+                  <a:schemeClr val="tx1"/>
+                </a:solidFill>
+                <a:latin typeface="+mn-lt"/>
+                <a:ea typeface="+mn-ea"/>
+                <a:cs typeface="+mn-cs"/>
+              </a:rPr>
+              <a:t>安装、注册、次留数、累计充值、累计分成、期内成本、累计回本率</a:t>
+            </a:r>
+            <a:endParaRPr lang="en-US" altLang="zh-CN" sz="1200" kern="1200">
+              <a:solidFill>
+                <a:schemeClr val="tx1"/>
+              </a:solidFill>
+              <a:latin typeface="+mn-lt"/>
+              <a:ea typeface="+mn-ea"/>
+              <a:cs typeface="+mn-cs"/>
+            </a:endParaRPr>
+          </a:p>
+          <a:p>
+            <a:pPr marL="0" marR="0" lvl="0" indent="0" algn="l" defTabSz="914400" rtl="0" eaLnBrk="1" fontAlgn="auto" latinLnBrk="0" hangingPunct="1">
+              <a:lnSpc>
+                <a:spcPct val="100000"/>
+              </a:lnSpc>
+              <a:spcBef>
+                <a:spcPts val="0"/>
+              </a:spcBef>
+              <a:spcAft>
+                <a:spcPts val="0"/>
+              </a:spcAft>
+              <a:buClrTx/>
+              <a:buSzTx/>
+              <a:buFontTx/>
+              <a:buNone/>
+              <a:tabLst/>
+              <a:defRPr/>
+            </a:pPr>
+            <a:endParaRPr lang="en-US" altLang="zh-CN" sz="1200" kern="1200">
+              <a:solidFill>
+                <a:schemeClr val="tx1"/>
+              </a:solidFill>
+              <a:latin typeface="+mn-lt"/>
+              <a:ea typeface="+mn-ea"/>
+              <a:cs typeface="+mn-cs"/>
+            </a:endParaRPr>
+          </a:p>
+          <a:p>
+            <a:pPr marL="0" marR="0" lvl="0" indent="0" algn="l" defTabSz="914400" rtl="0" eaLnBrk="1" fontAlgn="auto" latinLnBrk="0" hangingPunct="1">
+              <a:lnSpc>
+                <a:spcPct val="100000"/>
+              </a:lnSpc>
+              <a:spcBef>
+                <a:spcPts val="0"/>
+              </a:spcBef>
+              <a:spcAft>
+                <a:spcPts val="0"/>
+              </a:spcAft>
+              <a:buClrTx/>
+              <a:buSzTx/>
+              <a:buFontTx/>
+              <a:buNone/>
+              <a:tabLst/>
+              <a:defRPr/>
+            </a:pPr>
+            <a:r>
+              <a:rPr lang="zh-CN" altLang="en-US" sz="1200" kern="1200">
+                <a:solidFill>
+                  <a:schemeClr val="tx1"/>
+                </a:solidFill>
+                <a:latin typeface="+mn-lt"/>
+                <a:ea typeface="+mn-ea"/>
+                <a:cs typeface="+mn-cs"/>
+              </a:rPr>
+              <a:t>期内回本率</a:t>
+            </a:r>
+            <a:r>
+              <a:rPr lang="en-US" altLang="zh-CN" sz="1200" kern="1200">
+                <a:solidFill>
+                  <a:schemeClr val="tx1"/>
+                </a:solidFill>
+                <a:latin typeface="+mn-lt"/>
+                <a:ea typeface="+mn-ea"/>
+                <a:cs typeface="+mn-cs"/>
+              </a:rPr>
+              <a:t>: </a:t>
+            </a:r>
+            <a:r>
+              <a:rPr lang="zh-CN" altLang="en-US" sz="1200" kern="1200">
+                <a:solidFill>
+                  <a:schemeClr val="tx1"/>
+                </a:solidFill>
+                <a:latin typeface="+mn-lt"/>
+                <a:ea typeface="+mn-ea"/>
+                <a:cs typeface="+mn-cs"/>
+              </a:rPr>
+              <a:t>上面计算得到的期内分成</a:t>
+            </a:r>
+            <a:r>
+              <a:rPr lang="en-US" altLang="zh-CN" sz="1200" kern="1200">
+                <a:solidFill>
+                  <a:schemeClr val="tx1"/>
+                </a:solidFill>
+                <a:latin typeface="+mn-lt"/>
+                <a:ea typeface="+mn-ea"/>
+                <a:cs typeface="+mn-cs"/>
+              </a:rPr>
+              <a:t>/</a:t>
+            </a:r>
+            <a:r>
+              <a:rPr lang="zh-CN" altLang="en-US" sz="1200" kern="1200">
+                <a:solidFill>
+                  <a:schemeClr val="tx1"/>
+                </a:solidFill>
+                <a:latin typeface="+mn-lt"/>
+                <a:ea typeface="+mn-ea"/>
+                <a:cs typeface="+mn-cs"/>
+              </a:rPr>
+              <a:t>期内投入</a:t>
+            </a:r>
+            <a:r>
+              <a:rPr lang="en-US" altLang="zh-CN" sz="1200" kern="1200">
+                <a:solidFill>
+                  <a:schemeClr val="tx1"/>
+                </a:solidFill>
+                <a:latin typeface="+mn-lt"/>
+                <a:ea typeface="+mn-ea"/>
+                <a:cs typeface="+mn-cs"/>
+              </a:rPr>
+              <a:t>*100%,</a:t>
+            </a:r>
+            <a:r>
+              <a:rPr lang="zh-CN" altLang="en-US" sz="1200" kern="1200">
+                <a:solidFill>
+                  <a:schemeClr val="tx1"/>
+                </a:solidFill>
+                <a:latin typeface="+mn-lt"/>
+                <a:ea typeface="+mn-ea"/>
+                <a:cs typeface="+mn-cs"/>
+              </a:rPr>
+              <a:t>保留一位小数</a:t>
+            </a:r>
+            <a:endParaRPr lang="en-US" altLang="zh-CN" sz="1200" kern="1200">
+              <a:solidFill>
+                <a:schemeClr val="tx1"/>
+              </a:solidFill>
+              <a:latin typeface="+mn-lt"/>
+              <a:ea typeface="+mn-ea"/>
+              <a:cs typeface="+mn-cs"/>
+            </a:endParaRPr>
+          </a:p>
+          <a:p>
+            <a:pPr marL="0" marR="0" lvl="0" indent="0" algn="l" defTabSz="914400" rtl="0" eaLnBrk="1" fontAlgn="auto" latinLnBrk="0" hangingPunct="1">
+              <a:lnSpc>
+                <a:spcPct val="100000"/>
+              </a:lnSpc>
+              <a:spcBef>
+                <a:spcPts val="0"/>
+              </a:spcBef>
+              <a:spcAft>
+                <a:spcPts val="0"/>
+              </a:spcAft>
+              <a:buClrTx/>
+              <a:buSzTx/>
+              <a:buFontTx/>
+              <a:buNone/>
+              <a:tabLst/>
+              <a:defRPr/>
+            </a:pPr>
+            <a:r>
+              <a:rPr lang="zh-CN" altLang="en-US" sz="1200" kern="1200">
+                <a:solidFill>
+                  <a:schemeClr val="tx1"/>
+                </a:solidFill>
+                <a:latin typeface="+mn-lt"/>
+                <a:ea typeface="+mn-ea"/>
+                <a:cs typeface="+mn-cs"/>
+              </a:rPr>
+              <a:t>历史用户总成本</a:t>
+            </a:r>
+            <a:endParaRPr lang="en-US" altLang="zh-CN" sz="1200" kern="1200">
+              <a:solidFill>
+                <a:schemeClr val="tx1"/>
+              </a:solidFill>
+              <a:latin typeface="+mn-lt"/>
+              <a:ea typeface="+mn-ea"/>
+              <a:cs typeface="+mn-cs"/>
+            </a:endParaRPr>
+          </a:p>
+          <a:p>
+            <a:r>
+              <a:rPr lang="zh-CN" altLang="en-US" sz="1200" kern="1200">
+                <a:solidFill>
+                  <a:schemeClr val="tx1"/>
+                </a:solidFill>
+                <a:latin typeface="+mn-lt"/>
+                <a:ea typeface="+mn-ea"/>
+                <a:cs typeface="+mn-cs"/>
+              </a:rPr>
+              <a:t>次留数、累计充值、累计分成、期内成本、累计回本率计算</a:t>
+            </a:r>
+            <a:r>
+              <a:rPr lang="en-US" altLang="zh-CN" sz="1200" kern="1200">
+                <a:solidFill>
+                  <a:schemeClr val="tx1"/>
+                </a:solidFill>
+                <a:latin typeface="+mn-lt"/>
+                <a:ea typeface="+mn-ea"/>
+                <a:cs typeface="+mn-cs"/>
+              </a:rPr>
+              <a:t>:</a:t>
+            </a:r>
+          </a:p>
+          <a:p>
+            <a:r>
+              <a:rPr lang="zh-CN" altLang="en-US" sz="1200" kern="1200">
+                <a:solidFill>
+                  <a:schemeClr val="tx1"/>
+                </a:solidFill>
+                <a:latin typeface="+mn-lt"/>
+                <a:ea typeface="+mn-ea"/>
+                <a:cs typeface="+mn-cs"/>
+              </a:rPr>
+              <a:t>历史用户累计成本、总分成（供总回本率用）</a:t>
+            </a:r>
+            <a:endParaRPr lang="en-US" altLang="zh-CN" sz="1200" kern="1200">
+              <a:solidFill>
+                <a:schemeClr val="tx1"/>
+              </a:solidFill>
+              <a:latin typeface="+mn-lt"/>
+              <a:ea typeface="+mn-ea"/>
+              <a:cs typeface="+mn-cs"/>
+            </a:endParaRPr>
+          </a:p>
+          <a:p>
             <a:endParaRPr lang="en-US" altLang="zh-CN" sz="1200" kern="1200">
               <a:solidFill>
                 <a:schemeClr val="tx1"/>
@@ -5711,7 +9180,7 @@
           <a:lstStyle/>
           <a:p>
             <a:r>
-              <a:rPr lang="zh-CN" altLang="en-US" sz="1200" kern="1200" smtClean="0">
+              <a:rPr lang="zh-CN" altLang="en-US" sz="1200" kern="1200">
                 <a:solidFill>
                   <a:schemeClr val="tx1"/>
                 </a:solidFill>
@@ -5722,18 +9191,18 @@
               <a:t>优云项目主要分为这么几个模块</a:t>
             </a:r>
             <a:r>
-              <a:rPr lang="en-US" altLang="zh-CN" sz="1200" kern="1200" smtClean="0">
-                <a:solidFill>
-                  <a:schemeClr val="tx1"/>
-                </a:solidFill>
-                <a:latin typeface="+mn-lt"/>
-                <a:ea typeface="+mn-ea"/>
-                <a:cs typeface="+mn-cs"/>
-              </a:rPr>
-              <a:t>,</a:t>
-            </a:r>
-            <a:r>
-              <a:rPr lang="zh-CN" altLang="en-US" sz="1200" kern="1200" smtClean="0">
+              <a:rPr lang="en-US" altLang="zh-CN" sz="1200" kern="1200">
+                <a:solidFill>
+                  <a:schemeClr val="tx1"/>
+                </a:solidFill>
+                <a:latin typeface="+mn-lt"/>
+                <a:ea typeface="+mn-ea"/>
+                <a:cs typeface="+mn-cs"/>
+              </a:rPr>
+              <a:t>,</a:t>
+            </a:r>
+            <a:r>
+              <a:rPr lang="zh-CN" altLang="en-US" sz="1200" kern="1200">
                 <a:solidFill>
                   <a:schemeClr val="tx1"/>
                 </a:solidFill>
@@ -5744,7 +9213,7 @@
               <a:t>其中</a:t>
             </a:r>
             <a:r>
-              <a:rPr lang="en-US" altLang="zh-CN" sz="1200" kern="1200" smtClean="0">
+              <a:rPr lang="en-US" altLang="zh-CN" sz="1200" kern="1200">
                 <a:solidFill>
                   <a:schemeClr val="tx1"/>
                 </a:solidFill>
@@ -5755,7 +9224,7 @@
               <a:t>Android,ios</a:t>
             </a:r>
             <a:r>
-              <a:rPr lang="zh-CN" altLang="en-US" sz="1200" kern="1200" smtClean="0">
+              <a:rPr lang="zh-CN" altLang="en-US" sz="1200" kern="1200">
                 <a:solidFill>
                   <a:schemeClr val="tx1"/>
                 </a:solidFill>
@@ -5766,18 +9235,18 @@
               <a:t>和海外的业务类型类似</a:t>
             </a:r>
             <a:r>
-              <a:rPr lang="en-US" altLang="zh-CN" sz="1200" kern="1200" smtClean="0">
-                <a:solidFill>
-                  <a:schemeClr val="tx1"/>
-                </a:solidFill>
-                <a:latin typeface="+mn-lt"/>
-                <a:ea typeface="+mn-ea"/>
-                <a:cs typeface="+mn-cs"/>
-              </a:rPr>
-              <a:t>,</a:t>
-            </a:r>
-            <a:r>
-              <a:rPr lang="zh-CN" altLang="en-US" sz="1200" kern="1200" smtClean="0">
+              <a:rPr lang="en-US" altLang="zh-CN" sz="1200" kern="1200">
+                <a:solidFill>
+                  <a:schemeClr val="tx1"/>
+                </a:solidFill>
+                <a:latin typeface="+mn-lt"/>
+                <a:ea typeface="+mn-ea"/>
+                <a:cs typeface="+mn-cs"/>
+              </a:rPr>
+              <a:t>,</a:t>
+            </a:r>
+            <a:r>
+              <a:rPr lang="zh-CN" altLang="en-US" sz="1200" kern="1200">
                 <a:solidFill>
                   <a:schemeClr val="tx1"/>
                 </a:solidFill>
@@ -5788,7 +9257,7 @@
               <a:t>不过</a:t>
             </a:r>
             <a:r>
-              <a:rPr lang="en-US" altLang="zh-CN" sz="1200" kern="1200" smtClean="0">
+              <a:rPr lang="en-US" altLang="zh-CN" sz="1200" kern="1200">
                 <a:solidFill>
                   <a:schemeClr val="tx1"/>
                 </a:solidFill>
@@ -5799,7 +9268,7 @@
               <a:t>Android</a:t>
             </a:r>
             <a:r>
-              <a:rPr lang="zh-CN" altLang="en-US" sz="1200" kern="1200" smtClean="0">
+              <a:rPr lang="zh-CN" altLang="en-US" sz="1200" kern="1200">
                 <a:solidFill>
                   <a:schemeClr val="tx1"/>
                 </a:solidFill>
@@ -5810,7 +9279,7 @@
               <a:t>是最复杂的</a:t>
             </a:r>
             <a:r>
-              <a:rPr lang="en-US" altLang="zh-CN" sz="1200" kern="1200" smtClean="0">
+              <a:rPr lang="en-US" altLang="zh-CN" sz="1200" kern="1200">
                 <a:solidFill>
                   <a:schemeClr val="tx1"/>
                 </a:solidFill>
@@ -5821,7 +9290,7 @@
               <a:t>,ios</a:t>
             </a:r>
             <a:r>
-              <a:rPr lang="zh-CN" altLang="en-US" sz="1200" kern="1200" smtClean="0">
+              <a:rPr lang="zh-CN" altLang="en-US" sz="1200" kern="1200">
                 <a:solidFill>
                   <a:schemeClr val="tx1"/>
                 </a:solidFill>
@@ -5832,18 +9301,18 @@
               <a:t>业务比较简单</a:t>
             </a:r>
             <a:r>
-              <a:rPr lang="en-US" altLang="zh-CN" sz="1200" kern="1200" smtClean="0">
-                <a:solidFill>
-                  <a:schemeClr val="tx1"/>
-                </a:solidFill>
-                <a:latin typeface="+mn-lt"/>
-                <a:ea typeface="+mn-ea"/>
-                <a:cs typeface="+mn-cs"/>
-              </a:rPr>
-              <a:t>,</a:t>
-            </a:r>
-            <a:r>
-              <a:rPr lang="zh-CN" altLang="en-US" sz="1200" kern="1200" smtClean="0">
+              <a:rPr lang="en-US" altLang="zh-CN" sz="1200" kern="1200">
+                <a:solidFill>
+                  <a:schemeClr val="tx1"/>
+                </a:solidFill>
+                <a:latin typeface="+mn-lt"/>
+                <a:ea typeface="+mn-ea"/>
+                <a:cs typeface="+mn-cs"/>
+              </a:rPr>
+              <a:t>,</a:t>
+            </a:r>
+            <a:r>
+              <a:rPr lang="zh-CN" altLang="en-US" sz="1200" kern="1200">
                 <a:solidFill>
                   <a:schemeClr val="tx1"/>
                 </a:solidFill>
@@ -5854,7 +9323,7 @@
               <a:t>海外业务的内容也会更少一些</a:t>
             </a:r>
             <a:r>
-              <a:rPr lang="en-US" altLang="zh-CN" sz="1200" kern="1200" smtClean="0">
+              <a:rPr lang="en-US" altLang="zh-CN" sz="1200" kern="1200">
                 <a:solidFill>
                   <a:schemeClr val="tx1"/>
                 </a:solidFill>
@@ -5867,7 +9336,7 @@
           </a:p>
           <a:p>
             <a:r>
-              <a:rPr lang="zh-CN" altLang="en-US" sz="1200" kern="1200" smtClean="0">
+              <a:rPr lang="zh-CN" altLang="en-US" sz="1200" kern="1200">
                 <a:solidFill>
                   <a:schemeClr val="tx1"/>
                 </a:solidFill>
@@ -5878,18 +9347,18 @@
               <a:t>财务管理主要是后台财务数据的展示和提供一些修改功能</a:t>
             </a:r>
             <a:r>
-              <a:rPr lang="en-US" altLang="zh-CN" sz="1200" kern="1200" smtClean="0">
-                <a:solidFill>
-                  <a:schemeClr val="tx1"/>
-                </a:solidFill>
-                <a:latin typeface="+mn-lt"/>
-                <a:ea typeface="+mn-ea"/>
-                <a:cs typeface="+mn-cs"/>
-              </a:rPr>
-              <a:t>,</a:t>
-            </a:r>
-            <a:r>
-              <a:rPr lang="zh-CN" altLang="en-US" sz="1200" kern="1200" smtClean="0">
+              <a:rPr lang="en-US" altLang="zh-CN" sz="1200" kern="1200">
+                <a:solidFill>
+                  <a:schemeClr val="tx1"/>
+                </a:solidFill>
+                <a:latin typeface="+mn-lt"/>
+                <a:ea typeface="+mn-ea"/>
+                <a:cs typeface="+mn-cs"/>
+              </a:rPr>
+              <a:t>,</a:t>
+            </a:r>
+            <a:r>
+              <a:rPr lang="zh-CN" altLang="en-US" sz="1200" kern="1200">
                 <a:solidFill>
                   <a:schemeClr val="tx1"/>
                 </a:solidFill>
@@ -5900,18 +9369,18 @@
               <a:t>这里会使用权限控制</a:t>
             </a:r>
             <a:r>
-              <a:rPr lang="en-US" altLang="zh-CN" sz="1200" kern="1200" smtClean="0">
-                <a:solidFill>
-                  <a:schemeClr val="tx1"/>
-                </a:solidFill>
-                <a:latin typeface="+mn-lt"/>
-                <a:ea typeface="+mn-ea"/>
-                <a:cs typeface="+mn-cs"/>
-              </a:rPr>
-              <a:t>,</a:t>
-            </a:r>
-            <a:r>
-              <a:rPr lang="zh-CN" altLang="en-US" sz="1200" kern="1200" smtClean="0">
+              <a:rPr lang="en-US" altLang="zh-CN" sz="1200" kern="1200">
+                <a:solidFill>
+                  <a:schemeClr val="tx1"/>
+                </a:solidFill>
+                <a:latin typeface="+mn-lt"/>
+                <a:ea typeface="+mn-ea"/>
+                <a:cs typeface="+mn-cs"/>
+              </a:rPr>
+              <a:t>,</a:t>
+            </a:r>
+            <a:r>
+              <a:rPr lang="zh-CN" altLang="en-US" sz="1200" kern="1200">
                 <a:solidFill>
                   <a:schemeClr val="tx1"/>
                 </a:solidFill>
@@ -5922,7 +9391,7 @@
               <a:t>只有超级管理员可以管理所有的模块内容</a:t>
             </a:r>
             <a:r>
-              <a:rPr lang="en-US" altLang="zh-CN" sz="1200" kern="1200" smtClean="0">
+              <a:rPr lang="en-US" altLang="zh-CN" sz="1200" kern="1200">
                 <a:solidFill>
                   <a:schemeClr val="tx1"/>
                 </a:solidFill>
@@ -5935,7 +9404,7 @@
           </a:p>
           <a:p>
             <a:r>
-              <a:rPr lang="zh-CN" altLang="en-US" sz="1200" kern="1200" smtClean="0">
+              <a:rPr lang="zh-CN" altLang="en-US" sz="1200" kern="1200">
                 <a:solidFill>
                   <a:schemeClr val="tx1"/>
                 </a:solidFill>
@@ -5946,7 +9415,7 @@
               <a:t>对账部分主要是提供一个账户</a:t>
             </a:r>
             <a:r>
-              <a:rPr lang="en-US" altLang="zh-CN" sz="1200" kern="1200" smtClean="0">
+              <a:rPr lang="en-US" altLang="zh-CN" sz="1200" kern="1200">
                 <a:solidFill>
                   <a:schemeClr val="tx1"/>
                 </a:solidFill>
@@ -5957,7 +9426,7 @@
               <a:t>(</a:t>
             </a:r>
             <a:r>
-              <a:rPr lang="zh-CN" altLang="en-US" sz="1200" kern="1200" smtClean="0">
+              <a:rPr lang="zh-CN" altLang="en-US" sz="1200" kern="1200">
                 <a:solidFill>
                   <a:schemeClr val="tx1"/>
                 </a:solidFill>
@@ -5968,7 +9437,7 @@
               <a:t>也就是渠道商账号</a:t>
             </a:r>
             <a:r>
-              <a:rPr lang="en-US" altLang="zh-CN" sz="1200" kern="1200" smtClean="0">
+              <a:rPr lang="en-US" altLang="zh-CN" sz="1200" kern="1200">
                 <a:solidFill>
                   <a:schemeClr val="tx1"/>
                 </a:solidFill>
@@ -5979,7 +9448,7 @@
               <a:t>)</a:t>
             </a:r>
             <a:r>
-              <a:rPr lang="zh-CN" altLang="en-US" sz="1200" kern="1200" smtClean="0">
+              <a:rPr lang="zh-CN" altLang="en-US" sz="1200" kern="1200">
                 <a:solidFill>
                   <a:schemeClr val="tx1"/>
                 </a:solidFill>
@@ -5990,18 +9459,18 @@
               <a:t>的消费等信息</a:t>
             </a:r>
             <a:r>
-              <a:rPr lang="en-US" altLang="zh-CN" sz="1200" kern="1200" smtClean="0">
-                <a:solidFill>
-                  <a:schemeClr val="tx1"/>
-                </a:solidFill>
-                <a:latin typeface="+mn-lt"/>
-                <a:ea typeface="+mn-ea"/>
-                <a:cs typeface="+mn-cs"/>
-              </a:rPr>
-              <a:t>,</a:t>
-            </a:r>
-            <a:r>
-              <a:rPr lang="zh-CN" altLang="en-US" sz="1200" kern="1200" smtClean="0">
+              <a:rPr lang="en-US" altLang="zh-CN" sz="1200" kern="1200">
+                <a:solidFill>
+                  <a:schemeClr val="tx1"/>
+                </a:solidFill>
+                <a:latin typeface="+mn-lt"/>
+                <a:ea typeface="+mn-ea"/>
+                <a:cs typeface="+mn-cs"/>
+              </a:rPr>
+              <a:t>,</a:t>
+            </a:r>
+            <a:r>
+              <a:rPr lang="zh-CN" altLang="en-US" sz="1200" kern="1200">
                 <a:solidFill>
                   <a:schemeClr val="tx1"/>
                 </a:solidFill>
@@ -6012,18 +9481,18 @@
               <a:t>成本</a:t>
             </a:r>
             <a:r>
-              <a:rPr lang="en-US" altLang="zh-CN" sz="1200" kern="1200" smtClean="0">
-                <a:solidFill>
-                  <a:schemeClr val="tx1"/>
-                </a:solidFill>
-                <a:latin typeface="+mn-lt"/>
-                <a:ea typeface="+mn-ea"/>
-                <a:cs typeface="+mn-cs"/>
-              </a:rPr>
-              <a:t>,</a:t>
-            </a:r>
-            <a:r>
-              <a:rPr lang="zh-CN" altLang="en-US" sz="1200" kern="1200" smtClean="0">
+              <a:rPr lang="en-US" altLang="zh-CN" sz="1200" kern="1200">
+                <a:solidFill>
+                  <a:schemeClr val="tx1"/>
+                </a:solidFill>
+                <a:latin typeface="+mn-lt"/>
+                <a:ea typeface="+mn-ea"/>
+                <a:cs typeface="+mn-cs"/>
+              </a:rPr>
+              <a:t>,</a:t>
+            </a:r>
+            <a:r>
+              <a:rPr lang="zh-CN" altLang="en-US" sz="1200" kern="1200">
                 <a:solidFill>
                   <a:schemeClr val="tx1"/>
                 </a:solidFill>
@@ -6034,7 +9503,7 @@
               <a:t>结算信息等</a:t>
             </a:r>
             <a:r>
-              <a:rPr lang="en-US" altLang="zh-CN" sz="1200" kern="1200" smtClean="0">
+              <a:rPr lang="en-US" altLang="zh-CN" sz="1200" kern="1200">
                 <a:solidFill>
                   <a:schemeClr val="tx1"/>
                 </a:solidFill>
@@ -6047,7 +9516,7 @@
           </a:p>
           <a:p>
             <a:r>
-              <a:rPr lang="zh-CN" altLang="en-US" sz="1200" kern="1200" smtClean="0">
+              <a:rPr lang="zh-CN" altLang="en-US" sz="1200" kern="1200">
                 <a:solidFill>
                   <a:schemeClr val="tx1"/>
                 </a:solidFill>
@@ -6058,18 +9527,18 @@
               <a:t>杂项管理主要是网站后台的管理</a:t>
             </a:r>
             <a:r>
-              <a:rPr lang="en-US" altLang="zh-CN" sz="1200" kern="1200" smtClean="0">
-                <a:solidFill>
-                  <a:schemeClr val="tx1"/>
-                </a:solidFill>
-                <a:latin typeface="+mn-lt"/>
-                <a:ea typeface="+mn-ea"/>
-                <a:cs typeface="+mn-cs"/>
-              </a:rPr>
-              <a:t>,</a:t>
-            </a:r>
-            <a:r>
-              <a:rPr lang="zh-CN" altLang="en-US" sz="1200" kern="1200" smtClean="0">
+              <a:rPr lang="en-US" altLang="zh-CN" sz="1200" kern="1200">
+                <a:solidFill>
+                  <a:schemeClr val="tx1"/>
+                </a:solidFill>
+                <a:latin typeface="+mn-lt"/>
+                <a:ea typeface="+mn-ea"/>
+                <a:cs typeface="+mn-cs"/>
+              </a:rPr>
+              <a:t>,</a:t>
+            </a:r>
+            <a:r>
+              <a:rPr lang="zh-CN" altLang="en-US" sz="1200" kern="1200">
                 <a:solidFill>
                   <a:schemeClr val="tx1"/>
                 </a:solidFill>
@@ -6080,18 +9549,18 @@
               <a:t>比如修改密码</a:t>
             </a:r>
             <a:r>
-              <a:rPr lang="en-US" altLang="zh-CN" sz="1200" kern="1200" smtClean="0">
-                <a:solidFill>
-                  <a:schemeClr val="tx1"/>
-                </a:solidFill>
-                <a:latin typeface="+mn-lt"/>
-                <a:ea typeface="+mn-ea"/>
-                <a:cs typeface="+mn-cs"/>
-              </a:rPr>
-              <a:t>,</a:t>
-            </a:r>
-            <a:r>
-              <a:rPr lang="zh-CN" altLang="en-US" sz="1200" kern="1200" smtClean="0">
+              <a:rPr lang="en-US" altLang="zh-CN" sz="1200" kern="1200">
+                <a:solidFill>
+                  <a:schemeClr val="tx1"/>
+                </a:solidFill>
+                <a:latin typeface="+mn-lt"/>
+                <a:ea typeface="+mn-ea"/>
+                <a:cs typeface="+mn-cs"/>
+              </a:rPr>
+              <a:t>,</a:t>
+            </a:r>
+            <a:r>
+              <a:rPr lang="zh-CN" altLang="en-US" sz="1200" kern="1200">
                 <a:solidFill>
                   <a:schemeClr val="tx1"/>
                 </a:solidFill>
@@ -6102,7 +9571,7 @@
               <a:t>展示管理员列表等</a:t>
             </a:r>
             <a:r>
-              <a:rPr lang="en-US" altLang="zh-CN" sz="1200" kern="1200" smtClean="0">
+              <a:rPr lang="en-US" altLang="zh-CN" sz="1200" kern="1200">
                 <a:solidFill>
                   <a:schemeClr val="tx1"/>
                 </a:solidFill>
@@ -9965,161 +13434,161 @@
           <a:lstStyle/>
           <a:p>
             <a:r>
-              <a:rPr lang="en-US" altLang="zh-CN" smtClean="0"/>
+              <a:rPr lang="en-US" altLang="zh-CN"/>
               <a:t>Android</a:t>
             </a:r>
             <a:r>
-              <a:rPr lang="zh-CN" altLang="en-US" smtClean="0"/>
+              <a:rPr lang="zh-CN" altLang="en-US"/>
               <a:t>业务主要是这</a:t>
             </a:r>
             <a:r>
-              <a:rPr lang="en-US" altLang="zh-CN" smtClean="0"/>
+              <a:rPr lang="en-US" altLang="zh-CN"/>
               <a:t>7</a:t>
             </a:r>
             <a:r>
-              <a:rPr lang="zh-CN" altLang="en-US" smtClean="0"/>
+              <a:rPr lang="zh-CN" altLang="en-US"/>
               <a:t>个部分</a:t>
             </a:r>
             <a:r>
-              <a:rPr lang="en-US" altLang="zh-CN" smtClean="0"/>
-              <a:t>,</a:t>
-            </a:r>
-          </a:p>
-          <a:p>
-            <a:r>
-              <a:rPr lang="zh-CN" altLang="en-US" smtClean="0"/>
+              <a:rPr lang="en-US" altLang="zh-CN"/>
+              <a:t>,</a:t>
+            </a:r>
+          </a:p>
+          <a:p>
+            <a:r>
+              <a:rPr lang="zh-CN" altLang="en-US"/>
               <a:t>其中前五个</a:t>
             </a:r>
             <a:r>
-              <a:rPr lang="en-US" altLang="zh-CN" smtClean="0"/>
-              <a:t>,</a:t>
-            </a:r>
-            <a:r>
-              <a:rPr lang="zh-CN" altLang="en-US" smtClean="0"/>
+              <a:rPr lang="en-US" altLang="zh-CN"/>
+              <a:t>,</a:t>
+            </a:r>
+            <a:r>
+              <a:rPr lang="zh-CN" altLang="en-US"/>
               <a:t>从用户列表到广告位列表这里</a:t>
             </a:r>
             <a:r>
-              <a:rPr lang="en-US" altLang="zh-CN" smtClean="0"/>
-              <a:t>,</a:t>
-            </a:r>
-            <a:r>
-              <a:rPr lang="zh-CN" altLang="en-US" smtClean="0"/>
+              <a:rPr lang="en-US" altLang="zh-CN"/>
+              <a:t>,</a:t>
+            </a:r>
+            <a:r>
+              <a:rPr lang="zh-CN" altLang="en-US"/>
               <a:t>都是数据信息的展示</a:t>
             </a:r>
             <a:r>
-              <a:rPr lang="en-US" altLang="zh-CN" smtClean="0"/>
-              <a:t>,</a:t>
-            </a:r>
-            <a:r>
-              <a:rPr lang="zh-CN" altLang="en-US" smtClean="0"/>
+              <a:rPr lang="en-US" altLang="zh-CN"/>
+              <a:t>,</a:t>
+            </a:r>
+            <a:r>
+              <a:rPr lang="zh-CN" altLang="en-US"/>
               <a:t>而下面广告位管理和广告位结算主要是广告位本身的一个管理</a:t>
             </a:r>
             <a:r>
-              <a:rPr lang="en-US" altLang="zh-CN" smtClean="0"/>
-              <a:t>,</a:t>
-            </a:r>
-            <a:r>
-              <a:rPr lang="zh-CN" altLang="en-US" smtClean="0"/>
+              <a:rPr lang="en-US" altLang="zh-CN"/>
+              <a:t>,</a:t>
+            </a:r>
+            <a:r>
+              <a:rPr lang="zh-CN" altLang="en-US"/>
               <a:t>比如广告位所属的渠道名称</a:t>
             </a:r>
             <a:r>
-              <a:rPr lang="en-US" altLang="zh-CN" smtClean="0"/>
-              <a:t>,</a:t>
-            </a:r>
-            <a:r>
-              <a:rPr lang="zh-CN" altLang="en-US" smtClean="0"/>
+              <a:rPr lang="en-US" altLang="zh-CN"/>
+              <a:t>,</a:t>
+            </a:r>
+            <a:r>
+              <a:rPr lang="zh-CN" altLang="en-US"/>
               <a:t>广告位的计费模式</a:t>
             </a:r>
             <a:r>
-              <a:rPr lang="en-US" altLang="zh-CN" smtClean="0"/>
-              <a:t>,</a:t>
-            </a:r>
-            <a:r>
-              <a:rPr lang="zh-CN" altLang="en-US" smtClean="0"/>
+              <a:rPr lang="en-US" altLang="zh-CN"/>
+              <a:t>,</a:t>
+            </a:r>
+            <a:r>
+              <a:rPr lang="zh-CN" altLang="en-US"/>
               <a:t>是</a:t>
             </a:r>
             <a:r>
-              <a:rPr lang="en-US" altLang="zh-CN" smtClean="0"/>
+              <a:rPr lang="en-US" altLang="zh-CN"/>
               <a:t>cps</a:t>
             </a:r>
             <a:r>
-              <a:rPr lang="zh-CN" altLang="en-US" smtClean="0"/>
+              <a:rPr lang="zh-CN" altLang="en-US"/>
               <a:t>还是</a:t>
             </a:r>
             <a:r>
-              <a:rPr lang="en-US" altLang="zh-CN" smtClean="0"/>
+              <a:rPr lang="en-US" altLang="zh-CN"/>
               <a:t>cpa</a:t>
             </a:r>
             <a:r>
-              <a:rPr lang="zh-CN" altLang="en-US" smtClean="0"/>
+              <a:rPr lang="zh-CN" altLang="en-US"/>
               <a:t>这些内容</a:t>
             </a:r>
             <a:r>
-              <a:rPr lang="en-US" altLang="zh-CN" smtClean="0"/>
-              <a:t>,</a:t>
-            </a:r>
-            <a:r>
-              <a:rPr lang="zh-CN" altLang="en-US" smtClean="0"/>
+              <a:rPr lang="en-US" altLang="zh-CN"/>
+              <a:t>,</a:t>
+            </a:r>
+            <a:r>
+              <a:rPr lang="zh-CN" altLang="en-US"/>
               <a:t>还有就是广告位的展示效果</a:t>
             </a:r>
             <a:r>
-              <a:rPr lang="en-US" altLang="zh-CN" smtClean="0"/>
+              <a:rPr lang="en-US" altLang="zh-CN"/>
               <a:t>(</a:t>
             </a:r>
             <a:r>
-              <a:rPr lang="zh-CN" altLang="en-US" smtClean="0"/>
+              <a:rPr lang="zh-CN" altLang="en-US"/>
               <a:t>展示效果的指标大概是</a:t>
             </a:r>
             <a:r>
-              <a:rPr lang="en-US" altLang="zh-CN" smtClean="0"/>
+              <a:rPr lang="en-US" altLang="zh-CN"/>
               <a:t>:</a:t>
             </a:r>
             <a:r>
-              <a:rPr lang="zh-CN" altLang="en-US" smtClean="0"/>
+              <a:rPr lang="zh-CN" altLang="en-US"/>
               <a:t>激活</a:t>
             </a:r>
             <a:r>
-              <a:rPr lang="en-US" altLang="zh-CN" smtClean="0"/>
+              <a:rPr lang="en-US" altLang="zh-CN"/>
               <a:t>(</a:t>
             </a:r>
             <a:r>
-              <a:rPr lang="zh-CN" altLang="en-US" smtClean="0"/>
+              <a:rPr lang="zh-CN" altLang="en-US"/>
               <a:t>安装</a:t>
             </a:r>
             <a:r>
-              <a:rPr lang="en-US" altLang="zh-CN" smtClean="0"/>
+              <a:rPr lang="en-US" altLang="zh-CN"/>
               <a:t>),</a:t>
             </a:r>
             <a:r>
-              <a:rPr lang="zh-CN" altLang="en-US" smtClean="0"/>
+              <a:rPr lang="zh-CN" altLang="en-US"/>
               <a:t>注册</a:t>
             </a:r>
             <a:r>
-              <a:rPr lang="en-US" altLang="zh-CN" smtClean="0"/>
-              <a:t>,</a:t>
-            </a:r>
-            <a:r>
-              <a:rPr lang="zh-CN" altLang="en-US" smtClean="0"/>
+              <a:rPr lang="en-US" altLang="zh-CN"/>
+              <a:t>,</a:t>
+            </a:r>
+            <a:r>
+              <a:rPr lang="zh-CN" altLang="en-US"/>
               <a:t>付费</a:t>
             </a:r>
             <a:r>
-              <a:rPr lang="en-US" altLang="zh-CN" smtClean="0"/>
-              <a:t>,</a:t>
-            </a:r>
-            <a:r>
-              <a:rPr lang="zh-CN" altLang="en-US" smtClean="0"/>
+              <a:rPr lang="en-US" altLang="zh-CN"/>
+              <a:t>,</a:t>
+            </a:r>
+            <a:r>
+              <a:rPr lang="zh-CN" altLang="en-US"/>
               <a:t>包括结算激活</a:t>
             </a:r>
             <a:r>
-              <a:rPr lang="en-US" altLang="zh-CN" smtClean="0"/>
-              <a:t>,</a:t>
-            </a:r>
-            <a:r>
-              <a:rPr lang="zh-CN" altLang="en-US" smtClean="0"/>
+              <a:rPr lang="en-US" altLang="zh-CN"/>
+              <a:t>,</a:t>
+            </a:r>
+            <a:r>
+              <a:rPr lang="zh-CN" altLang="en-US"/>
               <a:t>结算注册和结算付费这些信息</a:t>
             </a:r>
             <a:r>
-              <a:rPr lang="en-US" altLang="zh-CN" smtClean="0"/>
+              <a:rPr lang="en-US" altLang="zh-CN"/>
               <a:t>.)</a:t>
             </a:r>
             <a:endParaRPr lang="zh-CN" altLang="en-US"/>
@@ -12528,19 +15997,19 @@
           <a:lstStyle/>
           <a:p>
             <a:r>
-              <a:rPr lang="zh-CN" altLang="en-US" baseline="0" smtClean="0"/>
+              <a:rPr lang="zh-CN" altLang="en-US" baseline="0"/>
               <a:t>负责人这里是通过渠道商的负责人字段查询管理员</a:t>
             </a:r>
             <a:r>
-              <a:rPr lang="en-US" altLang="zh-CN" baseline="0" smtClean="0"/>
+              <a:rPr lang="en-US" altLang="zh-CN" baseline="0"/>
               <a:t>admin</a:t>
             </a:r>
             <a:r>
-              <a:rPr lang="zh-CN" altLang="en-US" baseline="0" smtClean="0"/>
+              <a:rPr lang="zh-CN" altLang="en-US" baseline="0"/>
               <a:t>表查出来的</a:t>
             </a:r>
             <a:r>
-              <a:rPr lang="en-US" altLang="zh-CN" baseline="0" smtClean="0"/>
+              <a:rPr lang="en-US" altLang="zh-CN" baseline="0"/>
               <a:t>.</a:t>
             </a:r>
           </a:p>
@@ -12563,35 +16032,35 @@
               <a:defRPr/>
             </a:pPr>
             <a:r>
-              <a:rPr lang="zh-CN" altLang="en-US" smtClean="0"/>
+              <a:rPr lang="zh-CN" altLang="en-US"/>
               <a:t>点击编辑按钮</a:t>
             </a:r>
             <a:r>
-              <a:rPr lang="en-US" altLang="zh-CN" smtClean="0"/>
-              <a:t>,</a:t>
-            </a:r>
-            <a:r>
-              <a:rPr lang="zh-CN" altLang="en-US" smtClean="0"/>
+              <a:rPr lang="en-US" altLang="zh-CN"/>
+              <a:t>,</a:t>
+            </a:r>
+            <a:r>
+              <a:rPr lang="zh-CN" altLang="en-US"/>
               <a:t>从账户维度</a:t>
             </a:r>
             <a:r>
-              <a:rPr lang="en-US" altLang="zh-CN" smtClean="0"/>
-              <a:t>,</a:t>
-            </a:r>
-            <a:r>
-              <a:rPr lang="zh-CN" altLang="en-US" smtClean="0"/>
+              <a:rPr lang="en-US" altLang="zh-CN"/>
+              <a:t>,</a:t>
+            </a:r>
+            <a:r>
+              <a:rPr lang="zh-CN" altLang="en-US"/>
               <a:t>设置账户信息</a:t>
             </a:r>
             <a:r>
-              <a:rPr lang="en-US" altLang="zh-CN" smtClean="0"/>
-              <a:t>,</a:t>
-            </a:r>
-            <a:r>
-              <a:rPr lang="zh-CN" altLang="en-US" smtClean="0"/>
+              <a:rPr lang="en-US" altLang="zh-CN"/>
+              <a:t>,</a:t>
+            </a:r>
+            <a:r>
+              <a:rPr lang="zh-CN" altLang="en-US"/>
               <a:t>栏目上有一个</a:t>
             </a:r>
             <a:r>
-              <a:rPr lang="zh-CN" altLang="en-US" sz="1200" b="1" i="0" kern="1200" smtClean="0">
+              <a:rPr lang="zh-CN" altLang="en-US" sz="1200" b="1" i="0" kern="1200">
                 <a:solidFill>
                   <a:schemeClr val="tx1"/>
                 </a:solidFill>
@@ -12603,210 +16072,210 @@
               <a:t>核准状态</a:t>
             </a:r>
             <a:r>
-              <a:rPr lang="en-US" altLang="zh-CN" smtClean="0"/>
-              <a:t>,</a:t>
-            </a:r>
-            <a:r>
-              <a:rPr lang="zh-CN" altLang="en-US" smtClean="0"/>
+              <a:rPr lang="en-US" altLang="zh-CN"/>
+              <a:t>,</a:t>
+            </a:r>
+            <a:r>
+              <a:rPr lang="zh-CN" altLang="en-US"/>
               <a:t>标识该渠道商是否通过审核</a:t>
             </a:r>
             <a:r>
-              <a:rPr lang="en-US" altLang="zh-CN" smtClean="0"/>
-              <a:t>,</a:t>
-            </a:r>
-            <a:r>
-              <a:rPr lang="zh-CN" altLang="en-US" smtClean="0"/>
+              <a:rPr lang="en-US" altLang="zh-CN"/>
+              <a:t>,</a:t>
+            </a:r>
+            <a:r>
+              <a:rPr lang="zh-CN" altLang="en-US"/>
               <a:t>假如没通过审核也不会影响下面</a:t>
             </a:r>
             <a:r>
-              <a:rPr lang="en-US" altLang="zh-CN" smtClean="0"/>
+              <a:rPr lang="en-US" altLang="zh-CN"/>
               <a:t>Android</a:t>
             </a:r>
             <a:r>
-              <a:rPr lang="zh-CN" altLang="en-US" smtClean="0"/>
+              <a:rPr lang="zh-CN" altLang="en-US"/>
               <a:t>渠道的添加</a:t>
             </a:r>
             <a:r>
-              <a:rPr lang="en-US" altLang="zh-CN" smtClean="0"/>
+              <a:rPr lang="en-US" altLang="zh-CN"/>
               <a:t>.</a:t>
             </a:r>
-            <a:endParaRPr lang="zh-CN" altLang="en-US" smtClean="0"/>
-          </a:p>
-          <a:p>
-            <a:r>
-              <a:rPr lang="zh-CN" altLang="en-US" smtClean="0"/>
+            <a:endParaRPr lang="zh-CN" altLang="en-US"/>
+          </a:p>
+          <a:p>
+            <a:r>
+              <a:rPr lang="zh-CN" altLang="en-US"/>
               <a:t>登录功能</a:t>
             </a:r>
             <a:r>
-              <a:rPr lang="en-US" altLang="zh-CN" smtClean="0"/>
-              <a:t>,</a:t>
-            </a:r>
-            <a:r>
-              <a:rPr lang="zh-CN" altLang="en-US" smtClean="0"/>
+              <a:rPr lang="en-US" altLang="zh-CN"/>
+              <a:t>,</a:t>
+            </a:r>
+            <a:r>
+              <a:rPr lang="zh-CN" altLang="en-US"/>
               <a:t>项目目前还没有开发</a:t>
             </a:r>
             <a:r>
-              <a:rPr lang="en-US" altLang="zh-CN" smtClean="0"/>
-              <a:t>,</a:t>
-            </a:r>
-            <a:r>
-              <a:rPr lang="zh-CN" altLang="en-US" smtClean="0"/>
+              <a:rPr lang="en-US" altLang="zh-CN"/>
+              <a:t>,</a:t>
+            </a:r>
+            <a:r>
+              <a:rPr lang="zh-CN" altLang="en-US"/>
               <a:t>所以点击登录是没效果的</a:t>
             </a:r>
             <a:r>
-              <a:rPr lang="en-US" altLang="zh-CN" smtClean="0"/>
-              <a:t>,</a:t>
-            </a:r>
-            <a:r>
-              <a:rPr lang="zh-CN" altLang="en-US" smtClean="0"/>
+              <a:rPr lang="en-US" altLang="zh-CN"/>
+              <a:t>,</a:t>
+            </a:r>
+            <a:r>
+              <a:rPr lang="zh-CN" altLang="en-US"/>
               <a:t>如果开发完成的话</a:t>
             </a:r>
             <a:r>
-              <a:rPr lang="en-US" altLang="zh-CN" smtClean="0"/>
-              <a:t>,</a:t>
-            </a:r>
-            <a:r>
-              <a:rPr lang="zh-CN" altLang="en-US" smtClean="0"/>
+              <a:rPr lang="en-US" altLang="zh-CN"/>
+              <a:t>,</a:t>
+            </a:r>
+            <a:r>
+              <a:rPr lang="zh-CN" altLang="en-US"/>
               <a:t>应该是点击登录按钮</a:t>
             </a:r>
             <a:r>
-              <a:rPr lang="en-US" altLang="zh-CN" smtClean="0"/>
-              <a:t>,</a:t>
-            </a:r>
-            <a:r>
-              <a:rPr lang="zh-CN" altLang="en-US" smtClean="0"/>
+              <a:rPr lang="en-US" altLang="zh-CN"/>
+              <a:t>,</a:t>
+            </a:r>
+            <a:r>
+              <a:rPr lang="zh-CN" altLang="en-US"/>
               <a:t>就会以选中渠道管理商账号来登录</a:t>
             </a:r>
             <a:r>
-              <a:rPr lang="en-US" altLang="zh-CN" smtClean="0"/>
+              <a:rPr lang="en-US" altLang="zh-CN"/>
               <a:t>.</a:t>
             </a:r>
           </a:p>
           <a:p>
             <a:r>
-              <a:rPr lang="zh-CN" altLang="en-US" smtClean="0"/>
+              <a:rPr lang="zh-CN" altLang="en-US"/>
               <a:t>设计这个功能也是因为优云后台本身在设计的时候就考虑过渠道商登录</a:t>
             </a:r>
             <a:r>
-              <a:rPr lang="en-US" altLang="zh-CN" smtClean="0"/>
-              <a:t>,</a:t>
-            </a:r>
-            <a:r>
-              <a:rPr lang="zh-CN" altLang="en-US" smtClean="0"/>
+              <a:rPr lang="en-US" altLang="zh-CN"/>
+              <a:t>,</a:t>
+            </a:r>
+            <a:r>
+              <a:rPr lang="zh-CN" altLang="en-US"/>
               <a:t>也设计了相关的</a:t>
             </a:r>
             <a:r>
-              <a:rPr lang="zh-CN" altLang="en-US" baseline="0" smtClean="0"/>
+              <a:rPr lang="zh-CN" altLang="en-US" baseline="0"/>
               <a:t>权限控制模块</a:t>
             </a:r>
             <a:r>
-              <a:rPr lang="en-US" altLang="zh-CN" baseline="0" smtClean="0"/>
-              <a:t>,</a:t>
-            </a:r>
-            <a:r>
-              <a:rPr lang="zh-CN" altLang="en-US" baseline="0" smtClean="0"/>
+              <a:rPr lang="en-US" altLang="zh-CN" baseline="0"/>
+              <a:t>,</a:t>
+            </a:r>
+            <a:r>
+              <a:rPr lang="zh-CN" altLang="en-US" baseline="0"/>
               <a:t>和</a:t>
             </a:r>
             <a:r>
-              <a:rPr lang="en-US" altLang="zh-CN" baseline="0" smtClean="0"/>
+              <a:rPr lang="en-US" altLang="zh-CN" baseline="0"/>
               <a:t>publisher</a:t>
             </a:r>
             <a:r>
-              <a:rPr lang="zh-CN" altLang="en-US" baseline="0" smtClean="0"/>
+              <a:rPr lang="zh-CN" altLang="en-US" baseline="0"/>
               <a:t>表中也设计了渠道商的账户密码</a:t>
             </a:r>
             <a:r>
-              <a:rPr lang="en-US" altLang="zh-CN" baseline="0" smtClean="0"/>
-              <a:t>,</a:t>
-            </a:r>
-            <a:r>
-              <a:rPr lang="zh-CN" altLang="en-US" baseline="0" smtClean="0"/>
+              <a:rPr lang="en-US" altLang="zh-CN" baseline="0"/>
+              <a:t>,</a:t>
+            </a:r>
+            <a:r>
+              <a:rPr lang="zh-CN" altLang="en-US" baseline="0"/>
               <a:t>但是实际上没有渠道商登录这块</a:t>
             </a:r>
             <a:r>
-              <a:rPr lang="en-US" altLang="zh-CN" baseline="0" smtClean="0"/>
+              <a:rPr lang="en-US" altLang="zh-CN" baseline="0"/>
               <a:t>.</a:t>
             </a:r>
           </a:p>
           <a:p>
             <a:r>
-              <a:rPr lang="zh-CN" altLang="en-US" baseline="0" smtClean="0"/>
+              <a:rPr lang="zh-CN" altLang="en-US" baseline="0"/>
               <a:t>栏目上</a:t>
             </a:r>
             <a:r>
-              <a:rPr lang="en-US" altLang="zh-CN" baseline="0" smtClean="0"/>
-              <a:t>,</a:t>
-            </a:r>
-            <a:r>
-              <a:rPr lang="zh-CN" altLang="en-US" baseline="0" smtClean="0"/>
+              <a:rPr lang="en-US" altLang="zh-CN" baseline="0"/>
+              <a:t>,</a:t>
+            </a:r>
+            <a:r>
+              <a:rPr lang="zh-CN" altLang="en-US" baseline="0"/>
               <a:t>用户名和</a:t>
             </a:r>
             <a:r>
-              <a:rPr lang="en-US" altLang="zh-CN" baseline="0" smtClean="0"/>
+              <a:rPr lang="en-US" altLang="zh-CN" baseline="0"/>
               <a:t>id</a:t>
             </a:r>
             <a:r>
-              <a:rPr lang="zh-CN" altLang="en-US" baseline="0" smtClean="0"/>
+              <a:rPr lang="zh-CN" altLang="en-US" baseline="0"/>
               <a:t>是可以点击的</a:t>
             </a:r>
             <a:r>
-              <a:rPr lang="en-US" altLang="zh-CN" baseline="0" smtClean="0"/>
-              <a:t>,</a:t>
-            </a:r>
-            <a:r>
-              <a:rPr lang="zh-CN" altLang="en-US" baseline="0" smtClean="0"/>
+              <a:rPr lang="en-US" altLang="zh-CN" baseline="0"/>
+              <a:t>,</a:t>
+            </a:r>
+            <a:r>
+              <a:rPr lang="zh-CN" altLang="en-US" baseline="0"/>
               <a:t>因为这些数据都是渠道商</a:t>
             </a:r>
             <a:r>
-              <a:rPr lang="en-US" altLang="zh-CN" baseline="0" smtClean="0"/>
-              <a:t>,</a:t>
-            </a:r>
-            <a:r>
-              <a:rPr lang="zh-CN" altLang="en-US" baseline="0" smtClean="0"/>
+              <a:rPr lang="en-US" altLang="zh-CN" baseline="0"/>
+              <a:t>,</a:t>
+            </a:r>
+            <a:r>
+              <a:rPr lang="zh-CN" altLang="en-US" baseline="0"/>
               <a:t>所以点击进去就会看到该渠道商名下所有的渠道列表</a:t>
             </a:r>
             <a:r>
-              <a:rPr lang="en-US" altLang="zh-CN" baseline="0" smtClean="0"/>
+              <a:rPr lang="en-US" altLang="zh-CN" baseline="0"/>
               <a:t>.</a:t>
             </a:r>
             <a:r>
-              <a:rPr lang="zh-CN" altLang="en-US" baseline="0" smtClean="0"/>
+              <a:rPr lang="zh-CN" altLang="en-US" baseline="0"/>
               <a:t>包括对应的渠道名称</a:t>
             </a:r>
             <a:r>
-              <a:rPr lang="en-US" altLang="zh-CN" baseline="0" smtClean="0"/>
-              <a:t>,</a:t>
-            </a:r>
-            <a:r>
-              <a:rPr lang="zh-CN" altLang="en-US" baseline="0" smtClean="0"/>
+              <a:rPr lang="en-US" altLang="zh-CN" baseline="0"/>
+              <a:t>,</a:t>
+            </a:r>
+            <a:r>
+              <a:rPr lang="zh-CN" altLang="en-US" baseline="0"/>
               <a:t>渠道</a:t>
             </a:r>
             <a:r>
-              <a:rPr lang="en-US" altLang="zh-CN" baseline="0" smtClean="0"/>
+              <a:rPr lang="en-US" altLang="zh-CN" baseline="0"/>
               <a:t>id,</a:t>
             </a:r>
             <a:r>
-              <a:rPr lang="zh-CN" altLang="en-US" baseline="0" smtClean="0"/>
+              <a:rPr lang="zh-CN" altLang="en-US" baseline="0"/>
               <a:t>合作方式</a:t>
             </a:r>
             <a:r>
-              <a:rPr lang="en-US" altLang="zh-CN" baseline="0" smtClean="0"/>
+              <a:rPr lang="en-US" altLang="zh-CN" baseline="0"/>
               <a:t>(cpa,cps,cpc</a:t>
             </a:r>
             <a:r>
-              <a:rPr lang="zh-CN" altLang="en-US" baseline="0" smtClean="0"/>
+              <a:rPr lang="zh-CN" altLang="en-US" baseline="0"/>
               <a:t>等</a:t>
             </a:r>
             <a:r>
-              <a:rPr lang="en-US" altLang="zh-CN" baseline="0" smtClean="0"/>
+              <a:rPr lang="en-US" altLang="zh-CN" baseline="0"/>
               <a:t>)</a:t>
             </a:r>
             <a:r>
-              <a:rPr lang="zh-CN" altLang="en-US" baseline="0" smtClean="0"/>
+              <a:rPr lang="zh-CN" altLang="en-US" baseline="0"/>
               <a:t>这些的详细信息</a:t>
             </a:r>
             <a:r>
-              <a:rPr lang="en-US" altLang="zh-CN" baseline="0" smtClean="0"/>
+              <a:rPr lang="en-US" altLang="zh-CN" baseline="0"/>
               <a:t>.</a:t>
             </a:r>
             <a:endParaRPr lang="zh-CN" altLang="en-US"/>
@@ -13622,7 +17091,7 @@
           <a:lstStyle/>
           <a:p>
             <a:r>
-              <a:rPr lang="zh-CN" altLang="en-US" sz="1200" kern="1200" smtClean="0">
+              <a:rPr lang="zh-CN" altLang="en-US" sz="1200" kern="1200">
                 <a:solidFill>
                   <a:schemeClr val="tx1"/>
                 </a:solidFill>
@@ -13633,18 +17102,18 @@
               <a:t>财务结算主要就是账号的财务信息</a:t>
             </a:r>
             <a:r>
-              <a:rPr lang="en-US" altLang="zh-CN" sz="1200" kern="1200" smtClean="0">
-                <a:solidFill>
-                  <a:schemeClr val="tx1"/>
-                </a:solidFill>
-                <a:latin typeface="+mn-lt"/>
-                <a:ea typeface="+mn-ea"/>
-                <a:cs typeface="+mn-cs"/>
-              </a:rPr>
-              <a:t>,</a:t>
-            </a:r>
-            <a:r>
-              <a:rPr lang="zh-CN" altLang="en-US" sz="1200" kern="1200" smtClean="0">
+              <a:rPr lang="en-US" altLang="zh-CN" sz="1200" kern="1200">
+                <a:solidFill>
+                  <a:schemeClr val="tx1"/>
+                </a:solidFill>
+                <a:latin typeface="+mn-lt"/>
+                <a:ea typeface="+mn-ea"/>
+                <a:cs typeface="+mn-cs"/>
+              </a:rPr>
+              <a:t>,</a:t>
+            </a:r>
+            <a:r>
+              <a:rPr lang="zh-CN" altLang="en-US" sz="1200" kern="1200">
                 <a:solidFill>
                   <a:schemeClr val="tx1"/>
                 </a:solidFill>
@@ -13654,7 +17123,7 @@
               </a:rPr>
               <a:t>包括四个模块</a:t>
             </a:r>
-            <a:endParaRPr lang="en-US" altLang="zh-CN" sz="1200" kern="1200" smtClean="0">
+            <a:endParaRPr lang="en-US" altLang="zh-CN" sz="1200" kern="1200">
               <a:solidFill>
                 <a:schemeClr val="tx1"/>
               </a:solidFill>
@@ -14115,7 +17584,7 @@
           <a:lstStyle/>
           <a:p>
             <a:r>
-              <a:rPr lang="zh-CN" altLang="en-US" sz="1200" kern="1200" smtClean="0">
+              <a:rPr lang="zh-CN" altLang="en-US" sz="1200" kern="1200">
                 <a:solidFill>
                   <a:schemeClr val="tx1"/>
                 </a:solidFill>
@@ -14126,18 +17595,18 @@
               <a:t>所谓的分期佣金和上面的佣金结算</a:t>
             </a:r>
             <a:r>
-              <a:rPr lang="en-US" altLang="zh-CN" sz="1200" kern="1200" smtClean="0">
-                <a:solidFill>
-                  <a:schemeClr val="tx1"/>
-                </a:solidFill>
-                <a:latin typeface="+mn-lt"/>
-                <a:ea typeface="+mn-ea"/>
-                <a:cs typeface="+mn-cs"/>
-              </a:rPr>
-              <a:t>,</a:t>
-            </a:r>
-            <a:r>
-              <a:rPr lang="zh-CN" altLang="en-US" sz="1200" kern="1200" smtClean="0">
+              <a:rPr lang="en-US" altLang="zh-CN" sz="1200" kern="1200">
+                <a:solidFill>
+                  <a:schemeClr val="tx1"/>
+                </a:solidFill>
+                <a:latin typeface="+mn-lt"/>
+                <a:ea typeface="+mn-ea"/>
+                <a:cs typeface="+mn-cs"/>
+              </a:rPr>
+              <a:t>,</a:t>
+            </a:r>
+            <a:r>
+              <a:rPr lang="zh-CN" altLang="en-US" sz="1200" kern="1200">
                 <a:solidFill>
                   <a:schemeClr val="tx1"/>
                 </a:solidFill>
@@ -14148,20 +17617,20 @@
               <a:t>是从两个角度来展示佣金业务的</a:t>
             </a:r>
             <a:r>
-              <a:rPr lang="en-US" altLang="zh-CN" sz="1200" kern="1200" smtClean="0">
-                <a:solidFill>
-                  <a:schemeClr val="tx1"/>
-                </a:solidFill>
-                <a:latin typeface="+mn-lt"/>
-                <a:ea typeface="+mn-ea"/>
-                <a:cs typeface="+mn-cs"/>
-              </a:rPr>
-              <a:t>,</a:t>
-            </a:r>
-          </a:p>
-          <a:p>
-            <a:r>
-              <a:rPr lang="zh-CN" altLang="en-US" sz="1200" kern="1200" smtClean="0">
+              <a:rPr lang="en-US" altLang="zh-CN" sz="1200" kern="1200">
+                <a:solidFill>
+                  <a:schemeClr val="tx1"/>
+                </a:solidFill>
+                <a:latin typeface="+mn-lt"/>
+                <a:ea typeface="+mn-ea"/>
+                <a:cs typeface="+mn-cs"/>
+              </a:rPr>
+              <a:t>,</a:t>
+            </a:r>
+          </a:p>
+          <a:p>
+            <a:r>
+              <a:rPr lang="zh-CN" altLang="en-US" sz="1200" kern="1200">
                 <a:solidFill>
                   <a:schemeClr val="tx1"/>
                 </a:solidFill>
@@ -14172,18 +17641,18 @@
               <a:t>佣金结算是以查询某个时间段内</a:t>
             </a:r>
             <a:r>
-              <a:rPr lang="en-US" altLang="zh-CN" sz="1200" kern="1200" smtClean="0">
-                <a:solidFill>
-                  <a:schemeClr val="tx1"/>
-                </a:solidFill>
-                <a:latin typeface="+mn-lt"/>
-                <a:ea typeface="+mn-ea"/>
-                <a:cs typeface="+mn-cs"/>
-              </a:rPr>
-              <a:t>,</a:t>
-            </a:r>
-            <a:r>
-              <a:rPr lang="zh-CN" altLang="en-US" sz="1200" kern="1200" smtClean="0">
+              <a:rPr lang="en-US" altLang="zh-CN" sz="1200" kern="1200">
+                <a:solidFill>
+                  <a:schemeClr val="tx1"/>
+                </a:solidFill>
+                <a:latin typeface="+mn-lt"/>
+                <a:ea typeface="+mn-ea"/>
+                <a:cs typeface="+mn-cs"/>
+              </a:rPr>
+              <a:t>,</a:t>
+            </a:r>
+            <a:r>
+              <a:rPr lang="zh-CN" altLang="en-US" sz="1200" kern="1200">
                 <a:solidFill>
                   <a:schemeClr val="tx1"/>
                 </a:solidFill>
@@ -14194,7 +17663,7 @@
               <a:t>公司支付的佣金详细信息</a:t>
             </a:r>
             <a:r>
-              <a:rPr lang="en-US" altLang="zh-CN" sz="1200" kern="1200" smtClean="0">
+              <a:rPr lang="en-US" altLang="zh-CN" sz="1200" kern="1200">
                 <a:solidFill>
                   <a:schemeClr val="tx1"/>
                 </a:solidFill>
@@ -14205,7 +17674,7 @@
               <a:t>.</a:t>
             </a:r>
             <a:r>
-              <a:rPr lang="zh-CN" altLang="en-US" sz="1200" kern="1200" smtClean="0">
+              <a:rPr lang="zh-CN" altLang="en-US" sz="1200" kern="1200">
                 <a:solidFill>
                   <a:schemeClr val="tx1"/>
                 </a:solidFill>
@@ -14216,18 +17685,18 @@
               <a:t>这就会有一天时间内</a:t>
             </a:r>
             <a:r>
-              <a:rPr lang="en-US" altLang="zh-CN" sz="1200" kern="1200" smtClean="0">
-                <a:solidFill>
-                  <a:schemeClr val="tx1"/>
-                </a:solidFill>
-                <a:latin typeface="+mn-lt"/>
-                <a:ea typeface="+mn-ea"/>
-                <a:cs typeface="+mn-cs"/>
-              </a:rPr>
-              <a:t>,</a:t>
-            </a:r>
-            <a:r>
-              <a:rPr lang="zh-CN" altLang="en-US" sz="1200" kern="1200" smtClean="0">
+              <a:rPr lang="en-US" altLang="zh-CN" sz="1200" kern="1200">
+                <a:solidFill>
+                  <a:schemeClr val="tx1"/>
+                </a:solidFill>
+                <a:latin typeface="+mn-lt"/>
+                <a:ea typeface="+mn-ea"/>
+                <a:cs typeface="+mn-cs"/>
+              </a:rPr>
+              <a:t>,</a:t>
+            </a:r>
+            <a:r>
+              <a:rPr lang="zh-CN" altLang="en-US" sz="1200" kern="1200">
                 <a:solidFill>
                   <a:schemeClr val="tx1"/>
                 </a:solidFill>
@@ -14238,7 +17707,7 @@
               <a:t>有多条记录</a:t>
             </a:r>
             <a:r>
-              <a:rPr lang="en-US" altLang="zh-CN" sz="1200" kern="1200" smtClean="0">
+              <a:rPr lang="en-US" altLang="zh-CN" sz="1200" kern="1200">
                 <a:solidFill>
                   <a:schemeClr val="tx1"/>
                 </a:solidFill>
@@ -14249,7 +17718,7 @@
               <a:t>(</a:t>
             </a:r>
             <a:r>
-              <a:rPr lang="zh-CN" altLang="en-US" sz="1200" kern="1200" smtClean="0">
+              <a:rPr lang="zh-CN" altLang="en-US" sz="1200" kern="1200">
                 <a:solidFill>
                   <a:schemeClr val="tx1"/>
                 </a:solidFill>
@@ -14260,7 +17729,7 @@
               <a:t>公司一天内与多个渠道商结算</a:t>
             </a:r>
             <a:r>
-              <a:rPr lang="en-US" altLang="zh-CN" sz="1200" kern="1200" smtClean="0">
+              <a:rPr lang="en-US" altLang="zh-CN" sz="1200" kern="1200">
                 <a:solidFill>
                   <a:schemeClr val="tx1"/>
                 </a:solidFill>
@@ -14273,7 +17742,7 @@
           </a:p>
           <a:p>
             <a:r>
-              <a:rPr lang="zh-CN" altLang="en-US" sz="1200" kern="1200" smtClean="0">
+              <a:rPr lang="zh-CN" altLang="en-US" sz="1200" kern="1200">
                 <a:solidFill>
                   <a:schemeClr val="tx1"/>
                 </a:solidFill>
@@ -14284,18 +17753,18 @@
               <a:t>而分期佣金则是提供了全部结算的记录</a:t>
             </a:r>
             <a:r>
-              <a:rPr lang="en-US" altLang="zh-CN" sz="1200" kern="1200" smtClean="0">
-                <a:solidFill>
-                  <a:schemeClr val="tx1"/>
-                </a:solidFill>
-                <a:latin typeface="+mn-lt"/>
-                <a:ea typeface="+mn-ea"/>
-                <a:cs typeface="+mn-cs"/>
-              </a:rPr>
-              <a:t>,</a:t>
-            </a:r>
-            <a:r>
-              <a:rPr lang="zh-CN" altLang="en-US" sz="1200" kern="1200" smtClean="0">
+              <a:rPr lang="en-US" altLang="zh-CN" sz="1200" kern="1200">
+                <a:solidFill>
+                  <a:schemeClr val="tx1"/>
+                </a:solidFill>
+                <a:latin typeface="+mn-lt"/>
+                <a:ea typeface="+mn-ea"/>
+                <a:cs typeface="+mn-cs"/>
+              </a:rPr>
+              <a:t>,</a:t>
+            </a:r>
+            <a:r>
+              <a:rPr lang="zh-CN" altLang="en-US" sz="1200" kern="1200">
                 <a:solidFill>
                   <a:schemeClr val="tx1"/>
                 </a:solidFill>
@@ -14306,18 +17775,18 @@
               <a:t>一天只对应一条记录</a:t>
             </a:r>
             <a:r>
-              <a:rPr lang="en-US" altLang="zh-CN" sz="1200" kern="1200" smtClean="0">
-                <a:solidFill>
-                  <a:schemeClr val="tx1"/>
-                </a:solidFill>
-                <a:latin typeface="+mn-lt"/>
-                <a:ea typeface="+mn-ea"/>
-                <a:cs typeface="+mn-cs"/>
-              </a:rPr>
-              <a:t>,</a:t>
-            </a:r>
-            <a:r>
-              <a:rPr lang="zh-CN" altLang="en-US" sz="1200" kern="1200" smtClean="0">
+              <a:rPr lang="en-US" altLang="zh-CN" sz="1200" kern="1200">
+                <a:solidFill>
+                  <a:schemeClr val="tx1"/>
+                </a:solidFill>
+                <a:latin typeface="+mn-lt"/>
+                <a:ea typeface="+mn-ea"/>
+                <a:cs typeface="+mn-cs"/>
+              </a:rPr>
+              <a:t>,</a:t>
+            </a:r>
+            <a:r>
+              <a:rPr lang="zh-CN" altLang="en-US" sz="1200" kern="1200">
                 <a:solidFill>
                   <a:schemeClr val="tx1"/>
                 </a:solidFill>
@@ -14328,18 +17797,18 @@
               <a:t>记录了该天佣金的一个总支出</a:t>
             </a:r>
             <a:r>
-              <a:rPr lang="en-US" altLang="zh-CN" sz="1200" kern="1200" smtClean="0">
-                <a:solidFill>
-                  <a:schemeClr val="tx1"/>
-                </a:solidFill>
-                <a:latin typeface="+mn-lt"/>
-                <a:ea typeface="+mn-ea"/>
-                <a:cs typeface="+mn-cs"/>
-              </a:rPr>
-              <a:t>,</a:t>
-            </a:r>
-            <a:r>
-              <a:rPr lang="zh-CN" altLang="en-US" sz="1200" kern="1200" smtClean="0">
+              <a:rPr lang="en-US" altLang="zh-CN" sz="1200" kern="1200">
+                <a:solidFill>
+                  <a:schemeClr val="tx1"/>
+                </a:solidFill>
+                <a:latin typeface="+mn-lt"/>
+                <a:ea typeface="+mn-ea"/>
+                <a:cs typeface="+mn-cs"/>
+              </a:rPr>
+              <a:t>,</a:t>
+            </a:r>
+            <a:r>
+              <a:rPr lang="zh-CN" altLang="en-US" sz="1200" kern="1200">
                 <a:solidFill>
                   <a:schemeClr val="tx1"/>
                 </a:solidFill>
@@ -14350,18 +17819,18 @@
               <a:t>同时</a:t>
             </a:r>
             <a:r>
-              <a:rPr lang="en-US" altLang="zh-CN" sz="1200" kern="1200" smtClean="0">
-                <a:solidFill>
-                  <a:schemeClr val="tx1"/>
-                </a:solidFill>
-                <a:latin typeface="+mn-lt"/>
-                <a:ea typeface="+mn-ea"/>
-                <a:cs typeface="+mn-cs"/>
-              </a:rPr>
-              <a:t>,</a:t>
-            </a:r>
-            <a:r>
-              <a:rPr lang="zh-CN" altLang="en-US" sz="1200" kern="1200" smtClean="0">
+              <a:rPr lang="en-US" altLang="zh-CN" sz="1200" kern="1200">
+                <a:solidFill>
+                  <a:schemeClr val="tx1"/>
+                </a:solidFill>
+                <a:latin typeface="+mn-lt"/>
+                <a:ea typeface="+mn-ea"/>
+                <a:cs typeface="+mn-cs"/>
+              </a:rPr>
+              <a:t>,</a:t>
+            </a:r>
+            <a:r>
+              <a:rPr lang="zh-CN" altLang="en-US" sz="1200" kern="1200">
                 <a:solidFill>
                   <a:schemeClr val="tx1"/>
                 </a:solidFill>
@@ -14372,18 +17841,18 @@
               <a:t>也提供详细按钮</a:t>
             </a:r>
             <a:r>
-              <a:rPr lang="en-US" altLang="zh-CN" sz="1200" kern="1200" smtClean="0">
-                <a:solidFill>
-                  <a:schemeClr val="tx1"/>
-                </a:solidFill>
-                <a:latin typeface="+mn-lt"/>
-                <a:ea typeface="+mn-ea"/>
-                <a:cs typeface="+mn-cs"/>
-              </a:rPr>
-              <a:t>,</a:t>
-            </a:r>
-            <a:r>
-              <a:rPr lang="zh-CN" altLang="en-US" sz="1200" kern="1200" smtClean="0">
+              <a:rPr lang="en-US" altLang="zh-CN" sz="1200" kern="1200">
+                <a:solidFill>
+                  <a:schemeClr val="tx1"/>
+                </a:solidFill>
+                <a:latin typeface="+mn-lt"/>
+                <a:ea typeface="+mn-ea"/>
+                <a:cs typeface="+mn-cs"/>
+              </a:rPr>
+              <a:t>,</a:t>
+            </a:r>
+            <a:r>
+              <a:rPr lang="zh-CN" altLang="en-US" sz="1200" kern="1200">
                 <a:solidFill>
                   <a:schemeClr val="tx1"/>
                 </a:solidFill>
@@ -14394,18 +17863,18 @@
               <a:t>点击该按钮就可以查到该天具体结算的详情</a:t>
             </a:r>
             <a:r>
-              <a:rPr lang="en-US" altLang="zh-CN" sz="1200" kern="1200" smtClean="0">
-                <a:solidFill>
-                  <a:schemeClr val="tx1"/>
-                </a:solidFill>
-                <a:latin typeface="+mn-lt"/>
-                <a:ea typeface="+mn-ea"/>
-                <a:cs typeface="+mn-cs"/>
-              </a:rPr>
-              <a:t>,</a:t>
-            </a:r>
-            <a:r>
-              <a:rPr lang="zh-CN" altLang="en-US" sz="1200" kern="1200" smtClean="0">
+              <a:rPr lang="en-US" altLang="zh-CN" sz="1200" kern="1200">
+                <a:solidFill>
+                  <a:schemeClr val="tx1"/>
+                </a:solidFill>
+                <a:latin typeface="+mn-lt"/>
+                <a:ea typeface="+mn-ea"/>
+                <a:cs typeface="+mn-cs"/>
+              </a:rPr>
+              <a:t>,</a:t>
+            </a:r>
+            <a:r>
+              <a:rPr lang="zh-CN" altLang="en-US" sz="1200" kern="1200">
                 <a:solidFill>
                   <a:schemeClr val="tx1"/>
                 </a:solidFill>
@@ -14416,18 +17885,18 @@
               <a:t>包括结算给哪位渠道商</a:t>
             </a:r>
             <a:r>
-              <a:rPr lang="en-US" altLang="zh-CN" sz="1200" kern="1200" smtClean="0">
-                <a:solidFill>
-                  <a:schemeClr val="tx1"/>
-                </a:solidFill>
-                <a:latin typeface="+mn-lt"/>
-                <a:ea typeface="+mn-ea"/>
-                <a:cs typeface="+mn-cs"/>
-              </a:rPr>
-              <a:t>,</a:t>
-            </a:r>
-            <a:r>
-              <a:rPr lang="zh-CN" altLang="en-US" sz="1200" kern="1200" smtClean="0">
+              <a:rPr lang="en-US" altLang="zh-CN" sz="1200" kern="1200">
+                <a:solidFill>
+                  <a:schemeClr val="tx1"/>
+                </a:solidFill>
+                <a:latin typeface="+mn-lt"/>
+                <a:ea typeface="+mn-ea"/>
+                <a:cs typeface="+mn-cs"/>
+              </a:rPr>
+              <a:t>,</a:t>
+            </a:r>
+            <a:r>
+              <a:rPr lang="zh-CN" altLang="en-US" sz="1200" kern="1200">
                 <a:solidFill>
                   <a:schemeClr val="tx1"/>
                 </a:solidFill>
@@ -14438,18 +17907,18 @@
               <a:t>结算多少</a:t>
             </a:r>
             <a:r>
-              <a:rPr lang="en-US" altLang="zh-CN" sz="1200" kern="1200" smtClean="0">
-                <a:solidFill>
-                  <a:schemeClr val="tx1"/>
-                </a:solidFill>
-                <a:latin typeface="+mn-lt"/>
-                <a:ea typeface="+mn-ea"/>
-                <a:cs typeface="+mn-cs"/>
-              </a:rPr>
-              <a:t>,</a:t>
-            </a:r>
-            <a:r>
-              <a:rPr lang="zh-CN" altLang="en-US" sz="1200" kern="1200" smtClean="0">
+              <a:rPr lang="en-US" altLang="zh-CN" sz="1200" kern="1200">
+                <a:solidFill>
+                  <a:schemeClr val="tx1"/>
+                </a:solidFill>
+                <a:latin typeface="+mn-lt"/>
+                <a:ea typeface="+mn-ea"/>
+                <a:cs typeface="+mn-cs"/>
+              </a:rPr>
+              <a:t>,</a:t>
+            </a:r>
+            <a:r>
+              <a:rPr lang="zh-CN" altLang="en-US" sz="1200" kern="1200">
                 <a:solidFill>
                   <a:schemeClr val="tx1"/>
                 </a:solidFill>
@@ -14460,7 +17929,7 @@
               <a:t>是按照</a:t>
             </a:r>
             <a:r>
-              <a:rPr lang="en-US" altLang="zh-CN" sz="1200" kern="1200" smtClean="0">
+              <a:rPr lang="en-US" altLang="zh-CN" sz="1200" kern="1200">
                 <a:solidFill>
                   <a:schemeClr val="tx1"/>
                 </a:solidFill>
@@ -14471,7 +17940,7 @@
               <a:t>cpa</a:t>
             </a:r>
             <a:r>
-              <a:rPr lang="zh-CN" altLang="en-US" sz="1200" kern="1200" smtClean="0">
+              <a:rPr lang="zh-CN" altLang="en-US" sz="1200" kern="1200">
                 <a:solidFill>
                   <a:schemeClr val="tx1"/>
                 </a:solidFill>
@@ -14482,7 +17951,7 @@
               <a:t>还是</a:t>
             </a:r>
             <a:r>
-              <a:rPr lang="en-US" altLang="zh-CN" sz="1200" kern="1200" smtClean="0">
+              <a:rPr lang="en-US" altLang="zh-CN" sz="1200" kern="1200">
                 <a:solidFill>
                   <a:schemeClr val="tx1"/>
                 </a:solidFill>
@@ -14493,7 +17962,7 @@
               <a:t>cps</a:t>
             </a:r>
             <a:r>
-              <a:rPr lang="zh-CN" altLang="en-US" sz="1200" kern="1200" smtClean="0">
+              <a:rPr lang="zh-CN" altLang="en-US" sz="1200" kern="1200">
                 <a:solidFill>
                   <a:schemeClr val="tx1"/>
                 </a:solidFill>
@@ -14504,7 +17973,7 @@
               <a:t>合作等</a:t>
             </a:r>
             <a:r>
-              <a:rPr lang="en-US" altLang="zh-CN" sz="1200" kern="1200" smtClean="0">
+              <a:rPr lang="en-US" altLang="zh-CN" sz="1200" kern="1200">
                 <a:solidFill>
                   <a:schemeClr val="tx1"/>
                 </a:solidFill>
@@ -14517,26 +17986,15 @@
           </a:p>
           <a:p>
             <a:r>
-              <a:rPr lang="zh-CN" altLang="en-US" sz="1200" kern="1200" smtClean="0">
-                <a:solidFill>
-                  <a:schemeClr val="tx1"/>
-                </a:solidFill>
-                <a:latin typeface="+mn-lt"/>
-                <a:ea typeface="+mn-ea"/>
-                <a:cs typeface="+mn-cs"/>
-              </a:rPr>
-              <a:t>从</a:t>
-            </a:r>
-            <a:r>
-              <a:rPr lang="zh-CN" altLang="en-US" sz="1200" kern="1200">
-                <a:solidFill>
-                  <a:schemeClr val="tx1"/>
-                </a:solidFill>
-                <a:latin typeface="+mn-lt"/>
-                <a:ea typeface="+mn-ea"/>
-                <a:cs typeface="+mn-cs"/>
-              </a:rPr>
-              <a:t>代码角度看就是将</a:t>
+              <a:rPr lang="zh-CN" altLang="en-US" sz="1200" kern="1200">
+                <a:solidFill>
+                  <a:schemeClr val="tx1"/>
+                </a:solidFill>
+                <a:latin typeface="+mn-lt"/>
+                <a:ea typeface="+mn-ea"/>
+                <a:cs typeface="+mn-cs"/>
+              </a:rPr>
+              <a:t>从代码角度看就是将</a:t>
             </a:r>
             <a:r>
               <a:rPr lang="en-US" altLang="zh-CN" sz="1200" kern="1200" err="1">
@@ -14624,32 +18082,21 @@
                 <a:ea typeface="+mn-ea"/>
                 <a:cs typeface="+mn-cs"/>
               </a:rPr>
-              <a:t>这个时间段内的一个结算情况</a:t>
-            </a:r>
-            <a:r>
-              <a:rPr lang="zh-CN" altLang="en-US" sz="1200" kern="1200" smtClean="0">
-                <a:solidFill>
-                  <a:schemeClr val="tx1"/>
-                </a:solidFill>
-                <a:latin typeface="+mn-lt"/>
-                <a:ea typeface="+mn-ea"/>
-                <a:cs typeface="+mn-cs"/>
-              </a:rPr>
-              <a:t>进行分组叠加数据</a:t>
-            </a:r>
-            <a:r>
-              <a:rPr lang="en-US" altLang="zh-CN" sz="1200" kern="1200" smtClean="0">
-                <a:solidFill>
-                  <a:schemeClr val="tx1"/>
-                </a:solidFill>
-                <a:latin typeface="+mn-lt"/>
-                <a:ea typeface="+mn-ea"/>
-                <a:cs typeface="+mn-cs"/>
-              </a:rPr>
-              <a:t>,</a:t>
-            </a:r>
-            <a:r>
-              <a:rPr lang="zh-CN" altLang="en-US" sz="1200" kern="1200" smtClean="0">
+              <a:t>这个时间段内的一个结算情况进行分组叠加数据</a:t>
+            </a:r>
+            <a:r>
+              <a:rPr lang="en-US" altLang="zh-CN" sz="1200" kern="1200">
+                <a:solidFill>
+                  <a:schemeClr val="tx1"/>
+                </a:solidFill>
+                <a:latin typeface="+mn-lt"/>
+                <a:ea typeface="+mn-ea"/>
+                <a:cs typeface="+mn-cs"/>
+              </a:rPr>
+              <a:t>,</a:t>
+            </a:r>
+            <a:r>
+              <a:rPr lang="zh-CN" altLang="en-US" sz="1200" kern="1200">
                 <a:solidFill>
                   <a:schemeClr val="tx1"/>
                 </a:solidFill>
@@ -16166,15 +19613,7 @@
             </a:r>
             <a:r>
               <a:rPr lang="zh-CN" altLang="en-US"/>
-              <a:t>在代码上体现就是分</a:t>
-            </a:r>
-            <a:r>
-              <a:rPr lang="zh-CN" altLang="en-US" smtClean="0"/>
-              <a:t>数据表保存这些</a:t>
-            </a:r>
-            <a:r>
-              <a:rPr lang="zh-CN" altLang="en-US"/>
-              <a:t>信息</a:t>
+              <a:t>在代码上体现就是分数据表保存这些信息</a:t>
             </a:r>
             <a:r>
               <a:rPr lang="en-US" altLang="zh-CN"/>
@@ -16650,110 +20089,109 @@
               <a:t>提供网站用户进行结算操作</a:t>
             </a:r>
             <a:r>
-              <a:rPr lang="en-US" altLang="zh-CN" smtClean="0"/>
+              <a:rPr lang="en-US" altLang="zh-CN"/>
               <a:t>.</a:t>
             </a:r>
           </a:p>
           <a:p>
             <a:r>
-              <a:rPr lang="zh-CN" altLang="en-US" smtClean="0"/>
+              <a:rPr lang="zh-CN" altLang="en-US"/>
               <a:t>右上方这里的添加渠道</a:t>
             </a:r>
             <a:r>
-              <a:rPr lang="en-US" altLang="zh-CN" smtClean="0"/>
+              <a:rPr lang="en-US" altLang="zh-CN"/>
               <a:t>:</a:t>
             </a:r>
           </a:p>
           <a:p>
             <a:r>
-              <a:rPr lang="zh-CN" altLang="en-US" smtClean="0"/>
+              <a:rPr lang="zh-CN" altLang="en-US"/>
               <a:t>提供给登录用户添加</a:t>
             </a:r>
             <a:r>
-              <a:rPr lang="en-US" altLang="zh-CN" smtClean="0"/>
+              <a:rPr lang="en-US" altLang="zh-CN"/>
               <a:t>Android</a:t>
             </a:r>
             <a:r>
-              <a:rPr lang="zh-CN" altLang="en-US" smtClean="0"/>
+              <a:rPr lang="zh-CN" altLang="en-US"/>
               <a:t>渠道的功能</a:t>
             </a:r>
             <a:r>
-              <a:rPr lang="en-US" altLang="zh-CN" smtClean="0"/>
-              <a:t>,</a:t>
-            </a:r>
-            <a:r>
-              <a:rPr lang="zh-CN" altLang="en-US" smtClean="0"/>
+              <a:rPr lang="en-US" altLang="zh-CN"/>
+              <a:t>,</a:t>
+            </a:r>
+            <a:r>
+              <a:rPr lang="zh-CN" altLang="en-US"/>
               <a:t>他是给用户</a:t>
             </a:r>
             <a:r>
-              <a:rPr lang="en-US" altLang="zh-CN" smtClean="0"/>
+              <a:rPr lang="en-US" altLang="zh-CN"/>
               <a:t>(</a:t>
             </a:r>
             <a:r>
-              <a:rPr lang="zh-CN" altLang="en-US" smtClean="0"/>
+              <a:rPr lang="zh-CN" altLang="en-US"/>
               <a:t>渠道商</a:t>
             </a:r>
             <a:r>
-              <a:rPr lang="en-US" altLang="zh-CN" smtClean="0"/>
+              <a:rPr lang="en-US" altLang="zh-CN"/>
               <a:t>)</a:t>
             </a:r>
             <a:r>
-              <a:rPr lang="zh-CN" altLang="en-US" smtClean="0"/>
+              <a:rPr lang="zh-CN" altLang="en-US"/>
               <a:t>添加渠道的</a:t>
             </a:r>
             <a:r>
-              <a:rPr lang="en-US" altLang="zh-CN" smtClean="0"/>
-              <a:t>,</a:t>
-            </a:r>
-            <a:r>
-              <a:rPr lang="zh-CN" altLang="en-US" smtClean="0"/>
+              <a:rPr lang="en-US" altLang="zh-CN"/>
+              <a:t>,</a:t>
+            </a:r>
+            <a:r>
+              <a:rPr lang="zh-CN" altLang="en-US"/>
               <a:t>在弹出页面上需要要添加渠道的用户</a:t>
             </a:r>
             <a:r>
-              <a:rPr lang="en-US" altLang="zh-CN" smtClean="0"/>
-              <a:t>,</a:t>
-            </a:r>
-            <a:r>
-              <a:rPr lang="zh-CN" altLang="en-US" smtClean="0"/>
+              <a:rPr lang="en-US" altLang="zh-CN"/>
+              <a:t>,</a:t>
+            </a:r>
+            <a:r>
+              <a:rPr lang="zh-CN" altLang="en-US"/>
               <a:t>再输入名称</a:t>
             </a:r>
             <a:r>
-              <a:rPr lang="en-US" altLang="zh-CN" smtClean="0"/>
-              <a:t>,</a:t>
-            </a:r>
-            <a:r>
-              <a:rPr lang="zh-CN" altLang="en-US" smtClean="0"/>
+              <a:rPr lang="en-US" altLang="zh-CN"/>
+              <a:t>,</a:t>
+            </a:r>
+            <a:r>
+              <a:rPr lang="zh-CN" altLang="en-US"/>
               <a:t>拼音简写</a:t>
             </a:r>
             <a:r>
-              <a:rPr lang="en-US" altLang="zh-CN" smtClean="0"/>
-              <a:t>,</a:t>
-            </a:r>
-            <a:r>
-              <a:rPr lang="zh-CN" altLang="en-US" smtClean="0"/>
+              <a:rPr lang="en-US" altLang="zh-CN"/>
+              <a:t>,</a:t>
+            </a:r>
+            <a:r>
+              <a:rPr lang="zh-CN" altLang="en-US"/>
               <a:t>审核状态</a:t>
             </a:r>
             <a:r>
-              <a:rPr lang="en-US" altLang="zh-CN" smtClean="0"/>
-              <a:t>,</a:t>
-            </a:r>
-            <a:r>
-              <a:rPr lang="zh-CN" altLang="en-US" smtClean="0"/>
+              <a:rPr lang="en-US" altLang="zh-CN"/>
+              <a:t>,</a:t>
+            </a:r>
+            <a:r>
+              <a:rPr lang="zh-CN" altLang="en-US"/>
               <a:t>合作模式等信息</a:t>
             </a:r>
             <a:r>
-              <a:rPr lang="en-US" altLang="zh-CN" smtClean="0"/>
-              <a:t>,</a:t>
-            </a:r>
-            <a:r>
-              <a:rPr lang="zh-CN" altLang="en-US" smtClean="0"/>
+              <a:rPr lang="en-US" altLang="zh-CN"/>
+              <a:t>,</a:t>
+            </a:r>
+            <a:r>
+              <a:rPr lang="zh-CN" altLang="en-US"/>
               <a:t>就可以在渠道表中插入一个渠道数据</a:t>
             </a:r>
             <a:r>
-              <a:rPr lang="en-US" altLang="zh-CN" smtClean="0"/>
+              <a:rPr lang="en-US" altLang="zh-CN"/>
               <a:t>.</a:t>
             </a:r>
-            <a:endParaRPr lang="en-US" altLang="zh-CN"/>
           </a:p>
         </p:txBody>
       </p:sp>
@@ -17230,7 +20668,7 @@
           <a:lstStyle/>
           <a:p>
             <a:r>
-              <a:rPr lang="zh-CN" altLang="en-US" sz="1200" kern="1200" smtClean="0">
+              <a:rPr lang="zh-CN" altLang="en-US" sz="1200" kern="1200">
                 <a:solidFill>
                   <a:schemeClr val="tx1"/>
                 </a:solidFill>
@@ -18409,7 +21847,7 @@
           </a:p>
           <a:p>
             <a:r>
-              <a:rPr lang="zh-CN" altLang="en-US" sz="1200" kern="1200" smtClean="0">
+              <a:rPr lang="zh-CN" altLang="en-US" sz="1200" kern="1200">
                 <a:solidFill>
                   <a:schemeClr val="tx1"/>
                 </a:solidFill>
@@ -18420,7 +21858,7 @@
               <a:t>编辑按钮</a:t>
             </a:r>
             <a:r>
-              <a:rPr lang="en-US" altLang="zh-CN" sz="1200" kern="1200" smtClean="0">
+              <a:rPr lang="en-US" altLang="zh-CN" sz="1200" kern="1200">
                 <a:solidFill>
                   <a:schemeClr val="tx1"/>
                 </a:solidFill>
@@ -18431,7 +21869,7 @@
               <a:t>:</a:t>
             </a:r>
             <a:r>
-              <a:rPr lang="zh-CN" altLang="en-US" sz="1200" kern="1200" smtClean="0">
+              <a:rPr lang="zh-CN" altLang="en-US" sz="1200" kern="1200">
                 <a:solidFill>
                   <a:schemeClr val="tx1"/>
                 </a:solidFill>
@@ -18442,24 +21880,16 @@
               <a:t>点击编辑按钮可以对指定游戏进行信息编辑</a:t>
             </a:r>
             <a:r>
-              <a:rPr lang="en-US" altLang="zh-CN" sz="1200" kern="1200" smtClean="0">
-                <a:solidFill>
-                  <a:schemeClr val="tx1"/>
-                </a:solidFill>
-                <a:latin typeface="+mn-lt"/>
-                <a:ea typeface="+mn-ea"/>
-                <a:cs typeface="+mn-cs"/>
-              </a:rPr>
-              <a:t>,</a:t>
-            </a:r>
-            <a:endParaRPr lang="en-US" altLang="zh-CN" sz="1200" kern="1200">
-              <a:solidFill>
-                <a:schemeClr val="tx1"/>
-              </a:solidFill>
-              <a:latin typeface="+mn-lt"/>
-              <a:ea typeface="+mn-ea"/>
-              <a:cs typeface="+mn-cs"/>
-            </a:endParaRPr>
+              <a:rPr lang="en-US" altLang="zh-CN" sz="1200" kern="1200">
+                <a:solidFill>
+                  <a:schemeClr val="tx1"/>
+                </a:solidFill>
+                <a:latin typeface="+mn-lt"/>
+                <a:ea typeface="+mn-ea"/>
+                <a:cs typeface="+mn-cs"/>
+              </a:rPr>
+              <a:t>,</a:t>
+            </a:r>
           </a:p>
           <a:p>
             <a:r>
@@ -18731,7 +22161,7 @@
               <a:t>. </a:t>
             </a:r>
             <a:r>
-              <a:rPr lang="zh-CN" altLang="en-US" sz="1200" kern="1200" smtClean="0">
+              <a:rPr lang="zh-CN" altLang="en-US" sz="1200" kern="1200">
                 <a:solidFill>
                   <a:schemeClr val="tx1"/>
                 </a:solidFill>
@@ -18742,18 +22172,18 @@
               <a:t>弹出页面的表单中</a:t>
             </a:r>
             <a:r>
-              <a:rPr lang="en-US" altLang="zh-CN" sz="1200" kern="1200" smtClean="0">
-                <a:solidFill>
-                  <a:schemeClr val="tx1"/>
-                </a:solidFill>
-                <a:latin typeface="+mn-lt"/>
-                <a:ea typeface="+mn-ea"/>
-                <a:cs typeface="+mn-cs"/>
-              </a:rPr>
-              <a:t>,</a:t>
-            </a:r>
-            <a:r>
-              <a:rPr lang="zh-CN" altLang="en-US" sz="1200" kern="1200" smtClean="0">
+              <a:rPr lang="en-US" altLang="zh-CN" sz="1200" kern="1200">
+                <a:solidFill>
+                  <a:schemeClr val="tx1"/>
+                </a:solidFill>
+                <a:latin typeface="+mn-lt"/>
+                <a:ea typeface="+mn-ea"/>
+                <a:cs typeface="+mn-cs"/>
+              </a:rPr>
+              <a:t>,</a:t>
+            </a:r>
+            <a:r>
+              <a:rPr lang="zh-CN" altLang="en-US" sz="1200" kern="1200">
                 <a:solidFill>
                   <a:schemeClr val="tx1"/>
                 </a:solidFill>
@@ -18764,7 +22194,7 @@
               <a:t>最后有两个上传文件功能</a:t>
             </a:r>
             <a:r>
-              <a:rPr lang="en-US" altLang="zh-CN" sz="1200" kern="1200" smtClean="0">
+              <a:rPr lang="en-US" altLang="zh-CN" sz="1200" kern="1200">
                 <a:solidFill>
                   <a:schemeClr val="tx1"/>
                 </a:solidFill>
@@ -18775,26 +22205,15 @@
               <a:t>:</a:t>
             </a:r>
             <a:r>
-              <a:rPr lang="zh-CN" altLang="en-US" sz="1200" kern="1200" smtClean="0">
-                <a:solidFill>
-                  <a:schemeClr val="tx1"/>
-                </a:solidFill>
-                <a:latin typeface="+mn-lt"/>
-                <a:ea typeface="+mn-ea"/>
-                <a:cs typeface="+mn-cs"/>
-              </a:rPr>
-              <a:t>上</a:t>
-            </a:r>
-            <a:r>
-              <a:rPr lang="zh-CN" altLang="en-US" sz="1200" kern="1200">
-                <a:solidFill>
-                  <a:schemeClr val="tx1"/>
-                </a:solidFill>
-                <a:latin typeface="+mn-lt"/>
-                <a:ea typeface="+mn-ea"/>
-                <a:cs typeface="+mn-cs"/>
-              </a:rPr>
-              <a:t>传</a:t>
+              <a:rPr lang="zh-CN" altLang="en-US" sz="1200" kern="1200">
+                <a:solidFill>
+                  <a:schemeClr val="tx1"/>
+                </a:solidFill>
+                <a:latin typeface="+mn-lt"/>
+                <a:ea typeface="+mn-ea"/>
+                <a:cs typeface="+mn-cs"/>
+              </a:rPr>
+              <a:t>上传</a:t>
             </a:r>
             <a:r>
               <a:rPr lang="en-US" altLang="zh-CN" sz="1200" kern="1200">
@@ -18816,65 +22235,32 @@
                 <a:ea typeface="+mn-ea"/>
                 <a:cs typeface="+mn-cs"/>
               </a:rPr>
-              <a:t>和素材包</a:t>
-            </a:r>
-            <a:r>
-              <a:rPr lang="zh-CN" altLang="en-US" sz="1200" kern="1200" smtClean="0">
-                <a:solidFill>
-                  <a:schemeClr val="tx1"/>
-                </a:solidFill>
-                <a:latin typeface="+mn-lt"/>
-                <a:ea typeface="+mn-ea"/>
-                <a:cs typeface="+mn-cs"/>
-              </a:rPr>
-              <a:t>功能</a:t>
-            </a:r>
-            <a:r>
-              <a:rPr lang="en-US" altLang="zh-CN" sz="1200" kern="1200" smtClean="0">
-                <a:solidFill>
-                  <a:schemeClr val="tx1"/>
-                </a:solidFill>
-                <a:latin typeface="+mn-lt"/>
-                <a:ea typeface="+mn-ea"/>
-                <a:cs typeface="+mn-cs"/>
-              </a:rPr>
-              <a:t>,</a:t>
-            </a:r>
-            <a:r>
-              <a:rPr lang="zh-CN" altLang="en-US" sz="1200" kern="1200" smtClean="0">
-                <a:solidFill>
-                  <a:schemeClr val="tx1"/>
-                </a:solidFill>
-                <a:latin typeface="+mn-lt"/>
-                <a:ea typeface="+mn-ea"/>
-                <a:cs typeface="+mn-cs"/>
-              </a:rPr>
-              <a:t>代码</a:t>
-            </a:r>
-            <a:r>
-              <a:rPr lang="zh-CN" altLang="en-US" sz="1200" kern="1200">
-                <a:solidFill>
-                  <a:schemeClr val="tx1"/>
-                </a:solidFill>
-                <a:latin typeface="+mn-lt"/>
-                <a:ea typeface="+mn-ea"/>
-                <a:cs typeface="+mn-cs"/>
-              </a:rPr>
-              <a:t>里暂未</a:t>
-            </a:r>
-            <a:r>
-              <a:rPr lang="zh-CN" altLang="en-US" sz="1200" kern="1200" smtClean="0">
-                <a:solidFill>
-                  <a:schemeClr val="tx1"/>
-                </a:solidFill>
-                <a:latin typeface="+mn-lt"/>
-                <a:ea typeface="+mn-ea"/>
-                <a:cs typeface="+mn-cs"/>
-              </a:rPr>
-              <a:t>实现这两个功能</a:t>
-            </a:r>
-            <a:r>
-              <a:rPr lang="en-US" altLang="zh-CN" sz="1200" kern="1200" smtClean="0">
+              <a:t>和素材包功能</a:t>
+            </a:r>
+            <a:r>
+              <a:rPr lang="en-US" altLang="zh-CN" sz="1200" kern="1200">
+                <a:solidFill>
+                  <a:schemeClr val="tx1"/>
+                </a:solidFill>
+                <a:latin typeface="+mn-lt"/>
+                <a:ea typeface="+mn-ea"/>
+                <a:cs typeface="+mn-cs"/>
+              </a:rPr>
+              <a:t>,</a:t>
+            </a:r>
+            <a:r>
+              <a:rPr lang="zh-CN" altLang="en-US" sz="1200" kern="1200">
+                <a:solidFill>
+                  <a:schemeClr val="tx1"/>
+                </a:solidFill>
+                <a:latin typeface="+mn-lt"/>
+                <a:ea typeface="+mn-ea"/>
+                <a:cs typeface="+mn-cs"/>
+              </a:rPr>
+              <a:t>代码里暂未实现这两个功能</a:t>
+            </a:r>
+            <a:r>
+              <a:rPr lang="en-US" altLang="zh-CN" sz="1200" kern="1200">
                 <a:solidFill>
                   <a:schemeClr val="tx1"/>
                 </a:solidFill>
@@ -18884,14 +22270,6 @@
               </a:rPr>
               <a:t>.</a:t>
             </a:r>
-            <a:endParaRPr lang="en-US" altLang="zh-CN" sz="1200" kern="1200">
-              <a:solidFill>
-                <a:schemeClr val="tx1"/>
-              </a:solidFill>
-              <a:latin typeface="+mn-lt"/>
-              <a:ea typeface="+mn-ea"/>
-              <a:cs typeface="+mn-cs"/>
-            </a:endParaRPr>
           </a:p>
         </p:txBody>
       </p:sp>
@@ -24705,12 +28083,6 @@
           <a:bodyPr/>
           <a:lstStyle/>
           <a:p>
-            <a:r>
-              <a:rPr lang="en-US" altLang="ko-KR" sz="3200">
-                <a:ea typeface="굴림" pitchFamily="34" charset="-127"/>
-              </a:rPr>
-              <a:t/>
-            </a:r>
             <a:br>
               <a:rPr lang="en-US" altLang="ko-KR" sz="3200">
                 <a:ea typeface="굴림" pitchFamily="34" charset="-127"/>
@@ -24724,15 +28096,6 @@
                 <a:ea typeface="굴림" pitchFamily="34" charset="-127"/>
               </a:rPr>
               <a:t>优云项目理解</a:t>
-            </a:r>
-            <a:r>
-              <a:rPr lang="en-US" altLang="zh-CN" sz="4000">
-                <a:solidFill>
-                  <a:schemeClr val="accent1"/>
-                </a:solidFill>
-                <a:ea typeface="굴림" pitchFamily="34" charset="-127"/>
-              </a:rPr>
-              <a:t/>
             </a:r>
             <a:br>
               <a:rPr lang="en-US" altLang="zh-CN" sz="4000">
@@ -24756,13 +28119,6 @@
   <p:clrMapOvr>
     <a:masterClrMapping/>
   </p:clrMapOvr>
-  <p:timing>
-    <p:tnLst>
-      <p:par>
-        <p:cTn id="1" dur="indefinite" restart="never" nodeType="tmRoot"/>
-      </p:par>
-    </p:tnLst>
-  </p:timing>
 </p:sld>
 </file>
 
@@ -24810,10 +28166,6 @@
             <a:r>
               <a:rPr lang="zh-CN" altLang="en-US"/>
               <a:t>业务 广告位管理</a:t>
-            </a:r>
-            <a:r>
-              <a:rPr lang="en-US" altLang="zh-CN"/>
-              <a:t/>
             </a:r>
             <a:br>
               <a:rPr lang="en-US" altLang="zh-CN"/>
@@ -24866,74 +28218,54 @@
           <a:bodyPr/>
           <a:lstStyle/>
           <a:p>
-            <a:endParaRPr lang="en-US" altLang="zh-CN" smtClean="0"/>
-          </a:p>
-          <a:p>
-            <a:r>
-              <a:rPr lang="zh-CN" altLang="en-US"/>
-              <a:t>广告</a:t>
-            </a:r>
-            <a:r>
-              <a:rPr lang="zh-CN" altLang="en-US" smtClean="0"/>
-              <a:t>位管理</a:t>
-            </a:r>
-            <a:r>
-              <a:rPr lang="en-US" altLang="zh-CN" smtClean="0"/>
+            <a:endParaRPr lang="en-US" altLang="zh-CN"/>
+          </a:p>
+          <a:p>
+            <a:r>
+              <a:rPr lang="zh-CN" altLang="en-US"/>
+              <a:t>广告位管理</a:t>
+            </a:r>
+            <a:r>
+              <a:rPr lang="en-US" altLang="zh-CN"/>
               <a:t>:</a:t>
             </a:r>
           </a:p>
           <a:p>
             <a:r>
-              <a:rPr lang="zh-CN" altLang="en-US" smtClean="0"/>
-              <a:t>多</a:t>
-            </a:r>
-            <a:r>
-              <a:rPr lang="zh-CN" altLang="en-US"/>
-              <a:t>个</a:t>
-            </a:r>
-            <a:r>
-              <a:rPr lang="zh-CN" altLang="en-US" smtClean="0"/>
-              <a:t>角度</a:t>
-            </a:r>
-            <a:r>
-              <a:rPr lang="en-US" altLang="zh-CN" smtClean="0"/>
+              <a:rPr lang="zh-CN" altLang="en-US"/>
+              <a:t>多个角度</a:t>
+            </a:r>
+            <a:r>
+              <a:rPr lang="en-US" altLang="zh-CN"/>
               <a:t>(</a:t>
             </a:r>
             <a:r>
-              <a:rPr lang="zh-CN" altLang="en-US" smtClean="0"/>
+              <a:rPr lang="zh-CN" altLang="en-US"/>
               <a:t>名称</a:t>
             </a:r>
             <a:r>
-              <a:rPr lang="en-US" altLang="zh-CN" smtClean="0"/>
-              <a:t>,</a:t>
-            </a:r>
-            <a:r>
-              <a:rPr lang="zh-CN" altLang="en-US" smtClean="0"/>
+              <a:rPr lang="en-US" altLang="zh-CN"/>
+              <a:t>,</a:t>
+            </a:r>
+            <a:r>
+              <a:rPr lang="zh-CN" altLang="en-US"/>
               <a:t>渠道</a:t>
             </a:r>
             <a:r>
-              <a:rPr lang="en-US" altLang="zh-CN" smtClean="0"/>
-              <a:t>,</a:t>
-            </a:r>
-            <a:r>
-              <a:rPr lang="zh-CN" altLang="en-US" smtClean="0"/>
+              <a:rPr lang="en-US" altLang="zh-CN"/>
+              <a:t>,</a:t>
+            </a:r>
+            <a:r>
+              <a:rPr lang="zh-CN" altLang="en-US"/>
               <a:t>计费模式分成等</a:t>
             </a:r>
             <a:r>
-              <a:rPr lang="en-US" altLang="zh-CN" smtClean="0"/>
+              <a:rPr lang="en-US" altLang="zh-CN"/>
               <a:t>)</a:t>
             </a:r>
             <a:r>
-              <a:rPr lang="zh-CN" altLang="en-US" smtClean="0"/>
-              <a:t>展示</a:t>
-            </a:r>
-            <a:r>
-              <a:rPr lang="zh-CN" altLang="en-US"/>
-              <a:t>广告</a:t>
-            </a:r>
-            <a:r>
-              <a:rPr lang="zh-CN" altLang="en-US" smtClean="0"/>
-              <a:t>位信息</a:t>
+              <a:rPr lang="zh-CN" altLang="en-US"/>
+              <a:t>展示广告位信息</a:t>
             </a:r>
             <a:endParaRPr lang="en-US" altLang="zh-CN"/>
           </a:p>
@@ -24952,13 +28284,6 @@
   <p:clrMapOvr>
     <a:masterClrMapping/>
   </p:clrMapOvr>
-  <p:timing>
-    <p:tnLst>
-      <p:par>
-        <p:cTn id="1" dur="indefinite" restart="never" nodeType="tmRoot"/>
-      </p:par>
-    </p:tnLst>
-  </p:timing>
 </p:sld>
 </file>
 
@@ -25016,10 +28341,6 @@
                 <a:hlinkClick r:id="rId3" action="ppaction://hlinksldjump"/>
               </a:rPr>
               <a:t>返回模块介绍</a:t>
-            </a:r>
-            <a:r>
-              <a:rPr lang="en-US" altLang="zh-CN"/>
-              <a:t/>
             </a:r>
             <a:br>
               <a:rPr lang="en-US" altLang="zh-CN"/>
@@ -25196,13 +28517,6 @@
   <p:clrMapOvr>
     <a:masterClrMapping/>
   </p:clrMapOvr>
-  <p:timing>
-    <p:tnLst>
-      <p:par>
-        <p:cTn id="1" dur="indefinite" restart="never" nodeType="tmRoot"/>
-      </p:par>
-    </p:tnLst>
-  </p:timing>
 </p:sld>
 </file>
 
@@ -25251,10 +28565,6 @@
               <a:rPr lang="zh-CN" altLang="en-US"/>
               <a:t>数据</a:t>
             </a:r>
-            <a:r>
-              <a:rPr lang="en-US" altLang="zh-CN"/>
-              <a:t/>
-            </a:r>
             <a:br>
               <a:rPr lang="en-US" altLang="zh-CN"/>
             </a:br>
@@ -25397,13 +28707,6 @@
   <p:clrMapOvr>
     <a:masterClrMapping/>
   </p:clrMapOvr>
-  <p:timing>
-    <p:tnLst>
-      <p:par>
-        <p:cTn id="1" dur="indefinite" restart="never" nodeType="tmRoot"/>
-      </p:par>
-    </p:tnLst>
-  </p:timing>
 </p:sld>
 </file>
 
@@ -25452,10 +28755,6 @@
               <a:rPr lang="zh-CN" altLang="en-US"/>
               <a:t>数据 渠道时表</a:t>
             </a:r>
-            <a:r>
-              <a:rPr lang="en-US" altLang="zh-CN"/>
-              <a:t/>
-            </a:r>
             <a:br>
               <a:rPr lang="en-US" altLang="zh-CN"/>
             </a:br>
@@ -25589,13 +28888,6 @@
   <p:clrMapOvr>
     <a:masterClrMapping/>
   </p:clrMapOvr>
-  <p:timing>
-    <p:tnLst>
-      <p:par>
-        <p:cTn id="1" dur="indefinite" restart="never" nodeType="tmRoot"/>
-      </p:par>
-    </p:tnLst>
-  </p:timing>
 </p:sld>
 </file>
 
@@ -25798,13 +29090,6 @@
   <p:clrMapOvr>
     <a:masterClrMapping/>
   </p:clrMapOvr>
-  <p:timing>
-    <p:tnLst>
-      <p:par>
-        <p:cTn id="1" dur="indefinite" restart="never" nodeType="tmRoot"/>
-      </p:par>
-    </p:tnLst>
-  </p:timing>
 </p:sld>
 </file>
 
@@ -25853,10 +29138,6 @@
               <a:rPr lang="zh-CN" altLang="en-US"/>
               <a:t>数据 渠道效果</a:t>
             </a:r>
-            <a:r>
-              <a:rPr lang="en-US" altLang="zh-CN"/>
-              <a:t/>
-            </a:r>
             <a:br>
               <a:rPr lang="en-US" altLang="zh-CN"/>
             </a:br>
@@ -25880,8 +29161,8 @@
         </p:blipFill>
         <p:spPr>
           <a:xfrm>
-            <a:off x="0" y="3834697"/>
-            <a:ext cx="9144000" cy="2114583"/>
+            <a:off x="0" y="2492897"/>
+            <a:ext cx="9144000" cy="3456384"/>
           </a:xfrm>
           <a:prstGeom prst="rect">
             <a:avLst/>
@@ -25943,13 +29224,6 @@
   <p:clrMapOvr>
     <a:masterClrMapping/>
   </p:clrMapOvr>
-  <p:timing>
-    <p:tnLst>
-      <p:par>
-        <p:cTn id="1" dur="indefinite" restart="never" nodeType="tmRoot"/>
-      </p:par>
-    </p:tnLst>
-  </p:timing>
 </p:sld>
 </file>
 
@@ -25997,10 +29271,6 @@
             <a:r>
               <a:rPr lang="zh-CN" altLang="en-US"/>
               <a:t>数据 渠道效果</a:t>
-            </a:r>
-            <a:r>
-              <a:rPr lang="en-US" altLang="zh-CN"/>
-              <a:t/>
             </a:r>
             <a:br>
               <a:rPr lang="en-US" altLang="zh-CN"/>
@@ -26085,13 +29355,6 @@
   <p:clrMapOvr>
     <a:masterClrMapping/>
   </p:clrMapOvr>
-  <p:timing>
-    <p:tnLst>
-      <p:par>
-        <p:cTn id="1" dur="indefinite" restart="never" nodeType="tmRoot"/>
-      </p:par>
-    </p:tnLst>
-  </p:timing>
 </p:sld>
 </file>
 
@@ -26147,10 +29410,6 @@
             <a:r>
               <a:rPr lang="zh-CN" altLang="en-US"/>
               <a:t>渠道日表</a:t>
-            </a:r>
-            <a:r>
-              <a:rPr lang="en-US" altLang="zh-CN"/>
-              <a:t/>
             </a:r>
             <a:br>
               <a:rPr lang="en-US" altLang="zh-CN"/>
@@ -26208,28 +29467,27 @@
               <a:t>渠道日表</a:t>
             </a:r>
             <a:r>
-              <a:rPr lang="en-US" altLang="zh-CN" smtClean="0"/>
+              <a:rPr lang="en-US" altLang="zh-CN"/>
               <a:t>:</a:t>
             </a:r>
           </a:p>
           <a:p>
             <a:r>
-              <a:rPr lang="zh-CN" altLang="en-US" smtClean="0"/>
+              <a:rPr lang="zh-CN" altLang="en-US"/>
               <a:t>按日来为渠道效果进行展示</a:t>
             </a:r>
             <a:r>
-              <a:rPr lang="en-US" altLang="zh-CN" smtClean="0"/>
-              <a:t>,</a:t>
-            </a:r>
-            <a:r>
-              <a:rPr lang="zh-CN" altLang="en-US" smtClean="0"/>
+              <a:rPr lang="en-US" altLang="zh-CN"/>
+              <a:t>,</a:t>
+            </a:r>
+            <a:r>
+              <a:rPr lang="zh-CN" altLang="en-US"/>
               <a:t>是将渠道效果模块添加了更细致的时间维度</a:t>
             </a:r>
             <a:r>
-              <a:rPr lang="en-US" altLang="zh-CN" smtClean="0"/>
+              <a:rPr lang="en-US" altLang="zh-CN"/>
               <a:t>.</a:t>
             </a:r>
-            <a:endParaRPr lang="en-US" altLang="zh-CN"/>
           </a:p>
           <a:p>
             <a:endParaRPr lang="en-US" altLang="zh-CN"/>
@@ -26249,13 +29507,6 @@
   <p:clrMapOvr>
     <a:masterClrMapping/>
   </p:clrMapOvr>
-  <p:timing>
-    <p:tnLst>
-      <p:par>
-        <p:cTn id="1" dur="indefinite" restart="never" nodeType="tmRoot"/>
-      </p:par>
-    </p:tnLst>
-  </p:timing>
 </p:sld>
 </file>
 
@@ -26303,10 +29554,6 @@
             <a:r>
               <a:rPr lang="zh-CN" altLang="en-US"/>
               <a:t>数据 游戏效果</a:t>
-            </a:r>
-            <a:r>
-              <a:rPr lang="en-US" altLang="zh-CN"/>
-              <a:t/>
             </a:r>
             <a:br>
               <a:rPr lang="en-US" altLang="zh-CN"/>
@@ -26452,13 +29699,6 @@
   <p:clrMapOvr>
     <a:masterClrMapping/>
   </p:clrMapOvr>
-  <p:timing>
-    <p:tnLst>
-      <p:par>
-        <p:cTn id="1" dur="indefinite" restart="never" nodeType="tmRoot"/>
-      </p:par>
-    </p:tnLst>
-  </p:timing>
 </p:sld>
 </file>
 
@@ -26506,10 +29746,6 @@
             <a:r>
               <a:rPr lang="zh-CN" altLang="en-US"/>
               <a:t>数据 充值数据</a:t>
-            </a:r>
-            <a:r>
-              <a:rPr lang="en-US" altLang="zh-CN"/>
-              <a:t/>
             </a:r>
             <a:br>
               <a:rPr lang="en-US" altLang="zh-CN"/>
@@ -26602,13 +29838,6 @@
   <p:clrMapOvr>
     <a:masterClrMapping/>
   </p:clrMapOvr>
-  <p:timing>
-    <p:tnLst>
-      <p:par>
-        <p:cTn id="1" dur="indefinite" restart="never" nodeType="tmRoot"/>
-      </p:par>
-    </p:tnLst>
-  </p:timing>
 </p:sld>
 </file>
 
@@ -26680,13 +29909,6 @@
   <p:clrMapOvr>
     <a:masterClrMapping/>
   </p:clrMapOvr>
-  <p:timing>
-    <p:tnLst>
-      <p:par>
-        <p:cTn id="1" dur="indefinite" restart="never" nodeType="tmRoot"/>
-      </p:par>
-    </p:tnLst>
-  </p:timing>
 </p:sld>
 </file>
 
@@ -26735,10 +29957,6 @@
               <a:rPr lang="zh-CN" altLang="en-US"/>
               <a:t>数据 业务管理</a:t>
             </a:r>
-            <a:r>
-              <a:rPr lang="en-US" altLang="zh-CN"/>
-              <a:t/>
-            </a:r>
             <a:br>
               <a:rPr lang="en-US" altLang="zh-CN"/>
             </a:br>
@@ -26841,13 +30059,6 @@
   <p:clrMapOvr>
     <a:masterClrMapping/>
   </p:clrMapOvr>
-  <p:timing>
-    <p:tnLst>
-      <p:par>
-        <p:cTn id="1" dur="indefinite" restart="never" nodeType="tmRoot"/>
-      </p:par>
-    </p:tnLst>
-  </p:timing>
 </p:sld>
 </file>
 
@@ -26906,10 +30117,6 @@
               </a:rPr>
               <a:t>返回项目介绍</a:t>
             </a:r>
-            <a:r>
-              <a:rPr lang="en-US" altLang="zh-CN"/>
-              <a:t/>
-            </a:r>
             <a:br>
               <a:rPr lang="en-US" altLang="zh-CN"/>
             </a:br>
@@ -26996,13 +30203,6 @@
   <p:clrMapOvr>
     <a:masterClrMapping/>
   </p:clrMapOvr>
-  <p:timing>
-    <p:tnLst>
-      <p:par>
-        <p:cTn id="1" dur="indefinite" restart="never" nodeType="tmRoot"/>
-      </p:par>
-    </p:tnLst>
-  </p:timing>
 </p:sld>
 </file>
 
@@ -27051,10 +30251,6 @@
               <a:rPr lang="zh-CN" altLang="en-US"/>
               <a:t>正版业务</a:t>
             </a:r>
-            <a:r>
-              <a:rPr lang="en-US" altLang="zh-CN"/>
-              <a:t/>
-            </a:r>
             <a:br>
               <a:rPr lang="en-US" altLang="zh-CN"/>
             </a:br>
@@ -27142,13 +30338,6 @@
   <p:clrMapOvr>
     <a:masterClrMapping/>
   </p:clrMapOvr>
-  <p:timing>
-    <p:tnLst>
-      <p:par>
-        <p:cTn id="1" dur="indefinite" restart="never" nodeType="tmRoot"/>
-      </p:par>
-    </p:tnLst>
-  </p:timing>
 </p:sld>
 </file>
 
@@ -27196,10 +30385,6 @@
             <a:r>
               <a:rPr lang="zh-CN" altLang="en-US"/>
               <a:t>正版业务 用户列表</a:t>
-            </a:r>
-            <a:r>
-              <a:rPr lang="en-US" altLang="zh-CN"/>
-              <a:t/>
             </a:r>
             <a:br>
               <a:rPr lang="en-US" altLang="zh-CN"/>
@@ -27287,13 +30472,6 @@
   <p:clrMapOvr>
     <a:masterClrMapping/>
   </p:clrMapOvr>
-  <p:timing>
-    <p:tnLst>
-      <p:par>
-        <p:cTn id="1" dur="indefinite" restart="never" nodeType="tmRoot"/>
-      </p:par>
-    </p:tnLst>
-  </p:timing>
 </p:sld>
 </file>
 
@@ -27342,10 +30520,6 @@
               <a:rPr lang="zh-CN" altLang="en-US"/>
               <a:t>正版业务 游戏列表</a:t>
             </a:r>
-            <a:r>
-              <a:rPr lang="en-US" altLang="zh-CN"/>
-              <a:t/>
-            </a:r>
             <a:br>
               <a:rPr lang="en-US" altLang="zh-CN"/>
             </a:br>
@@ -27493,13 +30667,6 @@
   <p:clrMapOvr>
     <a:masterClrMapping/>
   </p:clrMapOvr>
-  <p:timing>
-    <p:tnLst>
-      <p:par>
-        <p:cTn id="1" dur="indefinite" restart="never" nodeType="tmRoot"/>
-      </p:par>
-    </p:tnLst>
-  </p:timing>
 </p:sld>
 </file>
 
@@ -27556,10 +30723,6 @@
               <a:rPr lang="zh-CN" altLang="en-US"/>
               <a:t>渠道列表</a:t>
             </a:r>
-            <a:r>
-              <a:rPr lang="en-US" altLang="zh-CN"/>
-              <a:t/>
-            </a:r>
             <a:br>
               <a:rPr lang="en-US" altLang="zh-CN"/>
             </a:br>
@@ -27707,13 +30870,6 @@
   <p:clrMapOvr>
     <a:masterClrMapping/>
   </p:clrMapOvr>
-  <p:timing>
-    <p:tnLst>
-      <p:par>
-        <p:cTn id="1" dur="indefinite" restart="never" nodeType="tmRoot"/>
-      </p:par>
-    </p:tnLst>
-  </p:timing>
 </p:sld>
 </file>
 
@@ -27762,10 +30918,6 @@
               <a:rPr lang="zh-CN" altLang="en-US"/>
               <a:t>正版业务 广告位列表</a:t>
             </a:r>
-            <a:r>
-              <a:rPr lang="en-US" altLang="zh-CN"/>
-              <a:t/>
-            </a:r>
             <a:br>
               <a:rPr lang="en-US" altLang="zh-CN"/>
             </a:br>
@@ -27936,13 +31088,6 @@
   <p:clrMapOvr>
     <a:masterClrMapping/>
   </p:clrMapOvr>
-  <p:timing>
-    <p:tnLst>
-      <p:par>
-        <p:cTn id="1" dur="indefinite" restart="never" nodeType="tmRoot"/>
-      </p:par>
-    </p:tnLst>
-  </p:timing>
 </p:sld>
 </file>
 
@@ -28001,10 +31146,6 @@
               </a:rPr>
               <a:t>返回项目模块</a:t>
             </a:r>
-            <a:r>
-              <a:rPr lang="en-US" altLang="zh-CN"/>
-              <a:t/>
-            </a:r>
             <a:br>
               <a:rPr lang="en-US" altLang="zh-CN"/>
             </a:br>
@@ -28149,13 +31290,6 @@
   <p:clrMapOvr>
     <a:masterClrMapping/>
   </p:clrMapOvr>
-  <p:timing>
-    <p:tnLst>
-      <p:par>
-        <p:cTn id="1" dur="indefinite" restart="never" nodeType="tmRoot"/>
-      </p:par>
-    </p:tnLst>
-  </p:timing>
 </p:sld>
 </file>
 
@@ -28204,10 +31338,6 @@
               <a:rPr lang="zh-CN" altLang="en-US"/>
               <a:t>正版数据</a:t>
             </a:r>
-            <a:r>
-              <a:rPr lang="en-US" altLang="zh-CN"/>
-              <a:t/>
-            </a:r>
             <a:br>
               <a:rPr lang="en-US" altLang="zh-CN"/>
             </a:br>
@@ -28305,13 +31435,6 @@
   <p:clrMapOvr>
     <a:masterClrMapping/>
   </p:clrMapOvr>
-  <p:timing>
-    <p:tnLst>
-      <p:par>
-        <p:cTn id="1" dur="indefinite" restart="never" nodeType="tmRoot"/>
-      </p:par>
-    </p:tnLst>
-  </p:timing>
 </p:sld>
 </file>
 
@@ -28360,10 +31483,6 @@
               <a:rPr lang="zh-CN" altLang="en-US"/>
               <a:t>正版数据 渠道时表</a:t>
             </a:r>
-            <a:r>
-              <a:rPr lang="en-US" altLang="zh-CN"/>
-              <a:t/>
-            </a:r>
             <a:br>
               <a:rPr lang="en-US" altLang="zh-CN"/>
             </a:br>
@@ -28495,13 +31614,6 @@
   <p:clrMapOvr>
     <a:masterClrMapping/>
   </p:clrMapOvr>
-  <p:timing>
-    <p:tnLst>
-      <p:par>
-        <p:cTn id="1" dur="indefinite" restart="never" nodeType="tmRoot"/>
-      </p:par>
-    </p:tnLst>
-  </p:timing>
 </p:sld>
 </file>
 
@@ -28546,10 +31658,6 @@
               <a:rPr lang="zh-CN" altLang="en-US"/>
               <a:t>优云</a:t>
             </a:r>
-            <a:r>
-              <a:rPr lang="en-US" altLang="zh-CN"/>
-              <a:t/>
-            </a:r>
             <a:br>
               <a:rPr lang="en-US" altLang="zh-CN"/>
             </a:br>
@@ -28577,11 +31685,7 @@
           <a:bodyPr/>
           <a:lstStyle/>
           <a:p>
-            <a:endParaRPr lang="en-US" altLang="zh-CN" smtClean="0"/>
-          </a:p>
-          <a:p>
-            <a:pPr algn="ctr"/>
-            <a:endParaRPr lang="en-US" altLang="zh-CN" sz="2000" smtClean="0"/>
+            <a:endParaRPr lang="en-US" altLang="zh-CN"/>
           </a:p>
           <a:p>
             <a:pPr algn="ctr"/>
@@ -28589,17 +31693,7 @@
           </a:p>
           <a:p>
             <a:pPr algn="ctr"/>
-            <a:endParaRPr lang="en-US" altLang="zh-CN" sz="2000" smtClean="0"/>
-          </a:p>
-          <a:p>
-            <a:pPr algn="ctr"/>
-            <a:r>
-              <a:rPr lang="zh-CN" altLang="en-US" sz="2000" smtClean="0">
-                <a:hlinkClick r:id="rId3" action="ppaction://hlinksldjump"/>
-              </a:rPr>
-              <a:t>后台的业务流程</a:t>
-            </a:r>
-            <a:endParaRPr lang="en-US" altLang="zh-CN" sz="2000" smtClean="0"/>
+            <a:endParaRPr lang="en-US" altLang="zh-CN" sz="2000"/>
           </a:p>
           <a:p>
             <a:pPr algn="ctr"/>
@@ -28607,17 +31701,31 @@
           </a:p>
           <a:p>
             <a:pPr algn="ctr"/>
-            <a:endParaRPr lang="en-US" altLang="zh-CN" sz="2000" smtClean="0"/>
+            <a:r>
+              <a:rPr lang="zh-CN" altLang="en-US" sz="2000">
+                <a:hlinkClick r:id="rId3" action="ppaction://hlinksldjump"/>
+              </a:rPr>
+              <a:t>后台的业务流程</a:t>
+            </a:r>
+            <a:endParaRPr lang="en-US" altLang="zh-CN" sz="2000"/>
           </a:p>
           <a:p>
             <a:pPr algn="ctr"/>
-            <a:r>
-              <a:rPr lang="zh-CN" altLang="en-US" sz="2000" smtClean="0">
+            <a:endParaRPr lang="en-US" altLang="zh-CN" sz="2000"/>
+          </a:p>
+          <a:p>
+            <a:pPr algn="ctr"/>
+            <a:endParaRPr lang="en-US" altLang="zh-CN" sz="2000"/>
+          </a:p>
+          <a:p>
+            <a:pPr algn="ctr"/>
+            <a:r>
+              <a:rPr lang="zh-CN" altLang="en-US" sz="2000">
                 <a:hlinkClick r:id="rId4" action="ppaction://hlinksldjump"/>
               </a:rPr>
               <a:t>代码的设计思路</a:t>
             </a:r>
-            <a:endParaRPr lang="en-US" altLang="zh-CN" sz="2000" smtClean="0"/>
+            <a:endParaRPr lang="en-US" altLang="zh-CN" sz="2000"/>
           </a:p>
           <a:p>
             <a:endParaRPr lang="en-US" altLang="zh-CN"/>
@@ -28637,13 +31745,6 @@
   <p:clrMapOvr>
     <a:masterClrMapping/>
   </p:clrMapOvr>
-  <p:timing>
-    <p:tnLst>
-      <p:par>
-        <p:cTn id="1" dur="indefinite" restart="never" nodeType="tmRoot"/>
-      </p:par>
-    </p:tnLst>
-  </p:timing>
 </p:sld>
 </file>
 
@@ -28692,10 +31793,6 @@
               <a:rPr lang="zh-CN" altLang="en-US"/>
               <a:t>正版数据 渠道效果</a:t>
             </a:r>
-            <a:r>
-              <a:rPr lang="en-US" altLang="zh-CN"/>
-              <a:t/>
-            </a:r>
             <a:br>
               <a:rPr lang="en-US" altLang="zh-CN"/>
             </a:br>
@@ -28834,13 +31931,6 @@
   <p:clrMapOvr>
     <a:masterClrMapping/>
   </p:clrMapOvr>
-  <p:timing>
-    <p:tnLst>
-      <p:par>
-        <p:cTn id="1" dur="indefinite" restart="never" nodeType="tmRoot"/>
-      </p:par>
-    </p:tnLst>
-  </p:timing>
 </p:sld>
 </file>
 
@@ -28889,10 +31979,6 @@
               <a:rPr lang="zh-CN" altLang="en-US"/>
               <a:t>正版数据 渠道日表</a:t>
             </a:r>
-            <a:r>
-              <a:rPr lang="en-US" altLang="zh-CN"/>
-              <a:t/>
-            </a:r>
             <a:br>
               <a:rPr lang="en-US" altLang="zh-CN"/>
             </a:br>
@@ -29037,13 +32123,6 @@
   <p:clrMapOvr>
     <a:masterClrMapping/>
   </p:clrMapOvr>
-  <p:timing>
-    <p:tnLst>
-      <p:par>
-        <p:cTn id="1" dur="indefinite" restart="never" nodeType="tmRoot"/>
-      </p:par>
-    </p:tnLst>
-  </p:timing>
 </p:sld>
 </file>
 
@@ -29092,10 +32171,6 @@
               <a:rPr lang="zh-CN" altLang="en-US"/>
               <a:t>正版数据 游戏效果</a:t>
             </a:r>
-            <a:r>
-              <a:rPr lang="en-US" altLang="zh-CN"/>
-              <a:t/>
-            </a:r>
             <a:br>
               <a:rPr lang="en-US" altLang="zh-CN"/>
             </a:br>
@@ -29212,13 +32287,6 @@
   <p:clrMapOvr>
     <a:masterClrMapping/>
   </p:clrMapOvr>
-  <p:timing>
-    <p:tnLst>
-      <p:par>
-        <p:cTn id="1" dur="indefinite" restart="never" nodeType="tmRoot"/>
-      </p:par>
-    </p:tnLst>
-  </p:timing>
 </p:sld>
 </file>
 
@@ -29267,10 +32335,6 @@
               <a:rPr lang="zh-CN" altLang="en-US"/>
               <a:t>正版数据 充值数据</a:t>
             </a:r>
-            <a:r>
-              <a:rPr lang="en-US" altLang="zh-CN"/>
-              <a:t/>
-            </a:r>
             <a:br>
               <a:rPr lang="en-US" altLang="zh-CN"/>
             </a:br>
@@ -29431,13 +32495,6 @@
   <p:clrMapOvr>
     <a:masterClrMapping/>
   </p:clrMapOvr>
-  <p:timing>
-    <p:tnLst>
-      <p:par>
-        <p:cTn id="1" dur="indefinite" restart="never" nodeType="tmRoot"/>
-      </p:par>
-    </p:tnLst>
-  </p:timing>
 </p:sld>
 </file>
 
@@ -29496,10 +32553,6 @@
               </a:rPr>
               <a:t>返回项目模块</a:t>
             </a:r>
-            <a:r>
-              <a:rPr lang="en-US" altLang="zh-CN"/>
-              <a:t/>
-            </a:r>
             <a:br>
               <a:rPr lang="en-US" altLang="zh-CN"/>
             </a:br>
@@ -29672,13 +32725,6 @@
   <p:clrMapOvr>
     <a:masterClrMapping/>
   </p:clrMapOvr>
-  <p:timing>
-    <p:tnLst>
-      <p:par>
-        <p:cTn id="1" dur="indefinite" restart="never" nodeType="tmRoot"/>
-      </p:par>
-    </p:tnLst>
-  </p:timing>
 </p:sld>
 </file>
 
@@ -29723,10 +32769,6 @@
               <a:rPr lang="zh-CN" altLang="en-US"/>
               <a:t>海外业务 </a:t>
             </a:r>
-            <a:r>
-              <a:rPr lang="en-US" altLang="zh-CN"/>
-              <a:t/>
-            </a:r>
             <a:br>
               <a:rPr lang="en-US" altLang="zh-CN"/>
             </a:br>
@@ -29804,13 +32846,6 @@
   <p:clrMapOvr>
     <a:masterClrMapping/>
   </p:clrMapOvr>
-  <p:timing>
-    <p:tnLst>
-      <p:par>
-        <p:cTn id="1" dur="indefinite" restart="never" nodeType="tmRoot"/>
-      </p:par>
-    </p:tnLst>
-  </p:timing>
 </p:sld>
 </file>
 
@@ -29855,10 +32890,6 @@
               <a:rPr lang="zh-CN" altLang="en-US"/>
               <a:t>海外业务 游戏列表</a:t>
             </a:r>
-            <a:r>
-              <a:rPr lang="en-US" altLang="zh-CN"/>
-              <a:t/>
-            </a:r>
             <a:br>
               <a:rPr lang="en-US" altLang="zh-CN"/>
             </a:br>
@@ -29985,13 +33016,6 @@
   <p:clrMapOvr>
     <a:masterClrMapping/>
   </p:clrMapOvr>
-  <p:timing>
-    <p:tnLst>
-      <p:par>
-        <p:cTn id="1" dur="indefinite" restart="never" nodeType="tmRoot"/>
-      </p:par>
-    </p:tnLst>
-  </p:timing>
 </p:sld>
 </file>
 
@@ -30036,10 +33060,6 @@
               <a:rPr lang="zh-CN" altLang="en-US"/>
               <a:t>海外业务 渠道列表 </a:t>
             </a:r>
-            <a:r>
-              <a:rPr lang="en-US" altLang="zh-CN"/>
-              <a:t/>
-            </a:r>
             <a:br>
               <a:rPr lang="en-US" altLang="zh-CN"/>
             </a:br>
@@ -30184,13 +33204,6 @@
   <p:clrMapOvr>
     <a:masterClrMapping/>
   </p:clrMapOvr>
-  <p:timing>
-    <p:tnLst>
-      <p:par>
-        <p:cTn id="1" dur="indefinite" restart="never" nodeType="tmRoot"/>
-      </p:par>
-    </p:tnLst>
-  </p:timing>
 </p:sld>
 </file>
 
@@ -30235,10 +33248,6 @@
               <a:rPr lang="zh-CN" altLang="en-US"/>
               <a:t>海外业务 广告位列表 </a:t>
             </a:r>
-            <a:r>
-              <a:rPr lang="en-US" altLang="zh-CN"/>
-              <a:t/>
-            </a:r>
             <a:br>
               <a:rPr lang="en-US" altLang="zh-CN"/>
             </a:br>
@@ -30335,13 +33344,6 @@
   <p:clrMapOvr>
     <a:masterClrMapping/>
   </p:clrMapOvr>
-  <p:timing>
-    <p:tnLst>
-      <p:par>
-        <p:cTn id="1" dur="indefinite" restart="never" nodeType="tmRoot"/>
-      </p:par>
-    </p:tnLst>
-  </p:timing>
 </p:sld>
 </file>
 
@@ -30396,10 +33398,6 @@
               </a:rPr>
               <a:t>返回项目模块</a:t>
             </a:r>
-            <a:r>
-              <a:rPr lang="en-US" altLang="zh-CN"/>
-              <a:t/>
-            </a:r>
             <a:br>
               <a:rPr lang="en-US" altLang="zh-CN"/>
             </a:br>
@@ -30530,13 +33528,6 @@
   <p:clrMapOvr>
     <a:masterClrMapping/>
   </p:clrMapOvr>
-  <p:timing>
-    <p:tnLst>
-      <p:par>
-        <p:cTn id="1" dur="indefinite" restart="never" nodeType="tmRoot"/>
-      </p:par>
-    </p:tnLst>
-  </p:timing>
 </p:sld>
 </file>
 
@@ -30581,10 +33572,6 @@
               <a:rPr lang="zh-CN" altLang="en-US"/>
               <a:t>优云项目模块</a:t>
             </a:r>
-            <a:r>
-              <a:rPr lang="en-US" altLang="zh-CN"/>
-              <a:t/>
-            </a:r>
             <a:br>
               <a:rPr lang="en-US" altLang="zh-CN"/>
             </a:br>
@@ -30755,13 +33742,6 @@
   <p:clrMapOvr>
     <a:masterClrMapping/>
   </p:clrMapOvr>
-  <p:timing>
-    <p:tnLst>
-      <p:par>
-        <p:cTn id="1" dur="indefinite" restart="never" nodeType="tmRoot"/>
-      </p:par>
-    </p:tnLst>
-  </p:timing>
 </p:sld>
 </file>
 
@@ -30806,10 +33786,6 @@
               <a:rPr lang="zh-CN" altLang="en-US"/>
               <a:t>海外数据 </a:t>
             </a:r>
-            <a:r>
-              <a:rPr lang="en-US" altLang="zh-CN"/>
-              <a:t/>
-            </a:r>
             <a:br>
               <a:rPr lang="en-US" altLang="zh-CN"/>
             </a:br>
@@ -30887,13 +33863,6 @@
   <p:clrMapOvr>
     <a:masterClrMapping/>
   </p:clrMapOvr>
-  <p:timing>
-    <p:tnLst>
-      <p:par>
-        <p:cTn id="1" dur="indefinite" restart="never" nodeType="tmRoot"/>
-      </p:par>
-    </p:tnLst>
-  </p:timing>
 </p:sld>
 </file>
 
@@ -30938,10 +33907,6 @@
               <a:rPr lang="zh-CN" altLang="en-US"/>
               <a:t>海外数据 渠道时表 </a:t>
             </a:r>
-            <a:r>
-              <a:rPr lang="en-US" altLang="zh-CN"/>
-              <a:t/>
-            </a:r>
             <a:br>
               <a:rPr lang="en-US" altLang="zh-CN"/>
             </a:br>
@@ -31082,13 +34047,6 @@
   <p:clrMapOvr>
     <a:masterClrMapping/>
   </p:clrMapOvr>
-  <p:timing>
-    <p:tnLst>
-      <p:par>
-        <p:cTn id="1" dur="indefinite" restart="never" nodeType="tmRoot"/>
-      </p:par>
-    </p:tnLst>
-  </p:timing>
 </p:sld>
 </file>
 
@@ -31133,10 +34091,6 @@
               <a:rPr lang="zh-CN" altLang="en-US"/>
               <a:t>海外数据 渠道效果 </a:t>
             </a:r>
-            <a:r>
-              <a:rPr lang="en-US" altLang="zh-CN"/>
-              <a:t/>
-            </a:r>
             <a:br>
               <a:rPr lang="en-US" altLang="zh-CN"/>
             </a:br>
@@ -31307,13 +34261,6 @@
   <p:clrMapOvr>
     <a:masterClrMapping/>
   </p:clrMapOvr>
-  <p:timing>
-    <p:tnLst>
-      <p:par>
-        <p:cTn id="1" dur="indefinite" restart="never" nodeType="tmRoot"/>
-      </p:par>
-    </p:tnLst>
-  </p:timing>
 </p:sld>
 </file>
 
@@ -31358,10 +34305,6 @@
               <a:rPr lang="zh-CN" altLang="en-US"/>
               <a:t>海外数据 渠道日表 </a:t>
             </a:r>
-            <a:r>
-              <a:rPr lang="en-US" altLang="zh-CN"/>
-              <a:t/>
-            </a:r>
             <a:br>
               <a:rPr lang="en-US" altLang="zh-CN"/>
             </a:br>
@@ -31496,13 +34439,6 @@
   <p:clrMapOvr>
     <a:masterClrMapping/>
   </p:clrMapOvr>
-  <p:timing>
-    <p:tnLst>
-      <p:par>
-        <p:cTn id="1" dur="indefinite" restart="never" nodeType="tmRoot"/>
-      </p:par>
-    </p:tnLst>
-  </p:timing>
 </p:sld>
 </file>
 
@@ -31557,10 +34493,6 @@
               </a:rPr>
               <a:t>返回项目模块 </a:t>
             </a:r>
-            <a:r>
-              <a:rPr lang="en-US" altLang="zh-CN"/>
-              <a:t/>
-            </a:r>
             <a:br>
               <a:rPr lang="en-US" altLang="zh-CN"/>
             </a:br>
@@ -31747,13 +34679,6 @@
   <p:clrMapOvr>
     <a:masterClrMapping/>
   </p:clrMapOvr>
-  <p:timing>
-    <p:tnLst>
-      <p:par>
-        <p:cTn id="1" dur="indefinite" restart="never" nodeType="tmRoot"/>
-      </p:par>
-    </p:tnLst>
-  </p:timing>
 </p:sld>
 </file>
 
@@ -31798,10 +34723,6 @@
               <a:rPr lang="zh-CN" altLang="en-US"/>
               <a:t>财务结算</a:t>
             </a:r>
-            <a:r>
-              <a:rPr lang="en-US" altLang="zh-CN"/>
-              <a:t/>
-            </a:r>
             <a:br>
               <a:rPr lang="en-US" altLang="zh-CN"/>
             </a:br>
@@ -31891,13 +34812,6 @@
   <p:clrMapOvr>
     <a:masterClrMapping/>
   </p:clrMapOvr>
-  <p:timing>
-    <p:tnLst>
-      <p:par>
-        <p:cTn id="1" dur="indefinite" restart="never" nodeType="tmRoot"/>
-      </p:par>
-    </p:tnLst>
-  </p:timing>
 </p:sld>
 </file>
 
@@ -31942,10 +34856,6 @@
               <a:rPr lang="zh-CN" altLang="en-US"/>
               <a:t>财务结算 佣金结算 </a:t>
             </a:r>
-            <a:r>
-              <a:rPr lang="en-US" altLang="zh-CN"/>
-              <a:t/>
-            </a:r>
             <a:br>
               <a:rPr lang="en-US" altLang="zh-CN"/>
             </a:br>
@@ -32094,13 +35004,6 @@
   <p:clrMapOvr>
     <a:masterClrMapping/>
   </p:clrMapOvr>
-  <p:timing>
-    <p:tnLst>
-      <p:par>
-        <p:cTn id="1" dur="indefinite" restart="never" nodeType="tmRoot"/>
-      </p:par>
-    </p:tnLst>
-  </p:timing>
 </p:sld>
 </file>
 
@@ -32144,10 +35047,6 @@
             <a:r>
               <a:rPr lang="zh-CN" altLang="en-US"/>
               <a:t>财务结算   分期佣金</a:t>
-            </a:r>
-            <a:r>
-              <a:rPr lang="en-US" altLang="zh-CN"/>
-              <a:t/>
             </a:r>
             <a:br>
               <a:rPr lang="en-US" altLang="zh-CN"/>
@@ -32257,13 +35156,6 @@
   <p:clrMapOvr>
     <a:masterClrMapping/>
   </p:clrMapOvr>
-  <p:timing>
-    <p:tnLst>
-      <p:par>
-        <p:cTn id="1" dur="indefinite" restart="never" nodeType="tmRoot"/>
-      </p:par>
-    </p:tnLst>
-  </p:timing>
 </p:sld>
 </file>
 
@@ -32316,10 +35208,6 @@
               <a:rPr lang="zh-CN" altLang="en-US"/>
               <a:t>渠道效果</a:t>
             </a:r>
-            <a:r>
-              <a:rPr lang="en-US" altLang="zh-CN"/>
-              <a:t/>
-            </a:r>
             <a:br>
               <a:rPr lang="en-US" altLang="zh-CN"/>
             </a:br>
@@ -32444,13 +35332,6 @@
   <p:clrMapOvr>
     <a:masterClrMapping/>
   </p:clrMapOvr>
-  <p:timing>
-    <p:tnLst>
-      <p:par>
-        <p:cTn id="1" dur="indefinite" restart="never" nodeType="tmRoot"/>
-      </p:par>
-    </p:tnLst>
-  </p:timing>
 </p:sld>
 </file>
 
@@ -32513,10 +35394,6 @@
               </a:rPr>
               <a:t>返回项目模块</a:t>
             </a:r>
-            <a:r>
-              <a:rPr lang="en-US" altLang="zh-CN"/>
-              <a:t/>
-            </a:r>
             <a:br>
               <a:rPr lang="en-US" altLang="zh-CN"/>
             </a:br>
@@ -32695,13 +35572,6 @@
   <p:clrMapOvr>
     <a:masterClrMapping/>
   </p:clrMapOvr>
-  <p:timing>
-    <p:tnLst>
-      <p:par>
-        <p:cTn id="1" dur="indefinite" restart="never" nodeType="tmRoot"/>
-      </p:par>
-    </p:tnLst>
-  </p:timing>
 </p:sld>
 </file>
 
@@ -32870,13 +35740,6 @@
   <p:clrMapOvr>
     <a:masterClrMapping/>
   </p:clrMapOvr>
-  <p:timing>
-    <p:tnLst>
-      <p:par>
-        <p:cTn id="1" dur="indefinite" restart="never" nodeType="tmRoot"/>
-      </p:par>
-    </p:tnLst>
-  </p:timing>
 </p:sld>
 </file>
 
@@ -32921,10 +35784,6 @@
               <a:rPr lang="zh-CN" altLang="en-US"/>
               <a:t> 对账</a:t>
             </a:r>
-            <a:r>
-              <a:rPr lang="en-US" altLang="zh-CN"/>
-              <a:t/>
-            </a:r>
             <a:br>
               <a:rPr lang="en-US" altLang="zh-CN"/>
             </a:br>
@@ -32997,13 +35856,6 @@
   <p:clrMapOvr>
     <a:masterClrMapping/>
   </p:clrMapOvr>
-  <p:timing>
-    <p:tnLst>
-      <p:par>
-        <p:cTn id="1" dur="indefinite" restart="never" nodeType="tmRoot"/>
-      </p:par>
-    </p:tnLst>
-  </p:timing>
 </p:sld>
 </file>
 
@@ -33048,10 +35900,6 @@
               <a:rPr lang="zh-CN" altLang="en-US"/>
               <a:t> 对账 账号列表</a:t>
             </a:r>
-            <a:r>
-              <a:rPr lang="en-US" altLang="zh-CN"/>
-              <a:t/>
-            </a:r>
             <a:br>
               <a:rPr lang="en-US" altLang="zh-CN"/>
             </a:br>
@@ -33221,13 +36069,6 @@
   <p:clrMapOvr>
     <a:masterClrMapping/>
   </p:clrMapOvr>
-  <p:timing>
-    <p:tnLst>
-      <p:par>
-        <p:cTn id="1" dur="indefinite" restart="never" nodeType="tmRoot"/>
-      </p:par>
-    </p:tnLst>
-  </p:timing>
 </p:sld>
 </file>
 
@@ -33272,10 +36113,6 @@
               <a:rPr lang="zh-CN" altLang="en-US"/>
               <a:t> 对账 账号成本结算</a:t>
             </a:r>
-            <a:r>
-              <a:rPr lang="en-US" altLang="zh-CN"/>
-              <a:t/>
-            </a:r>
             <a:br>
               <a:rPr lang="en-US" altLang="zh-CN"/>
             </a:br>
@@ -33410,13 +36247,6 @@
   <p:clrMapOvr>
     <a:masterClrMapping/>
   </p:clrMapOvr>
-  <p:timing>
-    <p:tnLst>
-      <p:par>
-        <p:cTn id="1" dur="indefinite" restart="never" nodeType="tmRoot"/>
-      </p:par>
-    </p:tnLst>
-  </p:timing>
 </p:sld>
 </file>
 
@@ -33459,15 +36289,7 @@
           <a:p>
             <a:r>
               <a:rPr lang="zh-CN" altLang="en-US"/>
-              <a:t> 对</a:t>
-            </a:r>
-            <a:r>
-              <a:rPr lang="zh-CN" altLang="en-US" smtClean="0"/>
-              <a:t>账 账号</a:t>
-            </a:r>
-            <a:r>
-              <a:rPr lang="zh-CN" altLang="en-US"/>
-              <a:t>成本统计</a:t>
+              <a:t> 对账 账号成本统计</a:t>
             </a:r>
             <a:r>
               <a:rPr lang="en-US" altLang="zh-CN"/>
@@ -33478,10 +36300,6 @@
                 <a:hlinkClick r:id="rId3" action="ppaction://hlinksldjump"/>
               </a:rPr>
               <a:t>返回项目模块</a:t>
-            </a:r>
-            <a:r>
-              <a:rPr lang="en-US" altLang="zh-CN"/>
-              <a:t/>
             </a:r>
             <a:br>
               <a:rPr lang="en-US" altLang="zh-CN"/>
@@ -33598,13 +36416,6 @@
   <p:clrMapOvr>
     <a:masterClrMapping/>
   </p:clrMapOvr>
-  <p:timing>
-    <p:tnLst>
-      <p:par>
-        <p:cTn id="1" dur="indefinite" restart="never" nodeType="tmRoot"/>
-      </p:par>
-    </p:tnLst>
-  </p:timing>
 </p:sld>
 </file>
 
@@ -33789,13 +36600,6 @@
   <p:clrMapOvr>
     <a:masterClrMapping/>
   </p:clrMapOvr>
-  <p:timing>
-    <p:tnLst>
-      <p:par>
-        <p:cTn id="1" dur="indefinite" restart="never" nodeType="tmRoot"/>
-      </p:par>
-    </p:tnLst>
-  </p:timing>
 </p:sld>
 </file>
 
@@ -33850,10 +36654,6 @@
               </a:rPr>
               <a:t>返回项目模块</a:t>
             </a:r>
-            <a:r>
-              <a:rPr lang="en-US" altLang="zh-CN"/>
-              <a:t/>
-            </a:r>
             <a:br>
               <a:rPr lang="en-US" altLang="zh-CN"/>
             </a:br>
@@ -34066,13 +36866,6 @@
   <p:clrMapOvr>
     <a:masterClrMapping/>
   </p:clrMapOvr>
-  <p:timing>
-    <p:tnLst>
-      <p:par>
-        <p:cTn id="1" dur="indefinite" restart="never" nodeType="tmRoot"/>
-      </p:par>
-    </p:tnLst>
-  </p:timing>
 </p:sld>
 </file>
 
@@ -34115,11 +36908,7 @@
           <a:p>
             <a:r>
               <a:rPr lang="zh-CN" altLang="en-US"/>
-              <a:t>优</a:t>
-            </a:r>
-            <a:r>
-              <a:rPr lang="zh-CN" altLang="en-US" smtClean="0"/>
-              <a:t>云代码设计</a:t>
+              <a:t>优云代码设计</a:t>
             </a:r>
             <a:r>
               <a:rPr lang="en-US" altLang="zh-CN"/>
@@ -34162,19 +36951,15 @@
           </a:p>
           <a:p>
             <a:pPr algn="ctr"/>
-            <a:endParaRPr lang="en-US" altLang="zh-CN" sz="2400" smtClean="0"/>
+            <a:endParaRPr lang="en-US" altLang="zh-CN" sz="2400"/>
           </a:p>
           <a:p>
             <a:pPr algn="ctr"/>
             <a:r>
               <a:rPr lang="zh-CN" altLang="en-US" sz="2400"/>
-              <a:t>代码源码</a:t>
-            </a:r>
-            <a:r>
-              <a:rPr lang="zh-CN" altLang="en-US" sz="2400" smtClean="0"/>
-              <a:t>设计</a:t>
-            </a:r>
-            <a:endParaRPr lang="en-US" altLang="zh-CN" sz="2400" smtClean="0"/>
+              <a:t>代码源码设计</a:t>
+            </a:r>
+            <a:endParaRPr lang="en-US" altLang="zh-CN" sz="2400"/>
           </a:p>
           <a:p>
             <a:pPr algn="ctr"/>
@@ -34183,10 +36968,10 @@
           <a:p>
             <a:pPr algn="ctr"/>
             <a:r>
-              <a:rPr lang="zh-CN" altLang="en-US" sz="2400" smtClean="0"/>
+              <a:rPr lang="zh-CN" altLang="en-US" sz="2400"/>
               <a:t>数据库设计</a:t>
             </a:r>
-            <a:endParaRPr lang="en-US" altLang="zh-CN" sz="2400" smtClean="0"/>
+            <a:endParaRPr lang="en-US" altLang="zh-CN" sz="2400"/>
           </a:p>
           <a:p>
             <a:pPr algn="ctr"/>
@@ -34208,13 +36993,6 @@
   <p:clrMapOvr>
     <a:masterClrMapping/>
   </p:clrMapOvr>
-  <p:timing>
-    <p:tnLst>
-      <p:par>
-        <p:cTn id="1" dur="indefinite" restart="never" nodeType="tmRoot"/>
-      </p:par>
-    </p:tnLst>
-  </p:timing>
 </p:sld>
 </file>
 
@@ -34256,27 +37034,23 @@
           <a:lstStyle/>
           <a:p>
             <a:r>
-              <a:rPr lang="zh-CN" altLang="en-US" smtClean="0"/>
+              <a:rPr lang="zh-CN" altLang="en-US"/>
               <a:t>优云代码设计</a:t>
             </a:r>
             <a:r>
-              <a:rPr lang="en-US" altLang="zh-CN" smtClean="0"/>
+              <a:rPr lang="en-US" altLang="zh-CN"/>
               <a:t>	</a:t>
             </a:r>
             <a:r>
               <a:rPr lang="zh-CN" altLang="en-US"/>
-              <a:t>代码源码</a:t>
-            </a:r>
-            <a:r>
-              <a:rPr lang="zh-CN" altLang="en-US" smtClean="0"/>
-              <a:t>设计</a:t>
-            </a:r>
-            <a:r>
-              <a:rPr lang="en-US" altLang="zh-CN" smtClean="0"/>
+              <a:t>代码源码设计</a:t>
+            </a:r>
+            <a:r>
+              <a:rPr lang="en-US" altLang="zh-CN"/>
               <a:t>		</a:t>
             </a:r>
             <a:br>
-              <a:rPr lang="en-US" altLang="zh-CN" smtClean="0"/>
+              <a:rPr lang="en-US" altLang="zh-CN"/>
             </a:br>
             <a:endParaRPr lang="zh-CN" altLang="en-US"/>
           </a:p>
@@ -34306,14 +37080,13 @@
           </a:p>
           <a:p>
             <a:r>
-              <a:rPr lang="zh-CN" altLang="en-US" smtClean="0"/>
+              <a:rPr lang="zh-CN" altLang="en-US"/>
               <a:t>项目目录</a:t>
             </a:r>
             <a:r>
-              <a:rPr lang="en-US" altLang="zh-CN" smtClean="0"/>
+              <a:rPr lang="en-US" altLang="zh-CN"/>
               <a:t>:</a:t>
             </a:r>
-            <a:endParaRPr lang="en-US" altLang="zh-CN"/>
           </a:p>
           <a:p>
             <a:endParaRPr lang="en-US" altLang="zh-CN" sz="2400"/>
@@ -34362,13 +37135,6 @@
   <p:clrMapOvr>
     <a:masterClrMapping/>
   </p:clrMapOvr>
-  <p:timing>
-    <p:tnLst>
-      <p:par>
-        <p:cTn id="1" dur="indefinite" restart="never" nodeType="tmRoot"/>
-      </p:par>
-    </p:tnLst>
-  </p:timing>
 </p:sld>
 </file>
 
@@ -34410,27 +37176,23 @@
           <a:lstStyle/>
           <a:p>
             <a:r>
-              <a:rPr lang="zh-CN" altLang="en-US" smtClean="0"/>
+              <a:rPr lang="zh-CN" altLang="en-US"/>
               <a:t>优云代码设计</a:t>
             </a:r>
             <a:r>
-              <a:rPr lang="en-US" altLang="zh-CN" smtClean="0"/>
+              <a:rPr lang="en-US" altLang="zh-CN"/>
               <a:t>	</a:t>
             </a:r>
             <a:r>
               <a:rPr lang="zh-CN" altLang="en-US"/>
-              <a:t>代码源码</a:t>
-            </a:r>
-            <a:r>
-              <a:rPr lang="zh-CN" altLang="en-US" smtClean="0"/>
-              <a:t>设计</a:t>
-            </a:r>
-            <a:r>
-              <a:rPr lang="en-US" altLang="zh-CN" smtClean="0"/>
+              <a:t>代码源码设计</a:t>
+            </a:r>
+            <a:r>
+              <a:rPr lang="en-US" altLang="zh-CN"/>
               <a:t>		</a:t>
             </a:r>
             <a:br>
-              <a:rPr lang="en-US" altLang="zh-CN" smtClean="0"/>
+              <a:rPr lang="en-US" altLang="zh-CN"/>
             </a:br>
             <a:endParaRPr lang="zh-CN" altLang="en-US"/>
           </a:p>
@@ -34460,11 +37222,11 @@
           </a:p>
           <a:p>
             <a:r>
-              <a:rPr lang="zh-CN" altLang="en-US" sz="1600" smtClean="0"/>
+              <a:rPr lang="zh-CN" altLang="en-US" sz="1600"/>
               <a:t>项目内容</a:t>
             </a:r>
             <a:r>
-              <a:rPr lang="en-US" altLang="zh-CN" sz="1600" smtClean="0"/>
+              <a:rPr lang="en-US" altLang="zh-CN" sz="1600"/>
               <a:t>:</a:t>
             </a:r>
           </a:p>
@@ -34515,13 +37277,6 @@
   <p:clrMapOvr>
     <a:masterClrMapping/>
   </p:clrMapOvr>
-  <p:timing>
-    <p:tnLst>
-      <p:par>
-        <p:cTn id="1" dur="indefinite" restart="never" nodeType="tmRoot"/>
-      </p:par>
-    </p:tnLst>
-  </p:timing>
 </p:sld>
 </file>
 
@@ -34563,27 +37318,23 @@
           <a:lstStyle/>
           <a:p>
             <a:r>
-              <a:rPr lang="zh-CN" altLang="en-US" smtClean="0"/>
+              <a:rPr lang="zh-CN" altLang="en-US"/>
               <a:t>优云代码设计</a:t>
             </a:r>
             <a:r>
-              <a:rPr lang="en-US" altLang="zh-CN" smtClean="0"/>
+              <a:rPr lang="en-US" altLang="zh-CN"/>
               <a:t>	</a:t>
             </a:r>
             <a:r>
               <a:rPr lang="zh-CN" altLang="en-US"/>
-              <a:t>代码源码</a:t>
-            </a:r>
-            <a:r>
-              <a:rPr lang="zh-CN" altLang="en-US" smtClean="0"/>
-              <a:t>设计</a:t>
-            </a:r>
-            <a:r>
-              <a:rPr lang="en-US" altLang="zh-CN" smtClean="0"/>
+              <a:t>代码源码设计</a:t>
+            </a:r>
+            <a:r>
+              <a:rPr lang="en-US" altLang="zh-CN"/>
               <a:t>		</a:t>
             </a:r>
             <a:br>
-              <a:rPr lang="en-US" altLang="zh-CN" smtClean="0"/>
+              <a:rPr lang="en-US" altLang="zh-CN"/>
             </a:br>
             <a:endParaRPr lang="zh-CN" altLang="en-US"/>
           </a:p>
@@ -34613,64 +37364,48 @@
           </a:p>
           <a:p>
             <a:r>
-              <a:rPr lang="zh-CN" altLang="en-US" sz="1600" smtClean="0"/>
+              <a:rPr lang="zh-CN" altLang="en-US" sz="1600"/>
               <a:t>常用方法和类</a:t>
             </a:r>
             <a:r>
-              <a:rPr lang="en-US" altLang="zh-CN" sz="1600" smtClean="0"/>
+              <a:rPr lang="en-US" altLang="zh-CN" sz="1600"/>
               <a:t>:</a:t>
             </a:r>
           </a:p>
           <a:p>
             <a:r>
               <a:rPr lang="zh-CN" altLang="en-US" sz="1600"/>
-              <a:t>分页</a:t>
-            </a:r>
-            <a:r>
-              <a:rPr lang="zh-CN" altLang="en-US" sz="1600" smtClean="0"/>
-              <a:t>类</a:t>
-            </a:r>
-            <a:r>
-              <a:rPr lang="en-US" altLang="zh-CN" sz="1600" smtClean="0"/>
+              <a:t>分页类</a:t>
+            </a:r>
+            <a:r>
+              <a:rPr lang="en-US" altLang="zh-CN" sz="1600"/>
               <a:t>:</a:t>
             </a:r>
           </a:p>
           <a:p>
             <a:r>
-              <a:rPr lang="en-US" altLang="zh-CN" smtClean="0"/>
-              <a:t>$</a:t>
-            </a:r>
-            <a:r>
-              <a:rPr lang="en-US" altLang="zh-CN"/>
-              <a:t>page = new \Org\Util\Page($total_rows, 100</a:t>
-            </a:r>
-            <a:r>
-              <a:rPr lang="en-US" altLang="zh-CN" smtClean="0"/>
-              <a:t>);</a:t>
+              <a:rPr lang="en-US" altLang="zh-CN"/>
+              <a:t>$page = new \Org\Util\Page($total_rows, 100);</a:t>
             </a:r>
           </a:p>
           <a:p>
             <a:r>
               <a:rPr lang="en-US" altLang="zh-CN" sz="1600"/>
-              <a:t>$show = $page-&gt;show</a:t>
-            </a:r>
-            <a:r>
-              <a:rPr lang="en-US" altLang="zh-CN" sz="1600" smtClean="0"/>
-              <a:t>();</a:t>
-            </a:r>
-          </a:p>
-          <a:p>
-            <a:r>
-              <a:rPr lang="zh-CN" altLang="en-US" sz="1600" smtClean="0"/>
+              <a:t>$show = $page-&gt;show();</a:t>
+            </a:r>
+          </a:p>
+          <a:p>
+            <a:r>
+              <a:rPr lang="zh-CN" altLang="en-US" sz="1600"/>
               <a:t>获得前端代码显示的字符串</a:t>
             </a:r>
             <a:r>
-              <a:rPr lang="en-US" altLang="zh-CN" sz="1600" smtClean="0"/>
+              <a:rPr lang="en-US" altLang="zh-CN" sz="1600"/>
               <a:t>.</a:t>
             </a:r>
           </a:p>
           <a:p>
-            <a:endParaRPr lang="en-US" altLang="zh-CN" sz="1600" smtClean="0"/>
+            <a:endParaRPr lang="en-US" altLang="zh-CN" sz="1600"/>
           </a:p>
           <a:p>
             <a:r>
@@ -34706,7 +37441,7 @@
               <a:t>指定字段信息</a:t>
             </a:r>
             <a:r>
-              <a:rPr lang="en-US" altLang="zh-CN" smtClean="0"/>
+              <a:rPr lang="en-US" altLang="zh-CN"/>
               <a:t>.</a:t>
             </a:r>
           </a:p>
@@ -34820,13 +37555,6 @@
   <p:clrMapOvr>
     <a:masterClrMapping/>
   </p:clrMapOvr>
-  <p:timing>
-    <p:tnLst>
-      <p:par>
-        <p:cTn id="1" dur="indefinite" restart="never" nodeType="tmRoot"/>
-      </p:par>
-    </p:tnLst>
-  </p:timing>
 </p:sld>
 </file>
 
@@ -34875,10 +37603,6 @@
               <a:rPr lang="zh-CN" altLang="en-US"/>
               <a:t>业务 用户列表</a:t>
             </a:r>
-            <a:r>
-              <a:rPr lang="en-US" altLang="zh-CN"/>
-              <a:t/>
-            </a:r>
             <a:br>
               <a:rPr lang="en-US" altLang="zh-CN"/>
             </a:br>
@@ -34906,16 +37630,12 @@
           <a:bodyPr/>
           <a:lstStyle/>
           <a:p>
-            <a:endParaRPr lang="en-US" altLang="zh-CN" smtClean="0"/>
-          </a:p>
-          <a:p>
-            <a:r>
-              <a:rPr lang="zh-CN" altLang="en-US" smtClean="0"/>
-              <a:t>用户</a:t>
-            </a:r>
-            <a:r>
-              <a:rPr lang="zh-CN" altLang="en-US"/>
-              <a:t>列表</a:t>
+            <a:endParaRPr lang="en-US" altLang="zh-CN"/>
+          </a:p>
+          <a:p>
+            <a:r>
+              <a:rPr lang="zh-CN" altLang="en-US"/>
+              <a:t>用户列表</a:t>
             </a:r>
             <a:r>
               <a:rPr lang="en-US" altLang="zh-CN"/>
@@ -34936,7 +37656,7 @@
               <a:t>业务渠道商管理功能</a:t>
             </a:r>
             <a:r>
-              <a:rPr lang="en-US" altLang="zh-CN" smtClean="0"/>
+              <a:rPr lang="en-US" altLang="zh-CN"/>
               <a:t>.</a:t>
             </a:r>
           </a:p>
@@ -34979,13 +37699,6 @@
   <p:clrMapOvr>
     <a:masterClrMapping/>
   </p:clrMapOvr>
-  <p:timing>
-    <p:tnLst>
-      <p:par>
-        <p:cTn id="1" dur="indefinite" restart="never" nodeType="tmRoot"/>
-      </p:par>
-    </p:tnLst>
-  </p:timing>
 </p:sld>
 </file>
 
@@ -35027,27 +37740,23 @@
           <a:lstStyle/>
           <a:p>
             <a:r>
-              <a:rPr lang="zh-CN" altLang="en-US" smtClean="0"/>
+              <a:rPr lang="zh-CN" altLang="en-US"/>
               <a:t>优云代码设计</a:t>
             </a:r>
             <a:r>
-              <a:rPr lang="en-US" altLang="zh-CN" smtClean="0"/>
+              <a:rPr lang="en-US" altLang="zh-CN"/>
               <a:t>	</a:t>
             </a:r>
             <a:r>
               <a:rPr lang="zh-CN" altLang="en-US"/>
-              <a:t>代码源码</a:t>
-            </a:r>
-            <a:r>
-              <a:rPr lang="zh-CN" altLang="en-US" smtClean="0"/>
-              <a:t>设计</a:t>
-            </a:r>
-            <a:r>
-              <a:rPr lang="en-US" altLang="zh-CN" smtClean="0"/>
+              <a:t>代码源码设计</a:t>
+            </a:r>
+            <a:r>
+              <a:rPr lang="en-US" altLang="zh-CN"/>
               <a:t>		</a:t>
             </a:r>
             <a:br>
-              <a:rPr lang="en-US" altLang="zh-CN" smtClean="0"/>
+              <a:rPr lang="en-US" altLang="zh-CN"/>
             </a:br>
             <a:endParaRPr lang="zh-CN" altLang="en-US"/>
           </a:p>
@@ -35077,35 +37786,31 @@
           </a:p>
           <a:p>
             <a:r>
-              <a:rPr lang="zh-CN" altLang="en-US" sz="1600" smtClean="0"/>
+              <a:rPr lang="zh-CN" altLang="en-US" sz="1600"/>
               <a:t>部分功能解释</a:t>
             </a:r>
             <a:r>
-              <a:rPr lang="en-US" altLang="zh-CN" sz="1600" smtClean="0"/>
+              <a:rPr lang="en-US" altLang="zh-CN" sz="1600"/>
               <a:t>:</a:t>
             </a:r>
           </a:p>
           <a:p>
             <a:r>
-              <a:rPr lang="zh-CN" altLang="en-US" sz="1600" smtClean="0"/>
+              <a:rPr lang="zh-CN" altLang="en-US" sz="1600"/>
               <a:t>贯穿整个网站的是角色权限控制</a:t>
             </a:r>
             <a:r>
-              <a:rPr lang="en-US" altLang="zh-CN" sz="1600" smtClean="0"/>
+              <a:rPr lang="en-US" altLang="zh-CN" sz="1600"/>
               <a:t>.</a:t>
             </a:r>
           </a:p>
           <a:p>
             <a:r>
               <a:rPr lang="zh-CN" altLang="en-US" sz="1600"/>
-              <a:t>简化</a:t>
-            </a:r>
-            <a:r>
-              <a:rPr lang="zh-CN" altLang="en-US" sz="1600" smtClean="0"/>
-              <a:t>实现流程</a:t>
-            </a:r>
-            <a:r>
-              <a:rPr lang="en-US" altLang="zh-CN" sz="1600" smtClean="0"/>
+              <a:t>简化实现流程</a:t>
+            </a:r>
+            <a:r>
+              <a:rPr lang="en-US" altLang="zh-CN" sz="1600"/>
               <a:t>:</a:t>
             </a:r>
           </a:p>
@@ -35156,13 +37861,6 @@
   <p:clrMapOvr>
     <a:masterClrMapping/>
   </p:clrMapOvr>
-  <p:timing>
-    <p:tnLst>
-      <p:par>
-        <p:cTn id="1" dur="indefinite" restart="never" nodeType="tmRoot"/>
-      </p:par>
-    </p:tnLst>
-  </p:timing>
 </p:sld>
 </file>
 
@@ -35272,13 +37970,6 @@
   <p:clrMapOvr>
     <a:masterClrMapping/>
   </p:clrMapOvr>
-  <p:timing>
-    <p:tnLst>
-      <p:par>
-        <p:cTn id="1" dur="indefinite" restart="never" nodeType="tmRoot"/>
-      </p:par>
-    </p:tnLst>
-  </p:timing>
 </p:sld>
 </file>
 
@@ -35327,10 +38018,6 @@
               <a:rPr lang="zh-CN" altLang="en-US"/>
               <a:t>业务 渠道列表</a:t>
             </a:r>
-            <a:r>
-              <a:rPr lang="en-US" altLang="zh-CN"/>
-              <a:t/>
-            </a:r>
             <a:br>
               <a:rPr lang="en-US" altLang="zh-CN"/>
             </a:br>
@@ -35358,22 +38045,18 @@
           <a:bodyPr/>
           <a:lstStyle/>
           <a:p>
-            <a:endParaRPr lang="en-US" altLang="zh-CN" smtClean="0"/>
-          </a:p>
-          <a:p>
-            <a:r>
-              <a:rPr lang="zh-CN" altLang="en-US" smtClean="0"/>
-              <a:t>渠道</a:t>
-            </a:r>
-            <a:r>
-              <a:rPr lang="zh-CN" altLang="en-US"/>
-              <a:t>列表</a:t>
-            </a:r>
             <a:endParaRPr lang="en-US" altLang="zh-CN"/>
           </a:p>
           <a:p>
             <a:r>
               <a:rPr lang="zh-CN" altLang="en-US"/>
+              <a:t>渠道列表</a:t>
+            </a:r>
+            <a:endParaRPr lang="en-US" altLang="zh-CN"/>
+          </a:p>
+          <a:p>
+            <a:r>
+              <a:rPr lang="zh-CN" altLang="en-US"/>
               <a:t>展示</a:t>
             </a:r>
             <a:r>
@@ -35409,7 +38092,7 @@
               <a:t>创建时间和合作模式等</a:t>
             </a:r>
             <a:r>
-              <a:rPr lang="en-US" altLang="zh-CN" smtClean="0"/>
+              <a:rPr lang="en-US" altLang="zh-CN"/>
               <a:t>.</a:t>
             </a:r>
           </a:p>
@@ -35452,13 +38135,6 @@
   <p:clrMapOvr>
     <a:masterClrMapping/>
   </p:clrMapOvr>
-  <p:timing>
-    <p:tnLst>
-      <p:par>
-        <p:cTn id="1" dur="indefinite" restart="never" nodeType="tmRoot"/>
-      </p:par>
-    </p:tnLst>
-  </p:timing>
 </p:sld>
 </file>
 
@@ -35507,10 +38183,6 @@
               <a:rPr lang="zh-CN" altLang="en-US"/>
               <a:t>业务 游戏列表</a:t>
             </a:r>
-            <a:r>
-              <a:rPr lang="en-US" altLang="zh-CN"/>
-              <a:t/>
-            </a:r>
             <a:br>
               <a:rPr lang="en-US" altLang="zh-CN"/>
             </a:br>
@@ -35538,16 +38210,12 @@
           <a:bodyPr/>
           <a:lstStyle/>
           <a:p>
-            <a:endParaRPr lang="en-US" altLang="zh-CN" smtClean="0"/>
-          </a:p>
-          <a:p>
-            <a:r>
-              <a:rPr lang="zh-CN" altLang="en-US" smtClean="0"/>
-              <a:t>游戏</a:t>
-            </a:r>
-            <a:r>
-              <a:rPr lang="zh-CN" altLang="en-US"/>
-              <a:t>列表</a:t>
+            <a:endParaRPr lang="en-US" altLang="zh-CN"/>
+          </a:p>
+          <a:p>
+            <a:r>
+              <a:rPr lang="zh-CN" altLang="en-US"/>
+              <a:t>游戏列表</a:t>
             </a:r>
             <a:r>
               <a:rPr lang="en-US" altLang="zh-CN"/>
@@ -35653,13 +38321,6 @@
   <p:clrMapOvr>
     <a:masterClrMapping/>
   </p:clrMapOvr>
-  <p:timing>
-    <p:tnLst>
-      <p:par>
-        <p:cTn id="1" dur="indefinite" restart="never" nodeType="tmRoot"/>
-      </p:par>
-    </p:tnLst>
-  </p:timing>
 </p:sld>
 </file>
 
@@ -35708,10 +38369,6 @@
               <a:rPr lang="zh-CN" altLang="en-US"/>
               <a:t>业务 广告列表</a:t>
             </a:r>
-            <a:r>
-              <a:rPr lang="en-US" altLang="zh-CN"/>
-              <a:t/>
-            </a:r>
             <a:br>
               <a:rPr lang="en-US" altLang="zh-CN"/>
             </a:br>
@@ -35797,13 +38454,6 @@
   <p:clrMapOvr>
     <a:masterClrMapping/>
   </p:clrMapOvr>
-  <p:timing>
-    <p:tnLst>
-      <p:par>
-        <p:cTn id="1" dur="indefinite" restart="never" nodeType="tmRoot"/>
-      </p:par>
-    </p:tnLst>
-  </p:timing>
 </p:sld>
 </file>
 

--- a/youyun/优云项目讲解内容-最终正式版.pptx
+++ b/youyun/优云项目讲解内容-最终正式版.pptx
@@ -1114,21 +1114,10 @@
                 <a:ea typeface="+mn-ea"/>
                 <a:cs typeface="+mn-cs"/>
               </a:rPr>
-              <a:t>数据模块分为这七个</a:t>
-            </a:r>
-            <a:r>
-              <a:rPr lang="zh-CN" altLang="en-US" sz="1200" kern="1200" smtClean="0">
-                <a:solidFill>
-                  <a:schemeClr val="tx1"/>
-                </a:solidFill>
-                <a:latin typeface="+mn-lt"/>
-                <a:ea typeface="+mn-ea"/>
-                <a:cs typeface="+mn-cs"/>
-              </a:rPr>
-              <a:t>部分</a:t>
-            </a:r>
-            <a:r>
-              <a:rPr lang="en-US" altLang="zh-CN" sz="1200" kern="1200" smtClean="0">
+              <a:t>数据模块分为这七个部分</a:t>
+            </a:r>
+            <a:r>
+              <a:rPr lang="en-US" altLang="zh-CN" sz="1200" kern="1200">
                 <a:solidFill>
                   <a:schemeClr val="tx1"/>
                 </a:solidFill>
@@ -1141,7 +1130,7 @@
           </a:p>
           <a:p>
             <a:r>
-              <a:rPr lang="zh-CN" altLang="en-US" sz="1200" kern="1200" smtClean="0">
+              <a:rPr lang="zh-CN" altLang="en-US" sz="1200" kern="1200">
                 <a:solidFill>
                   <a:schemeClr val="tx1"/>
                 </a:solidFill>
@@ -1152,18 +1141,18 @@
               <a:t>下面会介绍这些数据报表使用的数据指标的计算方式和来源</a:t>
             </a:r>
             <a:r>
-              <a:rPr lang="en-US" altLang="zh-CN" sz="1200" kern="1200" smtClean="0">
-                <a:solidFill>
-                  <a:schemeClr val="tx1"/>
-                </a:solidFill>
-                <a:latin typeface="+mn-lt"/>
-                <a:ea typeface="+mn-ea"/>
-                <a:cs typeface="+mn-cs"/>
-              </a:rPr>
-              <a:t>,</a:t>
-            </a:r>
-            <a:r>
-              <a:rPr lang="zh-CN" altLang="en-US" sz="1200" kern="1200" smtClean="0">
+              <a:rPr lang="en-US" altLang="zh-CN" sz="1200" kern="1200">
+                <a:solidFill>
+                  <a:schemeClr val="tx1"/>
+                </a:solidFill>
+                <a:latin typeface="+mn-lt"/>
+                <a:ea typeface="+mn-ea"/>
+                <a:cs typeface="+mn-cs"/>
+              </a:rPr>
+              <a:t>,</a:t>
+            </a:r>
+            <a:r>
+              <a:rPr lang="zh-CN" altLang="en-US" sz="1200" kern="1200">
                 <a:solidFill>
                   <a:schemeClr val="tx1"/>
                 </a:solidFill>
@@ -1174,18 +1163,18 @@
               <a:t>所以要先说一个我自己的定义</a:t>
             </a:r>
             <a:r>
-              <a:rPr lang="en-US" altLang="zh-CN" sz="1200" kern="1200" smtClean="0">
-                <a:solidFill>
-                  <a:schemeClr val="tx1"/>
-                </a:solidFill>
-                <a:latin typeface="+mn-lt"/>
-                <a:ea typeface="+mn-ea"/>
-                <a:cs typeface="+mn-cs"/>
-              </a:rPr>
-              <a:t>,</a:t>
-            </a:r>
-            <a:r>
-              <a:rPr lang="zh-CN" altLang="en-US" sz="1200" kern="1200" smtClean="0">
+              <a:rPr lang="en-US" altLang="zh-CN" sz="1200" kern="1200">
+                <a:solidFill>
+                  <a:schemeClr val="tx1"/>
+                </a:solidFill>
+                <a:latin typeface="+mn-lt"/>
+                <a:ea typeface="+mn-ea"/>
+                <a:cs typeface="+mn-cs"/>
+              </a:rPr>
+              <a:t>,</a:t>
+            </a:r>
+            <a:r>
+              <a:rPr lang="zh-CN" altLang="en-US" sz="1200" kern="1200">
                 <a:solidFill>
                   <a:schemeClr val="tx1"/>
                 </a:solidFill>
@@ -1196,7 +1185,7 @@
               <a:t>这样后面说起来比较简单</a:t>
             </a:r>
             <a:r>
-              <a:rPr lang="en-US" altLang="zh-CN" sz="1200" kern="1200" smtClean="0">
+              <a:rPr lang="en-US" altLang="zh-CN" sz="1200" kern="1200">
                 <a:solidFill>
                   <a:schemeClr val="tx1"/>
                 </a:solidFill>
@@ -1206,7 +1195,7 @@
               </a:rPr>
               <a:t>.</a:t>
             </a:r>
-            <a:endParaRPr lang="zh-CN" altLang="en-US" sz="1200" kern="1200" smtClean="0">
+            <a:endParaRPr lang="zh-CN" altLang="en-US" sz="1200" kern="1200">
               <a:solidFill>
                 <a:schemeClr val="tx1"/>
               </a:solidFill>
@@ -1216,152 +1205,6 @@
             </a:endParaRPr>
           </a:p>
           <a:p>
-            <a:endParaRPr lang="en-US" altLang="zh-CN" sz="1200" kern="1200" smtClean="0">
-              <a:solidFill>
-                <a:schemeClr val="tx1"/>
-              </a:solidFill>
-              <a:latin typeface="+mn-lt"/>
-              <a:ea typeface="+mn-ea"/>
-              <a:cs typeface="+mn-cs"/>
-            </a:endParaRPr>
-          </a:p>
-          <a:p>
-            <a:r>
-              <a:rPr lang="zh-CN" altLang="en-US" sz="1200" kern="1200" smtClean="0">
-                <a:solidFill>
-                  <a:schemeClr val="tx1"/>
-                </a:solidFill>
-                <a:latin typeface="+mn-lt"/>
-                <a:ea typeface="+mn-ea"/>
-                <a:cs typeface="+mn-cs"/>
-              </a:rPr>
-              <a:t>引入自定义名词</a:t>
-            </a:r>
-            <a:r>
-              <a:rPr lang="en-US" altLang="zh-CN" sz="1200" kern="1200" smtClean="0">
-                <a:solidFill>
-                  <a:schemeClr val="tx1"/>
-                </a:solidFill>
-                <a:latin typeface="+mn-lt"/>
-                <a:ea typeface="+mn-ea"/>
-                <a:cs typeface="+mn-cs"/>
-              </a:rPr>
-              <a:t>:</a:t>
-            </a:r>
-          </a:p>
-          <a:p>
-            <a:r>
-              <a:rPr lang="zh-CN" altLang="en-US" sz="1200" kern="1200" smtClean="0">
-                <a:solidFill>
-                  <a:schemeClr val="tx1"/>
-                </a:solidFill>
-                <a:latin typeface="+mn-lt"/>
-                <a:ea typeface="+mn-ea"/>
-                <a:cs typeface="+mn-cs"/>
-              </a:rPr>
-              <a:t>元数据</a:t>
-            </a:r>
-            <a:r>
-              <a:rPr lang="en-US" altLang="zh-CN" sz="1200" kern="1200" smtClean="0">
-                <a:solidFill>
-                  <a:schemeClr val="tx1"/>
-                </a:solidFill>
-                <a:latin typeface="+mn-lt"/>
-                <a:ea typeface="+mn-ea"/>
-                <a:cs typeface="+mn-cs"/>
-              </a:rPr>
-              <a:t>,</a:t>
-            </a:r>
-            <a:r>
-              <a:rPr lang="zh-CN" altLang="en-US" sz="1200" kern="1200" smtClean="0">
-                <a:solidFill>
-                  <a:schemeClr val="tx1"/>
-                </a:solidFill>
-                <a:latin typeface="+mn-lt"/>
-                <a:ea typeface="+mn-ea"/>
-                <a:cs typeface="+mn-cs"/>
-              </a:rPr>
-              <a:t>即之后的各个数据指标的他们在数据表里最小的表现方式</a:t>
-            </a:r>
-            <a:r>
-              <a:rPr lang="en-US" altLang="zh-CN" sz="1200" kern="1200" smtClean="0">
-                <a:solidFill>
-                  <a:schemeClr val="tx1"/>
-                </a:solidFill>
-                <a:latin typeface="+mn-lt"/>
-                <a:ea typeface="+mn-ea"/>
-                <a:cs typeface="+mn-cs"/>
-              </a:rPr>
-              <a:t>,</a:t>
-            </a:r>
-            <a:r>
-              <a:rPr lang="zh-CN" altLang="en-US" sz="1200" kern="1200" smtClean="0">
-                <a:solidFill>
-                  <a:schemeClr val="tx1"/>
-                </a:solidFill>
-                <a:latin typeface="+mn-lt"/>
-                <a:ea typeface="+mn-ea"/>
-                <a:cs typeface="+mn-cs"/>
-              </a:rPr>
-              <a:t>也就是数据表的字段值</a:t>
-            </a:r>
-            <a:r>
-              <a:rPr lang="en-US" altLang="zh-CN" sz="1200" kern="1200" smtClean="0">
-                <a:solidFill>
-                  <a:schemeClr val="tx1"/>
-                </a:solidFill>
-                <a:latin typeface="+mn-lt"/>
-                <a:ea typeface="+mn-ea"/>
-                <a:cs typeface="+mn-cs"/>
-              </a:rPr>
-              <a:t>.</a:t>
-            </a:r>
-          </a:p>
-          <a:p>
-            <a:r>
-              <a:rPr lang="zh-CN" altLang="en-US" sz="1200" kern="1200" smtClean="0">
-                <a:solidFill>
-                  <a:schemeClr val="tx1"/>
-                </a:solidFill>
-                <a:latin typeface="+mn-lt"/>
-                <a:ea typeface="+mn-ea"/>
-                <a:cs typeface="+mn-cs"/>
-              </a:rPr>
-              <a:t>换句话说</a:t>
-            </a:r>
-            <a:r>
-              <a:rPr lang="en-US" altLang="zh-CN" sz="1200" kern="1200" smtClean="0">
-                <a:solidFill>
-                  <a:schemeClr val="tx1"/>
-                </a:solidFill>
-                <a:latin typeface="+mn-lt"/>
-                <a:ea typeface="+mn-ea"/>
-                <a:cs typeface="+mn-cs"/>
-              </a:rPr>
-              <a:t>,</a:t>
-            </a:r>
-            <a:r>
-              <a:rPr lang="zh-CN" altLang="en-US" sz="1200" kern="1200" smtClean="0">
-                <a:solidFill>
-                  <a:schemeClr val="tx1"/>
-                </a:solidFill>
-                <a:latin typeface="+mn-lt"/>
-                <a:ea typeface="+mn-ea"/>
-                <a:cs typeface="+mn-cs"/>
-              </a:rPr>
-              <a:t>前台展示的所有数据指标都是由数据库里查询的元数据通过业务计算得到的</a:t>
-            </a:r>
-            <a:r>
-              <a:rPr lang="en-US" altLang="zh-CN" sz="1200" kern="1200" smtClean="0">
-                <a:solidFill>
-                  <a:schemeClr val="tx1"/>
-                </a:solidFill>
-                <a:latin typeface="+mn-lt"/>
-                <a:ea typeface="+mn-ea"/>
-                <a:cs typeface="+mn-cs"/>
-              </a:rPr>
-              <a:t>.</a:t>
-            </a:r>
             <a:endParaRPr lang="en-US" altLang="zh-CN" sz="1200" kern="1200">
               <a:solidFill>
                 <a:schemeClr val="tx1"/>
@@ -1370,6 +1213,144 @@
               <a:ea typeface="+mn-ea"/>
               <a:cs typeface="+mn-cs"/>
             </a:endParaRPr>
+          </a:p>
+          <a:p>
+            <a:r>
+              <a:rPr lang="zh-CN" altLang="en-US" sz="1200" kern="1200">
+                <a:solidFill>
+                  <a:schemeClr val="tx1"/>
+                </a:solidFill>
+                <a:latin typeface="+mn-lt"/>
+                <a:ea typeface="+mn-ea"/>
+                <a:cs typeface="+mn-cs"/>
+              </a:rPr>
+              <a:t>引入自定义名词</a:t>
+            </a:r>
+            <a:r>
+              <a:rPr lang="en-US" altLang="zh-CN" sz="1200" kern="1200">
+                <a:solidFill>
+                  <a:schemeClr val="tx1"/>
+                </a:solidFill>
+                <a:latin typeface="+mn-lt"/>
+                <a:ea typeface="+mn-ea"/>
+                <a:cs typeface="+mn-cs"/>
+              </a:rPr>
+              <a:t>:</a:t>
+            </a:r>
+          </a:p>
+          <a:p>
+            <a:r>
+              <a:rPr lang="zh-CN" altLang="en-US" sz="1200" kern="1200">
+                <a:solidFill>
+                  <a:schemeClr val="tx1"/>
+                </a:solidFill>
+                <a:latin typeface="+mn-lt"/>
+                <a:ea typeface="+mn-ea"/>
+                <a:cs typeface="+mn-cs"/>
+              </a:rPr>
+              <a:t>元数据</a:t>
+            </a:r>
+            <a:r>
+              <a:rPr lang="en-US" altLang="zh-CN" sz="1200" kern="1200">
+                <a:solidFill>
+                  <a:schemeClr val="tx1"/>
+                </a:solidFill>
+                <a:latin typeface="+mn-lt"/>
+                <a:ea typeface="+mn-ea"/>
+                <a:cs typeface="+mn-cs"/>
+              </a:rPr>
+              <a:t>,</a:t>
+            </a:r>
+            <a:r>
+              <a:rPr lang="zh-CN" altLang="en-US" sz="1200" kern="1200">
+                <a:solidFill>
+                  <a:schemeClr val="tx1"/>
+                </a:solidFill>
+                <a:latin typeface="+mn-lt"/>
+                <a:ea typeface="+mn-ea"/>
+                <a:cs typeface="+mn-cs"/>
+              </a:rPr>
+              <a:t>即之后的各个数据指标的他们在数据表里最小的表现方式</a:t>
+            </a:r>
+            <a:r>
+              <a:rPr lang="en-US" altLang="zh-CN" sz="1200" kern="1200">
+                <a:solidFill>
+                  <a:schemeClr val="tx1"/>
+                </a:solidFill>
+                <a:latin typeface="+mn-lt"/>
+                <a:ea typeface="+mn-ea"/>
+                <a:cs typeface="+mn-cs"/>
+              </a:rPr>
+              <a:t>,</a:t>
+            </a:r>
+            <a:r>
+              <a:rPr lang="zh-CN" altLang="en-US" sz="1200" kern="1200">
+                <a:solidFill>
+                  <a:schemeClr val="tx1"/>
+                </a:solidFill>
+                <a:latin typeface="+mn-lt"/>
+                <a:ea typeface="+mn-ea"/>
+                <a:cs typeface="+mn-cs"/>
+              </a:rPr>
+              <a:t>也就是数据表的字段值</a:t>
+            </a:r>
+            <a:r>
+              <a:rPr lang="en-US" altLang="zh-CN" sz="1200" kern="1200">
+                <a:solidFill>
+                  <a:schemeClr val="tx1"/>
+                </a:solidFill>
+                <a:latin typeface="+mn-lt"/>
+                <a:ea typeface="+mn-ea"/>
+                <a:cs typeface="+mn-cs"/>
+              </a:rPr>
+              <a:t>.</a:t>
+            </a:r>
+          </a:p>
+          <a:p>
+            <a:r>
+              <a:rPr lang="zh-CN" altLang="en-US" sz="1200" kern="1200">
+                <a:solidFill>
+                  <a:schemeClr val="tx1"/>
+                </a:solidFill>
+                <a:latin typeface="+mn-lt"/>
+                <a:ea typeface="+mn-ea"/>
+                <a:cs typeface="+mn-cs"/>
+              </a:rPr>
+              <a:t>换句话说</a:t>
+            </a:r>
+            <a:r>
+              <a:rPr lang="en-US" altLang="zh-CN" sz="1200" kern="1200">
+                <a:solidFill>
+                  <a:schemeClr val="tx1"/>
+                </a:solidFill>
+                <a:latin typeface="+mn-lt"/>
+                <a:ea typeface="+mn-ea"/>
+                <a:cs typeface="+mn-cs"/>
+              </a:rPr>
+              <a:t>,</a:t>
+            </a:r>
+            <a:r>
+              <a:rPr lang="zh-CN" altLang="en-US" sz="1200" kern="1200">
+                <a:solidFill>
+                  <a:schemeClr val="tx1"/>
+                </a:solidFill>
+                <a:latin typeface="+mn-lt"/>
+                <a:ea typeface="+mn-ea"/>
+                <a:cs typeface="+mn-cs"/>
+              </a:rPr>
+              <a:t>前台展示的所有数据指标都是由数据库里查询的元数据通过业务计算得到的</a:t>
+            </a:r>
+            <a:r>
+              <a:rPr lang="en-US" altLang="zh-CN" sz="1200" kern="1200">
+                <a:solidFill>
+                  <a:schemeClr val="tx1"/>
+                </a:solidFill>
+                <a:latin typeface="+mn-lt"/>
+                <a:ea typeface="+mn-ea"/>
+                <a:cs typeface="+mn-cs"/>
+              </a:rPr>
+              <a:t>.</a:t>
+            </a:r>
           </a:p>
         </p:txBody>
       </p:sp>
@@ -1454,184 +1435,184 @@
           <a:lstStyle/>
           <a:p>
             <a:r>
-              <a:rPr lang="zh-CN" altLang="en-US" smtClean="0"/>
+              <a:rPr lang="zh-CN" altLang="en-US"/>
               <a:t>最上方这里有几个筛选框</a:t>
             </a:r>
             <a:r>
-              <a:rPr lang="en-US" altLang="zh-CN" smtClean="0"/>
-              <a:t>,</a:t>
-            </a:r>
-            <a:r>
-              <a:rPr lang="zh-CN" altLang="en-US" smtClean="0"/>
+              <a:rPr lang="en-US" altLang="zh-CN"/>
+              <a:t>,</a:t>
+            </a:r>
+            <a:r>
+              <a:rPr lang="zh-CN" altLang="en-US"/>
               <a:t>内容值都是直接展示的元数据</a:t>
             </a:r>
             <a:r>
-              <a:rPr lang="en-US" altLang="zh-CN" smtClean="0"/>
+              <a:rPr lang="en-US" altLang="zh-CN"/>
               <a:t>:</a:t>
             </a:r>
           </a:p>
           <a:p>
             <a:r>
-              <a:rPr lang="zh-CN" altLang="en-US" smtClean="0"/>
+              <a:rPr lang="zh-CN" altLang="en-US"/>
               <a:t>负责人</a:t>
             </a:r>
             <a:r>
-              <a:rPr lang="en-US" altLang="zh-CN" smtClean="0"/>
+              <a:rPr lang="en-US" altLang="zh-CN"/>
               <a:t>:</a:t>
             </a:r>
             <a:r>
-              <a:rPr lang="zh-CN" altLang="en-US" smtClean="0"/>
+              <a:rPr lang="zh-CN" altLang="en-US"/>
               <a:t>后台登陆账户</a:t>
             </a:r>
             <a:r>
-              <a:rPr lang="en-US" altLang="zh-CN" smtClean="0"/>
+              <a:rPr lang="en-US" altLang="zh-CN"/>
               <a:t>(</a:t>
             </a:r>
             <a:r>
-              <a:rPr lang="zh-CN" altLang="en-US" smtClean="0"/>
+              <a:rPr lang="zh-CN" altLang="en-US"/>
               <a:t>符合业务的</a:t>
             </a:r>
             <a:r>
-              <a:rPr lang="en-US" altLang="zh-CN" smtClean="0"/>
+              <a:rPr lang="en-US" altLang="zh-CN"/>
               <a:t>role_id)</a:t>
             </a:r>
           </a:p>
           <a:p>
             <a:r>
-              <a:rPr lang="zh-CN" altLang="en-US" smtClean="0"/>
+              <a:rPr lang="zh-CN" altLang="en-US"/>
               <a:t>账号</a:t>
             </a:r>
             <a:r>
-              <a:rPr lang="en-US" altLang="zh-CN" smtClean="0"/>
+              <a:rPr lang="en-US" altLang="zh-CN"/>
               <a:t>:</a:t>
             </a:r>
             <a:r>
-              <a:rPr lang="zh-CN" altLang="en-US" smtClean="0"/>
+              <a:rPr lang="zh-CN" altLang="en-US"/>
               <a:t>渠道商账号</a:t>
             </a:r>
           </a:p>
           <a:p>
             <a:r>
-              <a:rPr lang="zh-CN" altLang="en-US" smtClean="0"/>
+              <a:rPr lang="zh-CN" altLang="en-US"/>
               <a:t>游戏</a:t>
             </a:r>
             <a:r>
-              <a:rPr lang="en-US" altLang="zh-CN" smtClean="0"/>
+              <a:rPr lang="en-US" altLang="zh-CN"/>
               <a:t>:</a:t>
             </a:r>
             <a:r>
-              <a:rPr lang="zh-CN" altLang="en-US" smtClean="0"/>
+              <a:rPr lang="zh-CN" altLang="en-US"/>
               <a:t>游戏表原名</a:t>
             </a:r>
             <a:r>
-              <a:rPr lang="zh-CN" altLang="en-US" baseline="0" smtClean="0"/>
+              <a:rPr lang="zh-CN" altLang="en-US" baseline="0"/>
               <a:t>下面的游戏名</a:t>
             </a:r>
-            <a:endParaRPr lang="zh-CN" altLang="en-US" smtClean="0"/>
-          </a:p>
-          <a:p>
-            <a:r>
-              <a:rPr lang="zh-CN" altLang="en-US" smtClean="0"/>
+            <a:endParaRPr lang="zh-CN" altLang="en-US"/>
+          </a:p>
+          <a:p>
+            <a:r>
+              <a:rPr lang="zh-CN" altLang="en-US"/>
               <a:t>渠道</a:t>
             </a:r>
             <a:r>
-              <a:rPr lang="en-US" altLang="zh-CN" smtClean="0"/>
+              <a:rPr lang="en-US" altLang="zh-CN"/>
               <a:t>:channel</a:t>
             </a:r>
             <a:r>
-              <a:rPr lang="zh-CN" altLang="en-US" smtClean="0"/>
+              <a:rPr lang="zh-CN" altLang="en-US"/>
               <a:t>表</a:t>
             </a:r>
           </a:p>
           <a:p>
             <a:r>
-              <a:rPr lang="zh-CN" altLang="en-US" smtClean="0"/>
+              <a:rPr lang="zh-CN" altLang="en-US"/>
               <a:t>公司</a:t>
             </a:r>
             <a:r>
-              <a:rPr lang="en-US" altLang="zh-CN" smtClean="0"/>
+              <a:rPr lang="en-US" altLang="zh-CN"/>
               <a:t>:</a:t>
             </a:r>
             <a:r>
-              <a:rPr lang="zh-CN" altLang="en-US" smtClean="0"/>
+              <a:rPr lang="zh-CN" altLang="en-US"/>
               <a:t>公司分类</a:t>
             </a:r>
           </a:p>
           <a:p>
             <a:r>
-              <a:rPr lang="zh-CN" altLang="en-US" smtClean="0"/>
+              <a:rPr lang="zh-CN" altLang="en-US"/>
               <a:t>业务</a:t>
             </a:r>
             <a:r>
-              <a:rPr lang="en-US" altLang="zh-CN" smtClean="0"/>
+              <a:rPr lang="en-US" altLang="zh-CN"/>
               <a:t>:</a:t>
             </a:r>
             <a:r>
-              <a:rPr lang="zh-CN" altLang="en-US" smtClean="0"/>
+              <a:rPr lang="zh-CN" altLang="en-US"/>
               <a:t>业务类型</a:t>
             </a:r>
             <a:r>
-              <a:rPr lang="en-US" altLang="zh-CN" smtClean="0"/>
+              <a:rPr lang="en-US" altLang="zh-CN"/>
               <a:t>,CPA,CPS</a:t>
             </a:r>
             <a:r>
-              <a:rPr lang="zh-CN" altLang="en-US" smtClean="0"/>
+              <a:rPr lang="zh-CN" altLang="en-US"/>
               <a:t>等</a:t>
             </a:r>
           </a:p>
           <a:p>
             <a:r>
-              <a:rPr lang="zh-CN" altLang="en-US" smtClean="0"/>
+              <a:rPr lang="zh-CN" altLang="en-US"/>
               <a:t>指标</a:t>
             </a:r>
             <a:r>
-              <a:rPr lang="en-US" altLang="zh-CN" smtClean="0"/>
+              <a:rPr lang="en-US" altLang="zh-CN"/>
               <a:t>: </a:t>
             </a:r>
             <a:r>
-              <a:rPr lang="zh-CN" altLang="en-US" smtClean="0"/>
+              <a:rPr lang="zh-CN" altLang="en-US"/>
               <a:t>账号</a:t>
             </a:r>
             <a:r>
-              <a:rPr lang="en-US" altLang="zh-CN" smtClean="0"/>
+              <a:rPr lang="en-US" altLang="zh-CN"/>
               <a:t>(reg)</a:t>
             </a:r>
           </a:p>
           <a:p>
             <a:r>
-              <a:rPr lang="zh-CN" altLang="en-US" smtClean="0"/>
+              <a:rPr lang="zh-CN" altLang="en-US"/>
               <a:t>设备</a:t>
             </a:r>
             <a:r>
-              <a:rPr lang="en-US" altLang="zh-CN" smtClean="0"/>
+              <a:rPr lang="en-US" altLang="zh-CN"/>
               <a:t>(device)</a:t>
             </a:r>
           </a:p>
           <a:p>
             <a:r>
-              <a:rPr lang="zh-CN" altLang="en-US" smtClean="0"/>
+              <a:rPr lang="zh-CN" altLang="en-US"/>
               <a:t>留存</a:t>
             </a:r>
             <a:r>
-              <a:rPr lang="en-US" altLang="zh-CN" smtClean="0"/>
+              <a:rPr lang="en-US" altLang="zh-CN"/>
               <a:t>(remain):</a:t>
             </a:r>
             <a:r>
-              <a:rPr lang="zh-CN" altLang="en-US" smtClean="0"/>
+              <a:rPr lang="zh-CN" altLang="en-US"/>
               <a:t>指定日留存的人数</a:t>
             </a:r>
             <a:r>
-              <a:rPr lang="en-US" altLang="zh-CN" smtClean="0"/>
+              <a:rPr lang="en-US" altLang="zh-CN"/>
               <a:t>/</a:t>
             </a:r>
             <a:r>
-              <a:rPr lang="zh-CN" altLang="en-US" smtClean="0"/>
+              <a:rPr lang="zh-CN" altLang="en-US"/>
               <a:t>指定日前日注册的人数</a:t>
             </a:r>
-            <a:endParaRPr lang="en-US" altLang="zh-CN" smtClean="0"/>
-          </a:p>
-          <a:p>
-            <a:endParaRPr lang="en-US" altLang="zh-CN" sz="1200" kern="1200" smtClean="0">
+            <a:endParaRPr lang="en-US" altLang="zh-CN"/>
+          </a:p>
+          <a:p>
+            <a:endParaRPr lang="en-US" altLang="zh-CN" sz="1200" kern="1200">
               <a:solidFill>
                 <a:schemeClr val="tx1"/>
               </a:solidFill>
@@ -1642,51 +1623,29 @@
           </a:p>
           <a:p>
             <a:r>
-              <a:rPr lang="zh-CN" altLang="en-US" sz="1200" kern="1200" smtClean="0">
-                <a:solidFill>
-                  <a:schemeClr val="tx1"/>
-                </a:solidFill>
-                <a:latin typeface="+mn-lt"/>
-                <a:ea typeface="+mn-ea"/>
-                <a:cs typeface="+mn-cs"/>
-              </a:rPr>
-              <a:t>这里</a:t>
-            </a:r>
-            <a:r>
-              <a:rPr lang="zh-CN" altLang="en-US" sz="1200" kern="1200">
-                <a:solidFill>
-                  <a:schemeClr val="tx1"/>
-                </a:solidFill>
-                <a:latin typeface="+mn-lt"/>
-                <a:ea typeface="+mn-ea"/>
-                <a:cs typeface="+mn-cs"/>
-              </a:rPr>
-              <a:t>展示的折线图是后台默认</a:t>
-            </a:r>
-            <a:r>
-              <a:rPr lang="zh-CN" altLang="en-US" sz="1200" kern="1200" smtClean="0">
-                <a:solidFill>
-                  <a:schemeClr val="tx1"/>
-                </a:solidFill>
-                <a:latin typeface="+mn-lt"/>
-                <a:ea typeface="+mn-ea"/>
-                <a:cs typeface="+mn-cs"/>
-              </a:rPr>
-              <a:t>三天的数据</a:t>
-            </a:r>
-            <a:r>
-              <a:rPr lang="en-US" altLang="zh-CN" sz="1200" kern="1200" smtClean="0">
-                <a:solidFill>
-                  <a:schemeClr val="tx1"/>
-                </a:solidFill>
-                <a:latin typeface="+mn-lt"/>
-                <a:ea typeface="+mn-ea"/>
-                <a:cs typeface="+mn-cs"/>
-              </a:rPr>
-              <a:t>,</a:t>
-            </a:r>
-            <a:r>
-              <a:rPr lang="zh-CN" altLang="en-US" sz="1200" kern="1200" smtClean="0">
+              <a:rPr lang="zh-CN" altLang="en-US" sz="1200" kern="1200">
+                <a:solidFill>
+                  <a:schemeClr val="tx1"/>
+                </a:solidFill>
+                <a:latin typeface="+mn-lt"/>
+                <a:ea typeface="+mn-ea"/>
+                <a:cs typeface="+mn-cs"/>
+              </a:rPr>
+              <a:t>这里展示的折线图是后台默认三天的数据</a:t>
+            </a:r>
+            <a:r>
+              <a:rPr lang="en-US" altLang="zh-CN" sz="1200" kern="1200">
+                <a:solidFill>
+                  <a:schemeClr val="tx1"/>
+                </a:solidFill>
+                <a:latin typeface="+mn-lt"/>
+                <a:ea typeface="+mn-ea"/>
+                <a:cs typeface="+mn-cs"/>
+              </a:rPr>
+              <a:t>,</a:t>
+            </a:r>
+            <a:r>
+              <a:rPr lang="zh-CN" altLang="en-US" sz="1200" kern="1200">
                 <a:solidFill>
                   <a:schemeClr val="tx1"/>
                 </a:solidFill>
@@ -1697,7 +1656,7 @@
               <a:t>就是从</a:t>
             </a:r>
             <a:r>
-              <a:rPr lang="en-US" altLang="zh-CN" sz="1200" kern="1200" smtClean="0">
+              <a:rPr lang="en-US" altLang="zh-CN" sz="1200" kern="1200">
                 <a:solidFill>
                   <a:schemeClr val="tx1"/>
                 </a:solidFill>
@@ -1708,7 +1667,7 @@
               <a:t>realtime_data</a:t>
             </a:r>
             <a:r>
-              <a:rPr lang="zh-CN" altLang="en-US" sz="1200" kern="1200" smtClean="0">
+              <a:rPr lang="zh-CN" altLang="en-US" sz="1200" kern="1200">
                 <a:solidFill>
                   <a:schemeClr val="tx1"/>
                 </a:solidFill>
@@ -1719,18 +1678,18 @@
               <a:t>里以当日进行分组</a:t>
             </a:r>
             <a:r>
-              <a:rPr lang="en-US" altLang="zh-CN" sz="1200" kern="1200" smtClean="0">
-                <a:solidFill>
-                  <a:schemeClr val="tx1"/>
-                </a:solidFill>
-                <a:latin typeface="+mn-lt"/>
-                <a:ea typeface="+mn-ea"/>
-                <a:cs typeface="+mn-cs"/>
-              </a:rPr>
-              <a:t>,</a:t>
-            </a:r>
-            <a:r>
-              <a:rPr lang="zh-CN" altLang="en-US" sz="1200" kern="1200" smtClean="0">
+              <a:rPr lang="en-US" altLang="zh-CN" sz="1200" kern="1200">
+                <a:solidFill>
+                  <a:schemeClr val="tx1"/>
+                </a:solidFill>
+                <a:latin typeface="+mn-lt"/>
+                <a:ea typeface="+mn-ea"/>
+                <a:cs typeface="+mn-cs"/>
+              </a:rPr>
+              <a:t>,</a:t>
+            </a:r>
+            <a:r>
+              <a:rPr lang="zh-CN" altLang="en-US" sz="1200" kern="1200">
                 <a:solidFill>
                   <a:schemeClr val="tx1"/>
                 </a:solidFill>
@@ -1740,7 +1699,7 @@
               </a:rPr>
               <a:t>叠加每个小时的数据字段</a:t>
             </a:r>
-            <a:endParaRPr lang="en-US" altLang="zh-CN" sz="1200" kern="1200" smtClean="0">
+            <a:endParaRPr lang="en-US" altLang="zh-CN" sz="1200" kern="1200">
               <a:solidFill>
                 <a:schemeClr val="tx1"/>
               </a:solidFill>
@@ -1751,26 +1710,15 @@
           </a:p>
           <a:p>
             <a:r>
-              <a:rPr lang="zh-CN" altLang="en-US" sz="1200" kern="1200" smtClean="0">
-                <a:solidFill>
-                  <a:schemeClr val="tx1"/>
-                </a:solidFill>
-                <a:latin typeface="+mn-lt"/>
-                <a:ea typeface="+mn-ea"/>
-                <a:cs typeface="+mn-cs"/>
-              </a:rPr>
-              <a:t>这里</a:t>
-            </a:r>
-            <a:r>
-              <a:rPr lang="zh-CN" altLang="en-US" sz="1200" kern="1200">
-                <a:solidFill>
-                  <a:schemeClr val="tx1"/>
-                </a:solidFill>
-                <a:latin typeface="+mn-lt"/>
-                <a:ea typeface="+mn-ea"/>
-                <a:cs typeface="+mn-cs"/>
-              </a:rPr>
-              <a:t>有多个表</a:t>
+              <a:rPr lang="zh-CN" altLang="en-US" sz="1200" kern="1200">
+                <a:solidFill>
+                  <a:schemeClr val="tx1"/>
+                </a:solidFill>
+                <a:latin typeface="+mn-lt"/>
+                <a:ea typeface="+mn-ea"/>
+                <a:cs typeface="+mn-cs"/>
+              </a:rPr>
+              <a:t>这里有多个表</a:t>
             </a:r>
             <a:r>
               <a:rPr lang="en-US" altLang="zh-CN" sz="1200" kern="1200">
@@ -2017,7 +1965,7 @@
               <a:t>新充值的按小时的数据</a:t>
             </a:r>
             <a:r>
-              <a:rPr lang="en-US" altLang="zh-CN" sz="1200" kern="1200" smtClean="0">
+              <a:rPr lang="en-US" altLang="zh-CN" sz="1200" kern="1200">
                 <a:solidFill>
                   <a:schemeClr val="tx1"/>
                 </a:solidFill>
@@ -2029,7 +1977,7 @@
             </a:r>
           </a:p>
           <a:p>
-            <a:endParaRPr lang="en-US" altLang="zh-CN" smtClean="0"/>
+            <a:endParaRPr lang="en-US" altLang="zh-CN"/>
           </a:p>
           <a:p>
             <a:pPr marL="0" marR="0" indent="0" algn="l" defTabSz="914400" rtl="0" eaLnBrk="1" fontAlgn="auto" latinLnBrk="0" hangingPunct="1">
@@ -2050,35 +1998,35 @@
               <a:defRPr/>
             </a:pPr>
             <a:r>
-              <a:rPr lang="zh-CN" altLang="en-US" smtClean="0"/>
+              <a:rPr lang="zh-CN" altLang="en-US"/>
               <a:t>但是这里有一个表的展示不太一样</a:t>
             </a:r>
             <a:r>
-              <a:rPr lang="en-US" altLang="zh-CN" smtClean="0"/>
-              <a:t>,</a:t>
-            </a:r>
-            <a:r>
-              <a:rPr lang="zh-CN" altLang="en-US" smtClean="0"/>
+              <a:rPr lang="en-US" altLang="zh-CN"/>
+              <a:t>,</a:t>
+            </a:r>
+            <a:r>
+              <a:rPr lang="zh-CN" altLang="en-US"/>
               <a:t>就是转化效果表</a:t>
             </a:r>
             <a:r>
-              <a:rPr lang="en-US" altLang="zh-CN" smtClean="0"/>
+              <a:rPr lang="en-US" altLang="zh-CN"/>
               <a:t>.(</a:t>
             </a:r>
             <a:r>
-              <a:rPr lang="zh-CN" altLang="en-US" smtClean="0"/>
+              <a:rPr lang="zh-CN" altLang="en-US"/>
               <a:t>点击跳到下一张为转化表</a:t>
             </a:r>
             <a:r>
-              <a:rPr lang="en-US" altLang="zh-CN" smtClean="0"/>
-              <a:t>,</a:t>
-            </a:r>
-            <a:r>
-              <a:rPr lang="zh-CN" altLang="en-US" smtClean="0"/>
+              <a:rPr lang="en-US" altLang="zh-CN"/>
+              <a:t>,</a:t>
+            </a:r>
+            <a:r>
+              <a:rPr lang="zh-CN" altLang="en-US"/>
               <a:t>继续讲解</a:t>
             </a:r>
             <a:r>
-              <a:rPr lang="en-US" altLang="zh-CN" smtClean="0"/>
+              <a:rPr lang="en-US" altLang="zh-CN"/>
               <a:t>)</a:t>
             </a:r>
           </a:p>
@@ -2513,1827 +2461,7 @@
               <a:t>回本等信息</a:t>
             </a:r>
             <a:r>
-              <a:rPr lang="en-US" altLang="zh-CN" sz="1200" kern="1200" smtClean="0">
-                <a:solidFill>
-                  <a:schemeClr val="tx1"/>
-                </a:solidFill>
-                <a:latin typeface="+mn-lt"/>
-                <a:ea typeface="+mn-ea"/>
-                <a:cs typeface="+mn-cs"/>
-              </a:rPr>
-              <a:t>.</a:t>
-            </a:r>
-          </a:p>
-          <a:p>
-            <a:endParaRPr lang="en-US" altLang="zh-CN" sz="1200" kern="1200" smtClean="0">
-              <a:solidFill>
-                <a:schemeClr val="tx1"/>
-              </a:solidFill>
-              <a:latin typeface="+mn-lt"/>
-              <a:ea typeface="+mn-ea"/>
-              <a:cs typeface="+mn-cs"/>
-            </a:endParaRPr>
-          </a:p>
-          <a:p>
-            <a:r>
-              <a:rPr lang="en-US" altLang="zh-CN" sz="1200" kern="1200" smtClean="0">
-                <a:solidFill>
-                  <a:schemeClr val="tx1"/>
-                </a:solidFill>
-                <a:latin typeface="+mn-lt"/>
-                <a:ea typeface="+mn-ea"/>
-                <a:cs typeface="+mn-cs"/>
-              </a:rPr>
-              <a:t>//</a:t>
-            </a:r>
-            <a:r>
-              <a:rPr lang="zh-CN" altLang="en-US" sz="1200" kern="1200" smtClean="0">
-                <a:solidFill>
-                  <a:schemeClr val="tx1"/>
-                </a:solidFill>
-                <a:latin typeface="+mn-lt"/>
-                <a:ea typeface="+mn-ea"/>
-                <a:cs typeface="+mn-cs"/>
-              </a:rPr>
-              <a:t>修改后</a:t>
-            </a:r>
-            <a:endParaRPr lang="en-US" altLang="zh-CN" sz="1200" kern="1200" smtClean="0">
-              <a:solidFill>
-                <a:schemeClr val="tx1"/>
-              </a:solidFill>
-              <a:latin typeface="+mn-lt"/>
-              <a:ea typeface="+mn-ea"/>
-              <a:cs typeface="+mn-cs"/>
-            </a:endParaRPr>
-          </a:p>
-          <a:p>
-            <a:r>
-              <a:rPr lang="zh-CN" altLang="en-US" sz="1200" kern="1200" smtClean="0">
-                <a:solidFill>
-                  <a:schemeClr val="tx1"/>
-                </a:solidFill>
-                <a:latin typeface="+mn-lt"/>
-                <a:ea typeface="+mn-ea"/>
-                <a:cs typeface="+mn-cs"/>
-              </a:rPr>
-              <a:t>渠道</a:t>
-            </a:r>
-            <a:r>
-              <a:rPr lang="en-US" altLang="zh-CN" sz="1200" kern="1200" smtClean="0">
-                <a:solidFill>
-                  <a:schemeClr val="tx1"/>
-                </a:solidFill>
-                <a:latin typeface="+mn-lt"/>
-                <a:ea typeface="+mn-ea"/>
-                <a:cs typeface="+mn-cs"/>
-              </a:rPr>
-              <a:t>:</a:t>
-            </a:r>
-          </a:p>
-          <a:p>
-            <a:endParaRPr lang="en-US" altLang="zh-CN" sz="1200" kern="1200" smtClean="0">
-              <a:solidFill>
-                <a:schemeClr val="tx1"/>
-              </a:solidFill>
-              <a:latin typeface="+mn-lt"/>
-              <a:ea typeface="+mn-ea"/>
-              <a:cs typeface="+mn-cs"/>
-            </a:endParaRPr>
-          </a:p>
-          <a:p>
-            <a:r>
-              <a:rPr lang="zh-CN" altLang="en-US" sz="1200" kern="1200" smtClean="0">
-                <a:solidFill>
-                  <a:schemeClr val="tx1"/>
-                </a:solidFill>
-                <a:latin typeface="+mn-lt"/>
-                <a:ea typeface="+mn-ea"/>
-                <a:cs typeface="+mn-cs"/>
-              </a:rPr>
-              <a:t>历史累计用户期内投产数据</a:t>
-            </a:r>
-            <a:r>
-              <a:rPr lang="en-US" altLang="zh-CN" sz="1200" kern="1200" smtClean="0">
-                <a:solidFill>
-                  <a:schemeClr val="tx1"/>
-                </a:solidFill>
-                <a:latin typeface="+mn-lt"/>
-                <a:ea typeface="+mn-ea"/>
-                <a:cs typeface="+mn-cs"/>
-              </a:rPr>
-              <a:t>:(</a:t>
-            </a:r>
-            <a:r>
-              <a:rPr lang="zh-CN" altLang="en-US" sz="1200" kern="1200" smtClean="0">
-                <a:solidFill>
-                  <a:schemeClr val="tx1"/>
-                </a:solidFill>
-                <a:latin typeface="+mn-lt"/>
-                <a:ea typeface="+mn-ea"/>
-                <a:cs typeface="+mn-cs"/>
-              </a:rPr>
-              <a:t>以下三个数据都是以指定时间段为基础的</a:t>
-            </a:r>
-            <a:r>
-              <a:rPr lang="en-US" altLang="zh-CN" sz="1200" kern="1200" smtClean="0">
-                <a:solidFill>
-                  <a:schemeClr val="tx1"/>
-                </a:solidFill>
-                <a:latin typeface="+mn-lt"/>
-                <a:ea typeface="+mn-ea"/>
-                <a:cs typeface="+mn-cs"/>
-              </a:rPr>
-              <a:t>,</a:t>
-            </a:r>
-            <a:r>
-              <a:rPr lang="zh-CN" altLang="en-US" sz="1200" kern="1200" smtClean="0">
-                <a:solidFill>
-                  <a:schemeClr val="tx1"/>
-                </a:solidFill>
-                <a:latin typeface="+mn-lt"/>
-                <a:ea typeface="+mn-ea"/>
-                <a:cs typeface="+mn-cs"/>
-              </a:rPr>
-              <a:t>以</a:t>
-            </a:r>
-            <a:r>
-              <a:rPr lang="en-US" altLang="zh-CN" sz="1200" kern="1200" smtClean="0">
-                <a:solidFill>
-                  <a:schemeClr val="tx1"/>
-                </a:solidFill>
-                <a:latin typeface="+mn-lt"/>
-                <a:ea typeface="+mn-ea"/>
-                <a:cs typeface="+mn-cs"/>
-              </a:rPr>
-              <a:t>adv_position_data</a:t>
-            </a:r>
-            <a:r>
-              <a:rPr lang="zh-CN" altLang="en-US" sz="1200" kern="1200" smtClean="0">
-                <a:solidFill>
-                  <a:schemeClr val="tx1"/>
-                </a:solidFill>
-                <a:latin typeface="+mn-lt"/>
-                <a:ea typeface="+mn-ea"/>
-                <a:cs typeface="+mn-cs"/>
-              </a:rPr>
-              <a:t>中的</a:t>
-            </a:r>
-            <a:r>
-              <a:rPr lang="en-US" altLang="zh-CN" sz="1200" kern="1200" smtClean="0">
-                <a:solidFill>
-                  <a:schemeClr val="tx1"/>
-                </a:solidFill>
-                <a:latin typeface="+mn-lt"/>
-                <a:ea typeface="+mn-ea"/>
-                <a:cs typeface="+mn-cs"/>
-              </a:rPr>
-              <a:t>channel_id</a:t>
-            </a:r>
-            <a:r>
-              <a:rPr lang="zh-CN" altLang="en-US" sz="1200" kern="1200" smtClean="0">
-                <a:solidFill>
-                  <a:schemeClr val="tx1"/>
-                </a:solidFill>
-                <a:latin typeface="+mn-lt"/>
-                <a:ea typeface="+mn-ea"/>
-                <a:cs typeface="+mn-cs"/>
-              </a:rPr>
-              <a:t>分组</a:t>
-            </a:r>
-            <a:r>
-              <a:rPr lang="en-US" altLang="zh-CN" sz="1200" kern="1200" smtClean="0">
-                <a:solidFill>
-                  <a:schemeClr val="tx1"/>
-                </a:solidFill>
-                <a:latin typeface="+mn-lt"/>
-                <a:ea typeface="+mn-ea"/>
-                <a:cs typeface="+mn-cs"/>
-              </a:rPr>
-              <a:t>,</a:t>
-            </a:r>
-            <a:r>
-              <a:rPr lang="zh-CN" altLang="en-US" sz="1200" kern="1200" smtClean="0">
-                <a:solidFill>
-                  <a:schemeClr val="tx1"/>
-                </a:solidFill>
-                <a:latin typeface="+mn-lt"/>
-                <a:ea typeface="+mn-ea"/>
-                <a:cs typeface="+mn-cs"/>
-              </a:rPr>
-              <a:t>以广告位的维度</a:t>
-            </a:r>
-            <a:r>
-              <a:rPr lang="en-US" altLang="zh-CN" sz="1200" kern="1200" smtClean="0">
-                <a:solidFill>
-                  <a:schemeClr val="tx1"/>
-                </a:solidFill>
-                <a:latin typeface="+mn-lt"/>
-                <a:ea typeface="+mn-ea"/>
-                <a:cs typeface="+mn-cs"/>
-              </a:rPr>
-              <a:t>)</a:t>
-            </a:r>
-          </a:p>
-          <a:p>
-            <a:r>
-              <a:rPr lang="en-US" altLang="zh-CN" sz="1200" kern="1200" smtClean="0">
-                <a:solidFill>
-                  <a:schemeClr val="tx1"/>
-                </a:solidFill>
-                <a:latin typeface="+mn-lt"/>
-                <a:ea typeface="+mn-ea"/>
-                <a:cs typeface="+mn-cs"/>
-              </a:rPr>
-              <a:t>	</a:t>
-            </a:r>
-            <a:r>
-              <a:rPr lang="zh-CN" altLang="en-US" sz="1200" kern="1200" smtClean="0">
-                <a:solidFill>
-                  <a:schemeClr val="tx1"/>
-                </a:solidFill>
-                <a:latin typeface="+mn-lt"/>
-                <a:ea typeface="+mn-ea"/>
-                <a:cs typeface="+mn-cs"/>
-              </a:rPr>
-              <a:t>累计充值</a:t>
-            </a:r>
-            <a:r>
-              <a:rPr lang="en-US" altLang="zh-CN" sz="1200" kern="1200" smtClean="0">
-                <a:solidFill>
-                  <a:schemeClr val="tx1"/>
-                </a:solidFill>
-                <a:latin typeface="+mn-lt"/>
-                <a:ea typeface="+mn-ea"/>
-                <a:cs typeface="+mn-cs"/>
-              </a:rPr>
-              <a:t>(</a:t>
-            </a:r>
-            <a:r>
-              <a:rPr lang="zh-CN" altLang="en-US" sz="1200" kern="1200" smtClean="0">
-                <a:solidFill>
-                  <a:schemeClr val="tx1"/>
-                </a:solidFill>
-                <a:latin typeface="+mn-lt"/>
-                <a:ea typeface="+mn-ea"/>
-                <a:cs typeface="+mn-cs"/>
-              </a:rPr>
-              <a:t>用户</a:t>
-            </a:r>
-            <a:r>
-              <a:rPr lang="en-US" altLang="zh-CN" sz="1200" kern="1200" smtClean="0">
-                <a:solidFill>
-                  <a:schemeClr val="tx1"/>
-                </a:solidFill>
-                <a:latin typeface="+mn-lt"/>
-                <a:ea typeface="+mn-ea"/>
-                <a:cs typeface="+mn-cs"/>
-              </a:rPr>
-              <a:t>):$all['total_user_period_pay_sum']  </a:t>
-            </a:r>
-          </a:p>
-          <a:p>
-            <a:r>
-              <a:rPr lang="en-US" altLang="zh-CN" sz="1200" kern="1200" smtClean="0">
-                <a:solidFill>
-                  <a:schemeClr val="tx1"/>
-                </a:solidFill>
-                <a:latin typeface="+mn-lt"/>
-                <a:ea typeface="+mn-ea"/>
-                <a:cs typeface="+mn-cs"/>
-              </a:rPr>
-              <a:t>		</a:t>
-            </a:r>
-            <a:r>
-              <a:rPr lang="zh-CN" altLang="en-US" sz="1200" kern="1200" smtClean="0">
-                <a:solidFill>
-                  <a:schemeClr val="tx1"/>
-                </a:solidFill>
-                <a:latin typeface="+mn-lt"/>
-                <a:ea typeface="+mn-ea"/>
-                <a:cs typeface="+mn-cs"/>
-              </a:rPr>
-              <a:t>期内累计充值金额 </a:t>
-            </a:r>
-            <a:r>
-              <a:rPr lang="en-US" altLang="zh-CN" sz="1200" kern="1200" smtClean="0">
-                <a:solidFill>
-                  <a:schemeClr val="tx1"/>
-                </a:solidFill>
-                <a:latin typeface="+mn-lt"/>
-                <a:ea typeface="+mn-ea"/>
-                <a:cs typeface="+mn-cs"/>
-              </a:rPr>
-              <a:t>SUM(think_adv_position_data.pay_sum) </a:t>
-            </a:r>
-            <a:r>
-              <a:rPr lang="zh-CN" altLang="en-US" sz="1200" kern="1200" smtClean="0">
-                <a:solidFill>
-                  <a:schemeClr val="tx1"/>
-                </a:solidFill>
-                <a:latin typeface="+mn-lt"/>
-                <a:ea typeface="+mn-ea"/>
-                <a:cs typeface="+mn-cs"/>
-              </a:rPr>
-              <a:t>再将所有广告位的用户付费金额相加</a:t>
-            </a:r>
-          </a:p>
-          <a:p>
-            <a:endParaRPr lang="zh-CN" altLang="en-US" sz="1200" kern="1200" smtClean="0">
-              <a:solidFill>
-                <a:schemeClr val="tx1"/>
-              </a:solidFill>
-              <a:latin typeface="+mn-lt"/>
-              <a:ea typeface="+mn-ea"/>
-              <a:cs typeface="+mn-cs"/>
-            </a:endParaRPr>
-          </a:p>
-          <a:p>
-            <a:r>
-              <a:rPr lang="zh-CN" altLang="en-US" sz="1200" kern="1200" smtClean="0">
-                <a:solidFill>
-                  <a:schemeClr val="tx1"/>
-                </a:solidFill>
-                <a:latin typeface="+mn-lt"/>
-                <a:ea typeface="+mn-ea"/>
-                <a:cs typeface="+mn-cs"/>
-              </a:rPr>
-              <a:t>	累计分成</a:t>
-            </a:r>
-            <a:r>
-              <a:rPr lang="en-US" altLang="zh-CN" sz="1200" kern="1200" smtClean="0">
-                <a:solidFill>
-                  <a:schemeClr val="tx1"/>
-                </a:solidFill>
-                <a:latin typeface="+mn-lt"/>
-                <a:ea typeface="+mn-ea"/>
-                <a:cs typeface="+mn-cs"/>
-              </a:rPr>
-              <a:t>:$all['total_user_period_game_divide_money'] </a:t>
-            </a:r>
-            <a:r>
-              <a:rPr lang="zh-CN" altLang="en-US" sz="1200" kern="1200" smtClean="0">
-                <a:solidFill>
-                  <a:schemeClr val="tx1"/>
-                </a:solidFill>
-                <a:latin typeface="+mn-lt"/>
-                <a:ea typeface="+mn-ea"/>
-                <a:cs typeface="+mn-cs"/>
-              </a:rPr>
-              <a:t>将所有广告位的投入金额相加</a:t>
-            </a:r>
-          </a:p>
-          <a:p>
-            <a:r>
-              <a:rPr lang="zh-CN" altLang="en-US" sz="1200" kern="1200" smtClean="0">
-                <a:solidFill>
-                  <a:schemeClr val="tx1"/>
-                </a:solidFill>
-                <a:latin typeface="+mn-lt"/>
-                <a:ea typeface="+mn-ea"/>
-                <a:cs typeface="+mn-cs"/>
-              </a:rPr>
-              <a:t>		按照指定时间段</a:t>
-            </a:r>
-            <a:r>
-              <a:rPr lang="en-US" altLang="zh-CN" sz="1200" kern="1200" smtClean="0">
-                <a:solidFill>
-                  <a:schemeClr val="tx1"/>
-                </a:solidFill>
-                <a:latin typeface="+mn-lt"/>
-                <a:ea typeface="+mn-ea"/>
-                <a:cs typeface="+mn-cs"/>
-              </a:rPr>
-              <a:t>,	</a:t>
-            </a:r>
-            <a:r>
-              <a:rPr lang="zh-CN" altLang="en-US" sz="1200" kern="1200" smtClean="0">
-                <a:solidFill>
-                  <a:schemeClr val="tx1"/>
-                </a:solidFill>
-                <a:latin typeface="+mn-lt"/>
-                <a:ea typeface="+mn-ea"/>
-                <a:cs typeface="+mn-cs"/>
-              </a:rPr>
-              <a:t>根据是否为</a:t>
-            </a:r>
-            <a:r>
-              <a:rPr lang="en-US" altLang="zh-CN" sz="1200" kern="1200" smtClean="0">
-                <a:solidFill>
-                  <a:schemeClr val="tx1"/>
-                </a:solidFill>
-                <a:latin typeface="+mn-lt"/>
-                <a:ea typeface="+mn-ea"/>
-                <a:cs typeface="+mn-cs"/>
-              </a:rPr>
-              <a:t>yingyongbaoyishi</a:t>
-            </a:r>
-            <a:r>
-              <a:rPr lang="zh-CN" altLang="en-US" sz="1200" kern="1200" smtClean="0">
-                <a:solidFill>
-                  <a:schemeClr val="tx1"/>
-                </a:solidFill>
-                <a:latin typeface="+mn-lt"/>
-                <a:ea typeface="+mn-ea"/>
-                <a:cs typeface="+mn-cs"/>
-              </a:rPr>
-              <a:t>和</a:t>
-            </a:r>
-            <a:r>
-              <a:rPr lang="en-US" altLang="zh-CN" sz="1200" kern="1200" smtClean="0">
-                <a:solidFill>
-                  <a:schemeClr val="tx1"/>
-                </a:solidFill>
-                <a:latin typeface="+mn-lt"/>
-                <a:ea typeface="+mn-ea"/>
-                <a:cs typeface="+mn-cs"/>
-              </a:rPr>
-              <a:t>is_gdt</a:t>
-            </a:r>
-            <a:r>
-              <a:rPr lang="zh-CN" altLang="en-US" sz="1200" kern="1200" smtClean="0">
-                <a:solidFill>
-                  <a:schemeClr val="tx1"/>
-                </a:solidFill>
-                <a:latin typeface="+mn-lt"/>
-                <a:ea typeface="+mn-ea"/>
-                <a:cs typeface="+mn-cs"/>
-              </a:rPr>
-              <a:t>还有渠道所属的渠道商的业务类型来判断分成</a:t>
-            </a:r>
-            <a:r>
-              <a:rPr lang="en-US" altLang="zh-CN" sz="1200" kern="1200" smtClean="0">
-                <a:solidFill>
-                  <a:schemeClr val="tx1"/>
-                </a:solidFill>
-                <a:latin typeface="+mn-lt"/>
-                <a:ea typeface="+mn-ea"/>
-                <a:cs typeface="+mn-cs"/>
-              </a:rPr>
-              <a:t>(</a:t>
-            </a:r>
-            <a:r>
-              <a:rPr lang="zh-CN" altLang="en-US" sz="1200" kern="1200" smtClean="0">
-                <a:solidFill>
-                  <a:schemeClr val="tx1"/>
-                </a:solidFill>
-                <a:latin typeface="+mn-lt"/>
-                <a:ea typeface="+mn-ea"/>
-                <a:cs typeface="+mn-cs"/>
-              </a:rPr>
-              <a:t>对应一条广告位</a:t>
-            </a:r>
-            <a:r>
-              <a:rPr lang="en-US" altLang="zh-CN" sz="1200" kern="1200" smtClean="0">
-                <a:solidFill>
-                  <a:schemeClr val="tx1"/>
-                </a:solidFill>
-                <a:latin typeface="+mn-lt"/>
-                <a:ea typeface="+mn-ea"/>
-                <a:cs typeface="+mn-cs"/>
-              </a:rPr>
-              <a:t>,</a:t>
-            </a:r>
-            <a:r>
-              <a:rPr lang="zh-CN" altLang="en-US" sz="1200" kern="1200" smtClean="0">
-                <a:solidFill>
-                  <a:schemeClr val="tx1"/>
-                </a:solidFill>
-                <a:latin typeface="+mn-lt"/>
-                <a:ea typeface="+mn-ea"/>
-                <a:cs typeface="+mn-cs"/>
-              </a:rPr>
-              <a:t>然后将所有广告位都加进来得到累计分成</a:t>
-            </a:r>
-            <a:r>
-              <a:rPr lang="en-US" altLang="zh-CN" sz="1200" kern="1200" smtClean="0">
-                <a:solidFill>
-                  <a:schemeClr val="tx1"/>
-                </a:solidFill>
-                <a:latin typeface="+mn-lt"/>
-                <a:ea typeface="+mn-ea"/>
-                <a:cs typeface="+mn-cs"/>
-              </a:rPr>
-              <a:t>)		</a:t>
-            </a:r>
-          </a:p>
-          <a:p>
-            <a:endParaRPr lang="en-US" altLang="zh-CN" sz="1200" kern="1200" smtClean="0">
-              <a:solidFill>
-                <a:schemeClr val="tx1"/>
-              </a:solidFill>
-              <a:latin typeface="+mn-lt"/>
-              <a:ea typeface="+mn-ea"/>
-              <a:cs typeface="+mn-cs"/>
-            </a:endParaRPr>
-          </a:p>
-          <a:p>
-            <a:r>
-              <a:rPr lang="en-US" altLang="zh-CN" sz="1200" kern="1200" smtClean="0">
-                <a:solidFill>
-                  <a:schemeClr val="tx1"/>
-                </a:solidFill>
-                <a:latin typeface="+mn-lt"/>
-                <a:ea typeface="+mn-ea"/>
-                <a:cs typeface="+mn-cs"/>
-              </a:rPr>
-              <a:t>	</a:t>
-            </a:r>
-            <a:r>
-              <a:rPr lang="zh-CN" altLang="en-US" sz="1200" kern="1200" smtClean="0">
-                <a:solidFill>
-                  <a:schemeClr val="tx1"/>
-                </a:solidFill>
-                <a:latin typeface="+mn-lt"/>
-                <a:ea typeface="+mn-ea"/>
-                <a:cs typeface="+mn-cs"/>
-              </a:rPr>
-              <a:t>累计成本</a:t>
-            </a:r>
-            <a:r>
-              <a:rPr lang="en-US" altLang="zh-CN" sz="1200" kern="1200" smtClean="0">
-                <a:solidFill>
-                  <a:schemeClr val="tx1"/>
-                </a:solidFill>
-                <a:latin typeface="+mn-lt"/>
-                <a:ea typeface="+mn-ea"/>
-                <a:cs typeface="+mn-cs"/>
-              </a:rPr>
-              <a:t>:</a:t>
-            </a:r>
-          </a:p>
-          <a:p>
-            <a:r>
-              <a:rPr lang="en-US" altLang="zh-CN" sz="1200" kern="1200" smtClean="0">
-                <a:solidFill>
-                  <a:schemeClr val="tx1"/>
-                </a:solidFill>
-                <a:latin typeface="+mn-lt"/>
-                <a:ea typeface="+mn-ea"/>
-                <a:cs typeface="+mn-cs"/>
-              </a:rPr>
-              <a:t>		SUM(think_adv_position_data.divide_money),</a:t>
-            </a:r>
-            <a:r>
-              <a:rPr lang="zh-CN" altLang="en-US" sz="1200" kern="1200" smtClean="0">
-                <a:solidFill>
-                  <a:schemeClr val="tx1"/>
-                </a:solidFill>
-                <a:latin typeface="+mn-lt"/>
-                <a:ea typeface="+mn-ea"/>
-                <a:cs typeface="+mn-cs"/>
-              </a:rPr>
-              <a:t>指定时间段内投入金额</a:t>
-            </a:r>
-            <a:r>
-              <a:rPr lang="en-US" altLang="zh-CN" sz="1200" kern="1200" smtClean="0">
-                <a:solidFill>
-                  <a:schemeClr val="tx1"/>
-                </a:solidFill>
-                <a:latin typeface="+mn-lt"/>
-                <a:ea typeface="+mn-ea"/>
-                <a:cs typeface="+mn-cs"/>
-              </a:rPr>
-              <a:t>,</a:t>
-            </a:r>
-            <a:r>
-              <a:rPr lang="zh-CN" altLang="en-US" sz="1200" kern="1200" smtClean="0">
-                <a:solidFill>
-                  <a:schemeClr val="tx1"/>
-                </a:solidFill>
-                <a:latin typeface="+mn-lt"/>
-                <a:ea typeface="+mn-ea"/>
-                <a:cs typeface="+mn-cs"/>
-              </a:rPr>
-              <a:t>再将所有广告位的投入金额金额相加</a:t>
-            </a:r>
-          </a:p>
-          <a:p>
-            <a:endParaRPr lang="zh-CN" altLang="en-US" sz="1200" kern="1200" smtClean="0">
-              <a:solidFill>
-                <a:schemeClr val="tx1"/>
-              </a:solidFill>
-              <a:latin typeface="+mn-lt"/>
-              <a:ea typeface="+mn-ea"/>
-              <a:cs typeface="+mn-cs"/>
-            </a:endParaRPr>
-          </a:p>
-          <a:p>
-            <a:r>
-              <a:rPr lang="zh-CN" altLang="en-US" sz="1200" kern="1200" smtClean="0">
-                <a:solidFill>
-                  <a:schemeClr val="tx1"/>
-                </a:solidFill>
-                <a:latin typeface="+mn-lt"/>
-                <a:ea typeface="+mn-ea"/>
-                <a:cs typeface="+mn-cs"/>
-              </a:rPr>
-              <a:t>	累计回本</a:t>
-            </a:r>
-            <a:r>
-              <a:rPr lang="en-US" altLang="zh-CN" sz="1200" kern="1200" smtClean="0">
-                <a:solidFill>
-                  <a:schemeClr val="tx1"/>
-                </a:solidFill>
-                <a:latin typeface="+mn-lt"/>
-                <a:ea typeface="+mn-ea"/>
-                <a:cs typeface="+mn-cs"/>
-              </a:rPr>
-              <a:t>:$all['total_back_rate']</a:t>
-            </a:r>
-          </a:p>
-          <a:p>
-            <a:r>
-              <a:rPr lang="en-US" altLang="zh-CN" sz="1200" kern="1200" smtClean="0">
-                <a:solidFill>
-                  <a:schemeClr val="tx1"/>
-                </a:solidFill>
-                <a:latin typeface="+mn-lt"/>
-                <a:ea typeface="+mn-ea"/>
-                <a:cs typeface="+mn-cs"/>
-              </a:rPr>
-              <a:t>		</a:t>
-            </a:r>
-            <a:r>
-              <a:rPr lang="zh-CN" altLang="en-US" sz="1200" kern="1200" smtClean="0">
-                <a:solidFill>
-                  <a:schemeClr val="tx1"/>
-                </a:solidFill>
-                <a:latin typeface="+mn-lt"/>
-                <a:ea typeface="+mn-ea"/>
-                <a:cs typeface="+mn-cs"/>
-              </a:rPr>
-              <a:t>累计回本</a:t>
-            </a:r>
-            <a:r>
-              <a:rPr lang="en-US" altLang="zh-CN" sz="1200" kern="1200" smtClean="0">
-                <a:solidFill>
-                  <a:schemeClr val="tx1"/>
-                </a:solidFill>
-                <a:latin typeface="+mn-lt"/>
-                <a:ea typeface="+mn-ea"/>
-                <a:cs typeface="+mn-cs"/>
-              </a:rPr>
-              <a:t>(total_back_rate) = </a:t>
-            </a:r>
-            <a:r>
-              <a:rPr lang="zh-CN" altLang="en-US" sz="1200" kern="1200" smtClean="0">
-                <a:solidFill>
-                  <a:schemeClr val="tx1"/>
-                </a:solidFill>
-                <a:latin typeface="+mn-lt"/>
-                <a:ea typeface="+mn-ea"/>
-                <a:cs typeface="+mn-cs"/>
-              </a:rPr>
-              <a:t>累计分成</a:t>
-            </a:r>
-            <a:r>
-              <a:rPr lang="en-US" altLang="zh-CN" sz="1200" kern="1200" smtClean="0">
-                <a:solidFill>
-                  <a:schemeClr val="tx1"/>
-                </a:solidFill>
-                <a:latin typeface="+mn-lt"/>
-                <a:ea typeface="+mn-ea"/>
-                <a:cs typeface="+mn-cs"/>
-              </a:rPr>
-              <a:t>/</a:t>
-            </a:r>
-            <a:r>
-              <a:rPr lang="zh-CN" altLang="en-US" sz="1200" kern="1200" smtClean="0">
-                <a:solidFill>
-                  <a:schemeClr val="tx1"/>
-                </a:solidFill>
-                <a:latin typeface="+mn-lt"/>
-                <a:ea typeface="+mn-ea"/>
-                <a:cs typeface="+mn-cs"/>
-              </a:rPr>
-              <a:t>累计成本	</a:t>
-            </a:r>
-          </a:p>
-          <a:p>
-            <a:endParaRPr lang="zh-CN" altLang="en-US" sz="1200" kern="1200" smtClean="0">
-              <a:solidFill>
-                <a:schemeClr val="tx1"/>
-              </a:solidFill>
-              <a:latin typeface="+mn-lt"/>
-              <a:ea typeface="+mn-ea"/>
-              <a:cs typeface="+mn-cs"/>
-            </a:endParaRPr>
-          </a:p>
-          <a:p>
-            <a:r>
-              <a:rPr lang="zh-CN" altLang="en-US" sz="1200" kern="1200" smtClean="0">
-                <a:solidFill>
-                  <a:schemeClr val="tx1"/>
-                </a:solidFill>
-                <a:latin typeface="+mn-lt"/>
-                <a:ea typeface="+mn-ea"/>
-                <a:cs typeface="+mn-cs"/>
-              </a:rPr>
-              <a:t>	总回本率</a:t>
-            </a:r>
-            <a:r>
-              <a:rPr lang="en-US" altLang="zh-CN" sz="1200" kern="1200" smtClean="0">
-                <a:solidFill>
-                  <a:schemeClr val="tx1"/>
-                </a:solidFill>
-                <a:latin typeface="+mn-lt"/>
-                <a:ea typeface="+mn-ea"/>
-                <a:cs typeface="+mn-cs"/>
-              </a:rPr>
-              <a:t>(</a:t>
-            </a:r>
-            <a:r>
-              <a:rPr lang="zh-CN" altLang="en-US" sz="1200" kern="1200" smtClean="0">
-                <a:solidFill>
-                  <a:schemeClr val="tx1"/>
-                </a:solidFill>
-                <a:latin typeface="+mn-lt"/>
-                <a:ea typeface="+mn-ea"/>
-                <a:cs typeface="+mn-cs"/>
-              </a:rPr>
-              <a:t>历史累计回本</a:t>
-            </a:r>
-            <a:r>
-              <a:rPr lang="en-US" altLang="zh-CN" sz="1200" kern="1200" smtClean="0">
-                <a:solidFill>
-                  <a:schemeClr val="tx1"/>
-                </a:solidFill>
-                <a:latin typeface="+mn-lt"/>
-                <a:ea typeface="+mn-ea"/>
-                <a:cs typeface="+mn-cs"/>
-              </a:rPr>
-              <a:t>):</a:t>
-            </a:r>
-          </a:p>
-          <a:p>
-            <a:r>
-              <a:rPr lang="en-US" altLang="zh-CN" sz="1200" kern="1200" smtClean="0">
-                <a:solidFill>
-                  <a:schemeClr val="tx1"/>
-                </a:solidFill>
-                <a:latin typeface="+mn-lt"/>
-                <a:ea typeface="+mn-ea"/>
-                <a:cs typeface="+mn-cs"/>
-              </a:rPr>
-              <a:t>		</a:t>
-            </a:r>
-            <a:r>
-              <a:rPr lang="zh-CN" altLang="en-US" sz="1200" kern="1200" smtClean="0">
-                <a:solidFill>
-                  <a:schemeClr val="tx1"/>
-                </a:solidFill>
-                <a:latin typeface="+mn-lt"/>
-                <a:ea typeface="+mn-ea"/>
-                <a:cs typeface="+mn-cs"/>
-              </a:rPr>
-              <a:t>先要查询历史用户累计成本、总分成</a:t>
-            </a:r>
-          </a:p>
-          <a:p>
-            <a:r>
-              <a:rPr lang="zh-CN" altLang="en-US" sz="1200" kern="1200" smtClean="0">
-                <a:solidFill>
-                  <a:schemeClr val="tx1"/>
-                </a:solidFill>
-                <a:latin typeface="+mn-lt"/>
-                <a:ea typeface="+mn-ea"/>
-                <a:cs typeface="+mn-cs"/>
-              </a:rPr>
-              <a:t>			历史用户累计成本</a:t>
-            </a:r>
-            <a:r>
-              <a:rPr lang="en-US" altLang="zh-CN" sz="1200" kern="1200" smtClean="0">
-                <a:solidFill>
-                  <a:schemeClr val="tx1"/>
-                </a:solidFill>
-                <a:latin typeface="+mn-lt"/>
-                <a:ea typeface="+mn-ea"/>
-                <a:cs typeface="+mn-cs"/>
-              </a:rPr>
-              <a:t>:</a:t>
-            </a:r>
-            <a:r>
-              <a:rPr lang="zh-CN" altLang="en-US" sz="1200" kern="1200" smtClean="0">
-                <a:solidFill>
-                  <a:schemeClr val="tx1"/>
-                </a:solidFill>
-                <a:latin typeface="+mn-lt"/>
-                <a:ea typeface="+mn-ea"/>
-                <a:cs typeface="+mn-cs"/>
-              </a:rPr>
-              <a:t>重新查询上面的累计成本</a:t>
-            </a:r>
-            <a:r>
-              <a:rPr lang="en-US" altLang="zh-CN" sz="1200" kern="1200" smtClean="0">
-                <a:solidFill>
-                  <a:schemeClr val="tx1"/>
-                </a:solidFill>
-                <a:latin typeface="+mn-lt"/>
-                <a:ea typeface="+mn-ea"/>
-                <a:cs typeface="+mn-cs"/>
-              </a:rPr>
-              <a:t>,</a:t>
-            </a:r>
-            <a:r>
-              <a:rPr lang="zh-CN" altLang="en-US" sz="1200" kern="1200" smtClean="0">
-                <a:solidFill>
-                  <a:schemeClr val="tx1"/>
-                </a:solidFill>
-                <a:latin typeface="+mn-lt"/>
-                <a:ea typeface="+mn-ea"/>
-                <a:cs typeface="+mn-cs"/>
-              </a:rPr>
-              <a:t>将时间维度去掉</a:t>
-            </a:r>
-            <a:r>
-              <a:rPr lang="en-US" altLang="zh-CN" sz="1200" kern="1200" smtClean="0">
-                <a:solidFill>
-                  <a:schemeClr val="tx1"/>
-                </a:solidFill>
-                <a:latin typeface="+mn-lt"/>
-                <a:ea typeface="+mn-ea"/>
-                <a:cs typeface="+mn-cs"/>
-              </a:rPr>
-              <a:t>,</a:t>
-            </a:r>
-            <a:r>
-              <a:rPr lang="zh-CN" altLang="en-US" sz="1200" kern="1200" smtClean="0">
-                <a:solidFill>
-                  <a:schemeClr val="tx1"/>
-                </a:solidFill>
-                <a:latin typeface="+mn-lt"/>
-                <a:ea typeface="+mn-ea"/>
-                <a:cs typeface="+mn-cs"/>
-              </a:rPr>
-              <a:t>得到渠道下所有游戏成本</a:t>
-            </a:r>
-            <a:r>
-              <a:rPr lang="en-US" altLang="zh-CN" sz="1200" kern="1200" smtClean="0">
-                <a:solidFill>
-                  <a:schemeClr val="tx1"/>
-                </a:solidFill>
-                <a:latin typeface="+mn-lt"/>
-                <a:ea typeface="+mn-ea"/>
-                <a:cs typeface="+mn-cs"/>
-              </a:rPr>
-              <a:t>.</a:t>
-            </a:r>
-          </a:p>
-          <a:p>
-            <a:r>
-              <a:rPr lang="en-US" altLang="zh-CN" sz="1200" kern="1200" smtClean="0">
-                <a:solidFill>
-                  <a:schemeClr val="tx1"/>
-                </a:solidFill>
-                <a:latin typeface="+mn-lt"/>
-                <a:ea typeface="+mn-ea"/>
-                <a:cs typeface="+mn-cs"/>
-              </a:rPr>
-              <a:t>			</a:t>
-            </a:r>
-            <a:r>
-              <a:rPr lang="zh-CN" altLang="en-US" sz="1200" kern="1200" smtClean="0">
-                <a:solidFill>
-                  <a:schemeClr val="tx1"/>
-                </a:solidFill>
-                <a:latin typeface="+mn-lt"/>
-                <a:ea typeface="+mn-ea"/>
-                <a:cs typeface="+mn-cs"/>
-              </a:rPr>
-              <a:t>历史用户总分成</a:t>
-            </a:r>
-            <a:r>
-              <a:rPr lang="en-US" altLang="zh-CN" sz="1200" kern="1200" smtClean="0">
-                <a:solidFill>
-                  <a:schemeClr val="tx1"/>
-                </a:solidFill>
-                <a:latin typeface="+mn-lt"/>
-                <a:ea typeface="+mn-ea"/>
-                <a:cs typeface="+mn-cs"/>
-              </a:rPr>
-              <a:t>:</a:t>
-            </a:r>
-            <a:r>
-              <a:rPr lang="zh-CN" altLang="en-US" sz="1200" kern="1200" smtClean="0">
-                <a:solidFill>
-                  <a:schemeClr val="tx1"/>
-                </a:solidFill>
-                <a:latin typeface="+mn-lt"/>
-                <a:ea typeface="+mn-ea"/>
-                <a:cs typeface="+mn-cs"/>
-              </a:rPr>
-              <a:t>重新查询上面的累计分成</a:t>
-            </a:r>
-            <a:r>
-              <a:rPr lang="en-US" altLang="zh-CN" sz="1200" kern="1200" smtClean="0">
-                <a:solidFill>
-                  <a:schemeClr val="tx1"/>
-                </a:solidFill>
-                <a:latin typeface="+mn-lt"/>
-                <a:ea typeface="+mn-ea"/>
-                <a:cs typeface="+mn-cs"/>
-              </a:rPr>
-              <a:t>,</a:t>
-            </a:r>
-            <a:r>
-              <a:rPr lang="zh-CN" altLang="en-US" sz="1200" kern="1200" smtClean="0">
-                <a:solidFill>
-                  <a:schemeClr val="tx1"/>
-                </a:solidFill>
-                <a:latin typeface="+mn-lt"/>
-                <a:ea typeface="+mn-ea"/>
-                <a:cs typeface="+mn-cs"/>
-              </a:rPr>
-              <a:t>将时间维度去掉</a:t>
-            </a:r>
-            <a:r>
-              <a:rPr lang="en-US" altLang="zh-CN" sz="1200" kern="1200" smtClean="0">
-                <a:solidFill>
-                  <a:schemeClr val="tx1"/>
-                </a:solidFill>
-                <a:latin typeface="+mn-lt"/>
-                <a:ea typeface="+mn-ea"/>
-                <a:cs typeface="+mn-cs"/>
-              </a:rPr>
-              <a:t>,</a:t>
-            </a:r>
-            <a:r>
-              <a:rPr lang="zh-CN" altLang="en-US" sz="1200" kern="1200" smtClean="0">
-                <a:solidFill>
-                  <a:schemeClr val="tx1"/>
-                </a:solidFill>
-                <a:latin typeface="+mn-lt"/>
-                <a:ea typeface="+mn-ea"/>
-                <a:cs typeface="+mn-cs"/>
-              </a:rPr>
-              <a:t>得到渠道下所有游戏至今的累计分成</a:t>
-            </a:r>
-          </a:p>
-          <a:p>
-            <a:r>
-              <a:rPr lang="zh-CN" altLang="en-US" sz="1200" kern="1200" smtClean="0">
-                <a:solidFill>
-                  <a:schemeClr val="tx1"/>
-                </a:solidFill>
-                <a:latin typeface="+mn-lt"/>
-                <a:ea typeface="+mn-ea"/>
-                <a:cs typeface="+mn-cs"/>
-              </a:rPr>
-              <a:t>			总回本率 </a:t>
-            </a:r>
-            <a:r>
-              <a:rPr lang="en-US" altLang="zh-CN" sz="1200" kern="1200" smtClean="0">
-                <a:solidFill>
-                  <a:schemeClr val="tx1"/>
-                </a:solidFill>
-                <a:latin typeface="+mn-lt"/>
-                <a:ea typeface="+mn-ea"/>
-                <a:cs typeface="+mn-cs"/>
-              </a:rPr>
-              <a:t>= </a:t>
-            </a:r>
-            <a:r>
-              <a:rPr lang="zh-CN" altLang="en-US" sz="1200" kern="1200" smtClean="0">
-                <a:solidFill>
-                  <a:schemeClr val="tx1"/>
-                </a:solidFill>
-                <a:latin typeface="+mn-lt"/>
-                <a:ea typeface="+mn-ea"/>
-                <a:cs typeface="+mn-cs"/>
-              </a:rPr>
-              <a:t>历史用户总分成</a:t>
-            </a:r>
-            <a:r>
-              <a:rPr lang="en-US" altLang="zh-CN" sz="1200" kern="1200" smtClean="0">
-                <a:solidFill>
-                  <a:schemeClr val="tx1"/>
-                </a:solidFill>
-                <a:latin typeface="+mn-lt"/>
-                <a:ea typeface="+mn-ea"/>
-                <a:cs typeface="+mn-cs"/>
-              </a:rPr>
-              <a:t>/</a:t>
-            </a:r>
-            <a:r>
-              <a:rPr lang="zh-CN" altLang="en-US" sz="1200" kern="1200" smtClean="0">
-                <a:solidFill>
-                  <a:schemeClr val="tx1"/>
-                </a:solidFill>
-                <a:latin typeface="+mn-lt"/>
-                <a:ea typeface="+mn-ea"/>
-                <a:cs typeface="+mn-cs"/>
-              </a:rPr>
-              <a:t>历史用户累计成本 * </a:t>
-            </a:r>
-            <a:r>
-              <a:rPr lang="en-US" altLang="zh-CN" sz="1200" kern="1200" smtClean="0">
-                <a:solidFill>
-                  <a:schemeClr val="tx1"/>
-                </a:solidFill>
-                <a:latin typeface="+mn-lt"/>
-                <a:ea typeface="+mn-ea"/>
-                <a:cs typeface="+mn-cs"/>
-              </a:rPr>
-              <a:t>100%</a:t>
-            </a:r>
-          </a:p>
-          <a:p>
-            <a:endParaRPr lang="en-US" altLang="zh-CN" sz="1200" kern="1200" smtClean="0">
-              <a:solidFill>
-                <a:schemeClr val="tx1"/>
-              </a:solidFill>
-              <a:latin typeface="+mn-lt"/>
-              <a:ea typeface="+mn-ea"/>
-              <a:cs typeface="+mn-cs"/>
-            </a:endParaRPr>
-          </a:p>
-          <a:p>
-            <a:endParaRPr lang="en-US" altLang="zh-CN" sz="1200" kern="1200" smtClean="0">
-              <a:solidFill>
-                <a:schemeClr val="tx1"/>
-              </a:solidFill>
-              <a:latin typeface="+mn-lt"/>
-              <a:ea typeface="+mn-ea"/>
-              <a:cs typeface="+mn-cs"/>
-            </a:endParaRPr>
-          </a:p>
-          <a:p>
-            <a:r>
-              <a:rPr lang="en-US" altLang="zh-CN" sz="1200" kern="1200" smtClean="0">
-                <a:solidFill>
-                  <a:schemeClr val="tx1"/>
-                </a:solidFill>
-                <a:latin typeface="+mn-lt"/>
-                <a:ea typeface="+mn-ea"/>
-                <a:cs typeface="+mn-cs"/>
-              </a:rPr>
-              <a:t>	</a:t>
-            </a:r>
-            <a:r>
-              <a:rPr lang="zh-CN" altLang="en-US" sz="1200" kern="1200" smtClean="0">
-                <a:solidFill>
-                  <a:schemeClr val="tx1"/>
-                </a:solidFill>
-                <a:latin typeface="+mn-lt"/>
-                <a:ea typeface="+mn-ea"/>
-                <a:cs typeface="+mn-cs"/>
-              </a:rPr>
-              <a:t>期内用户期内充值</a:t>
-            </a:r>
-            <a:r>
-              <a:rPr lang="en-US" altLang="zh-CN" sz="1200" kern="1200" smtClean="0">
-                <a:solidFill>
-                  <a:schemeClr val="tx1"/>
-                </a:solidFill>
-                <a:latin typeface="+mn-lt"/>
-                <a:ea typeface="+mn-ea"/>
-                <a:cs typeface="+mn-cs"/>
-              </a:rPr>
-              <a:t>:</a:t>
-            </a:r>
-          </a:p>
-          <a:p>
-            <a:r>
-              <a:rPr lang="en-US" altLang="zh-CN" sz="1200" kern="1200" smtClean="0">
-                <a:solidFill>
-                  <a:schemeClr val="tx1"/>
-                </a:solidFill>
-                <a:latin typeface="+mn-lt"/>
-                <a:ea typeface="+mn-ea"/>
-                <a:cs typeface="+mn-cs"/>
-              </a:rPr>
-              <a:t>		</a:t>
-            </a:r>
-            <a:r>
-              <a:rPr lang="zh-CN" altLang="en-US" sz="1200" kern="1200" smtClean="0">
-                <a:solidFill>
-                  <a:schemeClr val="tx1"/>
-                </a:solidFill>
-                <a:latin typeface="+mn-lt"/>
-                <a:ea typeface="+mn-ea"/>
-                <a:cs typeface="+mn-cs"/>
-              </a:rPr>
-              <a:t>跟累计充值计算大概相似</a:t>
-            </a:r>
-            <a:r>
-              <a:rPr lang="en-US" altLang="zh-CN" sz="1200" kern="1200" smtClean="0">
-                <a:solidFill>
-                  <a:schemeClr val="tx1"/>
-                </a:solidFill>
-                <a:latin typeface="+mn-lt"/>
-                <a:ea typeface="+mn-ea"/>
-                <a:cs typeface="+mn-cs"/>
-              </a:rPr>
-              <a:t>,</a:t>
-            </a:r>
-            <a:r>
-              <a:rPr lang="zh-CN" altLang="en-US" sz="1200" kern="1200" smtClean="0">
-                <a:solidFill>
-                  <a:schemeClr val="tx1"/>
-                </a:solidFill>
-                <a:latin typeface="+mn-lt"/>
-                <a:ea typeface="+mn-ea"/>
-                <a:cs typeface="+mn-cs"/>
-              </a:rPr>
-              <a:t>但是多了一个期内注册用户的条件</a:t>
-            </a:r>
-            <a:r>
-              <a:rPr lang="en-US" altLang="zh-CN" sz="1200" kern="1200" smtClean="0">
-                <a:solidFill>
-                  <a:schemeClr val="tx1"/>
-                </a:solidFill>
-                <a:latin typeface="+mn-lt"/>
-                <a:ea typeface="+mn-ea"/>
-                <a:cs typeface="+mn-cs"/>
-              </a:rPr>
-              <a:t>,</a:t>
-            </a:r>
-            <a:r>
-              <a:rPr lang="zh-CN" altLang="en-US" sz="1200" kern="1200" smtClean="0">
-                <a:solidFill>
-                  <a:schemeClr val="tx1"/>
-                </a:solidFill>
-                <a:latin typeface="+mn-lt"/>
-                <a:ea typeface="+mn-ea"/>
-                <a:cs typeface="+mn-cs"/>
-              </a:rPr>
-              <a:t>将付费金额</a:t>
-            </a:r>
-            <a:r>
-              <a:rPr lang="en-US" altLang="zh-CN" sz="1200" kern="1200" smtClean="0">
-                <a:solidFill>
-                  <a:schemeClr val="tx1"/>
-                </a:solidFill>
-                <a:latin typeface="+mn-lt"/>
-                <a:ea typeface="+mn-ea"/>
-                <a:cs typeface="+mn-cs"/>
-              </a:rPr>
-              <a:t>(adv_position_data.pay_sum)</a:t>
-            </a:r>
-            <a:r>
-              <a:rPr lang="zh-CN" altLang="en-US" sz="1200" kern="1200" smtClean="0">
-                <a:solidFill>
-                  <a:schemeClr val="tx1"/>
-                </a:solidFill>
-                <a:latin typeface="+mn-lt"/>
-                <a:ea typeface="+mn-ea"/>
-                <a:cs typeface="+mn-cs"/>
-              </a:rPr>
-              <a:t>改为</a:t>
-            </a:r>
-            <a:r>
-              <a:rPr lang="en-US" altLang="zh-CN" sz="1200" kern="1200" smtClean="0">
-                <a:solidFill>
-                  <a:schemeClr val="tx1"/>
-                </a:solidFill>
-                <a:latin typeface="+mn-lt"/>
-                <a:ea typeface="+mn-ea"/>
-                <a:cs typeface="+mn-cs"/>
-              </a:rPr>
-              <a:t>(order_log.money)</a:t>
-            </a:r>
-            <a:r>
-              <a:rPr lang="zh-CN" altLang="en-US" sz="1200" kern="1200" smtClean="0">
-                <a:solidFill>
-                  <a:schemeClr val="tx1"/>
-                </a:solidFill>
-                <a:latin typeface="+mn-lt"/>
-                <a:ea typeface="+mn-ea"/>
-                <a:cs typeface="+mn-cs"/>
-              </a:rPr>
-              <a:t>计算</a:t>
-            </a:r>
-            <a:r>
-              <a:rPr lang="en-US" altLang="zh-CN" sz="1200" kern="1200" smtClean="0">
-                <a:solidFill>
-                  <a:schemeClr val="tx1"/>
-                </a:solidFill>
-                <a:latin typeface="+mn-lt"/>
-                <a:ea typeface="+mn-ea"/>
-                <a:cs typeface="+mn-cs"/>
-              </a:rPr>
-              <a:t>.</a:t>
-            </a:r>
-          </a:p>
-          <a:p>
-            <a:r>
-              <a:rPr lang="en-US" altLang="zh-CN" sz="1200" kern="1200" smtClean="0">
-                <a:solidFill>
-                  <a:schemeClr val="tx1"/>
-                </a:solidFill>
-                <a:latin typeface="+mn-lt"/>
-                <a:ea typeface="+mn-ea"/>
-                <a:cs typeface="+mn-cs"/>
-              </a:rPr>
-              <a:t>		</a:t>
-            </a:r>
-            <a:r>
-              <a:rPr lang="zh-CN" altLang="en-US" sz="1200" kern="1200" smtClean="0">
-                <a:solidFill>
-                  <a:schemeClr val="tx1"/>
-                </a:solidFill>
-                <a:latin typeface="+mn-lt"/>
-                <a:ea typeface="+mn-ea"/>
-                <a:cs typeface="+mn-cs"/>
-              </a:rPr>
-              <a:t>因为</a:t>
-            </a:r>
-            <a:r>
-              <a:rPr lang="en-US" altLang="zh-CN" sz="1200" kern="1200" smtClean="0">
-                <a:solidFill>
-                  <a:schemeClr val="tx1"/>
-                </a:solidFill>
-                <a:latin typeface="+mn-lt"/>
-                <a:ea typeface="+mn-ea"/>
-                <a:cs typeface="+mn-cs"/>
-              </a:rPr>
-              <a:t>order_log</a:t>
-            </a:r>
-            <a:r>
-              <a:rPr lang="zh-CN" altLang="en-US" sz="1200" kern="1200" smtClean="0">
-                <a:solidFill>
-                  <a:schemeClr val="tx1"/>
-                </a:solidFill>
-                <a:latin typeface="+mn-lt"/>
-                <a:ea typeface="+mn-ea"/>
-                <a:cs typeface="+mn-cs"/>
-              </a:rPr>
-              <a:t>表是以用户注册日期来保存的</a:t>
-            </a:r>
-            <a:r>
-              <a:rPr lang="en-US" altLang="zh-CN" sz="1200" kern="1200" smtClean="0">
-                <a:solidFill>
-                  <a:schemeClr val="tx1"/>
-                </a:solidFill>
-                <a:latin typeface="+mn-lt"/>
-                <a:ea typeface="+mn-ea"/>
-                <a:cs typeface="+mn-cs"/>
-              </a:rPr>
-              <a:t>,</a:t>
-            </a:r>
-            <a:r>
-              <a:rPr lang="zh-CN" altLang="en-US" sz="1200" kern="1200" smtClean="0">
-                <a:solidFill>
-                  <a:schemeClr val="tx1"/>
-                </a:solidFill>
-                <a:latin typeface="+mn-lt"/>
-                <a:ea typeface="+mn-ea"/>
-                <a:cs typeface="+mn-cs"/>
-              </a:rPr>
-              <a:t>这样就可以了</a:t>
-            </a:r>
-            <a:r>
-              <a:rPr lang="en-US" altLang="zh-CN" sz="1200" kern="1200" smtClean="0">
-                <a:solidFill>
-                  <a:schemeClr val="tx1"/>
-                </a:solidFill>
-                <a:latin typeface="+mn-lt"/>
-                <a:ea typeface="+mn-ea"/>
-                <a:cs typeface="+mn-cs"/>
-              </a:rPr>
-              <a:t>.</a:t>
-            </a:r>
-          </a:p>
-          <a:p>
-            <a:r>
-              <a:rPr lang="en-US" altLang="zh-CN" sz="1200" kern="1200" smtClean="0">
-                <a:solidFill>
-                  <a:schemeClr val="tx1"/>
-                </a:solidFill>
-                <a:latin typeface="+mn-lt"/>
-                <a:ea typeface="+mn-ea"/>
-                <a:cs typeface="+mn-cs"/>
-              </a:rPr>
-              <a:t>	</a:t>
-            </a:r>
-            <a:r>
-              <a:rPr lang="zh-CN" altLang="en-US" sz="1200" kern="1200" smtClean="0">
-                <a:solidFill>
-                  <a:schemeClr val="tx1"/>
-                </a:solidFill>
-                <a:latin typeface="+mn-lt"/>
-                <a:ea typeface="+mn-ea"/>
-                <a:cs typeface="+mn-cs"/>
-              </a:rPr>
-              <a:t>期内用户期内分成</a:t>
-            </a:r>
-            <a:r>
-              <a:rPr lang="en-US" altLang="zh-CN" sz="1200" kern="1200" smtClean="0">
-                <a:solidFill>
-                  <a:schemeClr val="tx1"/>
-                </a:solidFill>
-                <a:latin typeface="+mn-lt"/>
-                <a:ea typeface="+mn-ea"/>
-                <a:cs typeface="+mn-cs"/>
-              </a:rPr>
-              <a:t>:</a:t>
-            </a:r>
-          </a:p>
-          <a:p>
-            <a:r>
-              <a:rPr lang="en-US" altLang="zh-CN" sz="1200" kern="1200" smtClean="0">
-                <a:solidFill>
-                  <a:schemeClr val="tx1"/>
-                </a:solidFill>
-                <a:latin typeface="+mn-lt"/>
-                <a:ea typeface="+mn-ea"/>
-                <a:cs typeface="+mn-cs"/>
-              </a:rPr>
-              <a:t>		</a:t>
-            </a:r>
-            <a:r>
-              <a:rPr lang="zh-CN" altLang="en-US" sz="1200" kern="1200" smtClean="0">
-                <a:solidFill>
-                  <a:schemeClr val="tx1"/>
-                </a:solidFill>
-                <a:latin typeface="+mn-lt"/>
-                <a:ea typeface="+mn-ea"/>
-                <a:cs typeface="+mn-cs"/>
-              </a:rPr>
-              <a:t>同上类似</a:t>
-            </a:r>
-            <a:r>
-              <a:rPr lang="en-US" altLang="zh-CN" sz="1200" kern="1200" smtClean="0">
-                <a:solidFill>
-                  <a:schemeClr val="tx1"/>
-                </a:solidFill>
-                <a:latin typeface="+mn-lt"/>
-                <a:ea typeface="+mn-ea"/>
-                <a:cs typeface="+mn-cs"/>
-              </a:rPr>
-              <a:t>,</a:t>
-            </a:r>
-            <a:r>
-              <a:rPr lang="zh-CN" altLang="en-US" sz="1200" kern="1200" smtClean="0">
-                <a:solidFill>
-                  <a:schemeClr val="tx1"/>
-                </a:solidFill>
-                <a:latin typeface="+mn-lt"/>
-                <a:ea typeface="+mn-ea"/>
-                <a:cs typeface="+mn-cs"/>
-              </a:rPr>
-              <a:t>将付费金额</a:t>
-            </a:r>
-            <a:r>
-              <a:rPr lang="en-US" altLang="zh-CN" sz="1200" kern="1200" smtClean="0">
-                <a:solidFill>
-                  <a:schemeClr val="tx1"/>
-                </a:solidFill>
-                <a:latin typeface="+mn-lt"/>
-                <a:ea typeface="+mn-ea"/>
-                <a:cs typeface="+mn-cs"/>
-              </a:rPr>
-              <a:t>(adv_position_data.pay_sum)</a:t>
-            </a:r>
-            <a:r>
-              <a:rPr lang="zh-CN" altLang="en-US" sz="1200" kern="1200" smtClean="0">
-                <a:solidFill>
-                  <a:schemeClr val="tx1"/>
-                </a:solidFill>
-                <a:latin typeface="+mn-lt"/>
-                <a:ea typeface="+mn-ea"/>
-                <a:cs typeface="+mn-cs"/>
-              </a:rPr>
-              <a:t>改为</a:t>
-            </a:r>
-            <a:r>
-              <a:rPr lang="en-US" altLang="zh-CN" sz="1200" kern="1200" smtClean="0">
-                <a:solidFill>
-                  <a:schemeClr val="tx1"/>
-                </a:solidFill>
-                <a:latin typeface="+mn-lt"/>
-                <a:ea typeface="+mn-ea"/>
-                <a:cs typeface="+mn-cs"/>
-              </a:rPr>
-              <a:t>(order_log.money)</a:t>
-            </a:r>
-            <a:r>
-              <a:rPr lang="zh-CN" altLang="en-US" sz="1200" kern="1200" smtClean="0">
-                <a:solidFill>
-                  <a:schemeClr val="tx1"/>
-                </a:solidFill>
-                <a:latin typeface="+mn-lt"/>
-                <a:ea typeface="+mn-ea"/>
-                <a:cs typeface="+mn-cs"/>
-              </a:rPr>
-              <a:t>来计算</a:t>
-            </a:r>
-            <a:r>
-              <a:rPr lang="en-US" altLang="zh-CN" sz="1200" kern="1200" smtClean="0">
-                <a:solidFill>
-                  <a:schemeClr val="tx1"/>
-                </a:solidFill>
-                <a:latin typeface="+mn-lt"/>
-                <a:ea typeface="+mn-ea"/>
-                <a:cs typeface="+mn-cs"/>
-              </a:rPr>
-              <a:t>.</a:t>
-            </a:r>
-          </a:p>
-          <a:p>
-            <a:r>
-              <a:rPr lang="en-US" altLang="zh-CN" sz="1200" kern="1200" smtClean="0">
-                <a:solidFill>
-                  <a:schemeClr val="tx1"/>
-                </a:solidFill>
-                <a:latin typeface="+mn-lt"/>
-                <a:ea typeface="+mn-ea"/>
-                <a:cs typeface="+mn-cs"/>
-              </a:rPr>
-              <a:t>	</a:t>
-            </a:r>
-            <a:r>
-              <a:rPr lang="zh-CN" altLang="en-US" sz="1200" kern="1200" smtClean="0">
-                <a:solidFill>
-                  <a:schemeClr val="tx1"/>
-                </a:solidFill>
-                <a:latin typeface="+mn-lt"/>
-                <a:ea typeface="+mn-ea"/>
-                <a:cs typeface="+mn-cs"/>
-              </a:rPr>
-              <a:t>期内用户期内回本</a:t>
-            </a:r>
-            <a:r>
-              <a:rPr lang="en-US" altLang="zh-CN" sz="1200" kern="1200" smtClean="0">
-                <a:solidFill>
-                  <a:schemeClr val="tx1"/>
-                </a:solidFill>
-                <a:latin typeface="+mn-lt"/>
-                <a:ea typeface="+mn-ea"/>
-                <a:cs typeface="+mn-cs"/>
-              </a:rPr>
-              <a:t>:</a:t>
-            </a:r>
-          </a:p>
-          <a:p>
-            <a:r>
-              <a:rPr lang="en-US" altLang="zh-CN" sz="1200" kern="1200" smtClean="0">
-                <a:solidFill>
-                  <a:schemeClr val="tx1"/>
-                </a:solidFill>
-                <a:latin typeface="+mn-lt"/>
-                <a:ea typeface="+mn-ea"/>
-                <a:cs typeface="+mn-cs"/>
-              </a:rPr>
-              <a:t>		</a:t>
-            </a:r>
-            <a:r>
-              <a:rPr lang="zh-CN" altLang="en-US" sz="1200" kern="1200" smtClean="0">
-                <a:solidFill>
-                  <a:schemeClr val="tx1"/>
-                </a:solidFill>
-                <a:latin typeface="+mn-lt"/>
-                <a:ea typeface="+mn-ea"/>
-                <a:cs typeface="+mn-cs"/>
-              </a:rPr>
-              <a:t>期内用户期内分成</a:t>
-            </a:r>
-            <a:r>
-              <a:rPr lang="en-US" altLang="zh-CN" sz="1200" kern="1200" smtClean="0">
-                <a:solidFill>
-                  <a:schemeClr val="tx1"/>
-                </a:solidFill>
-                <a:latin typeface="+mn-lt"/>
-                <a:ea typeface="+mn-ea"/>
-                <a:cs typeface="+mn-cs"/>
-              </a:rPr>
-              <a:t>/</a:t>
-            </a:r>
-            <a:r>
-              <a:rPr lang="zh-CN" altLang="en-US" sz="1200" kern="1200" smtClean="0">
-                <a:solidFill>
-                  <a:schemeClr val="tx1"/>
-                </a:solidFill>
-                <a:latin typeface="+mn-lt"/>
-                <a:ea typeface="+mn-ea"/>
-                <a:cs typeface="+mn-cs"/>
-              </a:rPr>
-              <a:t>累计成本</a:t>
-            </a:r>
-            <a:r>
-              <a:rPr lang="en-US" altLang="zh-CN" sz="1200" kern="1200" smtClean="0">
-                <a:solidFill>
-                  <a:schemeClr val="tx1"/>
-                </a:solidFill>
-                <a:latin typeface="+mn-lt"/>
-                <a:ea typeface="+mn-ea"/>
-                <a:cs typeface="+mn-cs"/>
-              </a:rPr>
-              <a:t>.</a:t>
-            </a:r>
-          </a:p>
-          <a:p>
-            <a:endParaRPr lang="en-US" altLang="zh-CN" sz="1200" kern="1200" smtClean="0">
-              <a:solidFill>
-                <a:schemeClr val="tx1"/>
-              </a:solidFill>
-              <a:latin typeface="+mn-lt"/>
-              <a:ea typeface="+mn-ea"/>
-              <a:cs typeface="+mn-cs"/>
-            </a:endParaRPr>
-          </a:p>
-          <a:p>
-            <a:r>
-              <a:rPr lang="zh-CN" altLang="en-US" sz="1200" kern="1200" smtClean="0">
-                <a:solidFill>
-                  <a:schemeClr val="tx1"/>
-                </a:solidFill>
-                <a:latin typeface="+mn-lt"/>
-                <a:ea typeface="+mn-ea"/>
-                <a:cs typeface="+mn-cs"/>
-              </a:rPr>
-              <a:t>渠道商账号效果</a:t>
-            </a:r>
-            <a:r>
-              <a:rPr lang="en-US" altLang="zh-CN" sz="1200" kern="1200" smtClean="0">
-                <a:solidFill>
-                  <a:schemeClr val="tx1"/>
-                </a:solidFill>
-                <a:latin typeface="+mn-lt"/>
-                <a:ea typeface="+mn-ea"/>
-                <a:cs typeface="+mn-cs"/>
-              </a:rPr>
-              <a:t>,</a:t>
-            </a:r>
-            <a:r>
-              <a:rPr lang="zh-CN" altLang="en-US" sz="1200" kern="1200" smtClean="0">
-                <a:solidFill>
-                  <a:schemeClr val="tx1"/>
-                </a:solidFill>
-                <a:latin typeface="+mn-lt"/>
-                <a:ea typeface="+mn-ea"/>
-                <a:cs typeface="+mn-cs"/>
-              </a:rPr>
-              <a:t>广告位效果</a:t>
-            </a:r>
-            <a:r>
-              <a:rPr lang="en-US" altLang="zh-CN" sz="1200" kern="1200" smtClean="0">
-                <a:solidFill>
-                  <a:schemeClr val="tx1"/>
-                </a:solidFill>
-                <a:latin typeface="+mn-lt"/>
-                <a:ea typeface="+mn-ea"/>
-                <a:cs typeface="+mn-cs"/>
-              </a:rPr>
-              <a:t>,</a:t>
-            </a:r>
-            <a:r>
-              <a:rPr lang="zh-CN" altLang="en-US" sz="1200" kern="1200" smtClean="0">
-                <a:solidFill>
-                  <a:schemeClr val="tx1"/>
-                </a:solidFill>
-                <a:latin typeface="+mn-lt"/>
-                <a:ea typeface="+mn-ea"/>
-                <a:cs typeface="+mn-cs"/>
-              </a:rPr>
-              <a:t>业务类型效果</a:t>
-            </a:r>
-            <a:r>
-              <a:rPr lang="en-US" altLang="zh-CN" sz="1200" kern="1200" smtClean="0">
-                <a:solidFill>
-                  <a:schemeClr val="tx1"/>
-                </a:solidFill>
-                <a:latin typeface="+mn-lt"/>
-                <a:ea typeface="+mn-ea"/>
-                <a:cs typeface="+mn-cs"/>
-              </a:rPr>
-              <a:t>:</a:t>
-            </a:r>
-          </a:p>
-          <a:p>
-            <a:r>
-              <a:rPr lang="zh-CN" altLang="en-US" sz="1200" kern="1200" smtClean="0">
-                <a:solidFill>
-                  <a:schemeClr val="tx1"/>
-                </a:solidFill>
-                <a:latin typeface="+mn-lt"/>
-                <a:ea typeface="+mn-ea"/>
-                <a:cs typeface="+mn-cs"/>
-              </a:rPr>
-              <a:t>跟按渠道是相同的计算方式</a:t>
-            </a:r>
-            <a:r>
-              <a:rPr lang="en-US" altLang="zh-CN" sz="1200" kern="1200" smtClean="0">
-                <a:solidFill>
-                  <a:schemeClr val="tx1"/>
-                </a:solidFill>
-                <a:latin typeface="+mn-lt"/>
-                <a:ea typeface="+mn-ea"/>
-                <a:cs typeface="+mn-cs"/>
-              </a:rPr>
-              <a:t>,</a:t>
-            </a:r>
-            <a:r>
-              <a:rPr lang="zh-CN" altLang="en-US" sz="1200" kern="1200" smtClean="0">
-                <a:solidFill>
-                  <a:schemeClr val="tx1"/>
-                </a:solidFill>
-                <a:latin typeface="+mn-lt"/>
-                <a:ea typeface="+mn-ea"/>
-                <a:cs typeface="+mn-cs"/>
-              </a:rPr>
-              <a:t>只是渠道是按照</a:t>
-            </a:r>
-            <a:r>
-              <a:rPr lang="en-US" altLang="zh-CN" sz="1200" kern="1200" smtClean="0">
-                <a:solidFill>
-                  <a:schemeClr val="tx1"/>
-                </a:solidFill>
-                <a:latin typeface="+mn-lt"/>
-                <a:ea typeface="+mn-ea"/>
-                <a:cs typeface="+mn-cs"/>
-              </a:rPr>
-              <a:t>channel_id</a:t>
-            </a:r>
-            <a:r>
-              <a:rPr lang="zh-CN" altLang="en-US" sz="1200" kern="1200" smtClean="0">
-                <a:solidFill>
-                  <a:schemeClr val="tx1"/>
-                </a:solidFill>
-                <a:latin typeface="+mn-lt"/>
-                <a:ea typeface="+mn-ea"/>
-                <a:cs typeface="+mn-cs"/>
-              </a:rPr>
-              <a:t>来分组</a:t>
-            </a:r>
-            <a:r>
-              <a:rPr lang="en-US" altLang="zh-CN" sz="1200" kern="1200" smtClean="0">
-                <a:solidFill>
-                  <a:schemeClr val="tx1"/>
-                </a:solidFill>
-                <a:latin typeface="+mn-lt"/>
-                <a:ea typeface="+mn-ea"/>
-                <a:cs typeface="+mn-cs"/>
-              </a:rPr>
-              <a:t>,</a:t>
-            </a:r>
-            <a:r>
-              <a:rPr lang="zh-CN" altLang="en-US" sz="1200" kern="1200" smtClean="0">
-                <a:solidFill>
-                  <a:schemeClr val="tx1"/>
-                </a:solidFill>
-                <a:latin typeface="+mn-lt"/>
-                <a:ea typeface="+mn-ea"/>
-                <a:cs typeface="+mn-cs"/>
-              </a:rPr>
-              <a:t>渠道商通过</a:t>
-            </a:r>
-            <a:r>
-              <a:rPr lang="en-US" altLang="zh-CN" sz="1200" kern="1200" smtClean="0">
-                <a:solidFill>
-                  <a:schemeClr val="tx1"/>
-                </a:solidFill>
-                <a:latin typeface="+mn-lt"/>
-                <a:ea typeface="+mn-ea"/>
-                <a:cs typeface="+mn-cs"/>
-              </a:rPr>
-              <a:t>user_name</a:t>
-            </a:r>
-            <a:r>
-              <a:rPr lang="zh-CN" altLang="en-US" sz="1200" kern="1200" smtClean="0">
-                <a:solidFill>
-                  <a:schemeClr val="tx1"/>
-                </a:solidFill>
-                <a:latin typeface="+mn-lt"/>
-                <a:ea typeface="+mn-ea"/>
-                <a:cs typeface="+mn-cs"/>
-              </a:rPr>
-              <a:t>来分组</a:t>
-            </a:r>
-            <a:r>
-              <a:rPr lang="en-US" altLang="zh-CN" sz="1200" kern="1200" smtClean="0">
-                <a:solidFill>
-                  <a:schemeClr val="tx1"/>
-                </a:solidFill>
-                <a:latin typeface="+mn-lt"/>
-                <a:ea typeface="+mn-ea"/>
-                <a:cs typeface="+mn-cs"/>
-              </a:rPr>
-              <a:t>,</a:t>
-            </a:r>
-            <a:r>
-              <a:rPr lang="zh-CN" altLang="en-US" sz="1200" kern="1200" smtClean="0">
-                <a:solidFill>
-                  <a:schemeClr val="tx1"/>
-                </a:solidFill>
-                <a:latin typeface="+mn-lt"/>
-                <a:ea typeface="+mn-ea"/>
-                <a:cs typeface="+mn-cs"/>
-              </a:rPr>
-              <a:t>业务类型通过</a:t>
-            </a:r>
-            <a:r>
-              <a:rPr lang="en-US" altLang="zh-CN" sz="1200" kern="1200" smtClean="0">
-                <a:solidFill>
-                  <a:schemeClr val="tx1"/>
-                </a:solidFill>
-                <a:latin typeface="+mn-lt"/>
-                <a:ea typeface="+mn-ea"/>
-                <a:cs typeface="+mn-cs"/>
-              </a:rPr>
-              <a:t>register_type</a:t>
-            </a:r>
-            <a:r>
-              <a:rPr lang="zh-CN" altLang="en-US" sz="1200" kern="1200" smtClean="0">
-                <a:solidFill>
-                  <a:schemeClr val="tx1"/>
-                </a:solidFill>
-                <a:latin typeface="+mn-lt"/>
-                <a:ea typeface="+mn-ea"/>
-                <a:cs typeface="+mn-cs"/>
-              </a:rPr>
-              <a:t>来分组</a:t>
-            </a:r>
-            <a:r>
-              <a:rPr lang="en-US" altLang="zh-CN" sz="1200" kern="1200" smtClean="0">
-                <a:solidFill>
-                  <a:schemeClr val="tx1"/>
-                </a:solidFill>
-                <a:latin typeface="+mn-lt"/>
-                <a:ea typeface="+mn-ea"/>
-                <a:cs typeface="+mn-cs"/>
-              </a:rPr>
-              <a:t>,</a:t>
-            </a:r>
-            <a:r>
-              <a:rPr lang="zh-CN" altLang="en-US" sz="1200" kern="1200" smtClean="0">
-                <a:solidFill>
-                  <a:schemeClr val="tx1"/>
-                </a:solidFill>
-                <a:latin typeface="+mn-lt"/>
-                <a:ea typeface="+mn-ea"/>
-                <a:cs typeface="+mn-cs"/>
-              </a:rPr>
-              <a:t>广告位通过</a:t>
-            </a:r>
-            <a:r>
-              <a:rPr lang="en-US" altLang="zh-CN" sz="1200" kern="1200" smtClean="0">
-                <a:solidFill>
-                  <a:schemeClr val="tx1"/>
-                </a:solidFill>
-                <a:latin typeface="+mn-lt"/>
-                <a:ea typeface="+mn-ea"/>
-                <a:cs typeface="+mn-cs"/>
-              </a:rPr>
-              <a:t>adv_position_id</a:t>
-            </a:r>
-            <a:r>
-              <a:rPr lang="zh-CN" altLang="en-US" sz="1200" kern="1200" smtClean="0">
-                <a:solidFill>
-                  <a:schemeClr val="tx1"/>
-                </a:solidFill>
-                <a:latin typeface="+mn-lt"/>
-                <a:ea typeface="+mn-ea"/>
-                <a:cs typeface="+mn-cs"/>
-              </a:rPr>
-              <a:t>来分组</a:t>
-            </a:r>
-            <a:r>
-              <a:rPr lang="en-US" altLang="zh-CN" sz="1200" kern="1200" smtClean="0">
-                <a:solidFill>
-                  <a:schemeClr val="tx1"/>
-                </a:solidFill>
-                <a:latin typeface="+mn-lt"/>
-                <a:ea typeface="+mn-ea"/>
-                <a:cs typeface="+mn-cs"/>
-              </a:rPr>
-              <a:t>,</a:t>
-            </a:r>
-            <a:r>
-              <a:rPr lang="zh-CN" altLang="en-US" sz="1200" kern="1200" smtClean="0">
-                <a:solidFill>
-                  <a:schemeClr val="tx1"/>
-                </a:solidFill>
-                <a:latin typeface="+mn-lt"/>
-                <a:ea typeface="+mn-ea"/>
-                <a:cs typeface="+mn-cs"/>
-              </a:rPr>
-              <a:t>计算得出的数据维度不同</a:t>
-            </a:r>
-            <a:r>
-              <a:rPr lang="en-US" altLang="zh-CN" sz="1200" kern="1200" smtClean="0">
-                <a:solidFill>
-                  <a:schemeClr val="tx1"/>
-                </a:solidFill>
-                <a:latin typeface="+mn-lt"/>
-                <a:ea typeface="+mn-ea"/>
-                <a:cs typeface="+mn-cs"/>
-              </a:rPr>
-              <a:t>,</a:t>
-            </a:r>
-            <a:r>
-              <a:rPr lang="zh-CN" altLang="en-US" sz="1200" kern="1200" smtClean="0">
-                <a:solidFill>
-                  <a:schemeClr val="tx1"/>
-                </a:solidFill>
-                <a:latin typeface="+mn-lt"/>
-                <a:ea typeface="+mn-ea"/>
-                <a:cs typeface="+mn-cs"/>
-              </a:rPr>
-              <a:t>最后相关数据相加</a:t>
-            </a:r>
-            <a:r>
-              <a:rPr lang="en-US" altLang="zh-CN" sz="1200" kern="1200" smtClean="0">
+              <a:rPr lang="en-US" altLang="zh-CN" sz="1200" kern="1200">
                 <a:solidFill>
                   <a:schemeClr val="tx1"/>
                 </a:solidFill>
@@ -4355,7 +2483,1827 @@
             </a:endParaRPr>
           </a:p>
           <a:p>
-            <a:endParaRPr lang="en-US" altLang="zh-CN" sz="1200" kern="1200" smtClean="0">
+            <a:r>
+              <a:rPr lang="en-US" altLang="zh-CN" sz="1200" kern="1200">
+                <a:solidFill>
+                  <a:schemeClr val="tx1"/>
+                </a:solidFill>
+                <a:latin typeface="+mn-lt"/>
+                <a:ea typeface="+mn-ea"/>
+                <a:cs typeface="+mn-cs"/>
+              </a:rPr>
+              <a:t>//</a:t>
+            </a:r>
+            <a:r>
+              <a:rPr lang="zh-CN" altLang="en-US" sz="1200" kern="1200">
+                <a:solidFill>
+                  <a:schemeClr val="tx1"/>
+                </a:solidFill>
+                <a:latin typeface="+mn-lt"/>
+                <a:ea typeface="+mn-ea"/>
+                <a:cs typeface="+mn-cs"/>
+              </a:rPr>
+              <a:t>修改后</a:t>
+            </a:r>
+            <a:endParaRPr lang="en-US" altLang="zh-CN" sz="1200" kern="1200">
+              <a:solidFill>
+                <a:schemeClr val="tx1"/>
+              </a:solidFill>
+              <a:latin typeface="+mn-lt"/>
+              <a:ea typeface="+mn-ea"/>
+              <a:cs typeface="+mn-cs"/>
+            </a:endParaRPr>
+          </a:p>
+          <a:p>
+            <a:r>
+              <a:rPr lang="zh-CN" altLang="en-US" sz="1200" kern="1200">
+                <a:solidFill>
+                  <a:schemeClr val="tx1"/>
+                </a:solidFill>
+                <a:latin typeface="+mn-lt"/>
+                <a:ea typeface="+mn-ea"/>
+                <a:cs typeface="+mn-cs"/>
+              </a:rPr>
+              <a:t>渠道</a:t>
+            </a:r>
+            <a:r>
+              <a:rPr lang="en-US" altLang="zh-CN" sz="1200" kern="1200">
+                <a:solidFill>
+                  <a:schemeClr val="tx1"/>
+                </a:solidFill>
+                <a:latin typeface="+mn-lt"/>
+                <a:ea typeface="+mn-ea"/>
+                <a:cs typeface="+mn-cs"/>
+              </a:rPr>
+              <a:t>:</a:t>
+            </a:r>
+          </a:p>
+          <a:p>
+            <a:endParaRPr lang="en-US" altLang="zh-CN" sz="1200" kern="1200">
+              <a:solidFill>
+                <a:schemeClr val="tx1"/>
+              </a:solidFill>
+              <a:latin typeface="+mn-lt"/>
+              <a:ea typeface="+mn-ea"/>
+              <a:cs typeface="+mn-cs"/>
+            </a:endParaRPr>
+          </a:p>
+          <a:p>
+            <a:r>
+              <a:rPr lang="zh-CN" altLang="en-US" sz="1200" kern="1200">
+                <a:solidFill>
+                  <a:schemeClr val="tx1"/>
+                </a:solidFill>
+                <a:latin typeface="+mn-lt"/>
+                <a:ea typeface="+mn-ea"/>
+                <a:cs typeface="+mn-cs"/>
+              </a:rPr>
+              <a:t>历史累计用户期内投产数据</a:t>
+            </a:r>
+            <a:r>
+              <a:rPr lang="en-US" altLang="zh-CN" sz="1200" kern="1200">
+                <a:solidFill>
+                  <a:schemeClr val="tx1"/>
+                </a:solidFill>
+                <a:latin typeface="+mn-lt"/>
+                <a:ea typeface="+mn-ea"/>
+                <a:cs typeface="+mn-cs"/>
+              </a:rPr>
+              <a:t>:(</a:t>
+            </a:r>
+            <a:r>
+              <a:rPr lang="zh-CN" altLang="en-US" sz="1200" kern="1200">
+                <a:solidFill>
+                  <a:schemeClr val="tx1"/>
+                </a:solidFill>
+                <a:latin typeface="+mn-lt"/>
+                <a:ea typeface="+mn-ea"/>
+                <a:cs typeface="+mn-cs"/>
+              </a:rPr>
+              <a:t>以下三个数据都是以指定时间段为基础的</a:t>
+            </a:r>
+            <a:r>
+              <a:rPr lang="en-US" altLang="zh-CN" sz="1200" kern="1200">
+                <a:solidFill>
+                  <a:schemeClr val="tx1"/>
+                </a:solidFill>
+                <a:latin typeface="+mn-lt"/>
+                <a:ea typeface="+mn-ea"/>
+                <a:cs typeface="+mn-cs"/>
+              </a:rPr>
+              <a:t>,</a:t>
+            </a:r>
+            <a:r>
+              <a:rPr lang="zh-CN" altLang="en-US" sz="1200" kern="1200">
+                <a:solidFill>
+                  <a:schemeClr val="tx1"/>
+                </a:solidFill>
+                <a:latin typeface="+mn-lt"/>
+                <a:ea typeface="+mn-ea"/>
+                <a:cs typeface="+mn-cs"/>
+              </a:rPr>
+              <a:t>以</a:t>
+            </a:r>
+            <a:r>
+              <a:rPr lang="en-US" altLang="zh-CN" sz="1200" kern="1200">
+                <a:solidFill>
+                  <a:schemeClr val="tx1"/>
+                </a:solidFill>
+                <a:latin typeface="+mn-lt"/>
+                <a:ea typeface="+mn-ea"/>
+                <a:cs typeface="+mn-cs"/>
+              </a:rPr>
+              <a:t>adv_position_data</a:t>
+            </a:r>
+            <a:r>
+              <a:rPr lang="zh-CN" altLang="en-US" sz="1200" kern="1200">
+                <a:solidFill>
+                  <a:schemeClr val="tx1"/>
+                </a:solidFill>
+                <a:latin typeface="+mn-lt"/>
+                <a:ea typeface="+mn-ea"/>
+                <a:cs typeface="+mn-cs"/>
+              </a:rPr>
+              <a:t>中的</a:t>
+            </a:r>
+            <a:r>
+              <a:rPr lang="en-US" altLang="zh-CN" sz="1200" kern="1200">
+                <a:solidFill>
+                  <a:schemeClr val="tx1"/>
+                </a:solidFill>
+                <a:latin typeface="+mn-lt"/>
+                <a:ea typeface="+mn-ea"/>
+                <a:cs typeface="+mn-cs"/>
+              </a:rPr>
+              <a:t>channel_id</a:t>
+            </a:r>
+            <a:r>
+              <a:rPr lang="zh-CN" altLang="en-US" sz="1200" kern="1200">
+                <a:solidFill>
+                  <a:schemeClr val="tx1"/>
+                </a:solidFill>
+                <a:latin typeface="+mn-lt"/>
+                <a:ea typeface="+mn-ea"/>
+                <a:cs typeface="+mn-cs"/>
+              </a:rPr>
+              <a:t>分组</a:t>
+            </a:r>
+            <a:r>
+              <a:rPr lang="en-US" altLang="zh-CN" sz="1200" kern="1200">
+                <a:solidFill>
+                  <a:schemeClr val="tx1"/>
+                </a:solidFill>
+                <a:latin typeface="+mn-lt"/>
+                <a:ea typeface="+mn-ea"/>
+                <a:cs typeface="+mn-cs"/>
+              </a:rPr>
+              <a:t>,</a:t>
+            </a:r>
+            <a:r>
+              <a:rPr lang="zh-CN" altLang="en-US" sz="1200" kern="1200">
+                <a:solidFill>
+                  <a:schemeClr val="tx1"/>
+                </a:solidFill>
+                <a:latin typeface="+mn-lt"/>
+                <a:ea typeface="+mn-ea"/>
+                <a:cs typeface="+mn-cs"/>
+              </a:rPr>
+              <a:t>以广告位的维度</a:t>
+            </a:r>
+            <a:r>
+              <a:rPr lang="en-US" altLang="zh-CN" sz="1200" kern="1200">
+                <a:solidFill>
+                  <a:schemeClr val="tx1"/>
+                </a:solidFill>
+                <a:latin typeface="+mn-lt"/>
+                <a:ea typeface="+mn-ea"/>
+                <a:cs typeface="+mn-cs"/>
+              </a:rPr>
+              <a:t>)</a:t>
+            </a:r>
+          </a:p>
+          <a:p>
+            <a:r>
+              <a:rPr lang="en-US" altLang="zh-CN" sz="1200" kern="1200">
+                <a:solidFill>
+                  <a:schemeClr val="tx1"/>
+                </a:solidFill>
+                <a:latin typeface="+mn-lt"/>
+                <a:ea typeface="+mn-ea"/>
+                <a:cs typeface="+mn-cs"/>
+              </a:rPr>
+              <a:t>	</a:t>
+            </a:r>
+            <a:r>
+              <a:rPr lang="zh-CN" altLang="en-US" sz="1200" kern="1200">
+                <a:solidFill>
+                  <a:schemeClr val="tx1"/>
+                </a:solidFill>
+                <a:latin typeface="+mn-lt"/>
+                <a:ea typeface="+mn-ea"/>
+                <a:cs typeface="+mn-cs"/>
+              </a:rPr>
+              <a:t>累计充值</a:t>
+            </a:r>
+            <a:r>
+              <a:rPr lang="en-US" altLang="zh-CN" sz="1200" kern="1200">
+                <a:solidFill>
+                  <a:schemeClr val="tx1"/>
+                </a:solidFill>
+                <a:latin typeface="+mn-lt"/>
+                <a:ea typeface="+mn-ea"/>
+                <a:cs typeface="+mn-cs"/>
+              </a:rPr>
+              <a:t>(</a:t>
+            </a:r>
+            <a:r>
+              <a:rPr lang="zh-CN" altLang="en-US" sz="1200" kern="1200">
+                <a:solidFill>
+                  <a:schemeClr val="tx1"/>
+                </a:solidFill>
+                <a:latin typeface="+mn-lt"/>
+                <a:ea typeface="+mn-ea"/>
+                <a:cs typeface="+mn-cs"/>
+              </a:rPr>
+              <a:t>用户</a:t>
+            </a:r>
+            <a:r>
+              <a:rPr lang="en-US" altLang="zh-CN" sz="1200" kern="1200">
+                <a:solidFill>
+                  <a:schemeClr val="tx1"/>
+                </a:solidFill>
+                <a:latin typeface="+mn-lt"/>
+                <a:ea typeface="+mn-ea"/>
+                <a:cs typeface="+mn-cs"/>
+              </a:rPr>
+              <a:t>):$all['total_user_period_pay_sum']  </a:t>
+            </a:r>
+          </a:p>
+          <a:p>
+            <a:r>
+              <a:rPr lang="en-US" altLang="zh-CN" sz="1200" kern="1200">
+                <a:solidFill>
+                  <a:schemeClr val="tx1"/>
+                </a:solidFill>
+                <a:latin typeface="+mn-lt"/>
+                <a:ea typeface="+mn-ea"/>
+                <a:cs typeface="+mn-cs"/>
+              </a:rPr>
+              <a:t>		</a:t>
+            </a:r>
+            <a:r>
+              <a:rPr lang="zh-CN" altLang="en-US" sz="1200" kern="1200">
+                <a:solidFill>
+                  <a:schemeClr val="tx1"/>
+                </a:solidFill>
+                <a:latin typeface="+mn-lt"/>
+                <a:ea typeface="+mn-ea"/>
+                <a:cs typeface="+mn-cs"/>
+              </a:rPr>
+              <a:t>期内累计充值金额 </a:t>
+            </a:r>
+            <a:r>
+              <a:rPr lang="en-US" altLang="zh-CN" sz="1200" kern="1200">
+                <a:solidFill>
+                  <a:schemeClr val="tx1"/>
+                </a:solidFill>
+                <a:latin typeface="+mn-lt"/>
+                <a:ea typeface="+mn-ea"/>
+                <a:cs typeface="+mn-cs"/>
+              </a:rPr>
+              <a:t>SUM(think_adv_position_data.pay_sum) </a:t>
+            </a:r>
+            <a:r>
+              <a:rPr lang="zh-CN" altLang="en-US" sz="1200" kern="1200">
+                <a:solidFill>
+                  <a:schemeClr val="tx1"/>
+                </a:solidFill>
+                <a:latin typeface="+mn-lt"/>
+                <a:ea typeface="+mn-ea"/>
+                <a:cs typeface="+mn-cs"/>
+              </a:rPr>
+              <a:t>再将所有广告位的用户付费金额相加</a:t>
+            </a:r>
+          </a:p>
+          <a:p>
+            <a:endParaRPr lang="zh-CN" altLang="en-US" sz="1200" kern="1200">
+              <a:solidFill>
+                <a:schemeClr val="tx1"/>
+              </a:solidFill>
+              <a:latin typeface="+mn-lt"/>
+              <a:ea typeface="+mn-ea"/>
+              <a:cs typeface="+mn-cs"/>
+            </a:endParaRPr>
+          </a:p>
+          <a:p>
+            <a:r>
+              <a:rPr lang="zh-CN" altLang="en-US" sz="1200" kern="1200">
+                <a:solidFill>
+                  <a:schemeClr val="tx1"/>
+                </a:solidFill>
+                <a:latin typeface="+mn-lt"/>
+                <a:ea typeface="+mn-ea"/>
+                <a:cs typeface="+mn-cs"/>
+              </a:rPr>
+              <a:t>	累计分成</a:t>
+            </a:r>
+            <a:r>
+              <a:rPr lang="en-US" altLang="zh-CN" sz="1200" kern="1200">
+                <a:solidFill>
+                  <a:schemeClr val="tx1"/>
+                </a:solidFill>
+                <a:latin typeface="+mn-lt"/>
+                <a:ea typeface="+mn-ea"/>
+                <a:cs typeface="+mn-cs"/>
+              </a:rPr>
+              <a:t>:$all['total_user_period_game_divide_money'] </a:t>
+            </a:r>
+            <a:r>
+              <a:rPr lang="zh-CN" altLang="en-US" sz="1200" kern="1200">
+                <a:solidFill>
+                  <a:schemeClr val="tx1"/>
+                </a:solidFill>
+                <a:latin typeface="+mn-lt"/>
+                <a:ea typeface="+mn-ea"/>
+                <a:cs typeface="+mn-cs"/>
+              </a:rPr>
+              <a:t>将所有广告位的投入金额相加</a:t>
+            </a:r>
+          </a:p>
+          <a:p>
+            <a:r>
+              <a:rPr lang="zh-CN" altLang="en-US" sz="1200" kern="1200">
+                <a:solidFill>
+                  <a:schemeClr val="tx1"/>
+                </a:solidFill>
+                <a:latin typeface="+mn-lt"/>
+                <a:ea typeface="+mn-ea"/>
+                <a:cs typeface="+mn-cs"/>
+              </a:rPr>
+              <a:t>		按照指定时间段</a:t>
+            </a:r>
+            <a:r>
+              <a:rPr lang="en-US" altLang="zh-CN" sz="1200" kern="1200">
+                <a:solidFill>
+                  <a:schemeClr val="tx1"/>
+                </a:solidFill>
+                <a:latin typeface="+mn-lt"/>
+                <a:ea typeface="+mn-ea"/>
+                <a:cs typeface="+mn-cs"/>
+              </a:rPr>
+              <a:t>,	</a:t>
+            </a:r>
+            <a:r>
+              <a:rPr lang="zh-CN" altLang="en-US" sz="1200" kern="1200">
+                <a:solidFill>
+                  <a:schemeClr val="tx1"/>
+                </a:solidFill>
+                <a:latin typeface="+mn-lt"/>
+                <a:ea typeface="+mn-ea"/>
+                <a:cs typeface="+mn-cs"/>
+              </a:rPr>
+              <a:t>根据是否为</a:t>
+            </a:r>
+            <a:r>
+              <a:rPr lang="en-US" altLang="zh-CN" sz="1200" kern="1200">
+                <a:solidFill>
+                  <a:schemeClr val="tx1"/>
+                </a:solidFill>
+                <a:latin typeface="+mn-lt"/>
+                <a:ea typeface="+mn-ea"/>
+                <a:cs typeface="+mn-cs"/>
+              </a:rPr>
+              <a:t>yingyongbaoyishi</a:t>
+            </a:r>
+            <a:r>
+              <a:rPr lang="zh-CN" altLang="en-US" sz="1200" kern="1200">
+                <a:solidFill>
+                  <a:schemeClr val="tx1"/>
+                </a:solidFill>
+                <a:latin typeface="+mn-lt"/>
+                <a:ea typeface="+mn-ea"/>
+                <a:cs typeface="+mn-cs"/>
+              </a:rPr>
+              <a:t>和</a:t>
+            </a:r>
+            <a:r>
+              <a:rPr lang="en-US" altLang="zh-CN" sz="1200" kern="1200">
+                <a:solidFill>
+                  <a:schemeClr val="tx1"/>
+                </a:solidFill>
+                <a:latin typeface="+mn-lt"/>
+                <a:ea typeface="+mn-ea"/>
+                <a:cs typeface="+mn-cs"/>
+              </a:rPr>
+              <a:t>is_gdt</a:t>
+            </a:r>
+            <a:r>
+              <a:rPr lang="zh-CN" altLang="en-US" sz="1200" kern="1200">
+                <a:solidFill>
+                  <a:schemeClr val="tx1"/>
+                </a:solidFill>
+                <a:latin typeface="+mn-lt"/>
+                <a:ea typeface="+mn-ea"/>
+                <a:cs typeface="+mn-cs"/>
+              </a:rPr>
+              <a:t>还有渠道所属的渠道商的业务类型来判断分成</a:t>
+            </a:r>
+            <a:r>
+              <a:rPr lang="en-US" altLang="zh-CN" sz="1200" kern="1200">
+                <a:solidFill>
+                  <a:schemeClr val="tx1"/>
+                </a:solidFill>
+                <a:latin typeface="+mn-lt"/>
+                <a:ea typeface="+mn-ea"/>
+                <a:cs typeface="+mn-cs"/>
+              </a:rPr>
+              <a:t>(</a:t>
+            </a:r>
+            <a:r>
+              <a:rPr lang="zh-CN" altLang="en-US" sz="1200" kern="1200">
+                <a:solidFill>
+                  <a:schemeClr val="tx1"/>
+                </a:solidFill>
+                <a:latin typeface="+mn-lt"/>
+                <a:ea typeface="+mn-ea"/>
+                <a:cs typeface="+mn-cs"/>
+              </a:rPr>
+              <a:t>对应一条广告位</a:t>
+            </a:r>
+            <a:r>
+              <a:rPr lang="en-US" altLang="zh-CN" sz="1200" kern="1200">
+                <a:solidFill>
+                  <a:schemeClr val="tx1"/>
+                </a:solidFill>
+                <a:latin typeface="+mn-lt"/>
+                <a:ea typeface="+mn-ea"/>
+                <a:cs typeface="+mn-cs"/>
+              </a:rPr>
+              <a:t>,</a:t>
+            </a:r>
+            <a:r>
+              <a:rPr lang="zh-CN" altLang="en-US" sz="1200" kern="1200">
+                <a:solidFill>
+                  <a:schemeClr val="tx1"/>
+                </a:solidFill>
+                <a:latin typeface="+mn-lt"/>
+                <a:ea typeface="+mn-ea"/>
+                <a:cs typeface="+mn-cs"/>
+              </a:rPr>
+              <a:t>然后将所有广告位都加进来得到累计分成</a:t>
+            </a:r>
+            <a:r>
+              <a:rPr lang="en-US" altLang="zh-CN" sz="1200" kern="1200">
+                <a:solidFill>
+                  <a:schemeClr val="tx1"/>
+                </a:solidFill>
+                <a:latin typeface="+mn-lt"/>
+                <a:ea typeface="+mn-ea"/>
+                <a:cs typeface="+mn-cs"/>
+              </a:rPr>
+              <a:t>)		</a:t>
+            </a:r>
+          </a:p>
+          <a:p>
+            <a:endParaRPr lang="en-US" altLang="zh-CN" sz="1200" kern="1200">
+              <a:solidFill>
+                <a:schemeClr val="tx1"/>
+              </a:solidFill>
+              <a:latin typeface="+mn-lt"/>
+              <a:ea typeface="+mn-ea"/>
+              <a:cs typeface="+mn-cs"/>
+            </a:endParaRPr>
+          </a:p>
+          <a:p>
+            <a:r>
+              <a:rPr lang="en-US" altLang="zh-CN" sz="1200" kern="1200">
+                <a:solidFill>
+                  <a:schemeClr val="tx1"/>
+                </a:solidFill>
+                <a:latin typeface="+mn-lt"/>
+                <a:ea typeface="+mn-ea"/>
+                <a:cs typeface="+mn-cs"/>
+              </a:rPr>
+              <a:t>	</a:t>
+            </a:r>
+            <a:r>
+              <a:rPr lang="zh-CN" altLang="en-US" sz="1200" kern="1200">
+                <a:solidFill>
+                  <a:schemeClr val="tx1"/>
+                </a:solidFill>
+                <a:latin typeface="+mn-lt"/>
+                <a:ea typeface="+mn-ea"/>
+                <a:cs typeface="+mn-cs"/>
+              </a:rPr>
+              <a:t>累计成本</a:t>
+            </a:r>
+            <a:r>
+              <a:rPr lang="en-US" altLang="zh-CN" sz="1200" kern="1200">
+                <a:solidFill>
+                  <a:schemeClr val="tx1"/>
+                </a:solidFill>
+                <a:latin typeface="+mn-lt"/>
+                <a:ea typeface="+mn-ea"/>
+                <a:cs typeface="+mn-cs"/>
+              </a:rPr>
+              <a:t>:</a:t>
+            </a:r>
+          </a:p>
+          <a:p>
+            <a:r>
+              <a:rPr lang="en-US" altLang="zh-CN" sz="1200" kern="1200">
+                <a:solidFill>
+                  <a:schemeClr val="tx1"/>
+                </a:solidFill>
+                <a:latin typeface="+mn-lt"/>
+                <a:ea typeface="+mn-ea"/>
+                <a:cs typeface="+mn-cs"/>
+              </a:rPr>
+              <a:t>		SUM(think_adv_position_data.divide_money),</a:t>
+            </a:r>
+            <a:r>
+              <a:rPr lang="zh-CN" altLang="en-US" sz="1200" kern="1200">
+                <a:solidFill>
+                  <a:schemeClr val="tx1"/>
+                </a:solidFill>
+                <a:latin typeface="+mn-lt"/>
+                <a:ea typeface="+mn-ea"/>
+                <a:cs typeface="+mn-cs"/>
+              </a:rPr>
+              <a:t>指定时间段内投入金额</a:t>
+            </a:r>
+            <a:r>
+              <a:rPr lang="en-US" altLang="zh-CN" sz="1200" kern="1200">
+                <a:solidFill>
+                  <a:schemeClr val="tx1"/>
+                </a:solidFill>
+                <a:latin typeface="+mn-lt"/>
+                <a:ea typeface="+mn-ea"/>
+                <a:cs typeface="+mn-cs"/>
+              </a:rPr>
+              <a:t>,</a:t>
+            </a:r>
+            <a:r>
+              <a:rPr lang="zh-CN" altLang="en-US" sz="1200" kern="1200">
+                <a:solidFill>
+                  <a:schemeClr val="tx1"/>
+                </a:solidFill>
+                <a:latin typeface="+mn-lt"/>
+                <a:ea typeface="+mn-ea"/>
+                <a:cs typeface="+mn-cs"/>
+              </a:rPr>
+              <a:t>再将所有广告位的投入金额金额相加</a:t>
+            </a:r>
+          </a:p>
+          <a:p>
+            <a:endParaRPr lang="zh-CN" altLang="en-US" sz="1200" kern="1200">
+              <a:solidFill>
+                <a:schemeClr val="tx1"/>
+              </a:solidFill>
+              <a:latin typeface="+mn-lt"/>
+              <a:ea typeface="+mn-ea"/>
+              <a:cs typeface="+mn-cs"/>
+            </a:endParaRPr>
+          </a:p>
+          <a:p>
+            <a:r>
+              <a:rPr lang="zh-CN" altLang="en-US" sz="1200" kern="1200">
+                <a:solidFill>
+                  <a:schemeClr val="tx1"/>
+                </a:solidFill>
+                <a:latin typeface="+mn-lt"/>
+                <a:ea typeface="+mn-ea"/>
+                <a:cs typeface="+mn-cs"/>
+              </a:rPr>
+              <a:t>	累计回本</a:t>
+            </a:r>
+            <a:r>
+              <a:rPr lang="en-US" altLang="zh-CN" sz="1200" kern="1200">
+                <a:solidFill>
+                  <a:schemeClr val="tx1"/>
+                </a:solidFill>
+                <a:latin typeface="+mn-lt"/>
+                <a:ea typeface="+mn-ea"/>
+                <a:cs typeface="+mn-cs"/>
+              </a:rPr>
+              <a:t>:$all['total_back_rate']</a:t>
+            </a:r>
+          </a:p>
+          <a:p>
+            <a:r>
+              <a:rPr lang="en-US" altLang="zh-CN" sz="1200" kern="1200">
+                <a:solidFill>
+                  <a:schemeClr val="tx1"/>
+                </a:solidFill>
+                <a:latin typeface="+mn-lt"/>
+                <a:ea typeface="+mn-ea"/>
+                <a:cs typeface="+mn-cs"/>
+              </a:rPr>
+              <a:t>		</a:t>
+            </a:r>
+            <a:r>
+              <a:rPr lang="zh-CN" altLang="en-US" sz="1200" kern="1200">
+                <a:solidFill>
+                  <a:schemeClr val="tx1"/>
+                </a:solidFill>
+                <a:latin typeface="+mn-lt"/>
+                <a:ea typeface="+mn-ea"/>
+                <a:cs typeface="+mn-cs"/>
+              </a:rPr>
+              <a:t>累计回本</a:t>
+            </a:r>
+            <a:r>
+              <a:rPr lang="en-US" altLang="zh-CN" sz="1200" kern="1200">
+                <a:solidFill>
+                  <a:schemeClr val="tx1"/>
+                </a:solidFill>
+                <a:latin typeface="+mn-lt"/>
+                <a:ea typeface="+mn-ea"/>
+                <a:cs typeface="+mn-cs"/>
+              </a:rPr>
+              <a:t>(total_back_rate) = </a:t>
+            </a:r>
+            <a:r>
+              <a:rPr lang="zh-CN" altLang="en-US" sz="1200" kern="1200">
+                <a:solidFill>
+                  <a:schemeClr val="tx1"/>
+                </a:solidFill>
+                <a:latin typeface="+mn-lt"/>
+                <a:ea typeface="+mn-ea"/>
+                <a:cs typeface="+mn-cs"/>
+              </a:rPr>
+              <a:t>累计分成</a:t>
+            </a:r>
+            <a:r>
+              <a:rPr lang="en-US" altLang="zh-CN" sz="1200" kern="1200">
+                <a:solidFill>
+                  <a:schemeClr val="tx1"/>
+                </a:solidFill>
+                <a:latin typeface="+mn-lt"/>
+                <a:ea typeface="+mn-ea"/>
+                <a:cs typeface="+mn-cs"/>
+              </a:rPr>
+              <a:t>/</a:t>
+            </a:r>
+            <a:r>
+              <a:rPr lang="zh-CN" altLang="en-US" sz="1200" kern="1200">
+                <a:solidFill>
+                  <a:schemeClr val="tx1"/>
+                </a:solidFill>
+                <a:latin typeface="+mn-lt"/>
+                <a:ea typeface="+mn-ea"/>
+                <a:cs typeface="+mn-cs"/>
+              </a:rPr>
+              <a:t>累计成本	</a:t>
+            </a:r>
+          </a:p>
+          <a:p>
+            <a:endParaRPr lang="zh-CN" altLang="en-US" sz="1200" kern="1200">
+              <a:solidFill>
+                <a:schemeClr val="tx1"/>
+              </a:solidFill>
+              <a:latin typeface="+mn-lt"/>
+              <a:ea typeface="+mn-ea"/>
+              <a:cs typeface="+mn-cs"/>
+            </a:endParaRPr>
+          </a:p>
+          <a:p>
+            <a:r>
+              <a:rPr lang="zh-CN" altLang="en-US" sz="1200" kern="1200">
+                <a:solidFill>
+                  <a:schemeClr val="tx1"/>
+                </a:solidFill>
+                <a:latin typeface="+mn-lt"/>
+                <a:ea typeface="+mn-ea"/>
+                <a:cs typeface="+mn-cs"/>
+              </a:rPr>
+              <a:t>	总回本率</a:t>
+            </a:r>
+            <a:r>
+              <a:rPr lang="en-US" altLang="zh-CN" sz="1200" kern="1200">
+                <a:solidFill>
+                  <a:schemeClr val="tx1"/>
+                </a:solidFill>
+                <a:latin typeface="+mn-lt"/>
+                <a:ea typeface="+mn-ea"/>
+                <a:cs typeface="+mn-cs"/>
+              </a:rPr>
+              <a:t>(</a:t>
+            </a:r>
+            <a:r>
+              <a:rPr lang="zh-CN" altLang="en-US" sz="1200" kern="1200">
+                <a:solidFill>
+                  <a:schemeClr val="tx1"/>
+                </a:solidFill>
+                <a:latin typeface="+mn-lt"/>
+                <a:ea typeface="+mn-ea"/>
+                <a:cs typeface="+mn-cs"/>
+              </a:rPr>
+              <a:t>历史累计回本</a:t>
+            </a:r>
+            <a:r>
+              <a:rPr lang="en-US" altLang="zh-CN" sz="1200" kern="1200">
+                <a:solidFill>
+                  <a:schemeClr val="tx1"/>
+                </a:solidFill>
+                <a:latin typeface="+mn-lt"/>
+                <a:ea typeface="+mn-ea"/>
+                <a:cs typeface="+mn-cs"/>
+              </a:rPr>
+              <a:t>):</a:t>
+            </a:r>
+          </a:p>
+          <a:p>
+            <a:r>
+              <a:rPr lang="en-US" altLang="zh-CN" sz="1200" kern="1200">
+                <a:solidFill>
+                  <a:schemeClr val="tx1"/>
+                </a:solidFill>
+                <a:latin typeface="+mn-lt"/>
+                <a:ea typeface="+mn-ea"/>
+                <a:cs typeface="+mn-cs"/>
+              </a:rPr>
+              <a:t>		</a:t>
+            </a:r>
+            <a:r>
+              <a:rPr lang="zh-CN" altLang="en-US" sz="1200" kern="1200">
+                <a:solidFill>
+                  <a:schemeClr val="tx1"/>
+                </a:solidFill>
+                <a:latin typeface="+mn-lt"/>
+                <a:ea typeface="+mn-ea"/>
+                <a:cs typeface="+mn-cs"/>
+              </a:rPr>
+              <a:t>先要查询历史用户累计成本、总分成</a:t>
+            </a:r>
+          </a:p>
+          <a:p>
+            <a:r>
+              <a:rPr lang="zh-CN" altLang="en-US" sz="1200" kern="1200">
+                <a:solidFill>
+                  <a:schemeClr val="tx1"/>
+                </a:solidFill>
+                <a:latin typeface="+mn-lt"/>
+                <a:ea typeface="+mn-ea"/>
+                <a:cs typeface="+mn-cs"/>
+              </a:rPr>
+              <a:t>			历史用户累计成本</a:t>
+            </a:r>
+            <a:r>
+              <a:rPr lang="en-US" altLang="zh-CN" sz="1200" kern="1200">
+                <a:solidFill>
+                  <a:schemeClr val="tx1"/>
+                </a:solidFill>
+                <a:latin typeface="+mn-lt"/>
+                <a:ea typeface="+mn-ea"/>
+                <a:cs typeface="+mn-cs"/>
+              </a:rPr>
+              <a:t>:</a:t>
+            </a:r>
+            <a:r>
+              <a:rPr lang="zh-CN" altLang="en-US" sz="1200" kern="1200">
+                <a:solidFill>
+                  <a:schemeClr val="tx1"/>
+                </a:solidFill>
+                <a:latin typeface="+mn-lt"/>
+                <a:ea typeface="+mn-ea"/>
+                <a:cs typeface="+mn-cs"/>
+              </a:rPr>
+              <a:t>重新查询上面的累计成本</a:t>
+            </a:r>
+            <a:r>
+              <a:rPr lang="en-US" altLang="zh-CN" sz="1200" kern="1200">
+                <a:solidFill>
+                  <a:schemeClr val="tx1"/>
+                </a:solidFill>
+                <a:latin typeface="+mn-lt"/>
+                <a:ea typeface="+mn-ea"/>
+                <a:cs typeface="+mn-cs"/>
+              </a:rPr>
+              <a:t>,</a:t>
+            </a:r>
+            <a:r>
+              <a:rPr lang="zh-CN" altLang="en-US" sz="1200" kern="1200">
+                <a:solidFill>
+                  <a:schemeClr val="tx1"/>
+                </a:solidFill>
+                <a:latin typeface="+mn-lt"/>
+                <a:ea typeface="+mn-ea"/>
+                <a:cs typeface="+mn-cs"/>
+              </a:rPr>
+              <a:t>将时间维度去掉</a:t>
+            </a:r>
+            <a:r>
+              <a:rPr lang="en-US" altLang="zh-CN" sz="1200" kern="1200">
+                <a:solidFill>
+                  <a:schemeClr val="tx1"/>
+                </a:solidFill>
+                <a:latin typeface="+mn-lt"/>
+                <a:ea typeface="+mn-ea"/>
+                <a:cs typeface="+mn-cs"/>
+              </a:rPr>
+              <a:t>,</a:t>
+            </a:r>
+            <a:r>
+              <a:rPr lang="zh-CN" altLang="en-US" sz="1200" kern="1200">
+                <a:solidFill>
+                  <a:schemeClr val="tx1"/>
+                </a:solidFill>
+                <a:latin typeface="+mn-lt"/>
+                <a:ea typeface="+mn-ea"/>
+                <a:cs typeface="+mn-cs"/>
+              </a:rPr>
+              <a:t>得到渠道下所有游戏成本</a:t>
+            </a:r>
+            <a:r>
+              <a:rPr lang="en-US" altLang="zh-CN" sz="1200" kern="1200">
+                <a:solidFill>
+                  <a:schemeClr val="tx1"/>
+                </a:solidFill>
+                <a:latin typeface="+mn-lt"/>
+                <a:ea typeface="+mn-ea"/>
+                <a:cs typeface="+mn-cs"/>
+              </a:rPr>
+              <a:t>.</a:t>
+            </a:r>
+          </a:p>
+          <a:p>
+            <a:r>
+              <a:rPr lang="en-US" altLang="zh-CN" sz="1200" kern="1200">
+                <a:solidFill>
+                  <a:schemeClr val="tx1"/>
+                </a:solidFill>
+                <a:latin typeface="+mn-lt"/>
+                <a:ea typeface="+mn-ea"/>
+                <a:cs typeface="+mn-cs"/>
+              </a:rPr>
+              <a:t>			</a:t>
+            </a:r>
+            <a:r>
+              <a:rPr lang="zh-CN" altLang="en-US" sz="1200" kern="1200">
+                <a:solidFill>
+                  <a:schemeClr val="tx1"/>
+                </a:solidFill>
+                <a:latin typeface="+mn-lt"/>
+                <a:ea typeface="+mn-ea"/>
+                <a:cs typeface="+mn-cs"/>
+              </a:rPr>
+              <a:t>历史用户总分成</a:t>
+            </a:r>
+            <a:r>
+              <a:rPr lang="en-US" altLang="zh-CN" sz="1200" kern="1200">
+                <a:solidFill>
+                  <a:schemeClr val="tx1"/>
+                </a:solidFill>
+                <a:latin typeface="+mn-lt"/>
+                <a:ea typeface="+mn-ea"/>
+                <a:cs typeface="+mn-cs"/>
+              </a:rPr>
+              <a:t>:</a:t>
+            </a:r>
+            <a:r>
+              <a:rPr lang="zh-CN" altLang="en-US" sz="1200" kern="1200">
+                <a:solidFill>
+                  <a:schemeClr val="tx1"/>
+                </a:solidFill>
+                <a:latin typeface="+mn-lt"/>
+                <a:ea typeface="+mn-ea"/>
+                <a:cs typeface="+mn-cs"/>
+              </a:rPr>
+              <a:t>重新查询上面的累计分成</a:t>
+            </a:r>
+            <a:r>
+              <a:rPr lang="en-US" altLang="zh-CN" sz="1200" kern="1200">
+                <a:solidFill>
+                  <a:schemeClr val="tx1"/>
+                </a:solidFill>
+                <a:latin typeface="+mn-lt"/>
+                <a:ea typeface="+mn-ea"/>
+                <a:cs typeface="+mn-cs"/>
+              </a:rPr>
+              <a:t>,</a:t>
+            </a:r>
+            <a:r>
+              <a:rPr lang="zh-CN" altLang="en-US" sz="1200" kern="1200">
+                <a:solidFill>
+                  <a:schemeClr val="tx1"/>
+                </a:solidFill>
+                <a:latin typeface="+mn-lt"/>
+                <a:ea typeface="+mn-ea"/>
+                <a:cs typeface="+mn-cs"/>
+              </a:rPr>
+              <a:t>将时间维度去掉</a:t>
+            </a:r>
+            <a:r>
+              <a:rPr lang="en-US" altLang="zh-CN" sz="1200" kern="1200">
+                <a:solidFill>
+                  <a:schemeClr val="tx1"/>
+                </a:solidFill>
+                <a:latin typeface="+mn-lt"/>
+                <a:ea typeface="+mn-ea"/>
+                <a:cs typeface="+mn-cs"/>
+              </a:rPr>
+              <a:t>,</a:t>
+            </a:r>
+            <a:r>
+              <a:rPr lang="zh-CN" altLang="en-US" sz="1200" kern="1200">
+                <a:solidFill>
+                  <a:schemeClr val="tx1"/>
+                </a:solidFill>
+                <a:latin typeface="+mn-lt"/>
+                <a:ea typeface="+mn-ea"/>
+                <a:cs typeface="+mn-cs"/>
+              </a:rPr>
+              <a:t>得到渠道下所有游戏至今的累计分成</a:t>
+            </a:r>
+          </a:p>
+          <a:p>
+            <a:r>
+              <a:rPr lang="zh-CN" altLang="en-US" sz="1200" kern="1200">
+                <a:solidFill>
+                  <a:schemeClr val="tx1"/>
+                </a:solidFill>
+                <a:latin typeface="+mn-lt"/>
+                <a:ea typeface="+mn-ea"/>
+                <a:cs typeface="+mn-cs"/>
+              </a:rPr>
+              <a:t>			总回本率 </a:t>
+            </a:r>
+            <a:r>
+              <a:rPr lang="en-US" altLang="zh-CN" sz="1200" kern="1200">
+                <a:solidFill>
+                  <a:schemeClr val="tx1"/>
+                </a:solidFill>
+                <a:latin typeface="+mn-lt"/>
+                <a:ea typeface="+mn-ea"/>
+                <a:cs typeface="+mn-cs"/>
+              </a:rPr>
+              <a:t>= </a:t>
+            </a:r>
+            <a:r>
+              <a:rPr lang="zh-CN" altLang="en-US" sz="1200" kern="1200">
+                <a:solidFill>
+                  <a:schemeClr val="tx1"/>
+                </a:solidFill>
+                <a:latin typeface="+mn-lt"/>
+                <a:ea typeface="+mn-ea"/>
+                <a:cs typeface="+mn-cs"/>
+              </a:rPr>
+              <a:t>历史用户总分成</a:t>
+            </a:r>
+            <a:r>
+              <a:rPr lang="en-US" altLang="zh-CN" sz="1200" kern="1200">
+                <a:solidFill>
+                  <a:schemeClr val="tx1"/>
+                </a:solidFill>
+                <a:latin typeface="+mn-lt"/>
+                <a:ea typeface="+mn-ea"/>
+                <a:cs typeface="+mn-cs"/>
+              </a:rPr>
+              <a:t>/</a:t>
+            </a:r>
+            <a:r>
+              <a:rPr lang="zh-CN" altLang="en-US" sz="1200" kern="1200">
+                <a:solidFill>
+                  <a:schemeClr val="tx1"/>
+                </a:solidFill>
+                <a:latin typeface="+mn-lt"/>
+                <a:ea typeface="+mn-ea"/>
+                <a:cs typeface="+mn-cs"/>
+              </a:rPr>
+              <a:t>历史用户累计成本 * </a:t>
+            </a:r>
+            <a:r>
+              <a:rPr lang="en-US" altLang="zh-CN" sz="1200" kern="1200">
+                <a:solidFill>
+                  <a:schemeClr val="tx1"/>
+                </a:solidFill>
+                <a:latin typeface="+mn-lt"/>
+                <a:ea typeface="+mn-ea"/>
+                <a:cs typeface="+mn-cs"/>
+              </a:rPr>
+              <a:t>100%</a:t>
+            </a:r>
+          </a:p>
+          <a:p>
+            <a:endParaRPr lang="en-US" altLang="zh-CN" sz="1200" kern="1200">
+              <a:solidFill>
+                <a:schemeClr val="tx1"/>
+              </a:solidFill>
+              <a:latin typeface="+mn-lt"/>
+              <a:ea typeface="+mn-ea"/>
+              <a:cs typeface="+mn-cs"/>
+            </a:endParaRPr>
+          </a:p>
+          <a:p>
+            <a:endParaRPr lang="en-US" altLang="zh-CN" sz="1200" kern="1200">
+              <a:solidFill>
+                <a:schemeClr val="tx1"/>
+              </a:solidFill>
+              <a:latin typeface="+mn-lt"/>
+              <a:ea typeface="+mn-ea"/>
+              <a:cs typeface="+mn-cs"/>
+            </a:endParaRPr>
+          </a:p>
+          <a:p>
+            <a:r>
+              <a:rPr lang="en-US" altLang="zh-CN" sz="1200" kern="1200">
+                <a:solidFill>
+                  <a:schemeClr val="tx1"/>
+                </a:solidFill>
+                <a:latin typeface="+mn-lt"/>
+                <a:ea typeface="+mn-ea"/>
+                <a:cs typeface="+mn-cs"/>
+              </a:rPr>
+              <a:t>	</a:t>
+            </a:r>
+            <a:r>
+              <a:rPr lang="zh-CN" altLang="en-US" sz="1200" kern="1200">
+                <a:solidFill>
+                  <a:schemeClr val="tx1"/>
+                </a:solidFill>
+                <a:latin typeface="+mn-lt"/>
+                <a:ea typeface="+mn-ea"/>
+                <a:cs typeface="+mn-cs"/>
+              </a:rPr>
+              <a:t>期内用户期内充值</a:t>
+            </a:r>
+            <a:r>
+              <a:rPr lang="en-US" altLang="zh-CN" sz="1200" kern="1200">
+                <a:solidFill>
+                  <a:schemeClr val="tx1"/>
+                </a:solidFill>
+                <a:latin typeface="+mn-lt"/>
+                <a:ea typeface="+mn-ea"/>
+                <a:cs typeface="+mn-cs"/>
+              </a:rPr>
+              <a:t>:</a:t>
+            </a:r>
+          </a:p>
+          <a:p>
+            <a:r>
+              <a:rPr lang="en-US" altLang="zh-CN" sz="1200" kern="1200">
+                <a:solidFill>
+                  <a:schemeClr val="tx1"/>
+                </a:solidFill>
+                <a:latin typeface="+mn-lt"/>
+                <a:ea typeface="+mn-ea"/>
+                <a:cs typeface="+mn-cs"/>
+              </a:rPr>
+              <a:t>		</a:t>
+            </a:r>
+            <a:r>
+              <a:rPr lang="zh-CN" altLang="en-US" sz="1200" kern="1200">
+                <a:solidFill>
+                  <a:schemeClr val="tx1"/>
+                </a:solidFill>
+                <a:latin typeface="+mn-lt"/>
+                <a:ea typeface="+mn-ea"/>
+                <a:cs typeface="+mn-cs"/>
+              </a:rPr>
+              <a:t>跟累计充值计算大概相似</a:t>
+            </a:r>
+            <a:r>
+              <a:rPr lang="en-US" altLang="zh-CN" sz="1200" kern="1200">
+                <a:solidFill>
+                  <a:schemeClr val="tx1"/>
+                </a:solidFill>
+                <a:latin typeface="+mn-lt"/>
+                <a:ea typeface="+mn-ea"/>
+                <a:cs typeface="+mn-cs"/>
+              </a:rPr>
+              <a:t>,</a:t>
+            </a:r>
+            <a:r>
+              <a:rPr lang="zh-CN" altLang="en-US" sz="1200" kern="1200">
+                <a:solidFill>
+                  <a:schemeClr val="tx1"/>
+                </a:solidFill>
+                <a:latin typeface="+mn-lt"/>
+                <a:ea typeface="+mn-ea"/>
+                <a:cs typeface="+mn-cs"/>
+              </a:rPr>
+              <a:t>但是多了一个期内注册用户的条件</a:t>
+            </a:r>
+            <a:r>
+              <a:rPr lang="en-US" altLang="zh-CN" sz="1200" kern="1200">
+                <a:solidFill>
+                  <a:schemeClr val="tx1"/>
+                </a:solidFill>
+                <a:latin typeface="+mn-lt"/>
+                <a:ea typeface="+mn-ea"/>
+                <a:cs typeface="+mn-cs"/>
+              </a:rPr>
+              <a:t>,</a:t>
+            </a:r>
+            <a:r>
+              <a:rPr lang="zh-CN" altLang="en-US" sz="1200" kern="1200">
+                <a:solidFill>
+                  <a:schemeClr val="tx1"/>
+                </a:solidFill>
+                <a:latin typeface="+mn-lt"/>
+                <a:ea typeface="+mn-ea"/>
+                <a:cs typeface="+mn-cs"/>
+              </a:rPr>
+              <a:t>将付费金额</a:t>
+            </a:r>
+            <a:r>
+              <a:rPr lang="en-US" altLang="zh-CN" sz="1200" kern="1200">
+                <a:solidFill>
+                  <a:schemeClr val="tx1"/>
+                </a:solidFill>
+                <a:latin typeface="+mn-lt"/>
+                <a:ea typeface="+mn-ea"/>
+                <a:cs typeface="+mn-cs"/>
+              </a:rPr>
+              <a:t>(adv_position_data.pay_sum)</a:t>
+            </a:r>
+            <a:r>
+              <a:rPr lang="zh-CN" altLang="en-US" sz="1200" kern="1200">
+                <a:solidFill>
+                  <a:schemeClr val="tx1"/>
+                </a:solidFill>
+                <a:latin typeface="+mn-lt"/>
+                <a:ea typeface="+mn-ea"/>
+                <a:cs typeface="+mn-cs"/>
+              </a:rPr>
+              <a:t>改为</a:t>
+            </a:r>
+            <a:r>
+              <a:rPr lang="en-US" altLang="zh-CN" sz="1200" kern="1200">
+                <a:solidFill>
+                  <a:schemeClr val="tx1"/>
+                </a:solidFill>
+                <a:latin typeface="+mn-lt"/>
+                <a:ea typeface="+mn-ea"/>
+                <a:cs typeface="+mn-cs"/>
+              </a:rPr>
+              <a:t>(order_log.money)</a:t>
+            </a:r>
+            <a:r>
+              <a:rPr lang="zh-CN" altLang="en-US" sz="1200" kern="1200">
+                <a:solidFill>
+                  <a:schemeClr val="tx1"/>
+                </a:solidFill>
+                <a:latin typeface="+mn-lt"/>
+                <a:ea typeface="+mn-ea"/>
+                <a:cs typeface="+mn-cs"/>
+              </a:rPr>
+              <a:t>计算</a:t>
+            </a:r>
+            <a:r>
+              <a:rPr lang="en-US" altLang="zh-CN" sz="1200" kern="1200">
+                <a:solidFill>
+                  <a:schemeClr val="tx1"/>
+                </a:solidFill>
+                <a:latin typeface="+mn-lt"/>
+                <a:ea typeface="+mn-ea"/>
+                <a:cs typeface="+mn-cs"/>
+              </a:rPr>
+              <a:t>.</a:t>
+            </a:r>
+          </a:p>
+          <a:p>
+            <a:r>
+              <a:rPr lang="en-US" altLang="zh-CN" sz="1200" kern="1200">
+                <a:solidFill>
+                  <a:schemeClr val="tx1"/>
+                </a:solidFill>
+                <a:latin typeface="+mn-lt"/>
+                <a:ea typeface="+mn-ea"/>
+                <a:cs typeface="+mn-cs"/>
+              </a:rPr>
+              <a:t>		</a:t>
+            </a:r>
+            <a:r>
+              <a:rPr lang="zh-CN" altLang="en-US" sz="1200" kern="1200">
+                <a:solidFill>
+                  <a:schemeClr val="tx1"/>
+                </a:solidFill>
+                <a:latin typeface="+mn-lt"/>
+                <a:ea typeface="+mn-ea"/>
+                <a:cs typeface="+mn-cs"/>
+              </a:rPr>
+              <a:t>因为</a:t>
+            </a:r>
+            <a:r>
+              <a:rPr lang="en-US" altLang="zh-CN" sz="1200" kern="1200">
+                <a:solidFill>
+                  <a:schemeClr val="tx1"/>
+                </a:solidFill>
+                <a:latin typeface="+mn-lt"/>
+                <a:ea typeface="+mn-ea"/>
+                <a:cs typeface="+mn-cs"/>
+              </a:rPr>
+              <a:t>order_log</a:t>
+            </a:r>
+            <a:r>
+              <a:rPr lang="zh-CN" altLang="en-US" sz="1200" kern="1200">
+                <a:solidFill>
+                  <a:schemeClr val="tx1"/>
+                </a:solidFill>
+                <a:latin typeface="+mn-lt"/>
+                <a:ea typeface="+mn-ea"/>
+                <a:cs typeface="+mn-cs"/>
+              </a:rPr>
+              <a:t>表是以用户注册日期来保存的</a:t>
+            </a:r>
+            <a:r>
+              <a:rPr lang="en-US" altLang="zh-CN" sz="1200" kern="1200">
+                <a:solidFill>
+                  <a:schemeClr val="tx1"/>
+                </a:solidFill>
+                <a:latin typeface="+mn-lt"/>
+                <a:ea typeface="+mn-ea"/>
+                <a:cs typeface="+mn-cs"/>
+              </a:rPr>
+              <a:t>,</a:t>
+            </a:r>
+            <a:r>
+              <a:rPr lang="zh-CN" altLang="en-US" sz="1200" kern="1200">
+                <a:solidFill>
+                  <a:schemeClr val="tx1"/>
+                </a:solidFill>
+                <a:latin typeface="+mn-lt"/>
+                <a:ea typeface="+mn-ea"/>
+                <a:cs typeface="+mn-cs"/>
+              </a:rPr>
+              <a:t>这样就可以了</a:t>
+            </a:r>
+            <a:r>
+              <a:rPr lang="en-US" altLang="zh-CN" sz="1200" kern="1200">
+                <a:solidFill>
+                  <a:schemeClr val="tx1"/>
+                </a:solidFill>
+                <a:latin typeface="+mn-lt"/>
+                <a:ea typeface="+mn-ea"/>
+                <a:cs typeface="+mn-cs"/>
+              </a:rPr>
+              <a:t>.</a:t>
+            </a:r>
+          </a:p>
+          <a:p>
+            <a:r>
+              <a:rPr lang="en-US" altLang="zh-CN" sz="1200" kern="1200">
+                <a:solidFill>
+                  <a:schemeClr val="tx1"/>
+                </a:solidFill>
+                <a:latin typeface="+mn-lt"/>
+                <a:ea typeface="+mn-ea"/>
+                <a:cs typeface="+mn-cs"/>
+              </a:rPr>
+              <a:t>	</a:t>
+            </a:r>
+            <a:r>
+              <a:rPr lang="zh-CN" altLang="en-US" sz="1200" kern="1200">
+                <a:solidFill>
+                  <a:schemeClr val="tx1"/>
+                </a:solidFill>
+                <a:latin typeface="+mn-lt"/>
+                <a:ea typeface="+mn-ea"/>
+                <a:cs typeface="+mn-cs"/>
+              </a:rPr>
+              <a:t>期内用户期内分成</a:t>
+            </a:r>
+            <a:r>
+              <a:rPr lang="en-US" altLang="zh-CN" sz="1200" kern="1200">
+                <a:solidFill>
+                  <a:schemeClr val="tx1"/>
+                </a:solidFill>
+                <a:latin typeface="+mn-lt"/>
+                <a:ea typeface="+mn-ea"/>
+                <a:cs typeface="+mn-cs"/>
+              </a:rPr>
+              <a:t>:</a:t>
+            </a:r>
+          </a:p>
+          <a:p>
+            <a:r>
+              <a:rPr lang="en-US" altLang="zh-CN" sz="1200" kern="1200">
+                <a:solidFill>
+                  <a:schemeClr val="tx1"/>
+                </a:solidFill>
+                <a:latin typeface="+mn-lt"/>
+                <a:ea typeface="+mn-ea"/>
+                <a:cs typeface="+mn-cs"/>
+              </a:rPr>
+              <a:t>		</a:t>
+            </a:r>
+            <a:r>
+              <a:rPr lang="zh-CN" altLang="en-US" sz="1200" kern="1200">
+                <a:solidFill>
+                  <a:schemeClr val="tx1"/>
+                </a:solidFill>
+                <a:latin typeface="+mn-lt"/>
+                <a:ea typeface="+mn-ea"/>
+                <a:cs typeface="+mn-cs"/>
+              </a:rPr>
+              <a:t>同上类似</a:t>
+            </a:r>
+            <a:r>
+              <a:rPr lang="en-US" altLang="zh-CN" sz="1200" kern="1200">
+                <a:solidFill>
+                  <a:schemeClr val="tx1"/>
+                </a:solidFill>
+                <a:latin typeface="+mn-lt"/>
+                <a:ea typeface="+mn-ea"/>
+                <a:cs typeface="+mn-cs"/>
+              </a:rPr>
+              <a:t>,</a:t>
+            </a:r>
+            <a:r>
+              <a:rPr lang="zh-CN" altLang="en-US" sz="1200" kern="1200">
+                <a:solidFill>
+                  <a:schemeClr val="tx1"/>
+                </a:solidFill>
+                <a:latin typeface="+mn-lt"/>
+                <a:ea typeface="+mn-ea"/>
+                <a:cs typeface="+mn-cs"/>
+              </a:rPr>
+              <a:t>将付费金额</a:t>
+            </a:r>
+            <a:r>
+              <a:rPr lang="en-US" altLang="zh-CN" sz="1200" kern="1200">
+                <a:solidFill>
+                  <a:schemeClr val="tx1"/>
+                </a:solidFill>
+                <a:latin typeface="+mn-lt"/>
+                <a:ea typeface="+mn-ea"/>
+                <a:cs typeface="+mn-cs"/>
+              </a:rPr>
+              <a:t>(adv_position_data.pay_sum)</a:t>
+            </a:r>
+            <a:r>
+              <a:rPr lang="zh-CN" altLang="en-US" sz="1200" kern="1200">
+                <a:solidFill>
+                  <a:schemeClr val="tx1"/>
+                </a:solidFill>
+                <a:latin typeface="+mn-lt"/>
+                <a:ea typeface="+mn-ea"/>
+                <a:cs typeface="+mn-cs"/>
+              </a:rPr>
+              <a:t>改为</a:t>
+            </a:r>
+            <a:r>
+              <a:rPr lang="en-US" altLang="zh-CN" sz="1200" kern="1200">
+                <a:solidFill>
+                  <a:schemeClr val="tx1"/>
+                </a:solidFill>
+                <a:latin typeface="+mn-lt"/>
+                <a:ea typeface="+mn-ea"/>
+                <a:cs typeface="+mn-cs"/>
+              </a:rPr>
+              <a:t>(order_log.money)</a:t>
+            </a:r>
+            <a:r>
+              <a:rPr lang="zh-CN" altLang="en-US" sz="1200" kern="1200">
+                <a:solidFill>
+                  <a:schemeClr val="tx1"/>
+                </a:solidFill>
+                <a:latin typeface="+mn-lt"/>
+                <a:ea typeface="+mn-ea"/>
+                <a:cs typeface="+mn-cs"/>
+              </a:rPr>
+              <a:t>来计算</a:t>
+            </a:r>
+            <a:r>
+              <a:rPr lang="en-US" altLang="zh-CN" sz="1200" kern="1200">
+                <a:solidFill>
+                  <a:schemeClr val="tx1"/>
+                </a:solidFill>
+                <a:latin typeface="+mn-lt"/>
+                <a:ea typeface="+mn-ea"/>
+                <a:cs typeface="+mn-cs"/>
+              </a:rPr>
+              <a:t>.</a:t>
+            </a:r>
+          </a:p>
+          <a:p>
+            <a:r>
+              <a:rPr lang="en-US" altLang="zh-CN" sz="1200" kern="1200">
+                <a:solidFill>
+                  <a:schemeClr val="tx1"/>
+                </a:solidFill>
+                <a:latin typeface="+mn-lt"/>
+                <a:ea typeface="+mn-ea"/>
+                <a:cs typeface="+mn-cs"/>
+              </a:rPr>
+              <a:t>	</a:t>
+            </a:r>
+            <a:r>
+              <a:rPr lang="zh-CN" altLang="en-US" sz="1200" kern="1200">
+                <a:solidFill>
+                  <a:schemeClr val="tx1"/>
+                </a:solidFill>
+                <a:latin typeface="+mn-lt"/>
+                <a:ea typeface="+mn-ea"/>
+                <a:cs typeface="+mn-cs"/>
+              </a:rPr>
+              <a:t>期内用户期内回本</a:t>
+            </a:r>
+            <a:r>
+              <a:rPr lang="en-US" altLang="zh-CN" sz="1200" kern="1200">
+                <a:solidFill>
+                  <a:schemeClr val="tx1"/>
+                </a:solidFill>
+                <a:latin typeface="+mn-lt"/>
+                <a:ea typeface="+mn-ea"/>
+                <a:cs typeface="+mn-cs"/>
+              </a:rPr>
+              <a:t>:</a:t>
+            </a:r>
+          </a:p>
+          <a:p>
+            <a:r>
+              <a:rPr lang="en-US" altLang="zh-CN" sz="1200" kern="1200">
+                <a:solidFill>
+                  <a:schemeClr val="tx1"/>
+                </a:solidFill>
+                <a:latin typeface="+mn-lt"/>
+                <a:ea typeface="+mn-ea"/>
+                <a:cs typeface="+mn-cs"/>
+              </a:rPr>
+              <a:t>		</a:t>
+            </a:r>
+            <a:r>
+              <a:rPr lang="zh-CN" altLang="en-US" sz="1200" kern="1200">
+                <a:solidFill>
+                  <a:schemeClr val="tx1"/>
+                </a:solidFill>
+                <a:latin typeface="+mn-lt"/>
+                <a:ea typeface="+mn-ea"/>
+                <a:cs typeface="+mn-cs"/>
+              </a:rPr>
+              <a:t>期内用户期内分成</a:t>
+            </a:r>
+            <a:r>
+              <a:rPr lang="en-US" altLang="zh-CN" sz="1200" kern="1200">
+                <a:solidFill>
+                  <a:schemeClr val="tx1"/>
+                </a:solidFill>
+                <a:latin typeface="+mn-lt"/>
+                <a:ea typeface="+mn-ea"/>
+                <a:cs typeface="+mn-cs"/>
+              </a:rPr>
+              <a:t>/</a:t>
+            </a:r>
+            <a:r>
+              <a:rPr lang="zh-CN" altLang="en-US" sz="1200" kern="1200">
+                <a:solidFill>
+                  <a:schemeClr val="tx1"/>
+                </a:solidFill>
+                <a:latin typeface="+mn-lt"/>
+                <a:ea typeface="+mn-ea"/>
+                <a:cs typeface="+mn-cs"/>
+              </a:rPr>
+              <a:t>累计成本</a:t>
+            </a:r>
+            <a:r>
+              <a:rPr lang="en-US" altLang="zh-CN" sz="1200" kern="1200">
+                <a:solidFill>
+                  <a:schemeClr val="tx1"/>
+                </a:solidFill>
+                <a:latin typeface="+mn-lt"/>
+                <a:ea typeface="+mn-ea"/>
+                <a:cs typeface="+mn-cs"/>
+              </a:rPr>
+              <a:t>.</a:t>
+            </a:r>
+          </a:p>
+          <a:p>
+            <a:endParaRPr lang="en-US" altLang="zh-CN" sz="1200" kern="1200">
+              <a:solidFill>
+                <a:schemeClr val="tx1"/>
+              </a:solidFill>
+              <a:latin typeface="+mn-lt"/>
+              <a:ea typeface="+mn-ea"/>
+              <a:cs typeface="+mn-cs"/>
+            </a:endParaRPr>
+          </a:p>
+          <a:p>
+            <a:r>
+              <a:rPr lang="zh-CN" altLang="en-US" sz="1200" kern="1200">
+                <a:solidFill>
+                  <a:schemeClr val="tx1"/>
+                </a:solidFill>
+                <a:latin typeface="+mn-lt"/>
+                <a:ea typeface="+mn-ea"/>
+                <a:cs typeface="+mn-cs"/>
+              </a:rPr>
+              <a:t>渠道商账号效果</a:t>
+            </a:r>
+            <a:r>
+              <a:rPr lang="en-US" altLang="zh-CN" sz="1200" kern="1200">
+                <a:solidFill>
+                  <a:schemeClr val="tx1"/>
+                </a:solidFill>
+                <a:latin typeface="+mn-lt"/>
+                <a:ea typeface="+mn-ea"/>
+                <a:cs typeface="+mn-cs"/>
+              </a:rPr>
+              <a:t>,</a:t>
+            </a:r>
+            <a:r>
+              <a:rPr lang="zh-CN" altLang="en-US" sz="1200" kern="1200">
+                <a:solidFill>
+                  <a:schemeClr val="tx1"/>
+                </a:solidFill>
+                <a:latin typeface="+mn-lt"/>
+                <a:ea typeface="+mn-ea"/>
+                <a:cs typeface="+mn-cs"/>
+              </a:rPr>
+              <a:t>广告位效果</a:t>
+            </a:r>
+            <a:r>
+              <a:rPr lang="en-US" altLang="zh-CN" sz="1200" kern="1200">
+                <a:solidFill>
+                  <a:schemeClr val="tx1"/>
+                </a:solidFill>
+                <a:latin typeface="+mn-lt"/>
+                <a:ea typeface="+mn-ea"/>
+                <a:cs typeface="+mn-cs"/>
+              </a:rPr>
+              <a:t>,</a:t>
+            </a:r>
+            <a:r>
+              <a:rPr lang="zh-CN" altLang="en-US" sz="1200" kern="1200">
+                <a:solidFill>
+                  <a:schemeClr val="tx1"/>
+                </a:solidFill>
+                <a:latin typeface="+mn-lt"/>
+                <a:ea typeface="+mn-ea"/>
+                <a:cs typeface="+mn-cs"/>
+              </a:rPr>
+              <a:t>业务类型效果</a:t>
+            </a:r>
+            <a:r>
+              <a:rPr lang="en-US" altLang="zh-CN" sz="1200" kern="1200">
+                <a:solidFill>
+                  <a:schemeClr val="tx1"/>
+                </a:solidFill>
+                <a:latin typeface="+mn-lt"/>
+                <a:ea typeface="+mn-ea"/>
+                <a:cs typeface="+mn-cs"/>
+              </a:rPr>
+              <a:t>:</a:t>
+            </a:r>
+          </a:p>
+          <a:p>
+            <a:r>
+              <a:rPr lang="zh-CN" altLang="en-US" sz="1200" kern="1200">
+                <a:solidFill>
+                  <a:schemeClr val="tx1"/>
+                </a:solidFill>
+                <a:latin typeface="+mn-lt"/>
+                <a:ea typeface="+mn-ea"/>
+                <a:cs typeface="+mn-cs"/>
+              </a:rPr>
+              <a:t>跟按渠道是相同的计算方式</a:t>
+            </a:r>
+            <a:r>
+              <a:rPr lang="en-US" altLang="zh-CN" sz="1200" kern="1200">
+                <a:solidFill>
+                  <a:schemeClr val="tx1"/>
+                </a:solidFill>
+                <a:latin typeface="+mn-lt"/>
+                <a:ea typeface="+mn-ea"/>
+                <a:cs typeface="+mn-cs"/>
+              </a:rPr>
+              <a:t>,</a:t>
+            </a:r>
+            <a:r>
+              <a:rPr lang="zh-CN" altLang="en-US" sz="1200" kern="1200">
+                <a:solidFill>
+                  <a:schemeClr val="tx1"/>
+                </a:solidFill>
+                <a:latin typeface="+mn-lt"/>
+                <a:ea typeface="+mn-ea"/>
+                <a:cs typeface="+mn-cs"/>
+              </a:rPr>
+              <a:t>只是渠道是按照</a:t>
+            </a:r>
+            <a:r>
+              <a:rPr lang="en-US" altLang="zh-CN" sz="1200" kern="1200">
+                <a:solidFill>
+                  <a:schemeClr val="tx1"/>
+                </a:solidFill>
+                <a:latin typeface="+mn-lt"/>
+                <a:ea typeface="+mn-ea"/>
+                <a:cs typeface="+mn-cs"/>
+              </a:rPr>
+              <a:t>channel_id</a:t>
+            </a:r>
+            <a:r>
+              <a:rPr lang="zh-CN" altLang="en-US" sz="1200" kern="1200">
+                <a:solidFill>
+                  <a:schemeClr val="tx1"/>
+                </a:solidFill>
+                <a:latin typeface="+mn-lt"/>
+                <a:ea typeface="+mn-ea"/>
+                <a:cs typeface="+mn-cs"/>
+              </a:rPr>
+              <a:t>来分组</a:t>
+            </a:r>
+            <a:r>
+              <a:rPr lang="en-US" altLang="zh-CN" sz="1200" kern="1200">
+                <a:solidFill>
+                  <a:schemeClr val="tx1"/>
+                </a:solidFill>
+                <a:latin typeface="+mn-lt"/>
+                <a:ea typeface="+mn-ea"/>
+                <a:cs typeface="+mn-cs"/>
+              </a:rPr>
+              <a:t>,</a:t>
+            </a:r>
+            <a:r>
+              <a:rPr lang="zh-CN" altLang="en-US" sz="1200" kern="1200">
+                <a:solidFill>
+                  <a:schemeClr val="tx1"/>
+                </a:solidFill>
+                <a:latin typeface="+mn-lt"/>
+                <a:ea typeface="+mn-ea"/>
+                <a:cs typeface="+mn-cs"/>
+              </a:rPr>
+              <a:t>渠道商通过</a:t>
+            </a:r>
+            <a:r>
+              <a:rPr lang="en-US" altLang="zh-CN" sz="1200" kern="1200">
+                <a:solidFill>
+                  <a:schemeClr val="tx1"/>
+                </a:solidFill>
+                <a:latin typeface="+mn-lt"/>
+                <a:ea typeface="+mn-ea"/>
+                <a:cs typeface="+mn-cs"/>
+              </a:rPr>
+              <a:t>user_name</a:t>
+            </a:r>
+            <a:r>
+              <a:rPr lang="zh-CN" altLang="en-US" sz="1200" kern="1200">
+                <a:solidFill>
+                  <a:schemeClr val="tx1"/>
+                </a:solidFill>
+                <a:latin typeface="+mn-lt"/>
+                <a:ea typeface="+mn-ea"/>
+                <a:cs typeface="+mn-cs"/>
+              </a:rPr>
+              <a:t>来分组</a:t>
+            </a:r>
+            <a:r>
+              <a:rPr lang="en-US" altLang="zh-CN" sz="1200" kern="1200">
+                <a:solidFill>
+                  <a:schemeClr val="tx1"/>
+                </a:solidFill>
+                <a:latin typeface="+mn-lt"/>
+                <a:ea typeface="+mn-ea"/>
+                <a:cs typeface="+mn-cs"/>
+              </a:rPr>
+              <a:t>,</a:t>
+            </a:r>
+            <a:r>
+              <a:rPr lang="zh-CN" altLang="en-US" sz="1200" kern="1200">
+                <a:solidFill>
+                  <a:schemeClr val="tx1"/>
+                </a:solidFill>
+                <a:latin typeface="+mn-lt"/>
+                <a:ea typeface="+mn-ea"/>
+                <a:cs typeface="+mn-cs"/>
+              </a:rPr>
+              <a:t>业务类型通过</a:t>
+            </a:r>
+            <a:r>
+              <a:rPr lang="en-US" altLang="zh-CN" sz="1200" kern="1200">
+                <a:solidFill>
+                  <a:schemeClr val="tx1"/>
+                </a:solidFill>
+                <a:latin typeface="+mn-lt"/>
+                <a:ea typeface="+mn-ea"/>
+                <a:cs typeface="+mn-cs"/>
+              </a:rPr>
+              <a:t>register_type</a:t>
+            </a:r>
+            <a:r>
+              <a:rPr lang="zh-CN" altLang="en-US" sz="1200" kern="1200">
+                <a:solidFill>
+                  <a:schemeClr val="tx1"/>
+                </a:solidFill>
+                <a:latin typeface="+mn-lt"/>
+                <a:ea typeface="+mn-ea"/>
+                <a:cs typeface="+mn-cs"/>
+              </a:rPr>
+              <a:t>来分组</a:t>
+            </a:r>
+            <a:r>
+              <a:rPr lang="en-US" altLang="zh-CN" sz="1200" kern="1200">
+                <a:solidFill>
+                  <a:schemeClr val="tx1"/>
+                </a:solidFill>
+                <a:latin typeface="+mn-lt"/>
+                <a:ea typeface="+mn-ea"/>
+                <a:cs typeface="+mn-cs"/>
+              </a:rPr>
+              <a:t>,</a:t>
+            </a:r>
+            <a:r>
+              <a:rPr lang="zh-CN" altLang="en-US" sz="1200" kern="1200">
+                <a:solidFill>
+                  <a:schemeClr val="tx1"/>
+                </a:solidFill>
+                <a:latin typeface="+mn-lt"/>
+                <a:ea typeface="+mn-ea"/>
+                <a:cs typeface="+mn-cs"/>
+              </a:rPr>
+              <a:t>广告位通过</a:t>
+            </a:r>
+            <a:r>
+              <a:rPr lang="en-US" altLang="zh-CN" sz="1200" kern="1200">
+                <a:solidFill>
+                  <a:schemeClr val="tx1"/>
+                </a:solidFill>
+                <a:latin typeface="+mn-lt"/>
+                <a:ea typeface="+mn-ea"/>
+                <a:cs typeface="+mn-cs"/>
+              </a:rPr>
+              <a:t>adv_position_id</a:t>
+            </a:r>
+            <a:r>
+              <a:rPr lang="zh-CN" altLang="en-US" sz="1200" kern="1200">
+                <a:solidFill>
+                  <a:schemeClr val="tx1"/>
+                </a:solidFill>
+                <a:latin typeface="+mn-lt"/>
+                <a:ea typeface="+mn-ea"/>
+                <a:cs typeface="+mn-cs"/>
+              </a:rPr>
+              <a:t>来分组</a:t>
+            </a:r>
+            <a:r>
+              <a:rPr lang="en-US" altLang="zh-CN" sz="1200" kern="1200">
+                <a:solidFill>
+                  <a:schemeClr val="tx1"/>
+                </a:solidFill>
+                <a:latin typeface="+mn-lt"/>
+                <a:ea typeface="+mn-ea"/>
+                <a:cs typeface="+mn-cs"/>
+              </a:rPr>
+              <a:t>,</a:t>
+            </a:r>
+            <a:r>
+              <a:rPr lang="zh-CN" altLang="en-US" sz="1200" kern="1200">
+                <a:solidFill>
+                  <a:schemeClr val="tx1"/>
+                </a:solidFill>
+                <a:latin typeface="+mn-lt"/>
+                <a:ea typeface="+mn-ea"/>
+                <a:cs typeface="+mn-cs"/>
+              </a:rPr>
+              <a:t>计算得出的数据维度不同</a:t>
+            </a:r>
+            <a:r>
+              <a:rPr lang="en-US" altLang="zh-CN" sz="1200" kern="1200">
+                <a:solidFill>
+                  <a:schemeClr val="tx1"/>
+                </a:solidFill>
+                <a:latin typeface="+mn-lt"/>
+                <a:ea typeface="+mn-ea"/>
+                <a:cs typeface="+mn-cs"/>
+              </a:rPr>
+              <a:t>,</a:t>
+            </a:r>
+            <a:r>
+              <a:rPr lang="zh-CN" altLang="en-US" sz="1200" kern="1200">
+                <a:solidFill>
+                  <a:schemeClr val="tx1"/>
+                </a:solidFill>
+                <a:latin typeface="+mn-lt"/>
+                <a:ea typeface="+mn-ea"/>
+                <a:cs typeface="+mn-cs"/>
+              </a:rPr>
+              <a:t>最后相关数据相加</a:t>
+            </a:r>
+            <a:r>
+              <a:rPr lang="en-US" altLang="zh-CN" sz="1200" kern="1200">
+                <a:solidFill>
+                  <a:schemeClr val="tx1"/>
+                </a:solidFill>
+                <a:latin typeface="+mn-lt"/>
+                <a:ea typeface="+mn-ea"/>
+                <a:cs typeface="+mn-cs"/>
+              </a:rPr>
+              <a:t>.</a:t>
+            </a:r>
+          </a:p>
+          <a:p>
+            <a:endParaRPr lang="en-US" altLang="zh-CN" sz="1200" kern="1200">
+              <a:solidFill>
+                <a:schemeClr val="tx1"/>
+              </a:solidFill>
+              <a:latin typeface="+mn-lt"/>
+              <a:ea typeface="+mn-ea"/>
+              <a:cs typeface="+mn-cs"/>
+            </a:endParaRPr>
+          </a:p>
+          <a:p>
+            <a:endParaRPr lang="en-US" altLang="zh-CN" sz="1200" kern="1200">
               <a:solidFill>
                 <a:schemeClr val="tx1"/>
               </a:solidFill>
@@ -4901,7 +4849,7 @@
               <a:t>主要是一个展示的数据</a:t>
             </a:r>
             <a:r>
-              <a:rPr lang="en-US" altLang="zh-CN" sz="1200" kern="1200" smtClean="0">
+              <a:rPr lang="en-US" altLang="zh-CN" sz="1200" kern="1200">
                 <a:solidFill>
                   <a:schemeClr val="tx1"/>
                 </a:solidFill>
@@ -4913,117 +4861,6 @@
             </a:r>
           </a:p>
           <a:p>
-            <a:endParaRPr lang="en-US" altLang="zh-CN" sz="1200" kern="1200" smtClean="0">
-              <a:solidFill>
-                <a:schemeClr val="tx1"/>
-              </a:solidFill>
-              <a:latin typeface="+mn-lt"/>
-              <a:ea typeface="+mn-ea"/>
-              <a:cs typeface="+mn-cs"/>
-            </a:endParaRPr>
-          </a:p>
-          <a:p>
-            <a:r>
-              <a:rPr lang="en-US" altLang="zh-CN" sz="1200" kern="1200" smtClean="0">
-                <a:solidFill>
-                  <a:schemeClr val="tx1"/>
-                </a:solidFill>
-                <a:latin typeface="+mn-lt"/>
-                <a:ea typeface="+mn-ea"/>
-                <a:cs typeface="+mn-cs"/>
-              </a:rPr>
-              <a:t>//</a:t>
-            </a:r>
-            <a:r>
-              <a:rPr lang="zh-CN" altLang="en-US" sz="1200" kern="1200" smtClean="0">
-                <a:solidFill>
-                  <a:schemeClr val="tx1"/>
-                </a:solidFill>
-                <a:latin typeface="+mn-lt"/>
-                <a:ea typeface="+mn-ea"/>
-                <a:cs typeface="+mn-cs"/>
-              </a:rPr>
-              <a:t>修改后</a:t>
-            </a:r>
-            <a:r>
-              <a:rPr lang="en-US" altLang="zh-CN" sz="1200" kern="1200" smtClean="0">
-                <a:solidFill>
-                  <a:schemeClr val="tx1"/>
-                </a:solidFill>
-                <a:latin typeface="+mn-lt"/>
-                <a:ea typeface="+mn-ea"/>
-                <a:cs typeface="+mn-cs"/>
-              </a:rPr>
-              <a:t>:</a:t>
-            </a:r>
-          </a:p>
-          <a:p>
-            <a:r>
-              <a:rPr lang="zh-CN" altLang="en-US" sz="1200" kern="1200" smtClean="0">
-                <a:solidFill>
-                  <a:schemeClr val="tx1"/>
-                </a:solidFill>
-                <a:latin typeface="+mn-lt"/>
-                <a:ea typeface="+mn-ea"/>
-                <a:cs typeface="+mn-cs"/>
-              </a:rPr>
-              <a:t>通过</a:t>
-            </a:r>
-            <a:r>
-              <a:rPr lang="en-US" altLang="zh-CN" sz="1200" kern="1200" smtClean="0">
-                <a:solidFill>
-                  <a:schemeClr val="tx1"/>
-                </a:solidFill>
-                <a:latin typeface="+mn-lt"/>
-                <a:ea typeface="+mn-ea"/>
-                <a:cs typeface="+mn-cs"/>
-              </a:rPr>
-              <a:t>think_realtime_active, think_realtime_click, think_realtime_down, think_realtime_finish_down</a:t>
-            </a:r>
-            <a:r>
-              <a:rPr lang="zh-CN" altLang="en-US" sz="1200" kern="1200" smtClean="0">
-                <a:solidFill>
-                  <a:schemeClr val="tx1"/>
-                </a:solidFill>
-                <a:latin typeface="+mn-lt"/>
-                <a:ea typeface="+mn-ea"/>
-                <a:cs typeface="+mn-cs"/>
-              </a:rPr>
-              <a:t>表查询的元数据</a:t>
-            </a:r>
-            <a:r>
-              <a:rPr lang="en-US" altLang="zh-CN" sz="1200" kern="1200" smtClean="0">
-                <a:solidFill>
-                  <a:schemeClr val="tx1"/>
-                </a:solidFill>
-                <a:latin typeface="+mn-lt"/>
-                <a:ea typeface="+mn-ea"/>
-                <a:cs typeface="+mn-cs"/>
-              </a:rPr>
-              <a:t>,</a:t>
-            </a:r>
-            <a:r>
-              <a:rPr lang="zh-CN" altLang="en-US" sz="1200" kern="1200" smtClean="0">
-                <a:solidFill>
-                  <a:schemeClr val="tx1"/>
-                </a:solidFill>
-                <a:latin typeface="+mn-lt"/>
-                <a:ea typeface="+mn-ea"/>
-                <a:cs typeface="+mn-cs"/>
-              </a:rPr>
-              <a:t>直接进行展示</a:t>
-            </a:r>
-            <a:r>
-              <a:rPr lang="en-US" altLang="zh-CN" sz="1200" kern="1200" smtClean="0">
-                <a:solidFill>
-                  <a:schemeClr val="tx1"/>
-                </a:solidFill>
-                <a:latin typeface="+mn-lt"/>
-                <a:ea typeface="+mn-ea"/>
-                <a:cs typeface="+mn-cs"/>
-              </a:rPr>
-              <a:t>.</a:t>
-            </a:r>
             <a:endParaRPr lang="en-US" altLang="zh-CN" sz="1200" kern="1200">
               <a:solidFill>
                 <a:schemeClr val="tx1"/>
@@ -5032,6 +4869,109 @@
               <a:ea typeface="+mn-ea"/>
               <a:cs typeface="+mn-cs"/>
             </a:endParaRPr>
+          </a:p>
+          <a:p>
+            <a:r>
+              <a:rPr lang="en-US" altLang="zh-CN" sz="1200" kern="1200">
+                <a:solidFill>
+                  <a:schemeClr val="tx1"/>
+                </a:solidFill>
+                <a:latin typeface="+mn-lt"/>
+                <a:ea typeface="+mn-ea"/>
+                <a:cs typeface="+mn-cs"/>
+              </a:rPr>
+              <a:t>//</a:t>
+            </a:r>
+            <a:r>
+              <a:rPr lang="zh-CN" altLang="en-US" sz="1200" kern="1200">
+                <a:solidFill>
+                  <a:schemeClr val="tx1"/>
+                </a:solidFill>
+                <a:latin typeface="+mn-lt"/>
+                <a:ea typeface="+mn-ea"/>
+                <a:cs typeface="+mn-cs"/>
+              </a:rPr>
+              <a:t>修改后</a:t>
+            </a:r>
+            <a:r>
+              <a:rPr lang="en-US" altLang="zh-CN" sz="1200" kern="1200">
+                <a:solidFill>
+                  <a:schemeClr val="tx1"/>
+                </a:solidFill>
+                <a:latin typeface="+mn-lt"/>
+                <a:ea typeface="+mn-ea"/>
+                <a:cs typeface="+mn-cs"/>
+              </a:rPr>
+              <a:t>:</a:t>
+            </a:r>
+          </a:p>
+          <a:p>
+            <a:r>
+              <a:rPr lang="zh-CN" altLang="en-US" sz="1200" kern="1200">
+                <a:solidFill>
+                  <a:schemeClr val="tx1"/>
+                </a:solidFill>
+                <a:latin typeface="+mn-lt"/>
+                <a:ea typeface="+mn-ea"/>
+                <a:cs typeface="+mn-cs"/>
+              </a:rPr>
+              <a:t>通过</a:t>
+            </a:r>
+            <a:r>
+              <a:rPr lang="en-US" altLang="zh-CN" sz="1200" kern="1200">
+                <a:solidFill>
+                  <a:schemeClr val="tx1"/>
+                </a:solidFill>
+                <a:latin typeface="+mn-lt"/>
+                <a:ea typeface="+mn-ea"/>
+                <a:cs typeface="+mn-cs"/>
+              </a:rPr>
+              <a:t>think_realtime_active, think_realtime_click, think_realtime_down, think_realtime_finish_down</a:t>
+            </a:r>
+            <a:r>
+              <a:rPr lang="zh-CN" altLang="en-US" sz="1200" kern="1200">
+                <a:solidFill>
+                  <a:schemeClr val="tx1"/>
+                </a:solidFill>
+                <a:latin typeface="+mn-lt"/>
+                <a:ea typeface="+mn-ea"/>
+                <a:cs typeface="+mn-cs"/>
+              </a:rPr>
+              <a:t>表查询的元数据</a:t>
+            </a:r>
+            <a:r>
+              <a:rPr lang="en-US" altLang="zh-CN" sz="1200" kern="1200">
+                <a:solidFill>
+                  <a:schemeClr val="tx1"/>
+                </a:solidFill>
+                <a:latin typeface="+mn-lt"/>
+                <a:ea typeface="+mn-ea"/>
+                <a:cs typeface="+mn-cs"/>
+              </a:rPr>
+              <a:t>,</a:t>
+            </a:r>
+            <a:r>
+              <a:rPr lang="zh-CN" altLang="en-US" sz="1200" kern="1200">
+                <a:solidFill>
+                  <a:schemeClr val="tx1"/>
+                </a:solidFill>
+                <a:latin typeface="+mn-lt"/>
+                <a:ea typeface="+mn-ea"/>
+                <a:cs typeface="+mn-cs"/>
+              </a:rPr>
+              <a:t>直接进行展示</a:t>
+            </a:r>
+            <a:r>
+              <a:rPr lang="en-US" altLang="zh-CN" sz="1200" kern="1200">
+                <a:solidFill>
+                  <a:schemeClr val="tx1"/>
+                </a:solidFill>
+                <a:latin typeface="+mn-lt"/>
+                <a:ea typeface="+mn-ea"/>
+                <a:cs typeface="+mn-cs"/>
+              </a:rPr>
+              <a:t>.</a:t>
+            </a:r>
           </a:p>
         </p:txBody>
       </p:sp>
@@ -21226,33 +21166,33 @@
               <a:t>游戏原名等</a:t>
             </a:r>
             <a:r>
-              <a:rPr lang="en-US" altLang="zh-CN" smtClean="0"/>
-              <a:t>,</a:t>
-            </a:r>
-            <a:r>
-              <a:rPr lang="zh-CN" altLang="en-US" smtClean="0"/>
+              <a:rPr lang="en-US" altLang="zh-CN"/>
+              <a:t>,</a:t>
+            </a:r>
+            <a:r>
+              <a:rPr lang="zh-CN" altLang="en-US"/>
               <a:t>一个游戏对应一个广告</a:t>
             </a:r>
             <a:r>
-              <a:rPr lang="en-US" altLang="zh-CN" smtClean="0"/>
-              <a:t>,</a:t>
-            </a:r>
-            <a:r>
-              <a:rPr lang="zh-CN" altLang="en-US" smtClean="0"/>
+              <a:rPr lang="en-US" altLang="zh-CN"/>
+              <a:t>,</a:t>
+            </a:r>
+            <a:r>
+              <a:rPr lang="zh-CN" altLang="en-US"/>
               <a:t>一个广告可以发布到不同渠道的不同广告位上</a:t>
             </a:r>
             <a:r>
-              <a:rPr lang="en-US" altLang="zh-CN" smtClean="0"/>
+              <a:rPr lang="en-US" altLang="zh-CN"/>
               <a:t>.</a:t>
             </a:r>
           </a:p>
           <a:p>
             <a:r>
-              <a:rPr lang="zh-CN" altLang="en-US" smtClean="0"/>
+              <a:rPr lang="zh-CN" altLang="en-US"/>
               <a:t>代</a:t>
             </a:r>
             <a:r>
-              <a:rPr lang="zh-CN" altLang="en-US" sz="1200" kern="1200" smtClean="0">
+              <a:rPr lang="zh-CN" altLang="en-US" sz="1200" kern="1200">
                 <a:solidFill>
                   <a:schemeClr val="tx1"/>
                 </a:solidFill>
@@ -21263,18 +21203,18 @@
               <a:t>码上</a:t>
             </a:r>
             <a:r>
-              <a:rPr lang="en-US" altLang="zh-CN" sz="1200" kern="1200" smtClean="0">
-                <a:solidFill>
-                  <a:schemeClr val="tx1"/>
-                </a:solidFill>
-                <a:latin typeface="+mn-lt"/>
-                <a:ea typeface="+mn-ea"/>
-                <a:cs typeface="+mn-cs"/>
-              </a:rPr>
-              <a:t>,</a:t>
-            </a:r>
-            <a:r>
-              <a:rPr lang="zh-CN" altLang="en-US" sz="1200" kern="1200" smtClean="0">
+              <a:rPr lang="en-US" altLang="zh-CN" sz="1200" kern="1200">
+                <a:solidFill>
+                  <a:schemeClr val="tx1"/>
+                </a:solidFill>
+                <a:latin typeface="+mn-lt"/>
+                <a:ea typeface="+mn-ea"/>
+                <a:cs typeface="+mn-cs"/>
+              </a:rPr>
+              <a:t>,</a:t>
+            </a:r>
+            <a:r>
+              <a:rPr lang="zh-CN" altLang="en-US" sz="1200" kern="1200">
                 <a:solidFill>
                   <a:schemeClr val="tx1"/>
                 </a:solidFill>
@@ -21285,7 +21225,7 @@
               <a:t>广告列表是通过</a:t>
             </a:r>
             <a:r>
-              <a:rPr lang="en-US" altLang="zh-CN" sz="1200" kern="1200" smtClean="0">
+              <a:rPr lang="en-US" altLang="zh-CN" sz="1200" kern="1200">
                 <a:solidFill>
                   <a:schemeClr val="tx1"/>
                 </a:solidFill>
@@ -21296,7 +21236,7 @@
               <a:t>think_game</a:t>
             </a:r>
             <a:r>
-              <a:rPr lang="zh-CN" altLang="en-US" sz="1200" kern="1200" smtClean="0">
+              <a:rPr lang="zh-CN" altLang="en-US" sz="1200" kern="1200">
                 <a:solidFill>
                   <a:schemeClr val="tx1"/>
                 </a:solidFill>
@@ -21307,7 +21247,7 @@
               <a:t>与</a:t>
             </a:r>
             <a:r>
-              <a:rPr lang="en-US" altLang="zh-CN" sz="1200" kern="1200" smtClean="0">
+              <a:rPr lang="en-US" altLang="zh-CN" sz="1200" kern="1200">
                 <a:solidFill>
                   <a:schemeClr val="tx1"/>
                 </a:solidFill>
@@ -21318,7 +21258,7 @@
               <a:t>think_game_adv</a:t>
             </a:r>
             <a:r>
-              <a:rPr lang="zh-CN" altLang="en-US" sz="1200" kern="1200" smtClean="0">
+              <a:rPr lang="zh-CN" altLang="en-US" sz="1200" kern="1200">
                 <a:solidFill>
                   <a:schemeClr val="tx1"/>
                 </a:solidFill>
@@ -21329,18 +21269,18 @@
               <a:t>连表查询</a:t>
             </a:r>
             <a:r>
-              <a:rPr lang="en-US" altLang="zh-CN" sz="1200" kern="1200" smtClean="0">
-                <a:solidFill>
-                  <a:schemeClr val="tx1"/>
-                </a:solidFill>
-                <a:latin typeface="+mn-lt"/>
-                <a:ea typeface="+mn-ea"/>
-                <a:cs typeface="+mn-cs"/>
-              </a:rPr>
-              <a:t>,</a:t>
-            </a:r>
-            <a:r>
-              <a:rPr lang="zh-CN" altLang="en-US" sz="1200" kern="1200" smtClean="0">
+              <a:rPr lang="en-US" altLang="zh-CN" sz="1200" kern="1200">
+                <a:solidFill>
+                  <a:schemeClr val="tx1"/>
+                </a:solidFill>
+                <a:latin typeface="+mn-lt"/>
+                <a:ea typeface="+mn-ea"/>
+                <a:cs typeface="+mn-cs"/>
+              </a:rPr>
+              <a:t>,</a:t>
+            </a:r>
+            <a:r>
+              <a:rPr lang="zh-CN" altLang="en-US" sz="1200" kern="1200">
                 <a:solidFill>
                   <a:schemeClr val="tx1"/>
                 </a:solidFill>
@@ -21351,7 +21291,7 @@
               <a:t>但是查询了</a:t>
             </a:r>
             <a:r>
-              <a:rPr lang="en-US" altLang="zh-CN" sz="1200" kern="1200" smtClean="0">
+              <a:rPr lang="en-US" altLang="zh-CN" sz="1200" kern="1200">
                 <a:solidFill>
                   <a:schemeClr val="tx1"/>
                 </a:solidFill>
@@ -21362,7 +21302,7 @@
               <a:t>company</a:t>
             </a:r>
             <a:r>
-              <a:rPr lang="zh-CN" altLang="en-US" sz="1200" kern="1200" smtClean="0">
+              <a:rPr lang="zh-CN" altLang="en-US" sz="1200" kern="1200">
                 <a:solidFill>
                   <a:schemeClr val="tx1"/>
                 </a:solidFill>
@@ -21373,18 +21313,18 @@
               <a:t>字段</a:t>
             </a:r>
             <a:r>
-              <a:rPr lang="en-US" altLang="zh-CN" sz="1200" kern="1200" smtClean="0">
-                <a:solidFill>
-                  <a:schemeClr val="tx1"/>
-                </a:solidFill>
-                <a:latin typeface="+mn-lt"/>
-                <a:ea typeface="+mn-ea"/>
-                <a:cs typeface="+mn-cs"/>
-              </a:rPr>
-              <a:t>,</a:t>
-            </a:r>
-            <a:r>
-              <a:rPr lang="zh-CN" altLang="en-US" sz="1200" kern="1200" smtClean="0">
+              <a:rPr lang="en-US" altLang="zh-CN" sz="1200" kern="1200">
+                <a:solidFill>
+                  <a:schemeClr val="tx1"/>
+                </a:solidFill>
+                <a:latin typeface="+mn-lt"/>
+                <a:ea typeface="+mn-ea"/>
+                <a:cs typeface="+mn-cs"/>
+              </a:rPr>
+              <a:t>,</a:t>
+            </a:r>
+            <a:r>
+              <a:rPr lang="zh-CN" altLang="en-US" sz="1200" kern="1200">
                 <a:solidFill>
                   <a:schemeClr val="tx1"/>
                 </a:solidFill>
@@ -21395,7 +21335,7 @@
               <a:t>但是这两个表都不存在该字段</a:t>
             </a:r>
             <a:r>
-              <a:rPr lang="en-US" altLang="zh-CN" sz="1200" kern="1200" smtClean="0">
+              <a:rPr lang="en-US" altLang="zh-CN" sz="1200" kern="1200">
                 <a:solidFill>
                   <a:schemeClr val="tx1"/>
                 </a:solidFill>
@@ -21409,12 +21349,8 @@
           </a:p>
           <a:p>
             <a:r>
-              <a:rPr lang="zh-CN" altLang="en-US" smtClean="0"/>
-              <a:t>提供</a:t>
-            </a:r>
-            <a:r>
-              <a:rPr lang="zh-CN" altLang="en-US"/>
-              <a:t>了编辑按钮</a:t>
+              <a:rPr lang="zh-CN" altLang="en-US"/>
+              <a:t>提供了编辑按钮</a:t>
             </a:r>
             <a:r>
               <a:rPr lang="en-US" altLang="zh-CN"/>
@@ -21433,40 +21369,29 @@
               <a:t>将跳到编辑窗口</a:t>
             </a:r>
             <a:r>
-              <a:rPr lang="en-US" altLang="zh-CN" smtClean="0"/>
+              <a:rPr lang="en-US" altLang="zh-CN"/>
               <a:t>. </a:t>
             </a:r>
             <a:r>
-              <a:rPr lang="zh-CN" altLang="en-US" smtClean="0"/>
+              <a:rPr lang="zh-CN" altLang="en-US"/>
               <a:t>主要是对广告的编辑</a:t>
             </a:r>
             <a:r>
-              <a:rPr lang="en-US" altLang="zh-CN" smtClean="0"/>
+              <a:rPr lang="en-US" altLang="zh-CN"/>
               <a:t>.</a:t>
             </a:r>
           </a:p>
           <a:p>
             <a:r>
-              <a:rPr lang="zh-CN" altLang="en-US" sz="1200" kern="1200" smtClean="0">
-                <a:solidFill>
-                  <a:schemeClr val="tx1"/>
-                </a:solidFill>
-                <a:latin typeface="+mn-lt"/>
-                <a:ea typeface="+mn-ea"/>
-                <a:cs typeface="+mn-cs"/>
-              </a:rPr>
-              <a:t>添加</a:t>
-            </a:r>
-            <a:r>
-              <a:rPr lang="zh-CN" altLang="en-US" sz="1200" kern="1200">
-                <a:solidFill>
-                  <a:schemeClr val="tx1"/>
-                </a:solidFill>
-                <a:latin typeface="+mn-lt"/>
-                <a:ea typeface="+mn-ea"/>
-                <a:cs typeface="+mn-cs"/>
-              </a:rPr>
-              <a:t>广告</a:t>
+              <a:rPr lang="zh-CN" altLang="en-US" sz="1200" kern="1200">
+                <a:solidFill>
+                  <a:schemeClr val="tx1"/>
+                </a:solidFill>
+                <a:latin typeface="+mn-lt"/>
+                <a:ea typeface="+mn-ea"/>
+                <a:cs typeface="+mn-cs"/>
+              </a:rPr>
+              <a:t>添加广告</a:t>
             </a:r>
             <a:r>
               <a:rPr lang="en-US" altLang="zh-CN" sz="1200" kern="1200">
@@ -21719,26 +21644,15 @@
           <a:lstStyle/>
           <a:p>
             <a:r>
-              <a:rPr lang="zh-CN" altLang="en-US" sz="1200" kern="1200" smtClean="0">
-                <a:solidFill>
-                  <a:schemeClr val="tx1"/>
-                </a:solidFill>
-                <a:latin typeface="+mn-lt"/>
-                <a:ea typeface="+mn-ea"/>
-                <a:cs typeface="+mn-cs"/>
-              </a:rPr>
-              <a:t>主要</a:t>
-            </a:r>
-            <a:r>
-              <a:rPr lang="zh-CN" altLang="en-US" sz="1200" kern="1200">
-                <a:solidFill>
-                  <a:schemeClr val="tx1"/>
-                </a:solidFill>
-                <a:latin typeface="+mn-lt"/>
-                <a:ea typeface="+mn-ea"/>
-                <a:cs typeface="+mn-cs"/>
-              </a:rPr>
-              <a:t>是</a:t>
+              <a:rPr lang="zh-CN" altLang="en-US" sz="1200" kern="1200">
+                <a:solidFill>
+                  <a:schemeClr val="tx1"/>
+                </a:solidFill>
+                <a:latin typeface="+mn-lt"/>
+                <a:ea typeface="+mn-ea"/>
+                <a:cs typeface="+mn-cs"/>
+              </a:rPr>
+              <a:t>主要是</a:t>
             </a:r>
             <a:r>
               <a:rPr lang="en-US" altLang="zh-CN" sz="1200" kern="1200">
@@ -21787,18 +21701,18 @@
               <a:t>主要是对广告位的各种数据进行管理</a:t>
             </a:r>
             <a:r>
-              <a:rPr lang="en-US" altLang="zh-CN" sz="1200" kern="1200" smtClean="0">
-                <a:solidFill>
-                  <a:schemeClr val="tx1"/>
-                </a:solidFill>
-                <a:latin typeface="+mn-lt"/>
-                <a:ea typeface="+mn-ea"/>
-                <a:cs typeface="+mn-cs"/>
-              </a:rPr>
-              <a:t>,</a:t>
-            </a:r>
-            <a:r>
-              <a:rPr lang="zh-CN" altLang="en-US" sz="1200" kern="1200" smtClean="0">
+              <a:rPr lang="en-US" altLang="zh-CN" sz="1200" kern="1200">
+                <a:solidFill>
+                  <a:schemeClr val="tx1"/>
+                </a:solidFill>
+                <a:latin typeface="+mn-lt"/>
+                <a:ea typeface="+mn-ea"/>
+                <a:cs typeface="+mn-cs"/>
+              </a:rPr>
+              <a:t>,</a:t>
+            </a:r>
+            <a:r>
+              <a:rPr lang="zh-CN" altLang="en-US" sz="1200" kern="1200">
                 <a:solidFill>
                   <a:schemeClr val="tx1"/>
                 </a:solidFill>
@@ -21809,18 +21723,18 @@
               <a:t>基本展示的都是元数据</a:t>
             </a:r>
             <a:r>
-              <a:rPr lang="en-US" altLang="zh-CN" sz="1200" kern="1200" smtClean="0">
-                <a:solidFill>
-                  <a:schemeClr val="tx1"/>
-                </a:solidFill>
-                <a:latin typeface="+mn-lt"/>
-                <a:ea typeface="+mn-ea"/>
-                <a:cs typeface="+mn-cs"/>
-              </a:rPr>
-              <a:t>,</a:t>
-            </a:r>
-            <a:r>
-              <a:rPr lang="zh-CN" altLang="en-US" sz="1200" kern="1200" smtClean="0">
+              <a:rPr lang="en-US" altLang="zh-CN" sz="1200" kern="1200">
+                <a:solidFill>
+                  <a:schemeClr val="tx1"/>
+                </a:solidFill>
+                <a:latin typeface="+mn-lt"/>
+                <a:ea typeface="+mn-ea"/>
+                <a:cs typeface="+mn-cs"/>
+              </a:rPr>
+              <a:t>,</a:t>
+            </a:r>
+            <a:r>
+              <a:rPr lang="zh-CN" altLang="en-US" sz="1200" kern="1200">
                 <a:solidFill>
                   <a:schemeClr val="tx1"/>
                 </a:solidFill>
@@ -21831,7 +21745,7 @@
               <a:t>就是从数据库直接查询不用经过业务计算就可以直接展示</a:t>
             </a:r>
             <a:r>
-              <a:rPr lang="en-US" altLang="zh-CN" sz="1200" kern="1200" smtClean="0">
+              <a:rPr lang="en-US" altLang="zh-CN" sz="1200" kern="1200">
                 <a:solidFill>
                   <a:schemeClr val="tx1"/>
                 </a:solidFill>
@@ -21840,6 +21754,190 @@
                 <a:cs typeface="+mn-cs"/>
               </a:rPr>
               <a:t>.</a:t>
+            </a:r>
+          </a:p>
+          <a:p>
+            <a:r>
+              <a:rPr lang="zh-CN" altLang="en-US" sz="1200" kern="1200">
+                <a:solidFill>
+                  <a:schemeClr val="tx1"/>
+                </a:solidFill>
+                <a:latin typeface="+mn-lt"/>
+                <a:ea typeface="+mn-ea"/>
+                <a:cs typeface="+mn-cs"/>
+              </a:rPr>
+              <a:t>以广告位为维度</a:t>
+            </a:r>
+          </a:p>
+          <a:p>
+            <a:r>
+              <a:rPr lang="zh-CN" altLang="en-US" sz="1200" kern="1200">
+                <a:solidFill>
+                  <a:schemeClr val="tx1"/>
+                </a:solidFill>
+                <a:latin typeface="+mn-lt"/>
+                <a:ea typeface="+mn-ea"/>
+                <a:cs typeface="+mn-cs"/>
+              </a:rPr>
+              <a:t>显示 应用宝渠道号 渠道名称 计费模式 分成比例 返点点击左边的下载按钮可以下载对应游戏包名的</a:t>
+            </a:r>
+            <a:r>
+              <a:rPr lang="en-US" altLang="zh-CN" sz="1200" kern="1200" err="1">
+                <a:solidFill>
+                  <a:schemeClr val="tx1"/>
+                </a:solidFill>
+                <a:latin typeface="+mn-lt"/>
+                <a:ea typeface="+mn-ea"/>
+                <a:cs typeface="+mn-cs"/>
+              </a:rPr>
+              <a:t>apk</a:t>
+            </a:r>
+            <a:r>
+              <a:rPr lang="zh-CN" altLang="en-US" sz="1200" kern="1200">
+                <a:solidFill>
+                  <a:schemeClr val="tx1"/>
+                </a:solidFill>
+                <a:latin typeface="+mn-lt"/>
+                <a:ea typeface="+mn-ea"/>
+                <a:cs typeface="+mn-cs"/>
+              </a:rPr>
+              <a:t>包</a:t>
+            </a:r>
+            <a:r>
+              <a:rPr lang="en-US" altLang="zh-CN" sz="1200" kern="1200">
+                <a:solidFill>
+                  <a:schemeClr val="tx1"/>
+                </a:solidFill>
+                <a:latin typeface="+mn-lt"/>
+                <a:ea typeface="+mn-ea"/>
+                <a:cs typeface="+mn-cs"/>
+              </a:rPr>
+              <a:t>.</a:t>
+            </a:r>
+          </a:p>
+          <a:p>
+            <a:r>
+              <a:rPr lang="zh-CN" altLang="en-US" sz="1200" kern="1200">
+                <a:solidFill>
+                  <a:schemeClr val="tx1"/>
+                </a:solidFill>
+                <a:latin typeface="+mn-lt"/>
+                <a:ea typeface="+mn-ea"/>
+                <a:cs typeface="+mn-cs"/>
+              </a:rPr>
+              <a:t>编辑按钮 需要提供渠道</a:t>
+            </a:r>
+            <a:r>
+              <a:rPr lang="en-US" altLang="zh-CN" sz="1200" kern="1200">
+                <a:solidFill>
+                  <a:schemeClr val="tx1"/>
+                </a:solidFill>
+                <a:latin typeface="+mn-lt"/>
+                <a:ea typeface="+mn-ea"/>
+                <a:cs typeface="+mn-cs"/>
+              </a:rPr>
+              <a:t>,</a:t>
+            </a:r>
+            <a:r>
+              <a:rPr lang="zh-CN" altLang="en-US" sz="1200" kern="1200">
+                <a:solidFill>
+                  <a:schemeClr val="tx1"/>
+                </a:solidFill>
+                <a:latin typeface="+mn-lt"/>
+                <a:ea typeface="+mn-ea"/>
+                <a:cs typeface="+mn-cs"/>
+              </a:rPr>
+              <a:t>广告位名称</a:t>
+            </a:r>
+            <a:r>
+              <a:rPr lang="en-US" altLang="zh-CN" sz="1200" kern="1200">
+                <a:solidFill>
+                  <a:schemeClr val="tx1"/>
+                </a:solidFill>
+                <a:latin typeface="+mn-lt"/>
+                <a:ea typeface="+mn-ea"/>
+                <a:cs typeface="+mn-cs"/>
+              </a:rPr>
+              <a:t>,</a:t>
+            </a:r>
+            <a:r>
+              <a:rPr lang="zh-CN" altLang="en-US" sz="1200" kern="1200">
+                <a:solidFill>
+                  <a:schemeClr val="tx1"/>
+                </a:solidFill>
+                <a:latin typeface="+mn-lt"/>
+                <a:ea typeface="+mn-ea"/>
+                <a:cs typeface="+mn-cs"/>
+              </a:rPr>
+              <a:t>计费模式</a:t>
+            </a:r>
+            <a:r>
+              <a:rPr lang="en-US" altLang="zh-CN" sz="1200" kern="1200">
+                <a:solidFill>
+                  <a:schemeClr val="tx1"/>
+                </a:solidFill>
+                <a:latin typeface="+mn-lt"/>
+                <a:ea typeface="+mn-ea"/>
+                <a:cs typeface="+mn-cs"/>
+              </a:rPr>
+              <a:t>,</a:t>
+            </a:r>
+            <a:r>
+              <a:rPr lang="zh-CN" altLang="en-US" sz="1200" kern="1200">
+                <a:solidFill>
+                  <a:schemeClr val="tx1"/>
+                </a:solidFill>
+                <a:latin typeface="+mn-lt"/>
+                <a:ea typeface="+mn-ea"/>
+                <a:cs typeface="+mn-cs"/>
+              </a:rPr>
+              <a:t>游戏包名等</a:t>
+            </a:r>
+            <a:r>
+              <a:rPr lang="en-US" altLang="zh-CN" sz="1200" kern="1200">
+                <a:solidFill>
+                  <a:schemeClr val="tx1"/>
+                </a:solidFill>
+                <a:latin typeface="+mn-lt"/>
+                <a:ea typeface="+mn-ea"/>
+                <a:cs typeface="+mn-cs"/>
+              </a:rPr>
+              <a:t>,</a:t>
+            </a:r>
+          </a:p>
+          <a:p>
+            <a:r>
+              <a:rPr lang="zh-CN" altLang="en-US" sz="1200" kern="1200">
+                <a:solidFill>
+                  <a:schemeClr val="tx1"/>
+                </a:solidFill>
+                <a:latin typeface="+mn-lt"/>
+                <a:ea typeface="+mn-ea"/>
+                <a:cs typeface="+mn-cs"/>
+              </a:rPr>
+              <a:t>广告连接</a:t>
+            </a:r>
+            <a:r>
+              <a:rPr lang="en-US" altLang="zh-CN" sz="1200" kern="1200">
+                <a:solidFill>
+                  <a:schemeClr val="tx1"/>
+                </a:solidFill>
+                <a:latin typeface="+mn-lt"/>
+                <a:ea typeface="+mn-ea"/>
+                <a:cs typeface="+mn-cs"/>
+              </a:rPr>
+              <a:t>:</a:t>
+            </a:r>
+            <a:r>
+              <a:rPr lang="zh-CN" altLang="en-US" sz="1200" kern="1200">
+                <a:solidFill>
+                  <a:schemeClr val="tx1"/>
+                </a:solidFill>
+                <a:latin typeface="+mn-lt"/>
+                <a:ea typeface="+mn-ea"/>
+                <a:cs typeface="+mn-cs"/>
+              </a:rPr>
+              <a:t>主要指的就是这个广告位对应的连接地址</a:t>
             </a:r>
             <a:endParaRPr lang="en-US" altLang="zh-CN" sz="1200" kern="1200">
               <a:solidFill>
@@ -21853,231 +21951,6 @@
           <a:p>
             <a:r>
               <a:rPr lang="zh-CN" altLang="en-US" sz="1200" kern="1200">
-                <a:solidFill>
-                  <a:schemeClr val="tx1"/>
-                </a:solidFill>
-                <a:latin typeface="+mn-lt"/>
-                <a:ea typeface="+mn-ea"/>
-                <a:cs typeface="+mn-cs"/>
-              </a:rPr>
-              <a:t>以广告位为维度</a:t>
-            </a:r>
-          </a:p>
-          <a:p>
-            <a:r>
-              <a:rPr lang="zh-CN" altLang="en-US" sz="1200" kern="1200">
-                <a:solidFill>
-                  <a:schemeClr val="tx1"/>
-                </a:solidFill>
-                <a:latin typeface="+mn-lt"/>
-                <a:ea typeface="+mn-ea"/>
-                <a:cs typeface="+mn-cs"/>
-              </a:rPr>
-              <a:t>显示 应用宝渠道号 渠道名称 计费模式 分成比例 返</a:t>
-            </a:r>
-            <a:r>
-              <a:rPr lang="zh-CN" altLang="en-US" sz="1200" kern="1200" smtClean="0">
-                <a:solidFill>
-                  <a:schemeClr val="tx1"/>
-                </a:solidFill>
-                <a:latin typeface="+mn-lt"/>
-                <a:ea typeface="+mn-ea"/>
-                <a:cs typeface="+mn-cs"/>
-              </a:rPr>
-              <a:t>点点击</a:t>
-            </a:r>
-            <a:r>
-              <a:rPr lang="zh-CN" altLang="en-US" sz="1200" kern="1200">
-                <a:solidFill>
-                  <a:schemeClr val="tx1"/>
-                </a:solidFill>
-                <a:latin typeface="+mn-lt"/>
-                <a:ea typeface="+mn-ea"/>
-                <a:cs typeface="+mn-cs"/>
-              </a:rPr>
-              <a:t>左边的下载按钮可以下载对应游戏包名的</a:t>
-            </a:r>
-            <a:r>
-              <a:rPr lang="en-US" altLang="zh-CN" sz="1200" kern="1200" err="1">
-                <a:solidFill>
-                  <a:schemeClr val="tx1"/>
-                </a:solidFill>
-                <a:latin typeface="+mn-lt"/>
-                <a:ea typeface="+mn-ea"/>
-                <a:cs typeface="+mn-cs"/>
-              </a:rPr>
-              <a:t>apk</a:t>
-            </a:r>
-            <a:r>
-              <a:rPr lang="zh-CN" altLang="en-US" sz="1200" kern="1200">
-                <a:solidFill>
-                  <a:schemeClr val="tx1"/>
-                </a:solidFill>
-                <a:latin typeface="+mn-lt"/>
-                <a:ea typeface="+mn-ea"/>
-                <a:cs typeface="+mn-cs"/>
-              </a:rPr>
-              <a:t>包</a:t>
-            </a:r>
-            <a:r>
-              <a:rPr lang="en-US" altLang="zh-CN" sz="1200" kern="1200">
-                <a:solidFill>
-                  <a:schemeClr val="tx1"/>
-                </a:solidFill>
-                <a:latin typeface="+mn-lt"/>
-                <a:ea typeface="+mn-ea"/>
-                <a:cs typeface="+mn-cs"/>
-              </a:rPr>
-              <a:t>.</a:t>
-            </a:r>
-          </a:p>
-          <a:p>
-            <a:r>
-              <a:rPr lang="zh-CN" altLang="en-US" sz="1200" kern="1200">
-                <a:solidFill>
-                  <a:schemeClr val="tx1"/>
-                </a:solidFill>
-                <a:latin typeface="+mn-lt"/>
-                <a:ea typeface="+mn-ea"/>
-                <a:cs typeface="+mn-cs"/>
-              </a:rPr>
-              <a:t>编辑按钮 需要提供渠道</a:t>
-            </a:r>
-            <a:r>
-              <a:rPr lang="en-US" altLang="zh-CN" sz="1200" kern="1200">
-                <a:solidFill>
-                  <a:schemeClr val="tx1"/>
-                </a:solidFill>
-                <a:latin typeface="+mn-lt"/>
-                <a:ea typeface="+mn-ea"/>
-                <a:cs typeface="+mn-cs"/>
-              </a:rPr>
-              <a:t>,</a:t>
-            </a:r>
-            <a:r>
-              <a:rPr lang="zh-CN" altLang="en-US" sz="1200" kern="1200">
-                <a:solidFill>
-                  <a:schemeClr val="tx1"/>
-                </a:solidFill>
-                <a:latin typeface="+mn-lt"/>
-                <a:ea typeface="+mn-ea"/>
-                <a:cs typeface="+mn-cs"/>
-              </a:rPr>
-              <a:t>广告位名称</a:t>
-            </a:r>
-            <a:r>
-              <a:rPr lang="en-US" altLang="zh-CN" sz="1200" kern="1200">
-                <a:solidFill>
-                  <a:schemeClr val="tx1"/>
-                </a:solidFill>
-                <a:latin typeface="+mn-lt"/>
-                <a:ea typeface="+mn-ea"/>
-                <a:cs typeface="+mn-cs"/>
-              </a:rPr>
-              <a:t>,</a:t>
-            </a:r>
-            <a:r>
-              <a:rPr lang="zh-CN" altLang="en-US" sz="1200" kern="1200">
-                <a:solidFill>
-                  <a:schemeClr val="tx1"/>
-                </a:solidFill>
-                <a:latin typeface="+mn-lt"/>
-                <a:ea typeface="+mn-ea"/>
-                <a:cs typeface="+mn-cs"/>
-              </a:rPr>
-              <a:t>计费模式</a:t>
-            </a:r>
-            <a:r>
-              <a:rPr lang="en-US" altLang="zh-CN" sz="1200" kern="1200">
-                <a:solidFill>
-                  <a:schemeClr val="tx1"/>
-                </a:solidFill>
-                <a:latin typeface="+mn-lt"/>
-                <a:ea typeface="+mn-ea"/>
-                <a:cs typeface="+mn-cs"/>
-              </a:rPr>
-              <a:t>,</a:t>
-            </a:r>
-            <a:r>
-              <a:rPr lang="zh-CN" altLang="en-US" sz="1200" kern="1200">
-                <a:solidFill>
-                  <a:schemeClr val="tx1"/>
-                </a:solidFill>
-                <a:latin typeface="+mn-lt"/>
-                <a:ea typeface="+mn-ea"/>
-                <a:cs typeface="+mn-cs"/>
-              </a:rPr>
-              <a:t>游戏包名等</a:t>
-            </a:r>
-            <a:r>
-              <a:rPr lang="en-US" altLang="zh-CN" sz="1200" kern="1200">
-                <a:solidFill>
-                  <a:schemeClr val="tx1"/>
-                </a:solidFill>
-                <a:latin typeface="+mn-lt"/>
-                <a:ea typeface="+mn-ea"/>
-                <a:cs typeface="+mn-cs"/>
-              </a:rPr>
-              <a:t>,</a:t>
-            </a:r>
-          </a:p>
-          <a:p>
-            <a:r>
-              <a:rPr lang="zh-CN" altLang="en-US" sz="1200" kern="1200">
-                <a:solidFill>
-                  <a:schemeClr val="tx1"/>
-                </a:solidFill>
-                <a:latin typeface="+mn-lt"/>
-                <a:ea typeface="+mn-ea"/>
-                <a:cs typeface="+mn-cs"/>
-              </a:rPr>
-              <a:t>广告连接</a:t>
-            </a:r>
-            <a:r>
-              <a:rPr lang="en-US" altLang="zh-CN" sz="1200" kern="1200">
-                <a:solidFill>
-                  <a:schemeClr val="tx1"/>
-                </a:solidFill>
-                <a:latin typeface="+mn-lt"/>
-                <a:ea typeface="+mn-ea"/>
-                <a:cs typeface="+mn-cs"/>
-              </a:rPr>
-              <a:t>:</a:t>
-            </a:r>
-            <a:r>
-              <a:rPr lang="zh-CN" altLang="en-US" sz="1200" kern="1200">
-                <a:solidFill>
-                  <a:schemeClr val="tx1"/>
-                </a:solidFill>
-                <a:latin typeface="+mn-lt"/>
-                <a:ea typeface="+mn-ea"/>
-                <a:cs typeface="+mn-cs"/>
-              </a:rPr>
-              <a:t>主要指的就是这个广告位对应的连接</a:t>
-            </a:r>
-            <a:r>
-              <a:rPr lang="zh-CN" altLang="en-US" sz="1200" kern="1200" smtClean="0">
-                <a:solidFill>
-                  <a:schemeClr val="tx1"/>
-                </a:solidFill>
-                <a:latin typeface="+mn-lt"/>
-                <a:ea typeface="+mn-ea"/>
-                <a:cs typeface="+mn-cs"/>
-              </a:rPr>
-              <a:t>地址</a:t>
-            </a:r>
-            <a:endParaRPr lang="en-US" altLang="zh-CN" sz="1200" kern="1200" smtClean="0">
-              <a:solidFill>
-                <a:schemeClr val="tx1"/>
-              </a:solidFill>
-              <a:latin typeface="+mn-lt"/>
-              <a:ea typeface="+mn-ea"/>
-              <a:cs typeface="+mn-cs"/>
-            </a:endParaRPr>
-          </a:p>
-          <a:p>
-            <a:r>
-              <a:rPr lang="zh-CN" altLang="en-US" sz="1200" kern="1200" smtClean="0">
                 <a:solidFill>
                   <a:schemeClr val="tx1"/>
                 </a:solidFill>
@@ -26524,12 +26397,6 @@
           <a:bodyPr/>
           <a:lstStyle/>
           <a:p>
-            <a:r>
-              <a:rPr lang="en-US" altLang="ko-KR" sz="3200">
-                <a:ea typeface="굴림" pitchFamily="34" charset="-127"/>
-              </a:rPr>
-              <a:t/>
-            </a:r>
             <a:br>
               <a:rPr lang="en-US" altLang="ko-KR" sz="3200">
                 <a:ea typeface="굴림" pitchFamily="34" charset="-127"/>
@@ -26543,15 +26410,6 @@
                 <a:ea typeface="굴림" pitchFamily="34" charset="-127"/>
               </a:rPr>
               <a:t>优云项目理解</a:t>
-            </a:r>
-            <a:r>
-              <a:rPr lang="en-US" altLang="zh-CN" sz="4000">
-                <a:solidFill>
-                  <a:schemeClr val="accent1"/>
-                </a:solidFill>
-                <a:ea typeface="굴림" pitchFamily="34" charset="-127"/>
-              </a:rPr>
-              <a:t/>
             </a:r>
             <a:br>
               <a:rPr lang="en-US" altLang="zh-CN" sz="4000">
@@ -26622,10 +26480,6 @@
             <a:r>
               <a:rPr lang="zh-CN" altLang="en-US"/>
               <a:t>业务 广告位管理</a:t>
-            </a:r>
-            <a:r>
-              <a:rPr lang="en-US" altLang="zh-CN"/>
-              <a:t/>
             </a:r>
             <a:br>
               <a:rPr lang="en-US" altLang="zh-CN"/>
@@ -26802,10 +26656,6 @@
               </a:rPr>
               <a:t>返回模块介绍</a:t>
             </a:r>
-            <a:r>
-              <a:rPr lang="en-US" altLang="zh-CN"/>
-              <a:t/>
-            </a:r>
             <a:br>
               <a:rPr lang="en-US" altLang="zh-CN"/>
             </a:br>
@@ -27029,10 +26879,6 @@
               <a:rPr lang="zh-CN" altLang="en-US"/>
               <a:t>数据</a:t>
             </a:r>
-            <a:r>
-              <a:rPr lang="en-US" altLang="zh-CN"/>
-              <a:t/>
-            </a:r>
             <a:br>
               <a:rPr lang="en-US" altLang="zh-CN"/>
             </a:br>
@@ -27222,10 +27068,6 @@
             <a:r>
               <a:rPr lang="zh-CN" altLang="en-US"/>
               <a:t>数据 渠道时表</a:t>
-            </a:r>
-            <a:r>
-              <a:rPr lang="en-US" altLang="zh-CN"/>
-              <a:t/>
             </a:r>
             <a:br>
               <a:rPr lang="en-US" altLang="zh-CN"/>
@@ -27408,10 +27250,6 @@
               <a:rPr lang="zh-CN" altLang="en-US"/>
               <a:t>数据 渠道效果</a:t>
             </a:r>
-            <a:r>
-              <a:rPr lang="en-US" altLang="zh-CN"/>
-              <a:t/>
-            </a:r>
             <a:br>
               <a:rPr lang="en-US" altLang="zh-CN"/>
             </a:br>
@@ -27748,10 +27586,6 @@
               <a:rPr lang="zh-CN" altLang="en-US"/>
               <a:t>数据 渠道效果</a:t>
             </a:r>
-            <a:r>
-              <a:rPr lang="en-US" altLang="zh-CN"/>
-              <a:t/>
-            </a:r>
             <a:br>
               <a:rPr lang="en-US" altLang="zh-CN"/>
             </a:br>
@@ -27891,10 +27725,6 @@
               <a:rPr lang="zh-CN" altLang="en-US"/>
               <a:t>渠道日表</a:t>
             </a:r>
-            <a:r>
-              <a:rPr lang="en-US" altLang="zh-CN"/>
-              <a:t/>
-            </a:r>
             <a:br>
               <a:rPr lang="en-US" altLang="zh-CN"/>
             </a:br>
@@ -28039,10 +27869,6 @@
               <a:rPr lang="zh-CN" altLang="en-US"/>
               <a:t>数据 游戏效果</a:t>
             </a:r>
-            <a:r>
-              <a:rPr lang="en-US" altLang="zh-CN"/>
-              <a:t/>
-            </a:r>
             <a:br>
               <a:rPr lang="en-US" altLang="zh-CN"/>
             </a:br>
@@ -28234,10 +28060,6 @@
             <a:r>
               <a:rPr lang="zh-CN" altLang="en-US"/>
               <a:t>数据 充值数据</a:t>
-            </a:r>
-            <a:r>
-              <a:rPr lang="en-US" altLang="zh-CN"/>
-              <a:t/>
             </a:r>
             <a:br>
               <a:rPr lang="en-US" altLang="zh-CN"/>
@@ -28448,10 +28270,6 @@
             <a:r>
               <a:rPr lang="zh-CN" altLang="en-US"/>
               <a:t>数据 业务管理</a:t>
-            </a:r>
-            <a:r>
-              <a:rPr lang="en-US" altLang="zh-CN"/>
-              <a:t/>
             </a:r>
             <a:br>
               <a:rPr lang="en-US" altLang="zh-CN"/>
@@ -28613,10 +28431,6 @@
               </a:rPr>
               <a:t>返回项目介绍</a:t>
             </a:r>
-            <a:r>
-              <a:rPr lang="en-US" altLang="zh-CN"/>
-              <a:t/>
-            </a:r>
             <a:br>
               <a:rPr lang="en-US" altLang="zh-CN"/>
             </a:br>
@@ -28751,10 +28565,6 @@
               <a:rPr lang="zh-CN" altLang="en-US"/>
               <a:t>正版业务</a:t>
             </a:r>
-            <a:r>
-              <a:rPr lang="en-US" altLang="zh-CN"/>
-              <a:t/>
-            </a:r>
             <a:br>
               <a:rPr lang="en-US" altLang="zh-CN"/>
             </a:br>
@@ -28890,10 +28700,6 @@
               <a:rPr lang="zh-CN" altLang="en-US"/>
               <a:t>正版业务 用户列表</a:t>
             </a:r>
-            <a:r>
-              <a:rPr lang="en-US" altLang="zh-CN"/>
-              <a:t/>
-            </a:r>
             <a:br>
               <a:rPr lang="en-US" altLang="zh-CN"/>
             </a:br>
@@ -29027,10 +28833,6 @@
             <a:r>
               <a:rPr lang="zh-CN" altLang="en-US"/>
               <a:t>正版业务 游戏列表</a:t>
-            </a:r>
-            <a:r>
-              <a:rPr lang="en-US" altLang="zh-CN"/>
-              <a:t/>
             </a:r>
             <a:br>
               <a:rPr lang="en-US" altLang="zh-CN"/>
@@ -29235,10 +29037,6 @@
               <a:rPr lang="zh-CN" altLang="en-US"/>
               <a:t>渠道列表</a:t>
             </a:r>
-            <a:r>
-              <a:rPr lang="en-US" altLang="zh-CN"/>
-              <a:t/>
-            </a:r>
             <a:br>
               <a:rPr lang="en-US" altLang="zh-CN"/>
             </a:br>
@@ -29433,10 +29231,6 @@
             <a:r>
               <a:rPr lang="zh-CN" altLang="en-US"/>
               <a:t>正版业务 广告位列表</a:t>
-            </a:r>
-            <a:r>
-              <a:rPr lang="en-US" altLang="zh-CN"/>
-              <a:t/>
             </a:r>
             <a:br>
               <a:rPr lang="en-US" altLang="zh-CN"/>
@@ -29666,10 +29460,6 @@
               </a:rPr>
               <a:t>返回项目模块</a:t>
             </a:r>
-            <a:r>
-              <a:rPr lang="en-US" altLang="zh-CN"/>
-              <a:t/>
-            </a:r>
             <a:br>
               <a:rPr lang="en-US" altLang="zh-CN"/>
             </a:br>
@@ -29862,10 +29652,6 @@
               <a:rPr lang="zh-CN" altLang="en-US"/>
               <a:t>正版数据</a:t>
             </a:r>
-            <a:r>
-              <a:rPr lang="en-US" altLang="zh-CN"/>
-              <a:t/>
-            </a:r>
             <a:br>
               <a:rPr lang="en-US" altLang="zh-CN"/>
             </a:br>
@@ -30010,10 +29796,6 @@
             <a:r>
               <a:rPr lang="zh-CN" altLang="en-US"/>
               <a:t>正版数据 渠道时表</a:t>
-            </a:r>
-            <a:r>
-              <a:rPr lang="en-US" altLang="zh-CN"/>
-              <a:t/>
             </a:r>
             <a:br>
               <a:rPr lang="en-US" altLang="zh-CN"/>
@@ -30190,10 +29972,6 @@
               <a:rPr lang="zh-CN" altLang="en-US"/>
               <a:t>优云</a:t>
             </a:r>
-            <a:r>
-              <a:rPr lang="en-US" altLang="zh-CN"/>
-              <a:t/>
-            </a:r>
             <a:br>
               <a:rPr lang="en-US" altLang="zh-CN"/>
             </a:br>
@@ -30328,10 +30106,6 @@
             <a:r>
               <a:rPr lang="zh-CN" altLang="en-US"/>
               <a:t>正版数据 渠道效果</a:t>
-            </a:r>
-            <a:r>
-              <a:rPr lang="en-US" altLang="zh-CN"/>
-              <a:t/>
             </a:r>
             <a:br>
               <a:rPr lang="en-US" altLang="zh-CN"/>
@@ -30519,10 +30293,6 @@
               <a:rPr lang="zh-CN" altLang="en-US"/>
               <a:t>正版数据 渠道日表</a:t>
             </a:r>
-            <a:r>
-              <a:rPr lang="en-US" altLang="zh-CN"/>
-              <a:t/>
-            </a:r>
             <a:br>
               <a:rPr lang="en-US" altLang="zh-CN"/>
             </a:br>
@@ -30715,10 +30485,6 @@
               <a:rPr lang="zh-CN" altLang="en-US"/>
               <a:t>正版数据 游戏效果</a:t>
             </a:r>
-            <a:r>
-              <a:rPr lang="en-US" altLang="zh-CN"/>
-              <a:t/>
-            </a:r>
             <a:br>
               <a:rPr lang="en-US" altLang="zh-CN"/>
             </a:br>
@@ -30883,10 +30649,6 @@
               <a:rPr lang="zh-CN" altLang="en-US"/>
               <a:t>正版数据 充值数据</a:t>
             </a:r>
-            <a:r>
-              <a:rPr lang="en-US" altLang="zh-CN"/>
-              <a:t/>
-            </a:r>
             <a:br>
               <a:rPr lang="en-US" altLang="zh-CN"/>
             </a:br>
@@ -31105,10 +30867,6 @@
               </a:rPr>
               <a:t>返回项目模块</a:t>
             </a:r>
-            <a:r>
-              <a:rPr lang="en-US" altLang="zh-CN"/>
-              <a:t/>
-            </a:r>
             <a:br>
               <a:rPr lang="en-US" altLang="zh-CN"/>
             </a:br>
@@ -31325,10 +31083,6 @@
               <a:rPr lang="zh-CN" altLang="en-US"/>
               <a:t>海外业务 </a:t>
             </a:r>
-            <a:r>
-              <a:rPr lang="en-US" altLang="zh-CN"/>
-              <a:t/>
-            </a:r>
             <a:br>
               <a:rPr lang="en-US" altLang="zh-CN"/>
             </a:br>
@@ -31449,10 +31203,6 @@
             <a:r>
               <a:rPr lang="zh-CN" altLang="en-US"/>
               <a:t>海外业务 游戏列表</a:t>
-            </a:r>
-            <a:r>
-              <a:rPr lang="en-US" altLang="zh-CN"/>
-              <a:t/>
             </a:r>
             <a:br>
               <a:rPr lang="en-US" altLang="zh-CN"/>
@@ -31624,10 +31374,6 @@
               <a:rPr lang="zh-CN" altLang="en-US"/>
               <a:t>海外业务 渠道列表 </a:t>
             </a:r>
-            <a:r>
-              <a:rPr lang="en-US" altLang="zh-CN"/>
-              <a:t/>
-            </a:r>
             <a:br>
               <a:rPr lang="en-US" altLang="zh-CN"/>
             </a:br>
@@ -31816,10 +31562,6 @@
               <a:rPr lang="zh-CN" altLang="en-US"/>
               <a:t>海外业务 广告位列表 </a:t>
             </a:r>
-            <a:r>
-              <a:rPr lang="en-US" altLang="zh-CN"/>
-              <a:t/>
-            </a:r>
             <a:br>
               <a:rPr lang="en-US" altLang="zh-CN"/>
             </a:br>
@@ -31970,10 +31712,6 @@
               </a:rPr>
               <a:t>返回项目模块</a:t>
             </a:r>
-            <a:r>
-              <a:rPr lang="en-US" altLang="zh-CN"/>
-              <a:t/>
-            </a:r>
             <a:br>
               <a:rPr lang="en-US" altLang="zh-CN"/>
             </a:br>
@@ -32148,10 +31886,6 @@
               <a:rPr lang="zh-CN" altLang="en-US"/>
               <a:t>优云项目模块</a:t>
             </a:r>
-            <a:r>
-              <a:rPr lang="en-US" altLang="zh-CN"/>
-              <a:t/>
-            </a:r>
             <a:br>
               <a:rPr lang="en-US" altLang="zh-CN"/>
             </a:br>
@@ -32366,10 +32100,6 @@
               <a:rPr lang="zh-CN" altLang="en-US"/>
               <a:t>海外数据 </a:t>
             </a:r>
-            <a:r>
-              <a:rPr lang="en-US" altLang="zh-CN"/>
-              <a:t/>
-            </a:r>
             <a:br>
               <a:rPr lang="en-US" altLang="zh-CN"/>
             </a:br>
@@ -32490,10 +32220,6 @@
             <a:r>
               <a:rPr lang="zh-CN" altLang="en-US"/>
               <a:t>海外数据 渠道时表 </a:t>
-            </a:r>
-            <a:r>
-              <a:rPr lang="en-US" altLang="zh-CN"/>
-              <a:t/>
             </a:r>
             <a:br>
               <a:rPr lang="en-US" altLang="zh-CN"/>
@@ -32679,10 +32405,6 @@
               <a:rPr lang="zh-CN" altLang="en-US"/>
               <a:t>海外数据 渠道效果 </a:t>
             </a:r>
-            <a:r>
-              <a:rPr lang="en-US" altLang="zh-CN"/>
-              <a:t/>
-            </a:r>
             <a:br>
               <a:rPr lang="en-US" altLang="zh-CN"/>
             </a:br>
@@ -32897,10 +32619,6 @@
               <a:rPr lang="zh-CN" altLang="en-US"/>
               <a:t>海外数据 渠道日表 </a:t>
             </a:r>
-            <a:r>
-              <a:rPr lang="en-US" altLang="zh-CN"/>
-              <a:t/>
-            </a:r>
             <a:br>
               <a:rPr lang="en-US" altLang="zh-CN"/>
             </a:br>
@@ -33089,10 +32807,6 @@
               </a:rPr>
               <a:t>返回项目模块 </a:t>
             </a:r>
-            <a:r>
-              <a:rPr lang="en-US" altLang="zh-CN"/>
-              <a:t/>
-            </a:r>
             <a:br>
               <a:rPr lang="en-US" altLang="zh-CN"/>
             </a:br>
@@ -33323,10 +33037,6 @@
               <a:rPr lang="zh-CN" altLang="en-US"/>
               <a:t>财务结算</a:t>
             </a:r>
-            <a:r>
-              <a:rPr lang="en-US" altLang="zh-CN"/>
-              <a:t/>
-            </a:r>
             <a:br>
               <a:rPr lang="en-US" altLang="zh-CN"/>
             </a:br>
@@ -33459,10 +33169,6 @@
             <a:r>
               <a:rPr lang="zh-CN" altLang="en-US"/>
               <a:t>财务结算 佣金结算 </a:t>
-            </a:r>
-            <a:r>
-              <a:rPr lang="en-US" altLang="zh-CN"/>
-              <a:t/>
             </a:r>
             <a:br>
               <a:rPr lang="en-US" altLang="zh-CN"/>
@@ -33656,10 +33362,6 @@
               <a:rPr lang="zh-CN" altLang="en-US"/>
               <a:t>财务结算   分期佣金</a:t>
             </a:r>
-            <a:r>
-              <a:rPr lang="en-US" altLang="zh-CN"/>
-              <a:t/>
-            </a:r>
             <a:br>
               <a:rPr lang="en-US" altLang="zh-CN"/>
             </a:br>
@@ -33820,10 +33522,6 @@
               <a:rPr lang="zh-CN" altLang="en-US"/>
               <a:t>渠道效果</a:t>
             </a:r>
-            <a:r>
-              <a:rPr lang="en-US" altLang="zh-CN"/>
-              <a:t/>
-            </a:r>
             <a:br>
               <a:rPr lang="en-US" altLang="zh-CN"/>
             </a:br>
@@ -34010,10 +33708,6 @@
               </a:rPr>
               <a:t>返回项目模块</a:t>
             </a:r>
-            <a:r>
-              <a:rPr lang="en-US" altLang="zh-CN"/>
-              <a:t/>
-            </a:r>
             <a:br>
               <a:rPr lang="en-US" altLang="zh-CN"/>
             </a:br>
@@ -34404,10 +34098,6 @@
               <a:rPr lang="zh-CN" altLang="en-US"/>
               <a:t> 对账</a:t>
             </a:r>
-            <a:r>
-              <a:rPr lang="en-US" altLang="zh-CN"/>
-              <a:t/>
-            </a:r>
             <a:br>
               <a:rPr lang="en-US" altLang="zh-CN"/>
             </a:br>
@@ -34523,10 +34213,6 @@
             <a:r>
               <a:rPr lang="zh-CN" altLang="en-US"/>
               <a:t> 对账 账号列表</a:t>
-            </a:r>
-            <a:r>
-              <a:rPr lang="en-US" altLang="zh-CN"/>
-              <a:t/>
             </a:r>
             <a:br>
               <a:rPr lang="en-US" altLang="zh-CN"/>
@@ -34741,10 +34427,6 @@
               <a:rPr lang="zh-CN" altLang="en-US"/>
               <a:t> 对账 账号成本结算</a:t>
             </a:r>
-            <a:r>
-              <a:rPr lang="en-US" altLang="zh-CN"/>
-              <a:t/>
-            </a:r>
             <a:br>
               <a:rPr lang="en-US" altLang="zh-CN"/>
             </a:br>
@@ -34933,10 +34615,6 @@
               </a:rPr>
               <a:t>返回项目模块</a:t>
             </a:r>
-            <a:r>
-              <a:rPr lang="en-US" altLang="zh-CN"/>
-              <a:t/>
-            </a:r>
             <a:br>
               <a:rPr lang="en-US" altLang="zh-CN"/>
             </a:br>
@@ -35290,10 +34968,6 @@
               </a:rPr>
               <a:t>返回项目模块</a:t>
             </a:r>
-            <a:r>
-              <a:rPr lang="en-US" altLang="zh-CN"/>
-              <a:t/>
-            </a:r>
             <a:br>
               <a:rPr lang="en-US" altLang="zh-CN"/>
             </a:br>
@@ -36243,10 +35917,6 @@
               <a:rPr lang="zh-CN" altLang="en-US"/>
               <a:t>业务 用户列表</a:t>
             </a:r>
-            <a:r>
-              <a:rPr lang="en-US" altLang="zh-CN"/>
-              <a:t/>
-            </a:r>
             <a:br>
               <a:rPr lang="en-US" altLang="zh-CN"/>
             </a:br>
@@ -36662,10 +36332,6 @@
               <a:rPr lang="zh-CN" altLang="en-US"/>
               <a:t>业务 渠道列表</a:t>
             </a:r>
-            <a:r>
-              <a:rPr lang="en-US" altLang="zh-CN"/>
-              <a:t/>
-            </a:r>
             <a:br>
               <a:rPr lang="en-US" altLang="zh-CN"/>
             </a:br>
@@ -36831,10 +36497,6 @@
               <a:rPr lang="zh-CN" altLang="en-US"/>
               <a:t>业务 游戏列表</a:t>
             </a:r>
-            <a:r>
-              <a:rPr lang="en-US" altLang="zh-CN"/>
-              <a:t/>
-            </a:r>
             <a:br>
               <a:rPr lang="en-US" altLang="zh-CN"/>
             </a:br>
@@ -37020,10 +36682,6 @@
             <a:r>
               <a:rPr lang="zh-CN" altLang="en-US"/>
               <a:t>业务 广告列表</a:t>
-            </a:r>
-            <a:r>
-              <a:rPr lang="en-US" altLang="zh-CN"/>
-              <a:t/>
             </a:r>
             <a:br>
               <a:rPr lang="en-US" altLang="zh-CN"/>

--- a/youyun/优云项目讲解内容-最终正式版.pptx
+++ b/youyun/优云项目讲解内容-最终正式版.pptx
@@ -298,7 +298,7 @@
           <a:p>
             <a:fld id="{5BFF4305-770F-442F-BA60-E4E1520A6947}" type="datetimeFigureOut">
               <a:rPr lang="zh-CN" altLang="en-US" smtClean="0"/>
-              <a:t>2017/4/18</a:t>
+              <a:t>2017/4/19</a:t>
             </a:fld>
             <a:endParaRPr lang="zh-CN" altLang="en-US"/>
           </a:p>
@@ -2516,18 +2516,311 @@
           </a:p>
           <a:p>
             <a:r>
-              <a:rPr lang="zh-CN" altLang="en-US" sz="1200" kern="1200">
-                <a:solidFill>
-                  <a:schemeClr val="tx1"/>
-                </a:solidFill>
-                <a:latin typeface="+mn-lt"/>
-                <a:ea typeface="+mn-ea"/>
-                <a:cs typeface="+mn-cs"/>
-              </a:rPr>
-              <a:t>渠道</a:t>
-            </a:r>
-            <a:r>
-              <a:rPr lang="en-US" altLang="zh-CN" sz="1200" kern="1200">
+              <a:rPr lang="zh-CN" altLang="en-US" sz="1200" kern="1200" smtClean="0">
+                <a:solidFill>
+                  <a:schemeClr val="tx1"/>
+                </a:solidFill>
+                <a:latin typeface="+mn-lt"/>
+                <a:ea typeface="+mn-ea"/>
+                <a:cs typeface="+mn-cs"/>
+              </a:rPr>
+              <a:t>注册率</a:t>
+            </a:r>
+            <a:r>
+              <a:rPr lang="en-US" altLang="zh-CN" sz="1200" kern="1200" smtClean="0">
+                <a:solidFill>
+                  <a:schemeClr val="tx1"/>
+                </a:solidFill>
+                <a:latin typeface="+mn-lt"/>
+                <a:ea typeface="+mn-ea"/>
+                <a:cs typeface="+mn-cs"/>
+              </a:rPr>
+              <a:t>(</a:t>
+            </a:r>
+            <a:r>
+              <a:rPr lang="zh-CN" altLang="en-US" sz="1200" kern="1200" smtClean="0">
+                <a:solidFill>
+                  <a:schemeClr val="tx1"/>
+                </a:solidFill>
+                <a:latin typeface="+mn-lt"/>
+                <a:ea typeface="+mn-ea"/>
+                <a:cs typeface="+mn-cs"/>
+              </a:rPr>
+              <a:t>安装</a:t>
+            </a:r>
+            <a:r>
+              <a:rPr lang="en-US" altLang="zh-CN" sz="1200" kern="1200" smtClean="0">
+                <a:solidFill>
+                  <a:schemeClr val="tx1"/>
+                </a:solidFill>
+                <a:latin typeface="+mn-lt"/>
+                <a:ea typeface="+mn-ea"/>
+                <a:cs typeface="+mn-cs"/>
+              </a:rPr>
+              <a:t>/</a:t>
+            </a:r>
+            <a:r>
+              <a:rPr lang="zh-CN" altLang="en-US" sz="1200" kern="1200" smtClean="0">
+                <a:solidFill>
+                  <a:schemeClr val="tx1"/>
+                </a:solidFill>
+                <a:latin typeface="+mn-lt"/>
+                <a:ea typeface="+mn-ea"/>
+                <a:cs typeface="+mn-cs"/>
+              </a:rPr>
+              <a:t>注册</a:t>
+            </a:r>
+            <a:r>
+              <a:rPr lang="en-US" altLang="zh-CN" sz="1200" kern="1200" smtClean="0">
+                <a:solidFill>
+                  <a:schemeClr val="tx1"/>
+                </a:solidFill>
+                <a:latin typeface="+mn-lt"/>
+                <a:ea typeface="+mn-ea"/>
+                <a:cs typeface="+mn-cs"/>
+              </a:rPr>
+              <a:t>)*100%</a:t>
+            </a:r>
+            <a:r>
+              <a:rPr lang="zh-CN" altLang="en-US" sz="1200" kern="1200" smtClean="0">
+                <a:solidFill>
+                  <a:schemeClr val="tx1"/>
+                </a:solidFill>
+                <a:latin typeface="+mn-lt"/>
+                <a:ea typeface="+mn-ea"/>
+                <a:cs typeface="+mn-cs"/>
+              </a:rPr>
+              <a:t>取一位小数四舍五入</a:t>
+            </a:r>
+            <a:r>
+              <a:rPr lang="en-US" altLang="zh-CN" sz="1200" kern="1200" smtClean="0">
+                <a:solidFill>
+                  <a:schemeClr val="tx1"/>
+                </a:solidFill>
+                <a:latin typeface="+mn-lt"/>
+                <a:ea typeface="+mn-ea"/>
+                <a:cs typeface="+mn-cs"/>
+              </a:rPr>
+              <a:t>,</a:t>
+            </a:r>
+          </a:p>
+          <a:p>
+            <a:r>
+              <a:rPr lang="zh-CN" altLang="en-US" sz="1200" kern="1200" smtClean="0">
+                <a:solidFill>
+                  <a:schemeClr val="tx1"/>
+                </a:solidFill>
+                <a:latin typeface="+mn-lt"/>
+                <a:ea typeface="+mn-ea"/>
+                <a:cs typeface="+mn-cs"/>
+              </a:rPr>
+              <a:t>注册单价（投入</a:t>
+            </a:r>
+            <a:r>
+              <a:rPr lang="en-US" altLang="zh-CN" sz="1200" kern="1200" smtClean="0">
+                <a:solidFill>
+                  <a:schemeClr val="tx1"/>
+                </a:solidFill>
+                <a:latin typeface="+mn-lt"/>
+                <a:ea typeface="+mn-ea"/>
+                <a:cs typeface="+mn-cs"/>
+              </a:rPr>
+              <a:t>/</a:t>
+            </a:r>
+            <a:r>
+              <a:rPr lang="zh-CN" altLang="en-US" sz="1200" kern="1200" smtClean="0">
+                <a:solidFill>
+                  <a:schemeClr val="tx1"/>
+                </a:solidFill>
+                <a:latin typeface="+mn-lt"/>
+                <a:ea typeface="+mn-ea"/>
+                <a:cs typeface="+mn-cs"/>
+              </a:rPr>
+              <a:t>注册量）  期内投入金额总和</a:t>
+            </a:r>
+            <a:r>
+              <a:rPr lang="en-US" altLang="zh-CN" sz="1200" kern="1200" smtClean="0">
+                <a:solidFill>
+                  <a:schemeClr val="tx1"/>
+                </a:solidFill>
+                <a:latin typeface="+mn-lt"/>
+                <a:ea typeface="+mn-ea"/>
+                <a:cs typeface="+mn-cs"/>
+              </a:rPr>
+              <a:t>(sum(adv_position_data.divide_money))/</a:t>
+            </a:r>
+            <a:r>
+              <a:rPr lang="zh-CN" altLang="en-US" sz="1200" kern="1200" smtClean="0">
+                <a:solidFill>
+                  <a:schemeClr val="tx1"/>
+                </a:solidFill>
+                <a:latin typeface="+mn-lt"/>
+                <a:ea typeface="+mn-ea"/>
+                <a:cs typeface="+mn-cs"/>
+              </a:rPr>
+              <a:t>期内注册总数</a:t>
+            </a:r>
+            <a:r>
+              <a:rPr lang="en-US" altLang="zh-CN" sz="1200" kern="1200" smtClean="0">
+                <a:solidFill>
+                  <a:schemeClr val="tx1"/>
+                </a:solidFill>
+                <a:latin typeface="+mn-lt"/>
+                <a:ea typeface="+mn-ea"/>
+                <a:cs typeface="+mn-cs"/>
+              </a:rPr>
+              <a:t>,</a:t>
+            </a:r>
+            <a:r>
+              <a:rPr lang="zh-CN" altLang="en-US" sz="1200" kern="1200" smtClean="0">
+                <a:solidFill>
+                  <a:schemeClr val="tx1"/>
+                </a:solidFill>
+                <a:latin typeface="+mn-lt"/>
+                <a:ea typeface="+mn-ea"/>
+                <a:cs typeface="+mn-cs"/>
+              </a:rPr>
+              <a:t>四舍五入</a:t>
+            </a:r>
+            <a:r>
+              <a:rPr lang="en-US" altLang="zh-CN" sz="1200" kern="1200" smtClean="0">
+                <a:solidFill>
+                  <a:schemeClr val="tx1"/>
+                </a:solidFill>
+                <a:latin typeface="+mn-lt"/>
+                <a:ea typeface="+mn-ea"/>
+                <a:cs typeface="+mn-cs"/>
+              </a:rPr>
+              <a:t>,</a:t>
+            </a:r>
+            <a:r>
+              <a:rPr lang="zh-CN" altLang="en-US" sz="1200" kern="1200" smtClean="0">
+                <a:solidFill>
+                  <a:schemeClr val="tx1"/>
+                </a:solidFill>
+                <a:latin typeface="+mn-lt"/>
+                <a:ea typeface="+mn-ea"/>
+                <a:cs typeface="+mn-cs"/>
+              </a:rPr>
+              <a:t>保留一位小数</a:t>
+            </a:r>
+          </a:p>
+          <a:p>
+            <a:r>
+              <a:rPr lang="zh-CN" altLang="en-US" sz="1200" kern="1200" smtClean="0">
+                <a:solidFill>
+                  <a:schemeClr val="tx1"/>
+                </a:solidFill>
+                <a:latin typeface="+mn-lt"/>
+                <a:ea typeface="+mn-ea"/>
+                <a:cs typeface="+mn-cs"/>
+              </a:rPr>
+              <a:t>次留率 期内次日留存人数总和</a:t>
+            </a:r>
+            <a:r>
+              <a:rPr lang="en-US" altLang="zh-CN" sz="1200" kern="1200" smtClean="0">
+                <a:solidFill>
+                  <a:schemeClr val="tx1"/>
+                </a:solidFill>
+                <a:latin typeface="+mn-lt"/>
+                <a:ea typeface="+mn-ea"/>
+                <a:cs typeface="+mn-cs"/>
+              </a:rPr>
+              <a:t>/</a:t>
+            </a:r>
+            <a:r>
+              <a:rPr lang="zh-CN" altLang="en-US" sz="1200" kern="1200" smtClean="0">
+                <a:solidFill>
+                  <a:schemeClr val="tx1"/>
+                </a:solidFill>
+                <a:latin typeface="+mn-lt"/>
+                <a:ea typeface="+mn-ea"/>
+                <a:cs typeface="+mn-cs"/>
+              </a:rPr>
+              <a:t>期内注册人数 *</a:t>
+            </a:r>
+            <a:r>
+              <a:rPr lang="en-US" altLang="zh-CN" sz="1200" kern="1200" smtClean="0">
+                <a:solidFill>
+                  <a:schemeClr val="tx1"/>
+                </a:solidFill>
+                <a:latin typeface="+mn-lt"/>
+                <a:ea typeface="+mn-ea"/>
+                <a:cs typeface="+mn-cs"/>
+              </a:rPr>
+              <a:t>100% </a:t>
+            </a:r>
+            <a:r>
+              <a:rPr lang="zh-CN" altLang="en-US" sz="1200" kern="1200" smtClean="0">
+                <a:solidFill>
+                  <a:schemeClr val="tx1"/>
+                </a:solidFill>
+                <a:latin typeface="+mn-lt"/>
+                <a:ea typeface="+mn-ea"/>
+                <a:cs typeface="+mn-cs"/>
+              </a:rPr>
+              <a:t>四舍五入保留一位小数</a:t>
+            </a:r>
+          </a:p>
+          <a:p>
+            <a:r>
+              <a:rPr lang="zh-CN" altLang="en-US" sz="1200" kern="1200" smtClean="0">
+                <a:solidFill>
+                  <a:schemeClr val="tx1"/>
+                </a:solidFill>
+                <a:latin typeface="+mn-lt"/>
+                <a:ea typeface="+mn-ea"/>
+                <a:cs typeface="+mn-cs"/>
+              </a:rPr>
+              <a:t>期内用户期内充值 通过</a:t>
+            </a:r>
+            <a:r>
+              <a:rPr lang="en-US" altLang="zh-CN" sz="1200" kern="1200" smtClean="0">
+                <a:solidFill>
+                  <a:schemeClr val="tx1"/>
+                </a:solidFill>
+                <a:latin typeface="+mn-lt"/>
+                <a:ea typeface="+mn-ea"/>
+                <a:cs typeface="+mn-cs"/>
+              </a:rPr>
+              <a:t>SUM(order_log.money)</a:t>
+            </a:r>
+            <a:r>
+              <a:rPr lang="zh-CN" altLang="en-US" sz="1200" kern="1200" smtClean="0">
+                <a:solidFill>
+                  <a:schemeClr val="tx1"/>
+                </a:solidFill>
+                <a:latin typeface="+mn-lt"/>
+                <a:ea typeface="+mn-ea"/>
+                <a:cs typeface="+mn-cs"/>
+              </a:rPr>
+              <a:t>直接得到 指定时间段内注册的用户在这个时间段内充值的总金额</a:t>
+            </a:r>
+          </a:p>
+          <a:p>
+            <a:endParaRPr lang="en-US" altLang="zh-CN" sz="1200" kern="1200" smtClean="0">
+              <a:solidFill>
+                <a:schemeClr val="tx1"/>
+              </a:solidFill>
+              <a:latin typeface="+mn-lt"/>
+              <a:ea typeface="+mn-ea"/>
+              <a:cs typeface="+mn-cs"/>
+            </a:endParaRPr>
+          </a:p>
+          <a:p>
+            <a:r>
+              <a:rPr lang="zh-CN" altLang="en-US" sz="1200" kern="1200" smtClean="0">
+                <a:solidFill>
+                  <a:schemeClr val="tx1"/>
+                </a:solidFill>
+                <a:latin typeface="+mn-lt"/>
+                <a:ea typeface="+mn-ea"/>
+                <a:cs typeface="+mn-cs"/>
+              </a:rPr>
+              <a:t>累计充值</a:t>
+            </a:r>
+            <a:r>
+              <a:rPr lang="en-US" altLang="zh-CN" sz="1200" kern="1200" smtClean="0">
                 <a:solidFill>
                   <a:schemeClr val="tx1"/>
                 </a:solidFill>
@@ -2537,8 +2830,28 @@
               </a:rPr>
               <a:t>:</a:t>
             </a:r>
-          </a:p>
-          <a:p>
+            <a:r>
+              <a:rPr lang="zh-CN" altLang="en-US" sz="1200" kern="1200" smtClean="0">
+                <a:solidFill>
+                  <a:schemeClr val="tx1"/>
+                </a:solidFill>
+                <a:latin typeface="+mn-lt"/>
+                <a:ea typeface="+mn-ea"/>
+                <a:cs typeface="+mn-cs"/>
+              </a:rPr>
+              <a:t>用户期内累计充值</a:t>
+            </a:r>
+            <a:r>
+              <a:rPr lang="en-US" altLang="zh-CN" sz="1200" kern="1200" smtClean="0">
+                <a:solidFill>
+                  <a:schemeClr val="tx1"/>
+                </a:solidFill>
+                <a:latin typeface="+mn-lt"/>
+                <a:ea typeface="+mn-ea"/>
+                <a:cs typeface="+mn-cs"/>
+              </a:rPr>
+              <a:t>(sum( order_log.money ) )</a:t>
+            </a:r>
             <a:endParaRPr lang="en-US" altLang="zh-CN" sz="1200" kern="1200">
               <a:solidFill>
                 <a:schemeClr val="tx1"/>
@@ -2558,152 +2871,53 @@
                 <a:ea typeface="+mn-ea"/>
                 <a:cs typeface="+mn-cs"/>
               </a:rPr>
-              <a:t>历史累计用户期内投产数据</a:t>
-            </a:r>
-            <a:r>
-              <a:rPr lang="en-US" altLang="zh-CN" sz="1200" kern="1200">
-                <a:solidFill>
-                  <a:schemeClr val="tx1"/>
-                </a:solidFill>
-                <a:latin typeface="+mn-lt"/>
-                <a:ea typeface="+mn-ea"/>
-                <a:cs typeface="+mn-cs"/>
-              </a:rPr>
-              <a:t>:(</a:t>
-            </a:r>
-            <a:r>
-              <a:rPr lang="zh-CN" altLang="en-US" sz="1200" kern="1200">
-                <a:solidFill>
-                  <a:schemeClr val="tx1"/>
-                </a:solidFill>
-                <a:latin typeface="+mn-lt"/>
-                <a:ea typeface="+mn-ea"/>
-                <a:cs typeface="+mn-cs"/>
-              </a:rPr>
-              <a:t>以下三个数据都是以指定时间段为基础的</a:t>
-            </a:r>
-            <a:r>
-              <a:rPr lang="en-US" altLang="zh-CN" sz="1200" kern="1200">
-                <a:solidFill>
-                  <a:schemeClr val="tx1"/>
-                </a:solidFill>
-                <a:latin typeface="+mn-lt"/>
-                <a:ea typeface="+mn-ea"/>
-                <a:cs typeface="+mn-cs"/>
-              </a:rPr>
-              <a:t>,</a:t>
-            </a:r>
-            <a:r>
-              <a:rPr lang="zh-CN" altLang="en-US" sz="1200" kern="1200">
-                <a:solidFill>
-                  <a:schemeClr val="tx1"/>
-                </a:solidFill>
-                <a:latin typeface="+mn-lt"/>
-                <a:ea typeface="+mn-ea"/>
-                <a:cs typeface="+mn-cs"/>
-              </a:rPr>
-              <a:t>以</a:t>
-            </a:r>
-            <a:r>
-              <a:rPr lang="en-US" altLang="zh-CN" sz="1200" kern="1200">
-                <a:solidFill>
-                  <a:schemeClr val="tx1"/>
-                </a:solidFill>
-                <a:latin typeface="+mn-lt"/>
-                <a:ea typeface="+mn-ea"/>
-                <a:cs typeface="+mn-cs"/>
-              </a:rPr>
-              <a:t>adv_position_data</a:t>
-            </a:r>
-            <a:r>
-              <a:rPr lang="zh-CN" altLang="en-US" sz="1200" kern="1200">
-                <a:solidFill>
-                  <a:schemeClr val="tx1"/>
-                </a:solidFill>
-                <a:latin typeface="+mn-lt"/>
-                <a:ea typeface="+mn-ea"/>
-                <a:cs typeface="+mn-cs"/>
-              </a:rPr>
-              <a:t>中的</a:t>
-            </a:r>
-            <a:r>
-              <a:rPr lang="en-US" altLang="zh-CN" sz="1200" kern="1200">
-                <a:solidFill>
-                  <a:schemeClr val="tx1"/>
-                </a:solidFill>
-                <a:latin typeface="+mn-lt"/>
-                <a:ea typeface="+mn-ea"/>
-                <a:cs typeface="+mn-cs"/>
-              </a:rPr>
-              <a:t>channel_id</a:t>
-            </a:r>
-            <a:r>
-              <a:rPr lang="zh-CN" altLang="en-US" sz="1200" kern="1200">
-                <a:solidFill>
-                  <a:schemeClr val="tx1"/>
-                </a:solidFill>
-                <a:latin typeface="+mn-lt"/>
-                <a:ea typeface="+mn-ea"/>
-                <a:cs typeface="+mn-cs"/>
-              </a:rPr>
-              <a:t>分组</a:t>
-            </a:r>
-            <a:r>
-              <a:rPr lang="en-US" altLang="zh-CN" sz="1200" kern="1200">
-                <a:solidFill>
-                  <a:schemeClr val="tx1"/>
-                </a:solidFill>
-                <a:latin typeface="+mn-lt"/>
-                <a:ea typeface="+mn-ea"/>
-                <a:cs typeface="+mn-cs"/>
-              </a:rPr>
-              <a:t>,</a:t>
-            </a:r>
-            <a:r>
-              <a:rPr lang="zh-CN" altLang="en-US" sz="1200" kern="1200">
-                <a:solidFill>
-                  <a:schemeClr val="tx1"/>
-                </a:solidFill>
-                <a:latin typeface="+mn-lt"/>
-                <a:ea typeface="+mn-ea"/>
-                <a:cs typeface="+mn-cs"/>
-              </a:rPr>
-              <a:t>以广告位的维度</a:t>
-            </a:r>
-            <a:r>
-              <a:rPr lang="en-US" altLang="zh-CN" sz="1200" kern="1200">
-                <a:solidFill>
-                  <a:schemeClr val="tx1"/>
-                </a:solidFill>
-                <a:latin typeface="+mn-lt"/>
-                <a:ea typeface="+mn-ea"/>
-                <a:cs typeface="+mn-cs"/>
-              </a:rPr>
-              <a:t>)</a:t>
-            </a:r>
-          </a:p>
-          <a:p>
-            <a:r>
-              <a:rPr lang="en-US" altLang="zh-CN" sz="1200" kern="1200">
-                <a:solidFill>
-                  <a:schemeClr val="tx1"/>
-                </a:solidFill>
-                <a:latin typeface="+mn-lt"/>
-                <a:ea typeface="+mn-ea"/>
-                <a:cs typeface="+mn-cs"/>
-              </a:rPr>
-              <a:t>	</a:t>
-            </a:r>
-            <a:r>
-              <a:rPr lang="zh-CN" altLang="en-US" sz="1200" kern="1200">
-                <a:solidFill>
-                  <a:schemeClr val="tx1"/>
-                </a:solidFill>
-                <a:latin typeface="+mn-lt"/>
-                <a:ea typeface="+mn-ea"/>
-                <a:cs typeface="+mn-cs"/>
-              </a:rPr>
-              <a:t>累计充值</a:t>
+              <a:t>历史累计用户期内投产</a:t>
+            </a:r>
+            <a:r>
+              <a:rPr lang="zh-CN" altLang="en-US" sz="1200" kern="1200" smtClean="0">
+                <a:solidFill>
+                  <a:schemeClr val="tx1"/>
+                </a:solidFill>
+                <a:latin typeface="+mn-lt"/>
+                <a:ea typeface="+mn-ea"/>
+                <a:cs typeface="+mn-cs"/>
+              </a:rPr>
+              <a:t>数据</a:t>
+            </a:r>
+            <a:r>
+              <a:rPr lang="en-US" altLang="zh-CN" sz="1200" kern="1200" smtClean="0">
+                <a:solidFill>
+                  <a:schemeClr val="tx1"/>
+                </a:solidFill>
+                <a:latin typeface="+mn-lt"/>
+                <a:ea typeface="+mn-ea"/>
+                <a:cs typeface="+mn-cs"/>
+              </a:rPr>
+              <a:t>:</a:t>
+            </a:r>
+          </a:p>
+          <a:p>
+            <a:r>
+              <a:rPr lang="zh-CN" altLang="en-US" sz="1200" kern="1200" smtClean="0">
+                <a:solidFill>
+                  <a:schemeClr val="tx1"/>
+                </a:solidFill>
+                <a:latin typeface="+mn-lt"/>
+                <a:ea typeface="+mn-ea"/>
+                <a:cs typeface="+mn-cs"/>
+              </a:rPr>
+              <a:t>累计</a:t>
+            </a:r>
+            <a:r>
+              <a:rPr lang="zh-CN" altLang="en-US" sz="1200" kern="1200">
+                <a:solidFill>
+                  <a:schemeClr val="tx1"/>
+                </a:solidFill>
+                <a:latin typeface="+mn-lt"/>
+                <a:ea typeface="+mn-ea"/>
+                <a:cs typeface="+mn-cs"/>
+              </a:rPr>
+              <a:t>充值</a:t>
             </a:r>
             <a:r>
               <a:rPr lang="en-US" altLang="zh-CN" sz="1200" kern="1200">
@@ -2728,39 +2942,72 @@
               <a:t>用户</a:t>
             </a:r>
             <a:r>
-              <a:rPr lang="en-US" altLang="zh-CN" sz="1200" kern="1200">
-                <a:solidFill>
-                  <a:schemeClr val="tx1"/>
-                </a:solidFill>
-                <a:latin typeface="+mn-lt"/>
-                <a:ea typeface="+mn-ea"/>
-                <a:cs typeface="+mn-cs"/>
-              </a:rPr>
-              <a:t>):$all['total_user_period_pay_sum']  </a:t>
-            </a:r>
-          </a:p>
-          <a:p>
-            <a:r>
-              <a:rPr lang="en-US" altLang="zh-CN" sz="1200" kern="1200">
-                <a:solidFill>
-                  <a:schemeClr val="tx1"/>
-                </a:solidFill>
-                <a:latin typeface="+mn-lt"/>
-                <a:ea typeface="+mn-ea"/>
-                <a:cs typeface="+mn-cs"/>
-              </a:rPr>
-              <a:t>		</a:t>
-            </a:r>
-            <a:r>
-              <a:rPr lang="zh-CN" altLang="en-US" sz="1200" kern="1200">
-                <a:solidFill>
-                  <a:schemeClr val="tx1"/>
-                </a:solidFill>
-                <a:latin typeface="+mn-lt"/>
-                <a:ea typeface="+mn-ea"/>
-                <a:cs typeface="+mn-cs"/>
-              </a:rPr>
-              <a:t>期内累计充值金额 </a:t>
+              <a:rPr lang="en-US" altLang="zh-CN" sz="1200" kern="1200" smtClean="0">
+                <a:solidFill>
+                  <a:schemeClr val="tx1"/>
+                </a:solidFill>
+                <a:latin typeface="+mn-lt"/>
+                <a:ea typeface="+mn-ea"/>
+                <a:cs typeface="+mn-cs"/>
+              </a:rPr>
+              <a:t>): $</a:t>
+            </a:r>
+            <a:r>
+              <a:rPr lang="en-US" altLang="zh-CN" sz="1200" kern="1200">
+                <a:solidFill>
+                  <a:schemeClr val="tx1"/>
+                </a:solidFill>
+                <a:latin typeface="+mn-lt"/>
+                <a:ea typeface="+mn-ea"/>
+                <a:cs typeface="+mn-cs"/>
+              </a:rPr>
+              <a:t>all['total_user_period_pay_sum']  </a:t>
+            </a:r>
+          </a:p>
+          <a:p>
+            <a:r>
+              <a:rPr lang="en-US" altLang="zh-CN" sz="1200" kern="1200" baseline="0" smtClean="0">
+                <a:solidFill>
+                  <a:schemeClr val="tx1"/>
+                </a:solidFill>
+                <a:latin typeface="+mn-lt"/>
+                <a:ea typeface="+mn-ea"/>
+                <a:cs typeface="+mn-cs"/>
+              </a:rPr>
+              <a:t>    </a:t>
+            </a:r>
+            <a:r>
+              <a:rPr lang="zh-CN" altLang="en-US" sz="1200" kern="1200" baseline="0" smtClean="0">
+                <a:solidFill>
+                  <a:schemeClr val="tx1"/>
+                </a:solidFill>
+                <a:latin typeface="+mn-lt"/>
+                <a:ea typeface="+mn-ea"/>
+                <a:cs typeface="+mn-cs"/>
+              </a:rPr>
+              <a:t>累计充值金额就是指定时间段内的充值金额          </a:t>
+            </a:r>
+            <a:r>
+              <a:rPr lang="zh-CN" altLang="en-US" sz="1200" kern="1200" smtClean="0">
+                <a:solidFill>
+                  <a:schemeClr val="tx1"/>
+                </a:solidFill>
+                <a:latin typeface="+mn-lt"/>
+                <a:ea typeface="+mn-ea"/>
+                <a:cs typeface="+mn-cs"/>
+              </a:rPr>
+              <a:t>累计</a:t>
+            </a:r>
+            <a:r>
+              <a:rPr lang="zh-CN" altLang="en-US" sz="1200" kern="1200">
+                <a:solidFill>
+                  <a:schemeClr val="tx1"/>
+                </a:solidFill>
+                <a:latin typeface="+mn-lt"/>
+                <a:ea typeface="+mn-ea"/>
+                <a:cs typeface="+mn-cs"/>
+              </a:rPr>
+              <a:t>充值金额 </a:t>
             </a:r>
             <a:r>
               <a:rPr lang="en-US" altLang="zh-CN" sz="1200" kern="1200">
@@ -2782,10 +3029,19 @@
                 <a:ea typeface="+mn-ea"/>
                 <a:cs typeface="+mn-cs"/>
               </a:rPr>
-              <a:t>再将所有广告位的用户付费金额相加</a:t>
-            </a:r>
-          </a:p>
-          <a:p>
+              <a:t>再将所有广告位的用户</a:t>
+            </a:r>
+            <a:r>
+              <a:rPr lang="zh-CN" altLang="en-US" sz="1200" kern="1200" smtClean="0">
+                <a:solidFill>
+                  <a:schemeClr val="tx1"/>
+                </a:solidFill>
+                <a:latin typeface="+mn-lt"/>
+                <a:ea typeface="+mn-ea"/>
+                <a:cs typeface="+mn-cs"/>
+              </a:rPr>
+              <a:t>付费金额相加</a:t>
+            </a:r>
             <a:endParaRPr lang="zh-CN" altLang="en-US" sz="1200" kern="1200">
               <a:solidFill>
                 <a:schemeClr val="tx1"/>
@@ -2797,15 +3053,26 @@
           </a:p>
           <a:p>
             <a:r>
-              <a:rPr lang="zh-CN" altLang="en-US" sz="1200" kern="1200">
-                <a:solidFill>
-                  <a:schemeClr val="tx1"/>
-                </a:solidFill>
-                <a:latin typeface="+mn-lt"/>
-                <a:ea typeface="+mn-ea"/>
-                <a:cs typeface="+mn-cs"/>
-              </a:rPr>
-              <a:t>	累计分成</a:t>
+              <a:rPr lang="zh-CN" altLang="en-US" sz="1200" kern="1200" smtClean="0">
+                <a:solidFill>
+                  <a:schemeClr val="tx1"/>
+                </a:solidFill>
+                <a:latin typeface="+mn-lt"/>
+                <a:ea typeface="+mn-ea"/>
+                <a:cs typeface="+mn-cs"/>
+              </a:rPr>
+              <a:t>累计</a:t>
+            </a:r>
+            <a:r>
+              <a:rPr lang="zh-CN" altLang="en-US" sz="1200" kern="1200">
+                <a:solidFill>
+                  <a:schemeClr val="tx1"/>
+                </a:solidFill>
+                <a:latin typeface="+mn-lt"/>
+                <a:ea typeface="+mn-ea"/>
+                <a:cs typeface="+mn-cs"/>
+              </a:rPr>
+              <a:t>分成</a:t>
             </a:r>
             <a:r>
               <a:rPr lang="en-US" altLang="zh-CN" sz="1200" kern="1200">
@@ -2832,37 +3099,92 @@
           </a:p>
           <a:p>
             <a:r>
-              <a:rPr lang="zh-CN" altLang="en-US" sz="1200" kern="1200">
-                <a:solidFill>
-                  <a:schemeClr val="tx1"/>
-                </a:solidFill>
-                <a:latin typeface="+mn-lt"/>
-                <a:ea typeface="+mn-ea"/>
-                <a:cs typeface="+mn-cs"/>
-              </a:rPr>
-              <a:t>		按照指定时间段</a:t>
-            </a:r>
-            <a:r>
-              <a:rPr lang="en-US" altLang="zh-CN" sz="1200" kern="1200">
-                <a:solidFill>
-                  <a:schemeClr val="tx1"/>
-                </a:solidFill>
-                <a:latin typeface="+mn-lt"/>
-                <a:ea typeface="+mn-ea"/>
-                <a:cs typeface="+mn-cs"/>
-              </a:rPr>
-              <a:t>,	</a:t>
-            </a:r>
-            <a:r>
-              <a:rPr lang="zh-CN" altLang="en-US" sz="1200" kern="1200">
-                <a:solidFill>
-                  <a:schemeClr val="tx1"/>
-                </a:solidFill>
-                <a:latin typeface="+mn-lt"/>
-                <a:ea typeface="+mn-ea"/>
-                <a:cs typeface="+mn-cs"/>
-              </a:rPr>
-              <a:t>根据是否为</a:t>
+              <a:rPr lang="zh-CN" altLang="en-US" sz="1200" kern="1200" baseline="0">
+                <a:solidFill>
+                  <a:schemeClr val="tx1"/>
+                </a:solidFill>
+                <a:latin typeface="+mn-lt"/>
+                <a:ea typeface="+mn-ea"/>
+                <a:cs typeface="+mn-cs"/>
+              </a:rPr>
+              <a:t> </a:t>
+            </a:r>
+            <a:r>
+              <a:rPr lang="zh-CN" altLang="en-US" sz="1200" kern="1200" baseline="0" smtClean="0">
+                <a:solidFill>
+                  <a:schemeClr val="tx1"/>
+                </a:solidFill>
+                <a:latin typeface="+mn-lt"/>
+                <a:ea typeface="+mn-ea"/>
+                <a:cs typeface="+mn-cs"/>
+              </a:rPr>
+              <a:t>   </a:t>
+            </a:r>
+            <a:r>
+              <a:rPr lang="zh-CN" altLang="en-US" sz="1200" kern="1200" smtClean="0">
+                <a:solidFill>
+                  <a:schemeClr val="tx1"/>
+                </a:solidFill>
+                <a:latin typeface="+mn-lt"/>
+                <a:ea typeface="+mn-ea"/>
+                <a:cs typeface="+mn-cs"/>
+              </a:rPr>
+              <a:t>按照</a:t>
+            </a:r>
+            <a:r>
+              <a:rPr lang="zh-CN" altLang="en-US" sz="1200" kern="1200">
+                <a:solidFill>
+                  <a:schemeClr val="tx1"/>
+                </a:solidFill>
+                <a:latin typeface="+mn-lt"/>
+                <a:ea typeface="+mn-ea"/>
+                <a:cs typeface="+mn-cs"/>
+              </a:rPr>
+              <a:t>指定时间</a:t>
+            </a:r>
+            <a:r>
+              <a:rPr lang="zh-CN" altLang="en-US" sz="1200" kern="1200" smtClean="0">
+                <a:solidFill>
+                  <a:schemeClr val="tx1"/>
+                </a:solidFill>
+                <a:latin typeface="+mn-lt"/>
+                <a:ea typeface="+mn-ea"/>
+                <a:cs typeface="+mn-cs"/>
+              </a:rPr>
+              <a:t>段 </a:t>
+            </a:r>
+            <a:r>
+              <a:rPr lang="en-US" altLang="zh-CN" sz="1200" kern="1200" smtClean="0">
+                <a:solidFill>
+                  <a:schemeClr val="tx1"/>
+                </a:solidFill>
+                <a:latin typeface="+mn-lt"/>
+                <a:ea typeface="+mn-ea"/>
+                <a:cs typeface="+mn-cs"/>
+              </a:rPr>
+              <a:t>, </a:t>
+            </a:r>
+            <a:r>
+              <a:rPr lang="zh-CN" altLang="en-US" sz="1200" kern="1200" smtClean="0">
+                <a:solidFill>
+                  <a:schemeClr val="tx1"/>
+                </a:solidFill>
+                <a:latin typeface="+mn-lt"/>
+                <a:ea typeface="+mn-ea"/>
+                <a:cs typeface="+mn-cs"/>
+              </a:rPr>
+              <a:t>根据</a:t>
+            </a:r>
+            <a:r>
+              <a:rPr lang="zh-CN" altLang="en-US" sz="1200" kern="1200">
+                <a:solidFill>
+                  <a:schemeClr val="tx1"/>
+                </a:solidFill>
+                <a:latin typeface="+mn-lt"/>
+                <a:ea typeface="+mn-ea"/>
+                <a:cs typeface="+mn-cs"/>
+              </a:rPr>
+              <a:t>是否为</a:t>
             </a:r>
             <a:r>
               <a:rPr lang="en-US" altLang="zh-CN" sz="1200" kern="1200">
@@ -2976,26 +3298,26 @@
           </a:p>
           <a:p>
             <a:r>
-              <a:rPr lang="en-US" altLang="zh-CN" sz="1200" kern="1200">
-                <a:solidFill>
-                  <a:schemeClr val="tx1"/>
-                </a:solidFill>
-                <a:latin typeface="+mn-lt"/>
-                <a:ea typeface="+mn-ea"/>
-                <a:cs typeface="+mn-cs"/>
-              </a:rPr>
-              <a:t>	</a:t>
-            </a:r>
-            <a:r>
-              <a:rPr lang="zh-CN" altLang="en-US" sz="1200" kern="1200">
-                <a:solidFill>
-                  <a:schemeClr val="tx1"/>
-                </a:solidFill>
-                <a:latin typeface="+mn-lt"/>
-                <a:ea typeface="+mn-ea"/>
-                <a:cs typeface="+mn-cs"/>
-              </a:rPr>
-              <a:t>累计成本</a:t>
+              <a:rPr lang="zh-CN" altLang="en-US" sz="1200" kern="1200" smtClean="0">
+                <a:solidFill>
+                  <a:schemeClr val="tx1"/>
+                </a:solidFill>
+                <a:latin typeface="+mn-lt"/>
+                <a:ea typeface="+mn-ea"/>
+                <a:cs typeface="+mn-cs"/>
+              </a:rPr>
+              <a:t>累计</a:t>
+            </a:r>
+            <a:r>
+              <a:rPr lang="zh-CN" altLang="en-US" sz="1200" kern="1200">
+                <a:solidFill>
+                  <a:schemeClr val="tx1"/>
+                </a:solidFill>
+                <a:latin typeface="+mn-lt"/>
+                <a:ea typeface="+mn-ea"/>
+                <a:cs typeface="+mn-cs"/>
+              </a:rPr>
+              <a:t>成本</a:t>
             </a:r>
             <a:r>
               <a:rPr lang="en-US" altLang="zh-CN" sz="1200" kern="1200">
@@ -3011,15 +3333,26 @@
           </a:p>
           <a:p>
             <a:r>
-              <a:rPr lang="en-US" altLang="zh-CN" sz="1200" kern="1200">
-                <a:solidFill>
-                  <a:schemeClr val="tx1"/>
-                </a:solidFill>
-                <a:latin typeface="+mn-lt"/>
-                <a:ea typeface="+mn-ea"/>
-                <a:cs typeface="+mn-cs"/>
-              </a:rPr>
-              <a:t>		SUM(think_adv_position_data.divide_money),</a:t>
+              <a:rPr lang="en-US" altLang="zh-CN" sz="1200" kern="1200" smtClean="0">
+                <a:solidFill>
+                  <a:schemeClr val="tx1"/>
+                </a:solidFill>
+                <a:latin typeface="+mn-lt"/>
+                <a:ea typeface="+mn-ea"/>
+                <a:cs typeface="+mn-cs"/>
+              </a:rPr>
+              <a:t>    SUM(think_adv_position_data.divide_money</a:t>
+            </a:r>
+            <a:r>
+              <a:rPr lang="en-US" altLang="zh-CN" sz="1200" kern="1200">
+                <a:solidFill>
+                  <a:schemeClr val="tx1"/>
+                </a:solidFill>
+                <a:latin typeface="+mn-lt"/>
+                <a:ea typeface="+mn-ea"/>
+                <a:cs typeface="+mn-cs"/>
+              </a:rPr>
+              <a:t>),</a:t>
             </a:r>
             <a:r>
               <a:rPr lang="zh-CN" altLang="en-US" sz="1200" kern="1200">
@@ -3067,15 +3400,26 @@
           </a:p>
           <a:p>
             <a:r>
-              <a:rPr lang="zh-CN" altLang="en-US" sz="1200" kern="1200">
-                <a:solidFill>
-                  <a:schemeClr val="tx1"/>
-                </a:solidFill>
-                <a:latin typeface="+mn-lt"/>
-                <a:ea typeface="+mn-ea"/>
-                <a:cs typeface="+mn-cs"/>
-              </a:rPr>
-              <a:t>	累计回本</a:t>
+              <a:rPr lang="zh-CN" altLang="en-US" sz="1200" kern="1200" smtClean="0">
+                <a:solidFill>
+                  <a:schemeClr val="tx1"/>
+                </a:solidFill>
+                <a:latin typeface="+mn-lt"/>
+                <a:ea typeface="+mn-ea"/>
+                <a:cs typeface="+mn-cs"/>
+              </a:rPr>
+              <a:t>累计</a:t>
+            </a:r>
+            <a:r>
+              <a:rPr lang="zh-CN" altLang="en-US" sz="1200" kern="1200">
+                <a:solidFill>
+                  <a:schemeClr val="tx1"/>
+                </a:solidFill>
+                <a:latin typeface="+mn-lt"/>
+                <a:ea typeface="+mn-ea"/>
+                <a:cs typeface="+mn-cs"/>
+              </a:rPr>
+              <a:t>回本</a:t>
             </a:r>
             <a:r>
               <a:rPr lang="en-US" altLang="zh-CN" sz="1200" kern="1200">
@@ -3091,26 +3435,26 @@
           </a:p>
           <a:p>
             <a:r>
-              <a:rPr lang="en-US" altLang="zh-CN" sz="1200" kern="1200">
-                <a:solidFill>
-                  <a:schemeClr val="tx1"/>
-                </a:solidFill>
-                <a:latin typeface="+mn-lt"/>
-                <a:ea typeface="+mn-ea"/>
-                <a:cs typeface="+mn-cs"/>
-              </a:rPr>
-              <a:t>		</a:t>
-            </a:r>
-            <a:r>
-              <a:rPr lang="zh-CN" altLang="en-US" sz="1200" kern="1200">
-                <a:solidFill>
-                  <a:schemeClr val="tx1"/>
-                </a:solidFill>
-                <a:latin typeface="+mn-lt"/>
-                <a:ea typeface="+mn-ea"/>
-                <a:cs typeface="+mn-cs"/>
-              </a:rPr>
-              <a:t>累计回本</a:t>
+              <a:rPr lang="zh-CN" altLang="en-US" sz="1200" kern="1200" smtClean="0">
+                <a:solidFill>
+                  <a:schemeClr val="tx1"/>
+                </a:solidFill>
+                <a:latin typeface="+mn-lt"/>
+                <a:ea typeface="+mn-ea"/>
+                <a:cs typeface="+mn-cs"/>
+              </a:rPr>
+              <a:t>    累计</a:t>
+            </a:r>
+            <a:r>
+              <a:rPr lang="zh-CN" altLang="en-US" sz="1200" kern="1200">
+                <a:solidFill>
+                  <a:schemeClr val="tx1"/>
+                </a:solidFill>
+                <a:latin typeface="+mn-lt"/>
+                <a:ea typeface="+mn-ea"/>
+                <a:cs typeface="+mn-cs"/>
+              </a:rPr>
+              <a:t>回本</a:t>
             </a:r>
             <a:r>
               <a:rPr lang="en-US" altLang="zh-CN" sz="1200" kern="1200">
@@ -3169,15 +3513,26 @@
           </a:p>
           <a:p>
             <a:r>
-              <a:rPr lang="zh-CN" altLang="en-US" sz="1200" kern="1200">
-                <a:solidFill>
-                  <a:schemeClr val="tx1"/>
-                </a:solidFill>
-                <a:latin typeface="+mn-lt"/>
-                <a:ea typeface="+mn-ea"/>
-                <a:cs typeface="+mn-cs"/>
-              </a:rPr>
-              <a:t>	总回本率</a:t>
+              <a:rPr lang="zh-CN" altLang="en-US" sz="1200" kern="1200" smtClean="0">
+                <a:solidFill>
+                  <a:schemeClr val="tx1"/>
+                </a:solidFill>
+                <a:latin typeface="+mn-lt"/>
+                <a:ea typeface="+mn-ea"/>
+                <a:cs typeface="+mn-cs"/>
+              </a:rPr>
+              <a:t>总</a:t>
+            </a:r>
+            <a:r>
+              <a:rPr lang="zh-CN" altLang="en-US" sz="1200" kern="1200">
+                <a:solidFill>
+                  <a:schemeClr val="tx1"/>
+                </a:solidFill>
+                <a:latin typeface="+mn-lt"/>
+                <a:ea typeface="+mn-ea"/>
+                <a:cs typeface="+mn-cs"/>
+              </a:rPr>
+              <a:t>回本率</a:t>
             </a:r>
             <a:r>
               <a:rPr lang="en-US" altLang="zh-CN" sz="1200" kern="1200">
@@ -3215,39 +3570,50 @@
           </a:p>
           <a:p>
             <a:r>
-              <a:rPr lang="en-US" altLang="zh-CN" sz="1200" kern="1200">
-                <a:solidFill>
-                  <a:schemeClr val="tx1"/>
-                </a:solidFill>
-                <a:latin typeface="+mn-lt"/>
-                <a:ea typeface="+mn-ea"/>
-                <a:cs typeface="+mn-cs"/>
-              </a:rPr>
-              <a:t>		</a:t>
-            </a:r>
-            <a:r>
-              <a:rPr lang="zh-CN" altLang="en-US" sz="1200" kern="1200">
-                <a:solidFill>
-                  <a:schemeClr val="tx1"/>
-                </a:solidFill>
-                <a:latin typeface="+mn-lt"/>
-                <a:ea typeface="+mn-ea"/>
-                <a:cs typeface="+mn-cs"/>
-              </a:rPr>
-              <a:t>先要查询历史用户累计成本、总分成</a:t>
-            </a:r>
-          </a:p>
-          <a:p>
-            <a:r>
-              <a:rPr lang="zh-CN" altLang="en-US" sz="1200" kern="1200">
-                <a:solidFill>
-                  <a:schemeClr val="tx1"/>
-                </a:solidFill>
-                <a:latin typeface="+mn-lt"/>
-                <a:ea typeface="+mn-ea"/>
-                <a:cs typeface="+mn-cs"/>
-              </a:rPr>
-              <a:t>			历史用户累计成本</a:t>
+              <a:rPr lang="zh-CN" altLang="en-US" sz="1200" kern="1200" smtClean="0">
+                <a:solidFill>
+                  <a:schemeClr val="tx1"/>
+                </a:solidFill>
+                <a:latin typeface="+mn-lt"/>
+                <a:ea typeface="+mn-ea"/>
+                <a:cs typeface="+mn-cs"/>
+              </a:rPr>
+              <a:t>    先</a:t>
+            </a:r>
+            <a:r>
+              <a:rPr lang="zh-CN" altLang="en-US" sz="1200" kern="1200">
+                <a:solidFill>
+                  <a:schemeClr val="tx1"/>
+                </a:solidFill>
+                <a:latin typeface="+mn-lt"/>
+                <a:ea typeface="+mn-ea"/>
+                <a:cs typeface="+mn-cs"/>
+              </a:rPr>
+              <a:t>要查询历史用户累计成本、总分成</a:t>
+            </a:r>
+          </a:p>
+          <a:p>
+            <a:r>
+              <a:rPr lang="zh-CN" altLang="en-US" sz="1200" kern="1200" smtClean="0">
+                <a:solidFill>
+                  <a:schemeClr val="tx1"/>
+                </a:solidFill>
+                <a:latin typeface="+mn-lt"/>
+                <a:ea typeface="+mn-ea"/>
+                <a:cs typeface="+mn-cs"/>
+              </a:rPr>
+              <a:t>       历史</a:t>
+            </a:r>
+            <a:r>
+              <a:rPr lang="zh-CN" altLang="en-US" sz="1200" kern="1200">
+                <a:solidFill>
+                  <a:schemeClr val="tx1"/>
+                </a:solidFill>
+                <a:latin typeface="+mn-lt"/>
+                <a:ea typeface="+mn-ea"/>
+                <a:cs typeface="+mn-cs"/>
+              </a:rPr>
+              <a:t>用户累计成本</a:t>
             </a:r>
             <a:r>
               <a:rPr lang="en-US" altLang="zh-CN" sz="1200" kern="1200">
@@ -3329,26 +3695,26 @@
           </a:p>
           <a:p>
             <a:r>
-              <a:rPr lang="en-US" altLang="zh-CN" sz="1200" kern="1200">
-                <a:solidFill>
-                  <a:schemeClr val="tx1"/>
-                </a:solidFill>
-                <a:latin typeface="+mn-lt"/>
-                <a:ea typeface="+mn-ea"/>
-                <a:cs typeface="+mn-cs"/>
-              </a:rPr>
-              <a:t>			</a:t>
-            </a:r>
-            <a:r>
-              <a:rPr lang="zh-CN" altLang="en-US" sz="1200" kern="1200">
-                <a:solidFill>
-                  <a:schemeClr val="tx1"/>
-                </a:solidFill>
-                <a:latin typeface="+mn-lt"/>
-                <a:ea typeface="+mn-ea"/>
-                <a:cs typeface="+mn-cs"/>
-              </a:rPr>
-              <a:t>历史用户总分成</a:t>
+              <a:rPr lang="zh-CN" altLang="en-US" sz="1200" kern="1200" smtClean="0">
+                <a:solidFill>
+                  <a:schemeClr val="tx1"/>
+                </a:solidFill>
+                <a:latin typeface="+mn-lt"/>
+                <a:ea typeface="+mn-ea"/>
+                <a:cs typeface="+mn-cs"/>
+              </a:rPr>
+              <a:t>       历史</a:t>
+            </a:r>
+            <a:r>
+              <a:rPr lang="zh-CN" altLang="en-US" sz="1200" kern="1200">
+                <a:solidFill>
+                  <a:schemeClr val="tx1"/>
+                </a:solidFill>
+                <a:latin typeface="+mn-lt"/>
+                <a:ea typeface="+mn-ea"/>
+                <a:cs typeface="+mn-cs"/>
+              </a:rPr>
+              <a:t>用户总分成</a:t>
             </a:r>
             <a:r>
               <a:rPr lang="en-US" altLang="zh-CN" sz="1200" kern="1200">
@@ -3419,15 +3785,26 @@
           </a:p>
           <a:p>
             <a:r>
-              <a:rPr lang="zh-CN" altLang="en-US" sz="1200" kern="1200">
-                <a:solidFill>
-                  <a:schemeClr val="tx1"/>
-                </a:solidFill>
-                <a:latin typeface="+mn-lt"/>
-                <a:ea typeface="+mn-ea"/>
-                <a:cs typeface="+mn-cs"/>
-              </a:rPr>
-              <a:t>			总回本率 </a:t>
+              <a:rPr lang="zh-CN" altLang="en-US" sz="1200" kern="1200" smtClean="0">
+                <a:solidFill>
+                  <a:schemeClr val="tx1"/>
+                </a:solidFill>
+                <a:latin typeface="+mn-lt"/>
+                <a:ea typeface="+mn-ea"/>
+                <a:cs typeface="+mn-cs"/>
+              </a:rPr>
+              <a:t>       总</a:t>
+            </a:r>
+            <a:r>
+              <a:rPr lang="zh-CN" altLang="en-US" sz="1200" kern="1200">
+                <a:solidFill>
+                  <a:schemeClr val="tx1"/>
+                </a:solidFill>
+                <a:latin typeface="+mn-lt"/>
+                <a:ea typeface="+mn-ea"/>
+                <a:cs typeface="+mn-cs"/>
+              </a:rPr>
+              <a:t>回本率 </a:t>
             </a:r>
             <a:r>
               <a:rPr lang="en-US" altLang="zh-CN" sz="1200" kern="1200">
@@ -3507,26 +3884,26 @@
           </a:p>
           <a:p>
             <a:r>
-              <a:rPr lang="en-US" altLang="zh-CN" sz="1200" kern="1200">
-                <a:solidFill>
-                  <a:schemeClr val="tx1"/>
-                </a:solidFill>
-                <a:latin typeface="+mn-lt"/>
-                <a:ea typeface="+mn-ea"/>
-                <a:cs typeface="+mn-cs"/>
-              </a:rPr>
-              <a:t>	</a:t>
-            </a:r>
-            <a:r>
-              <a:rPr lang="zh-CN" altLang="en-US" sz="1200" kern="1200">
-                <a:solidFill>
-                  <a:schemeClr val="tx1"/>
-                </a:solidFill>
-                <a:latin typeface="+mn-lt"/>
-                <a:ea typeface="+mn-ea"/>
-                <a:cs typeface="+mn-cs"/>
-              </a:rPr>
-              <a:t>期内用户期内充值</a:t>
+              <a:rPr lang="zh-CN" altLang="en-US" sz="1200" kern="1200" smtClean="0">
+                <a:solidFill>
+                  <a:schemeClr val="tx1"/>
+                </a:solidFill>
+                <a:latin typeface="+mn-lt"/>
+                <a:ea typeface="+mn-ea"/>
+                <a:cs typeface="+mn-cs"/>
+              </a:rPr>
+              <a:t>期</a:t>
+            </a:r>
+            <a:r>
+              <a:rPr lang="zh-CN" altLang="en-US" sz="1200" kern="1200">
+                <a:solidFill>
+                  <a:schemeClr val="tx1"/>
+                </a:solidFill>
+                <a:latin typeface="+mn-lt"/>
+                <a:ea typeface="+mn-ea"/>
+                <a:cs typeface="+mn-cs"/>
+              </a:rPr>
+              <a:t>内用户期内充值</a:t>
             </a:r>
             <a:r>
               <a:rPr lang="en-US" altLang="zh-CN" sz="1200" kern="1200">
@@ -3542,26 +3919,26 @@
           </a:p>
           <a:p>
             <a:r>
-              <a:rPr lang="en-US" altLang="zh-CN" sz="1200" kern="1200">
-                <a:solidFill>
-                  <a:schemeClr val="tx1"/>
-                </a:solidFill>
-                <a:latin typeface="+mn-lt"/>
-                <a:ea typeface="+mn-ea"/>
-                <a:cs typeface="+mn-cs"/>
-              </a:rPr>
-              <a:t>		</a:t>
-            </a:r>
-            <a:r>
-              <a:rPr lang="zh-CN" altLang="en-US" sz="1200" kern="1200">
-                <a:solidFill>
-                  <a:schemeClr val="tx1"/>
-                </a:solidFill>
-                <a:latin typeface="+mn-lt"/>
-                <a:ea typeface="+mn-ea"/>
-                <a:cs typeface="+mn-cs"/>
-              </a:rPr>
-              <a:t>跟累计充值计算大概相似</a:t>
+              <a:rPr lang="zh-CN" altLang="en-US" sz="1200" kern="1200" smtClean="0">
+                <a:solidFill>
+                  <a:schemeClr val="tx1"/>
+                </a:solidFill>
+                <a:latin typeface="+mn-lt"/>
+                <a:ea typeface="+mn-ea"/>
+                <a:cs typeface="+mn-cs"/>
+              </a:rPr>
+              <a:t>    跟</a:t>
+            </a:r>
+            <a:r>
+              <a:rPr lang="zh-CN" altLang="en-US" sz="1200" kern="1200">
+                <a:solidFill>
+                  <a:schemeClr val="tx1"/>
+                </a:solidFill>
+                <a:latin typeface="+mn-lt"/>
+                <a:ea typeface="+mn-ea"/>
+                <a:cs typeface="+mn-cs"/>
+              </a:rPr>
+              <a:t>累计充值计算大概相似</a:t>
             </a:r>
             <a:r>
               <a:rPr lang="en-US" altLang="zh-CN" sz="1200" kern="1200">
@@ -3665,26 +4042,15 @@
           </a:p>
           <a:p>
             <a:r>
-              <a:rPr lang="en-US" altLang="zh-CN" sz="1200" kern="1200">
-                <a:solidFill>
-                  <a:schemeClr val="tx1"/>
-                </a:solidFill>
-                <a:latin typeface="+mn-lt"/>
-                <a:ea typeface="+mn-ea"/>
-                <a:cs typeface="+mn-cs"/>
-              </a:rPr>
-              <a:t>		</a:t>
-            </a:r>
-            <a:r>
-              <a:rPr lang="zh-CN" altLang="en-US" sz="1200" kern="1200">
-                <a:solidFill>
-                  <a:schemeClr val="tx1"/>
-                </a:solidFill>
-                <a:latin typeface="+mn-lt"/>
-                <a:ea typeface="+mn-ea"/>
-                <a:cs typeface="+mn-cs"/>
-              </a:rPr>
-              <a:t>因为</a:t>
+              <a:rPr lang="zh-CN" altLang="en-US" sz="1200" kern="1200" smtClean="0">
+                <a:solidFill>
+                  <a:schemeClr val="tx1"/>
+                </a:solidFill>
+                <a:latin typeface="+mn-lt"/>
+                <a:ea typeface="+mn-ea"/>
+                <a:cs typeface="+mn-cs"/>
+              </a:rPr>
+              <a:t>    因为</a:t>
             </a:r>
             <a:r>
               <a:rPr lang="en-US" altLang="zh-CN" sz="1200" kern="1200">
@@ -3744,26 +4110,26 @@
           </a:p>
           <a:p>
             <a:r>
-              <a:rPr lang="en-US" altLang="zh-CN" sz="1200" kern="1200">
-                <a:solidFill>
-                  <a:schemeClr val="tx1"/>
-                </a:solidFill>
-                <a:latin typeface="+mn-lt"/>
-                <a:ea typeface="+mn-ea"/>
-                <a:cs typeface="+mn-cs"/>
-              </a:rPr>
-              <a:t>	</a:t>
-            </a:r>
-            <a:r>
-              <a:rPr lang="zh-CN" altLang="en-US" sz="1200" kern="1200">
-                <a:solidFill>
-                  <a:schemeClr val="tx1"/>
-                </a:solidFill>
-                <a:latin typeface="+mn-lt"/>
-                <a:ea typeface="+mn-ea"/>
-                <a:cs typeface="+mn-cs"/>
-              </a:rPr>
-              <a:t>期内用户期内分成</a:t>
+              <a:rPr lang="zh-CN" altLang="en-US" sz="1200" kern="1200" smtClean="0">
+                <a:solidFill>
+                  <a:schemeClr val="tx1"/>
+                </a:solidFill>
+                <a:latin typeface="+mn-lt"/>
+                <a:ea typeface="+mn-ea"/>
+                <a:cs typeface="+mn-cs"/>
+              </a:rPr>
+              <a:t>    期内</a:t>
+            </a:r>
+            <a:r>
+              <a:rPr lang="zh-CN" altLang="en-US" sz="1200" kern="1200">
+                <a:solidFill>
+                  <a:schemeClr val="tx1"/>
+                </a:solidFill>
+                <a:latin typeface="+mn-lt"/>
+                <a:ea typeface="+mn-ea"/>
+                <a:cs typeface="+mn-cs"/>
+              </a:rPr>
+              <a:t>用户期内分成</a:t>
             </a:r>
             <a:r>
               <a:rPr lang="en-US" altLang="zh-CN" sz="1200" kern="1200">
@@ -3779,26 +4145,26 @@
           </a:p>
           <a:p>
             <a:r>
-              <a:rPr lang="en-US" altLang="zh-CN" sz="1200" kern="1200">
-                <a:solidFill>
-                  <a:schemeClr val="tx1"/>
-                </a:solidFill>
-                <a:latin typeface="+mn-lt"/>
-                <a:ea typeface="+mn-ea"/>
-                <a:cs typeface="+mn-cs"/>
-              </a:rPr>
-              <a:t>		</a:t>
-            </a:r>
-            <a:r>
-              <a:rPr lang="zh-CN" altLang="en-US" sz="1200" kern="1200">
-                <a:solidFill>
-                  <a:schemeClr val="tx1"/>
-                </a:solidFill>
-                <a:latin typeface="+mn-lt"/>
-                <a:ea typeface="+mn-ea"/>
-                <a:cs typeface="+mn-cs"/>
-              </a:rPr>
-              <a:t>同上类似</a:t>
+              <a:rPr lang="zh-CN" altLang="en-US" sz="1200" kern="1200" smtClean="0">
+                <a:solidFill>
+                  <a:schemeClr val="tx1"/>
+                </a:solidFill>
+                <a:latin typeface="+mn-lt"/>
+                <a:ea typeface="+mn-ea"/>
+                <a:cs typeface="+mn-cs"/>
+              </a:rPr>
+              <a:t>    同上</a:t>
+            </a:r>
+            <a:r>
+              <a:rPr lang="zh-CN" altLang="en-US" sz="1200" kern="1200">
+                <a:solidFill>
+                  <a:schemeClr val="tx1"/>
+                </a:solidFill>
+                <a:latin typeface="+mn-lt"/>
+                <a:ea typeface="+mn-ea"/>
+                <a:cs typeface="+mn-cs"/>
+              </a:rPr>
+              <a:t>类似</a:t>
             </a:r>
             <a:r>
               <a:rPr lang="en-US" altLang="zh-CN" sz="1200" kern="1200">
@@ -3880,29 +4246,29 @@
           </a:p>
           <a:p>
             <a:r>
-              <a:rPr lang="en-US" altLang="zh-CN" sz="1200" kern="1200">
-                <a:solidFill>
-                  <a:schemeClr val="tx1"/>
-                </a:solidFill>
-                <a:latin typeface="+mn-lt"/>
-                <a:ea typeface="+mn-ea"/>
-                <a:cs typeface="+mn-cs"/>
-              </a:rPr>
-              <a:t>	</a:t>
-            </a:r>
-            <a:r>
-              <a:rPr lang="zh-CN" altLang="en-US" sz="1200" kern="1200">
-                <a:solidFill>
-                  <a:schemeClr val="tx1"/>
-                </a:solidFill>
-                <a:latin typeface="+mn-lt"/>
-                <a:ea typeface="+mn-ea"/>
-                <a:cs typeface="+mn-cs"/>
-              </a:rPr>
-              <a:t>期内用户期内回本</a:t>
-            </a:r>
-            <a:r>
-              <a:rPr lang="en-US" altLang="zh-CN" sz="1200" kern="1200">
+              <a:rPr lang="zh-CN" altLang="en-US" sz="1200" kern="1200" smtClean="0">
+                <a:solidFill>
+                  <a:schemeClr val="tx1"/>
+                </a:solidFill>
+                <a:latin typeface="+mn-lt"/>
+                <a:ea typeface="+mn-ea"/>
+                <a:cs typeface="+mn-cs"/>
+              </a:rPr>
+              <a:t>    期</a:t>
+            </a:r>
+            <a:r>
+              <a:rPr lang="zh-CN" altLang="en-US" sz="1200" kern="1200">
+                <a:solidFill>
+                  <a:schemeClr val="tx1"/>
+                </a:solidFill>
+                <a:latin typeface="+mn-lt"/>
+                <a:ea typeface="+mn-ea"/>
+                <a:cs typeface="+mn-cs"/>
+              </a:rPr>
+              <a:t>内用户期内回本</a:t>
+            </a:r>
+            <a:r>
+              <a:rPr lang="en-US" altLang="zh-CN" sz="1200" kern="1200" smtClean="0">
                 <a:solidFill>
                   <a:schemeClr val="tx1"/>
                 </a:solidFill>
@@ -3915,26 +4281,26 @@
           </a:p>
           <a:p>
             <a:r>
-              <a:rPr lang="en-US" altLang="zh-CN" sz="1200" kern="1200">
-                <a:solidFill>
-                  <a:schemeClr val="tx1"/>
-                </a:solidFill>
-                <a:latin typeface="+mn-lt"/>
-                <a:ea typeface="+mn-ea"/>
-                <a:cs typeface="+mn-cs"/>
-              </a:rPr>
-              <a:t>		</a:t>
-            </a:r>
-            <a:r>
-              <a:rPr lang="zh-CN" altLang="en-US" sz="1200" kern="1200">
-                <a:solidFill>
-                  <a:schemeClr val="tx1"/>
-                </a:solidFill>
-                <a:latin typeface="+mn-lt"/>
-                <a:ea typeface="+mn-ea"/>
-                <a:cs typeface="+mn-cs"/>
-              </a:rPr>
-              <a:t>期内用户期内分成</a:t>
+              <a:rPr lang="zh-CN" altLang="en-US" sz="1200" kern="1200" smtClean="0">
+                <a:solidFill>
+                  <a:schemeClr val="tx1"/>
+                </a:solidFill>
+                <a:latin typeface="+mn-lt"/>
+                <a:ea typeface="+mn-ea"/>
+                <a:cs typeface="+mn-cs"/>
+              </a:rPr>
+              <a:t>期</a:t>
+            </a:r>
+            <a:r>
+              <a:rPr lang="zh-CN" altLang="en-US" sz="1200" kern="1200">
+                <a:solidFill>
+                  <a:schemeClr val="tx1"/>
+                </a:solidFill>
+                <a:latin typeface="+mn-lt"/>
+                <a:ea typeface="+mn-ea"/>
+                <a:cs typeface="+mn-cs"/>
+              </a:rPr>
+              <a:t>内用户期内分成</a:t>
             </a:r>
             <a:r>
               <a:rPr lang="en-US" altLang="zh-CN" sz="1200" kern="1200">
@@ -4962,7 +5328,7 @@
               <a:t>直接进行展示</a:t>
             </a:r>
             <a:r>
-              <a:rPr lang="en-US" altLang="zh-CN" sz="1200" kern="1200">
+              <a:rPr lang="en-US" altLang="zh-CN" sz="1200" kern="1200" smtClean="0">
                 <a:solidFill>
                   <a:schemeClr val="tx1"/>
                 </a:solidFill>
@@ -4972,6 +5338,36 @@
               </a:rPr>
               <a:t>.</a:t>
             </a:r>
+            <a:r>
+              <a:rPr lang="zh-CN" altLang="en-US" sz="1200" kern="1200" smtClean="0">
+                <a:solidFill>
+                  <a:schemeClr val="tx1"/>
+                </a:solidFill>
+                <a:latin typeface="+mn-lt"/>
+                <a:ea typeface="+mn-ea"/>
+                <a:cs typeface="+mn-cs"/>
+              </a:rPr>
+              <a:t>都是数据库的元数据</a:t>
+            </a:r>
+            <a:r>
+              <a:rPr lang="en-US" altLang="zh-CN" sz="1200" kern="1200" smtClean="0">
+                <a:solidFill>
+                  <a:schemeClr val="tx1"/>
+                </a:solidFill>
+                <a:latin typeface="+mn-lt"/>
+                <a:ea typeface="+mn-ea"/>
+                <a:cs typeface="+mn-cs"/>
+              </a:rPr>
+              <a:t>.</a:t>
+            </a:r>
+            <a:endParaRPr lang="en-US" altLang="zh-CN" sz="1200" kern="1200">
+              <a:solidFill>
+                <a:schemeClr val="tx1"/>
+              </a:solidFill>
+              <a:latin typeface="+mn-lt"/>
+              <a:ea typeface="+mn-ea"/>
+              <a:cs typeface="+mn-cs"/>
+            </a:endParaRPr>
           </a:p>
         </p:txBody>
       </p:sp>
@@ -6476,7 +6872,3975 @@
                 <a:ea typeface="+mn-ea"/>
                 <a:cs typeface="+mn-cs"/>
               </a:rPr>
-              <a:t>当日注册总人数</a:t>
+              <a:t>当日注册总</a:t>
+            </a:r>
+            <a:r>
+              <a:rPr lang="zh-CN" altLang="en-US" sz="1200" b="1" i="0" kern="1200" smtClean="0">
+                <a:solidFill>
+                  <a:schemeClr val="tx1"/>
+                </a:solidFill>
+                <a:effectLst/>
+                <a:latin typeface="+mn-lt"/>
+                <a:ea typeface="+mn-ea"/>
+                <a:cs typeface="+mn-cs"/>
+              </a:rPr>
+              <a:t>人数</a:t>
+            </a:r>
+            <a:endParaRPr lang="en-US" altLang="zh-CN" sz="1200" b="1" i="0" kern="1200" smtClean="0">
+              <a:solidFill>
+                <a:schemeClr val="tx1"/>
+              </a:solidFill>
+              <a:effectLst/>
+              <a:latin typeface="+mn-lt"/>
+              <a:ea typeface="+mn-ea"/>
+              <a:cs typeface="+mn-cs"/>
+            </a:endParaRPr>
+          </a:p>
+          <a:p>
+            <a:endParaRPr lang="en-US" altLang="zh-CN" sz="1200" b="1" i="0" kern="1200" smtClean="0">
+              <a:solidFill>
+                <a:schemeClr val="tx1"/>
+              </a:solidFill>
+              <a:effectLst/>
+              <a:latin typeface="+mn-lt"/>
+              <a:ea typeface="+mn-ea"/>
+              <a:cs typeface="+mn-cs"/>
+            </a:endParaRPr>
+          </a:p>
+          <a:p>
+            <a:r>
+              <a:rPr lang="en-US" altLang="zh-CN" sz="1200" b="1" i="0" kern="1200" smtClean="0">
+                <a:solidFill>
+                  <a:schemeClr val="tx1"/>
+                </a:solidFill>
+                <a:effectLst/>
+                <a:latin typeface="+mn-lt"/>
+                <a:ea typeface="+mn-ea"/>
+                <a:cs typeface="+mn-cs"/>
+              </a:rPr>
+              <a:t>//</a:t>
+            </a:r>
+            <a:r>
+              <a:rPr lang="zh-CN" altLang="en-US" sz="1200" b="1" i="0" kern="1200" smtClean="0">
+                <a:solidFill>
+                  <a:schemeClr val="tx1"/>
+                </a:solidFill>
+                <a:effectLst/>
+                <a:latin typeface="+mn-lt"/>
+                <a:ea typeface="+mn-ea"/>
+                <a:cs typeface="+mn-cs"/>
+              </a:rPr>
+              <a:t>修改后</a:t>
+            </a:r>
+            <a:endParaRPr lang="en-US" altLang="zh-CN" sz="1200" b="1" i="0" kern="1200" smtClean="0">
+              <a:solidFill>
+                <a:schemeClr val="tx1"/>
+              </a:solidFill>
+              <a:effectLst/>
+              <a:latin typeface="+mn-lt"/>
+              <a:ea typeface="+mn-ea"/>
+              <a:cs typeface="+mn-cs"/>
+            </a:endParaRPr>
+          </a:p>
+          <a:p>
+            <a:r>
+              <a:rPr lang="zh-CN" altLang="en-US" sz="1200" kern="1200" smtClean="0">
+                <a:solidFill>
+                  <a:schemeClr val="tx1"/>
+                </a:solidFill>
+                <a:latin typeface="+mn-lt"/>
+                <a:ea typeface="+mn-ea"/>
+                <a:cs typeface="+mn-cs"/>
+              </a:rPr>
+              <a:t>本模块是只展示选择期内注册用户带来的一个分成</a:t>
+            </a:r>
+            <a:r>
+              <a:rPr lang="en-US" altLang="zh-CN" sz="1200" kern="1200" smtClean="0">
+                <a:solidFill>
+                  <a:schemeClr val="tx1"/>
+                </a:solidFill>
+                <a:latin typeface="+mn-lt"/>
+                <a:ea typeface="+mn-ea"/>
+                <a:cs typeface="+mn-cs"/>
+              </a:rPr>
+              <a:t>/</a:t>
+            </a:r>
+            <a:r>
+              <a:rPr lang="zh-CN" altLang="en-US" sz="1200" kern="1200" smtClean="0">
+                <a:solidFill>
+                  <a:schemeClr val="tx1"/>
+                </a:solidFill>
+                <a:latin typeface="+mn-lt"/>
+                <a:ea typeface="+mn-ea"/>
+                <a:cs typeface="+mn-cs"/>
+              </a:rPr>
+              <a:t>回本情况</a:t>
+            </a:r>
+            <a:r>
+              <a:rPr lang="en-US" altLang="zh-CN" sz="1200" kern="1200" smtClean="0">
+                <a:solidFill>
+                  <a:schemeClr val="tx1"/>
+                </a:solidFill>
+                <a:latin typeface="+mn-lt"/>
+                <a:ea typeface="+mn-ea"/>
+                <a:cs typeface="+mn-cs"/>
+              </a:rPr>
+              <a:t>,</a:t>
+            </a:r>
+            <a:r>
+              <a:rPr lang="zh-CN" altLang="en-US" sz="1200" kern="1200" smtClean="0">
+                <a:solidFill>
+                  <a:schemeClr val="tx1"/>
+                </a:solidFill>
+                <a:latin typeface="+mn-lt"/>
+                <a:ea typeface="+mn-ea"/>
+                <a:cs typeface="+mn-cs"/>
+              </a:rPr>
+              <a:t>也就是说</a:t>
+            </a:r>
+            <a:r>
+              <a:rPr lang="en-US" altLang="zh-CN" sz="1200" kern="1200" smtClean="0">
+                <a:solidFill>
+                  <a:schemeClr val="tx1"/>
+                </a:solidFill>
+                <a:latin typeface="+mn-lt"/>
+                <a:ea typeface="+mn-ea"/>
+                <a:cs typeface="+mn-cs"/>
+              </a:rPr>
+              <a:t>,</a:t>
+            </a:r>
+            <a:r>
+              <a:rPr lang="zh-CN" altLang="en-US" sz="1200" kern="1200" smtClean="0">
+                <a:solidFill>
+                  <a:schemeClr val="tx1"/>
+                </a:solidFill>
+                <a:latin typeface="+mn-lt"/>
+                <a:ea typeface="+mn-ea"/>
+                <a:cs typeface="+mn-cs"/>
+              </a:rPr>
+              <a:t>展示的数据不包括累计</a:t>
+            </a:r>
+            <a:r>
+              <a:rPr lang="en-US" altLang="zh-CN" sz="1200" kern="1200" smtClean="0">
+                <a:solidFill>
+                  <a:schemeClr val="tx1"/>
+                </a:solidFill>
+                <a:latin typeface="+mn-lt"/>
+                <a:ea typeface="+mn-ea"/>
+                <a:cs typeface="+mn-cs"/>
+              </a:rPr>
+              <a:t>(</a:t>
+            </a:r>
+            <a:r>
+              <a:rPr lang="zh-CN" altLang="en-US" sz="1200" kern="1200" smtClean="0">
+                <a:solidFill>
+                  <a:schemeClr val="tx1"/>
+                </a:solidFill>
+                <a:latin typeface="+mn-lt"/>
+                <a:ea typeface="+mn-ea"/>
+                <a:cs typeface="+mn-cs"/>
+              </a:rPr>
+              <a:t>累计分成</a:t>
+            </a:r>
+            <a:r>
+              <a:rPr lang="en-US" altLang="zh-CN" sz="1200" kern="1200" smtClean="0">
+                <a:solidFill>
+                  <a:schemeClr val="tx1"/>
+                </a:solidFill>
+                <a:latin typeface="+mn-lt"/>
+                <a:ea typeface="+mn-ea"/>
+                <a:cs typeface="+mn-cs"/>
+              </a:rPr>
+              <a:t>adv_position_data.pay_sum),</a:t>
+            </a:r>
+            <a:r>
+              <a:rPr lang="zh-CN" altLang="en-US" sz="1200" kern="1200" smtClean="0">
+                <a:solidFill>
+                  <a:schemeClr val="tx1"/>
+                </a:solidFill>
+                <a:latin typeface="+mn-lt"/>
+                <a:ea typeface="+mn-ea"/>
+                <a:cs typeface="+mn-cs"/>
+              </a:rPr>
+              <a:t>回本率的计算是 期内用户期内分成</a:t>
+            </a:r>
+            <a:r>
+              <a:rPr lang="en-US" altLang="zh-CN" sz="1200" kern="1200" smtClean="0">
+                <a:solidFill>
+                  <a:schemeClr val="tx1"/>
+                </a:solidFill>
+                <a:latin typeface="+mn-lt"/>
+                <a:ea typeface="+mn-ea"/>
+                <a:cs typeface="+mn-cs"/>
+              </a:rPr>
+              <a:t>(order_log.money)/</a:t>
+            </a:r>
+            <a:r>
+              <a:rPr lang="zh-CN" altLang="en-US" sz="1200" kern="1200" smtClean="0">
+                <a:solidFill>
+                  <a:schemeClr val="tx1"/>
+                </a:solidFill>
+                <a:latin typeface="+mn-lt"/>
+                <a:ea typeface="+mn-ea"/>
+                <a:cs typeface="+mn-cs"/>
+              </a:rPr>
+              <a:t>累计成本</a:t>
+            </a:r>
+          </a:p>
+          <a:p>
+            <a:r>
+              <a:rPr lang="zh-CN" altLang="en-US" sz="1200" kern="1200" smtClean="0">
+                <a:solidFill>
+                  <a:schemeClr val="tx1"/>
+                </a:solidFill>
+                <a:latin typeface="+mn-lt"/>
+                <a:ea typeface="+mn-ea"/>
+                <a:cs typeface="+mn-cs"/>
+              </a:rPr>
+              <a:t>影响数据结果的页面上的选项</a:t>
+            </a:r>
+            <a:r>
+              <a:rPr lang="en-US" altLang="zh-CN" sz="1200" kern="1200" smtClean="0">
+                <a:solidFill>
+                  <a:schemeClr val="tx1"/>
+                </a:solidFill>
+                <a:latin typeface="+mn-lt"/>
+                <a:ea typeface="+mn-ea"/>
+                <a:cs typeface="+mn-cs"/>
+              </a:rPr>
+              <a:t>:</a:t>
+            </a:r>
+          </a:p>
+          <a:p>
+            <a:r>
+              <a:rPr lang="zh-CN" altLang="en-US" sz="1200" kern="1200" smtClean="0">
+                <a:solidFill>
+                  <a:schemeClr val="tx1"/>
+                </a:solidFill>
+                <a:latin typeface="+mn-lt"/>
+                <a:ea typeface="+mn-ea"/>
+                <a:cs typeface="+mn-cs"/>
+              </a:rPr>
+              <a:t>回本 </a:t>
+            </a:r>
+            <a:r>
+              <a:rPr lang="en-US" altLang="zh-CN" sz="1200" kern="1200" smtClean="0">
+                <a:solidFill>
+                  <a:schemeClr val="tx1"/>
+                </a:solidFill>
+                <a:latin typeface="+mn-lt"/>
+                <a:ea typeface="+mn-ea"/>
+                <a:cs typeface="+mn-cs"/>
+              </a:rPr>
+              <a:t>LTV </a:t>
+            </a:r>
+            <a:r>
+              <a:rPr lang="zh-CN" altLang="en-US" sz="1200" kern="1200" smtClean="0">
+                <a:solidFill>
+                  <a:schemeClr val="tx1"/>
+                </a:solidFill>
+                <a:latin typeface="+mn-lt"/>
+                <a:ea typeface="+mn-ea"/>
+                <a:cs typeface="+mn-cs"/>
+              </a:rPr>
+              <a:t>留存</a:t>
+            </a:r>
+          </a:p>
+          <a:p>
+            <a:r>
+              <a:rPr lang="zh-CN" altLang="en-US" sz="1200" kern="1200" smtClean="0">
+                <a:solidFill>
+                  <a:schemeClr val="tx1"/>
+                </a:solidFill>
+                <a:latin typeface="+mn-lt"/>
+                <a:ea typeface="+mn-ea"/>
+                <a:cs typeface="+mn-cs"/>
+              </a:rPr>
+              <a:t>回本类别</a:t>
+            </a:r>
+            <a:r>
+              <a:rPr lang="en-US" altLang="zh-CN" sz="1200" kern="1200" smtClean="0">
+                <a:solidFill>
+                  <a:schemeClr val="tx1"/>
+                </a:solidFill>
+                <a:latin typeface="+mn-lt"/>
+                <a:ea typeface="+mn-ea"/>
+                <a:cs typeface="+mn-cs"/>
+              </a:rPr>
+              <a:t>:</a:t>
+            </a:r>
+            <a:r>
+              <a:rPr lang="zh-CN" altLang="en-US" sz="1200" kern="1200" smtClean="0">
+                <a:solidFill>
+                  <a:schemeClr val="tx1"/>
+                </a:solidFill>
+                <a:latin typeface="+mn-lt"/>
+                <a:ea typeface="+mn-ea"/>
+                <a:cs typeface="+mn-cs"/>
+              </a:rPr>
+              <a:t>分成前 分成后</a:t>
+            </a:r>
+          </a:p>
+          <a:p>
+            <a:r>
+              <a:rPr lang="zh-CN" altLang="en-US" sz="1200" kern="1200" smtClean="0">
+                <a:solidFill>
+                  <a:schemeClr val="tx1"/>
+                </a:solidFill>
+                <a:latin typeface="+mn-lt"/>
+                <a:ea typeface="+mn-ea"/>
+                <a:cs typeface="+mn-cs"/>
+              </a:rPr>
+              <a:t>计算分成前</a:t>
+            </a:r>
+            <a:r>
+              <a:rPr lang="en-US" altLang="zh-CN" sz="1200" kern="1200" smtClean="0">
+                <a:solidFill>
+                  <a:schemeClr val="tx1"/>
+                </a:solidFill>
+                <a:latin typeface="+mn-lt"/>
+                <a:ea typeface="+mn-ea"/>
+                <a:cs typeface="+mn-cs"/>
+              </a:rPr>
+              <a:t>:</a:t>
+            </a:r>
+          </a:p>
+          <a:p>
+            <a:r>
+              <a:rPr lang="zh-CN" altLang="en-US" sz="1200" kern="1200" smtClean="0">
+                <a:solidFill>
+                  <a:schemeClr val="tx1"/>
+                </a:solidFill>
+                <a:latin typeface="+mn-lt"/>
+                <a:ea typeface="+mn-ea"/>
+                <a:cs typeface="+mn-cs"/>
+              </a:rPr>
+              <a:t>分成前比较好算</a:t>
+            </a:r>
+            <a:r>
+              <a:rPr lang="en-US" altLang="zh-CN" sz="1200" kern="1200" smtClean="0">
+                <a:solidFill>
+                  <a:schemeClr val="tx1"/>
+                </a:solidFill>
+                <a:latin typeface="+mn-lt"/>
+                <a:ea typeface="+mn-ea"/>
+                <a:cs typeface="+mn-cs"/>
+              </a:rPr>
+              <a:t>,</a:t>
+            </a:r>
+            <a:r>
+              <a:rPr lang="zh-CN" altLang="en-US" sz="1200" kern="1200" smtClean="0">
+                <a:solidFill>
+                  <a:schemeClr val="tx1"/>
+                </a:solidFill>
+                <a:latin typeface="+mn-lt"/>
+                <a:ea typeface="+mn-ea"/>
+                <a:cs typeface="+mn-cs"/>
+              </a:rPr>
+              <a:t>得到的分成数据就是期内用户期内充值</a:t>
+            </a:r>
+            <a:r>
+              <a:rPr lang="en-US" altLang="zh-CN" sz="1200" kern="1200" smtClean="0">
+                <a:solidFill>
+                  <a:schemeClr val="tx1"/>
+                </a:solidFill>
+                <a:latin typeface="+mn-lt"/>
+                <a:ea typeface="+mn-ea"/>
+                <a:cs typeface="+mn-cs"/>
+              </a:rPr>
+              <a:t>,</a:t>
+            </a:r>
+            <a:r>
+              <a:rPr lang="zh-CN" altLang="en-US" sz="1200" kern="1200" smtClean="0">
+                <a:solidFill>
+                  <a:schemeClr val="tx1"/>
+                </a:solidFill>
+                <a:latin typeface="+mn-lt"/>
+                <a:ea typeface="+mn-ea"/>
+                <a:cs typeface="+mn-cs"/>
+              </a:rPr>
+              <a:t>就是总体的收入</a:t>
+            </a:r>
+          </a:p>
+          <a:p>
+            <a:r>
+              <a:rPr lang="zh-CN" altLang="en-US" sz="1200" kern="1200" smtClean="0">
+                <a:solidFill>
+                  <a:schemeClr val="tx1"/>
+                </a:solidFill>
+                <a:latin typeface="+mn-lt"/>
+                <a:ea typeface="+mn-ea"/>
+                <a:cs typeface="+mn-cs"/>
+              </a:rPr>
+              <a:t>计算分成后</a:t>
+            </a:r>
+            <a:r>
+              <a:rPr lang="en-US" altLang="zh-CN" sz="1200" kern="1200" smtClean="0">
+                <a:solidFill>
+                  <a:schemeClr val="tx1"/>
+                </a:solidFill>
+                <a:latin typeface="+mn-lt"/>
+                <a:ea typeface="+mn-ea"/>
+                <a:cs typeface="+mn-cs"/>
+              </a:rPr>
+              <a:t>:</a:t>
+            </a:r>
+          </a:p>
+          <a:p>
+            <a:r>
+              <a:rPr lang="zh-CN" altLang="en-US" sz="1200" kern="1200" smtClean="0">
+                <a:solidFill>
+                  <a:schemeClr val="tx1"/>
+                </a:solidFill>
+                <a:latin typeface="+mn-lt"/>
+                <a:ea typeface="+mn-ea"/>
+                <a:cs typeface="+mn-cs"/>
+              </a:rPr>
+              <a:t>要按照之前说的渠道效果那里的分成来计算</a:t>
+            </a:r>
+            <a:r>
+              <a:rPr lang="en-US" altLang="zh-CN" sz="1200" kern="1200" smtClean="0">
+                <a:solidFill>
+                  <a:schemeClr val="tx1"/>
+                </a:solidFill>
+                <a:latin typeface="+mn-lt"/>
+                <a:ea typeface="+mn-ea"/>
+                <a:cs typeface="+mn-cs"/>
+              </a:rPr>
+              <a:t>,</a:t>
+            </a:r>
+            <a:r>
+              <a:rPr lang="zh-CN" altLang="en-US" sz="1200" kern="1200" smtClean="0">
+                <a:solidFill>
+                  <a:schemeClr val="tx1"/>
+                </a:solidFill>
+                <a:latin typeface="+mn-lt"/>
+                <a:ea typeface="+mn-ea"/>
+                <a:cs typeface="+mn-cs"/>
+              </a:rPr>
+              <a:t>按照</a:t>
+            </a:r>
+            <a:r>
+              <a:rPr lang="en-US" altLang="zh-CN" sz="1200" kern="1200" smtClean="0">
+                <a:solidFill>
+                  <a:schemeClr val="tx1"/>
+                </a:solidFill>
+                <a:latin typeface="+mn-lt"/>
+                <a:ea typeface="+mn-ea"/>
+                <a:cs typeface="+mn-cs"/>
+              </a:rPr>
+              <a:t>,yingyongbaoyishi,</a:t>
+            </a:r>
+            <a:r>
+              <a:rPr lang="zh-CN" altLang="en-US" sz="1200" kern="1200" smtClean="0">
+                <a:solidFill>
+                  <a:schemeClr val="tx1"/>
+                </a:solidFill>
+                <a:latin typeface="+mn-lt"/>
+                <a:ea typeface="+mn-ea"/>
+                <a:cs typeface="+mn-cs"/>
+              </a:rPr>
+              <a:t>广点通</a:t>
+            </a:r>
+            <a:r>
+              <a:rPr lang="en-US" altLang="zh-CN" sz="1200" kern="1200" smtClean="0">
+                <a:solidFill>
+                  <a:schemeClr val="tx1"/>
+                </a:solidFill>
+                <a:latin typeface="+mn-lt"/>
+                <a:ea typeface="+mn-ea"/>
+                <a:cs typeface="+mn-cs"/>
+              </a:rPr>
+              <a:t>,</a:t>
+            </a:r>
+            <a:r>
+              <a:rPr lang="zh-CN" altLang="en-US" sz="1200" kern="1200" smtClean="0">
+                <a:solidFill>
+                  <a:schemeClr val="tx1"/>
+                </a:solidFill>
+                <a:latin typeface="+mn-lt"/>
+                <a:ea typeface="+mn-ea"/>
+                <a:cs typeface="+mn-cs"/>
+              </a:rPr>
+              <a:t>业务类型</a:t>
+            </a:r>
+            <a:r>
+              <a:rPr lang="en-US" altLang="zh-CN" sz="1200" kern="1200" smtClean="0">
+                <a:solidFill>
+                  <a:schemeClr val="tx1"/>
+                </a:solidFill>
+                <a:latin typeface="+mn-lt"/>
+                <a:ea typeface="+mn-ea"/>
+                <a:cs typeface="+mn-cs"/>
+              </a:rPr>
+              <a:t>(</a:t>
+            </a:r>
+            <a:r>
+              <a:rPr lang="zh-CN" altLang="en-US" sz="1200" kern="1200" smtClean="0">
+                <a:solidFill>
+                  <a:schemeClr val="tx1"/>
+                </a:solidFill>
+                <a:latin typeface="+mn-lt"/>
+                <a:ea typeface="+mn-ea"/>
+                <a:cs typeface="+mn-cs"/>
+              </a:rPr>
+              <a:t>发行买量*返点和不是发行买量*渠道通道费再减去渠道推广费用</a:t>
+            </a:r>
+            <a:r>
+              <a:rPr lang="en-US" altLang="zh-CN" sz="1200" kern="1200" smtClean="0">
+                <a:solidFill>
+                  <a:schemeClr val="tx1"/>
+                </a:solidFill>
+                <a:latin typeface="+mn-lt"/>
+                <a:ea typeface="+mn-ea"/>
+                <a:cs typeface="+mn-cs"/>
+              </a:rPr>
+              <a:t>),</a:t>
+            </a:r>
+            <a:r>
+              <a:rPr lang="zh-CN" altLang="en-US" sz="1200" kern="1200" smtClean="0">
+                <a:solidFill>
+                  <a:schemeClr val="tx1"/>
+                </a:solidFill>
+                <a:latin typeface="+mn-lt"/>
+                <a:ea typeface="+mn-ea"/>
+                <a:cs typeface="+mn-cs"/>
+              </a:rPr>
+              <a:t>分成是按照这个顺序来计算</a:t>
+            </a:r>
+            <a:r>
+              <a:rPr lang="en-US" altLang="zh-CN" sz="1200" kern="1200" smtClean="0">
+                <a:solidFill>
+                  <a:schemeClr val="tx1"/>
+                </a:solidFill>
+                <a:latin typeface="+mn-lt"/>
+                <a:ea typeface="+mn-ea"/>
+                <a:cs typeface="+mn-cs"/>
+              </a:rPr>
+              <a:t>.</a:t>
+            </a:r>
+          </a:p>
+          <a:p>
+            <a:r>
+              <a:rPr lang="zh-CN" altLang="en-US" sz="1200" kern="1200" smtClean="0">
+                <a:solidFill>
+                  <a:schemeClr val="tx1"/>
+                </a:solidFill>
+                <a:latin typeface="+mn-lt"/>
+                <a:ea typeface="+mn-ea"/>
+                <a:cs typeface="+mn-cs"/>
+              </a:rPr>
+              <a:t>这个渠道效果哪里已经说过了</a:t>
+            </a:r>
+            <a:r>
+              <a:rPr lang="en-US" altLang="zh-CN" sz="1200" kern="1200" smtClean="0">
+                <a:solidFill>
+                  <a:schemeClr val="tx1"/>
+                </a:solidFill>
+                <a:latin typeface="+mn-lt"/>
+                <a:ea typeface="+mn-ea"/>
+                <a:cs typeface="+mn-cs"/>
+              </a:rPr>
+              <a:t>,</a:t>
+            </a:r>
+            <a:r>
+              <a:rPr lang="zh-CN" altLang="en-US" sz="1200" kern="1200" smtClean="0">
+                <a:solidFill>
+                  <a:schemeClr val="tx1"/>
+                </a:solidFill>
+                <a:latin typeface="+mn-lt"/>
+                <a:ea typeface="+mn-ea"/>
+                <a:cs typeface="+mn-cs"/>
+              </a:rPr>
+              <a:t>都是一样的算法</a:t>
+            </a:r>
+            <a:r>
+              <a:rPr lang="en-US" altLang="zh-CN" sz="1200" kern="1200" smtClean="0">
+                <a:solidFill>
+                  <a:schemeClr val="tx1"/>
+                </a:solidFill>
+                <a:latin typeface="+mn-lt"/>
+                <a:ea typeface="+mn-ea"/>
+                <a:cs typeface="+mn-cs"/>
+              </a:rPr>
+              <a:t>,</a:t>
+            </a:r>
+            <a:r>
+              <a:rPr lang="zh-CN" altLang="en-US" sz="1200" kern="1200" smtClean="0">
+                <a:solidFill>
+                  <a:schemeClr val="tx1"/>
+                </a:solidFill>
+                <a:latin typeface="+mn-lt"/>
+                <a:ea typeface="+mn-ea"/>
+                <a:cs typeface="+mn-cs"/>
+              </a:rPr>
+              <a:t>只是查出的数据不同</a:t>
+            </a:r>
+            <a:r>
+              <a:rPr lang="en-US" altLang="zh-CN" sz="1200" kern="1200" smtClean="0">
+                <a:solidFill>
+                  <a:schemeClr val="tx1"/>
+                </a:solidFill>
+                <a:latin typeface="+mn-lt"/>
+                <a:ea typeface="+mn-ea"/>
+                <a:cs typeface="+mn-cs"/>
+              </a:rPr>
+              <a:t>.</a:t>
+            </a:r>
+          </a:p>
+          <a:p>
+            <a:endParaRPr lang="en-US" altLang="zh-CN" sz="1200" kern="1200" smtClean="0">
+              <a:solidFill>
+                <a:schemeClr val="tx1"/>
+              </a:solidFill>
+              <a:latin typeface="+mn-lt"/>
+              <a:ea typeface="+mn-ea"/>
+              <a:cs typeface="+mn-cs"/>
+            </a:endParaRPr>
+          </a:p>
+          <a:p>
+            <a:r>
+              <a:rPr lang="zh-CN" altLang="en-US" sz="1200" kern="1200" smtClean="0">
+                <a:solidFill>
+                  <a:schemeClr val="tx1"/>
+                </a:solidFill>
+                <a:latin typeface="+mn-lt"/>
+                <a:ea typeface="+mn-ea"/>
+                <a:cs typeface="+mn-cs"/>
+              </a:rPr>
+              <a:t>其他指标</a:t>
+            </a:r>
+            <a:r>
+              <a:rPr lang="en-US" altLang="zh-CN" sz="1200" kern="1200" smtClean="0">
+                <a:solidFill>
+                  <a:schemeClr val="tx1"/>
+                </a:solidFill>
+                <a:latin typeface="+mn-lt"/>
+                <a:ea typeface="+mn-ea"/>
+                <a:cs typeface="+mn-cs"/>
+              </a:rPr>
+              <a:t>:</a:t>
+            </a:r>
+            <a:r>
+              <a:rPr lang="zh-CN" altLang="en-US" sz="1200" kern="1200" smtClean="0">
+                <a:solidFill>
+                  <a:schemeClr val="tx1"/>
+                </a:solidFill>
+                <a:latin typeface="+mn-lt"/>
+                <a:ea typeface="+mn-ea"/>
+                <a:cs typeface="+mn-cs"/>
+              </a:rPr>
+              <a:t>时间 负责人 渠道 等 只是在连接时加条件而已 时间是限制</a:t>
+            </a:r>
+            <a:r>
+              <a:rPr lang="en-US" altLang="zh-CN" sz="1200" kern="1200" smtClean="0">
+                <a:solidFill>
+                  <a:schemeClr val="tx1"/>
+                </a:solidFill>
+                <a:latin typeface="+mn-lt"/>
+                <a:ea typeface="+mn-ea"/>
+                <a:cs typeface="+mn-cs"/>
+              </a:rPr>
+              <a:t>order_log.register.date</a:t>
+            </a:r>
+          </a:p>
+          <a:p>
+            <a:r>
+              <a:rPr lang="zh-CN" altLang="en-US" sz="1200" kern="1200" smtClean="0">
+                <a:solidFill>
+                  <a:schemeClr val="tx1"/>
+                </a:solidFill>
+                <a:latin typeface="+mn-lt"/>
+                <a:ea typeface="+mn-ea"/>
+                <a:cs typeface="+mn-cs"/>
+              </a:rPr>
+              <a:t>新增日期</a:t>
+            </a:r>
+            <a:r>
+              <a:rPr lang="en-US" altLang="zh-CN" sz="1200" kern="1200" smtClean="0">
+                <a:solidFill>
+                  <a:schemeClr val="tx1"/>
+                </a:solidFill>
+                <a:latin typeface="+mn-lt"/>
+                <a:ea typeface="+mn-ea"/>
+                <a:cs typeface="+mn-cs"/>
+              </a:rPr>
+              <a:t>:adv_position_data</a:t>
+            </a:r>
+            <a:r>
+              <a:rPr lang="zh-CN" altLang="en-US" sz="1200" kern="1200" smtClean="0">
+                <a:solidFill>
+                  <a:schemeClr val="tx1"/>
+                </a:solidFill>
+                <a:latin typeface="+mn-lt"/>
+                <a:ea typeface="+mn-ea"/>
+                <a:cs typeface="+mn-cs"/>
+              </a:rPr>
+              <a:t>表中的日期</a:t>
+            </a:r>
+            <a:r>
+              <a:rPr lang="en-US" altLang="zh-CN" sz="1200" kern="1200" smtClean="0">
+                <a:solidFill>
+                  <a:schemeClr val="tx1"/>
+                </a:solidFill>
+                <a:latin typeface="+mn-lt"/>
+                <a:ea typeface="+mn-ea"/>
+                <a:cs typeface="+mn-cs"/>
+              </a:rPr>
+              <a:t>,</a:t>
+            </a:r>
+            <a:r>
+              <a:rPr lang="zh-CN" altLang="en-US" sz="1200" kern="1200" smtClean="0">
+                <a:solidFill>
+                  <a:schemeClr val="tx1"/>
+                </a:solidFill>
+                <a:latin typeface="+mn-lt"/>
+                <a:ea typeface="+mn-ea"/>
+                <a:cs typeface="+mn-cs"/>
+              </a:rPr>
+              <a:t>显示符合条件的广告位的日期时间</a:t>
+            </a:r>
+          </a:p>
+          <a:p>
+            <a:r>
+              <a:rPr lang="zh-CN" altLang="en-US" sz="1200" kern="1200" smtClean="0">
+                <a:solidFill>
+                  <a:schemeClr val="tx1"/>
+                </a:solidFill>
+                <a:latin typeface="+mn-lt"/>
+                <a:ea typeface="+mn-ea"/>
+                <a:cs typeface="+mn-cs"/>
+              </a:rPr>
+              <a:t>渠道</a:t>
+            </a:r>
+            <a:r>
+              <a:rPr lang="en-US" altLang="zh-CN" sz="1200" kern="1200" smtClean="0">
+                <a:solidFill>
+                  <a:schemeClr val="tx1"/>
+                </a:solidFill>
+                <a:latin typeface="+mn-lt"/>
+                <a:ea typeface="+mn-ea"/>
+                <a:cs typeface="+mn-cs"/>
+              </a:rPr>
+              <a:t>:</a:t>
+            </a:r>
+            <a:r>
+              <a:rPr lang="zh-CN" altLang="en-US" sz="1200" kern="1200" smtClean="0">
+                <a:solidFill>
+                  <a:schemeClr val="tx1"/>
+                </a:solidFill>
+                <a:latin typeface="+mn-lt"/>
+                <a:ea typeface="+mn-ea"/>
+                <a:cs typeface="+mn-cs"/>
+              </a:rPr>
+              <a:t>渠道类别 </a:t>
+            </a:r>
+            <a:r>
+              <a:rPr lang="en-US" altLang="zh-CN" sz="1200" kern="1200" smtClean="0">
+                <a:solidFill>
+                  <a:schemeClr val="tx1"/>
+                </a:solidFill>
+                <a:latin typeface="+mn-lt"/>
+                <a:ea typeface="+mn-ea"/>
+                <a:cs typeface="+mn-cs"/>
+              </a:rPr>
+              <a:t>register_type </a:t>
+            </a:r>
+            <a:r>
+              <a:rPr lang="zh-CN" altLang="en-US" sz="1200" kern="1200" smtClean="0">
+                <a:solidFill>
+                  <a:schemeClr val="tx1"/>
+                </a:solidFill>
+                <a:latin typeface="+mn-lt"/>
+                <a:ea typeface="+mn-ea"/>
+                <a:cs typeface="+mn-cs"/>
+              </a:rPr>
+              <a:t>数据表</a:t>
+            </a:r>
+            <a:r>
+              <a:rPr lang="en-US" altLang="zh-CN" sz="1200" kern="1200" smtClean="0">
+                <a:solidFill>
+                  <a:schemeClr val="tx1"/>
+                </a:solidFill>
+                <a:latin typeface="+mn-lt"/>
+                <a:ea typeface="+mn-ea"/>
+                <a:cs typeface="+mn-cs"/>
+              </a:rPr>
+              <a:t>register_type</a:t>
+            </a:r>
+            <a:r>
+              <a:rPr lang="zh-CN" altLang="en-US" sz="1200" kern="1200" smtClean="0">
+                <a:solidFill>
+                  <a:schemeClr val="tx1"/>
+                </a:solidFill>
+                <a:latin typeface="+mn-lt"/>
+                <a:ea typeface="+mn-ea"/>
+                <a:cs typeface="+mn-cs"/>
+              </a:rPr>
+              <a:t>中的数据</a:t>
+            </a:r>
+            <a:r>
+              <a:rPr lang="en-US" altLang="zh-CN" sz="1200" kern="1200" smtClean="0">
+                <a:solidFill>
+                  <a:schemeClr val="tx1"/>
+                </a:solidFill>
+                <a:latin typeface="+mn-lt"/>
+                <a:ea typeface="+mn-ea"/>
+                <a:cs typeface="+mn-cs"/>
+              </a:rPr>
+              <a:t>,</a:t>
+            </a:r>
+            <a:r>
+              <a:rPr lang="zh-CN" altLang="en-US" sz="1200" kern="1200" smtClean="0">
+                <a:solidFill>
+                  <a:schemeClr val="tx1"/>
+                </a:solidFill>
+                <a:latin typeface="+mn-lt"/>
+                <a:ea typeface="+mn-ea"/>
+                <a:cs typeface="+mn-cs"/>
+              </a:rPr>
+              <a:t>是元数据</a:t>
+            </a:r>
+            <a:r>
+              <a:rPr lang="en-US" altLang="zh-CN" sz="1200" kern="1200" smtClean="0">
+                <a:solidFill>
+                  <a:schemeClr val="tx1"/>
+                </a:solidFill>
+                <a:latin typeface="+mn-lt"/>
+                <a:ea typeface="+mn-ea"/>
+                <a:cs typeface="+mn-cs"/>
+              </a:rPr>
+              <a:t>,</a:t>
+            </a:r>
+            <a:r>
+              <a:rPr lang="zh-CN" altLang="en-US" sz="1200" kern="1200" smtClean="0">
+                <a:solidFill>
+                  <a:schemeClr val="tx1"/>
+                </a:solidFill>
+                <a:latin typeface="+mn-lt"/>
+                <a:ea typeface="+mn-ea"/>
+                <a:cs typeface="+mn-cs"/>
+              </a:rPr>
+              <a:t>列表上会显示</a:t>
+            </a:r>
+            <a:r>
+              <a:rPr lang="en-US" altLang="zh-CN" sz="1200" kern="1200" smtClean="0">
+                <a:solidFill>
+                  <a:schemeClr val="tx1"/>
+                </a:solidFill>
+                <a:latin typeface="+mn-lt"/>
+                <a:ea typeface="+mn-ea"/>
+                <a:cs typeface="+mn-cs"/>
+              </a:rPr>
+              <a:t>:</a:t>
+            </a:r>
+            <a:r>
+              <a:rPr lang="zh-CN" altLang="en-US" sz="1200" kern="1200" smtClean="0">
+                <a:solidFill>
+                  <a:schemeClr val="tx1"/>
+                </a:solidFill>
+                <a:latin typeface="+mn-lt"/>
+                <a:ea typeface="+mn-ea"/>
+                <a:cs typeface="+mn-cs"/>
+              </a:rPr>
+              <a:t>发行买量类渠道</a:t>
+            </a:r>
+            <a:r>
+              <a:rPr lang="en-US" altLang="zh-CN" sz="1200" kern="1200" smtClean="0">
+                <a:solidFill>
+                  <a:schemeClr val="tx1"/>
+                </a:solidFill>
+                <a:latin typeface="+mn-lt"/>
+                <a:ea typeface="+mn-ea"/>
+                <a:cs typeface="+mn-cs"/>
+              </a:rPr>
+              <a:t>, CPA</a:t>
+            </a:r>
+            <a:r>
+              <a:rPr lang="zh-CN" altLang="en-US" sz="1200" kern="1200" smtClean="0">
+                <a:solidFill>
+                  <a:schemeClr val="tx1"/>
+                </a:solidFill>
+                <a:latin typeface="+mn-lt"/>
+                <a:ea typeface="+mn-ea"/>
+                <a:cs typeface="+mn-cs"/>
+              </a:rPr>
+              <a:t>类渠道</a:t>
+            </a:r>
+            <a:r>
+              <a:rPr lang="en-US" altLang="zh-CN" sz="1200" kern="1200" smtClean="0">
+                <a:solidFill>
+                  <a:schemeClr val="tx1"/>
+                </a:solidFill>
+                <a:latin typeface="+mn-lt"/>
+                <a:ea typeface="+mn-ea"/>
+                <a:cs typeface="+mn-cs"/>
+              </a:rPr>
+              <a:t>, CPS</a:t>
+            </a:r>
+            <a:r>
+              <a:rPr lang="zh-CN" altLang="en-US" sz="1200" kern="1200" smtClean="0">
+                <a:solidFill>
+                  <a:schemeClr val="tx1"/>
+                </a:solidFill>
+                <a:latin typeface="+mn-lt"/>
+                <a:ea typeface="+mn-ea"/>
+                <a:cs typeface="+mn-cs"/>
+              </a:rPr>
+              <a:t>类渠道</a:t>
+            </a:r>
+            <a:r>
+              <a:rPr lang="en-US" altLang="zh-CN" sz="1200" kern="1200" smtClean="0">
+                <a:solidFill>
+                  <a:schemeClr val="tx1"/>
+                </a:solidFill>
+                <a:latin typeface="+mn-lt"/>
+                <a:ea typeface="+mn-ea"/>
+                <a:cs typeface="+mn-cs"/>
+              </a:rPr>
+              <a:t>, </a:t>
+            </a:r>
+            <a:r>
+              <a:rPr lang="zh-CN" altLang="en-US" sz="1200" kern="1200" smtClean="0">
+                <a:solidFill>
+                  <a:schemeClr val="tx1"/>
+                </a:solidFill>
+                <a:latin typeface="+mn-lt"/>
+                <a:ea typeface="+mn-ea"/>
+                <a:cs typeface="+mn-cs"/>
+              </a:rPr>
+              <a:t>应用宝类渠道等</a:t>
+            </a:r>
+          </a:p>
+          <a:p>
+            <a:r>
+              <a:rPr lang="zh-CN" altLang="en-US" sz="1200" kern="1200" smtClean="0">
+                <a:solidFill>
+                  <a:schemeClr val="tx1"/>
+                </a:solidFill>
+                <a:latin typeface="+mn-lt"/>
+                <a:ea typeface="+mn-ea"/>
+                <a:cs typeface="+mn-cs"/>
+              </a:rPr>
+              <a:t>然后下面展示的时候还会有不同渠道类别下的具体渠道名称</a:t>
+            </a:r>
+            <a:r>
+              <a:rPr lang="en-US" altLang="zh-CN" sz="1200" kern="1200" smtClean="0">
+                <a:solidFill>
+                  <a:schemeClr val="tx1"/>
+                </a:solidFill>
+                <a:latin typeface="+mn-lt"/>
+                <a:ea typeface="+mn-ea"/>
+                <a:cs typeface="+mn-cs"/>
+              </a:rPr>
+              <a:t>.</a:t>
+            </a:r>
+          </a:p>
+          <a:p>
+            <a:r>
+              <a:rPr lang="zh-CN" altLang="en-US" sz="1200" kern="1200" smtClean="0">
+                <a:solidFill>
+                  <a:schemeClr val="tx1"/>
+                </a:solidFill>
+                <a:latin typeface="+mn-lt"/>
+                <a:ea typeface="+mn-ea"/>
+                <a:cs typeface="+mn-cs"/>
+              </a:rPr>
+              <a:t>成本</a:t>
+            </a:r>
+            <a:r>
+              <a:rPr lang="en-US" altLang="zh-CN" sz="1200" kern="1200" smtClean="0">
+                <a:solidFill>
+                  <a:schemeClr val="tx1"/>
+                </a:solidFill>
+                <a:latin typeface="+mn-lt"/>
+                <a:ea typeface="+mn-ea"/>
+                <a:cs typeface="+mn-cs"/>
+              </a:rPr>
+              <a:t>: </a:t>
+            </a:r>
+            <a:r>
+              <a:rPr lang="zh-CN" altLang="en-US" sz="1200" kern="1200" smtClean="0">
+                <a:solidFill>
+                  <a:schemeClr val="tx1"/>
+                </a:solidFill>
+                <a:latin typeface="+mn-lt"/>
+                <a:ea typeface="+mn-ea"/>
+                <a:cs typeface="+mn-cs"/>
+              </a:rPr>
+              <a:t>叠加不同注册类型下所有广告位指定时间段内的投入金额</a:t>
+            </a:r>
+          </a:p>
+          <a:p>
+            <a:r>
+              <a:rPr lang="zh-CN" altLang="en-US" sz="1200" kern="1200" smtClean="0">
+                <a:solidFill>
+                  <a:schemeClr val="tx1"/>
+                </a:solidFill>
+                <a:latin typeface="+mn-lt"/>
+                <a:ea typeface="+mn-ea"/>
+                <a:cs typeface="+mn-cs"/>
+              </a:rPr>
+              <a:t>新增</a:t>
+            </a:r>
+            <a:r>
+              <a:rPr lang="en-US" altLang="zh-CN" sz="1200" kern="1200" smtClean="0">
+                <a:solidFill>
+                  <a:schemeClr val="tx1"/>
+                </a:solidFill>
+                <a:latin typeface="+mn-lt"/>
+                <a:ea typeface="+mn-ea"/>
+                <a:cs typeface="+mn-cs"/>
+              </a:rPr>
+              <a:t>: </a:t>
+            </a:r>
+            <a:r>
+              <a:rPr lang="zh-CN" altLang="en-US" sz="1200" kern="1200" smtClean="0">
+                <a:solidFill>
+                  <a:schemeClr val="tx1"/>
+                </a:solidFill>
+                <a:latin typeface="+mn-lt"/>
+                <a:ea typeface="+mn-ea"/>
+                <a:cs typeface="+mn-cs"/>
+              </a:rPr>
+              <a:t>叠加不同注册类型下所有广告位指定时间段内的用户注册量</a:t>
+            </a:r>
+          </a:p>
+          <a:p>
+            <a:r>
+              <a:rPr lang="zh-CN" altLang="en-US" sz="1200" kern="1200" smtClean="0">
+                <a:solidFill>
+                  <a:schemeClr val="tx1"/>
+                </a:solidFill>
+                <a:latin typeface="+mn-lt"/>
+                <a:ea typeface="+mn-ea"/>
+                <a:cs typeface="+mn-cs"/>
+              </a:rPr>
+              <a:t>单价</a:t>
+            </a:r>
+            <a:r>
+              <a:rPr lang="en-US" altLang="zh-CN" sz="1200" kern="1200" smtClean="0">
+                <a:solidFill>
+                  <a:schemeClr val="tx1"/>
+                </a:solidFill>
+                <a:latin typeface="+mn-lt"/>
+                <a:ea typeface="+mn-ea"/>
+                <a:cs typeface="+mn-cs"/>
+              </a:rPr>
+              <a:t>:</a:t>
+            </a:r>
+            <a:r>
+              <a:rPr lang="zh-CN" altLang="en-US" sz="1200" kern="1200" smtClean="0">
+                <a:solidFill>
+                  <a:schemeClr val="tx1"/>
+                </a:solidFill>
+                <a:latin typeface="+mn-lt"/>
+                <a:ea typeface="+mn-ea"/>
+                <a:cs typeface="+mn-cs"/>
+              </a:rPr>
+              <a:t>成本</a:t>
+            </a:r>
+            <a:r>
+              <a:rPr lang="en-US" altLang="zh-CN" sz="1200" kern="1200" smtClean="0">
+                <a:solidFill>
+                  <a:schemeClr val="tx1"/>
+                </a:solidFill>
+                <a:latin typeface="+mn-lt"/>
+                <a:ea typeface="+mn-ea"/>
+                <a:cs typeface="+mn-cs"/>
+              </a:rPr>
+              <a:t>/</a:t>
+            </a:r>
+            <a:r>
+              <a:rPr lang="zh-CN" altLang="en-US" sz="1200" kern="1200" smtClean="0">
+                <a:solidFill>
+                  <a:schemeClr val="tx1"/>
+                </a:solidFill>
+                <a:latin typeface="+mn-lt"/>
+                <a:ea typeface="+mn-ea"/>
+                <a:cs typeface="+mn-cs"/>
+              </a:rPr>
+              <a:t>新增</a:t>
+            </a:r>
+          </a:p>
+          <a:p>
+            <a:r>
+              <a:rPr lang="zh-CN" altLang="en-US" sz="1200" kern="1200" smtClean="0">
+                <a:solidFill>
+                  <a:schemeClr val="tx1"/>
+                </a:solidFill>
+                <a:latin typeface="+mn-lt"/>
+                <a:ea typeface="+mn-ea"/>
+                <a:cs typeface="+mn-cs"/>
+              </a:rPr>
+              <a:t>老玩家</a:t>
+            </a:r>
+            <a:r>
+              <a:rPr lang="en-US" altLang="zh-CN" sz="1200" kern="1200" smtClean="0">
+                <a:solidFill>
+                  <a:schemeClr val="tx1"/>
+                </a:solidFill>
+                <a:latin typeface="+mn-lt"/>
+                <a:ea typeface="+mn-ea"/>
+                <a:cs typeface="+mn-cs"/>
+              </a:rPr>
+              <a:t>: </a:t>
+            </a:r>
+            <a:r>
+              <a:rPr lang="zh-CN" altLang="en-US" sz="1200" kern="1200" smtClean="0">
+                <a:solidFill>
+                  <a:schemeClr val="tx1"/>
+                </a:solidFill>
+                <a:latin typeface="+mn-lt"/>
+                <a:ea typeface="+mn-ea"/>
+                <a:cs typeface="+mn-cs"/>
+              </a:rPr>
+              <a:t>叠加</a:t>
+            </a:r>
+            <a:r>
+              <a:rPr lang="en-US" altLang="zh-CN" sz="1200" kern="1200" smtClean="0">
+                <a:solidFill>
+                  <a:schemeClr val="tx1"/>
+                </a:solidFill>
+                <a:latin typeface="+mn-lt"/>
+                <a:ea typeface="+mn-ea"/>
+                <a:cs typeface="+mn-cs"/>
+              </a:rPr>
+              <a:t>adv_position_data</a:t>
+            </a:r>
+            <a:r>
+              <a:rPr lang="zh-CN" altLang="en-US" sz="1200" kern="1200" smtClean="0">
+                <a:solidFill>
+                  <a:schemeClr val="tx1"/>
+                </a:solidFill>
+                <a:latin typeface="+mn-lt"/>
+                <a:ea typeface="+mn-ea"/>
+                <a:cs typeface="+mn-cs"/>
+              </a:rPr>
+              <a:t>表</a:t>
+            </a:r>
+            <a:r>
+              <a:rPr lang="en-US" altLang="zh-CN" sz="1200" kern="1200" smtClean="0">
+                <a:solidFill>
+                  <a:schemeClr val="tx1"/>
+                </a:solidFill>
+                <a:latin typeface="+mn-lt"/>
+                <a:ea typeface="+mn-ea"/>
+                <a:cs typeface="+mn-cs"/>
+              </a:rPr>
+              <a:t>,</a:t>
+            </a:r>
+            <a:r>
+              <a:rPr lang="zh-CN" altLang="en-US" sz="1200" kern="1200" smtClean="0">
+                <a:solidFill>
+                  <a:schemeClr val="tx1"/>
+                </a:solidFill>
+                <a:latin typeface="+mn-lt"/>
+                <a:ea typeface="+mn-ea"/>
+                <a:cs typeface="+mn-cs"/>
+              </a:rPr>
+              <a:t>选中日期每日不同注册类型所有广告位老玩家人数</a:t>
+            </a:r>
+          </a:p>
+          <a:p>
+            <a:endParaRPr lang="zh-CN" altLang="en-US" sz="1200" kern="1200" smtClean="0">
+              <a:solidFill>
+                <a:schemeClr val="tx1"/>
+              </a:solidFill>
+              <a:latin typeface="+mn-lt"/>
+              <a:ea typeface="+mn-ea"/>
+              <a:cs typeface="+mn-cs"/>
+            </a:endParaRPr>
+          </a:p>
+          <a:p>
+            <a:r>
+              <a:rPr lang="en-US" altLang="zh-CN" sz="1200" kern="1200" smtClean="0">
+                <a:solidFill>
+                  <a:schemeClr val="tx1"/>
+                </a:solidFill>
+                <a:latin typeface="+mn-lt"/>
+                <a:ea typeface="+mn-ea"/>
+                <a:cs typeface="+mn-cs"/>
+              </a:rPr>
+              <a:t>//</a:t>
+            </a:r>
+            <a:r>
+              <a:rPr lang="zh-CN" altLang="en-US" sz="1200" kern="1200" smtClean="0">
+                <a:solidFill>
+                  <a:schemeClr val="tx1"/>
+                </a:solidFill>
+                <a:latin typeface="+mn-lt"/>
+                <a:ea typeface="+mn-ea"/>
+                <a:cs typeface="+mn-cs"/>
+              </a:rPr>
+              <a:t>回本和回本率的特殊计算</a:t>
+            </a:r>
+            <a:r>
+              <a:rPr lang="en-US" altLang="zh-CN" sz="1200" kern="1200" smtClean="0">
+                <a:solidFill>
+                  <a:schemeClr val="tx1"/>
+                </a:solidFill>
+                <a:latin typeface="+mn-lt"/>
+                <a:ea typeface="+mn-ea"/>
+                <a:cs typeface="+mn-cs"/>
+              </a:rPr>
+              <a:t>:</a:t>
+            </a:r>
+          </a:p>
+          <a:p>
+            <a:r>
+              <a:rPr lang="zh-CN" altLang="en-US" sz="1200" kern="1200" smtClean="0">
+                <a:solidFill>
+                  <a:schemeClr val="tx1"/>
+                </a:solidFill>
+                <a:latin typeface="+mn-lt"/>
+                <a:ea typeface="+mn-ea"/>
+                <a:cs typeface="+mn-cs"/>
+              </a:rPr>
+              <a:t>现在比如选中开始时间为</a:t>
+            </a:r>
+            <a:r>
+              <a:rPr lang="en-US" altLang="zh-CN" sz="1200" kern="1200" smtClean="0">
+                <a:solidFill>
+                  <a:schemeClr val="tx1"/>
+                </a:solidFill>
+                <a:latin typeface="+mn-lt"/>
+                <a:ea typeface="+mn-ea"/>
+                <a:cs typeface="+mn-cs"/>
+              </a:rPr>
+              <a:t>4</a:t>
+            </a:r>
+            <a:r>
+              <a:rPr lang="zh-CN" altLang="en-US" sz="1200" kern="1200" smtClean="0">
+                <a:solidFill>
+                  <a:schemeClr val="tx1"/>
+                </a:solidFill>
+                <a:latin typeface="+mn-lt"/>
+                <a:ea typeface="+mn-ea"/>
+                <a:cs typeface="+mn-cs"/>
+              </a:rPr>
+              <a:t>月</a:t>
+            </a:r>
+            <a:r>
+              <a:rPr lang="en-US" altLang="zh-CN" sz="1200" kern="1200" smtClean="0">
+                <a:solidFill>
+                  <a:schemeClr val="tx1"/>
+                </a:solidFill>
+                <a:latin typeface="+mn-lt"/>
+                <a:ea typeface="+mn-ea"/>
+                <a:cs typeface="+mn-cs"/>
+              </a:rPr>
+              <a:t>1</a:t>
+            </a:r>
+            <a:r>
+              <a:rPr lang="zh-CN" altLang="en-US" sz="1200" kern="1200" smtClean="0">
+                <a:solidFill>
+                  <a:schemeClr val="tx1"/>
+                </a:solidFill>
+                <a:latin typeface="+mn-lt"/>
+                <a:ea typeface="+mn-ea"/>
+                <a:cs typeface="+mn-cs"/>
+              </a:rPr>
+              <a:t>日</a:t>
+            </a:r>
+            <a:r>
+              <a:rPr lang="en-US" altLang="zh-CN" sz="1200" kern="1200" smtClean="0">
+                <a:solidFill>
+                  <a:schemeClr val="tx1"/>
+                </a:solidFill>
+                <a:latin typeface="+mn-lt"/>
+                <a:ea typeface="+mn-ea"/>
+                <a:cs typeface="+mn-cs"/>
+              </a:rPr>
+              <a:t>,</a:t>
+            </a:r>
+            <a:r>
+              <a:rPr lang="zh-CN" altLang="en-US" sz="1200" kern="1200" smtClean="0">
+                <a:solidFill>
+                  <a:schemeClr val="tx1"/>
+                </a:solidFill>
+                <a:latin typeface="+mn-lt"/>
+                <a:ea typeface="+mn-ea"/>
+                <a:cs typeface="+mn-cs"/>
+              </a:rPr>
+              <a:t>结束时间为</a:t>
+            </a:r>
+            <a:r>
+              <a:rPr lang="en-US" altLang="zh-CN" sz="1200" kern="1200" smtClean="0">
+                <a:solidFill>
+                  <a:schemeClr val="tx1"/>
+                </a:solidFill>
+                <a:latin typeface="+mn-lt"/>
+                <a:ea typeface="+mn-ea"/>
+                <a:cs typeface="+mn-cs"/>
+              </a:rPr>
+              <a:t>4</a:t>
+            </a:r>
+            <a:r>
+              <a:rPr lang="zh-CN" altLang="en-US" sz="1200" kern="1200" smtClean="0">
+                <a:solidFill>
+                  <a:schemeClr val="tx1"/>
+                </a:solidFill>
+                <a:latin typeface="+mn-lt"/>
+                <a:ea typeface="+mn-ea"/>
+                <a:cs typeface="+mn-cs"/>
+              </a:rPr>
+              <a:t>月</a:t>
+            </a:r>
+            <a:r>
+              <a:rPr lang="en-US" altLang="zh-CN" sz="1200" kern="1200" smtClean="0">
+                <a:solidFill>
+                  <a:schemeClr val="tx1"/>
+                </a:solidFill>
+                <a:latin typeface="+mn-lt"/>
+                <a:ea typeface="+mn-ea"/>
+                <a:cs typeface="+mn-cs"/>
+              </a:rPr>
+              <a:t>30</a:t>
+            </a:r>
+            <a:r>
+              <a:rPr lang="zh-CN" altLang="en-US" sz="1200" kern="1200" smtClean="0">
+                <a:solidFill>
+                  <a:schemeClr val="tx1"/>
+                </a:solidFill>
+                <a:latin typeface="+mn-lt"/>
+                <a:ea typeface="+mn-ea"/>
+                <a:cs typeface="+mn-cs"/>
+              </a:rPr>
+              <a:t>日</a:t>
+            </a:r>
+            <a:r>
+              <a:rPr lang="en-US" altLang="zh-CN" sz="1200" kern="1200" smtClean="0">
+                <a:solidFill>
+                  <a:schemeClr val="tx1"/>
+                </a:solidFill>
+                <a:latin typeface="+mn-lt"/>
+                <a:ea typeface="+mn-ea"/>
+                <a:cs typeface="+mn-cs"/>
+              </a:rPr>
+              <a:t>.</a:t>
+            </a:r>
+          </a:p>
+          <a:p>
+            <a:r>
+              <a:rPr lang="zh-CN" altLang="en-US" sz="1200" kern="1200" smtClean="0">
+                <a:solidFill>
+                  <a:schemeClr val="tx1"/>
+                </a:solidFill>
+                <a:latin typeface="+mn-lt"/>
+                <a:ea typeface="+mn-ea"/>
+                <a:cs typeface="+mn-cs"/>
+              </a:rPr>
+              <a:t>至今回本金额</a:t>
+            </a:r>
+            <a:r>
+              <a:rPr lang="en-US" altLang="zh-CN" sz="1200" kern="1200" smtClean="0">
+                <a:solidFill>
+                  <a:schemeClr val="tx1"/>
+                </a:solidFill>
+                <a:latin typeface="+mn-lt"/>
+                <a:ea typeface="+mn-ea"/>
+                <a:cs typeface="+mn-cs"/>
+              </a:rPr>
+              <a:t>:4</a:t>
+            </a:r>
+            <a:r>
+              <a:rPr lang="zh-CN" altLang="en-US" sz="1200" kern="1200" smtClean="0">
+                <a:solidFill>
+                  <a:schemeClr val="tx1"/>
+                </a:solidFill>
+                <a:latin typeface="+mn-lt"/>
+                <a:ea typeface="+mn-ea"/>
+                <a:cs typeface="+mn-cs"/>
+              </a:rPr>
+              <a:t>月</a:t>
+            </a:r>
+            <a:r>
+              <a:rPr lang="en-US" altLang="zh-CN" sz="1200" kern="1200" smtClean="0">
+                <a:solidFill>
+                  <a:schemeClr val="tx1"/>
+                </a:solidFill>
+                <a:latin typeface="+mn-lt"/>
+                <a:ea typeface="+mn-ea"/>
+                <a:cs typeface="+mn-cs"/>
+              </a:rPr>
+              <a:t>1</a:t>
+            </a:r>
+            <a:r>
+              <a:rPr lang="zh-CN" altLang="en-US" sz="1200" kern="1200" smtClean="0">
+                <a:solidFill>
+                  <a:schemeClr val="tx1"/>
+                </a:solidFill>
+                <a:latin typeface="+mn-lt"/>
+                <a:ea typeface="+mn-ea"/>
+                <a:cs typeface="+mn-cs"/>
+              </a:rPr>
+              <a:t>日注册用户在</a:t>
+            </a:r>
+            <a:r>
+              <a:rPr lang="en-US" altLang="zh-CN" sz="1200" kern="1200" smtClean="0">
+                <a:solidFill>
+                  <a:schemeClr val="tx1"/>
+                </a:solidFill>
+                <a:latin typeface="+mn-lt"/>
+                <a:ea typeface="+mn-ea"/>
+                <a:cs typeface="+mn-cs"/>
+              </a:rPr>
+              <a:t>4</a:t>
+            </a:r>
+            <a:r>
+              <a:rPr lang="zh-CN" altLang="en-US" sz="1200" kern="1200" smtClean="0">
+                <a:solidFill>
+                  <a:schemeClr val="tx1"/>
+                </a:solidFill>
+                <a:latin typeface="+mn-lt"/>
+                <a:ea typeface="+mn-ea"/>
+                <a:cs typeface="+mn-cs"/>
+              </a:rPr>
+              <a:t>月</a:t>
+            </a:r>
+            <a:r>
+              <a:rPr lang="en-US" altLang="zh-CN" sz="1200" kern="1200" smtClean="0">
+                <a:solidFill>
+                  <a:schemeClr val="tx1"/>
+                </a:solidFill>
+                <a:latin typeface="+mn-lt"/>
+                <a:ea typeface="+mn-ea"/>
+                <a:cs typeface="+mn-cs"/>
+              </a:rPr>
+              <a:t>1</a:t>
+            </a:r>
+            <a:r>
+              <a:rPr lang="zh-CN" altLang="en-US" sz="1200" kern="1200" smtClean="0">
+                <a:solidFill>
+                  <a:schemeClr val="tx1"/>
+                </a:solidFill>
+                <a:latin typeface="+mn-lt"/>
+                <a:ea typeface="+mn-ea"/>
+                <a:cs typeface="+mn-cs"/>
+              </a:rPr>
+              <a:t>日到</a:t>
+            </a:r>
+            <a:r>
+              <a:rPr lang="en-US" altLang="zh-CN" sz="1200" kern="1200" smtClean="0">
+                <a:solidFill>
+                  <a:schemeClr val="tx1"/>
+                </a:solidFill>
+                <a:latin typeface="+mn-lt"/>
+                <a:ea typeface="+mn-ea"/>
+                <a:cs typeface="+mn-cs"/>
+              </a:rPr>
+              <a:t>4</a:t>
+            </a:r>
+            <a:r>
+              <a:rPr lang="zh-CN" altLang="en-US" sz="1200" kern="1200" smtClean="0">
+                <a:solidFill>
+                  <a:schemeClr val="tx1"/>
+                </a:solidFill>
+                <a:latin typeface="+mn-lt"/>
+                <a:ea typeface="+mn-ea"/>
+                <a:cs typeface="+mn-cs"/>
+              </a:rPr>
+              <a:t>月</a:t>
+            </a:r>
+            <a:r>
+              <a:rPr lang="en-US" altLang="zh-CN" sz="1200" kern="1200" smtClean="0">
+                <a:solidFill>
+                  <a:schemeClr val="tx1"/>
+                </a:solidFill>
+                <a:latin typeface="+mn-lt"/>
+                <a:ea typeface="+mn-ea"/>
+                <a:cs typeface="+mn-cs"/>
+              </a:rPr>
+              <a:t>30</a:t>
+            </a:r>
+            <a:r>
+              <a:rPr lang="zh-CN" altLang="en-US" sz="1200" kern="1200" smtClean="0">
+                <a:solidFill>
+                  <a:schemeClr val="tx1"/>
+                </a:solidFill>
+                <a:latin typeface="+mn-lt"/>
+                <a:ea typeface="+mn-ea"/>
+                <a:cs typeface="+mn-cs"/>
+              </a:rPr>
+              <a:t>日这段时间内充值的金额经过分成后的值 </a:t>
+            </a:r>
+            <a:r>
+              <a:rPr lang="en-US" altLang="zh-CN" sz="1200" kern="1200" smtClean="0">
+                <a:solidFill>
+                  <a:schemeClr val="tx1"/>
+                </a:solidFill>
+                <a:latin typeface="+mn-lt"/>
+                <a:ea typeface="+mn-ea"/>
+                <a:cs typeface="+mn-cs"/>
+              </a:rPr>
+              <a:t>(</a:t>
+            </a:r>
+            <a:r>
+              <a:rPr lang="zh-CN" altLang="en-US" sz="1200" kern="1200" smtClean="0">
+                <a:solidFill>
+                  <a:schemeClr val="tx1"/>
+                </a:solidFill>
+                <a:latin typeface="+mn-lt"/>
+                <a:ea typeface="+mn-ea"/>
+                <a:cs typeface="+mn-cs"/>
+              </a:rPr>
+              <a:t>如果回本类型选择分成前</a:t>
+            </a:r>
+            <a:r>
+              <a:rPr lang="en-US" altLang="zh-CN" sz="1200" kern="1200" smtClean="0">
+                <a:solidFill>
+                  <a:schemeClr val="tx1"/>
+                </a:solidFill>
+                <a:latin typeface="+mn-lt"/>
+                <a:ea typeface="+mn-ea"/>
+                <a:cs typeface="+mn-cs"/>
+              </a:rPr>
+              <a:t>,</a:t>
+            </a:r>
+            <a:r>
+              <a:rPr lang="zh-CN" altLang="en-US" sz="1200" kern="1200" smtClean="0">
+                <a:solidFill>
+                  <a:schemeClr val="tx1"/>
+                </a:solidFill>
+                <a:latin typeface="+mn-lt"/>
+                <a:ea typeface="+mn-ea"/>
+                <a:cs typeface="+mn-cs"/>
+              </a:rPr>
+              <a:t>则是充值金额</a:t>
+            </a:r>
+            <a:r>
+              <a:rPr lang="en-US" altLang="zh-CN" sz="1200" kern="1200" smtClean="0">
+                <a:solidFill>
+                  <a:schemeClr val="tx1"/>
+                </a:solidFill>
+                <a:latin typeface="+mn-lt"/>
+                <a:ea typeface="+mn-ea"/>
+                <a:cs typeface="+mn-cs"/>
+              </a:rPr>
+              <a:t>(order_log.money)</a:t>
+            </a:r>
+            <a:r>
+              <a:rPr lang="zh-CN" altLang="en-US" sz="1200" kern="1200" smtClean="0">
+                <a:solidFill>
+                  <a:schemeClr val="tx1"/>
+                </a:solidFill>
+                <a:latin typeface="+mn-lt"/>
+                <a:ea typeface="+mn-ea"/>
+                <a:cs typeface="+mn-cs"/>
+              </a:rPr>
+              <a:t>的累加</a:t>
+            </a:r>
+            <a:r>
+              <a:rPr lang="en-US" altLang="zh-CN" sz="1200" kern="1200" smtClean="0">
+                <a:solidFill>
+                  <a:schemeClr val="tx1"/>
+                </a:solidFill>
+                <a:latin typeface="+mn-lt"/>
+                <a:ea typeface="+mn-ea"/>
+                <a:cs typeface="+mn-cs"/>
+              </a:rPr>
+              <a:t>)</a:t>
+            </a:r>
+          </a:p>
+          <a:p>
+            <a:r>
+              <a:rPr lang="zh-CN" altLang="en-US" sz="1200" kern="1200" smtClean="0">
+                <a:solidFill>
+                  <a:schemeClr val="tx1"/>
+                </a:solidFill>
+                <a:latin typeface="+mn-lt"/>
+                <a:ea typeface="+mn-ea"/>
+                <a:cs typeface="+mn-cs"/>
+              </a:rPr>
+              <a:t>至今成本</a:t>
+            </a:r>
+            <a:r>
+              <a:rPr lang="en-US" altLang="zh-CN" sz="1200" kern="1200" smtClean="0">
+                <a:solidFill>
+                  <a:schemeClr val="tx1"/>
+                </a:solidFill>
+                <a:latin typeface="+mn-lt"/>
+                <a:ea typeface="+mn-ea"/>
+                <a:cs typeface="+mn-cs"/>
+              </a:rPr>
+              <a:t>:    </a:t>
+            </a:r>
+            <a:r>
+              <a:rPr lang="zh-CN" altLang="en-US" sz="1200" kern="1200" smtClean="0">
+                <a:solidFill>
+                  <a:schemeClr val="tx1"/>
+                </a:solidFill>
+                <a:latin typeface="+mn-lt"/>
+                <a:ea typeface="+mn-ea"/>
+                <a:cs typeface="+mn-cs"/>
+              </a:rPr>
+              <a:t>分组渠道商表中</a:t>
+            </a:r>
+            <a:r>
+              <a:rPr lang="en-US" altLang="zh-CN" sz="1200" kern="1200" smtClean="0">
+                <a:solidFill>
+                  <a:schemeClr val="tx1"/>
+                </a:solidFill>
+                <a:latin typeface="+mn-lt"/>
+                <a:ea typeface="+mn-ea"/>
+                <a:cs typeface="+mn-cs"/>
+              </a:rPr>
+              <a:t>register_type</a:t>
+            </a:r>
+            <a:r>
+              <a:rPr lang="zh-CN" altLang="en-US" sz="1200" kern="1200" smtClean="0">
+                <a:solidFill>
+                  <a:schemeClr val="tx1"/>
+                </a:solidFill>
+                <a:latin typeface="+mn-lt"/>
+                <a:ea typeface="+mn-ea"/>
+                <a:cs typeface="+mn-cs"/>
+              </a:rPr>
+              <a:t>字段</a:t>
+            </a:r>
+            <a:r>
+              <a:rPr lang="en-US" altLang="zh-CN" sz="1200" kern="1200" smtClean="0">
+                <a:solidFill>
+                  <a:schemeClr val="tx1"/>
+                </a:solidFill>
+                <a:latin typeface="+mn-lt"/>
+                <a:ea typeface="+mn-ea"/>
+                <a:cs typeface="+mn-cs"/>
+              </a:rPr>
+              <a:t>,</a:t>
+            </a:r>
+            <a:r>
+              <a:rPr lang="zh-CN" altLang="en-US" sz="1200" kern="1200" smtClean="0">
+                <a:solidFill>
+                  <a:schemeClr val="tx1"/>
+                </a:solidFill>
+                <a:latin typeface="+mn-lt"/>
+                <a:ea typeface="+mn-ea"/>
+                <a:cs typeface="+mn-cs"/>
+              </a:rPr>
+              <a:t>叠加同一注册类型下所有广告位</a:t>
+            </a:r>
+            <a:r>
+              <a:rPr lang="en-US" altLang="zh-CN" sz="1200" kern="1200" smtClean="0">
+                <a:solidFill>
+                  <a:schemeClr val="tx1"/>
+                </a:solidFill>
+                <a:latin typeface="+mn-lt"/>
+                <a:ea typeface="+mn-ea"/>
+                <a:cs typeface="+mn-cs"/>
+              </a:rPr>
+              <a:t>4</a:t>
+            </a:r>
+            <a:r>
+              <a:rPr lang="zh-CN" altLang="en-US" sz="1200" kern="1200" smtClean="0">
+                <a:solidFill>
+                  <a:schemeClr val="tx1"/>
+                </a:solidFill>
+                <a:latin typeface="+mn-lt"/>
+                <a:ea typeface="+mn-ea"/>
+                <a:cs typeface="+mn-cs"/>
+              </a:rPr>
+              <a:t>月</a:t>
+            </a:r>
+            <a:r>
+              <a:rPr lang="en-US" altLang="zh-CN" sz="1200" kern="1200" smtClean="0">
+                <a:solidFill>
+                  <a:schemeClr val="tx1"/>
+                </a:solidFill>
+                <a:latin typeface="+mn-lt"/>
+                <a:ea typeface="+mn-ea"/>
+                <a:cs typeface="+mn-cs"/>
+              </a:rPr>
+              <a:t>1</a:t>
+            </a:r>
+            <a:r>
+              <a:rPr lang="zh-CN" altLang="en-US" sz="1200" kern="1200" smtClean="0">
+                <a:solidFill>
+                  <a:schemeClr val="tx1"/>
+                </a:solidFill>
+                <a:latin typeface="+mn-lt"/>
+                <a:ea typeface="+mn-ea"/>
+                <a:cs typeface="+mn-cs"/>
+              </a:rPr>
+              <a:t>日到</a:t>
+            </a:r>
+            <a:r>
+              <a:rPr lang="en-US" altLang="zh-CN" sz="1200" kern="1200" smtClean="0">
+                <a:solidFill>
+                  <a:schemeClr val="tx1"/>
+                </a:solidFill>
+                <a:latin typeface="+mn-lt"/>
+                <a:ea typeface="+mn-ea"/>
+                <a:cs typeface="+mn-cs"/>
+              </a:rPr>
+              <a:t>4</a:t>
+            </a:r>
+            <a:r>
+              <a:rPr lang="zh-CN" altLang="en-US" sz="1200" kern="1200" smtClean="0">
+                <a:solidFill>
+                  <a:schemeClr val="tx1"/>
+                </a:solidFill>
+                <a:latin typeface="+mn-lt"/>
+                <a:ea typeface="+mn-ea"/>
+                <a:cs typeface="+mn-cs"/>
+              </a:rPr>
+              <a:t>月</a:t>
+            </a:r>
+            <a:r>
+              <a:rPr lang="en-US" altLang="zh-CN" sz="1200" kern="1200" smtClean="0">
+                <a:solidFill>
+                  <a:schemeClr val="tx1"/>
+                </a:solidFill>
+                <a:latin typeface="+mn-lt"/>
+                <a:ea typeface="+mn-ea"/>
+                <a:cs typeface="+mn-cs"/>
+              </a:rPr>
+              <a:t>30</a:t>
+            </a:r>
+            <a:r>
+              <a:rPr lang="zh-CN" altLang="en-US" sz="1200" kern="1200" smtClean="0">
+                <a:solidFill>
+                  <a:schemeClr val="tx1"/>
+                </a:solidFill>
+                <a:latin typeface="+mn-lt"/>
+                <a:ea typeface="+mn-ea"/>
+                <a:cs typeface="+mn-cs"/>
+              </a:rPr>
+              <a:t>日</a:t>
+            </a:r>
+            <a:r>
+              <a:rPr lang="en-US" altLang="zh-CN" sz="1200" kern="1200" smtClean="0">
+                <a:solidFill>
+                  <a:schemeClr val="tx1"/>
+                </a:solidFill>
+                <a:latin typeface="+mn-lt"/>
+                <a:ea typeface="+mn-ea"/>
+                <a:cs typeface="+mn-cs"/>
+              </a:rPr>
+              <a:t>(adv_position_Data.date)</a:t>
+            </a:r>
+            <a:r>
+              <a:rPr lang="zh-CN" altLang="en-US" sz="1200" kern="1200" smtClean="0">
+                <a:solidFill>
+                  <a:schemeClr val="tx1"/>
+                </a:solidFill>
+                <a:latin typeface="+mn-lt"/>
+                <a:ea typeface="+mn-ea"/>
+                <a:cs typeface="+mn-cs"/>
+              </a:rPr>
+              <a:t>的投入金额</a:t>
+            </a:r>
+            <a:r>
+              <a:rPr lang="en-US" altLang="zh-CN" sz="1200" kern="1200" smtClean="0">
+                <a:solidFill>
+                  <a:schemeClr val="tx1"/>
+                </a:solidFill>
+                <a:latin typeface="+mn-lt"/>
+                <a:ea typeface="+mn-ea"/>
+                <a:cs typeface="+mn-cs"/>
+              </a:rPr>
+              <a:t>sum(adv_position_data.divide_money),</a:t>
+            </a:r>
+            <a:r>
+              <a:rPr lang="zh-CN" altLang="en-US" sz="1200" kern="1200" smtClean="0">
+                <a:solidFill>
+                  <a:schemeClr val="tx1"/>
+                </a:solidFill>
+                <a:latin typeface="+mn-lt"/>
+                <a:ea typeface="+mn-ea"/>
+                <a:cs typeface="+mn-cs"/>
+              </a:rPr>
+              <a:t>再四舍五入为整数</a:t>
+            </a:r>
+          </a:p>
+          <a:p>
+            <a:r>
+              <a:rPr lang="zh-CN" altLang="en-US" sz="1200" kern="1200" smtClean="0">
+                <a:solidFill>
+                  <a:schemeClr val="tx1"/>
+                </a:solidFill>
+                <a:latin typeface="+mn-lt"/>
+                <a:ea typeface="+mn-ea"/>
+                <a:cs typeface="+mn-cs"/>
+              </a:rPr>
+              <a:t>至今回本率</a:t>
+            </a:r>
+            <a:r>
+              <a:rPr lang="en-US" altLang="zh-CN" sz="1200" kern="1200" smtClean="0">
+                <a:solidFill>
+                  <a:schemeClr val="tx1"/>
+                </a:solidFill>
+                <a:latin typeface="+mn-lt"/>
+                <a:ea typeface="+mn-ea"/>
+                <a:cs typeface="+mn-cs"/>
+              </a:rPr>
+              <a:t>:   </a:t>
+            </a:r>
+            <a:r>
+              <a:rPr lang="zh-CN" altLang="en-US" sz="1200" kern="1200" smtClean="0">
+                <a:solidFill>
+                  <a:schemeClr val="tx1"/>
+                </a:solidFill>
+                <a:latin typeface="+mn-lt"/>
+                <a:ea typeface="+mn-ea"/>
+                <a:cs typeface="+mn-cs"/>
+              </a:rPr>
+              <a:t>至今回本金额</a:t>
+            </a:r>
+            <a:r>
+              <a:rPr lang="en-US" altLang="zh-CN" sz="1200" kern="1200" smtClean="0">
+                <a:solidFill>
+                  <a:schemeClr val="tx1"/>
+                </a:solidFill>
+                <a:latin typeface="+mn-lt"/>
+                <a:ea typeface="+mn-ea"/>
+                <a:cs typeface="+mn-cs"/>
+              </a:rPr>
+              <a:t>/</a:t>
+            </a:r>
+            <a:r>
+              <a:rPr lang="zh-CN" altLang="en-US" sz="1200" kern="1200" smtClean="0">
+                <a:solidFill>
+                  <a:schemeClr val="tx1"/>
+                </a:solidFill>
+                <a:latin typeface="+mn-lt"/>
+                <a:ea typeface="+mn-ea"/>
+                <a:cs typeface="+mn-cs"/>
+              </a:rPr>
+              <a:t>至今成本*</a:t>
+            </a:r>
+            <a:r>
+              <a:rPr lang="en-US" altLang="zh-CN" sz="1200" kern="1200" smtClean="0">
+                <a:solidFill>
+                  <a:schemeClr val="tx1"/>
+                </a:solidFill>
+                <a:latin typeface="+mn-lt"/>
+                <a:ea typeface="+mn-ea"/>
+                <a:cs typeface="+mn-cs"/>
+              </a:rPr>
+              <a:t>100%</a:t>
+            </a:r>
+          </a:p>
+          <a:p>
+            <a:endParaRPr lang="en-US" altLang="zh-CN" sz="1200" kern="1200" smtClean="0">
+              <a:solidFill>
+                <a:schemeClr val="tx1"/>
+              </a:solidFill>
+              <a:latin typeface="+mn-lt"/>
+              <a:ea typeface="+mn-ea"/>
+              <a:cs typeface="+mn-cs"/>
+            </a:endParaRPr>
+          </a:p>
+          <a:p>
+            <a:r>
+              <a:rPr lang="en-US" altLang="zh-CN" sz="1200" kern="1200" smtClean="0">
+                <a:solidFill>
+                  <a:schemeClr val="tx1"/>
+                </a:solidFill>
+                <a:latin typeface="+mn-lt"/>
+                <a:ea typeface="+mn-ea"/>
+                <a:cs typeface="+mn-cs"/>
+              </a:rPr>
+              <a:t>//</a:t>
+            </a:r>
+            <a:r>
+              <a:rPr lang="zh-CN" altLang="en-US" sz="1200" kern="1200" smtClean="0">
+                <a:solidFill>
+                  <a:schemeClr val="tx1"/>
+                </a:solidFill>
+                <a:latin typeface="+mn-lt"/>
+                <a:ea typeface="+mn-ea"/>
+                <a:cs typeface="+mn-cs"/>
+              </a:rPr>
+              <a:t>单日或者多日的回本金额和回本率</a:t>
+            </a:r>
+            <a:r>
+              <a:rPr lang="en-US" altLang="zh-CN" sz="1200" kern="1200" smtClean="0">
+                <a:solidFill>
+                  <a:schemeClr val="tx1"/>
+                </a:solidFill>
+                <a:latin typeface="+mn-lt"/>
+                <a:ea typeface="+mn-ea"/>
+                <a:cs typeface="+mn-cs"/>
+              </a:rPr>
+              <a:t>:</a:t>
+            </a:r>
+          </a:p>
+          <a:p>
+            <a:r>
+              <a:rPr lang="en-US" altLang="zh-CN" sz="1200" kern="1200" smtClean="0">
+                <a:solidFill>
+                  <a:schemeClr val="tx1"/>
+                </a:solidFill>
+                <a:latin typeface="+mn-lt"/>
+                <a:ea typeface="+mn-ea"/>
+                <a:cs typeface="+mn-cs"/>
+              </a:rPr>
+              <a:t>//</a:t>
+            </a:r>
+            <a:r>
+              <a:rPr lang="zh-CN" altLang="en-US" sz="1200" kern="1200" smtClean="0">
+                <a:solidFill>
+                  <a:schemeClr val="tx1"/>
+                </a:solidFill>
+                <a:latin typeface="+mn-lt"/>
+                <a:ea typeface="+mn-ea"/>
+                <a:cs typeface="+mn-cs"/>
+              </a:rPr>
+              <a:t>一日回本金额 玩家注册日期</a:t>
+            </a:r>
+            <a:r>
+              <a:rPr lang="en-US" altLang="zh-CN" sz="1200" kern="1200" smtClean="0">
+                <a:solidFill>
+                  <a:schemeClr val="tx1"/>
+                </a:solidFill>
+                <a:latin typeface="+mn-lt"/>
+                <a:ea typeface="+mn-ea"/>
+                <a:cs typeface="+mn-cs"/>
+              </a:rPr>
+              <a:t>-</a:t>
+            </a:r>
+            <a:r>
+              <a:rPr lang="zh-CN" altLang="en-US" sz="1200" kern="1200" smtClean="0">
+                <a:solidFill>
+                  <a:schemeClr val="tx1"/>
+                </a:solidFill>
+                <a:latin typeface="+mn-lt"/>
+                <a:ea typeface="+mn-ea"/>
+                <a:cs typeface="+mn-cs"/>
+              </a:rPr>
+              <a:t>订单付费日期</a:t>
+            </a:r>
+            <a:r>
+              <a:rPr lang="en-US" altLang="zh-CN" sz="1200" kern="1200" smtClean="0">
+                <a:solidFill>
+                  <a:schemeClr val="tx1"/>
+                </a:solidFill>
+                <a:latin typeface="+mn-lt"/>
+                <a:ea typeface="+mn-ea"/>
+                <a:cs typeface="+mn-cs"/>
+              </a:rPr>
+              <a:t>+1 = 1 ,</a:t>
+            </a:r>
+            <a:r>
+              <a:rPr lang="zh-CN" altLang="en-US" sz="1200" kern="1200" smtClean="0">
+                <a:solidFill>
+                  <a:schemeClr val="tx1"/>
+                </a:solidFill>
+                <a:latin typeface="+mn-lt"/>
+                <a:ea typeface="+mn-ea"/>
+                <a:cs typeface="+mn-cs"/>
+              </a:rPr>
+              <a:t>也就是</a:t>
+            </a:r>
+            <a:r>
+              <a:rPr lang="en-US" altLang="zh-CN" sz="1200" kern="1200" smtClean="0">
+                <a:solidFill>
+                  <a:schemeClr val="tx1"/>
+                </a:solidFill>
+                <a:latin typeface="+mn-lt"/>
+                <a:ea typeface="+mn-ea"/>
+                <a:cs typeface="+mn-cs"/>
+              </a:rPr>
+              <a:t>4</a:t>
+            </a:r>
+            <a:r>
+              <a:rPr lang="zh-CN" altLang="en-US" sz="1200" kern="1200" smtClean="0">
+                <a:solidFill>
+                  <a:schemeClr val="tx1"/>
+                </a:solidFill>
+                <a:latin typeface="+mn-lt"/>
+                <a:ea typeface="+mn-ea"/>
+                <a:cs typeface="+mn-cs"/>
+              </a:rPr>
+              <a:t>月</a:t>
+            </a:r>
+            <a:r>
+              <a:rPr lang="en-US" altLang="zh-CN" sz="1200" kern="1200" smtClean="0">
+                <a:solidFill>
+                  <a:schemeClr val="tx1"/>
+                </a:solidFill>
+                <a:latin typeface="+mn-lt"/>
+                <a:ea typeface="+mn-ea"/>
+                <a:cs typeface="+mn-cs"/>
+              </a:rPr>
+              <a:t>1</a:t>
+            </a:r>
+            <a:r>
+              <a:rPr lang="zh-CN" altLang="en-US" sz="1200" kern="1200" smtClean="0">
+                <a:solidFill>
+                  <a:schemeClr val="tx1"/>
+                </a:solidFill>
+                <a:latin typeface="+mn-lt"/>
+                <a:ea typeface="+mn-ea"/>
+                <a:cs typeface="+mn-cs"/>
+              </a:rPr>
+              <a:t>日注册</a:t>
+            </a:r>
+            <a:r>
+              <a:rPr lang="en-US" altLang="zh-CN" sz="1200" kern="1200" smtClean="0">
+                <a:solidFill>
+                  <a:schemeClr val="tx1"/>
+                </a:solidFill>
+                <a:latin typeface="+mn-lt"/>
+                <a:ea typeface="+mn-ea"/>
+                <a:cs typeface="+mn-cs"/>
+              </a:rPr>
+              <a:t>,</a:t>
+            </a:r>
+            <a:r>
+              <a:rPr lang="zh-CN" altLang="en-US" sz="1200" kern="1200" smtClean="0">
+                <a:solidFill>
+                  <a:schemeClr val="tx1"/>
+                </a:solidFill>
+                <a:latin typeface="+mn-lt"/>
+                <a:ea typeface="+mn-ea"/>
+                <a:cs typeface="+mn-cs"/>
+              </a:rPr>
+              <a:t>且在</a:t>
+            </a:r>
+            <a:r>
+              <a:rPr lang="en-US" altLang="zh-CN" sz="1200" kern="1200" smtClean="0">
+                <a:solidFill>
+                  <a:schemeClr val="tx1"/>
+                </a:solidFill>
+                <a:latin typeface="+mn-lt"/>
+                <a:ea typeface="+mn-ea"/>
+                <a:cs typeface="+mn-cs"/>
+              </a:rPr>
+              <a:t>4</a:t>
+            </a:r>
+            <a:r>
+              <a:rPr lang="zh-CN" altLang="en-US" sz="1200" kern="1200" smtClean="0">
+                <a:solidFill>
+                  <a:schemeClr val="tx1"/>
+                </a:solidFill>
+                <a:latin typeface="+mn-lt"/>
+                <a:ea typeface="+mn-ea"/>
+                <a:cs typeface="+mn-cs"/>
+              </a:rPr>
+              <a:t>月</a:t>
+            </a:r>
+            <a:r>
+              <a:rPr lang="en-US" altLang="zh-CN" sz="1200" kern="1200" smtClean="0">
+                <a:solidFill>
+                  <a:schemeClr val="tx1"/>
+                </a:solidFill>
+                <a:latin typeface="+mn-lt"/>
+                <a:ea typeface="+mn-ea"/>
+                <a:cs typeface="+mn-cs"/>
+              </a:rPr>
+              <a:t>1</a:t>
+            </a:r>
+            <a:r>
+              <a:rPr lang="zh-CN" altLang="en-US" sz="1200" kern="1200" smtClean="0">
+                <a:solidFill>
+                  <a:schemeClr val="tx1"/>
+                </a:solidFill>
+                <a:latin typeface="+mn-lt"/>
+                <a:ea typeface="+mn-ea"/>
+                <a:cs typeface="+mn-cs"/>
+              </a:rPr>
+              <a:t>日当日充值后进行分成的金额 </a:t>
+            </a:r>
+            <a:r>
+              <a:rPr lang="en-US" altLang="zh-CN" sz="1200" kern="1200" smtClean="0">
+                <a:solidFill>
+                  <a:schemeClr val="tx1"/>
+                </a:solidFill>
+                <a:latin typeface="+mn-lt"/>
+                <a:ea typeface="+mn-ea"/>
+                <a:cs typeface="+mn-cs"/>
+              </a:rPr>
+              <a:t>(</a:t>
+            </a:r>
+            <a:r>
+              <a:rPr lang="zh-CN" altLang="en-US" sz="1200" kern="1200" smtClean="0">
+                <a:solidFill>
+                  <a:schemeClr val="tx1"/>
+                </a:solidFill>
+                <a:latin typeface="+mn-lt"/>
+                <a:ea typeface="+mn-ea"/>
+                <a:cs typeface="+mn-cs"/>
+              </a:rPr>
+              <a:t>如果回本类型选择分成前</a:t>
+            </a:r>
+            <a:r>
+              <a:rPr lang="en-US" altLang="zh-CN" sz="1200" kern="1200" smtClean="0">
+                <a:solidFill>
+                  <a:schemeClr val="tx1"/>
+                </a:solidFill>
+                <a:latin typeface="+mn-lt"/>
+                <a:ea typeface="+mn-ea"/>
+                <a:cs typeface="+mn-cs"/>
+              </a:rPr>
+              <a:t>,</a:t>
+            </a:r>
+            <a:r>
+              <a:rPr lang="zh-CN" altLang="en-US" sz="1200" kern="1200" smtClean="0">
+                <a:solidFill>
+                  <a:schemeClr val="tx1"/>
+                </a:solidFill>
+                <a:latin typeface="+mn-lt"/>
+                <a:ea typeface="+mn-ea"/>
+                <a:cs typeface="+mn-cs"/>
+              </a:rPr>
+              <a:t>则是充值金额</a:t>
+            </a:r>
+            <a:r>
+              <a:rPr lang="en-US" altLang="zh-CN" sz="1200" kern="1200" smtClean="0">
+                <a:solidFill>
+                  <a:schemeClr val="tx1"/>
+                </a:solidFill>
+                <a:latin typeface="+mn-lt"/>
+                <a:ea typeface="+mn-ea"/>
+                <a:cs typeface="+mn-cs"/>
+              </a:rPr>
+              <a:t>(order_log.money)</a:t>
+            </a:r>
+            <a:r>
+              <a:rPr lang="zh-CN" altLang="en-US" sz="1200" kern="1200" smtClean="0">
+                <a:solidFill>
+                  <a:schemeClr val="tx1"/>
+                </a:solidFill>
+                <a:latin typeface="+mn-lt"/>
+                <a:ea typeface="+mn-ea"/>
+                <a:cs typeface="+mn-cs"/>
+              </a:rPr>
+              <a:t>的累加</a:t>
+            </a:r>
+            <a:r>
+              <a:rPr lang="en-US" altLang="zh-CN" sz="1200" kern="1200" smtClean="0">
+                <a:solidFill>
+                  <a:schemeClr val="tx1"/>
+                </a:solidFill>
+                <a:latin typeface="+mn-lt"/>
+                <a:ea typeface="+mn-ea"/>
+                <a:cs typeface="+mn-cs"/>
+              </a:rPr>
+              <a:t>)</a:t>
+            </a:r>
+          </a:p>
+          <a:p>
+            <a:r>
+              <a:rPr lang="en-US" altLang="zh-CN" sz="1200" kern="1200" smtClean="0">
+                <a:solidFill>
+                  <a:schemeClr val="tx1"/>
+                </a:solidFill>
+                <a:latin typeface="+mn-lt"/>
+                <a:ea typeface="+mn-ea"/>
+                <a:cs typeface="+mn-cs"/>
+              </a:rPr>
+              <a:t>//</a:t>
+            </a:r>
+            <a:r>
+              <a:rPr lang="zh-CN" altLang="en-US" sz="1200" kern="1200" smtClean="0">
+                <a:solidFill>
+                  <a:schemeClr val="tx1"/>
+                </a:solidFill>
+                <a:latin typeface="+mn-lt"/>
+                <a:ea typeface="+mn-ea"/>
+                <a:cs typeface="+mn-cs"/>
+              </a:rPr>
+              <a:t>一日成本 分组渠道商表中</a:t>
+            </a:r>
+            <a:r>
+              <a:rPr lang="en-US" altLang="zh-CN" sz="1200" kern="1200" smtClean="0">
+                <a:solidFill>
+                  <a:schemeClr val="tx1"/>
+                </a:solidFill>
+                <a:latin typeface="+mn-lt"/>
+                <a:ea typeface="+mn-ea"/>
+                <a:cs typeface="+mn-cs"/>
+              </a:rPr>
+              <a:t>register_type</a:t>
+            </a:r>
+            <a:r>
+              <a:rPr lang="zh-CN" altLang="en-US" sz="1200" kern="1200" smtClean="0">
+                <a:solidFill>
+                  <a:schemeClr val="tx1"/>
+                </a:solidFill>
+                <a:latin typeface="+mn-lt"/>
+                <a:ea typeface="+mn-ea"/>
+                <a:cs typeface="+mn-cs"/>
+              </a:rPr>
+              <a:t>字段</a:t>
+            </a:r>
+            <a:r>
+              <a:rPr lang="en-US" altLang="zh-CN" sz="1200" kern="1200" smtClean="0">
+                <a:solidFill>
+                  <a:schemeClr val="tx1"/>
+                </a:solidFill>
+                <a:latin typeface="+mn-lt"/>
+                <a:ea typeface="+mn-ea"/>
+                <a:cs typeface="+mn-cs"/>
+              </a:rPr>
+              <a:t>,</a:t>
+            </a:r>
+            <a:r>
+              <a:rPr lang="zh-CN" altLang="en-US" sz="1200" kern="1200" smtClean="0">
+                <a:solidFill>
+                  <a:schemeClr val="tx1"/>
+                </a:solidFill>
+                <a:latin typeface="+mn-lt"/>
+                <a:ea typeface="+mn-ea"/>
+                <a:cs typeface="+mn-cs"/>
+              </a:rPr>
+              <a:t>叠加同一注册类型下所有广告位</a:t>
+            </a:r>
+            <a:r>
+              <a:rPr lang="en-US" altLang="zh-CN" sz="1200" kern="1200" smtClean="0">
+                <a:solidFill>
+                  <a:schemeClr val="tx1"/>
+                </a:solidFill>
+                <a:latin typeface="+mn-lt"/>
+                <a:ea typeface="+mn-ea"/>
+                <a:cs typeface="+mn-cs"/>
+              </a:rPr>
+              <a:t>4</a:t>
+            </a:r>
+            <a:r>
+              <a:rPr lang="zh-CN" altLang="en-US" sz="1200" kern="1200" smtClean="0">
+                <a:solidFill>
+                  <a:schemeClr val="tx1"/>
+                </a:solidFill>
+                <a:latin typeface="+mn-lt"/>
+                <a:ea typeface="+mn-ea"/>
+                <a:cs typeface="+mn-cs"/>
+              </a:rPr>
+              <a:t>月</a:t>
+            </a:r>
+            <a:r>
+              <a:rPr lang="en-US" altLang="zh-CN" sz="1200" kern="1200" smtClean="0">
+                <a:solidFill>
+                  <a:schemeClr val="tx1"/>
+                </a:solidFill>
+                <a:latin typeface="+mn-lt"/>
+                <a:ea typeface="+mn-ea"/>
+                <a:cs typeface="+mn-cs"/>
+              </a:rPr>
+              <a:t>1</a:t>
+            </a:r>
+            <a:r>
+              <a:rPr lang="zh-CN" altLang="en-US" sz="1200" kern="1200" smtClean="0">
+                <a:solidFill>
+                  <a:schemeClr val="tx1"/>
+                </a:solidFill>
+                <a:latin typeface="+mn-lt"/>
+                <a:ea typeface="+mn-ea"/>
+                <a:cs typeface="+mn-cs"/>
+              </a:rPr>
+              <a:t>日的投入金额</a:t>
+            </a:r>
+            <a:r>
+              <a:rPr lang="en-US" altLang="zh-CN" sz="1200" kern="1200" smtClean="0">
+                <a:solidFill>
+                  <a:schemeClr val="tx1"/>
+                </a:solidFill>
+                <a:latin typeface="+mn-lt"/>
+                <a:ea typeface="+mn-ea"/>
+                <a:cs typeface="+mn-cs"/>
+              </a:rPr>
+              <a:t>sum(adv_position_data.pay_sum),</a:t>
+            </a:r>
+            <a:r>
+              <a:rPr lang="zh-CN" altLang="en-US" sz="1200" kern="1200" smtClean="0">
+                <a:solidFill>
+                  <a:schemeClr val="tx1"/>
+                </a:solidFill>
+                <a:latin typeface="+mn-lt"/>
+                <a:ea typeface="+mn-ea"/>
+                <a:cs typeface="+mn-cs"/>
+              </a:rPr>
+              <a:t>再四舍五入为整数</a:t>
+            </a:r>
+          </a:p>
+          <a:p>
+            <a:r>
+              <a:rPr lang="en-US" altLang="zh-CN" sz="1200" kern="1200" smtClean="0">
+                <a:solidFill>
+                  <a:schemeClr val="tx1"/>
+                </a:solidFill>
+                <a:latin typeface="+mn-lt"/>
+                <a:ea typeface="+mn-ea"/>
+                <a:cs typeface="+mn-cs"/>
+              </a:rPr>
+              <a:t>//</a:t>
+            </a:r>
+            <a:r>
+              <a:rPr lang="zh-CN" altLang="en-US" sz="1200" kern="1200" smtClean="0">
+                <a:solidFill>
+                  <a:schemeClr val="tx1"/>
+                </a:solidFill>
+                <a:latin typeface="+mn-lt"/>
+                <a:ea typeface="+mn-ea"/>
+                <a:cs typeface="+mn-cs"/>
+              </a:rPr>
+              <a:t>一日回本率 一日回本金额</a:t>
+            </a:r>
+            <a:r>
+              <a:rPr lang="en-US" altLang="zh-CN" sz="1200" kern="1200" smtClean="0">
+                <a:solidFill>
+                  <a:schemeClr val="tx1"/>
+                </a:solidFill>
+                <a:latin typeface="+mn-lt"/>
+                <a:ea typeface="+mn-ea"/>
+                <a:cs typeface="+mn-cs"/>
+              </a:rPr>
+              <a:t>/</a:t>
+            </a:r>
+            <a:r>
+              <a:rPr lang="zh-CN" altLang="en-US" sz="1200" kern="1200" smtClean="0">
+                <a:solidFill>
+                  <a:schemeClr val="tx1"/>
+                </a:solidFill>
+                <a:latin typeface="+mn-lt"/>
+                <a:ea typeface="+mn-ea"/>
+                <a:cs typeface="+mn-cs"/>
+              </a:rPr>
+              <a:t>一日成本</a:t>
+            </a:r>
+          </a:p>
+          <a:p>
+            <a:endParaRPr lang="zh-CN" altLang="en-US" sz="1200" kern="1200" smtClean="0">
+              <a:solidFill>
+                <a:schemeClr val="tx1"/>
+              </a:solidFill>
+              <a:latin typeface="+mn-lt"/>
+              <a:ea typeface="+mn-ea"/>
+              <a:cs typeface="+mn-cs"/>
+            </a:endParaRPr>
+          </a:p>
+          <a:p>
+            <a:r>
+              <a:rPr lang="en-US" altLang="zh-CN" sz="1200" kern="1200" smtClean="0">
+                <a:solidFill>
+                  <a:schemeClr val="tx1"/>
+                </a:solidFill>
+                <a:latin typeface="+mn-lt"/>
+                <a:ea typeface="+mn-ea"/>
+                <a:cs typeface="+mn-cs"/>
+              </a:rPr>
+              <a:t>//</a:t>
+            </a:r>
+            <a:r>
+              <a:rPr lang="zh-CN" altLang="en-US" sz="1200" kern="1200" smtClean="0">
+                <a:solidFill>
+                  <a:schemeClr val="tx1"/>
+                </a:solidFill>
+                <a:latin typeface="+mn-lt"/>
+                <a:ea typeface="+mn-ea"/>
+                <a:cs typeface="+mn-cs"/>
+              </a:rPr>
+              <a:t>两日日回本金额 玩家注册日期</a:t>
+            </a:r>
+            <a:r>
+              <a:rPr lang="en-US" altLang="zh-CN" sz="1200" kern="1200" smtClean="0">
+                <a:solidFill>
+                  <a:schemeClr val="tx1"/>
+                </a:solidFill>
+                <a:latin typeface="+mn-lt"/>
+                <a:ea typeface="+mn-ea"/>
+                <a:cs typeface="+mn-cs"/>
+              </a:rPr>
+              <a:t>-</a:t>
+            </a:r>
+            <a:r>
+              <a:rPr lang="zh-CN" altLang="en-US" sz="1200" kern="1200" smtClean="0">
+                <a:solidFill>
+                  <a:schemeClr val="tx1"/>
+                </a:solidFill>
+                <a:latin typeface="+mn-lt"/>
+                <a:ea typeface="+mn-ea"/>
+                <a:cs typeface="+mn-cs"/>
+              </a:rPr>
+              <a:t>订单付费日期</a:t>
+            </a:r>
+            <a:r>
+              <a:rPr lang="en-US" altLang="zh-CN" sz="1200" kern="1200" smtClean="0">
+                <a:solidFill>
+                  <a:schemeClr val="tx1"/>
+                </a:solidFill>
+                <a:latin typeface="+mn-lt"/>
+                <a:ea typeface="+mn-ea"/>
+                <a:cs typeface="+mn-cs"/>
+              </a:rPr>
+              <a:t>+1 = 2 ,</a:t>
+            </a:r>
+            <a:r>
+              <a:rPr lang="zh-CN" altLang="en-US" sz="1200" kern="1200" smtClean="0">
+                <a:solidFill>
+                  <a:schemeClr val="tx1"/>
+                </a:solidFill>
+                <a:latin typeface="+mn-lt"/>
+                <a:ea typeface="+mn-ea"/>
+                <a:cs typeface="+mn-cs"/>
+              </a:rPr>
+              <a:t>也就是</a:t>
+            </a:r>
+            <a:r>
+              <a:rPr lang="en-US" altLang="zh-CN" sz="1200" kern="1200" smtClean="0">
+                <a:solidFill>
+                  <a:schemeClr val="tx1"/>
+                </a:solidFill>
+                <a:latin typeface="+mn-lt"/>
+                <a:ea typeface="+mn-ea"/>
+                <a:cs typeface="+mn-cs"/>
+              </a:rPr>
+              <a:t>1</a:t>
+            </a:r>
+            <a:r>
+              <a:rPr lang="zh-CN" altLang="en-US" sz="1200" kern="1200" smtClean="0">
+                <a:solidFill>
+                  <a:schemeClr val="tx1"/>
+                </a:solidFill>
+                <a:latin typeface="+mn-lt"/>
+                <a:ea typeface="+mn-ea"/>
+                <a:cs typeface="+mn-cs"/>
+              </a:rPr>
+              <a:t>号注册</a:t>
+            </a:r>
+            <a:r>
+              <a:rPr lang="en-US" altLang="zh-CN" sz="1200" kern="1200" smtClean="0">
+                <a:solidFill>
+                  <a:schemeClr val="tx1"/>
+                </a:solidFill>
+                <a:latin typeface="+mn-lt"/>
+                <a:ea typeface="+mn-ea"/>
+                <a:cs typeface="+mn-cs"/>
+              </a:rPr>
+              <a:t>,</a:t>
+            </a:r>
+            <a:r>
+              <a:rPr lang="zh-CN" altLang="en-US" sz="1200" kern="1200" smtClean="0">
+                <a:solidFill>
+                  <a:schemeClr val="tx1"/>
+                </a:solidFill>
+                <a:latin typeface="+mn-lt"/>
+                <a:ea typeface="+mn-ea"/>
+                <a:cs typeface="+mn-cs"/>
+              </a:rPr>
+              <a:t>到</a:t>
+            </a:r>
+            <a:r>
+              <a:rPr lang="en-US" altLang="zh-CN" sz="1200" kern="1200" smtClean="0">
+                <a:solidFill>
+                  <a:schemeClr val="tx1"/>
+                </a:solidFill>
+                <a:latin typeface="+mn-lt"/>
+                <a:ea typeface="+mn-ea"/>
+                <a:cs typeface="+mn-cs"/>
+              </a:rPr>
+              <a:t>2</a:t>
+            </a:r>
+            <a:r>
+              <a:rPr lang="zh-CN" altLang="en-US" sz="1200" kern="1200" smtClean="0">
+                <a:solidFill>
+                  <a:schemeClr val="tx1"/>
+                </a:solidFill>
+                <a:latin typeface="+mn-lt"/>
+                <a:ea typeface="+mn-ea"/>
+                <a:cs typeface="+mn-cs"/>
+              </a:rPr>
+              <a:t>号的这两天</a:t>
+            </a:r>
+            <a:r>
+              <a:rPr lang="en-US" altLang="zh-CN" sz="1200" kern="1200" smtClean="0">
+                <a:solidFill>
+                  <a:schemeClr val="tx1"/>
+                </a:solidFill>
+                <a:latin typeface="+mn-lt"/>
+                <a:ea typeface="+mn-ea"/>
+                <a:cs typeface="+mn-cs"/>
+              </a:rPr>
+              <a:t>,</a:t>
+            </a:r>
+            <a:r>
+              <a:rPr lang="zh-CN" altLang="en-US" sz="1200" kern="1200" smtClean="0">
+                <a:solidFill>
+                  <a:schemeClr val="tx1"/>
+                </a:solidFill>
+                <a:latin typeface="+mn-lt"/>
+                <a:ea typeface="+mn-ea"/>
+                <a:cs typeface="+mn-cs"/>
+              </a:rPr>
+              <a:t>玩家充值总和再进行分成的金额</a:t>
+            </a:r>
+            <a:r>
+              <a:rPr lang="en-US" altLang="zh-CN" sz="1200" kern="1200" smtClean="0">
+                <a:solidFill>
+                  <a:schemeClr val="tx1"/>
+                </a:solidFill>
+                <a:latin typeface="+mn-lt"/>
+                <a:ea typeface="+mn-ea"/>
+                <a:cs typeface="+mn-cs"/>
+              </a:rPr>
+              <a:t>(</a:t>
+            </a:r>
+            <a:r>
+              <a:rPr lang="zh-CN" altLang="en-US" sz="1200" kern="1200" smtClean="0">
+                <a:solidFill>
+                  <a:schemeClr val="tx1"/>
+                </a:solidFill>
+                <a:latin typeface="+mn-lt"/>
+                <a:ea typeface="+mn-ea"/>
+                <a:cs typeface="+mn-cs"/>
+              </a:rPr>
+              <a:t>如果绘本类型选择分成前</a:t>
+            </a:r>
+            <a:r>
+              <a:rPr lang="en-US" altLang="zh-CN" sz="1200" kern="1200" smtClean="0">
+                <a:solidFill>
+                  <a:schemeClr val="tx1"/>
+                </a:solidFill>
+                <a:latin typeface="+mn-lt"/>
+                <a:ea typeface="+mn-ea"/>
+                <a:cs typeface="+mn-cs"/>
+              </a:rPr>
+              <a:t>,</a:t>
+            </a:r>
+            <a:r>
+              <a:rPr lang="zh-CN" altLang="en-US" sz="1200" kern="1200" smtClean="0">
+                <a:solidFill>
+                  <a:schemeClr val="tx1"/>
+                </a:solidFill>
+                <a:latin typeface="+mn-lt"/>
+                <a:ea typeface="+mn-ea"/>
+                <a:cs typeface="+mn-cs"/>
+              </a:rPr>
+              <a:t>则是充值金额的累加</a:t>
+            </a:r>
+            <a:r>
+              <a:rPr lang="en-US" altLang="zh-CN" sz="1200" kern="1200" smtClean="0">
+                <a:solidFill>
+                  <a:schemeClr val="tx1"/>
+                </a:solidFill>
+                <a:latin typeface="+mn-lt"/>
+                <a:ea typeface="+mn-ea"/>
+                <a:cs typeface="+mn-cs"/>
+              </a:rPr>
+              <a:t>)</a:t>
+            </a:r>
+          </a:p>
+          <a:p>
+            <a:r>
+              <a:rPr lang="en-US" altLang="zh-CN" sz="1200" kern="1200" smtClean="0">
+                <a:solidFill>
+                  <a:schemeClr val="tx1"/>
+                </a:solidFill>
+                <a:latin typeface="+mn-lt"/>
+                <a:ea typeface="+mn-ea"/>
+                <a:cs typeface="+mn-cs"/>
+              </a:rPr>
+              <a:t>//</a:t>
+            </a:r>
+            <a:r>
+              <a:rPr lang="zh-CN" altLang="en-US" sz="1200" kern="1200" smtClean="0">
+                <a:solidFill>
+                  <a:schemeClr val="tx1"/>
+                </a:solidFill>
+                <a:latin typeface="+mn-lt"/>
+                <a:ea typeface="+mn-ea"/>
+                <a:cs typeface="+mn-cs"/>
+              </a:rPr>
+              <a:t>两日成本 分组渠道商表中</a:t>
+            </a:r>
+            <a:r>
+              <a:rPr lang="en-US" altLang="zh-CN" sz="1200" kern="1200" smtClean="0">
+                <a:solidFill>
+                  <a:schemeClr val="tx1"/>
+                </a:solidFill>
+                <a:latin typeface="+mn-lt"/>
+                <a:ea typeface="+mn-ea"/>
+                <a:cs typeface="+mn-cs"/>
+              </a:rPr>
+              <a:t>register_type</a:t>
+            </a:r>
+            <a:r>
+              <a:rPr lang="zh-CN" altLang="en-US" sz="1200" kern="1200" smtClean="0">
+                <a:solidFill>
+                  <a:schemeClr val="tx1"/>
+                </a:solidFill>
+                <a:latin typeface="+mn-lt"/>
+                <a:ea typeface="+mn-ea"/>
+                <a:cs typeface="+mn-cs"/>
+              </a:rPr>
+              <a:t>字段</a:t>
+            </a:r>
+            <a:r>
+              <a:rPr lang="en-US" altLang="zh-CN" sz="1200" kern="1200" smtClean="0">
+                <a:solidFill>
+                  <a:schemeClr val="tx1"/>
+                </a:solidFill>
+                <a:latin typeface="+mn-lt"/>
+                <a:ea typeface="+mn-ea"/>
+                <a:cs typeface="+mn-cs"/>
+              </a:rPr>
+              <a:t>,</a:t>
+            </a:r>
+            <a:r>
+              <a:rPr lang="zh-CN" altLang="en-US" sz="1200" kern="1200" smtClean="0">
+                <a:solidFill>
+                  <a:schemeClr val="tx1"/>
+                </a:solidFill>
+                <a:latin typeface="+mn-lt"/>
+                <a:ea typeface="+mn-ea"/>
+                <a:cs typeface="+mn-cs"/>
+              </a:rPr>
+              <a:t>叠加同一注册类型下所有广告位</a:t>
+            </a:r>
+            <a:r>
+              <a:rPr lang="en-US" altLang="zh-CN" sz="1200" kern="1200" smtClean="0">
+                <a:solidFill>
+                  <a:schemeClr val="tx1"/>
+                </a:solidFill>
+                <a:latin typeface="+mn-lt"/>
+                <a:ea typeface="+mn-ea"/>
+                <a:cs typeface="+mn-cs"/>
+              </a:rPr>
+              <a:t>4</a:t>
+            </a:r>
+            <a:r>
+              <a:rPr lang="zh-CN" altLang="en-US" sz="1200" kern="1200" smtClean="0">
+                <a:solidFill>
+                  <a:schemeClr val="tx1"/>
+                </a:solidFill>
+                <a:latin typeface="+mn-lt"/>
+                <a:ea typeface="+mn-ea"/>
+                <a:cs typeface="+mn-cs"/>
+              </a:rPr>
+              <a:t>月</a:t>
+            </a:r>
+            <a:r>
+              <a:rPr lang="en-US" altLang="zh-CN" sz="1200" kern="1200" smtClean="0">
+                <a:solidFill>
+                  <a:schemeClr val="tx1"/>
+                </a:solidFill>
+                <a:latin typeface="+mn-lt"/>
+                <a:ea typeface="+mn-ea"/>
+                <a:cs typeface="+mn-cs"/>
+              </a:rPr>
+              <a:t>1</a:t>
+            </a:r>
+            <a:r>
+              <a:rPr lang="zh-CN" altLang="en-US" sz="1200" kern="1200" smtClean="0">
+                <a:solidFill>
+                  <a:schemeClr val="tx1"/>
+                </a:solidFill>
+                <a:latin typeface="+mn-lt"/>
+                <a:ea typeface="+mn-ea"/>
+                <a:cs typeface="+mn-cs"/>
+              </a:rPr>
+              <a:t>日到</a:t>
+            </a:r>
+            <a:r>
+              <a:rPr lang="en-US" altLang="zh-CN" sz="1200" kern="1200" smtClean="0">
+                <a:solidFill>
+                  <a:schemeClr val="tx1"/>
+                </a:solidFill>
+                <a:latin typeface="+mn-lt"/>
+                <a:ea typeface="+mn-ea"/>
+                <a:cs typeface="+mn-cs"/>
+              </a:rPr>
+              <a:t>4</a:t>
+            </a:r>
+            <a:r>
+              <a:rPr lang="zh-CN" altLang="en-US" sz="1200" kern="1200" smtClean="0">
+                <a:solidFill>
+                  <a:schemeClr val="tx1"/>
+                </a:solidFill>
+                <a:latin typeface="+mn-lt"/>
+                <a:ea typeface="+mn-ea"/>
+                <a:cs typeface="+mn-cs"/>
+              </a:rPr>
+              <a:t>月</a:t>
+            </a:r>
+            <a:r>
+              <a:rPr lang="en-US" altLang="zh-CN" sz="1200" kern="1200" smtClean="0">
+                <a:solidFill>
+                  <a:schemeClr val="tx1"/>
+                </a:solidFill>
+                <a:latin typeface="+mn-lt"/>
+                <a:ea typeface="+mn-ea"/>
+                <a:cs typeface="+mn-cs"/>
+              </a:rPr>
+              <a:t>2</a:t>
+            </a:r>
+            <a:r>
+              <a:rPr lang="zh-CN" altLang="en-US" sz="1200" kern="1200" smtClean="0">
+                <a:solidFill>
+                  <a:schemeClr val="tx1"/>
+                </a:solidFill>
+                <a:latin typeface="+mn-lt"/>
+                <a:ea typeface="+mn-ea"/>
+                <a:cs typeface="+mn-cs"/>
+              </a:rPr>
+              <a:t>日</a:t>
+            </a:r>
+            <a:r>
+              <a:rPr lang="en-US" altLang="zh-CN" sz="1200" kern="1200" smtClean="0">
+                <a:solidFill>
+                  <a:schemeClr val="tx1"/>
+                </a:solidFill>
+                <a:latin typeface="+mn-lt"/>
+                <a:ea typeface="+mn-ea"/>
+                <a:cs typeface="+mn-cs"/>
+              </a:rPr>
+              <a:t>(adv_position_Data.date)</a:t>
+            </a:r>
+            <a:r>
+              <a:rPr lang="zh-CN" altLang="en-US" sz="1200" kern="1200" smtClean="0">
+                <a:solidFill>
+                  <a:schemeClr val="tx1"/>
+                </a:solidFill>
+                <a:latin typeface="+mn-lt"/>
+                <a:ea typeface="+mn-ea"/>
+                <a:cs typeface="+mn-cs"/>
+              </a:rPr>
+              <a:t>的投入金额</a:t>
+            </a:r>
+            <a:r>
+              <a:rPr lang="en-US" altLang="zh-CN" sz="1200" kern="1200" smtClean="0">
+                <a:solidFill>
+                  <a:schemeClr val="tx1"/>
+                </a:solidFill>
+                <a:latin typeface="+mn-lt"/>
+                <a:ea typeface="+mn-ea"/>
+                <a:cs typeface="+mn-cs"/>
+              </a:rPr>
+              <a:t>sum(adv_position_data.divide_money),</a:t>
+            </a:r>
+            <a:r>
+              <a:rPr lang="zh-CN" altLang="en-US" sz="1200" kern="1200" smtClean="0">
+                <a:solidFill>
+                  <a:schemeClr val="tx1"/>
+                </a:solidFill>
+                <a:latin typeface="+mn-lt"/>
+                <a:ea typeface="+mn-ea"/>
+                <a:cs typeface="+mn-cs"/>
+              </a:rPr>
+              <a:t>再四舍五入为整数</a:t>
+            </a:r>
+          </a:p>
+          <a:p>
+            <a:r>
+              <a:rPr lang="en-US" altLang="zh-CN" sz="1200" kern="1200" smtClean="0">
+                <a:solidFill>
+                  <a:schemeClr val="tx1"/>
+                </a:solidFill>
+                <a:latin typeface="+mn-lt"/>
+                <a:ea typeface="+mn-ea"/>
+                <a:cs typeface="+mn-cs"/>
+              </a:rPr>
+              <a:t>//</a:t>
+            </a:r>
+            <a:r>
+              <a:rPr lang="zh-CN" altLang="en-US" sz="1200" kern="1200" smtClean="0">
+                <a:solidFill>
+                  <a:schemeClr val="tx1"/>
+                </a:solidFill>
+                <a:latin typeface="+mn-lt"/>
+                <a:ea typeface="+mn-ea"/>
+                <a:cs typeface="+mn-cs"/>
+              </a:rPr>
+              <a:t>两日回本率 两日回本金额</a:t>
+            </a:r>
+            <a:r>
+              <a:rPr lang="en-US" altLang="zh-CN" sz="1200" kern="1200" smtClean="0">
+                <a:solidFill>
+                  <a:schemeClr val="tx1"/>
+                </a:solidFill>
+                <a:latin typeface="+mn-lt"/>
+                <a:ea typeface="+mn-ea"/>
+                <a:cs typeface="+mn-cs"/>
+              </a:rPr>
+              <a:t>/</a:t>
+            </a:r>
+            <a:r>
+              <a:rPr lang="zh-CN" altLang="en-US" sz="1200" kern="1200" smtClean="0">
+                <a:solidFill>
+                  <a:schemeClr val="tx1"/>
+                </a:solidFill>
+                <a:latin typeface="+mn-lt"/>
+                <a:ea typeface="+mn-ea"/>
+                <a:cs typeface="+mn-cs"/>
+              </a:rPr>
+              <a:t>两日成本</a:t>
+            </a:r>
+          </a:p>
+          <a:p>
+            <a:endParaRPr lang="zh-CN" altLang="en-US" sz="1200" kern="1200" smtClean="0">
+              <a:solidFill>
+                <a:schemeClr val="tx1"/>
+              </a:solidFill>
+              <a:latin typeface="+mn-lt"/>
+              <a:ea typeface="+mn-ea"/>
+              <a:cs typeface="+mn-cs"/>
+            </a:endParaRPr>
+          </a:p>
+          <a:p>
+            <a:endParaRPr lang="zh-CN" altLang="en-US" sz="1200" kern="1200" smtClean="0">
+              <a:solidFill>
+                <a:schemeClr val="tx1"/>
+              </a:solidFill>
+              <a:latin typeface="+mn-lt"/>
+              <a:ea typeface="+mn-ea"/>
+              <a:cs typeface="+mn-cs"/>
+            </a:endParaRPr>
+          </a:p>
+          <a:p>
+            <a:endParaRPr lang="zh-CN" altLang="en-US" sz="1200" kern="1200" smtClean="0">
+              <a:solidFill>
+                <a:schemeClr val="tx1"/>
+              </a:solidFill>
+              <a:latin typeface="+mn-lt"/>
+              <a:ea typeface="+mn-ea"/>
+              <a:cs typeface="+mn-cs"/>
+            </a:endParaRPr>
+          </a:p>
+          <a:p>
+            <a:r>
+              <a:rPr lang="en-US" altLang="zh-CN" sz="1200" kern="1200" smtClean="0">
+                <a:solidFill>
+                  <a:schemeClr val="tx1"/>
+                </a:solidFill>
+                <a:latin typeface="+mn-lt"/>
+                <a:ea typeface="+mn-ea"/>
+                <a:cs typeface="+mn-cs"/>
+              </a:rPr>
+              <a:t>//</a:t>
+            </a:r>
+            <a:r>
+              <a:rPr lang="zh-CN" altLang="en-US" sz="1200" kern="1200" smtClean="0">
+                <a:solidFill>
+                  <a:schemeClr val="tx1"/>
+                </a:solidFill>
+                <a:latin typeface="+mn-lt"/>
+                <a:ea typeface="+mn-ea"/>
+                <a:cs typeface="+mn-cs"/>
+              </a:rPr>
+              <a:t>留存</a:t>
+            </a:r>
+          </a:p>
+          <a:p>
+            <a:r>
+              <a:rPr lang="zh-CN" altLang="en-US" sz="1200" kern="1200" smtClean="0">
+                <a:solidFill>
+                  <a:schemeClr val="tx1"/>
+                </a:solidFill>
+                <a:latin typeface="+mn-lt"/>
+                <a:ea typeface="+mn-ea"/>
+                <a:cs typeface="+mn-cs"/>
+              </a:rPr>
+              <a:t>还以上面时间作为举例</a:t>
+            </a:r>
+            <a:r>
+              <a:rPr lang="en-US" altLang="zh-CN" sz="1200" kern="1200" smtClean="0">
+                <a:solidFill>
+                  <a:schemeClr val="tx1"/>
+                </a:solidFill>
+                <a:latin typeface="+mn-lt"/>
+                <a:ea typeface="+mn-ea"/>
+                <a:cs typeface="+mn-cs"/>
+              </a:rPr>
+              <a:t>.</a:t>
+            </a:r>
+            <a:r>
+              <a:rPr lang="zh-CN" altLang="en-US" sz="1200" kern="1200" smtClean="0">
+                <a:solidFill>
+                  <a:schemeClr val="tx1"/>
+                </a:solidFill>
+                <a:latin typeface="+mn-lt"/>
+                <a:ea typeface="+mn-ea"/>
+                <a:cs typeface="+mn-cs"/>
+              </a:rPr>
+              <a:t>假设要计算</a:t>
+            </a:r>
+            <a:r>
+              <a:rPr lang="en-US" altLang="zh-CN" sz="1200" kern="1200" smtClean="0">
+                <a:solidFill>
+                  <a:schemeClr val="tx1"/>
+                </a:solidFill>
+                <a:latin typeface="+mn-lt"/>
+                <a:ea typeface="+mn-ea"/>
+                <a:cs typeface="+mn-cs"/>
+              </a:rPr>
+              <a:t>4</a:t>
+            </a:r>
+            <a:r>
+              <a:rPr lang="zh-CN" altLang="en-US" sz="1200" kern="1200" smtClean="0">
+                <a:solidFill>
+                  <a:schemeClr val="tx1"/>
+                </a:solidFill>
+                <a:latin typeface="+mn-lt"/>
+                <a:ea typeface="+mn-ea"/>
+                <a:cs typeface="+mn-cs"/>
+              </a:rPr>
+              <a:t>月</a:t>
+            </a:r>
+            <a:r>
+              <a:rPr lang="en-US" altLang="zh-CN" sz="1200" kern="1200" smtClean="0">
+                <a:solidFill>
+                  <a:schemeClr val="tx1"/>
+                </a:solidFill>
+                <a:latin typeface="+mn-lt"/>
+                <a:ea typeface="+mn-ea"/>
+                <a:cs typeface="+mn-cs"/>
+              </a:rPr>
+              <a:t>1</a:t>
+            </a:r>
+            <a:r>
+              <a:rPr lang="zh-CN" altLang="en-US" sz="1200" kern="1200" smtClean="0">
+                <a:solidFill>
+                  <a:schemeClr val="tx1"/>
+                </a:solidFill>
+                <a:latin typeface="+mn-lt"/>
+                <a:ea typeface="+mn-ea"/>
+                <a:cs typeface="+mn-cs"/>
+              </a:rPr>
+              <a:t>日到</a:t>
+            </a:r>
+            <a:r>
+              <a:rPr lang="en-US" altLang="zh-CN" sz="1200" kern="1200" smtClean="0">
+                <a:solidFill>
+                  <a:schemeClr val="tx1"/>
+                </a:solidFill>
+                <a:latin typeface="+mn-lt"/>
+                <a:ea typeface="+mn-ea"/>
+                <a:cs typeface="+mn-cs"/>
+              </a:rPr>
+              <a:t>4</a:t>
+            </a:r>
+            <a:r>
+              <a:rPr lang="zh-CN" altLang="en-US" sz="1200" kern="1200" smtClean="0">
+                <a:solidFill>
+                  <a:schemeClr val="tx1"/>
+                </a:solidFill>
+                <a:latin typeface="+mn-lt"/>
+                <a:ea typeface="+mn-ea"/>
+                <a:cs typeface="+mn-cs"/>
+              </a:rPr>
+              <a:t>月</a:t>
+            </a:r>
+            <a:r>
+              <a:rPr lang="en-US" altLang="zh-CN" sz="1200" kern="1200" smtClean="0">
+                <a:solidFill>
+                  <a:schemeClr val="tx1"/>
+                </a:solidFill>
+                <a:latin typeface="+mn-lt"/>
+                <a:ea typeface="+mn-ea"/>
+                <a:cs typeface="+mn-cs"/>
+              </a:rPr>
+              <a:t>30</a:t>
+            </a:r>
+            <a:r>
+              <a:rPr lang="zh-CN" altLang="en-US" sz="1200" kern="1200" smtClean="0">
+                <a:solidFill>
+                  <a:schemeClr val="tx1"/>
+                </a:solidFill>
+                <a:latin typeface="+mn-lt"/>
+                <a:ea typeface="+mn-ea"/>
+                <a:cs typeface="+mn-cs"/>
+              </a:rPr>
+              <a:t>日的留存和留存率</a:t>
+            </a:r>
+            <a:r>
+              <a:rPr lang="en-US" altLang="zh-CN" sz="1200" kern="1200" smtClean="0">
+                <a:solidFill>
+                  <a:schemeClr val="tx1"/>
+                </a:solidFill>
+                <a:latin typeface="+mn-lt"/>
+                <a:ea typeface="+mn-ea"/>
+                <a:cs typeface="+mn-cs"/>
+              </a:rPr>
+              <a:t>:</a:t>
+            </a:r>
+          </a:p>
+          <a:p>
+            <a:r>
+              <a:rPr lang="zh-CN" altLang="en-US" sz="1200" kern="1200" smtClean="0">
+                <a:solidFill>
+                  <a:schemeClr val="tx1"/>
+                </a:solidFill>
+                <a:latin typeface="+mn-lt"/>
+                <a:ea typeface="+mn-ea"/>
+                <a:cs typeface="+mn-cs"/>
+              </a:rPr>
+              <a:t>留存</a:t>
+            </a:r>
+            <a:r>
+              <a:rPr lang="en-US" altLang="zh-CN" sz="1200" kern="1200" smtClean="0">
+                <a:solidFill>
+                  <a:schemeClr val="tx1"/>
+                </a:solidFill>
+                <a:latin typeface="+mn-lt"/>
+                <a:ea typeface="+mn-ea"/>
+                <a:cs typeface="+mn-cs"/>
+              </a:rPr>
+              <a:t>:</a:t>
+            </a:r>
+            <a:r>
+              <a:rPr lang="zh-CN" altLang="en-US" sz="1200" kern="1200" smtClean="0">
+                <a:solidFill>
+                  <a:schemeClr val="tx1"/>
+                </a:solidFill>
+                <a:latin typeface="+mn-lt"/>
+                <a:ea typeface="+mn-ea"/>
+                <a:cs typeface="+mn-cs"/>
+              </a:rPr>
+              <a:t>分组渠道商表中</a:t>
+            </a:r>
+            <a:r>
+              <a:rPr lang="en-US" altLang="zh-CN" sz="1200" kern="1200" smtClean="0">
+                <a:solidFill>
+                  <a:schemeClr val="tx1"/>
+                </a:solidFill>
+                <a:latin typeface="+mn-lt"/>
+                <a:ea typeface="+mn-ea"/>
+                <a:cs typeface="+mn-cs"/>
+              </a:rPr>
+              <a:t>register_type</a:t>
+            </a:r>
+            <a:r>
+              <a:rPr lang="zh-CN" altLang="en-US" sz="1200" kern="1200" smtClean="0">
+                <a:solidFill>
+                  <a:schemeClr val="tx1"/>
+                </a:solidFill>
+                <a:latin typeface="+mn-lt"/>
+                <a:ea typeface="+mn-ea"/>
+                <a:cs typeface="+mn-cs"/>
+              </a:rPr>
+              <a:t>字段</a:t>
+            </a:r>
+            <a:r>
+              <a:rPr lang="en-US" altLang="zh-CN" sz="1200" kern="1200" smtClean="0">
+                <a:solidFill>
+                  <a:schemeClr val="tx1"/>
+                </a:solidFill>
+                <a:latin typeface="+mn-lt"/>
+                <a:ea typeface="+mn-ea"/>
+                <a:cs typeface="+mn-cs"/>
+              </a:rPr>
+              <a:t>,</a:t>
+            </a:r>
+            <a:r>
+              <a:rPr lang="zh-CN" altLang="en-US" sz="1200" kern="1200" smtClean="0">
+                <a:solidFill>
+                  <a:schemeClr val="tx1"/>
+                </a:solidFill>
+                <a:latin typeface="+mn-lt"/>
+                <a:ea typeface="+mn-ea"/>
+                <a:cs typeface="+mn-cs"/>
+              </a:rPr>
+              <a:t>叠加同一注册类型</a:t>
+            </a:r>
+            <a:r>
+              <a:rPr lang="en-US" altLang="zh-CN" sz="1200" kern="1200" smtClean="0">
+                <a:solidFill>
+                  <a:schemeClr val="tx1"/>
+                </a:solidFill>
+                <a:latin typeface="+mn-lt"/>
+                <a:ea typeface="+mn-ea"/>
+                <a:cs typeface="+mn-cs"/>
+              </a:rPr>
+              <a:t>(</a:t>
+            </a:r>
+            <a:r>
+              <a:rPr lang="zh-CN" altLang="en-US" sz="1200" kern="1200" smtClean="0">
+                <a:solidFill>
+                  <a:schemeClr val="tx1"/>
+                </a:solidFill>
+                <a:latin typeface="+mn-lt"/>
+                <a:ea typeface="+mn-ea"/>
+                <a:cs typeface="+mn-cs"/>
+              </a:rPr>
+              <a:t>如果选择了渠道</a:t>
+            </a:r>
+            <a:r>
+              <a:rPr lang="en-US" altLang="zh-CN" sz="1200" kern="1200" smtClean="0">
+                <a:solidFill>
+                  <a:schemeClr val="tx1"/>
+                </a:solidFill>
+                <a:latin typeface="+mn-lt"/>
+                <a:ea typeface="+mn-ea"/>
+                <a:cs typeface="+mn-cs"/>
+              </a:rPr>
+              <a:t>,</a:t>
+            </a:r>
+            <a:r>
+              <a:rPr lang="zh-CN" altLang="en-US" sz="1200" kern="1200" smtClean="0">
+                <a:solidFill>
+                  <a:schemeClr val="tx1"/>
+                </a:solidFill>
+                <a:latin typeface="+mn-lt"/>
+                <a:ea typeface="+mn-ea"/>
+                <a:cs typeface="+mn-cs"/>
+              </a:rPr>
+              <a:t>则以</a:t>
+            </a:r>
+            <a:r>
+              <a:rPr lang="en-US" altLang="zh-CN" sz="1200" kern="1200" smtClean="0">
+                <a:solidFill>
+                  <a:schemeClr val="tx1"/>
+                </a:solidFill>
+                <a:latin typeface="+mn-lt"/>
+                <a:ea typeface="+mn-ea"/>
+                <a:cs typeface="+mn-cs"/>
+              </a:rPr>
+              <a:t>channel_id</a:t>
+            </a:r>
+            <a:r>
+              <a:rPr lang="zh-CN" altLang="en-US" sz="1200" kern="1200" smtClean="0">
+                <a:solidFill>
+                  <a:schemeClr val="tx1"/>
+                </a:solidFill>
+                <a:latin typeface="+mn-lt"/>
+                <a:ea typeface="+mn-ea"/>
+                <a:cs typeface="+mn-cs"/>
+              </a:rPr>
+              <a:t>作为分组</a:t>
+            </a:r>
+            <a:r>
+              <a:rPr lang="en-US" altLang="zh-CN" sz="1200" kern="1200" smtClean="0">
+                <a:solidFill>
+                  <a:schemeClr val="tx1"/>
+                </a:solidFill>
+                <a:latin typeface="+mn-lt"/>
+                <a:ea typeface="+mn-ea"/>
+                <a:cs typeface="+mn-cs"/>
+              </a:rPr>
+              <a:t>)</a:t>
+            </a:r>
+            <a:r>
+              <a:rPr lang="zh-CN" altLang="en-US" sz="1200" kern="1200" smtClean="0">
+                <a:solidFill>
+                  <a:schemeClr val="tx1"/>
+                </a:solidFill>
+                <a:latin typeface="+mn-lt"/>
+                <a:ea typeface="+mn-ea"/>
+                <a:cs typeface="+mn-cs"/>
+              </a:rPr>
+              <a:t>下所有广告位</a:t>
+            </a:r>
+            <a:r>
+              <a:rPr lang="en-US" altLang="zh-CN" sz="1200" kern="1200" smtClean="0">
+                <a:solidFill>
+                  <a:schemeClr val="tx1"/>
+                </a:solidFill>
+                <a:latin typeface="+mn-lt"/>
+                <a:ea typeface="+mn-ea"/>
+                <a:cs typeface="+mn-cs"/>
+              </a:rPr>
+              <a:t>4</a:t>
+            </a:r>
+            <a:r>
+              <a:rPr lang="zh-CN" altLang="en-US" sz="1200" kern="1200" smtClean="0">
+                <a:solidFill>
+                  <a:schemeClr val="tx1"/>
+                </a:solidFill>
+                <a:latin typeface="+mn-lt"/>
+                <a:ea typeface="+mn-ea"/>
+                <a:cs typeface="+mn-cs"/>
+              </a:rPr>
+              <a:t>月</a:t>
+            </a:r>
+            <a:r>
+              <a:rPr lang="en-US" altLang="zh-CN" sz="1200" kern="1200" smtClean="0">
+                <a:solidFill>
+                  <a:schemeClr val="tx1"/>
+                </a:solidFill>
+                <a:latin typeface="+mn-lt"/>
+                <a:ea typeface="+mn-ea"/>
+                <a:cs typeface="+mn-cs"/>
+              </a:rPr>
+              <a:t>1</a:t>
+            </a:r>
+            <a:r>
+              <a:rPr lang="zh-CN" altLang="en-US" sz="1200" kern="1200" smtClean="0">
+                <a:solidFill>
+                  <a:schemeClr val="tx1"/>
+                </a:solidFill>
+                <a:latin typeface="+mn-lt"/>
+                <a:ea typeface="+mn-ea"/>
+                <a:cs typeface="+mn-cs"/>
+              </a:rPr>
+              <a:t>日到</a:t>
+            </a:r>
+            <a:r>
+              <a:rPr lang="en-US" altLang="zh-CN" sz="1200" kern="1200" smtClean="0">
+                <a:solidFill>
+                  <a:schemeClr val="tx1"/>
+                </a:solidFill>
+                <a:latin typeface="+mn-lt"/>
+                <a:ea typeface="+mn-ea"/>
+                <a:cs typeface="+mn-cs"/>
+              </a:rPr>
+              <a:t>4</a:t>
+            </a:r>
+            <a:r>
+              <a:rPr lang="zh-CN" altLang="en-US" sz="1200" kern="1200" smtClean="0">
+                <a:solidFill>
+                  <a:schemeClr val="tx1"/>
+                </a:solidFill>
+                <a:latin typeface="+mn-lt"/>
+                <a:ea typeface="+mn-ea"/>
+                <a:cs typeface="+mn-cs"/>
+              </a:rPr>
+              <a:t>月</a:t>
+            </a:r>
+            <a:r>
+              <a:rPr lang="en-US" altLang="zh-CN" sz="1200" kern="1200" smtClean="0">
+                <a:solidFill>
+                  <a:schemeClr val="tx1"/>
+                </a:solidFill>
+                <a:latin typeface="+mn-lt"/>
+                <a:ea typeface="+mn-ea"/>
+                <a:cs typeface="+mn-cs"/>
+              </a:rPr>
+              <a:t>30</a:t>
+            </a:r>
+            <a:r>
+              <a:rPr lang="zh-CN" altLang="en-US" sz="1200" kern="1200" smtClean="0">
+                <a:solidFill>
+                  <a:schemeClr val="tx1"/>
+                </a:solidFill>
+                <a:latin typeface="+mn-lt"/>
+                <a:ea typeface="+mn-ea"/>
+                <a:cs typeface="+mn-cs"/>
+              </a:rPr>
+              <a:t>日</a:t>
+            </a:r>
+            <a:r>
+              <a:rPr lang="en-US" altLang="zh-CN" sz="1200" kern="1200" smtClean="0">
+                <a:solidFill>
+                  <a:schemeClr val="tx1"/>
+                </a:solidFill>
+                <a:latin typeface="+mn-lt"/>
+                <a:ea typeface="+mn-ea"/>
+                <a:cs typeface="+mn-cs"/>
+              </a:rPr>
+              <a:t>(adv_position_Data.date)</a:t>
+            </a:r>
+            <a:r>
+              <a:rPr lang="zh-CN" altLang="en-US" sz="1200" kern="1200" smtClean="0">
+                <a:solidFill>
+                  <a:schemeClr val="tx1"/>
+                </a:solidFill>
+                <a:latin typeface="+mn-lt"/>
+                <a:ea typeface="+mn-ea"/>
+                <a:cs typeface="+mn-cs"/>
+              </a:rPr>
+              <a:t>的</a:t>
+            </a:r>
+            <a:r>
+              <a:rPr lang="en-US" altLang="zh-CN" sz="1200" kern="1200" smtClean="0">
+                <a:solidFill>
+                  <a:schemeClr val="tx1"/>
+                </a:solidFill>
+                <a:latin typeface="+mn-lt"/>
+                <a:ea typeface="+mn-ea"/>
+                <a:cs typeface="+mn-cs"/>
+              </a:rPr>
+              <a:t>30</a:t>
+            </a:r>
+            <a:r>
+              <a:rPr lang="zh-CN" altLang="en-US" sz="1200" kern="1200" smtClean="0">
+                <a:solidFill>
+                  <a:schemeClr val="tx1"/>
+                </a:solidFill>
+                <a:latin typeface="+mn-lt"/>
+                <a:ea typeface="+mn-ea"/>
+                <a:cs typeface="+mn-cs"/>
+              </a:rPr>
+              <a:t>日留存字段</a:t>
+            </a:r>
+            <a:r>
+              <a:rPr lang="en-US" altLang="zh-CN" sz="1200" kern="1200" smtClean="0">
+                <a:solidFill>
+                  <a:schemeClr val="tx1"/>
+                </a:solidFill>
+                <a:latin typeface="+mn-lt"/>
+                <a:ea typeface="+mn-ea"/>
+                <a:cs typeface="+mn-cs"/>
+              </a:rPr>
+              <a:t>(adv_position_data.remain_30)</a:t>
+            </a:r>
+          </a:p>
+          <a:p>
+            <a:r>
+              <a:rPr lang="en-US" altLang="zh-CN" sz="1200" kern="1200" smtClean="0">
+                <a:solidFill>
+                  <a:schemeClr val="tx1"/>
+                </a:solidFill>
+                <a:latin typeface="+mn-lt"/>
+                <a:ea typeface="+mn-ea"/>
+                <a:cs typeface="+mn-cs"/>
+              </a:rPr>
+              <a:t>30</a:t>
+            </a:r>
+            <a:r>
+              <a:rPr lang="zh-CN" altLang="en-US" sz="1200" kern="1200" smtClean="0">
+                <a:solidFill>
+                  <a:schemeClr val="tx1"/>
+                </a:solidFill>
+                <a:latin typeface="+mn-lt"/>
+                <a:ea typeface="+mn-ea"/>
+                <a:cs typeface="+mn-cs"/>
+              </a:rPr>
+              <a:t>日留存率</a:t>
+            </a:r>
+            <a:r>
+              <a:rPr lang="en-US" altLang="zh-CN" sz="1200" kern="1200" smtClean="0">
+                <a:solidFill>
+                  <a:schemeClr val="tx1"/>
+                </a:solidFill>
+                <a:latin typeface="+mn-lt"/>
+                <a:ea typeface="+mn-ea"/>
+                <a:cs typeface="+mn-cs"/>
+              </a:rPr>
+              <a:t>:</a:t>
+            </a:r>
+            <a:r>
+              <a:rPr lang="zh-CN" altLang="en-US" sz="1200" kern="1200" smtClean="0">
+                <a:solidFill>
+                  <a:schemeClr val="tx1"/>
+                </a:solidFill>
+                <a:latin typeface="+mn-lt"/>
+                <a:ea typeface="+mn-ea"/>
+                <a:cs typeface="+mn-cs"/>
+              </a:rPr>
+              <a:t>上面的留存数</a:t>
+            </a:r>
+            <a:r>
+              <a:rPr lang="en-US" altLang="zh-CN" sz="1200" kern="1200" smtClean="0">
+                <a:solidFill>
+                  <a:schemeClr val="tx1"/>
+                </a:solidFill>
+                <a:latin typeface="+mn-lt"/>
+                <a:ea typeface="+mn-ea"/>
+                <a:cs typeface="+mn-cs"/>
+              </a:rPr>
+              <a:t>/4</a:t>
+            </a:r>
+            <a:r>
+              <a:rPr lang="zh-CN" altLang="en-US" sz="1200" kern="1200" smtClean="0">
+                <a:solidFill>
+                  <a:schemeClr val="tx1"/>
+                </a:solidFill>
+                <a:latin typeface="+mn-lt"/>
+                <a:ea typeface="+mn-ea"/>
+                <a:cs typeface="+mn-cs"/>
+              </a:rPr>
+              <a:t>月</a:t>
+            </a:r>
+            <a:r>
+              <a:rPr lang="en-US" altLang="zh-CN" sz="1200" kern="1200" smtClean="0">
+                <a:solidFill>
+                  <a:schemeClr val="tx1"/>
+                </a:solidFill>
+                <a:latin typeface="+mn-lt"/>
+                <a:ea typeface="+mn-ea"/>
+                <a:cs typeface="+mn-cs"/>
+              </a:rPr>
+              <a:t>1</a:t>
+            </a:r>
+            <a:r>
+              <a:rPr lang="zh-CN" altLang="en-US" sz="1200" kern="1200" smtClean="0">
+                <a:solidFill>
+                  <a:schemeClr val="tx1"/>
+                </a:solidFill>
+                <a:latin typeface="+mn-lt"/>
+                <a:ea typeface="+mn-ea"/>
+                <a:cs typeface="+mn-cs"/>
+              </a:rPr>
+              <a:t>日注册人数*</a:t>
+            </a:r>
+            <a:r>
+              <a:rPr lang="en-US" altLang="zh-CN" sz="1200" kern="1200" smtClean="0">
+                <a:solidFill>
+                  <a:schemeClr val="tx1"/>
+                </a:solidFill>
+                <a:latin typeface="+mn-lt"/>
+                <a:ea typeface="+mn-ea"/>
+                <a:cs typeface="+mn-cs"/>
+              </a:rPr>
+              <a:t>100% </a:t>
+            </a:r>
+            <a:r>
+              <a:rPr lang="zh-CN" altLang="en-US" sz="1200" kern="1200" smtClean="0">
+                <a:solidFill>
+                  <a:schemeClr val="tx1"/>
+                </a:solidFill>
+                <a:latin typeface="+mn-lt"/>
+                <a:ea typeface="+mn-ea"/>
+                <a:cs typeface="+mn-cs"/>
+              </a:rPr>
+              <a:t>保留一位小数</a:t>
+            </a:r>
+          </a:p>
+          <a:p>
+            <a:endParaRPr lang="zh-CN" altLang="en-US" sz="1200" kern="1200" smtClean="0">
+              <a:solidFill>
+                <a:schemeClr val="tx1"/>
+              </a:solidFill>
+              <a:latin typeface="+mn-lt"/>
+              <a:ea typeface="+mn-ea"/>
+              <a:cs typeface="+mn-cs"/>
+            </a:endParaRPr>
+          </a:p>
+          <a:p>
+            <a:endParaRPr lang="zh-CN" altLang="en-US" sz="1200" kern="1200" smtClean="0">
+              <a:solidFill>
+                <a:schemeClr val="tx1"/>
+              </a:solidFill>
+              <a:latin typeface="+mn-lt"/>
+              <a:ea typeface="+mn-ea"/>
+              <a:cs typeface="+mn-cs"/>
+            </a:endParaRPr>
+          </a:p>
+          <a:p>
+            <a:r>
+              <a:rPr lang="en-US" altLang="zh-CN" sz="1200" kern="1200" smtClean="0">
+                <a:solidFill>
+                  <a:schemeClr val="tx1"/>
+                </a:solidFill>
+                <a:latin typeface="+mn-lt"/>
+                <a:ea typeface="+mn-ea"/>
+                <a:cs typeface="+mn-cs"/>
+              </a:rPr>
+              <a:t>//LTV</a:t>
+            </a:r>
+            <a:r>
+              <a:rPr lang="zh-CN" altLang="en-US" sz="1200" kern="1200" smtClean="0">
+                <a:solidFill>
+                  <a:schemeClr val="tx1"/>
+                </a:solidFill>
+                <a:latin typeface="+mn-lt"/>
+                <a:ea typeface="+mn-ea"/>
+                <a:cs typeface="+mn-cs"/>
+              </a:rPr>
+              <a:t>维度的计算</a:t>
+            </a:r>
+          </a:p>
+          <a:p>
+            <a:r>
+              <a:rPr lang="en-US" altLang="zh-CN" sz="1200" kern="1200" smtClean="0">
+                <a:solidFill>
+                  <a:schemeClr val="tx1"/>
+                </a:solidFill>
+                <a:latin typeface="+mn-lt"/>
+                <a:ea typeface="+mn-ea"/>
+                <a:cs typeface="+mn-cs"/>
+              </a:rPr>
+              <a:t>30</a:t>
+            </a:r>
+            <a:r>
+              <a:rPr lang="zh-CN" altLang="en-US" sz="1200" kern="1200" smtClean="0">
+                <a:solidFill>
+                  <a:schemeClr val="tx1"/>
+                </a:solidFill>
+                <a:latin typeface="+mn-lt"/>
+                <a:ea typeface="+mn-ea"/>
+                <a:cs typeface="+mn-cs"/>
+              </a:rPr>
+              <a:t>日的</a:t>
+            </a:r>
+            <a:r>
+              <a:rPr lang="en-US" altLang="zh-CN" sz="1200" kern="1200" smtClean="0">
+                <a:solidFill>
+                  <a:schemeClr val="tx1"/>
+                </a:solidFill>
+                <a:latin typeface="+mn-lt"/>
+                <a:ea typeface="+mn-ea"/>
+                <a:cs typeface="+mn-cs"/>
+              </a:rPr>
+              <a:t>LTV</a:t>
+            </a:r>
+            <a:r>
+              <a:rPr lang="zh-CN" altLang="en-US" sz="1200" kern="1200" smtClean="0">
+                <a:solidFill>
+                  <a:schemeClr val="tx1"/>
+                </a:solidFill>
+                <a:latin typeface="+mn-lt"/>
+                <a:ea typeface="+mn-ea"/>
+                <a:cs typeface="+mn-cs"/>
+              </a:rPr>
+              <a:t>就是</a:t>
+            </a:r>
+            <a:r>
+              <a:rPr lang="en-US" altLang="zh-CN" sz="1200" kern="1200" smtClean="0">
+                <a:solidFill>
+                  <a:schemeClr val="tx1"/>
+                </a:solidFill>
+                <a:latin typeface="+mn-lt"/>
+                <a:ea typeface="+mn-ea"/>
+                <a:cs typeface="+mn-cs"/>
+              </a:rPr>
+              <a:t>4</a:t>
+            </a:r>
+            <a:r>
+              <a:rPr lang="zh-CN" altLang="en-US" sz="1200" kern="1200" smtClean="0">
+                <a:solidFill>
+                  <a:schemeClr val="tx1"/>
+                </a:solidFill>
+                <a:latin typeface="+mn-lt"/>
+                <a:ea typeface="+mn-ea"/>
+                <a:cs typeface="+mn-cs"/>
+              </a:rPr>
+              <a:t>月</a:t>
+            </a:r>
+            <a:r>
+              <a:rPr lang="en-US" altLang="zh-CN" sz="1200" kern="1200" smtClean="0">
+                <a:solidFill>
+                  <a:schemeClr val="tx1"/>
+                </a:solidFill>
+                <a:latin typeface="+mn-lt"/>
+                <a:ea typeface="+mn-ea"/>
+                <a:cs typeface="+mn-cs"/>
+              </a:rPr>
+              <a:t>1</a:t>
+            </a:r>
+            <a:r>
+              <a:rPr lang="zh-CN" altLang="en-US" sz="1200" kern="1200" smtClean="0">
+                <a:solidFill>
+                  <a:schemeClr val="tx1"/>
+                </a:solidFill>
+                <a:latin typeface="+mn-lt"/>
+                <a:ea typeface="+mn-ea"/>
+                <a:cs typeface="+mn-cs"/>
+              </a:rPr>
+              <a:t>日注册的新用户在</a:t>
+            </a:r>
+            <a:r>
+              <a:rPr lang="en-US" altLang="zh-CN" sz="1200" kern="1200" smtClean="0">
+                <a:solidFill>
+                  <a:schemeClr val="tx1"/>
+                </a:solidFill>
+                <a:latin typeface="+mn-lt"/>
+                <a:ea typeface="+mn-ea"/>
+                <a:cs typeface="+mn-cs"/>
+              </a:rPr>
+              <a:t>4</a:t>
+            </a:r>
+            <a:r>
+              <a:rPr lang="zh-CN" altLang="en-US" sz="1200" kern="1200" smtClean="0">
+                <a:solidFill>
+                  <a:schemeClr val="tx1"/>
+                </a:solidFill>
+                <a:latin typeface="+mn-lt"/>
+                <a:ea typeface="+mn-ea"/>
+                <a:cs typeface="+mn-cs"/>
+              </a:rPr>
+              <a:t>月</a:t>
+            </a:r>
+            <a:r>
+              <a:rPr lang="en-US" altLang="zh-CN" sz="1200" kern="1200" smtClean="0">
+                <a:solidFill>
+                  <a:schemeClr val="tx1"/>
+                </a:solidFill>
+                <a:latin typeface="+mn-lt"/>
+                <a:ea typeface="+mn-ea"/>
+                <a:cs typeface="+mn-cs"/>
+              </a:rPr>
+              <a:t>30</a:t>
+            </a:r>
+            <a:r>
+              <a:rPr lang="zh-CN" altLang="en-US" sz="1200" kern="1200" smtClean="0">
+                <a:solidFill>
+                  <a:schemeClr val="tx1"/>
+                </a:solidFill>
+                <a:latin typeface="+mn-lt"/>
+                <a:ea typeface="+mn-ea"/>
+                <a:cs typeface="+mn-cs"/>
+              </a:rPr>
+              <a:t>日</a:t>
+            </a:r>
+            <a:r>
+              <a:rPr lang="en-US" altLang="zh-CN" sz="1200" kern="1200" smtClean="0">
+                <a:solidFill>
+                  <a:schemeClr val="tx1"/>
+                </a:solidFill>
+                <a:latin typeface="+mn-lt"/>
+                <a:ea typeface="+mn-ea"/>
+                <a:cs typeface="+mn-cs"/>
+              </a:rPr>
+              <a:t>,</a:t>
+            </a:r>
+            <a:r>
+              <a:rPr lang="zh-CN" altLang="en-US" sz="1200" kern="1200" smtClean="0">
+                <a:solidFill>
+                  <a:schemeClr val="tx1"/>
+                </a:solidFill>
+                <a:latin typeface="+mn-lt"/>
+                <a:ea typeface="+mn-ea"/>
+                <a:cs typeface="+mn-cs"/>
+              </a:rPr>
+              <a:t>这</a:t>
+            </a:r>
+            <a:r>
+              <a:rPr lang="en-US" altLang="zh-CN" sz="1200" kern="1200" smtClean="0">
+                <a:solidFill>
+                  <a:schemeClr val="tx1"/>
+                </a:solidFill>
+                <a:latin typeface="+mn-lt"/>
+                <a:ea typeface="+mn-ea"/>
+                <a:cs typeface="+mn-cs"/>
+              </a:rPr>
+              <a:t>30</a:t>
+            </a:r>
+            <a:r>
+              <a:rPr lang="zh-CN" altLang="en-US" sz="1200" kern="1200" smtClean="0">
+                <a:solidFill>
+                  <a:schemeClr val="tx1"/>
+                </a:solidFill>
+                <a:latin typeface="+mn-lt"/>
+                <a:ea typeface="+mn-ea"/>
+                <a:cs typeface="+mn-cs"/>
+              </a:rPr>
+              <a:t>天之内充值的</a:t>
+            </a:r>
+            <a:r>
+              <a:rPr lang="en-US" altLang="zh-CN" sz="1200" kern="1200" smtClean="0">
+                <a:solidFill>
+                  <a:schemeClr val="tx1"/>
+                </a:solidFill>
+                <a:latin typeface="+mn-lt"/>
+                <a:ea typeface="+mn-ea"/>
+                <a:cs typeface="+mn-cs"/>
+              </a:rPr>
+              <a:t>(</a:t>
+            </a:r>
+            <a:r>
+              <a:rPr lang="zh-CN" altLang="en-US" sz="1200" kern="1200" smtClean="0">
+                <a:solidFill>
+                  <a:schemeClr val="tx1"/>
+                </a:solidFill>
+                <a:latin typeface="+mn-lt"/>
+                <a:ea typeface="+mn-ea"/>
+                <a:cs typeface="+mn-cs"/>
+              </a:rPr>
+              <a:t>如果选择分成前则是充值总和</a:t>
+            </a:r>
+            <a:r>
+              <a:rPr lang="en-US" altLang="zh-CN" sz="1200" kern="1200" smtClean="0">
+                <a:solidFill>
+                  <a:schemeClr val="tx1"/>
+                </a:solidFill>
+                <a:latin typeface="+mn-lt"/>
+                <a:ea typeface="+mn-ea"/>
+                <a:cs typeface="+mn-cs"/>
+              </a:rPr>
+              <a:t>)</a:t>
+            </a:r>
+            <a:r>
+              <a:rPr lang="zh-CN" altLang="en-US" sz="1200" kern="1200" smtClean="0">
+                <a:solidFill>
+                  <a:schemeClr val="tx1"/>
+                </a:solidFill>
+                <a:latin typeface="+mn-lt"/>
+                <a:ea typeface="+mn-ea"/>
+                <a:cs typeface="+mn-cs"/>
+              </a:rPr>
+              <a:t>分成总和</a:t>
+            </a:r>
+            <a:r>
+              <a:rPr lang="en-US" altLang="zh-CN" sz="1200" kern="1200" smtClean="0">
+                <a:solidFill>
+                  <a:schemeClr val="tx1"/>
+                </a:solidFill>
+                <a:latin typeface="+mn-lt"/>
+                <a:ea typeface="+mn-ea"/>
+                <a:cs typeface="+mn-cs"/>
+              </a:rPr>
+              <a:t>(</a:t>
+            </a:r>
+            <a:r>
+              <a:rPr lang="zh-CN" altLang="en-US" sz="1200" kern="1200" smtClean="0">
+                <a:solidFill>
+                  <a:schemeClr val="tx1"/>
+                </a:solidFill>
+                <a:latin typeface="+mn-lt"/>
+                <a:ea typeface="+mn-ea"/>
+                <a:cs typeface="+mn-cs"/>
+              </a:rPr>
+              <a:t>也就是上面说的</a:t>
+            </a:r>
+            <a:r>
+              <a:rPr lang="en-US" altLang="zh-CN" sz="1200" kern="1200" smtClean="0">
+                <a:solidFill>
+                  <a:schemeClr val="tx1"/>
+                </a:solidFill>
+                <a:latin typeface="+mn-lt"/>
+                <a:ea typeface="+mn-ea"/>
+                <a:cs typeface="+mn-cs"/>
+              </a:rPr>
+              <a:t>30</a:t>
+            </a:r>
+            <a:r>
+              <a:rPr lang="zh-CN" altLang="en-US" sz="1200" kern="1200" smtClean="0">
+                <a:solidFill>
+                  <a:schemeClr val="tx1"/>
+                </a:solidFill>
+                <a:latin typeface="+mn-lt"/>
+                <a:ea typeface="+mn-ea"/>
+                <a:cs typeface="+mn-cs"/>
+              </a:rPr>
+              <a:t>日回本金额</a:t>
+            </a:r>
+            <a:r>
+              <a:rPr lang="en-US" altLang="zh-CN" sz="1200" kern="1200" smtClean="0">
+                <a:solidFill>
+                  <a:schemeClr val="tx1"/>
+                </a:solidFill>
+                <a:latin typeface="+mn-lt"/>
+                <a:ea typeface="+mn-ea"/>
+                <a:cs typeface="+mn-cs"/>
+              </a:rPr>
+              <a:t>),</a:t>
+            </a:r>
+            <a:r>
+              <a:rPr lang="zh-CN" altLang="en-US" sz="1200" kern="1200" smtClean="0">
+                <a:solidFill>
+                  <a:schemeClr val="tx1"/>
+                </a:solidFill>
+                <a:latin typeface="+mn-lt"/>
+                <a:ea typeface="+mn-ea"/>
+                <a:cs typeface="+mn-cs"/>
+              </a:rPr>
+              <a:t>除以</a:t>
+            </a:r>
+            <a:r>
+              <a:rPr lang="en-US" altLang="zh-CN" sz="1200" kern="1200" smtClean="0">
+                <a:solidFill>
+                  <a:schemeClr val="tx1"/>
+                </a:solidFill>
+                <a:latin typeface="+mn-lt"/>
+                <a:ea typeface="+mn-ea"/>
+                <a:cs typeface="+mn-cs"/>
+              </a:rPr>
+              <a:t>4</a:t>
+            </a:r>
+            <a:r>
+              <a:rPr lang="zh-CN" altLang="en-US" sz="1200" kern="1200" smtClean="0">
+                <a:solidFill>
+                  <a:schemeClr val="tx1"/>
+                </a:solidFill>
+                <a:latin typeface="+mn-lt"/>
+                <a:ea typeface="+mn-ea"/>
+                <a:cs typeface="+mn-cs"/>
+              </a:rPr>
+              <a:t>月</a:t>
+            </a:r>
+            <a:r>
+              <a:rPr lang="en-US" altLang="zh-CN" sz="1200" kern="1200" smtClean="0">
+                <a:solidFill>
+                  <a:schemeClr val="tx1"/>
+                </a:solidFill>
+                <a:latin typeface="+mn-lt"/>
+                <a:ea typeface="+mn-ea"/>
+                <a:cs typeface="+mn-cs"/>
+              </a:rPr>
+              <a:t>1</a:t>
+            </a:r>
+            <a:r>
+              <a:rPr lang="zh-CN" altLang="en-US" sz="1200" kern="1200" smtClean="0">
+                <a:solidFill>
+                  <a:schemeClr val="tx1"/>
+                </a:solidFill>
+                <a:latin typeface="+mn-lt"/>
+                <a:ea typeface="+mn-ea"/>
+                <a:cs typeface="+mn-cs"/>
+              </a:rPr>
+              <a:t>日的总的</a:t>
+            </a:r>
+            <a:r>
+              <a:rPr lang="en-US" altLang="zh-CN" sz="1200" kern="1200" smtClean="0">
+                <a:solidFill>
+                  <a:schemeClr val="tx1"/>
+                </a:solidFill>
+                <a:latin typeface="+mn-lt"/>
+                <a:ea typeface="+mn-ea"/>
+                <a:cs typeface="+mn-cs"/>
+              </a:rPr>
+              <a:t>(</a:t>
+            </a:r>
+            <a:r>
+              <a:rPr lang="zh-CN" altLang="en-US" sz="1200" kern="1200" smtClean="0">
+                <a:solidFill>
+                  <a:schemeClr val="tx1"/>
+                </a:solidFill>
+                <a:latin typeface="+mn-lt"/>
+                <a:ea typeface="+mn-ea"/>
+                <a:cs typeface="+mn-cs"/>
+              </a:rPr>
+              <a:t>所有广告位</a:t>
+            </a:r>
+            <a:r>
+              <a:rPr lang="en-US" altLang="zh-CN" sz="1200" kern="1200" smtClean="0">
+                <a:solidFill>
+                  <a:schemeClr val="tx1"/>
+                </a:solidFill>
+                <a:latin typeface="+mn-lt"/>
+                <a:ea typeface="+mn-ea"/>
+                <a:cs typeface="+mn-cs"/>
+              </a:rPr>
+              <a:t>)</a:t>
+            </a:r>
+            <a:r>
+              <a:rPr lang="zh-CN" altLang="en-US" sz="1200" kern="1200" smtClean="0">
+                <a:solidFill>
+                  <a:schemeClr val="tx1"/>
+                </a:solidFill>
+                <a:latin typeface="+mn-lt"/>
+                <a:ea typeface="+mn-ea"/>
+                <a:cs typeface="+mn-cs"/>
+              </a:rPr>
+              <a:t>注册用户数</a:t>
+            </a:r>
+            <a:r>
+              <a:rPr lang="en-US" altLang="zh-CN" sz="1200" kern="1200" smtClean="0">
+                <a:solidFill>
+                  <a:schemeClr val="tx1"/>
+                </a:solidFill>
+                <a:latin typeface="+mn-lt"/>
+                <a:ea typeface="+mn-ea"/>
+                <a:cs typeface="+mn-cs"/>
+              </a:rPr>
+              <a:t>.</a:t>
+            </a:r>
+          </a:p>
+          <a:p>
+            <a:endParaRPr lang="en-US" altLang="zh-CN" sz="1200" kern="1200" smtClean="0">
+              <a:solidFill>
+                <a:schemeClr val="tx1"/>
+              </a:solidFill>
+              <a:latin typeface="+mn-lt"/>
+              <a:ea typeface="+mn-ea"/>
+              <a:cs typeface="+mn-cs"/>
+            </a:endParaRPr>
+          </a:p>
+          <a:p>
+            <a:r>
+              <a:rPr lang="en-US" altLang="zh-CN" sz="1200" kern="1200" smtClean="0">
+                <a:solidFill>
+                  <a:schemeClr val="tx1"/>
+                </a:solidFill>
+                <a:latin typeface="+mn-lt"/>
+                <a:ea typeface="+mn-ea"/>
+                <a:cs typeface="+mn-cs"/>
+              </a:rPr>
+              <a:t>//</a:t>
+            </a:r>
+            <a:r>
+              <a:rPr lang="zh-CN" altLang="en-US" sz="1200" kern="1200" smtClean="0">
+                <a:solidFill>
+                  <a:schemeClr val="tx1"/>
+                </a:solidFill>
+                <a:latin typeface="+mn-lt"/>
+                <a:ea typeface="+mn-ea"/>
+                <a:cs typeface="+mn-cs"/>
+              </a:rPr>
+              <a:t>账号和广告位日表只是维度不同</a:t>
+            </a:r>
+            <a:r>
+              <a:rPr lang="en-US" altLang="zh-CN" sz="1200" kern="1200" smtClean="0">
+                <a:solidFill>
+                  <a:schemeClr val="tx1"/>
+                </a:solidFill>
+                <a:latin typeface="+mn-lt"/>
+                <a:ea typeface="+mn-ea"/>
+                <a:cs typeface="+mn-cs"/>
+              </a:rPr>
+              <a:t>.</a:t>
+            </a:r>
+            <a:r>
+              <a:rPr lang="zh-CN" altLang="en-US" sz="1200" kern="1200" smtClean="0">
+                <a:solidFill>
+                  <a:schemeClr val="tx1"/>
+                </a:solidFill>
+                <a:latin typeface="+mn-lt"/>
+                <a:ea typeface="+mn-ea"/>
+                <a:cs typeface="+mn-cs"/>
+              </a:rPr>
+              <a:t>讲渠道列表改为渠道商角度和广告位角度</a:t>
+            </a:r>
+            <a:r>
+              <a:rPr lang="en-US" altLang="zh-CN" sz="1200" kern="1200" smtClean="0">
+                <a:solidFill>
+                  <a:schemeClr val="tx1"/>
+                </a:solidFill>
+                <a:latin typeface="+mn-lt"/>
+                <a:ea typeface="+mn-ea"/>
+                <a:cs typeface="+mn-cs"/>
+              </a:rPr>
+              <a:t>.</a:t>
+            </a:r>
+            <a:r>
+              <a:rPr lang="zh-CN" altLang="en-US" sz="1200" kern="1200" smtClean="0">
+                <a:solidFill>
+                  <a:schemeClr val="tx1"/>
+                </a:solidFill>
+                <a:latin typeface="+mn-lt"/>
+                <a:ea typeface="+mn-ea"/>
+                <a:cs typeface="+mn-cs"/>
+              </a:rPr>
+              <a:t>计算数据的过程是不变的</a:t>
+            </a:r>
+            <a:r>
+              <a:rPr lang="en-US" altLang="zh-CN" sz="1200" kern="1200" smtClean="0">
+                <a:solidFill>
+                  <a:schemeClr val="tx1"/>
+                </a:solidFill>
+                <a:latin typeface="+mn-lt"/>
+                <a:ea typeface="+mn-ea"/>
+                <a:cs typeface="+mn-cs"/>
+              </a:rPr>
+              <a:t>.</a:t>
+            </a:r>
+            <a:r>
+              <a:rPr lang="zh-CN" altLang="en-US" sz="1200" kern="1200" smtClean="0">
+                <a:solidFill>
+                  <a:schemeClr val="tx1"/>
+                </a:solidFill>
+                <a:latin typeface="+mn-lt"/>
+                <a:ea typeface="+mn-ea"/>
+                <a:cs typeface="+mn-cs"/>
+              </a:rPr>
+              <a:t>回本</a:t>
+            </a:r>
+            <a:r>
+              <a:rPr lang="en-US" altLang="zh-CN" sz="1200" kern="1200" smtClean="0">
+                <a:solidFill>
+                  <a:schemeClr val="tx1"/>
+                </a:solidFill>
+                <a:latin typeface="+mn-lt"/>
+                <a:ea typeface="+mn-ea"/>
+                <a:cs typeface="+mn-cs"/>
+              </a:rPr>
+              <a:t>,LTV,</a:t>
+            </a:r>
+            <a:r>
+              <a:rPr lang="zh-CN" altLang="en-US" sz="1200" kern="1200" smtClean="0">
+                <a:solidFill>
+                  <a:schemeClr val="tx1"/>
+                </a:solidFill>
+                <a:latin typeface="+mn-lt"/>
+                <a:ea typeface="+mn-ea"/>
+                <a:cs typeface="+mn-cs"/>
+              </a:rPr>
+              <a:t>留存都还是这样计算</a:t>
+            </a:r>
+            <a:r>
+              <a:rPr lang="en-US" altLang="zh-CN" sz="1200" kern="1200" smtClean="0">
+                <a:solidFill>
+                  <a:schemeClr val="tx1"/>
+                </a:solidFill>
+                <a:latin typeface="+mn-lt"/>
+                <a:ea typeface="+mn-ea"/>
+                <a:cs typeface="+mn-cs"/>
+              </a:rPr>
+              <a:t>.</a:t>
             </a:r>
             <a:endParaRPr lang="en-US" altLang="zh-CN" sz="1200" kern="1200">
               <a:solidFill>
@@ -6717,7 +11081,7 @@
               <a:t>所以有游戏原名的展示维度</a:t>
             </a:r>
             <a:r>
-              <a:rPr lang="en-US" altLang="zh-CN" sz="1200" kern="1200">
+              <a:rPr lang="en-US" altLang="zh-CN" sz="1200" kern="1200" smtClean="0">
                 <a:solidFill>
                   <a:schemeClr val="tx1"/>
                 </a:solidFill>
@@ -6727,6 +11091,58 @@
               </a:rPr>
               <a:t>.</a:t>
             </a:r>
+          </a:p>
+          <a:p>
+            <a:endParaRPr lang="en-US" altLang="zh-CN" sz="1200" kern="1200" smtClean="0">
+              <a:solidFill>
+                <a:schemeClr val="tx1"/>
+              </a:solidFill>
+              <a:latin typeface="+mn-lt"/>
+              <a:ea typeface="+mn-ea"/>
+              <a:cs typeface="+mn-cs"/>
+            </a:endParaRPr>
+          </a:p>
+          <a:p>
+            <a:r>
+              <a:rPr lang="en-US" altLang="zh-CN" sz="1200" kern="1200" smtClean="0">
+                <a:solidFill>
+                  <a:schemeClr val="tx1"/>
+                </a:solidFill>
+                <a:latin typeface="+mn-lt"/>
+                <a:ea typeface="+mn-ea"/>
+                <a:cs typeface="+mn-cs"/>
+              </a:rPr>
+              <a:t>//</a:t>
+            </a:r>
+            <a:r>
+              <a:rPr lang="zh-CN" altLang="en-US" sz="1200" kern="1200" smtClean="0">
+                <a:solidFill>
+                  <a:schemeClr val="tx1"/>
+                </a:solidFill>
+                <a:latin typeface="+mn-lt"/>
+                <a:ea typeface="+mn-ea"/>
+                <a:cs typeface="+mn-cs"/>
+              </a:rPr>
+              <a:t>修改后</a:t>
+            </a:r>
+            <a:endParaRPr lang="en-US" altLang="zh-CN" sz="1200" kern="1200" smtClean="0">
+              <a:solidFill>
+                <a:schemeClr val="tx1"/>
+              </a:solidFill>
+              <a:latin typeface="+mn-lt"/>
+              <a:ea typeface="+mn-ea"/>
+              <a:cs typeface="+mn-cs"/>
+            </a:endParaRPr>
+          </a:p>
+          <a:p>
+            <a:endParaRPr lang="en-US" altLang="zh-CN" sz="1200" kern="1200" smtClean="0">
+              <a:solidFill>
+                <a:schemeClr val="tx1"/>
+              </a:solidFill>
+              <a:latin typeface="+mn-lt"/>
+              <a:ea typeface="+mn-ea"/>
+              <a:cs typeface="+mn-cs"/>
+            </a:endParaRPr>
           </a:p>
         </p:txBody>
       </p:sp>
@@ -26397,6 +30813,12 @@
           <a:bodyPr/>
           <a:lstStyle/>
           <a:p>
+            <a:r>
+              <a:rPr lang="en-US" altLang="ko-KR" sz="3200">
+                <a:ea typeface="굴림" pitchFamily="34" charset="-127"/>
+              </a:rPr>
+              <a:t/>
+            </a:r>
             <a:br>
               <a:rPr lang="en-US" altLang="ko-KR" sz="3200">
                 <a:ea typeface="굴림" pitchFamily="34" charset="-127"/>
@@ -26410,6 +30832,15 @@
                 <a:ea typeface="굴림" pitchFamily="34" charset="-127"/>
               </a:rPr>
               <a:t>优云项目理解</a:t>
+            </a:r>
+            <a:r>
+              <a:rPr lang="en-US" altLang="zh-CN" sz="4000">
+                <a:solidFill>
+                  <a:schemeClr val="accent1"/>
+                </a:solidFill>
+                <a:ea typeface="굴림" pitchFamily="34" charset="-127"/>
+              </a:rPr>
+              <a:t/>
             </a:r>
             <a:br>
               <a:rPr lang="en-US" altLang="zh-CN" sz="4000">
@@ -26433,6 +30864,13 @@
   <p:clrMapOvr>
     <a:masterClrMapping/>
   </p:clrMapOvr>
+  <p:timing>
+    <p:tnLst>
+      <p:par>
+        <p:cTn id="1" dur="indefinite" restart="never" nodeType="tmRoot"/>
+      </p:par>
+    </p:tnLst>
+  </p:timing>
 </p:sld>
 </file>
 
@@ -26480,6 +30918,10 @@
             <a:r>
               <a:rPr lang="zh-CN" altLang="en-US"/>
               <a:t>业务 广告位管理</a:t>
+            </a:r>
+            <a:r>
+              <a:rPr lang="en-US" altLang="zh-CN"/>
+              <a:t/>
             </a:r>
             <a:br>
               <a:rPr lang="en-US" altLang="zh-CN"/>
@@ -26598,6 +31040,13 @@
   <p:clrMapOvr>
     <a:masterClrMapping/>
   </p:clrMapOvr>
+  <p:timing>
+    <p:tnLst>
+      <p:par>
+        <p:cTn id="1" dur="indefinite" restart="never" nodeType="tmRoot"/>
+      </p:par>
+    </p:tnLst>
+  </p:timing>
 </p:sld>
 </file>
 
@@ -26655,6 +31104,10 @@
                 <a:hlinkClick r:id="rId3" action="ppaction://hlinksldjump"/>
               </a:rPr>
               <a:t>返回模块介绍</a:t>
+            </a:r>
+            <a:r>
+              <a:rPr lang="en-US" altLang="zh-CN"/>
+              <a:t/>
             </a:r>
             <a:br>
               <a:rPr lang="en-US" altLang="zh-CN"/>
@@ -26831,6 +31284,13 @@
   <p:clrMapOvr>
     <a:masterClrMapping/>
   </p:clrMapOvr>
+  <p:timing>
+    <p:tnLst>
+      <p:par>
+        <p:cTn id="1" dur="indefinite" restart="never" nodeType="tmRoot"/>
+      </p:par>
+    </p:tnLst>
+  </p:timing>
 </p:sld>
 </file>
 
@@ -26879,6 +31339,10 @@
               <a:rPr lang="zh-CN" altLang="en-US"/>
               <a:t>数据</a:t>
             </a:r>
+            <a:r>
+              <a:rPr lang="en-US" altLang="zh-CN"/>
+              <a:t/>
+            </a:r>
             <a:br>
               <a:rPr lang="en-US" altLang="zh-CN"/>
             </a:br>
@@ -27021,6 +31485,13 @@
   <p:clrMapOvr>
     <a:masterClrMapping/>
   </p:clrMapOvr>
+  <p:timing>
+    <p:tnLst>
+      <p:par>
+        <p:cTn id="1" dur="indefinite" restart="never" nodeType="tmRoot"/>
+      </p:par>
+    </p:tnLst>
+  </p:timing>
 </p:sld>
 </file>
 
@@ -27069,6 +31540,10 @@
               <a:rPr lang="zh-CN" altLang="en-US"/>
               <a:t>数据 渠道时表</a:t>
             </a:r>
+            <a:r>
+              <a:rPr lang="en-US" altLang="zh-CN"/>
+              <a:t/>
+            </a:r>
             <a:br>
               <a:rPr lang="en-US" altLang="zh-CN"/>
             </a:br>
@@ -27202,6 +31677,13 @@
   <p:clrMapOvr>
     <a:masterClrMapping/>
   </p:clrMapOvr>
+  <p:timing>
+    <p:tnLst>
+      <p:par>
+        <p:cTn id="1" dur="indefinite" restart="never" nodeType="tmRoot"/>
+      </p:par>
+    </p:tnLst>
+  </p:timing>
 </p:sld>
 </file>
 
@@ -27249,6 +31731,10 @@
             <a:r>
               <a:rPr lang="zh-CN" altLang="en-US"/>
               <a:t>数据 渠道效果</a:t>
+            </a:r>
+            <a:r>
+              <a:rPr lang="en-US" altLang="zh-CN"/>
+              <a:t/>
             </a:r>
             <a:br>
               <a:rPr lang="en-US" altLang="zh-CN"/>
@@ -27336,6 +31822,13 @@
   <p:clrMapOvr>
     <a:masterClrMapping/>
   </p:clrMapOvr>
+  <p:timing>
+    <p:tnLst>
+      <p:par>
+        <p:cTn id="1" dur="indefinite" restart="never" nodeType="tmRoot"/>
+      </p:par>
+    </p:tnLst>
+  </p:timing>
 </p:sld>
 </file>
 
@@ -27538,6 +32031,13 @@
   <p:clrMapOvr>
     <a:masterClrMapping/>
   </p:clrMapOvr>
+  <p:timing>
+    <p:tnLst>
+      <p:par>
+        <p:cTn id="1" dur="indefinite" restart="never" nodeType="tmRoot"/>
+      </p:par>
+    </p:tnLst>
+  </p:timing>
 </p:sld>
 </file>
 
@@ -27585,6 +32085,10 @@
             <a:r>
               <a:rPr lang="zh-CN" altLang="en-US"/>
               <a:t>数据 渠道效果</a:t>
+            </a:r>
+            <a:r>
+              <a:rPr lang="en-US" altLang="zh-CN"/>
+              <a:t/>
             </a:r>
             <a:br>
               <a:rPr lang="en-US" altLang="zh-CN"/>
@@ -27669,6 +32173,13 @@
   <p:clrMapOvr>
     <a:masterClrMapping/>
   </p:clrMapOvr>
+  <p:timing>
+    <p:tnLst>
+      <p:par>
+        <p:cTn id="1" dur="indefinite" restart="never" nodeType="tmRoot"/>
+      </p:par>
+    </p:tnLst>
+  </p:timing>
 </p:sld>
 </file>
 
@@ -27724,6 +32235,10 @@
             <a:r>
               <a:rPr lang="zh-CN" altLang="en-US"/>
               <a:t>渠道日表</a:t>
+            </a:r>
+            <a:r>
+              <a:rPr lang="en-US" altLang="zh-CN"/>
+              <a:t/>
             </a:r>
             <a:br>
               <a:rPr lang="en-US" altLang="zh-CN"/>
@@ -27821,6 +32336,13 @@
   <p:clrMapOvr>
     <a:masterClrMapping/>
   </p:clrMapOvr>
+  <p:timing>
+    <p:tnLst>
+      <p:par>
+        <p:cTn id="1" dur="indefinite" restart="never" nodeType="tmRoot"/>
+      </p:par>
+    </p:tnLst>
+  </p:timing>
 </p:sld>
 </file>
 
@@ -27868,6 +32390,10 @@
             <a:r>
               <a:rPr lang="zh-CN" altLang="en-US"/>
               <a:t>数据 游戏效果</a:t>
+            </a:r>
+            <a:r>
+              <a:rPr lang="en-US" altLang="zh-CN"/>
+              <a:t/>
             </a:r>
             <a:br>
               <a:rPr lang="en-US" altLang="zh-CN"/>
@@ -28013,6 +32539,13 @@
   <p:clrMapOvr>
     <a:masterClrMapping/>
   </p:clrMapOvr>
+  <p:timing>
+    <p:tnLst>
+      <p:par>
+        <p:cTn id="1" dur="indefinite" restart="never" nodeType="tmRoot"/>
+      </p:par>
+    </p:tnLst>
+  </p:timing>
 </p:sld>
 </file>
 
@@ -28060,6 +32593,10 @@
             <a:r>
               <a:rPr lang="zh-CN" altLang="en-US"/>
               <a:t>数据 充值数据</a:t>
+            </a:r>
+            <a:r>
+              <a:rPr lang="en-US" altLang="zh-CN"/>
+              <a:t/>
             </a:r>
             <a:br>
               <a:rPr lang="en-US" altLang="zh-CN"/>
@@ -28223,6 +32760,13 @@
   <p:clrMapOvr>
     <a:masterClrMapping/>
   </p:clrMapOvr>
+  <p:timing>
+    <p:tnLst>
+      <p:par>
+        <p:cTn id="1" dur="indefinite" restart="never" nodeType="tmRoot"/>
+      </p:par>
+    </p:tnLst>
+  </p:timing>
 </p:sld>
 </file>
 
@@ -28270,6 +32814,10 @@
             <a:r>
               <a:rPr lang="zh-CN" altLang="en-US"/>
               <a:t>数据 业务管理</a:t>
+            </a:r>
+            <a:r>
+              <a:rPr lang="en-US" altLang="zh-CN"/>
+              <a:t/>
             </a:r>
             <a:br>
               <a:rPr lang="en-US" altLang="zh-CN"/>
@@ -28431,6 +32979,10 @@
               </a:rPr>
               <a:t>返回项目介绍</a:t>
             </a:r>
+            <a:r>
+              <a:rPr lang="en-US" altLang="zh-CN"/>
+              <a:t/>
+            </a:r>
             <a:br>
               <a:rPr lang="en-US" altLang="zh-CN"/>
             </a:br>
@@ -28565,6 +33117,10 @@
               <a:rPr lang="zh-CN" altLang="en-US"/>
               <a:t>正版业务</a:t>
             </a:r>
+            <a:r>
+              <a:rPr lang="en-US" altLang="zh-CN"/>
+              <a:t/>
+            </a:r>
             <a:br>
               <a:rPr lang="en-US" altLang="zh-CN"/>
             </a:br>
@@ -28700,6 +33256,10 @@
               <a:rPr lang="zh-CN" altLang="en-US"/>
               <a:t>正版业务 用户列表</a:t>
             </a:r>
+            <a:r>
+              <a:rPr lang="en-US" altLang="zh-CN"/>
+              <a:t/>
+            </a:r>
             <a:br>
               <a:rPr lang="en-US" altLang="zh-CN"/>
             </a:br>
@@ -28833,6 +33393,10 @@
             <a:r>
               <a:rPr lang="zh-CN" altLang="en-US"/>
               <a:t>正版业务 游戏列表</a:t>
+            </a:r>
+            <a:r>
+              <a:rPr lang="en-US" altLang="zh-CN"/>
+              <a:t/>
             </a:r>
             <a:br>
               <a:rPr lang="en-US" altLang="zh-CN"/>
@@ -29037,6 +33601,10 @@
               <a:rPr lang="zh-CN" altLang="en-US"/>
               <a:t>渠道列表</a:t>
             </a:r>
+            <a:r>
+              <a:rPr lang="en-US" altLang="zh-CN"/>
+              <a:t/>
+            </a:r>
             <a:br>
               <a:rPr lang="en-US" altLang="zh-CN"/>
             </a:br>
@@ -29231,6 +33799,10 @@
             <a:r>
               <a:rPr lang="zh-CN" altLang="en-US"/>
               <a:t>正版业务 广告位列表</a:t>
+            </a:r>
+            <a:r>
+              <a:rPr lang="en-US" altLang="zh-CN"/>
+              <a:t/>
             </a:r>
             <a:br>
               <a:rPr lang="en-US" altLang="zh-CN"/>
@@ -29460,6 +34032,10 @@
               </a:rPr>
               <a:t>返回项目模块</a:t>
             </a:r>
+            <a:r>
+              <a:rPr lang="en-US" altLang="zh-CN"/>
+              <a:t/>
+            </a:r>
             <a:br>
               <a:rPr lang="en-US" altLang="zh-CN"/>
             </a:br>
@@ -29652,6 +34228,10 @@
               <a:rPr lang="zh-CN" altLang="en-US"/>
               <a:t>正版数据</a:t>
             </a:r>
+            <a:r>
+              <a:rPr lang="en-US" altLang="zh-CN"/>
+              <a:t/>
+            </a:r>
             <a:br>
               <a:rPr lang="en-US" altLang="zh-CN"/>
             </a:br>
@@ -29796,6 +34376,10 @@
             <a:r>
               <a:rPr lang="zh-CN" altLang="en-US"/>
               <a:t>正版数据 渠道时表</a:t>
+            </a:r>
+            <a:r>
+              <a:rPr lang="en-US" altLang="zh-CN"/>
+              <a:t/>
             </a:r>
             <a:br>
               <a:rPr lang="en-US" altLang="zh-CN"/>
@@ -29972,6 +34556,10 @@
               <a:rPr lang="zh-CN" altLang="en-US"/>
               <a:t>优云</a:t>
             </a:r>
+            <a:r>
+              <a:rPr lang="en-US" altLang="zh-CN"/>
+              <a:t/>
+            </a:r>
             <a:br>
               <a:rPr lang="en-US" altLang="zh-CN"/>
             </a:br>
@@ -30059,6 +34647,13 @@
   <p:clrMapOvr>
     <a:masterClrMapping/>
   </p:clrMapOvr>
+  <p:timing>
+    <p:tnLst>
+      <p:par>
+        <p:cTn id="1" dur="indefinite" restart="never" nodeType="tmRoot"/>
+      </p:par>
+    </p:tnLst>
+  </p:timing>
 </p:sld>
 </file>
 
@@ -30106,6 +34701,10 @@
             <a:r>
               <a:rPr lang="zh-CN" altLang="en-US"/>
               <a:t>正版数据 渠道效果</a:t>
+            </a:r>
+            <a:r>
+              <a:rPr lang="en-US" altLang="zh-CN"/>
+              <a:t/>
             </a:r>
             <a:br>
               <a:rPr lang="en-US" altLang="zh-CN"/>
@@ -30293,6 +34892,10 @@
               <a:rPr lang="zh-CN" altLang="en-US"/>
               <a:t>正版数据 渠道日表</a:t>
             </a:r>
+            <a:r>
+              <a:rPr lang="en-US" altLang="zh-CN"/>
+              <a:t/>
+            </a:r>
             <a:br>
               <a:rPr lang="en-US" altLang="zh-CN"/>
             </a:br>
@@ -30485,6 +35088,10 @@
               <a:rPr lang="zh-CN" altLang="en-US"/>
               <a:t>正版数据 游戏效果</a:t>
             </a:r>
+            <a:r>
+              <a:rPr lang="en-US" altLang="zh-CN"/>
+              <a:t/>
+            </a:r>
             <a:br>
               <a:rPr lang="en-US" altLang="zh-CN"/>
             </a:br>
@@ -30649,6 +35256,10 @@
               <a:rPr lang="zh-CN" altLang="en-US"/>
               <a:t>正版数据 充值数据</a:t>
             </a:r>
+            <a:r>
+              <a:rPr lang="en-US" altLang="zh-CN"/>
+              <a:t/>
+            </a:r>
             <a:br>
               <a:rPr lang="en-US" altLang="zh-CN"/>
             </a:br>
@@ -30867,6 +35478,10 @@
               </a:rPr>
               <a:t>返回项目模块</a:t>
             </a:r>
+            <a:r>
+              <a:rPr lang="en-US" altLang="zh-CN"/>
+              <a:t/>
+            </a:r>
             <a:br>
               <a:rPr lang="en-US" altLang="zh-CN"/>
             </a:br>
@@ -31083,6 +35698,10 @@
               <a:rPr lang="zh-CN" altLang="en-US"/>
               <a:t>海外业务 </a:t>
             </a:r>
+            <a:r>
+              <a:rPr lang="en-US" altLang="zh-CN"/>
+              <a:t/>
+            </a:r>
             <a:br>
               <a:rPr lang="en-US" altLang="zh-CN"/>
             </a:br>
@@ -31203,6 +35822,10 @@
             <a:r>
               <a:rPr lang="zh-CN" altLang="en-US"/>
               <a:t>海外业务 游戏列表</a:t>
+            </a:r>
+            <a:r>
+              <a:rPr lang="en-US" altLang="zh-CN"/>
+              <a:t/>
             </a:r>
             <a:br>
               <a:rPr lang="en-US" altLang="zh-CN"/>
@@ -31374,6 +35997,10 @@
               <a:rPr lang="zh-CN" altLang="en-US"/>
               <a:t>海外业务 渠道列表 </a:t>
             </a:r>
+            <a:r>
+              <a:rPr lang="en-US" altLang="zh-CN"/>
+              <a:t/>
+            </a:r>
             <a:br>
               <a:rPr lang="en-US" altLang="zh-CN"/>
             </a:br>
@@ -31562,6 +36189,10 @@
               <a:rPr lang="zh-CN" altLang="en-US"/>
               <a:t>海外业务 广告位列表 </a:t>
             </a:r>
+            <a:r>
+              <a:rPr lang="en-US" altLang="zh-CN"/>
+              <a:t/>
+            </a:r>
             <a:br>
               <a:rPr lang="en-US" altLang="zh-CN"/>
             </a:br>
@@ -31712,6 +36343,10 @@
               </a:rPr>
               <a:t>返回项目模块</a:t>
             </a:r>
+            <a:r>
+              <a:rPr lang="en-US" altLang="zh-CN"/>
+              <a:t/>
+            </a:r>
             <a:br>
               <a:rPr lang="en-US" altLang="zh-CN"/>
             </a:br>
@@ -31886,6 +36521,10 @@
               <a:rPr lang="zh-CN" altLang="en-US"/>
               <a:t>优云项目模块</a:t>
             </a:r>
+            <a:r>
+              <a:rPr lang="en-US" altLang="zh-CN"/>
+              <a:t/>
+            </a:r>
             <a:br>
               <a:rPr lang="en-US" altLang="zh-CN"/>
             </a:br>
@@ -32056,6 +36695,13 @@
   <p:clrMapOvr>
     <a:masterClrMapping/>
   </p:clrMapOvr>
+  <p:timing>
+    <p:tnLst>
+      <p:par>
+        <p:cTn id="1" dur="indefinite" restart="never" nodeType="tmRoot"/>
+      </p:par>
+    </p:tnLst>
+  </p:timing>
 </p:sld>
 </file>
 
@@ -32099,6 +36745,10 @@
             <a:r>
               <a:rPr lang="zh-CN" altLang="en-US"/>
               <a:t>海外数据 </a:t>
+            </a:r>
+            <a:r>
+              <a:rPr lang="en-US" altLang="zh-CN"/>
+              <a:t/>
             </a:r>
             <a:br>
               <a:rPr lang="en-US" altLang="zh-CN"/>
@@ -32220,6 +36870,10 @@
             <a:r>
               <a:rPr lang="zh-CN" altLang="en-US"/>
               <a:t>海外数据 渠道时表 </a:t>
+            </a:r>
+            <a:r>
+              <a:rPr lang="en-US" altLang="zh-CN"/>
+              <a:t/>
             </a:r>
             <a:br>
               <a:rPr lang="en-US" altLang="zh-CN"/>
@@ -32405,6 +37059,10 @@
               <a:rPr lang="zh-CN" altLang="en-US"/>
               <a:t>海外数据 渠道效果 </a:t>
             </a:r>
+            <a:r>
+              <a:rPr lang="en-US" altLang="zh-CN"/>
+              <a:t/>
+            </a:r>
             <a:br>
               <a:rPr lang="en-US" altLang="zh-CN"/>
             </a:br>
@@ -32619,6 +37277,10 @@
               <a:rPr lang="zh-CN" altLang="en-US"/>
               <a:t>海外数据 渠道日表 </a:t>
             </a:r>
+            <a:r>
+              <a:rPr lang="en-US" altLang="zh-CN"/>
+              <a:t/>
+            </a:r>
             <a:br>
               <a:rPr lang="en-US" altLang="zh-CN"/>
             </a:br>
@@ -32807,6 +37469,10 @@
               </a:rPr>
               <a:t>返回项目模块 </a:t>
             </a:r>
+            <a:r>
+              <a:rPr lang="en-US" altLang="zh-CN"/>
+              <a:t/>
+            </a:r>
             <a:br>
               <a:rPr lang="en-US" altLang="zh-CN"/>
             </a:br>
@@ -33037,6 +37703,10 @@
               <a:rPr lang="zh-CN" altLang="en-US"/>
               <a:t>财务结算</a:t>
             </a:r>
+            <a:r>
+              <a:rPr lang="en-US" altLang="zh-CN"/>
+              <a:t/>
+            </a:r>
             <a:br>
               <a:rPr lang="en-US" altLang="zh-CN"/>
             </a:br>
@@ -33169,6 +37839,10 @@
             <a:r>
               <a:rPr lang="zh-CN" altLang="en-US"/>
               <a:t>财务结算 佣金结算 </a:t>
+            </a:r>
+            <a:r>
+              <a:rPr lang="en-US" altLang="zh-CN"/>
+              <a:t/>
             </a:r>
             <a:br>
               <a:rPr lang="en-US" altLang="zh-CN"/>
@@ -33362,6 +38036,10 @@
               <a:rPr lang="zh-CN" altLang="en-US"/>
               <a:t>财务结算   分期佣金</a:t>
             </a:r>
+            <a:r>
+              <a:rPr lang="en-US" altLang="zh-CN"/>
+              <a:t/>
+            </a:r>
             <a:br>
               <a:rPr lang="en-US" altLang="zh-CN"/>
             </a:br>
@@ -33522,6 +38200,10 @@
               <a:rPr lang="zh-CN" altLang="en-US"/>
               <a:t>渠道效果</a:t>
             </a:r>
+            <a:r>
+              <a:rPr lang="en-US" altLang="zh-CN"/>
+              <a:t/>
+            </a:r>
             <a:br>
               <a:rPr lang="en-US" altLang="zh-CN"/>
             </a:br>
@@ -33708,6 +38390,10 @@
               </a:rPr>
               <a:t>返回项目模块</a:t>
             </a:r>
+            <a:r>
+              <a:rPr lang="en-US" altLang="zh-CN"/>
+              <a:t/>
+            </a:r>
             <a:br>
               <a:rPr lang="en-US" altLang="zh-CN"/>
             </a:br>
@@ -34054,6 +38740,13 @@
   <p:clrMapOvr>
     <a:masterClrMapping/>
   </p:clrMapOvr>
+  <p:timing>
+    <p:tnLst>
+      <p:par>
+        <p:cTn id="1" dur="indefinite" restart="never" nodeType="tmRoot"/>
+      </p:par>
+    </p:tnLst>
+  </p:timing>
 </p:sld>
 </file>
 
@@ -34097,6 +38790,10 @@
             <a:r>
               <a:rPr lang="zh-CN" altLang="en-US"/>
               <a:t> 对账</a:t>
+            </a:r>
+            <a:r>
+              <a:rPr lang="en-US" altLang="zh-CN"/>
+              <a:t/>
             </a:r>
             <a:br>
               <a:rPr lang="en-US" altLang="zh-CN"/>
@@ -34213,6 +38910,10 @@
             <a:r>
               <a:rPr lang="zh-CN" altLang="en-US"/>
               <a:t> 对账 账号列表</a:t>
+            </a:r>
+            <a:r>
+              <a:rPr lang="en-US" altLang="zh-CN"/>
+              <a:t/>
             </a:r>
             <a:br>
               <a:rPr lang="en-US" altLang="zh-CN"/>
@@ -34427,6 +39128,10 @@
               <a:rPr lang="zh-CN" altLang="en-US"/>
               <a:t> 对账 账号成本结算</a:t>
             </a:r>
+            <a:r>
+              <a:rPr lang="en-US" altLang="zh-CN"/>
+              <a:t/>
+            </a:r>
             <a:br>
               <a:rPr lang="en-US" altLang="zh-CN"/>
             </a:br>
@@ -34615,6 +39320,10 @@
               </a:rPr>
               <a:t>返回项目模块</a:t>
             </a:r>
+            <a:r>
+              <a:rPr lang="en-US" altLang="zh-CN"/>
+              <a:t/>
+            </a:r>
             <a:br>
               <a:rPr lang="en-US" altLang="zh-CN"/>
             </a:br>
@@ -34968,6 +39677,10 @@
               </a:rPr>
               <a:t>返回项目模块</a:t>
             </a:r>
+            <a:r>
+              <a:rPr lang="en-US" altLang="zh-CN"/>
+              <a:t/>
+            </a:r>
             <a:br>
               <a:rPr lang="en-US" altLang="zh-CN"/>
             </a:br>
@@ -35917,6 +40630,10 @@
               <a:rPr lang="zh-CN" altLang="en-US"/>
               <a:t>业务 用户列表</a:t>
             </a:r>
+            <a:r>
+              <a:rPr lang="en-US" altLang="zh-CN"/>
+              <a:t/>
+            </a:r>
             <a:br>
               <a:rPr lang="en-US" altLang="zh-CN"/>
             </a:br>
@@ -36013,6 +40730,13 @@
   <p:clrMapOvr>
     <a:masterClrMapping/>
   </p:clrMapOvr>
+  <p:timing>
+    <p:tnLst>
+      <p:par>
+        <p:cTn id="1" dur="indefinite" restart="never" nodeType="tmRoot"/>
+      </p:par>
+    </p:tnLst>
+  </p:timing>
 </p:sld>
 </file>
 
@@ -36332,6 +41056,10 @@
               <a:rPr lang="zh-CN" altLang="en-US"/>
               <a:t>业务 渠道列表</a:t>
             </a:r>
+            <a:r>
+              <a:rPr lang="en-US" altLang="zh-CN"/>
+              <a:t/>
+            </a:r>
             <a:br>
               <a:rPr lang="en-US" altLang="zh-CN"/>
             </a:br>
@@ -36449,6 +41177,13 @@
   <p:clrMapOvr>
     <a:masterClrMapping/>
   </p:clrMapOvr>
+  <p:timing>
+    <p:tnLst>
+      <p:par>
+        <p:cTn id="1" dur="indefinite" restart="never" nodeType="tmRoot"/>
+      </p:par>
+    </p:tnLst>
+  </p:timing>
 </p:sld>
 </file>
 
@@ -36497,6 +41232,10 @@
               <a:rPr lang="zh-CN" altLang="en-US"/>
               <a:t>业务 游戏列表</a:t>
             </a:r>
+            <a:r>
+              <a:rPr lang="en-US" altLang="zh-CN"/>
+              <a:t/>
+            </a:r>
             <a:br>
               <a:rPr lang="en-US" altLang="zh-CN"/>
             </a:br>
@@ -36635,6 +41374,13 @@
   <p:clrMapOvr>
     <a:masterClrMapping/>
   </p:clrMapOvr>
+  <p:timing>
+    <p:tnLst>
+      <p:par>
+        <p:cTn id="1" dur="indefinite" restart="never" nodeType="tmRoot"/>
+      </p:par>
+    </p:tnLst>
+  </p:timing>
 </p:sld>
 </file>
 
@@ -36683,6 +41429,10 @@
               <a:rPr lang="zh-CN" altLang="en-US"/>
               <a:t>业务 广告列表</a:t>
             </a:r>
+            <a:r>
+              <a:rPr lang="en-US" altLang="zh-CN"/>
+              <a:t/>
+            </a:r>
             <a:br>
               <a:rPr lang="en-US" altLang="zh-CN"/>
             </a:br>
@@ -36768,6 +41518,13 @@
   <p:clrMapOvr>
     <a:masterClrMapping/>
   </p:clrMapOvr>
+  <p:timing>
+    <p:tnLst>
+      <p:par>
+        <p:cTn id="1" dur="indefinite" restart="never" nodeType="tmRoot"/>
+      </p:par>
+    </p:tnLst>
+  </p:timing>
 </p:sld>
 </file>
 
